--- a/report/RO-MAN/figures/ROMAN-figures.pptx
+++ b/report/RO-MAN/figures/ROMAN-figures.pptx
@@ -10,7 +10,7 @@
   <p:sldIdLst>
     <p:sldId id="259" r:id="rId2"/>
     <p:sldId id="258" r:id="rId3"/>
-    <p:sldId id="260" r:id="rId4"/>
+    <p:sldId id="262" r:id="rId4"/>
     <p:sldId id="256" r:id="rId5"/>
     <p:sldId id="257" r:id="rId6"/>
     <p:sldId id="261" r:id="rId7"/>
@@ -213,7 +213,7 @@
           <a:p>
             <a:fld id="{3F89A295-6F9E-4D51-AE54-61E02A4CE380}" type="datetimeFigureOut">
               <a:rPr lang="en-US" smtClean="0"/>
-              <a:t>3/8/2020</a:t>
+              <a:t>3/9/2020</a:t>
             </a:fld>
             <a:endParaRPr lang="en-US"/>
           </a:p>
@@ -848,7 +848,7 @@
     </p:spTree>
     <p:extLst>
       <p:ext uri="{BB962C8B-B14F-4D97-AF65-F5344CB8AC3E}">
-        <p14:creationId xmlns:p14="http://schemas.microsoft.com/office/powerpoint/2010/main" val="3660685847"/>
+        <p14:creationId xmlns:p14="http://schemas.microsoft.com/office/powerpoint/2010/main" val="117914431"/>
       </p:ext>
     </p:extLst>
   </p:cSld>
@@ -1375,7 +1375,7 @@
           <a:p>
             <a:fld id="{F4E53FB3-0E6D-400E-94D0-294D549E0F65}" type="datetimeFigureOut">
               <a:rPr lang="en-US" smtClean="0"/>
-              <a:t>3/8/2020</a:t>
+              <a:t>3/9/2020</a:t>
             </a:fld>
             <a:endParaRPr lang="en-US"/>
           </a:p>
@@ -1573,7 +1573,7 @@
           <a:p>
             <a:fld id="{F4E53FB3-0E6D-400E-94D0-294D549E0F65}" type="datetimeFigureOut">
               <a:rPr lang="en-US" smtClean="0"/>
-              <a:t>3/8/2020</a:t>
+              <a:t>3/9/2020</a:t>
             </a:fld>
             <a:endParaRPr lang="en-US"/>
           </a:p>
@@ -1781,7 +1781,7 @@
           <a:p>
             <a:fld id="{F4E53FB3-0E6D-400E-94D0-294D549E0F65}" type="datetimeFigureOut">
               <a:rPr lang="en-US" smtClean="0"/>
-              <a:t>3/8/2020</a:t>
+              <a:t>3/9/2020</a:t>
             </a:fld>
             <a:endParaRPr lang="en-US"/>
           </a:p>
@@ -1979,7 +1979,7 @@
           <a:p>
             <a:fld id="{F4E53FB3-0E6D-400E-94D0-294D549E0F65}" type="datetimeFigureOut">
               <a:rPr lang="en-US" smtClean="0"/>
-              <a:t>3/8/2020</a:t>
+              <a:t>3/9/2020</a:t>
             </a:fld>
             <a:endParaRPr lang="en-US"/>
           </a:p>
@@ -2254,7 +2254,7 @@
           <a:p>
             <a:fld id="{F4E53FB3-0E6D-400E-94D0-294D549E0F65}" type="datetimeFigureOut">
               <a:rPr lang="en-US" smtClean="0"/>
-              <a:t>3/8/2020</a:t>
+              <a:t>3/9/2020</a:t>
             </a:fld>
             <a:endParaRPr lang="en-US"/>
           </a:p>
@@ -2519,7 +2519,7 @@
           <a:p>
             <a:fld id="{F4E53FB3-0E6D-400E-94D0-294D549E0F65}" type="datetimeFigureOut">
               <a:rPr lang="en-US" smtClean="0"/>
-              <a:t>3/8/2020</a:t>
+              <a:t>3/9/2020</a:t>
             </a:fld>
             <a:endParaRPr lang="en-US"/>
           </a:p>
@@ -2931,7 +2931,7 @@
           <a:p>
             <a:fld id="{F4E53FB3-0E6D-400E-94D0-294D549E0F65}" type="datetimeFigureOut">
               <a:rPr lang="en-US" smtClean="0"/>
-              <a:t>3/8/2020</a:t>
+              <a:t>3/9/2020</a:t>
             </a:fld>
             <a:endParaRPr lang="en-US"/>
           </a:p>
@@ -3072,7 +3072,7 @@
           <a:p>
             <a:fld id="{F4E53FB3-0E6D-400E-94D0-294D549E0F65}" type="datetimeFigureOut">
               <a:rPr lang="en-US" smtClean="0"/>
-              <a:t>3/8/2020</a:t>
+              <a:t>3/9/2020</a:t>
             </a:fld>
             <a:endParaRPr lang="en-US"/>
           </a:p>
@@ -3185,7 +3185,7 @@
           <a:p>
             <a:fld id="{F4E53FB3-0E6D-400E-94D0-294D549E0F65}" type="datetimeFigureOut">
               <a:rPr lang="en-US" smtClean="0"/>
-              <a:t>3/8/2020</a:t>
+              <a:t>3/9/2020</a:t>
             </a:fld>
             <a:endParaRPr lang="en-US"/>
           </a:p>
@@ -3496,7 +3496,7 @@
           <a:p>
             <a:fld id="{F4E53FB3-0E6D-400E-94D0-294D549E0F65}" type="datetimeFigureOut">
               <a:rPr lang="en-US" smtClean="0"/>
-              <a:t>3/8/2020</a:t>
+              <a:t>3/9/2020</a:t>
             </a:fld>
             <a:endParaRPr lang="en-US"/>
           </a:p>
@@ -3784,7 +3784,7 @@
           <a:p>
             <a:fld id="{F4E53FB3-0E6D-400E-94D0-294D549E0F65}" type="datetimeFigureOut">
               <a:rPr lang="en-US" smtClean="0"/>
-              <a:t>3/8/2020</a:t>
+              <a:t>3/9/2020</a:t>
             </a:fld>
             <a:endParaRPr lang="en-US"/>
           </a:p>
@@ -4025,7 +4025,7 @@
           <a:p>
             <a:fld id="{F4E53FB3-0E6D-400E-94D0-294D549E0F65}" type="datetimeFigureOut">
               <a:rPr lang="en-US" smtClean="0"/>
-              <a:t>3/8/2020</a:t>
+              <a:t>3/9/2020</a:t>
             </a:fld>
             <a:endParaRPr lang="en-US"/>
           </a:p>
@@ -4444,10 +4444,10 @@
       </p:grpSpPr>
       <p:pic>
         <p:nvPicPr>
-          <p:cNvPr id="3" name="Picture 2" descr="A picture containing colorful, flying, kite&#10;&#10;Description automatically generated">
-            <a:extLst>
-              <a:ext uri="{FF2B5EF4-FFF2-40B4-BE49-F238E27FC236}">
-                <a16:creationId xmlns:a16="http://schemas.microsoft.com/office/drawing/2014/main" id="{6CD345BD-1AB5-4D65-869F-140DA48208F9}"/>
+          <p:cNvPr id="4" name="Picture 3" descr="A close up of a colorful background&#10;&#10;Description automatically generated">
+            <a:extLst>
+              <a:ext uri="{FF2B5EF4-FFF2-40B4-BE49-F238E27FC236}">
+                <a16:creationId xmlns:a16="http://schemas.microsoft.com/office/drawing/2014/main" id="{32F31F15-2913-4F10-BCB0-4B4A4F593504}"/>
               </a:ext>
             </a:extLst>
           </p:cNvPr>
@@ -4470,8 +4470,8 @@
         </p:blipFill>
         <p:spPr>
           <a:xfrm>
-            <a:off x="1524001" y="0"/>
-            <a:ext cx="9133489" cy="6850117"/>
+            <a:off x="2213310" y="197529"/>
+            <a:ext cx="8689151" cy="6516863"/>
           </a:xfrm>
           <a:prstGeom prst="rect">
             <a:avLst/>
@@ -4510,10 +4510,10 @@
       </p:grpSpPr>
       <p:grpSp>
         <p:nvGrpSpPr>
-          <p:cNvPr id="2" name="Group 1">
-            <a:extLst>
-              <a:ext uri="{FF2B5EF4-FFF2-40B4-BE49-F238E27FC236}">
-                <a16:creationId xmlns:a16="http://schemas.microsoft.com/office/drawing/2014/main" id="{B288FEDF-7A69-4BDF-9A4E-3A03318C0EBC}"/>
+          <p:cNvPr id="7" name="Group 6">
+            <a:extLst>
+              <a:ext uri="{FF2B5EF4-FFF2-40B4-BE49-F238E27FC236}">
+                <a16:creationId xmlns:a16="http://schemas.microsoft.com/office/drawing/2014/main" id="{EB01FF39-776C-4784-B547-5082A73DFB57}"/>
               </a:ext>
             </a:extLst>
           </p:cNvPr>
@@ -4522,18 +4522,18 @@
         </p:nvGrpSpPr>
         <p:grpSpPr>
           <a:xfrm>
-            <a:off x="1108363" y="0"/>
-            <a:ext cx="9975274" cy="6858000"/>
-            <a:chOff x="1108363" y="0"/>
-            <a:chExt cx="9975274" cy="6858000"/>
+            <a:off x="1323215" y="0"/>
+            <a:ext cx="9179809" cy="6858000"/>
+            <a:chOff x="1323215" y="0"/>
+            <a:chExt cx="9179809" cy="6858000"/>
           </a:xfrm>
         </p:grpSpPr>
         <p:pic>
           <p:nvPicPr>
-            <p:cNvPr id="25" name="Picture 24" descr="A screenshot of a cell phone&#10;&#10;Description automatically generated">
+            <p:cNvPr id="4" name="Picture 3" descr="A screenshot of a cell phone&#10;&#10;Description automatically generated">
               <a:extLst>
                 <a:ext uri="{FF2B5EF4-FFF2-40B4-BE49-F238E27FC236}">
-                  <a16:creationId xmlns:a16="http://schemas.microsoft.com/office/drawing/2014/main" id="{15450889-A2BF-47CA-8A2C-20FAECF5C261}"/>
+                  <a16:creationId xmlns:a16="http://schemas.microsoft.com/office/drawing/2014/main" id="{2A9A48B9-2921-409D-8186-55DA405F9ECA}"/>
                 </a:ext>
               </a:extLst>
             </p:cNvPr>
@@ -4556,7 +4556,7 @@
           </p:blipFill>
           <p:spPr>
             <a:xfrm>
-              <a:off x="1108363" y="0"/>
+              <a:off x="1323215" y="0"/>
               <a:ext cx="4987637" cy="6858000"/>
             </a:xfrm>
             <a:prstGeom prst="rect">
@@ -4566,10 +4566,10 @@
         </p:pic>
         <p:pic>
           <p:nvPicPr>
-            <p:cNvPr id="27" name="Picture 26" descr="A close up of a logo&#10;&#10;Description automatically generated">
+            <p:cNvPr id="6" name="Picture 5" descr="A close up of a logo&#10;&#10;Description automatically generated">
               <a:extLst>
                 <a:ext uri="{FF2B5EF4-FFF2-40B4-BE49-F238E27FC236}">
-                  <a16:creationId xmlns:a16="http://schemas.microsoft.com/office/drawing/2014/main" id="{03AD3D24-EE60-4FC6-AF2E-6BAF9D9F4947}"/>
+                  <a16:creationId xmlns:a16="http://schemas.microsoft.com/office/drawing/2014/main" id="{A750D2B8-2475-4371-8DED-CF14279BDAC5}"/>
                 </a:ext>
               </a:extLst>
             </p:cNvPr>
@@ -4592,7 +4592,7 @@
           </p:blipFill>
           <p:spPr>
             <a:xfrm>
-              <a:off x="6096000" y="0"/>
+              <a:off x="5515387" y="0"/>
               <a:ext cx="4987637" cy="6858000"/>
             </a:xfrm>
             <a:prstGeom prst="rect">
@@ -4631,576 +4631,620 @@
           <a:chExt cx="0" cy="0"/>
         </a:xfrm>
       </p:grpSpPr>
-      <p:grpSp>
-        <p:nvGrpSpPr>
-          <p:cNvPr id="2" name="Group 1">
-            <a:extLst>
-              <a:ext uri="{FF2B5EF4-FFF2-40B4-BE49-F238E27FC236}">
-                <a16:creationId xmlns:a16="http://schemas.microsoft.com/office/drawing/2014/main" id="{AF69083D-8D84-4739-B077-3DDE12980A52}"/>
-              </a:ext>
-            </a:extLst>
-          </p:cNvPr>
-          <p:cNvGrpSpPr/>
+      <p:sp>
+        <p:nvSpPr>
+          <p:cNvPr id="4" name="TextBox 3">
+            <a:extLst>
+              <a:ext uri="{FF2B5EF4-FFF2-40B4-BE49-F238E27FC236}">
+                <a16:creationId xmlns:a16="http://schemas.microsoft.com/office/drawing/2014/main" id="{84701484-AC52-4013-A26D-C932C1EF0C35}"/>
+              </a:ext>
+            </a:extLst>
+          </p:cNvPr>
+          <p:cNvSpPr txBox="1"/>
           <p:nvPr/>
-        </p:nvGrpSpPr>
-        <p:grpSpPr>
+        </p:nvSpPr>
+        <p:spPr>
           <a:xfrm>
-            <a:off x="3123798" y="30704"/>
-            <a:ext cx="9269841" cy="6827297"/>
-            <a:chOff x="3123798" y="30704"/>
-            <a:chExt cx="9269841" cy="6827297"/>
+            <a:off x="9829911" y="1869999"/>
+            <a:ext cx="2563728" cy="830997"/>
           </a:xfrm>
-        </p:grpSpPr>
-        <p:sp>
-          <p:nvSpPr>
-            <p:cNvPr id="4" name="TextBox 3">
-              <a:extLst>
-                <a:ext uri="{FF2B5EF4-FFF2-40B4-BE49-F238E27FC236}">
-                  <a16:creationId xmlns:a16="http://schemas.microsoft.com/office/drawing/2014/main" id="{84701484-AC52-4013-A26D-C932C1EF0C35}"/>
-                </a:ext>
-              </a:extLst>
-            </p:cNvPr>
-            <p:cNvSpPr txBox="1"/>
-            <p:nvPr/>
-          </p:nvSpPr>
-          <p:spPr>
-            <a:xfrm>
-              <a:off x="9829911" y="1869999"/>
-              <a:ext cx="2563728" cy="830997"/>
-            </a:xfrm>
-            <a:prstGeom prst="rect">
-              <a:avLst/>
-            </a:prstGeom>
-            <a:noFill/>
-          </p:spPr>
-          <p:txBody>
-            <a:bodyPr wrap="square" rtlCol="0">
-              <a:spAutoFit/>
-            </a:bodyPr>
-            <a:lstStyle/>
-            <a:p>
-              <a:r>
-                <a:rPr lang="en-US" sz="2400" dirty="0"/>
-                <a:t>Rank by</a:t>
-              </a:r>
-            </a:p>
-            <a:p>
-              <a:r>
-                <a:rPr lang="en-US" sz="2400" dirty="0"/>
-                <a:t>Preference</a:t>
-              </a:r>
-            </a:p>
-          </p:txBody>
-        </p:sp>
-        <p:grpSp>
-          <p:nvGrpSpPr>
-            <p:cNvPr id="22" name="Group 21">
-              <a:extLst>
-                <a:ext uri="{FF2B5EF4-FFF2-40B4-BE49-F238E27FC236}">
-                  <a16:creationId xmlns:a16="http://schemas.microsoft.com/office/drawing/2014/main" id="{F240EDB1-05CB-4434-9E93-88E58239E97D}"/>
-                </a:ext>
-              </a:extLst>
-            </p:cNvPr>
-            <p:cNvGrpSpPr/>
-            <p:nvPr/>
-          </p:nvGrpSpPr>
-          <p:grpSpPr>
-            <a:xfrm>
-              <a:off x="3123798" y="30704"/>
-              <a:ext cx="7834935" cy="6827297"/>
-              <a:chOff x="3123798" y="30704"/>
-              <a:chExt cx="7834935" cy="6827297"/>
-            </a:xfrm>
-          </p:grpSpPr>
-          <p:pic>
-            <p:nvPicPr>
-              <p:cNvPr id="25" name="Picture 24" descr="A screenshot of a cell phone&#10;&#10;Description automatically generated">
-                <a:extLst>
-                  <a:ext uri="{FF2B5EF4-FFF2-40B4-BE49-F238E27FC236}">
-                    <a16:creationId xmlns:a16="http://schemas.microsoft.com/office/drawing/2014/main" id="{15450889-A2BF-47CA-8A2C-20FAECF5C261}"/>
-                  </a:ext>
-                </a:extLst>
-              </p:cNvPr>
-              <p:cNvPicPr>
-                <a:picLocks noChangeAspect="1"/>
-              </p:cNvPicPr>
-              <p:nvPr/>
-            </p:nvPicPr>
-            <p:blipFill rotWithShape="1">
-              <a:blip r:embed="rId3">
-                <a:extLst>
-                  <a:ext uri="{28A0092B-C50C-407E-A947-70E740481C1C}">
-                    <a14:useLocalDpi xmlns:a14="http://schemas.microsoft.com/office/drawing/2010/main" val="0"/>
-                  </a:ext>
-                </a:extLst>
-              </a:blip>
-              <a:srcRect l="9627" r="31966"/>
-              <a:stretch/>
-            </p:blipFill>
-            <p:spPr>
-              <a:xfrm>
-                <a:off x="4041697" y="492369"/>
-                <a:ext cx="2703984" cy="6365631"/>
-              </a:xfrm>
-              <a:prstGeom prst="rect">
-                <a:avLst/>
-              </a:prstGeom>
-            </p:spPr>
-          </p:pic>
-          <p:pic>
-            <p:nvPicPr>
-              <p:cNvPr id="27" name="Picture 26" descr="A close up of a logo&#10;&#10;Description automatically generated">
-                <a:extLst>
-                  <a:ext uri="{FF2B5EF4-FFF2-40B4-BE49-F238E27FC236}">
-                    <a16:creationId xmlns:a16="http://schemas.microsoft.com/office/drawing/2014/main" id="{03AD3D24-EE60-4FC6-AF2E-6BAF9D9F4947}"/>
-                  </a:ext>
-                </a:extLst>
-              </p:cNvPr>
-              <p:cNvPicPr>
-                <a:picLocks noChangeAspect="1"/>
-              </p:cNvPicPr>
-              <p:nvPr/>
-            </p:nvPicPr>
-            <p:blipFill rotWithShape="1">
-              <a:blip r:embed="rId4">
-                <a:extLst>
-                  <a:ext uri="{28A0092B-C50C-407E-A947-70E740481C1C}">
-                    <a14:useLocalDpi xmlns:a14="http://schemas.microsoft.com/office/drawing/2010/main" val="0"/>
-                  </a:ext>
-                </a:extLst>
-              </a:blip>
-              <a:srcRect l="8513" r="27044"/>
-              <a:stretch/>
-            </p:blipFill>
-            <p:spPr>
-              <a:xfrm>
-                <a:off x="6693458" y="492369"/>
-                <a:ext cx="2983411" cy="6365632"/>
-              </a:xfrm>
-              <a:prstGeom prst="rect">
-                <a:avLst/>
-              </a:prstGeom>
-            </p:spPr>
-          </p:pic>
-          <p:pic>
-            <p:nvPicPr>
-              <p:cNvPr id="5" name="Picture 4" descr="A close up of a logo&#10;&#10;Description automatically generated">
-                <a:extLst>
-                  <a:ext uri="{FF2B5EF4-FFF2-40B4-BE49-F238E27FC236}">
-                    <a16:creationId xmlns:a16="http://schemas.microsoft.com/office/drawing/2014/main" id="{9D32934A-3112-49B1-A9F0-E13A7327878D}"/>
-                  </a:ext>
-                </a:extLst>
-              </p:cNvPr>
-              <p:cNvPicPr>
-                <a:picLocks noChangeAspect="1"/>
-              </p:cNvPicPr>
-              <p:nvPr/>
-            </p:nvPicPr>
-            <p:blipFill rotWithShape="1">
-              <a:blip r:embed="rId4">
-                <a:extLst>
-                  <a:ext uri="{28A0092B-C50C-407E-A947-70E740481C1C}">
-                    <a14:useLocalDpi xmlns:a14="http://schemas.microsoft.com/office/drawing/2010/main" val="0"/>
-                  </a:ext>
-                </a:extLst>
-              </a:blip>
-              <a:srcRect l="73004" t="42701" r="17406" b="41504"/>
-              <a:stretch/>
-            </p:blipFill>
-            <p:spPr>
-              <a:xfrm>
-                <a:off x="9676869" y="2700996"/>
-                <a:ext cx="1281864" cy="2903050"/>
-              </a:xfrm>
-              <a:prstGeom prst="rect">
-                <a:avLst/>
-              </a:prstGeom>
-            </p:spPr>
-          </p:pic>
-          <p:sp>
-            <p:nvSpPr>
-              <p:cNvPr id="8" name="TextBox 7">
-                <a:extLst>
-                  <a:ext uri="{FF2B5EF4-FFF2-40B4-BE49-F238E27FC236}">
-                    <a16:creationId xmlns:a16="http://schemas.microsoft.com/office/drawing/2014/main" id="{2C7F735B-B575-44A3-9447-25DB41E4994B}"/>
-                  </a:ext>
-                </a:extLst>
-              </p:cNvPr>
-              <p:cNvSpPr txBox="1"/>
-              <p:nvPr/>
-            </p:nvSpPr>
-            <p:spPr>
-              <a:xfrm>
-                <a:off x="4486113" y="30704"/>
-                <a:ext cx="2106526" cy="461665"/>
-              </a:xfrm>
-              <a:prstGeom prst="rect">
-                <a:avLst/>
-              </a:prstGeom>
-              <a:noFill/>
-            </p:spPr>
-            <p:txBody>
-              <a:bodyPr wrap="square" rtlCol="0">
-                <a:spAutoFit/>
-              </a:bodyPr>
-              <a:lstStyle/>
-              <a:p>
-                <a:r>
-                  <a:rPr lang="en-US" sz="2400" dirty="0"/>
-                  <a:t>Ground-Truth</a:t>
-                </a:r>
-              </a:p>
-            </p:txBody>
-          </p:sp>
-          <p:sp>
-            <p:nvSpPr>
-              <p:cNvPr id="9" name="TextBox 8">
-                <a:extLst>
-                  <a:ext uri="{FF2B5EF4-FFF2-40B4-BE49-F238E27FC236}">
-                    <a16:creationId xmlns:a16="http://schemas.microsoft.com/office/drawing/2014/main" id="{2152F5F1-08CE-4CF2-ABC0-476F5618666B}"/>
-                  </a:ext>
-                </a:extLst>
-              </p:cNvPr>
-              <p:cNvSpPr txBox="1"/>
-              <p:nvPr/>
-            </p:nvSpPr>
-            <p:spPr>
-              <a:xfrm>
-                <a:off x="7158012" y="30704"/>
-                <a:ext cx="2106526" cy="461665"/>
-              </a:xfrm>
-              <a:prstGeom prst="rect">
-                <a:avLst/>
-              </a:prstGeom>
-              <a:noFill/>
-            </p:spPr>
-            <p:txBody>
-              <a:bodyPr wrap="square" rtlCol="0">
-                <a:spAutoFit/>
-              </a:bodyPr>
-              <a:lstStyle/>
-              <a:p>
-                <a:r>
-                  <a:rPr lang="en-US" sz="2400" dirty="0"/>
-                  <a:t>Reconstructed</a:t>
-                </a:r>
-              </a:p>
-            </p:txBody>
-          </p:sp>
-          <p:cxnSp>
-            <p:nvCxnSpPr>
-              <p:cNvPr id="15" name="Straight Connector 14">
-                <a:extLst>
-                  <a:ext uri="{FF2B5EF4-FFF2-40B4-BE49-F238E27FC236}">
-                    <a16:creationId xmlns:a16="http://schemas.microsoft.com/office/drawing/2014/main" id="{4F99AD08-4462-47CE-B2EF-881C2A06E75B}"/>
-                  </a:ext>
-                </a:extLst>
-              </p:cNvPr>
-              <p:cNvCxnSpPr>
-                <a:cxnSpLocks/>
-              </p:cNvCxnSpPr>
-              <p:nvPr/>
-            </p:nvCxnSpPr>
-            <p:spPr>
-              <a:xfrm>
-                <a:off x="3661985" y="635056"/>
-                <a:ext cx="0" cy="2377440"/>
-              </a:xfrm>
-              <a:prstGeom prst="line">
-                <a:avLst/>
-              </a:prstGeom>
-              <a:ln w="28575"/>
-            </p:spPr>
-            <p:style>
-              <a:lnRef idx="1">
-                <a:schemeClr val="dk1"/>
-              </a:lnRef>
-              <a:fillRef idx="0">
-                <a:schemeClr val="dk1"/>
-              </a:fillRef>
-              <a:effectRef idx="0">
-                <a:schemeClr val="dk1"/>
-              </a:effectRef>
-              <a:fontRef idx="minor">
-                <a:schemeClr val="tx1"/>
-              </a:fontRef>
-            </p:style>
-          </p:cxnSp>
-          <p:cxnSp>
-            <p:nvCxnSpPr>
-              <p:cNvPr id="16" name="Straight Connector 15">
-                <a:extLst>
-                  <a:ext uri="{FF2B5EF4-FFF2-40B4-BE49-F238E27FC236}">
-                    <a16:creationId xmlns:a16="http://schemas.microsoft.com/office/drawing/2014/main" id="{5456AEC6-A38A-47D8-82E1-235B469E53AD}"/>
-                  </a:ext>
-                </a:extLst>
-              </p:cNvPr>
-              <p:cNvCxnSpPr>
-                <a:cxnSpLocks/>
-              </p:cNvCxnSpPr>
-              <p:nvPr/>
-            </p:nvCxnSpPr>
-            <p:spPr>
-              <a:xfrm>
-                <a:off x="3661985" y="3136758"/>
-                <a:ext cx="0" cy="2286000"/>
-              </a:xfrm>
-              <a:prstGeom prst="line">
-                <a:avLst/>
-              </a:prstGeom>
-              <a:ln w="28575"/>
-            </p:spPr>
-            <p:style>
-              <a:lnRef idx="1">
-                <a:schemeClr val="dk1"/>
-              </a:lnRef>
-              <a:fillRef idx="0">
-                <a:schemeClr val="dk1"/>
-              </a:fillRef>
-              <a:effectRef idx="0">
-                <a:schemeClr val="dk1"/>
-              </a:effectRef>
-              <a:fontRef idx="minor">
-                <a:schemeClr val="tx1"/>
-              </a:fontRef>
-            </p:style>
-          </p:cxnSp>
-          <p:cxnSp>
-            <p:nvCxnSpPr>
-              <p:cNvPr id="17" name="Straight Connector 16">
-                <a:extLst>
-                  <a:ext uri="{FF2B5EF4-FFF2-40B4-BE49-F238E27FC236}">
-                    <a16:creationId xmlns:a16="http://schemas.microsoft.com/office/drawing/2014/main" id="{3C460043-689E-4E67-8884-90956338B727}"/>
-                  </a:ext>
-                </a:extLst>
-              </p:cNvPr>
-              <p:cNvCxnSpPr>
-                <a:cxnSpLocks/>
-              </p:cNvCxnSpPr>
-              <p:nvPr/>
-            </p:nvCxnSpPr>
-            <p:spPr>
-              <a:xfrm>
-                <a:off x="3661985" y="5539989"/>
-                <a:ext cx="0" cy="914400"/>
-              </a:xfrm>
-              <a:prstGeom prst="line">
-                <a:avLst/>
-              </a:prstGeom>
-              <a:ln w="28575"/>
-            </p:spPr>
-            <p:style>
-              <a:lnRef idx="1">
-                <a:schemeClr val="dk1"/>
-              </a:lnRef>
-              <a:fillRef idx="0">
-                <a:schemeClr val="dk1"/>
-              </a:fillRef>
-              <a:effectRef idx="0">
-                <a:schemeClr val="dk1"/>
-              </a:effectRef>
-              <a:fontRef idx="minor">
-                <a:schemeClr val="tx1"/>
-              </a:fontRef>
-            </p:style>
-          </p:cxnSp>
-          <p:sp>
-            <p:nvSpPr>
-              <p:cNvPr id="18" name="TextBox 17">
-                <a:extLst>
-                  <a:ext uri="{FF2B5EF4-FFF2-40B4-BE49-F238E27FC236}">
-                    <a16:creationId xmlns:a16="http://schemas.microsoft.com/office/drawing/2014/main" id="{037C4291-51A8-41CC-97E7-9BB3251F2965}"/>
-                  </a:ext>
-                </a:extLst>
-              </p:cNvPr>
-              <p:cNvSpPr txBox="1"/>
-              <p:nvPr/>
-            </p:nvSpPr>
-            <p:spPr>
-              <a:xfrm rot="16200000">
-                <a:off x="2666658" y="1494469"/>
-                <a:ext cx="1375948" cy="461665"/>
-              </a:xfrm>
-              <a:prstGeom prst="rect">
-                <a:avLst/>
-              </a:prstGeom>
-              <a:noFill/>
-            </p:spPr>
-            <p:txBody>
-              <a:bodyPr wrap="square" rtlCol="0">
-                <a:spAutoFit/>
-              </a:bodyPr>
-              <a:lstStyle/>
-              <a:p>
-                <a:r>
-                  <a:rPr lang="en-US" sz="2400" i="1" dirty="0"/>
-                  <a:t>SD = 2.1</a:t>
-                </a:r>
-              </a:p>
-            </p:txBody>
-          </p:sp>
-          <p:sp>
-            <p:nvSpPr>
-              <p:cNvPr id="19" name="TextBox 18">
-                <a:extLst>
-                  <a:ext uri="{FF2B5EF4-FFF2-40B4-BE49-F238E27FC236}">
-                    <a16:creationId xmlns:a16="http://schemas.microsoft.com/office/drawing/2014/main" id="{1666F773-3CB2-4F8B-AC5C-B3AB32AD72C7}"/>
-                  </a:ext>
-                </a:extLst>
-              </p:cNvPr>
-              <p:cNvSpPr txBox="1"/>
-              <p:nvPr/>
-            </p:nvSpPr>
-            <p:spPr>
-              <a:xfrm rot="16200000">
-                <a:off x="2666657" y="3921689"/>
-                <a:ext cx="1375948" cy="461665"/>
-              </a:xfrm>
-              <a:prstGeom prst="rect">
-                <a:avLst/>
-              </a:prstGeom>
-              <a:noFill/>
-            </p:spPr>
-            <p:txBody>
-              <a:bodyPr wrap="square" rtlCol="0">
-                <a:spAutoFit/>
-              </a:bodyPr>
-              <a:lstStyle/>
-              <a:p>
-                <a:r>
-                  <a:rPr lang="en-US" sz="2400" i="1" dirty="0"/>
-                  <a:t>SD = 1.1</a:t>
-                </a:r>
-              </a:p>
-            </p:txBody>
-          </p:sp>
-          <p:sp>
-            <p:nvSpPr>
-              <p:cNvPr id="20" name="TextBox 19">
-                <a:extLst>
-                  <a:ext uri="{FF2B5EF4-FFF2-40B4-BE49-F238E27FC236}">
-                    <a16:creationId xmlns:a16="http://schemas.microsoft.com/office/drawing/2014/main" id="{AAD9AC1F-3425-4970-8FF3-4199291F45D1}"/>
-                  </a:ext>
-                </a:extLst>
-              </p:cNvPr>
-              <p:cNvSpPr txBox="1"/>
-              <p:nvPr/>
-            </p:nvSpPr>
-            <p:spPr>
-              <a:xfrm rot="16200000">
-                <a:off x="2671155" y="5660934"/>
-                <a:ext cx="1375948" cy="461665"/>
-              </a:xfrm>
-              <a:prstGeom prst="rect">
-                <a:avLst/>
-              </a:prstGeom>
-              <a:noFill/>
-            </p:spPr>
-            <p:txBody>
-              <a:bodyPr wrap="square" rtlCol="0">
-                <a:spAutoFit/>
-              </a:bodyPr>
-              <a:lstStyle/>
-              <a:p>
-                <a:r>
-                  <a:rPr lang="en-US" sz="2400" i="1" dirty="0"/>
-                  <a:t>SD = 0.1</a:t>
-                </a:r>
-              </a:p>
-            </p:txBody>
-          </p:sp>
-          <p:cxnSp>
-            <p:nvCxnSpPr>
-              <p:cNvPr id="21" name="Straight Connector 20">
-                <a:extLst>
-                  <a:ext uri="{FF2B5EF4-FFF2-40B4-BE49-F238E27FC236}">
-                    <a16:creationId xmlns:a16="http://schemas.microsoft.com/office/drawing/2014/main" id="{BBC46255-8A99-490A-9A9D-C5FEDF7B6223}"/>
-                  </a:ext>
-                </a:extLst>
-              </p:cNvPr>
-              <p:cNvCxnSpPr>
-                <a:cxnSpLocks/>
-              </p:cNvCxnSpPr>
-              <p:nvPr/>
-            </p:nvCxnSpPr>
-            <p:spPr>
-              <a:xfrm>
-                <a:off x="4135899" y="3040632"/>
-                <a:ext cx="5394960" cy="0"/>
-              </a:xfrm>
-              <a:prstGeom prst="line">
-                <a:avLst/>
-              </a:prstGeom>
-              <a:ln w="28575">
-                <a:solidFill>
-                  <a:schemeClr val="bg1"/>
-                </a:solidFill>
-              </a:ln>
-            </p:spPr>
-            <p:style>
-              <a:lnRef idx="1">
-                <a:schemeClr val="dk1"/>
-              </a:lnRef>
-              <a:fillRef idx="0">
-                <a:schemeClr val="dk1"/>
-              </a:fillRef>
-              <a:effectRef idx="0">
-                <a:schemeClr val="dk1"/>
-              </a:effectRef>
-              <a:fontRef idx="minor">
-                <a:schemeClr val="tx1"/>
-              </a:fontRef>
-            </p:style>
-          </p:cxnSp>
-          <p:cxnSp>
-            <p:nvCxnSpPr>
-              <p:cNvPr id="24" name="Straight Connector 23">
-                <a:extLst>
-                  <a:ext uri="{FF2B5EF4-FFF2-40B4-BE49-F238E27FC236}">
-                    <a16:creationId xmlns:a16="http://schemas.microsoft.com/office/drawing/2014/main" id="{CF46BEA2-5756-490F-ACDA-85763B6BA204}"/>
-                  </a:ext>
-                </a:extLst>
-              </p:cNvPr>
-              <p:cNvCxnSpPr>
-                <a:cxnSpLocks/>
-              </p:cNvCxnSpPr>
-              <p:nvPr/>
-            </p:nvCxnSpPr>
-            <p:spPr>
-              <a:xfrm>
-                <a:off x="4062269" y="5479030"/>
-                <a:ext cx="5394960" cy="0"/>
-              </a:xfrm>
-              <a:prstGeom prst="line">
-                <a:avLst/>
-              </a:prstGeom>
-              <a:ln w="28575">
-                <a:solidFill>
-                  <a:schemeClr val="bg1"/>
-                </a:solidFill>
-              </a:ln>
-            </p:spPr>
-            <p:style>
-              <a:lnRef idx="1">
-                <a:schemeClr val="dk1"/>
-              </a:lnRef>
-              <a:fillRef idx="0">
-                <a:schemeClr val="dk1"/>
-              </a:fillRef>
-              <a:effectRef idx="0">
-                <a:schemeClr val="dk1"/>
-              </a:effectRef>
-              <a:fontRef idx="minor">
-                <a:schemeClr val="tx1"/>
-              </a:fontRef>
-            </p:style>
-          </p:cxnSp>
-        </p:grpSp>
-      </p:grpSp>
+          <a:prstGeom prst="rect">
+            <a:avLst/>
+          </a:prstGeom>
+          <a:noFill/>
+        </p:spPr>
+        <p:txBody>
+          <a:bodyPr wrap="square" rtlCol="0">
+            <a:spAutoFit/>
+          </a:bodyPr>
+          <a:lstStyle/>
+          <a:p>
+            <a:r>
+              <a:rPr lang="en-US" sz="2400" dirty="0"/>
+              <a:t>Rank by</a:t>
+            </a:r>
+          </a:p>
+          <a:p>
+            <a:r>
+              <a:rPr lang="en-US" sz="2400" dirty="0"/>
+              <a:t>Preference</a:t>
+            </a:r>
+          </a:p>
+        </p:txBody>
+      </p:sp>
+      <p:pic>
+        <p:nvPicPr>
+          <p:cNvPr id="5" name="Picture 4" descr="A close up of a logo&#10;&#10;Description automatically generated">
+            <a:extLst>
+              <a:ext uri="{FF2B5EF4-FFF2-40B4-BE49-F238E27FC236}">
+                <a16:creationId xmlns:a16="http://schemas.microsoft.com/office/drawing/2014/main" id="{9D32934A-3112-49B1-A9F0-E13A7327878D}"/>
+              </a:ext>
+            </a:extLst>
+          </p:cNvPr>
+          <p:cNvPicPr>
+            <a:picLocks noChangeAspect="1"/>
+          </p:cNvPicPr>
+          <p:nvPr/>
+        </p:nvPicPr>
+        <p:blipFill rotWithShape="1">
+          <a:blip r:embed="rId3">
+            <a:extLst>
+              <a:ext uri="{28A0092B-C50C-407E-A947-70E740481C1C}">
+                <a14:useLocalDpi xmlns:a14="http://schemas.microsoft.com/office/drawing/2010/main" val="0"/>
+              </a:ext>
+            </a:extLst>
+          </a:blip>
+          <a:srcRect l="73004" t="42701" r="17406" b="41504"/>
+          <a:stretch/>
+        </p:blipFill>
+        <p:spPr>
+          <a:xfrm>
+            <a:off x="9676869" y="2700996"/>
+            <a:ext cx="1281864" cy="2903050"/>
+          </a:xfrm>
+          <a:prstGeom prst="rect">
+            <a:avLst/>
+          </a:prstGeom>
+        </p:spPr>
+      </p:pic>
+      <p:sp>
+        <p:nvSpPr>
+          <p:cNvPr id="8" name="TextBox 7">
+            <a:extLst>
+              <a:ext uri="{FF2B5EF4-FFF2-40B4-BE49-F238E27FC236}">
+                <a16:creationId xmlns:a16="http://schemas.microsoft.com/office/drawing/2014/main" id="{2C7F735B-B575-44A3-9447-25DB41E4994B}"/>
+              </a:ext>
+            </a:extLst>
+          </p:cNvPr>
+          <p:cNvSpPr txBox="1"/>
+          <p:nvPr/>
+        </p:nvSpPr>
+        <p:spPr>
+          <a:xfrm>
+            <a:off x="4739337" y="171384"/>
+            <a:ext cx="2106526" cy="461665"/>
+          </a:xfrm>
+          <a:prstGeom prst="rect">
+            <a:avLst/>
+          </a:prstGeom>
+          <a:noFill/>
+        </p:spPr>
+        <p:txBody>
+          <a:bodyPr wrap="square" rtlCol="0">
+            <a:spAutoFit/>
+          </a:bodyPr>
+          <a:lstStyle/>
+          <a:p>
+            <a:r>
+              <a:rPr lang="en-US" sz="2400" dirty="0"/>
+              <a:t>Ground-Truth</a:t>
+            </a:r>
+          </a:p>
+        </p:txBody>
+      </p:sp>
+      <p:sp>
+        <p:nvSpPr>
+          <p:cNvPr id="9" name="TextBox 8">
+            <a:extLst>
+              <a:ext uri="{FF2B5EF4-FFF2-40B4-BE49-F238E27FC236}">
+                <a16:creationId xmlns:a16="http://schemas.microsoft.com/office/drawing/2014/main" id="{2152F5F1-08CE-4CF2-ABC0-476F5618666B}"/>
+              </a:ext>
+            </a:extLst>
+          </p:cNvPr>
+          <p:cNvSpPr txBox="1"/>
+          <p:nvPr/>
+        </p:nvSpPr>
+        <p:spPr>
+          <a:xfrm>
+            <a:off x="7242420" y="171384"/>
+            <a:ext cx="2106526" cy="461665"/>
+          </a:xfrm>
+          <a:prstGeom prst="rect">
+            <a:avLst/>
+          </a:prstGeom>
+          <a:noFill/>
+        </p:spPr>
+        <p:txBody>
+          <a:bodyPr wrap="square" rtlCol="0">
+            <a:spAutoFit/>
+          </a:bodyPr>
+          <a:lstStyle/>
+          <a:p>
+            <a:r>
+              <a:rPr lang="en-US" sz="2400" dirty="0"/>
+              <a:t>Reconstructed</a:t>
+            </a:r>
+          </a:p>
+        </p:txBody>
+      </p:sp>
+      <p:cxnSp>
+        <p:nvCxnSpPr>
+          <p:cNvPr id="15" name="Straight Connector 14">
+            <a:extLst>
+              <a:ext uri="{FF2B5EF4-FFF2-40B4-BE49-F238E27FC236}">
+                <a16:creationId xmlns:a16="http://schemas.microsoft.com/office/drawing/2014/main" id="{4F99AD08-4462-47CE-B2EF-881C2A06E75B}"/>
+              </a:ext>
+            </a:extLst>
+          </p:cNvPr>
+          <p:cNvCxnSpPr>
+            <a:cxnSpLocks/>
+          </p:cNvCxnSpPr>
+          <p:nvPr/>
+        </p:nvCxnSpPr>
+        <p:spPr>
+          <a:xfrm>
+            <a:off x="4238765" y="789804"/>
+            <a:ext cx="0" cy="2103120"/>
+          </a:xfrm>
+          <a:prstGeom prst="line">
+            <a:avLst/>
+          </a:prstGeom>
+          <a:ln w="28575"/>
+        </p:spPr>
+        <p:style>
+          <a:lnRef idx="1">
+            <a:schemeClr val="dk1"/>
+          </a:lnRef>
+          <a:fillRef idx="0">
+            <a:schemeClr val="dk1"/>
+          </a:fillRef>
+          <a:effectRef idx="0">
+            <a:schemeClr val="dk1"/>
+          </a:effectRef>
+          <a:fontRef idx="minor">
+            <a:schemeClr val="tx1"/>
+          </a:fontRef>
+        </p:style>
+      </p:cxnSp>
+      <p:cxnSp>
+        <p:nvCxnSpPr>
+          <p:cNvPr id="16" name="Straight Connector 15">
+            <a:extLst>
+              <a:ext uri="{FF2B5EF4-FFF2-40B4-BE49-F238E27FC236}">
+                <a16:creationId xmlns:a16="http://schemas.microsoft.com/office/drawing/2014/main" id="{5456AEC6-A38A-47D8-82E1-235B469E53AD}"/>
+              </a:ext>
+            </a:extLst>
+          </p:cNvPr>
+          <p:cNvCxnSpPr>
+            <a:cxnSpLocks/>
+          </p:cNvCxnSpPr>
+          <p:nvPr/>
+        </p:nvCxnSpPr>
+        <p:spPr>
+          <a:xfrm>
+            <a:off x="4238765" y="3136758"/>
+            <a:ext cx="0" cy="2011680"/>
+          </a:xfrm>
+          <a:prstGeom prst="line">
+            <a:avLst/>
+          </a:prstGeom>
+          <a:ln w="28575"/>
+        </p:spPr>
+        <p:style>
+          <a:lnRef idx="1">
+            <a:schemeClr val="dk1"/>
+          </a:lnRef>
+          <a:fillRef idx="0">
+            <a:schemeClr val="dk1"/>
+          </a:fillRef>
+          <a:effectRef idx="0">
+            <a:schemeClr val="dk1"/>
+          </a:effectRef>
+          <a:fontRef idx="minor">
+            <a:schemeClr val="tx1"/>
+          </a:fontRef>
+        </p:style>
+      </p:cxnSp>
+      <p:cxnSp>
+        <p:nvCxnSpPr>
+          <p:cNvPr id="17" name="Straight Connector 16">
+            <a:extLst>
+              <a:ext uri="{FF2B5EF4-FFF2-40B4-BE49-F238E27FC236}">
+                <a16:creationId xmlns:a16="http://schemas.microsoft.com/office/drawing/2014/main" id="{3C460043-689E-4E67-8884-90956338B727}"/>
+              </a:ext>
+            </a:extLst>
+          </p:cNvPr>
+          <p:cNvCxnSpPr>
+            <a:cxnSpLocks/>
+          </p:cNvCxnSpPr>
+          <p:nvPr/>
+        </p:nvCxnSpPr>
+        <p:spPr>
+          <a:xfrm>
+            <a:off x="4238765" y="5385243"/>
+            <a:ext cx="0" cy="1097280"/>
+          </a:xfrm>
+          <a:prstGeom prst="line">
+            <a:avLst/>
+          </a:prstGeom>
+          <a:ln w="28575"/>
+        </p:spPr>
+        <p:style>
+          <a:lnRef idx="1">
+            <a:schemeClr val="dk1"/>
+          </a:lnRef>
+          <a:fillRef idx="0">
+            <a:schemeClr val="dk1"/>
+          </a:fillRef>
+          <a:effectRef idx="0">
+            <a:schemeClr val="dk1"/>
+          </a:effectRef>
+          <a:fontRef idx="minor">
+            <a:schemeClr val="tx1"/>
+          </a:fontRef>
+        </p:style>
+      </p:cxnSp>
+      <p:sp>
+        <p:nvSpPr>
+          <p:cNvPr id="18" name="TextBox 17">
+            <a:extLst>
+              <a:ext uri="{FF2B5EF4-FFF2-40B4-BE49-F238E27FC236}">
+                <a16:creationId xmlns:a16="http://schemas.microsoft.com/office/drawing/2014/main" id="{037C4291-51A8-41CC-97E7-9BB3251F2965}"/>
+              </a:ext>
+            </a:extLst>
+          </p:cNvPr>
+          <p:cNvSpPr txBox="1"/>
+          <p:nvPr/>
+        </p:nvSpPr>
+        <p:spPr>
+          <a:xfrm rot="16200000">
+            <a:off x="3243438" y="1494469"/>
+            <a:ext cx="1375948" cy="461665"/>
+          </a:xfrm>
+          <a:prstGeom prst="rect">
+            <a:avLst/>
+          </a:prstGeom>
+          <a:noFill/>
+        </p:spPr>
+        <p:txBody>
+          <a:bodyPr wrap="square" rtlCol="0">
+            <a:spAutoFit/>
+          </a:bodyPr>
+          <a:lstStyle/>
+          <a:p>
+            <a:r>
+              <a:rPr lang="en-US" sz="2400" i="1" dirty="0"/>
+              <a:t>SD = 2.1</a:t>
+            </a:r>
+          </a:p>
+        </p:txBody>
+      </p:sp>
+      <p:sp>
+        <p:nvSpPr>
+          <p:cNvPr id="19" name="TextBox 18">
+            <a:extLst>
+              <a:ext uri="{FF2B5EF4-FFF2-40B4-BE49-F238E27FC236}">
+                <a16:creationId xmlns:a16="http://schemas.microsoft.com/office/drawing/2014/main" id="{1666F773-3CB2-4F8B-AC5C-B3AB32AD72C7}"/>
+              </a:ext>
+            </a:extLst>
+          </p:cNvPr>
+          <p:cNvSpPr txBox="1"/>
+          <p:nvPr/>
+        </p:nvSpPr>
+        <p:spPr>
+          <a:xfrm rot="16200000">
+            <a:off x="3243437" y="3921689"/>
+            <a:ext cx="1375948" cy="461665"/>
+          </a:xfrm>
+          <a:prstGeom prst="rect">
+            <a:avLst/>
+          </a:prstGeom>
+          <a:noFill/>
+        </p:spPr>
+        <p:txBody>
+          <a:bodyPr wrap="square" rtlCol="0">
+            <a:spAutoFit/>
+          </a:bodyPr>
+          <a:lstStyle/>
+          <a:p>
+            <a:r>
+              <a:rPr lang="en-US" sz="2400" i="1" dirty="0"/>
+              <a:t>SD = 1.1</a:t>
+            </a:r>
+          </a:p>
+        </p:txBody>
+      </p:sp>
+      <p:sp>
+        <p:nvSpPr>
+          <p:cNvPr id="20" name="TextBox 19">
+            <a:extLst>
+              <a:ext uri="{FF2B5EF4-FFF2-40B4-BE49-F238E27FC236}">
+                <a16:creationId xmlns:a16="http://schemas.microsoft.com/office/drawing/2014/main" id="{AAD9AC1F-3425-4970-8FF3-4199291F45D1}"/>
+              </a:ext>
+            </a:extLst>
+          </p:cNvPr>
+          <p:cNvSpPr txBox="1"/>
+          <p:nvPr/>
+        </p:nvSpPr>
+        <p:spPr>
+          <a:xfrm rot="16200000">
+            <a:off x="3247935" y="5660934"/>
+            <a:ext cx="1375948" cy="461665"/>
+          </a:xfrm>
+          <a:prstGeom prst="rect">
+            <a:avLst/>
+          </a:prstGeom>
+          <a:noFill/>
+        </p:spPr>
+        <p:txBody>
+          <a:bodyPr wrap="square" rtlCol="0">
+            <a:spAutoFit/>
+          </a:bodyPr>
+          <a:lstStyle/>
+          <a:p>
+            <a:r>
+              <a:rPr lang="en-US" sz="2400" i="1" dirty="0"/>
+              <a:t>SD = 0.1</a:t>
+            </a:r>
+          </a:p>
+        </p:txBody>
+      </p:sp>
+      <p:cxnSp>
+        <p:nvCxnSpPr>
+          <p:cNvPr id="21" name="Straight Connector 20">
+            <a:extLst>
+              <a:ext uri="{FF2B5EF4-FFF2-40B4-BE49-F238E27FC236}">
+                <a16:creationId xmlns:a16="http://schemas.microsoft.com/office/drawing/2014/main" id="{BBC46255-8A99-490A-9A9D-C5FEDF7B6223}"/>
+              </a:ext>
+            </a:extLst>
+          </p:cNvPr>
+          <p:cNvCxnSpPr>
+            <a:cxnSpLocks/>
+          </p:cNvCxnSpPr>
+          <p:nvPr/>
+        </p:nvCxnSpPr>
+        <p:spPr>
+          <a:xfrm>
+            <a:off x="4135899" y="3040632"/>
+            <a:ext cx="5394960" cy="0"/>
+          </a:xfrm>
+          <a:prstGeom prst="line">
+            <a:avLst/>
+          </a:prstGeom>
+          <a:ln w="28575">
+            <a:solidFill>
+              <a:schemeClr val="bg1"/>
+            </a:solidFill>
+          </a:ln>
+        </p:spPr>
+        <p:style>
+          <a:lnRef idx="1">
+            <a:schemeClr val="dk1"/>
+          </a:lnRef>
+          <a:fillRef idx="0">
+            <a:schemeClr val="dk1"/>
+          </a:fillRef>
+          <a:effectRef idx="0">
+            <a:schemeClr val="dk1"/>
+          </a:effectRef>
+          <a:fontRef idx="minor">
+            <a:schemeClr val="tx1"/>
+          </a:fontRef>
+        </p:style>
+      </p:cxnSp>
+      <p:cxnSp>
+        <p:nvCxnSpPr>
+          <p:cNvPr id="24" name="Straight Connector 23">
+            <a:extLst>
+              <a:ext uri="{FF2B5EF4-FFF2-40B4-BE49-F238E27FC236}">
+                <a16:creationId xmlns:a16="http://schemas.microsoft.com/office/drawing/2014/main" id="{CF46BEA2-5756-490F-ACDA-85763B6BA204}"/>
+              </a:ext>
+            </a:extLst>
+          </p:cNvPr>
+          <p:cNvCxnSpPr>
+            <a:cxnSpLocks/>
+          </p:cNvCxnSpPr>
+          <p:nvPr/>
+        </p:nvCxnSpPr>
+        <p:spPr>
+          <a:xfrm>
+            <a:off x="4062269" y="5479030"/>
+            <a:ext cx="5394960" cy="0"/>
+          </a:xfrm>
+          <a:prstGeom prst="line">
+            <a:avLst/>
+          </a:prstGeom>
+          <a:ln w="28575">
+            <a:solidFill>
+              <a:schemeClr val="bg1"/>
+            </a:solidFill>
+          </a:ln>
+        </p:spPr>
+        <p:style>
+          <a:lnRef idx="1">
+            <a:schemeClr val="dk1"/>
+          </a:lnRef>
+          <a:fillRef idx="0">
+            <a:schemeClr val="dk1"/>
+          </a:fillRef>
+          <a:effectRef idx="0">
+            <a:schemeClr val="dk1"/>
+          </a:effectRef>
+          <a:fontRef idx="minor">
+            <a:schemeClr val="tx1"/>
+          </a:fontRef>
+        </p:style>
+      </p:cxnSp>
+      <p:pic>
+        <p:nvPicPr>
+          <p:cNvPr id="23" name="Picture 22" descr="A close up of a logo&#10;&#10;Description automatically generated">
+            <a:extLst>
+              <a:ext uri="{FF2B5EF4-FFF2-40B4-BE49-F238E27FC236}">
+                <a16:creationId xmlns:a16="http://schemas.microsoft.com/office/drawing/2014/main" id="{B57390E1-164D-4064-95D4-45531DA48A67}"/>
+              </a:ext>
+            </a:extLst>
+          </p:cNvPr>
+          <p:cNvPicPr>
+            <a:picLocks noChangeAspect="1"/>
+          </p:cNvPicPr>
+          <p:nvPr/>
+        </p:nvPicPr>
+        <p:blipFill rotWithShape="1">
+          <a:blip r:embed="rId4">
+            <a:extLst>
+              <a:ext uri="{28A0092B-C50C-407E-A947-70E740481C1C}">
+                <a14:useLocalDpi xmlns:a14="http://schemas.microsoft.com/office/drawing/2010/main" val="0"/>
+              </a:ext>
+            </a:extLst>
+          </a:blip>
+          <a:srcRect l="12111" t="1003" r="30632" b="-109"/>
+          <a:stretch/>
+        </p:blipFill>
+        <p:spPr>
+          <a:xfrm>
+            <a:off x="7023581" y="581648"/>
+            <a:ext cx="2614711" cy="6222944"/>
+          </a:xfrm>
+          <a:prstGeom prst="rect">
+            <a:avLst/>
+          </a:prstGeom>
+        </p:spPr>
+      </p:pic>
+      <p:pic>
+        <p:nvPicPr>
+          <p:cNvPr id="26" name="Picture 25" descr="A screenshot of a cell phone&#10;&#10;Description automatically generated">
+            <a:extLst>
+              <a:ext uri="{FF2B5EF4-FFF2-40B4-BE49-F238E27FC236}">
+                <a16:creationId xmlns:a16="http://schemas.microsoft.com/office/drawing/2014/main" id="{A9CFAF1F-B529-4ACA-9E95-3BA644CA7899}"/>
+              </a:ext>
+            </a:extLst>
+          </p:cNvPr>
+          <p:cNvPicPr>
+            <a:picLocks noChangeAspect="1"/>
+          </p:cNvPicPr>
+          <p:nvPr/>
+        </p:nvPicPr>
+        <p:blipFill rotWithShape="1">
+          <a:blip r:embed="rId5">
+            <a:extLst>
+              <a:ext uri="{28A0092B-C50C-407E-A947-70E740481C1C}">
+                <a14:useLocalDpi xmlns:a14="http://schemas.microsoft.com/office/drawing/2010/main" val="0"/>
+              </a:ext>
+            </a:extLst>
+          </a:blip>
+          <a:srcRect l="11487" t="448" r="34299" b="448"/>
+          <a:stretch/>
+        </p:blipFill>
+        <p:spPr>
+          <a:xfrm>
+            <a:off x="4440486" y="581648"/>
+            <a:ext cx="2542510" cy="6205644"/>
+          </a:xfrm>
+          <a:prstGeom prst="rect">
+            <a:avLst/>
+          </a:prstGeom>
+        </p:spPr>
+      </p:pic>
+      <p:cxnSp>
+        <p:nvCxnSpPr>
+          <p:cNvPr id="28" name="Straight Connector 27">
+            <a:extLst>
+              <a:ext uri="{FF2B5EF4-FFF2-40B4-BE49-F238E27FC236}">
+                <a16:creationId xmlns:a16="http://schemas.microsoft.com/office/drawing/2014/main" id="{0C5DEA84-BE39-4138-8C9D-BCD9B9BD3863}"/>
+              </a:ext>
+            </a:extLst>
+          </p:cNvPr>
+          <p:cNvCxnSpPr>
+            <a:cxnSpLocks/>
+          </p:cNvCxnSpPr>
+          <p:nvPr/>
+        </p:nvCxnSpPr>
+        <p:spPr>
+          <a:xfrm>
+            <a:off x="4281909" y="2955891"/>
+            <a:ext cx="5394960" cy="0"/>
+          </a:xfrm>
+          <a:prstGeom prst="line">
+            <a:avLst/>
+          </a:prstGeom>
+          <a:ln w="28575">
+            <a:solidFill>
+              <a:schemeClr val="bg1"/>
+            </a:solidFill>
+          </a:ln>
+        </p:spPr>
+        <p:style>
+          <a:lnRef idx="1">
+            <a:schemeClr val="dk1"/>
+          </a:lnRef>
+          <a:fillRef idx="0">
+            <a:schemeClr val="dk1"/>
+          </a:fillRef>
+          <a:effectRef idx="0">
+            <a:schemeClr val="dk1"/>
+          </a:effectRef>
+          <a:fontRef idx="minor">
+            <a:schemeClr val="tx1"/>
+          </a:fontRef>
+        </p:style>
+      </p:cxnSp>
+      <p:cxnSp>
+        <p:nvCxnSpPr>
+          <p:cNvPr id="29" name="Straight Connector 28">
+            <a:extLst>
+              <a:ext uri="{FF2B5EF4-FFF2-40B4-BE49-F238E27FC236}">
+                <a16:creationId xmlns:a16="http://schemas.microsoft.com/office/drawing/2014/main" id="{8F50E44C-3843-49AD-972D-644428CC9E97}"/>
+              </a:ext>
+            </a:extLst>
+          </p:cNvPr>
+          <p:cNvCxnSpPr>
+            <a:cxnSpLocks/>
+          </p:cNvCxnSpPr>
+          <p:nvPr/>
+        </p:nvCxnSpPr>
+        <p:spPr>
+          <a:xfrm>
+            <a:off x="4243332" y="5310214"/>
+            <a:ext cx="5394960" cy="0"/>
+          </a:xfrm>
+          <a:prstGeom prst="line">
+            <a:avLst/>
+          </a:prstGeom>
+          <a:ln w="28575">
+            <a:solidFill>
+              <a:schemeClr val="bg1"/>
+            </a:solidFill>
+          </a:ln>
+        </p:spPr>
+        <p:style>
+          <a:lnRef idx="1">
+            <a:schemeClr val="dk1"/>
+          </a:lnRef>
+          <a:fillRef idx="0">
+            <a:schemeClr val="dk1"/>
+          </a:fillRef>
+          <a:effectRef idx="0">
+            <a:schemeClr val="dk1"/>
+          </a:effectRef>
+          <a:fontRef idx="minor">
+            <a:schemeClr val="tx1"/>
+          </a:fontRef>
+        </p:style>
+      </p:cxnSp>
     </p:spTree>
     <p:extLst>
       <p:ext uri="{BB962C8B-B14F-4D97-AF65-F5344CB8AC3E}">
-        <p14:creationId xmlns:p14="http://schemas.microsoft.com/office/powerpoint/2010/main" val="1837926949"/>
+        <p14:creationId xmlns:p14="http://schemas.microsoft.com/office/powerpoint/2010/main" val="889487962"/>
       </p:ext>
     </p:extLst>
   </p:cSld>

--- a/report/RO-MAN/figures/ROMAN-figures.pptx
+++ b/report/RO-MAN/figures/ROMAN-figures.pptx
@@ -5,15 +5,17 @@
     <p:sldMasterId id="2147483648" r:id="rId1"/>
   </p:sldMasterIdLst>
   <p:notesMasterIdLst>
-    <p:notesMasterId r:id="rId8"/>
+    <p:notesMasterId r:id="rId10"/>
   </p:notesMasterIdLst>
   <p:sldIdLst>
-    <p:sldId id="259" r:id="rId2"/>
-    <p:sldId id="258" r:id="rId3"/>
-    <p:sldId id="262" r:id="rId4"/>
-    <p:sldId id="256" r:id="rId5"/>
-    <p:sldId id="257" r:id="rId6"/>
-    <p:sldId id="261" r:id="rId7"/>
+    <p:sldId id="263" r:id="rId2"/>
+    <p:sldId id="264" r:id="rId3"/>
+    <p:sldId id="259" r:id="rId4"/>
+    <p:sldId id="258" r:id="rId5"/>
+    <p:sldId id="262" r:id="rId6"/>
+    <p:sldId id="256" r:id="rId7"/>
+    <p:sldId id="257" r:id="rId8"/>
+    <p:sldId id="261" r:id="rId9"/>
   </p:sldIdLst>
   <p:sldSz cx="12192000" cy="6858000"/>
   <p:notesSz cx="6858000" cy="9144000"/>
@@ -213,7 +215,7 @@
           <a:p>
             <a:fld id="{3F89A295-6F9E-4D51-AE54-61E02A4CE380}" type="datetimeFigureOut">
               <a:rPr lang="en-US" smtClean="0"/>
-              <a:t>3/9/2020</a:t>
+              <a:t>3/11/2020</a:t>
             </a:fld>
             <a:endParaRPr lang="en-US"/>
           </a:p>
@@ -561,7 +563,7 @@
           <a:p>
             <a:fld id="{DA1463AA-A683-4C2A-8632-07FD5D698543}" type="slidenum">
               <a:rPr lang="en-US" smtClean="0"/>
-              <a:t>1</a:t>
+              <a:t>3</a:t>
             </a:fld>
             <a:endParaRPr lang="en-US"/>
           </a:p>
@@ -700,7 +702,7 @@
           <a:p>
             <a:fld id="{DA1463AA-A683-4C2A-8632-07FD5D698543}" type="slidenum">
               <a:rPr lang="en-US" smtClean="0"/>
-              <a:t>2</a:t>
+              <a:t>4</a:t>
             </a:fld>
             <a:endParaRPr lang="en-US"/>
           </a:p>
@@ -839,7 +841,7 @@
           <a:p>
             <a:fld id="{DA1463AA-A683-4C2A-8632-07FD5D698543}" type="slidenum">
               <a:rPr lang="en-US" smtClean="0"/>
-              <a:t>3</a:t>
+              <a:t>5</a:t>
             </a:fld>
             <a:endParaRPr lang="en-US"/>
           </a:p>
@@ -951,7 +953,7 @@
           <a:p>
             <a:fld id="{DA1463AA-A683-4C2A-8632-07FD5D698543}" type="slidenum">
               <a:rPr lang="en-US" smtClean="0"/>
-              <a:t>4</a:t>
+              <a:t>6</a:t>
             </a:fld>
             <a:endParaRPr lang="en-US"/>
           </a:p>
@@ -1070,7 +1072,7 @@
           <a:p>
             <a:fld id="{DA1463AA-A683-4C2A-8632-07FD5D698543}" type="slidenum">
               <a:rPr lang="en-US" smtClean="0"/>
-              <a:t>5</a:t>
+              <a:t>7</a:t>
             </a:fld>
             <a:endParaRPr lang="en-US"/>
           </a:p>
@@ -1209,7 +1211,7 @@
           <a:p>
             <a:fld id="{DA1463AA-A683-4C2A-8632-07FD5D698543}" type="slidenum">
               <a:rPr lang="en-US" smtClean="0"/>
-              <a:t>6</a:t>
+              <a:t>8</a:t>
             </a:fld>
             <a:endParaRPr lang="en-US"/>
           </a:p>
@@ -1375,7 +1377,7 @@
           <a:p>
             <a:fld id="{F4E53FB3-0E6D-400E-94D0-294D549E0F65}" type="datetimeFigureOut">
               <a:rPr lang="en-US" smtClean="0"/>
-              <a:t>3/9/2020</a:t>
+              <a:t>3/11/2020</a:t>
             </a:fld>
             <a:endParaRPr lang="en-US"/>
           </a:p>
@@ -1573,7 +1575,7 @@
           <a:p>
             <a:fld id="{F4E53FB3-0E6D-400E-94D0-294D549E0F65}" type="datetimeFigureOut">
               <a:rPr lang="en-US" smtClean="0"/>
-              <a:t>3/9/2020</a:t>
+              <a:t>3/11/2020</a:t>
             </a:fld>
             <a:endParaRPr lang="en-US"/>
           </a:p>
@@ -1781,7 +1783,7 @@
           <a:p>
             <a:fld id="{F4E53FB3-0E6D-400E-94D0-294D549E0F65}" type="datetimeFigureOut">
               <a:rPr lang="en-US" smtClean="0"/>
-              <a:t>3/9/2020</a:t>
+              <a:t>3/11/2020</a:t>
             </a:fld>
             <a:endParaRPr lang="en-US"/>
           </a:p>
@@ -1979,7 +1981,7 @@
           <a:p>
             <a:fld id="{F4E53FB3-0E6D-400E-94D0-294D549E0F65}" type="datetimeFigureOut">
               <a:rPr lang="en-US" smtClean="0"/>
-              <a:t>3/9/2020</a:t>
+              <a:t>3/11/2020</a:t>
             </a:fld>
             <a:endParaRPr lang="en-US"/>
           </a:p>
@@ -2254,7 +2256,7 @@
           <a:p>
             <a:fld id="{F4E53FB3-0E6D-400E-94D0-294D549E0F65}" type="datetimeFigureOut">
               <a:rPr lang="en-US" smtClean="0"/>
-              <a:t>3/9/2020</a:t>
+              <a:t>3/11/2020</a:t>
             </a:fld>
             <a:endParaRPr lang="en-US"/>
           </a:p>
@@ -2519,7 +2521,7 @@
           <a:p>
             <a:fld id="{F4E53FB3-0E6D-400E-94D0-294D549E0F65}" type="datetimeFigureOut">
               <a:rPr lang="en-US" smtClean="0"/>
-              <a:t>3/9/2020</a:t>
+              <a:t>3/11/2020</a:t>
             </a:fld>
             <a:endParaRPr lang="en-US"/>
           </a:p>
@@ -2931,7 +2933,7 @@
           <a:p>
             <a:fld id="{F4E53FB3-0E6D-400E-94D0-294D549E0F65}" type="datetimeFigureOut">
               <a:rPr lang="en-US" smtClean="0"/>
-              <a:t>3/9/2020</a:t>
+              <a:t>3/11/2020</a:t>
             </a:fld>
             <a:endParaRPr lang="en-US"/>
           </a:p>
@@ -3072,7 +3074,7 @@
           <a:p>
             <a:fld id="{F4E53FB3-0E6D-400E-94D0-294D549E0F65}" type="datetimeFigureOut">
               <a:rPr lang="en-US" smtClean="0"/>
-              <a:t>3/9/2020</a:t>
+              <a:t>3/11/2020</a:t>
             </a:fld>
             <a:endParaRPr lang="en-US"/>
           </a:p>
@@ -3185,7 +3187,7 @@
           <a:p>
             <a:fld id="{F4E53FB3-0E6D-400E-94D0-294D549E0F65}" type="datetimeFigureOut">
               <a:rPr lang="en-US" smtClean="0"/>
-              <a:t>3/9/2020</a:t>
+              <a:t>3/11/2020</a:t>
             </a:fld>
             <a:endParaRPr lang="en-US"/>
           </a:p>
@@ -3496,7 +3498,7 @@
           <a:p>
             <a:fld id="{F4E53FB3-0E6D-400E-94D0-294D549E0F65}" type="datetimeFigureOut">
               <a:rPr lang="en-US" smtClean="0"/>
-              <a:t>3/9/2020</a:t>
+              <a:t>3/11/2020</a:t>
             </a:fld>
             <a:endParaRPr lang="en-US"/>
           </a:p>
@@ -3784,7 +3786,7 @@
           <a:p>
             <a:fld id="{F4E53FB3-0E6D-400E-94D0-294D549E0F65}" type="datetimeFigureOut">
               <a:rPr lang="en-US" smtClean="0"/>
-              <a:t>3/9/2020</a:t>
+              <a:t>3/11/2020</a:t>
             </a:fld>
             <a:endParaRPr lang="en-US"/>
           </a:p>
@@ -4025,7 +4027,7 @@
           <a:p>
             <a:fld id="{F4E53FB3-0E6D-400E-94D0-294D549E0F65}" type="datetimeFigureOut">
               <a:rPr lang="en-US" smtClean="0"/>
-              <a:t>3/9/2020</a:t>
+              <a:t>3/11/2020</a:t>
             </a:fld>
             <a:endParaRPr lang="en-US"/>
           </a:p>
@@ -4426,6 +4428,2003 @@
 </file>
 
 <file path=ppt/slides/slide1.xml><?xml version="1.0" encoding="utf-8"?>
+<p:sld xmlns:a="http://schemas.openxmlformats.org/drawingml/2006/main" xmlns:r="http://schemas.openxmlformats.org/officeDocument/2006/relationships" xmlns:p="http://schemas.openxmlformats.org/presentationml/2006/main" show="0">
+  <p:cSld>
+    <p:spTree>
+      <p:nvGrpSpPr>
+        <p:cNvPr id="1" name=""/>
+        <p:cNvGrpSpPr/>
+        <p:nvPr/>
+      </p:nvGrpSpPr>
+      <p:grpSpPr>
+        <a:xfrm>
+          <a:off x="0" y="0"/>
+          <a:ext cx="0" cy="0"/>
+          <a:chOff x="0" y="0"/>
+          <a:chExt cx="0" cy="0"/>
+        </a:xfrm>
+      </p:grpSpPr>
+      <p:grpSp>
+        <p:nvGrpSpPr>
+          <p:cNvPr id="44" name="群組 43">
+            <a:extLst>
+              <a:ext uri="{FF2B5EF4-FFF2-40B4-BE49-F238E27FC236}">
+                <a16:creationId xmlns:a16="http://schemas.microsoft.com/office/drawing/2014/main" id="{8B56271E-0134-DD43-9BA3-88C48F40C473}"/>
+              </a:ext>
+            </a:extLst>
+          </p:cNvPr>
+          <p:cNvGrpSpPr/>
+          <p:nvPr/>
+        </p:nvGrpSpPr>
+        <p:grpSpPr>
+          <a:xfrm>
+            <a:off x="2198916" y="1360713"/>
+            <a:ext cx="7053941" cy="5203371"/>
+            <a:chOff x="3145971" y="859971"/>
+            <a:chExt cx="7239000" cy="5159827"/>
+          </a:xfrm>
+        </p:grpSpPr>
+        <p:grpSp>
+          <p:nvGrpSpPr>
+            <p:cNvPr id="41" name="群組 40">
+              <a:extLst>
+                <a:ext uri="{FF2B5EF4-FFF2-40B4-BE49-F238E27FC236}">
+                  <a16:creationId xmlns:a16="http://schemas.microsoft.com/office/drawing/2014/main" id="{7CD27707-320D-CF49-9C63-82D1937F501D}"/>
+                </a:ext>
+              </a:extLst>
+            </p:cNvPr>
+            <p:cNvGrpSpPr/>
+            <p:nvPr/>
+          </p:nvGrpSpPr>
+          <p:grpSpPr>
+            <a:xfrm>
+              <a:off x="3145971" y="859971"/>
+              <a:ext cx="7239000" cy="5159827"/>
+              <a:chOff x="3145971" y="859971"/>
+              <a:chExt cx="7239000" cy="5159827"/>
+            </a:xfrm>
+          </p:grpSpPr>
+          <p:grpSp>
+            <p:nvGrpSpPr>
+              <p:cNvPr id="21" name="群組 20">
+                <a:extLst>
+                  <a:ext uri="{FF2B5EF4-FFF2-40B4-BE49-F238E27FC236}">
+                    <a16:creationId xmlns:a16="http://schemas.microsoft.com/office/drawing/2014/main" id="{070EB3C3-0A24-D04D-BDD9-099D3B40FD00}"/>
+                  </a:ext>
+                </a:extLst>
+              </p:cNvPr>
+              <p:cNvGrpSpPr/>
+              <p:nvPr/>
+            </p:nvGrpSpPr>
+            <p:grpSpPr>
+              <a:xfrm>
+                <a:off x="3145971" y="859971"/>
+                <a:ext cx="7239000" cy="5159827"/>
+                <a:chOff x="3557429" y="1262741"/>
+                <a:chExt cx="6581843" cy="4615543"/>
+              </a:xfrm>
+            </p:grpSpPr>
+            <p:grpSp>
+              <p:nvGrpSpPr>
+                <p:cNvPr id="7" name="群組 6">
+                  <a:extLst>
+                    <a:ext uri="{FF2B5EF4-FFF2-40B4-BE49-F238E27FC236}">
+                      <a16:creationId xmlns:a16="http://schemas.microsoft.com/office/drawing/2014/main" id="{46E0B445-8B20-5B41-A740-8289361E0A07}"/>
+                    </a:ext>
+                  </a:extLst>
+                </p:cNvPr>
+                <p:cNvGrpSpPr/>
+                <p:nvPr/>
+              </p:nvGrpSpPr>
+              <p:grpSpPr>
+                <a:xfrm>
+                  <a:off x="3557429" y="1262741"/>
+                  <a:ext cx="6581843" cy="4615543"/>
+                  <a:chOff x="3524772" y="2242456"/>
+                  <a:chExt cx="6581843" cy="4615543"/>
+                </a:xfrm>
+              </p:grpSpPr>
+              <p:pic>
+                <p:nvPicPr>
+                  <p:cNvPr id="5" name="圖片 4">
+                    <a:extLst>
+                      <a:ext uri="{FF2B5EF4-FFF2-40B4-BE49-F238E27FC236}">
+                        <a16:creationId xmlns:a16="http://schemas.microsoft.com/office/drawing/2014/main" id="{BCCFB49B-2662-9646-AB86-3AE10AA454C7}"/>
+                      </a:ext>
+                    </a:extLst>
+                  </p:cNvPr>
+                  <p:cNvPicPr>
+                    <a:picLocks noChangeAspect="1"/>
+                  </p:cNvPicPr>
+                  <p:nvPr/>
+                </p:nvPicPr>
+                <p:blipFill rotWithShape="1">
+                  <a:blip r:embed="rId2"/>
+                  <a:srcRect l="17945" t="32698"/>
+                  <a:stretch/>
+                </p:blipFill>
+                <p:spPr>
+                  <a:xfrm>
+                    <a:off x="3524772" y="2242456"/>
+                    <a:ext cx="6581843" cy="4615543"/>
+                  </a:xfrm>
+                  <a:prstGeom prst="rect">
+                    <a:avLst/>
+                  </a:prstGeom>
+                </p:spPr>
+              </p:pic>
+              <p:sp>
+                <p:nvSpPr>
+                  <p:cNvPr id="14" name="文字方塊 13">
+                    <a:extLst>
+                      <a:ext uri="{FF2B5EF4-FFF2-40B4-BE49-F238E27FC236}">
+                        <a16:creationId xmlns:a16="http://schemas.microsoft.com/office/drawing/2014/main" id="{7C498FC1-7579-7F48-AB47-F68D7B45CDA2}"/>
+                      </a:ext>
+                    </a:extLst>
+                  </p:cNvPr>
+                  <p:cNvSpPr txBox="1"/>
+                  <p:nvPr/>
+                </p:nvSpPr>
+                <p:spPr>
+                  <a:xfrm>
+                    <a:off x="3980162" y="3189162"/>
+                    <a:ext cx="1190552" cy="430887"/>
+                  </a:xfrm>
+                  <a:prstGeom prst="rect">
+                    <a:avLst/>
+                  </a:prstGeom>
+                  <a:solidFill>
+                    <a:schemeClr val="tx1"/>
+                  </a:solidFill>
+                </p:spPr>
+                <p:txBody>
+                  <a:bodyPr wrap="square" rtlCol="0">
+                    <a:spAutoFit/>
+                  </a:bodyPr>
+                  <a:lstStyle/>
+                  <a:p>
+                    <a:pPr>
+                      <a:tabLst>
+                        <a:tab pos="487363" algn="l"/>
+                      </a:tabLst>
+                    </a:pPr>
+                    <a:r>
+                      <a:rPr kumimoji="1" lang="zh-CN" altLang="en-US" sz="2200" dirty="0">
+                        <a:solidFill>
+                          <a:srgbClr val="FF3AA6"/>
+                        </a:solidFill>
+                      </a:rPr>
+                      <a:t>小明</a:t>
+                    </a:r>
+                    <a:r>
+                      <a:rPr kumimoji="1" lang="en-US" altLang="zh-CN" sz="2200" dirty="0">
+                        <a:solidFill>
+                          <a:srgbClr val="FF3AA6"/>
+                        </a:solidFill>
+                      </a:rPr>
+                      <a:t>: 23</a:t>
+                    </a:r>
+                    <a:endParaRPr kumimoji="1" lang="zh-TW" altLang="en-US" sz="2200" dirty="0">
+                      <a:solidFill>
+                        <a:srgbClr val="FF3AA6"/>
+                      </a:solidFill>
+                    </a:endParaRPr>
+                  </a:p>
+                </p:txBody>
+              </p:sp>
+              <p:sp>
+                <p:nvSpPr>
+                  <p:cNvPr id="16" name="文字方塊 15">
+                    <a:extLst>
+                      <a:ext uri="{FF2B5EF4-FFF2-40B4-BE49-F238E27FC236}">
+                        <a16:creationId xmlns:a16="http://schemas.microsoft.com/office/drawing/2014/main" id="{C239229E-71E6-8144-B932-8991C2C8A58C}"/>
+                      </a:ext>
+                    </a:extLst>
+                  </p:cNvPr>
+                  <p:cNvSpPr txBox="1"/>
+                  <p:nvPr/>
+                </p:nvSpPr>
+                <p:spPr>
+                  <a:xfrm>
+                    <a:off x="3969276" y="3670851"/>
+                    <a:ext cx="1277638" cy="430887"/>
+                  </a:xfrm>
+                  <a:prstGeom prst="rect">
+                    <a:avLst/>
+                  </a:prstGeom>
+                  <a:solidFill>
+                    <a:schemeClr val="tx1"/>
+                  </a:solidFill>
+                </p:spPr>
+                <p:txBody>
+                  <a:bodyPr wrap="square" rtlCol="0">
+                    <a:spAutoFit/>
+                  </a:bodyPr>
+                  <a:lstStyle/>
+                  <a:p>
+                    <a:pPr>
+                      <a:tabLst>
+                        <a:tab pos="487363" algn="l"/>
+                      </a:tabLst>
+                    </a:pPr>
+                    <a:r>
+                      <a:rPr kumimoji="1" lang="zh-CN" altLang="en-US" sz="2200" dirty="0">
+                        <a:solidFill>
+                          <a:schemeClr val="accent4">
+                            <a:lumMod val="60000"/>
+                            <a:lumOff val="40000"/>
+                          </a:schemeClr>
+                        </a:solidFill>
+                      </a:rPr>
+                      <a:t>小美</a:t>
+                    </a:r>
+                    <a:r>
+                      <a:rPr kumimoji="1" lang="en-US" altLang="zh-CN" sz="2200" dirty="0">
+                        <a:solidFill>
+                          <a:schemeClr val="accent4">
+                            <a:lumMod val="60000"/>
+                            <a:lumOff val="40000"/>
+                          </a:schemeClr>
+                        </a:solidFill>
+                      </a:rPr>
+                      <a:t>: 26</a:t>
+                    </a:r>
+                    <a:endParaRPr kumimoji="1" lang="zh-TW" altLang="en-US" sz="2200" dirty="0">
+                      <a:solidFill>
+                        <a:schemeClr val="accent4">
+                          <a:lumMod val="60000"/>
+                          <a:lumOff val="40000"/>
+                        </a:schemeClr>
+                      </a:solidFill>
+                    </a:endParaRPr>
+                  </a:p>
+                </p:txBody>
+              </p:sp>
+              <p:sp>
+                <p:nvSpPr>
+                  <p:cNvPr id="17" name="文字方塊 16">
+                    <a:extLst>
+                      <a:ext uri="{FF2B5EF4-FFF2-40B4-BE49-F238E27FC236}">
+                        <a16:creationId xmlns:a16="http://schemas.microsoft.com/office/drawing/2014/main" id="{CA2D3485-F9C7-924F-B171-8CDE7714A838}"/>
+                      </a:ext>
+                    </a:extLst>
+                  </p:cNvPr>
+                  <p:cNvSpPr txBox="1"/>
+                  <p:nvPr/>
+                </p:nvSpPr>
+                <p:spPr>
+                  <a:xfrm>
+                    <a:off x="3980162" y="4165996"/>
+                    <a:ext cx="1190552" cy="430887"/>
+                  </a:xfrm>
+                  <a:prstGeom prst="rect">
+                    <a:avLst/>
+                  </a:prstGeom>
+                  <a:solidFill>
+                    <a:schemeClr val="tx1"/>
+                  </a:solidFill>
+                </p:spPr>
+                <p:txBody>
+                  <a:bodyPr wrap="square" rtlCol="0">
+                    <a:spAutoFit/>
+                  </a:bodyPr>
+                  <a:lstStyle/>
+                  <a:p>
+                    <a:pPr>
+                      <a:tabLst>
+                        <a:tab pos="487363" algn="l"/>
+                      </a:tabLst>
+                    </a:pPr>
+                    <a:r>
+                      <a:rPr kumimoji="1" lang="zh-CN" altLang="en-US" sz="2200" dirty="0">
+                        <a:solidFill>
+                          <a:schemeClr val="accent2">
+                            <a:lumMod val="75000"/>
+                          </a:schemeClr>
+                        </a:solidFill>
+                      </a:rPr>
+                      <a:t>小熊</a:t>
+                    </a:r>
+                    <a:r>
+                      <a:rPr kumimoji="1" lang="en-US" altLang="zh-CN" sz="2200" dirty="0">
+                        <a:solidFill>
+                          <a:schemeClr val="accent2">
+                            <a:lumMod val="75000"/>
+                          </a:schemeClr>
+                        </a:solidFill>
+                      </a:rPr>
+                      <a:t>: 18</a:t>
+                    </a:r>
+                    <a:endParaRPr kumimoji="1" lang="zh-TW" altLang="en-US" sz="2200" dirty="0">
+                      <a:solidFill>
+                        <a:schemeClr val="accent2">
+                          <a:lumMod val="75000"/>
+                        </a:schemeClr>
+                      </a:solidFill>
+                    </a:endParaRPr>
+                  </a:p>
+                </p:txBody>
+              </p:sp>
+              <p:sp>
+                <p:nvSpPr>
+                  <p:cNvPr id="18" name="文字方塊 17">
+                    <a:extLst>
+                      <a:ext uri="{FF2B5EF4-FFF2-40B4-BE49-F238E27FC236}">
+                        <a16:creationId xmlns:a16="http://schemas.microsoft.com/office/drawing/2014/main" id="{EFF2BBB2-2E5B-2844-B10A-6388B73A70B4}"/>
+                      </a:ext>
+                    </a:extLst>
+                  </p:cNvPr>
+                  <p:cNvSpPr txBox="1"/>
+                  <p:nvPr/>
+                </p:nvSpPr>
+                <p:spPr>
+                  <a:xfrm>
+                    <a:off x="3969276" y="4723648"/>
+                    <a:ext cx="1201438" cy="430887"/>
+                  </a:xfrm>
+                  <a:prstGeom prst="rect">
+                    <a:avLst/>
+                  </a:prstGeom>
+                  <a:solidFill>
+                    <a:schemeClr val="tx1"/>
+                  </a:solidFill>
+                </p:spPr>
+                <p:txBody>
+                  <a:bodyPr wrap="square" rtlCol="0">
+                    <a:spAutoFit/>
+                  </a:bodyPr>
+                  <a:lstStyle/>
+                  <a:p>
+                    <a:pPr>
+                      <a:tabLst>
+                        <a:tab pos="487363" algn="l"/>
+                      </a:tabLst>
+                    </a:pPr>
+                    <a:r>
+                      <a:rPr kumimoji="1" lang="zh-CN" altLang="en-US" sz="2200" dirty="0">
+                        <a:solidFill>
+                          <a:schemeClr val="accent6">
+                            <a:lumMod val="60000"/>
+                            <a:lumOff val="40000"/>
+                          </a:schemeClr>
+                        </a:solidFill>
+                      </a:rPr>
+                      <a:t>小樹</a:t>
+                    </a:r>
+                    <a:r>
+                      <a:rPr kumimoji="1" lang="en-US" altLang="zh-CN" sz="2200" dirty="0">
+                        <a:solidFill>
+                          <a:schemeClr val="accent6">
+                            <a:lumMod val="60000"/>
+                            <a:lumOff val="40000"/>
+                          </a:schemeClr>
+                        </a:solidFill>
+                      </a:rPr>
+                      <a:t>: 18</a:t>
+                    </a:r>
+                    <a:endParaRPr kumimoji="1" lang="zh-TW" altLang="en-US" sz="2200" dirty="0">
+                      <a:solidFill>
+                        <a:schemeClr val="accent6">
+                          <a:lumMod val="60000"/>
+                          <a:lumOff val="40000"/>
+                        </a:schemeClr>
+                      </a:solidFill>
+                    </a:endParaRPr>
+                  </a:p>
+                </p:txBody>
+              </p:sp>
+            </p:grpSp>
+            <p:pic>
+              <p:nvPicPr>
+                <p:cNvPr id="20" name="圖片 19">
+                  <a:extLst>
+                    <a:ext uri="{FF2B5EF4-FFF2-40B4-BE49-F238E27FC236}">
+                      <a16:creationId xmlns:a16="http://schemas.microsoft.com/office/drawing/2014/main" id="{60611A94-7022-E548-A93C-6A24CF621C43}"/>
+                    </a:ext>
+                  </a:extLst>
+                </p:cNvPr>
+                <p:cNvPicPr>
+                  <a:picLocks noChangeAspect="1"/>
+                </p:cNvPicPr>
+                <p:nvPr/>
+              </p:nvPicPr>
+              <p:blipFill>
+                <a:blip r:embed="rId3"/>
+                <a:stretch>
+                  <a:fillRect/>
+                </a:stretch>
+              </p:blipFill>
+              <p:spPr>
+                <a:xfrm>
+                  <a:off x="5203371" y="1445545"/>
+                  <a:ext cx="4333145" cy="4343245"/>
+                </a:xfrm>
+                <a:prstGeom prst="rect">
+                  <a:avLst/>
+                </a:prstGeom>
+              </p:spPr>
+            </p:pic>
+          </p:grpSp>
+          <p:pic>
+            <p:nvPicPr>
+              <p:cNvPr id="23" name="圖片 22">
+                <a:extLst>
+                  <a:ext uri="{FF2B5EF4-FFF2-40B4-BE49-F238E27FC236}">
+                    <a16:creationId xmlns:a16="http://schemas.microsoft.com/office/drawing/2014/main" id="{E8B12BD8-0C54-C245-B299-FD94AFDA6C82}"/>
+                  </a:ext>
+                </a:extLst>
+              </p:cNvPr>
+              <p:cNvPicPr>
+                <a:picLocks noChangeAspect="1"/>
+              </p:cNvPicPr>
+              <p:nvPr/>
+            </p:nvPicPr>
+            <p:blipFill>
+              <a:blip r:embed="rId4"/>
+              <a:stretch>
+                <a:fillRect/>
+              </a:stretch>
+            </p:blipFill>
+            <p:spPr>
+              <a:xfrm>
+                <a:off x="7317368" y="3191179"/>
+                <a:ext cx="324000" cy="334125"/>
+              </a:xfrm>
+              <a:prstGeom prst="rect">
+                <a:avLst/>
+              </a:prstGeom>
+            </p:spPr>
+          </p:pic>
+          <p:pic>
+            <p:nvPicPr>
+              <p:cNvPr id="25" name="圖片 24">
+                <a:extLst>
+                  <a:ext uri="{FF2B5EF4-FFF2-40B4-BE49-F238E27FC236}">
+                    <a16:creationId xmlns:a16="http://schemas.microsoft.com/office/drawing/2014/main" id="{F7D7B318-DCEF-A243-BC24-E838A56F3734}"/>
+                  </a:ext>
+                </a:extLst>
+              </p:cNvPr>
+              <p:cNvPicPr>
+                <a:picLocks noChangeAspect="1"/>
+              </p:cNvPicPr>
+              <p:nvPr/>
+            </p:nvPicPr>
+            <p:blipFill>
+              <a:blip r:embed="rId5"/>
+              <a:stretch>
+                <a:fillRect/>
+              </a:stretch>
+            </p:blipFill>
+            <p:spPr>
+              <a:xfrm>
+                <a:off x="7641368" y="1490438"/>
+                <a:ext cx="324000" cy="313875"/>
+              </a:xfrm>
+              <a:prstGeom prst="rect">
+                <a:avLst/>
+              </a:prstGeom>
+            </p:spPr>
+          </p:pic>
+          <p:pic>
+            <p:nvPicPr>
+              <p:cNvPr id="30" name="圖片 29">
+                <a:extLst>
+                  <a:ext uri="{FF2B5EF4-FFF2-40B4-BE49-F238E27FC236}">
+                    <a16:creationId xmlns:a16="http://schemas.microsoft.com/office/drawing/2014/main" id="{A430F302-6FA0-844A-BC79-37B258E1E00D}"/>
+                  </a:ext>
+                </a:extLst>
+              </p:cNvPr>
+              <p:cNvPicPr>
+                <a:picLocks noChangeAspect="1"/>
+              </p:cNvPicPr>
+              <p:nvPr/>
+            </p:nvPicPr>
+            <p:blipFill>
+              <a:blip r:embed="rId5"/>
+              <a:stretch>
+                <a:fillRect/>
+              </a:stretch>
+            </p:blipFill>
+            <p:spPr>
+              <a:xfrm>
+                <a:off x="5649920" y="2853405"/>
+                <a:ext cx="324000" cy="313875"/>
+              </a:xfrm>
+              <a:prstGeom prst="rect">
+                <a:avLst/>
+              </a:prstGeom>
+            </p:spPr>
+          </p:pic>
+          <p:pic>
+            <p:nvPicPr>
+              <p:cNvPr id="31" name="圖片 30">
+                <a:extLst>
+                  <a:ext uri="{FF2B5EF4-FFF2-40B4-BE49-F238E27FC236}">
+                    <a16:creationId xmlns:a16="http://schemas.microsoft.com/office/drawing/2014/main" id="{13F00B00-370D-B844-A19E-12D6EC08025B}"/>
+                  </a:ext>
+                </a:extLst>
+              </p:cNvPr>
+              <p:cNvPicPr>
+                <a:picLocks noChangeAspect="1"/>
+              </p:cNvPicPr>
+              <p:nvPr/>
+            </p:nvPicPr>
+            <p:blipFill>
+              <a:blip r:embed="rId5"/>
+              <a:stretch>
+                <a:fillRect/>
+              </a:stretch>
+            </p:blipFill>
+            <p:spPr>
+              <a:xfrm>
+                <a:off x="6984330" y="3874603"/>
+                <a:ext cx="328764" cy="318491"/>
+              </a:xfrm>
+              <a:prstGeom prst="rect">
+                <a:avLst/>
+              </a:prstGeom>
+            </p:spPr>
+          </p:pic>
+          <p:pic>
+            <p:nvPicPr>
+              <p:cNvPr id="32" name="圖片 31">
+                <a:extLst>
+                  <a:ext uri="{FF2B5EF4-FFF2-40B4-BE49-F238E27FC236}">
+                    <a16:creationId xmlns:a16="http://schemas.microsoft.com/office/drawing/2014/main" id="{907C7036-CE69-9340-8000-E979659AF9A8}"/>
+                  </a:ext>
+                </a:extLst>
+              </p:cNvPr>
+              <p:cNvPicPr>
+                <a:picLocks/>
+              </p:cNvPicPr>
+              <p:nvPr/>
+            </p:nvPicPr>
+            <p:blipFill>
+              <a:blip r:embed="rId5"/>
+              <a:stretch>
+                <a:fillRect/>
+              </a:stretch>
+            </p:blipFill>
+            <p:spPr>
+              <a:xfrm>
+                <a:off x="8958538" y="4538286"/>
+                <a:ext cx="347204" cy="335497"/>
+              </a:xfrm>
+              <a:prstGeom prst="rect">
+                <a:avLst/>
+              </a:prstGeom>
+            </p:spPr>
+          </p:pic>
+          <p:pic>
+            <p:nvPicPr>
+              <p:cNvPr id="34" name="圖片 33">
+                <a:extLst>
+                  <a:ext uri="{FF2B5EF4-FFF2-40B4-BE49-F238E27FC236}">
+                    <a16:creationId xmlns:a16="http://schemas.microsoft.com/office/drawing/2014/main" id="{71EF10EA-A172-284F-B239-2DC66ACCA9F2}"/>
+                  </a:ext>
+                </a:extLst>
+              </p:cNvPr>
+              <p:cNvPicPr>
+                <a:picLocks noChangeAspect="1"/>
+              </p:cNvPicPr>
+              <p:nvPr/>
+            </p:nvPicPr>
+            <p:blipFill>
+              <a:blip r:embed="rId6"/>
+              <a:stretch>
+                <a:fillRect/>
+              </a:stretch>
+            </p:blipFill>
+            <p:spPr>
+              <a:xfrm>
+                <a:off x="8338744" y="2543164"/>
+                <a:ext cx="288000" cy="258207"/>
+              </a:xfrm>
+              <a:prstGeom prst="rect">
+                <a:avLst/>
+              </a:prstGeom>
+            </p:spPr>
+          </p:pic>
+          <p:pic>
+            <p:nvPicPr>
+              <p:cNvPr id="36" name="圖片 35">
+                <a:extLst>
+                  <a:ext uri="{FF2B5EF4-FFF2-40B4-BE49-F238E27FC236}">
+                    <a16:creationId xmlns:a16="http://schemas.microsoft.com/office/drawing/2014/main" id="{89505CE0-EF87-1B45-ACD7-1E2047C86AE2}"/>
+                  </a:ext>
+                </a:extLst>
+              </p:cNvPr>
+              <p:cNvPicPr>
+                <a:picLocks noChangeAspect="1"/>
+              </p:cNvPicPr>
+              <p:nvPr/>
+            </p:nvPicPr>
+            <p:blipFill>
+              <a:blip r:embed="rId7"/>
+              <a:stretch>
+                <a:fillRect/>
+              </a:stretch>
+            </p:blipFill>
+            <p:spPr>
+              <a:xfrm>
+                <a:off x="7353368" y="4901284"/>
+                <a:ext cx="288000" cy="309334"/>
+              </a:xfrm>
+              <a:prstGeom prst="rect">
+                <a:avLst/>
+              </a:prstGeom>
+            </p:spPr>
+          </p:pic>
+          <p:pic>
+            <p:nvPicPr>
+              <p:cNvPr id="38" name="圖片 37">
+                <a:extLst>
+                  <a:ext uri="{FF2B5EF4-FFF2-40B4-BE49-F238E27FC236}">
+                    <a16:creationId xmlns:a16="http://schemas.microsoft.com/office/drawing/2014/main" id="{78AE461E-B02A-454B-ACA6-EA3627BCA358}"/>
+                  </a:ext>
+                </a:extLst>
+              </p:cNvPr>
+              <p:cNvPicPr>
+                <a:picLocks noChangeAspect="1"/>
+              </p:cNvPicPr>
+              <p:nvPr/>
+            </p:nvPicPr>
+            <p:blipFill>
+              <a:blip r:embed="rId8"/>
+              <a:stretch>
+                <a:fillRect/>
+              </a:stretch>
+            </p:blipFill>
+            <p:spPr>
+              <a:xfrm>
+                <a:off x="7019828" y="3201755"/>
+                <a:ext cx="267428" cy="288000"/>
+              </a:xfrm>
+              <a:prstGeom prst="rect">
+                <a:avLst/>
+              </a:prstGeom>
+            </p:spPr>
+          </p:pic>
+          <p:pic>
+            <p:nvPicPr>
+              <p:cNvPr id="40" name="圖片 39">
+                <a:extLst>
+                  <a:ext uri="{FF2B5EF4-FFF2-40B4-BE49-F238E27FC236}">
+                    <a16:creationId xmlns:a16="http://schemas.microsoft.com/office/drawing/2014/main" id="{B4B382F4-913E-DF47-9C9B-BC54B517B429}"/>
+                  </a:ext>
+                </a:extLst>
+              </p:cNvPr>
+              <p:cNvPicPr>
+                <a:picLocks noChangeAspect="1"/>
+              </p:cNvPicPr>
+              <p:nvPr/>
+            </p:nvPicPr>
+            <p:blipFill>
+              <a:blip r:embed="rId9"/>
+              <a:stretch>
+                <a:fillRect/>
+              </a:stretch>
+            </p:blipFill>
+            <p:spPr>
+              <a:xfrm>
+                <a:off x="8014801" y="3537858"/>
+                <a:ext cx="252000" cy="308000"/>
+              </a:xfrm>
+              <a:prstGeom prst="rect">
+                <a:avLst/>
+              </a:prstGeom>
+            </p:spPr>
+          </p:pic>
+        </p:grpSp>
+        <p:sp>
+          <p:nvSpPr>
+            <p:cNvPr id="42" name="文字方塊 41">
+              <a:extLst>
+                <a:ext uri="{FF2B5EF4-FFF2-40B4-BE49-F238E27FC236}">
+                  <a16:creationId xmlns:a16="http://schemas.microsoft.com/office/drawing/2014/main" id="{007CFB22-E161-0C4A-BBF4-1B07C78C1873}"/>
+                </a:ext>
+              </a:extLst>
+            </p:cNvPr>
+            <p:cNvSpPr txBox="1"/>
+            <p:nvPr/>
+          </p:nvSpPr>
+          <p:spPr>
+            <a:xfrm>
+              <a:off x="3298372" y="974700"/>
+              <a:ext cx="1407450" cy="954107"/>
+            </a:xfrm>
+            <a:prstGeom prst="rect">
+              <a:avLst/>
+            </a:prstGeom>
+            <a:solidFill>
+              <a:schemeClr val="tx1"/>
+            </a:solidFill>
+          </p:spPr>
+          <p:txBody>
+            <a:bodyPr wrap="square" rtlCol="0">
+              <a:spAutoFit/>
+            </a:bodyPr>
+            <a:lstStyle/>
+            <a:p>
+              <a:pPr algn="ctr">
+                <a:tabLst>
+                  <a:tab pos="487363" algn="l"/>
+                </a:tabLst>
+              </a:pPr>
+              <a:r>
+                <a:rPr kumimoji="1" lang="en-US" altLang="zh-CN" sz="2800" dirty="0">
+                  <a:solidFill>
+                    <a:srgbClr val="00B0F0"/>
+                  </a:solidFill>
+                </a:rPr>
+                <a:t>Current Score: 0</a:t>
+              </a:r>
+              <a:endParaRPr kumimoji="1" lang="zh-TW" altLang="en-US" sz="2800" dirty="0">
+                <a:solidFill>
+                  <a:srgbClr val="00B0F0"/>
+                </a:solidFill>
+              </a:endParaRPr>
+            </a:p>
+          </p:txBody>
+        </p:sp>
+      </p:grpSp>
+      <p:sp>
+        <p:nvSpPr>
+          <p:cNvPr id="55" name="文字方塊 54">
+            <a:extLst>
+              <a:ext uri="{FF2B5EF4-FFF2-40B4-BE49-F238E27FC236}">
+                <a16:creationId xmlns:a16="http://schemas.microsoft.com/office/drawing/2014/main" id="{B7975875-8E22-8546-A86B-2C511259894F}"/>
+              </a:ext>
+            </a:extLst>
+          </p:cNvPr>
+          <p:cNvSpPr txBox="1"/>
+          <p:nvPr/>
+        </p:nvSpPr>
+        <p:spPr>
+          <a:xfrm>
+            <a:off x="2137976" y="36168"/>
+            <a:ext cx="7801153" cy="1323439"/>
+          </a:xfrm>
+          <a:prstGeom prst="rect">
+            <a:avLst/>
+          </a:prstGeom>
+          <a:noFill/>
+        </p:spPr>
+        <p:txBody>
+          <a:bodyPr wrap="square" rtlCol="0">
+            <a:spAutoFit/>
+          </a:bodyPr>
+          <a:lstStyle/>
+          <a:p>
+            <a:r>
+              <a:rPr kumimoji="1" lang="en-US" altLang="zh-TW" sz="4000" dirty="0"/>
+              <a:t>“Each step costs 1 point, </a:t>
+            </a:r>
+          </a:p>
+          <a:p>
+            <a:r>
+              <a:rPr kumimoji="1" lang="en-US" altLang="zh-TW" sz="4000" dirty="0"/>
+              <a:t>which target do you want to reach?”</a:t>
+            </a:r>
+            <a:endParaRPr kumimoji="1" lang="zh-TW" altLang="en-US" sz="4000" dirty="0"/>
+          </a:p>
+        </p:txBody>
+      </p:sp>
+    </p:spTree>
+    <p:extLst>
+      <p:ext uri="{BB962C8B-B14F-4D97-AF65-F5344CB8AC3E}">
+        <p14:creationId xmlns:p14="http://schemas.microsoft.com/office/powerpoint/2010/main" val="259719821"/>
+      </p:ext>
+    </p:extLst>
+  </p:cSld>
+  <p:clrMapOvr>
+    <a:masterClrMapping/>
+  </p:clrMapOvr>
+</p:sld>
+</file>
+
+<file path=ppt/slides/slide2.xml><?xml version="1.0" encoding="utf-8"?>
+<p:sld xmlns:a="http://schemas.openxmlformats.org/drawingml/2006/main" xmlns:r="http://schemas.openxmlformats.org/officeDocument/2006/relationships" xmlns:p="http://schemas.openxmlformats.org/presentationml/2006/main">
+  <p:cSld>
+    <p:spTree>
+      <p:nvGrpSpPr>
+        <p:cNvPr id="1" name=""/>
+        <p:cNvGrpSpPr/>
+        <p:nvPr/>
+      </p:nvGrpSpPr>
+      <p:grpSpPr>
+        <a:xfrm>
+          <a:off x="0" y="0"/>
+          <a:ext cx="0" cy="0"/>
+          <a:chOff x="0" y="0"/>
+          <a:chExt cx="0" cy="0"/>
+        </a:xfrm>
+      </p:grpSpPr>
+      <p:grpSp>
+        <p:nvGrpSpPr>
+          <p:cNvPr id="4" name="Group 3">
+            <a:extLst>
+              <a:ext uri="{FF2B5EF4-FFF2-40B4-BE49-F238E27FC236}">
+                <a16:creationId xmlns:a16="http://schemas.microsoft.com/office/drawing/2014/main" id="{7969FE1E-2130-4271-A77F-CAE75C8A6664}"/>
+              </a:ext>
+            </a:extLst>
+          </p:cNvPr>
+          <p:cNvGrpSpPr/>
+          <p:nvPr/>
+        </p:nvGrpSpPr>
+        <p:grpSpPr>
+          <a:xfrm>
+            <a:off x="217716" y="250371"/>
+            <a:ext cx="8719456" cy="6400800"/>
+            <a:chOff x="217716" y="250371"/>
+            <a:chExt cx="8719456" cy="6400800"/>
+          </a:xfrm>
+        </p:grpSpPr>
+        <p:grpSp>
+          <p:nvGrpSpPr>
+            <p:cNvPr id="44" name="群組 43">
+              <a:extLst>
+                <a:ext uri="{FF2B5EF4-FFF2-40B4-BE49-F238E27FC236}">
+                  <a16:creationId xmlns:a16="http://schemas.microsoft.com/office/drawing/2014/main" id="{8B56271E-0134-DD43-9BA3-88C48F40C473}"/>
+                </a:ext>
+              </a:extLst>
+            </p:cNvPr>
+            <p:cNvGrpSpPr/>
+            <p:nvPr/>
+          </p:nvGrpSpPr>
+          <p:grpSpPr>
+            <a:xfrm>
+              <a:off x="217716" y="250371"/>
+              <a:ext cx="8719456" cy="6400800"/>
+              <a:chOff x="3145971" y="859971"/>
+              <a:chExt cx="7239000" cy="5159827"/>
+            </a:xfrm>
+          </p:grpSpPr>
+          <p:grpSp>
+            <p:nvGrpSpPr>
+              <p:cNvPr id="41" name="群組 40">
+                <a:extLst>
+                  <a:ext uri="{FF2B5EF4-FFF2-40B4-BE49-F238E27FC236}">
+                    <a16:creationId xmlns:a16="http://schemas.microsoft.com/office/drawing/2014/main" id="{7CD27707-320D-CF49-9C63-82D1937F501D}"/>
+                  </a:ext>
+                </a:extLst>
+              </p:cNvPr>
+              <p:cNvGrpSpPr/>
+              <p:nvPr/>
+            </p:nvGrpSpPr>
+            <p:grpSpPr>
+              <a:xfrm>
+                <a:off x="3145971" y="859971"/>
+                <a:ext cx="7239000" cy="5159827"/>
+                <a:chOff x="3145971" y="859971"/>
+                <a:chExt cx="7239000" cy="5159827"/>
+              </a:xfrm>
+            </p:grpSpPr>
+            <p:grpSp>
+              <p:nvGrpSpPr>
+                <p:cNvPr id="7" name="群組 6">
+                  <a:extLst>
+                    <a:ext uri="{FF2B5EF4-FFF2-40B4-BE49-F238E27FC236}">
+                      <a16:creationId xmlns:a16="http://schemas.microsoft.com/office/drawing/2014/main" id="{46E0B445-8B20-5B41-A740-8289361E0A07}"/>
+                    </a:ext>
+                  </a:extLst>
+                </p:cNvPr>
+                <p:cNvGrpSpPr/>
+                <p:nvPr/>
+              </p:nvGrpSpPr>
+              <p:grpSpPr>
+                <a:xfrm>
+                  <a:off x="3145971" y="859971"/>
+                  <a:ext cx="7239000" cy="5159827"/>
+                  <a:chOff x="3524772" y="2242456"/>
+                  <a:chExt cx="6581843" cy="4615543"/>
+                </a:xfrm>
+              </p:grpSpPr>
+              <p:pic>
+                <p:nvPicPr>
+                  <p:cNvPr id="5" name="圖片 4">
+                    <a:extLst>
+                      <a:ext uri="{FF2B5EF4-FFF2-40B4-BE49-F238E27FC236}">
+                        <a16:creationId xmlns:a16="http://schemas.microsoft.com/office/drawing/2014/main" id="{BCCFB49B-2662-9646-AB86-3AE10AA454C7}"/>
+                      </a:ext>
+                    </a:extLst>
+                  </p:cNvPr>
+                  <p:cNvPicPr>
+                    <a:picLocks noChangeAspect="1"/>
+                  </p:cNvPicPr>
+                  <p:nvPr/>
+                </p:nvPicPr>
+                <p:blipFill rotWithShape="1">
+                  <a:blip r:embed="rId2"/>
+                  <a:srcRect l="17945" t="32698"/>
+                  <a:stretch/>
+                </p:blipFill>
+                <p:spPr>
+                  <a:xfrm>
+                    <a:off x="3524772" y="2242456"/>
+                    <a:ext cx="6581843" cy="4615543"/>
+                  </a:xfrm>
+                  <a:prstGeom prst="rect">
+                    <a:avLst/>
+                  </a:prstGeom>
+                </p:spPr>
+              </p:pic>
+              <p:sp>
+                <p:nvSpPr>
+                  <p:cNvPr id="14" name="文字方塊 13">
+                    <a:extLst>
+                      <a:ext uri="{FF2B5EF4-FFF2-40B4-BE49-F238E27FC236}">
+                        <a16:creationId xmlns:a16="http://schemas.microsoft.com/office/drawing/2014/main" id="{7C498FC1-7579-7F48-AB47-F68D7B45CDA2}"/>
+                      </a:ext>
+                    </a:extLst>
+                  </p:cNvPr>
+                  <p:cNvSpPr txBox="1"/>
+                  <p:nvPr/>
+                </p:nvSpPr>
+                <p:spPr>
+                  <a:xfrm>
+                    <a:off x="3980162" y="3189162"/>
+                    <a:ext cx="1190552" cy="430887"/>
+                  </a:xfrm>
+                  <a:prstGeom prst="rect">
+                    <a:avLst/>
+                  </a:prstGeom>
+                  <a:solidFill>
+                    <a:schemeClr val="tx1"/>
+                  </a:solidFill>
+                </p:spPr>
+                <p:txBody>
+                  <a:bodyPr wrap="square" rtlCol="0">
+                    <a:spAutoFit/>
+                  </a:bodyPr>
+                  <a:lstStyle/>
+                  <a:p>
+                    <a:pPr>
+                      <a:tabLst>
+                        <a:tab pos="487363" algn="l"/>
+                      </a:tabLst>
+                    </a:pPr>
+                    <a:r>
+                      <a:rPr kumimoji="1" lang="zh-CN" altLang="en-US" sz="2200" dirty="0">
+                        <a:solidFill>
+                          <a:srgbClr val="FF3AA6"/>
+                        </a:solidFill>
+                      </a:rPr>
+                      <a:t>小明</a:t>
+                    </a:r>
+                    <a:r>
+                      <a:rPr kumimoji="1" lang="en-US" altLang="zh-CN" sz="2200" dirty="0">
+                        <a:solidFill>
+                          <a:srgbClr val="FF3AA6"/>
+                        </a:solidFill>
+                      </a:rPr>
+                      <a:t>: 23</a:t>
+                    </a:r>
+                    <a:endParaRPr kumimoji="1" lang="zh-TW" altLang="en-US" sz="2200" dirty="0">
+                      <a:solidFill>
+                        <a:srgbClr val="FF3AA6"/>
+                      </a:solidFill>
+                    </a:endParaRPr>
+                  </a:p>
+                </p:txBody>
+              </p:sp>
+              <p:sp>
+                <p:nvSpPr>
+                  <p:cNvPr id="18" name="文字方塊 17">
+                    <a:extLst>
+                      <a:ext uri="{FF2B5EF4-FFF2-40B4-BE49-F238E27FC236}">
+                        <a16:creationId xmlns:a16="http://schemas.microsoft.com/office/drawing/2014/main" id="{EFF2BBB2-2E5B-2844-B10A-6388B73A70B4}"/>
+                      </a:ext>
+                    </a:extLst>
+                  </p:cNvPr>
+                  <p:cNvSpPr txBox="1"/>
+                  <p:nvPr/>
+                </p:nvSpPr>
+                <p:spPr>
+                  <a:xfrm>
+                    <a:off x="3969276" y="4723648"/>
+                    <a:ext cx="1201438" cy="430887"/>
+                  </a:xfrm>
+                  <a:prstGeom prst="rect">
+                    <a:avLst/>
+                  </a:prstGeom>
+                  <a:solidFill>
+                    <a:schemeClr val="tx1"/>
+                  </a:solidFill>
+                </p:spPr>
+                <p:txBody>
+                  <a:bodyPr wrap="square" rtlCol="0">
+                    <a:spAutoFit/>
+                  </a:bodyPr>
+                  <a:lstStyle/>
+                  <a:p>
+                    <a:pPr>
+                      <a:tabLst>
+                        <a:tab pos="487363" algn="l"/>
+                      </a:tabLst>
+                    </a:pPr>
+                    <a:r>
+                      <a:rPr kumimoji="1" lang="zh-CN" altLang="en-US" sz="2200" dirty="0">
+                        <a:solidFill>
+                          <a:schemeClr val="accent6">
+                            <a:lumMod val="60000"/>
+                            <a:lumOff val="40000"/>
+                          </a:schemeClr>
+                        </a:solidFill>
+                      </a:rPr>
+                      <a:t>小樹</a:t>
+                    </a:r>
+                    <a:r>
+                      <a:rPr kumimoji="1" lang="en-US" altLang="zh-CN" sz="2200" dirty="0">
+                        <a:solidFill>
+                          <a:schemeClr val="accent6">
+                            <a:lumMod val="60000"/>
+                            <a:lumOff val="40000"/>
+                          </a:schemeClr>
+                        </a:solidFill>
+                      </a:rPr>
+                      <a:t>: 18</a:t>
+                    </a:r>
+                    <a:endParaRPr kumimoji="1" lang="zh-TW" altLang="en-US" sz="2200" dirty="0">
+                      <a:solidFill>
+                        <a:schemeClr val="accent6">
+                          <a:lumMod val="60000"/>
+                          <a:lumOff val="40000"/>
+                        </a:schemeClr>
+                      </a:solidFill>
+                    </a:endParaRPr>
+                  </a:p>
+                </p:txBody>
+              </p:sp>
+            </p:grpSp>
+            <p:pic>
+              <p:nvPicPr>
+                <p:cNvPr id="23" name="圖片 22">
+                  <a:extLst>
+                    <a:ext uri="{FF2B5EF4-FFF2-40B4-BE49-F238E27FC236}">
+                      <a16:creationId xmlns:a16="http://schemas.microsoft.com/office/drawing/2014/main" id="{E8B12BD8-0C54-C245-B299-FD94AFDA6C82}"/>
+                    </a:ext>
+                  </a:extLst>
+                </p:cNvPr>
+                <p:cNvPicPr>
+                  <a:picLocks noChangeAspect="1"/>
+                </p:cNvPicPr>
+                <p:nvPr/>
+              </p:nvPicPr>
+              <p:blipFill>
+                <a:blip r:embed="rId3"/>
+                <a:stretch>
+                  <a:fillRect/>
+                </a:stretch>
+              </p:blipFill>
+              <p:spPr>
+                <a:xfrm>
+                  <a:off x="7317368" y="3191179"/>
+                  <a:ext cx="324000" cy="334125"/>
+                </a:xfrm>
+                <a:prstGeom prst="rect">
+                  <a:avLst/>
+                </a:prstGeom>
+              </p:spPr>
+            </p:pic>
+            <p:pic>
+              <p:nvPicPr>
+                <p:cNvPr id="25" name="圖片 24">
+                  <a:extLst>
+                    <a:ext uri="{FF2B5EF4-FFF2-40B4-BE49-F238E27FC236}">
+                      <a16:creationId xmlns:a16="http://schemas.microsoft.com/office/drawing/2014/main" id="{F7D7B318-DCEF-A243-BC24-E838A56F3734}"/>
+                    </a:ext>
+                  </a:extLst>
+                </p:cNvPr>
+                <p:cNvPicPr>
+                  <a:picLocks noChangeAspect="1"/>
+                </p:cNvPicPr>
+                <p:nvPr/>
+              </p:nvPicPr>
+              <p:blipFill>
+                <a:blip r:embed="rId4"/>
+                <a:stretch>
+                  <a:fillRect/>
+                </a:stretch>
+              </p:blipFill>
+              <p:spPr>
+                <a:xfrm>
+                  <a:off x="7641368" y="1490438"/>
+                  <a:ext cx="324000" cy="313875"/>
+                </a:xfrm>
+                <a:prstGeom prst="rect">
+                  <a:avLst/>
+                </a:prstGeom>
+              </p:spPr>
+            </p:pic>
+            <p:pic>
+              <p:nvPicPr>
+                <p:cNvPr id="30" name="圖片 29">
+                  <a:extLst>
+                    <a:ext uri="{FF2B5EF4-FFF2-40B4-BE49-F238E27FC236}">
+                      <a16:creationId xmlns:a16="http://schemas.microsoft.com/office/drawing/2014/main" id="{A430F302-6FA0-844A-BC79-37B258E1E00D}"/>
+                    </a:ext>
+                  </a:extLst>
+                </p:cNvPr>
+                <p:cNvPicPr>
+                  <a:picLocks noChangeAspect="1"/>
+                </p:cNvPicPr>
+                <p:nvPr/>
+              </p:nvPicPr>
+              <p:blipFill>
+                <a:blip r:embed="rId4"/>
+                <a:stretch>
+                  <a:fillRect/>
+                </a:stretch>
+              </p:blipFill>
+              <p:spPr>
+                <a:xfrm>
+                  <a:off x="5649920" y="2853405"/>
+                  <a:ext cx="324000" cy="313875"/>
+                </a:xfrm>
+                <a:prstGeom prst="rect">
+                  <a:avLst/>
+                </a:prstGeom>
+              </p:spPr>
+            </p:pic>
+            <p:pic>
+              <p:nvPicPr>
+                <p:cNvPr id="31" name="圖片 30">
+                  <a:extLst>
+                    <a:ext uri="{FF2B5EF4-FFF2-40B4-BE49-F238E27FC236}">
+                      <a16:creationId xmlns:a16="http://schemas.microsoft.com/office/drawing/2014/main" id="{13F00B00-370D-B844-A19E-12D6EC08025B}"/>
+                    </a:ext>
+                  </a:extLst>
+                </p:cNvPr>
+                <p:cNvPicPr>
+                  <a:picLocks noChangeAspect="1"/>
+                </p:cNvPicPr>
+                <p:nvPr/>
+              </p:nvPicPr>
+              <p:blipFill>
+                <a:blip r:embed="rId4"/>
+                <a:stretch>
+                  <a:fillRect/>
+                </a:stretch>
+              </p:blipFill>
+              <p:spPr>
+                <a:xfrm>
+                  <a:off x="6984330" y="3874603"/>
+                  <a:ext cx="328764" cy="318491"/>
+                </a:xfrm>
+                <a:prstGeom prst="rect">
+                  <a:avLst/>
+                </a:prstGeom>
+              </p:spPr>
+            </p:pic>
+            <p:pic>
+              <p:nvPicPr>
+                <p:cNvPr id="32" name="圖片 31">
+                  <a:extLst>
+                    <a:ext uri="{FF2B5EF4-FFF2-40B4-BE49-F238E27FC236}">
+                      <a16:creationId xmlns:a16="http://schemas.microsoft.com/office/drawing/2014/main" id="{907C7036-CE69-9340-8000-E979659AF9A8}"/>
+                    </a:ext>
+                  </a:extLst>
+                </p:cNvPr>
+                <p:cNvPicPr>
+                  <a:picLocks noChangeAspect="1"/>
+                </p:cNvPicPr>
+                <p:nvPr/>
+              </p:nvPicPr>
+              <p:blipFill>
+                <a:blip r:embed="rId4"/>
+                <a:stretch>
+                  <a:fillRect/>
+                </a:stretch>
+              </p:blipFill>
+              <p:spPr>
+                <a:xfrm>
+                  <a:off x="8958539" y="4549324"/>
+                  <a:ext cx="324000" cy="313875"/>
+                </a:xfrm>
+                <a:prstGeom prst="rect">
+                  <a:avLst/>
+                </a:prstGeom>
+              </p:spPr>
+            </p:pic>
+            <p:pic>
+              <p:nvPicPr>
+                <p:cNvPr id="34" name="圖片 33">
+                  <a:extLst>
+                    <a:ext uri="{FF2B5EF4-FFF2-40B4-BE49-F238E27FC236}">
+                      <a16:creationId xmlns:a16="http://schemas.microsoft.com/office/drawing/2014/main" id="{71EF10EA-A172-284F-B239-2DC66ACCA9F2}"/>
+                    </a:ext>
+                  </a:extLst>
+                </p:cNvPr>
+                <p:cNvPicPr>
+                  <a:picLocks noChangeAspect="1"/>
+                </p:cNvPicPr>
+                <p:nvPr/>
+              </p:nvPicPr>
+              <p:blipFill>
+                <a:blip r:embed="rId5"/>
+                <a:stretch>
+                  <a:fillRect/>
+                </a:stretch>
+              </p:blipFill>
+              <p:spPr>
+                <a:xfrm>
+                  <a:off x="8338744" y="2543164"/>
+                  <a:ext cx="288000" cy="258207"/>
+                </a:xfrm>
+                <a:prstGeom prst="rect">
+                  <a:avLst/>
+                </a:prstGeom>
+              </p:spPr>
+            </p:pic>
+            <p:pic>
+              <p:nvPicPr>
+                <p:cNvPr id="36" name="圖片 35">
+                  <a:extLst>
+                    <a:ext uri="{FF2B5EF4-FFF2-40B4-BE49-F238E27FC236}">
+                      <a16:creationId xmlns:a16="http://schemas.microsoft.com/office/drawing/2014/main" id="{89505CE0-EF87-1B45-ACD7-1E2047C86AE2}"/>
+                    </a:ext>
+                  </a:extLst>
+                </p:cNvPr>
+                <p:cNvPicPr>
+                  <a:picLocks noChangeAspect="1"/>
+                </p:cNvPicPr>
+                <p:nvPr/>
+              </p:nvPicPr>
+              <p:blipFill>
+                <a:blip r:embed="rId6"/>
+                <a:stretch>
+                  <a:fillRect/>
+                </a:stretch>
+              </p:blipFill>
+              <p:spPr>
+                <a:xfrm>
+                  <a:off x="7353368" y="4901284"/>
+                  <a:ext cx="288000" cy="309334"/>
+                </a:xfrm>
+                <a:prstGeom prst="rect">
+                  <a:avLst/>
+                </a:prstGeom>
+              </p:spPr>
+            </p:pic>
+            <p:pic>
+              <p:nvPicPr>
+                <p:cNvPr id="38" name="圖片 37">
+                  <a:extLst>
+                    <a:ext uri="{FF2B5EF4-FFF2-40B4-BE49-F238E27FC236}">
+                      <a16:creationId xmlns:a16="http://schemas.microsoft.com/office/drawing/2014/main" id="{78AE461E-B02A-454B-ACA6-EA3627BCA358}"/>
+                    </a:ext>
+                  </a:extLst>
+                </p:cNvPr>
+                <p:cNvPicPr>
+                  <a:picLocks noChangeAspect="1"/>
+                </p:cNvPicPr>
+                <p:nvPr/>
+              </p:nvPicPr>
+              <p:blipFill>
+                <a:blip r:embed="rId7"/>
+                <a:stretch>
+                  <a:fillRect/>
+                </a:stretch>
+              </p:blipFill>
+              <p:spPr>
+                <a:xfrm>
+                  <a:off x="7019828" y="3201755"/>
+                  <a:ext cx="267428" cy="288000"/>
+                </a:xfrm>
+                <a:prstGeom prst="rect">
+                  <a:avLst/>
+                </a:prstGeom>
+              </p:spPr>
+            </p:pic>
+            <p:pic>
+              <p:nvPicPr>
+                <p:cNvPr id="40" name="圖片 39">
+                  <a:extLst>
+                    <a:ext uri="{FF2B5EF4-FFF2-40B4-BE49-F238E27FC236}">
+                      <a16:creationId xmlns:a16="http://schemas.microsoft.com/office/drawing/2014/main" id="{B4B382F4-913E-DF47-9C9B-BC54B517B429}"/>
+                    </a:ext>
+                  </a:extLst>
+                </p:cNvPr>
+                <p:cNvPicPr>
+                  <a:picLocks noChangeAspect="1"/>
+                </p:cNvPicPr>
+                <p:nvPr/>
+              </p:nvPicPr>
+              <p:blipFill>
+                <a:blip r:embed="rId8"/>
+                <a:stretch>
+                  <a:fillRect/>
+                </a:stretch>
+              </p:blipFill>
+              <p:spPr>
+                <a:xfrm>
+                  <a:off x="8014801" y="3537858"/>
+                  <a:ext cx="252000" cy="308000"/>
+                </a:xfrm>
+                <a:prstGeom prst="rect">
+                  <a:avLst/>
+                </a:prstGeom>
+              </p:spPr>
+            </p:pic>
+          </p:grpSp>
+          <p:sp>
+            <p:nvSpPr>
+              <p:cNvPr id="42" name="文字方塊 41">
+                <a:extLst>
+                  <a:ext uri="{FF2B5EF4-FFF2-40B4-BE49-F238E27FC236}">
+                    <a16:creationId xmlns:a16="http://schemas.microsoft.com/office/drawing/2014/main" id="{007CFB22-E161-0C4A-BBF4-1B07C78C1873}"/>
+                  </a:ext>
+                </a:extLst>
+              </p:cNvPr>
+              <p:cNvSpPr txBox="1"/>
+              <p:nvPr/>
+            </p:nvSpPr>
+            <p:spPr>
+              <a:xfrm>
+                <a:off x="3298372" y="974700"/>
+                <a:ext cx="1741686" cy="769127"/>
+              </a:xfrm>
+              <a:prstGeom prst="rect">
+                <a:avLst/>
+              </a:prstGeom>
+              <a:solidFill>
+                <a:schemeClr val="tx1"/>
+              </a:solidFill>
+            </p:spPr>
+            <p:txBody>
+              <a:bodyPr wrap="square" rtlCol="0">
+                <a:spAutoFit/>
+              </a:bodyPr>
+              <a:lstStyle/>
+              <a:p>
+                <a:pPr algn="ctr">
+                  <a:tabLst>
+                    <a:tab pos="487363" algn="l"/>
+                  </a:tabLst>
+                </a:pPr>
+                <a:r>
+                  <a:rPr kumimoji="1" lang="en-US" altLang="zh-CN" sz="2800" dirty="0">
+                    <a:solidFill>
+                      <a:srgbClr val="00B0F0"/>
+                    </a:solidFill>
+                  </a:rPr>
+                  <a:t>Final Score: 26-7=19</a:t>
+                </a:r>
+                <a:endParaRPr kumimoji="1" lang="zh-TW" altLang="en-US" sz="2800" dirty="0">
+                  <a:solidFill>
+                    <a:srgbClr val="00B0F0"/>
+                  </a:solidFill>
+                </a:endParaRPr>
+              </a:p>
+            </p:txBody>
+          </p:sp>
+        </p:grpSp>
+        <p:pic>
+          <p:nvPicPr>
+            <p:cNvPr id="3" name="圖片 2">
+              <a:extLst>
+                <a:ext uri="{FF2B5EF4-FFF2-40B4-BE49-F238E27FC236}">
+                  <a16:creationId xmlns:a16="http://schemas.microsoft.com/office/drawing/2014/main" id="{CD0221BF-DC57-8541-9893-316C67EB39EB}"/>
+                </a:ext>
+              </a:extLst>
+            </p:cNvPr>
+            <p:cNvPicPr>
+              <a:picLocks noChangeAspect="1"/>
+            </p:cNvPicPr>
+            <p:nvPr/>
+          </p:nvPicPr>
+          <p:blipFill>
+            <a:blip r:embed="rId9"/>
+            <a:stretch>
+              <a:fillRect/>
+            </a:stretch>
+          </p:blipFill>
+          <p:spPr>
+            <a:xfrm>
+              <a:off x="2398216" y="400776"/>
+              <a:ext cx="5844635" cy="6142662"/>
+            </a:xfrm>
+            <a:prstGeom prst="rect">
+              <a:avLst/>
+            </a:prstGeom>
+          </p:spPr>
+        </p:pic>
+        <p:sp>
+          <p:nvSpPr>
+            <p:cNvPr id="45" name="向右箭號 44">
+              <a:extLst>
+                <a:ext uri="{FF2B5EF4-FFF2-40B4-BE49-F238E27FC236}">
+                  <a16:creationId xmlns:a16="http://schemas.microsoft.com/office/drawing/2014/main" id="{7BE80E27-A79C-6C48-9C4A-1040610D761F}"/>
+                </a:ext>
+              </a:extLst>
+            </p:cNvPr>
+            <p:cNvSpPr/>
+            <p:nvPr/>
+          </p:nvSpPr>
+          <p:spPr>
+            <a:xfrm>
+              <a:off x="5573484" y="3222171"/>
+              <a:ext cx="304800" cy="338469"/>
+            </a:xfrm>
+            <a:prstGeom prst="rightArrow">
+              <a:avLst/>
+            </a:prstGeom>
+            <a:solidFill>
+              <a:srgbClr val="10E9F0"/>
+            </a:solidFill>
+            <a:ln>
+              <a:noFill/>
+            </a:ln>
+          </p:spPr>
+          <p:style>
+            <a:lnRef idx="2">
+              <a:schemeClr val="accent1">
+                <a:shade val="50000"/>
+              </a:schemeClr>
+            </a:lnRef>
+            <a:fillRef idx="1">
+              <a:schemeClr val="accent1"/>
+            </a:fillRef>
+            <a:effectRef idx="0">
+              <a:schemeClr val="accent1"/>
+            </a:effectRef>
+            <a:fontRef idx="minor">
+              <a:schemeClr val="lt1"/>
+            </a:fontRef>
+          </p:style>
+          <p:txBody>
+            <a:bodyPr rtlCol="0" anchor="ctr"/>
+            <a:lstStyle/>
+            <a:p>
+              <a:pPr algn="ctr"/>
+              <a:endParaRPr kumimoji="1" lang="zh-TW" altLang="en-US"/>
+            </a:p>
+          </p:txBody>
+        </p:sp>
+        <p:sp>
+          <p:nvSpPr>
+            <p:cNvPr id="47" name="向右箭號 46">
+              <a:extLst>
+                <a:ext uri="{FF2B5EF4-FFF2-40B4-BE49-F238E27FC236}">
+                  <a16:creationId xmlns:a16="http://schemas.microsoft.com/office/drawing/2014/main" id="{C6B9CC99-B83C-E045-89A6-CFD381A309A2}"/>
+                </a:ext>
+              </a:extLst>
+            </p:cNvPr>
+            <p:cNvSpPr/>
+            <p:nvPr/>
+          </p:nvSpPr>
+          <p:spPr>
+            <a:xfrm rot="5400000">
+              <a:off x="5693226" y="3494316"/>
+              <a:ext cx="304800" cy="338469"/>
+            </a:xfrm>
+            <a:prstGeom prst="rightArrow">
+              <a:avLst/>
+            </a:prstGeom>
+            <a:solidFill>
+              <a:srgbClr val="10E9F0"/>
+            </a:solidFill>
+            <a:ln>
+              <a:noFill/>
+            </a:ln>
+          </p:spPr>
+          <p:style>
+            <a:lnRef idx="2">
+              <a:schemeClr val="accent1">
+                <a:shade val="50000"/>
+              </a:schemeClr>
+            </a:lnRef>
+            <a:fillRef idx="1">
+              <a:schemeClr val="accent1"/>
+            </a:fillRef>
+            <a:effectRef idx="0">
+              <a:schemeClr val="accent1"/>
+            </a:effectRef>
+            <a:fontRef idx="minor">
+              <a:schemeClr val="lt1"/>
+            </a:fontRef>
+          </p:style>
+          <p:txBody>
+            <a:bodyPr rtlCol="0" anchor="ctr"/>
+            <a:lstStyle/>
+            <a:p>
+              <a:pPr algn="ctr"/>
+              <a:endParaRPr kumimoji="1" lang="zh-TW" altLang="en-US"/>
+            </a:p>
+          </p:txBody>
+        </p:sp>
+        <p:sp>
+          <p:nvSpPr>
+            <p:cNvPr id="49" name="向右箭號 48">
+              <a:extLst>
+                <a:ext uri="{FF2B5EF4-FFF2-40B4-BE49-F238E27FC236}">
+                  <a16:creationId xmlns:a16="http://schemas.microsoft.com/office/drawing/2014/main" id="{82DB7F11-4ACD-D647-9A76-6EE7CEC583FF}"/>
+                </a:ext>
+              </a:extLst>
+            </p:cNvPr>
+            <p:cNvSpPr/>
+            <p:nvPr/>
+          </p:nvSpPr>
+          <p:spPr>
+            <a:xfrm rot="5400000">
+              <a:off x="5693223" y="3886203"/>
+              <a:ext cx="304800" cy="338469"/>
+            </a:xfrm>
+            <a:prstGeom prst="rightArrow">
+              <a:avLst/>
+            </a:prstGeom>
+            <a:solidFill>
+              <a:srgbClr val="10E9F0"/>
+            </a:solidFill>
+            <a:ln>
+              <a:noFill/>
+            </a:ln>
+          </p:spPr>
+          <p:style>
+            <a:lnRef idx="2">
+              <a:schemeClr val="accent1">
+                <a:shade val="50000"/>
+              </a:schemeClr>
+            </a:lnRef>
+            <a:fillRef idx="1">
+              <a:schemeClr val="accent1"/>
+            </a:fillRef>
+            <a:effectRef idx="0">
+              <a:schemeClr val="accent1"/>
+            </a:effectRef>
+            <a:fontRef idx="minor">
+              <a:schemeClr val="lt1"/>
+            </a:fontRef>
+          </p:style>
+          <p:txBody>
+            <a:bodyPr rtlCol="0" anchor="ctr"/>
+            <a:lstStyle/>
+            <a:p>
+              <a:pPr algn="ctr"/>
+              <a:endParaRPr kumimoji="1" lang="zh-TW" altLang="en-US"/>
+            </a:p>
+          </p:txBody>
+        </p:sp>
+        <p:sp>
+          <p:nvSpPr>
+            <p:cNvPr id="50" name="向右箭號 49">
+              <a:extLst>
+                <a:ext uri="{FF2B5EF4-FFF2-40B4-BE49-F238E27FC236}">
+                  <a16:creationId xmlns:a16="http://schemas.microsoft.com/office/drawing/2014/main" id="{898B2944-8A51-1646-B7DF-C816765383D2}"/>
+                </a:ext>
+              </a:extLst>
+            </p:cNvPr>
+            <p:cNvSpPr/>
+            <p:nvPr/>
+          </p:nvSpPr>
+          <p:spPr>
+            <a:xfrm rot="5400000">
+              <a:off x="5693228" y="4317038"/>
+              <a:ext cx="304800" cy="338469"/>
+            </a:xfrm>
+            <a:prstGeom prst="rightArrow">
+              <a:avLst/>
+            </a:prstGeom>
+            <a:solidFill>
+              <a:srgbClr val="10E9F0"/>
+            </a:solidFill>
+            <a:ln>
+              <a:noFill/>
+            </a:ln>
+          </p:spPr>
+          <p:style>
+            <a:lnRef idx="2">
+              <a:schemeClr val="accent1">
+                <a:shade val="50000"/>
+              </a:schemeClr>
+            </a:lnRef>
+            <a:fillRef idx="1">
+              <a:schemeClr val="accent1"/>
+            </a:fillRef>
+            <a:effectRef idx="0">
+              <a:schemeClr val="accent1"/>
+            </a:effectRef>
+            <a:fontRef idx="minor">
+              <a:schemeClr val="lt1"/>
+            </a:fontRef>
+          </p:style>
+          <p:txBody>
+            <a:bodyPr rtlCol="0" anchor="ctr"/>
+            <a:lstStyle/>
+            <a:p>
+              <a:pPr algn="ctr"/>
+              <a:endParaRPr kumimoji="1" lang="zh-TW" altLang="en-US"/>
+            </a:p>
+          </p:txBody>
+        </p:sp>
+        <p:sp>
+          <p:nvSpPr>
+            <p:cNvPr id="51" name="向右箭號 50">
+              <a:extLst>
+                <a:ext uri="{FF2B5EF4-FFF2-40B4-BE49-F238E27FC236}">
+                  <a16:creationId xmlns:a16="http://schemas.microsoft.com/office/drawing/2014/main" id="{94F88719-0951-514B-AD34-98AF65CFB451}"/>
+                </a:ext>
+              </a:extLst>
+            </p:cNvPr>
+            <p:cNvSpPr/>
+            <p:nvPr/>
+          </p:nvSpPr>
+          <p:spPr>
+            <a:xfrm rot="5400000">
+              <a:off x="5704111" y="4730697"/>
+              <a:ext cx="304800" cy="338469"/>
+            </a:xfrm>
+            <a:prstGeom prst="rightArrow">
+              <a:avLst/>
+            </a:prstGeom>
+            <a:solidFill>
+              <a:srgbClr val="10E9F0"/>
+            </a:solidFill>
+            <a:ln>
+              <a:noFill/>
+            </a:ln>
+          </p:spPr>
+          <p:style>
+            <a:lnRef idx="2">
+              <a:schemeClr val="accent1">
+                <a:shade val="50000"/>
+              </a:schemeClr>
+            </a:lnRef>
+            <a:fillRef idx="1">
+              <a:schemeClr val="accent1"/>
+            </a:fillRef>
+            <a:effectRef idx="0">
+              <a:schemeClr val="accent1"/>
+            </a:effectRef>
+            <a:fontRef idx="minor">
+              <a:schemeClr val="lt1"/>
+            </a:fontRef>
+          </p:style>
+          <p:txBody>
+            <a:bodyPr rtlCol="0" anchor="ctr"/>
+            <a:lstStyle/>
+            <a:p>
+              <a:pPr algn="ctr"/>
+              <a:endParaRPr kumimoji="1" lang="zh-TW" altLang="en-US"/>
+            </a:p>
+          </p:txBody>
+        </p:sp>
+        <p:sp>
+          <p:nvSpPr>
+            <p:cNvPr id="52" name="向右箭號 51">
+              <a:extLst>
+                <a:ext uri="{FF2B5EF4-FFF2-40B4-BE49-F238E27FC236}">
+                  <a16:creationId xmlns:a16="http://schemas.microsoft.com/office/drawing/2014/main" id="{5AC73B4B-5899-F049-995D-0D8F601BF022}"/>
+                </a:ext>
+              </a:extLst>
+            </p:cNvPr>
+            <p:cNvSpPr/>
+            <p:nvPr/>
+          </p:nvSpPr>
+          <p:spPr>
+            <a:xfrm rot="5400000">
+              <a:off x="5714994" y="5144354"/>
+              <a:ext cx="304800" cy="338469"/>
+            </a:xfrm>
+            <a:prstGeom prst="rightArrow">
+              <a:avLst/>
+            </a:prstGeom>
+            <a:solidFill>
+              <a:srgbClr val="10E9F0"/>
+            </a:solidFill>
+            <a:ln>
+              <a:noFill/>
+            </a:ln>
+          </p:spPr>
+          <p:style>
+            <a:lnRef idx="2">
+              <a:schemeClr val="accent1">
+                <a:shade val="50000"/>
+              </a:schemeClr>
+            </a:lnRef>
+            <a:fillRef idx="1">
+              <a:schemeClr val="accent1"/>
+            </a:fillRef>
+            <a:effectRef idx="0">
+              <a:schemeClr val="accent1"/>
+            </a:effectRef>
+            <a:fontRef idx="minor">
+              <a:schemeClr val="lt1"/>
+            </a:fontRef>
+          </p:style>
+          <p:txBody>
+            <a:bodyPr rtlCol="0" anchor="ctr"/>
+            <a:lstStyle/>
+            <a:p>
+              <a:pPr algn="ctr"/>
+              <a:endParaRPr kumimoji="1" lang="zh-TW" altLang="en-US"/>
+            </a:p>
+          </p:txBody>
+        </p:sp>
+        <p:sp>
+          <p:nvSpPr>
+            <p:cNvPr id="53" name="向右箭號 52">
+              <a:extLst>
+                <a:ext uri="{FF2B5EF4-FFF2-40B4-BE49-F238E27FC236}">
+                  <a16:creationId xmlns:a16="http://schemas.microsoft.com/office/drawing/2014/main" id="{62661258-7B93-384F-9492-25B6A1F0980C}"/>
+                </a:ext>
+              </a:extLst>
+            </p:cNvPr>
+            <p:cNvSpPr/>
+            <p:nvPr/>
+          </p:nvSpPr>
+          <p:spPr>
+            <a:xfrm rot="10800000">
+              <a:off x="5551712" y="5301344"/>
+              <a:ext cx="304800" cy="338469"/>
+            </a:xfrm>
+            <a:prstGeom prst="rightArrow">
+              <a:avLst/>
+            </a:prstGeom>
+            <a:solidFill>
+              <a:srgbClr val="10E9F0"/>
+            </a:solidFill>
+            <a:ln>
+              <a:noFill/>
+            </a:ln>
+          </p:spPr>
+          <p:style>
+            <a:lnRef idx="2">
+              <a:schemeClr val="accent1">
+                <a:shade val="50000"/>
+              </a:schemeClr>
+            </a:lnRef>
+            <a:fillRef idx="1">
+              <a:schemeClr val="accent1"/>
+            </a:fillRef>
+            <a:effectRef idx="0">
+              <a:schemeClr val="accent1"/>
+            </a:effectRef>
+            <a:fontRef idx="minor">
+              <a:schemeClr val="lt1"/>
+            </a:fontRef>
+          </p:style>
+          <p:txBody>
+            <a:bodyPr rtlCol="0" anchor="ctr"/>
+            <a:lstStyle/>
+            <a:p>
+              <a:pPr algn="ctr"/>
+              <a:endParaRPr kumimoji="1" lang="zh-TW" altLang="en-US"/>
+            </a:p>
+          </p:txBody>
+        </p:sp>
+        <p:sp>
+          <p:nvSpPr>
+            <p:cNvPr id="2" name="TextBox 1">
+              <a:extLst>
+                <a:ext uri="{FF2B5EF4-FFF2-40B4-BE49-F238E27FC236}">
+                  <a16:creationId xmlns:a16="http://schemas.microsoft.com/office/drawing/2014/main" id="{E753BACE-D93F-4B7F-A744-134FD10230EF}"/>
+                </a:ext>
+              </a:extLst>
+            </p:cNvPr>
+            <p:cNvSpPr txBox="1"/>
+            <p:nvPr/>
+          </p:nvSpPr>
+          <p:spPr>
+            <a:xfrm>
+              <a:off x="806583" y="1589048"/>
+              <a:ext cx="1483805" cy="461665"/>
+            </a:xfrm>
+            <a:prstGeom prst="rect">
+              <a:avLst/>
+            </a:prstGeom>
+            <a:solidFill>
+              <a:schemeClr val="tx1"/>
+            </a:solidFill>
+          </p:spPr>
+          <p:txBody>
+            <a:bodyPr wrap="square" rtlCol="0">
+              <a:spAutoFit/>
+            </a:bodyPr>
+            <a:lstStyle/>
+            <a:p>
+              <a:r>
+                <a:rPr lang="en-US" sz="2400" b="1" dirty="0">
+                  <a:solidFill>
+                    <a:srgbClr val="F84576"/>
+                  </a:solidFill>
+                </a:rPr>
+                <a:t>Anne: 23</a:t>
+              </a:r>
+            </a:p>
+          </p:txBody>
+        </p:sp>
+        <p:sp>
+          <p:nvSpPr>
+            <p:cNvPr id="29" name="TextBox 28">
+              <a:extLst>
+                <a:ext uri="{FF2B5EF4-FFF2-40B4-BE49-F238E27FC236}">
+                  <a16:creationId xmlns:a16="http://schemas.microsoft.com/office/drawing/2014/main" id="{276DEE2E-CC16-4423-8272-7FA317338881}"/>
+                </a:ext>
+              </a:extLst>
+            </p:cNvPr>
+            <p:cNvSpPr txBox="1"/>
+            <p:nvPr/>
+          </p:nvSpPr>
+          <p:spPr>
+            <a:xfrm>
+              <a:off x="806583" y="2311212"/>
+              <a:ext cx="1591635" cy="461665"/>
+            </a:xfrm>
+            <a:prstGeom prst="rect">
+              <a:avLst/>
+            </a:prstGeom>
+            <a:solidFill>
+              <a:schemeClr val="tx1"/>
+            </a:solidFill>
+          </p:spPr>
+          <p:txBody>
+            <a:bodyPr wrap="square" rtlCol="0">
+              <a:spAutoFit/>
+            </a:bodyPr>
+            <a:lstStyle/>
+            <a:p>
+              <a:r>
+                <a:rPr lang="en-US" sz="2400" b="1" dirty="0">
+                  <a:solidFill>
+                    <a:srgbClr val="D6C688"/>
+                  </a:solidFill>
+                </a:rPr>
+                <a:t>Ben: 26</a:t>
+              </a:r>
+            </a:p>
+          </p:txBody>
+        </p:sp>
+        <p:sp>
+          <p:nvSpPr>
+            <p:cNvPr id="33" name="TextBox 32">
+              <a:extLst>
+                <a:ext uri="{FF2B5EF4-FFF2-40B4-BE49-F238E27FC236}">
+                  <a16:creationId xmlns:a16="http://schemas.microsoft.com/office/drawing/2014/main" id="{1F1FEB8F-6BD2-4CF1-A3A3-EE1083B7C4E8}"/>
+                </a:ext>
+              </a:extLst>
+            </p:cNvPr>
+            <p:cNvSpPr txBox="1"/>
+            <p:nvPr/>
+          </p:nvSpPr>
+          <p:spPr>
+            <a:xfrm>
+              <a:off x="806583" y="3037874"/>
+              <a:ext cx="1591635" cy="461665"/>
+            </a:xfrm>
+            <a:prstGeom prst="rect">
+              <a:avLst/>
+            </a:prstGeom>
+            <a:solidFill>
+              <a:schemeClr val="tx1"/>
+            </a:solidFill>
+          </p:spPr>
+          <p:txBody>
+            <a:bodyPr wrap="square" rtlCol="0">
+              <a:spAutoFit/>
+            </a:bodyPr>
+            <a:lstStyle/>
+            <a:p>
+              <a:r>
+                <a:rPr lang="en-US" sz="2400" b="1" dirty="0">
+                  <a:solidFill>
+                    <a:srgbClr val="B26A42"/>
+                  </a:solidFill>
+                </a:rPr>
+                <a:t>Matt: 18</a:t>
+              </a:r>
+            </a:p>
+          </p:txBody>
+        </p:sp>
+        <p:sp>
+          <p:nvSpPr>
+            <p:cNvPr id="35" name="TextBox 34">
+              <a:extLst>
+                <a:ext uri="{FF2B5EF4-FFF2-40B4-BE49-F238E27FC236}">
+                  <a16:creationId xmlns:a16="http://schemas.microsoft.com/office/drawing/2014/main" id="{D852391A-8C4E-4368-8038-B8F5DD753809}"/>
+                </a:ext>
+              </a:extLst>
+            </p:cNvPr>
+            <p:cNvSpPr txBox="1"/>
+            <p:nvPr/>
+          </p:nvSpPr>
+          <p:spPr>
+            <a:xfrm>
+              <a:off x="806583" y="3731653"/>
+              <a:ext cx="1483805" cy="461665"/>
+            </a:xfrm>
+            <a:prstGeom prst="rect">
+              <a:avLst/>
+            </a:prstGeom>
+            <a:solidFill>
+              <a:schemeClr val="tx1"/>
+            </a:solidFill>
+          </p:spPr>
+          <p:txBody>
+            <a:bodyPr wrap="square" rtlCol="0">
+              <a:spAutoFit/>
+            </a:bodyPr>
+            <a:lstStyle/>
+            <a:p>
+              <a:r>
+                <a:rPr lang="en-US" sz="2400" b="1" dirty="0">
+                  <a:solidFill>
+                    <a:srgbClr val="7DCEA0"/>
+                  </a:solidFill>
+                </a:rPr>
+                <a:t>Amy: 18</a:t>
+              </a:r>
+            </a:p>
+          </p:txBody>
+        </p:sp>
+      </p:grpSp>
+      <p:sp>
+        <p:nvSpPr>
+          <p:cNvPr id="6" name="Rectangle 5">
+            <a:extLst>
+              <a:ext uri="{FF2B5EF4-FFF2-40B4-BE49-F238E27FC236}">
+                <a16:creationId xmlns:a16="http://schemas.microsoft.com/office/drawing/2014/main" id="{A060F4C3-72B4-4547-ADEF-938EFAEE4913}"/>
+              </a:ext>
+            </a:extLst>
+          </p:cNvPr>
+          <p:cNvSpPr/>
+          <p:nvPr/>
+        </p:nvSpPr>
+        <p:spPr>
+          <a:xfrm>
+            <a:off x="7351776" y="4788692"/>
+            <a:ext cx="365760" cy="365760"/>
+          </a:xfrm>
+          <a:prstGeom prst="rect">
+            <a:avLst/>
+          </a:prstGeom>
+          <a:solidFill>
+            <a:schemeClr val="tx1"/>
+          </a:solidFill>
+          <a:ln>
+            <a:noFill/>
+          </a:ln>
+        </p:spPr>
+        <p:style>
+          <a:lnRef idx="2">
+            <a:schemeClr val="accent1">
+              <a:shade val="50000"/>
+            </a:schemeClr>
+          </a:lnRef>
+          <a:fillRef idx="1">
+            <a:schemeClr val="accent1"/>
+          </a:fillRef>
+          <a:effectRef idx="0">
+            <a:schemeClr val="accent1"/>
+          </a:effectRef>
+          <a:fontRef idx="minor">
+            <a:schemeClr val="lt1"/>
+          </a:fontRef>
+        </p:style>
+        <p:txBody>
+          <a:bodyPr rtlCol="0" anchor="ctr"/>
+          <a:lstStyle/>
+          <a:p>
+            <a:pPr algn="ctr"/>
+            <a:endParaRPr lang="en-US"/>
+          </a:p>
+        </p:txBody>
+      </p:sp>
+    </p:spTree>
+    <p:extLst>
+      <p:ext uri="{BB962C8B-B14F-4D97-AF65-F5344CB8AC3E}">
+        <p14:creationId xmlns:p14="http://schemas.microsoft.com/office/powerpoint/2010/main" val="1217765160"/>
+      </p:ext>
+    </p:extLst>
+  </p:cSld>
+  <p:clrMapOvr>
+    <a:masterClrMapping/>
+  </p:clrMapOvr>
+</p:sld>
+</file>
+
+<file path=ppt/slides/slide3.xml><?xml version="1.0" encoding="utf-8"?>
 <p:sld xmlns:a="http://schemas.openxmlformats.org/drawingml/2006/main" xmlns:r="http://schemas.openxmlformats.org/officeDocument/2006/relationships" xmlns:p="http://schemas.openxmlformats.org/presentationml/2006/main">
   <p:cSld>
     <p:spTree>
@@ -4491,7 +6490,7 @@
 </p:sld>
 </file>
 
-<file path=ppt/slides/slide2.xml><?xml version="1.0" encoding="utf-8"?>
+<file path=ppt/slides/slide4.xml><?xml version="1.0" encoding="utf-8"?>
 <p:sld xmlns:a="http://schemas.openxmlformats.org/drawingml/2006/main" xmlns:r="http://schemas.openxmlformats.org/officeDocument/2006/relationships" xmlns:p="http://schemas.openxmlformats.org/presentationml/2006/main" show="0">
   <p:cSld>
     <p:spTree>
@@ -4614,7 +6613,7 @@
 </p:sld>
 </file>
 
-<file path=ppt/slides/slide3.xml><?xml version="1.0" encoding="utf-8"?>
+<file path=ppt/slides/slide5.xml><?xml version="1.0" encoding="utf-8"?>
 <p:sld xmlns:a="http://schemas.openxmlformats.org/drawingml/2006/main" xmlns:r="http://schemas.openxmlformats.org/officeDocument/2006/relationships" xmlns:p="http://schemas.openxmlformats.org/presentationml/2006/main">
   <p:cSld>
     <p:spTree>
@@ -5254,7 +7253,7 @@
 </p:sld>
 </file>
 
-<file path=ppt/slides/slide4.xml><?xml version="1.0" encoding="utf-8"?>
+<file path=ppt/slides/slide6.xml><?xml version="1.0" encoding="utf-8"?>
 <p:sld xmlns:a="http://schemas.openxmlformats.org/drawingml/2006/main" xmlns:r="http://schemas.openxmlformats.org/officeDocument/2006/relationships" xmlns:p="http://schemas.openxmlformats.org/presentationml/2006/main">
   <p:cSld>
     <p:spTree>
@@ -5320,7 +7319,7 @@
 </p:sld>
 </file>
 
-<file path=ppt/slides/slide5.xml><?xml version="1.0" encoding="utf-8"?>
+<file path=ppt/slides/slide7.xml><?xml version="1.0" encoding="utf-8"?>
 <p:sld xmlns:a="http://schemas.openxmlformats.org/drawingml/2006/main" xmlns:r="http://schemas.openxmlformats.org/officeDocument/2006/relationships" xmlns:p="http://schemas.openxmlformats.org/presentationml/2006/main" show="0">
   <p:cSld>
     <p:spTree>
@@ -5422,7 +7421,7 @@
 </p:sld>
 </file>
 
-<file path=ppt/slides/slide6.xml><?xml version="1.0" encoding="utf-8"?>
+<file path=ppt/slides/slide8.xml><?xml version="1.0" encoding="utf-8"?>
 <p:sld xmlns:a="http://schemas.openxmlformats.org/drawingml/2006/main" xmlns:r="http://schemas.openxmlformats.org/officeDocument/2006/relationships" xmlns:p="http://schemas.openxmlformats.org/presentationml/2006/main">
   <p:cSld>
     <p:spTree>

--- a/report/RO-MAN/figures/ROMAN-figures.pptx
+++ b/report/RO-MAN/figures/ROMAN-figures.pptx
@@ -5,17 +5,18 @@
     <p:sldMasterId id="2147483648" r:id="rId1"/>
   </p:sldMasterIdLst>
   <p:notesMasterIdLst>
-    <p:notesMasterId r:id="rId10"/>
+    <p:notesMasterId r:id="rId11"/>
   </p:notesMasterIdLst>
   <p:sldIdLst>
     <p:sldId id="263" r:id="rId2"/>
     <p:sldId id="264" r:id="rId3"/>
-    <p:sldId id="259" r:id="rId4"/>
-    <p:sldId id="258" r:id="rId5"/>
-    <p:sldId id="262" r:id="rId6"/>
-    <p:sldId id="256" r:id="rId7"/>
-    <p:sldId id="257" r:id="rId8"/>
-    <p:sldId id="261" r:id="rId9"/>
+    <p:sldId id="265" r:id="rId4"/>
+    <p:sldId id="259" r:id="rId5"/>
+    <p:sldId id="258" r:id="rId6"/>
+    <p:sldId id="262" r:id="rId7"/>
+    <p:sldId id="256" r:id="rId8"/>
+    <p:sldId id="257" r:id="rId9"/>
+    <p:sldId id="261" r:id="rId10"/>
   </p:sldIdLst>
   <p:sldSz cx="12192000" cy="6858000"/>
   <p:notesSz cx="6858000" cy="9144000"/>
@@ -563,7 +564,7 @@
           <a:p>
             <a:fld id="{DA1463AA-A683-4C2A-8632-07FD5D698543}" type="slidenum">
               <a:rPr lang="en-US" smtClean="0"/>
-              <a:t>3</a:t>
+              <a:t>4</a:t>
             </a:fld>
             <a:endParaRPr lang="en-US"/>
           </a:p>
@@ -702,7 +703,7 @@
           <a:p>
             <a:fld id="{DA1463AA-A683-4C2A-8632-07FD5D698543}" type="slidenum">
               <a:rPr lang="en-US" smtClean="0"/>
-              <a:t>4</a:t>
+              <a:t>5</a:t>
             </a:fld>
             <a:endParaRPr lang="en-US"/>
           </a:p>
@@ -841,7 +842,7 @@
           <a:p>
             <a:fld id="{DA1463AA-A683-4C2A-8632-07FD5D698543}" type="slidenum">
               <a:rPr lang="en-US" smtClean="0"/>
-              <a:t>5</a:t>
+              <a:t>6</a:t>
             </a:fld>
             <a:endParaRPr lang="en-US"/>
           </a:p>
@@ -918,7 +919,7 @@
                 <a:ea typeface="+mn-ea"/>
                 <a:cs typeface="+mn-cs"/>
               </a:rPr>
-              <a:t>Accuracy in the test set as a function of the number of trajectories in the training set for human data set. Each red round dot is the model accuracy in test set for each human subject. The blue triangle is the random rate, which should be the baseline to compared with. Random rates are derived for each subject by dividing 100% by the average number of targets in the trajectories. The x-axis is log-transformed for clearer illustration. The label besides each red dot is the subject </a:t>
+              <a:t>Accuracy in the test set as a function of the number of trajectories in the training set for human data set. Each red round dot is the model accuracy in test set for each human subject. The blue triangle is the random rate, which should be the baseline to compared with. Random rates are derived for each subject by dividing 100% by the average number of targets in the trajectories. The x-axis is log-transformed for clearer illustration. Each grid along the x-axis represents 100 trajectories. The label besides each red dot is the subject </a:t>
             </a:r>
             <a:r>
               <a:rPr lang="en-US" altLang="zh-TW" sz="1200" b="0" i="0" kern="1200" dirty="0">
@@ -953,7 +954,7 @@
           <a:p>
             <a:fld id="{DA1463AA-A683-4C2A-8632-07FD5D698543}" type="slidenum">
               <a:rPr lang="en-US" smtClean="0"/>
-              <a:t>6</a:t>
+              <a:t>7</a:t>
             </a:fld>
             <a:endParaRPr lang="en-US"/>
           </a:p>
@@ -1072,7 +1073,7 @@
           <a:p>
             <a:fld id="{DA1463AA-A683-4C2A-8632-07FD5D698543}" type="slidenum">
               <a:rPr lang="en-US" smtClean="0"/>
-              <a:t>7</a:t>
+              <a:t>8</a:t>
             </a:fld>
             <a:endParaRPr lang="en-US"/>
           </a:p>
@@ -1211,7 +1212,7 @@
           <a:p>
             <a:fld id="{DA1463AA-A683-4C2A-8632-07FD5D698543}" type="slidenum">
               <a:rPr lang="en-US" smtClean="0"/>
-              <a:t>8</a:t>
+              <a:t>9</a:t>
             </a:fld>
             <a:endParaRPr lang="en-US"/>
           </a:p>
@@ -6443,10 +6444,219 @@
       </p:grpSpPr>
       <p:pic>
         <p:nvPicPr>
-          <p:cNvPr id="4" name="Picture 3" descr="A close up of a colorful background&#10;&#10;Description automatically generated">
-            <a:extLst>
-              <a:ext uri="{FF2B5EF4-FFF2-40B4-BE49-F238E27FC236}">
-                <a16:creationId xmlns:a16="http://schemas.microsoft.com/office/drawing/2014/main" id="{32F31F15-2913-4F10-BCB0-4B4A4F593504}"/>
+          <p:cNvPr id="4" name="Picture 3" descr="A screenshot of a video game&#10;&#10;Description automatically generated">
+            <a:extLst>
+              <a:ext uri="{FF2B5EF4-FFF2-40B4-BE49-F238E27FC236}">
+                <a16:creationId xmlns:a16="http://schemas.microsoft.com/office/drawing/2014/main" id="{4D0E9563-08B5-45C5-9A8F-5DB73846050D}"/>
+              </a:ext>
+            </a:extLst>
+          </p:cNvPr>
+          <p:cNvPicPr>
+            <a:picLocks noChangeAspect="1"/>
+          </p:cNvPicPr>
+          <p:nvPr/>
+        </p:nvPicPr>
+        <p:blipFill>
+          <a:blip r:embed="rId2"/>
+          <a:stretch>
+            <a:fillRect/>
+          </a:stretch>
+        </p:blipFill>
+        <p:spPr>
+          <a:xfrm>
+            <a:off x="3601329" y="591892"/>
+            <a:ext cx="6077243" cy="5754251"/>
+          </a:xfrm>
+          <a:prstGeom prst="rect">
+            <a:avLst/>
+          </a:prstGeom>
+        </p:spPr>
+      </p:pic>
+      <p:sp>
+        <p:nvSpPr>
+          <p:cNvPr id="5" name="TextBox 4">
+            <a:extLst>
+              <a:ext uri="{FF2B5EF4-FFF2-40B4-BE49-F238E27FC236}">
+                <a16:creationId xmlns:a16="http://schemas.microsoft.com/office/drawing/2014/main" id="{5627B980-87BA-429E-BF6F-BDA1CE6F0DE8}"/>
+              </a:ext>
+            </a:extLst>
+          </p:cNvPr>
+          <p:cNvSpPr txBox="1"/>
+          <p:nvPr/>
+        </p:nvSpPr>
+        <p:spPr>
+          <a:xfrm>
+            <a:off x="7610619" y="2509405"/>
+            <a:ext cx="1824111" cy="369332"/>
+          </a:xfrm>
+          <a:prstGeom prst="rect">
+            <a:avLst/>
+          </a:prstGeom>
+          <a:solidFill>
+            <a:schemeClr val="bg1"/>
+          </a:solidFill>
+        </p:spPr>
+        <p:txBody>
+          <a:bodyPr wrap="square" rtlCol="0">
+            <a:spAutoFit/>
+          </a:bodyPr>
+          <a:lstStyle/>
+          <a:p>
+            <a:r>
+              <a:rPr lang="en-US" b="1" dirty="0"/>
+              <a:t>Test Query State</a:t>
+            </a:r>
+          </a:p>
+        </p:txBody>
+      </p:sp>
+      <p:sp>
+        <p:nvSpPr>
+          <p:cNvPr id="6" name="TextBox 5">
+            <a:extLst>
+              <a:ext uri="{FF2B5EF4-FFF2-40B4-BE49-F238E27FC236}">
+                <a16:creationId xmlns:a16="http://schemas.microsoft.com/office/drawing/2014/main" id="{CB8A08BC-E81D-4774-A054-8440B8D92698}"/>
+              </a:ext>
+            </a:extLst>
+          </p:cNvPr>
+          <p:cNvSpPr txBox="1"/>
+          <p:nvPr/>
+        </p:nvSpPr>
+        <p:spPr>
+          <a:xfrm>
+            <a:off x="7624685" y="5840504"/>
+            <a:ext cx="1920240" cy="369332"/>
+          </a:xfrm>
+          <a:prstGeom prst="rect">
+            <a:avLst/>
+          </a:prstGeom>
+          <a:solidFill>
+            <a:schemeClr val="bg1"/>
+          </a:solidFill>
+        </p:spPr>
+        <p:txBody>
+          <a:bodyPr wrap="square" rtlCol="0">
+            <a:spAutoFit/>
+          </a:bodyPr>
+          <a:lstStyle/>
+          <a:p>
+            <a:r>
+              <a:rPr lang="en-US" b="1" dirty="0"/>
+              <a:t>Predicted Target</a:t>
+            </a:r>
+          </a:p>
+        </p:txBody>
+      </p:sp>
+      <p:sp>
+        <p:nvSpPr>
+          <p:cNvPr id="11" name="TextBox 10">
+            <a:extLst>
+              <a:ext uri="{FF2B5EF4-FFF2-40B4-BE49-F238E27FC236}">
+                <a16:creationId xmlns:a16="http://schemas.microsoft.com/office/drawing/2014/main" id="{93BF224F-00B5-4960-92B4-4B8B147F0DA9}"/>
+              </a:ext>
+            </a:extLst>
+          </p:cNvPr>
+          <p:cNvSpPr txBox="1"/>
+          <p:nvPr/>
+        </p:nvSpPr>
+        <p:spPr>
+          <a:xfrm>
+            <a:off x="6698563" y="271346"/>
+            <a:ext cx="2980009" cy="461665"/>
+          </a:xfrm>
+          <a:prstGeom prst="rect">
+            <a:avLst/>
+          </a:prstGeom>
+          <a:solidFill>
+            <a:schemeClr val="bg1"/>
+          </a:solidFill>
+        </p:spPr>
+        <p:txBody>
+          <a:bodyPr wrap="square" rtlCol="0">
+            <a:spAutoFit/>
+          </a:bodyPr>
+          <a:lstStyle/>
+          <a:p>
+            <a:r>
+              <a:rPr lang="en-US" sz="2400" b="1" dirty="0"/>
+              <a:t>Preference Prediction</a:t>
+            </a:r>
+          </a:p>
+        </p:txBody>
+      </p:sp>
+      <p:sp>
+        <p:nvSpPr>
+          <p:cNvPr id="12" name="TextBox 11">
+            <a:extLst>
+              <a:ext uri="{FF2B5EF4-FFF2-40B4-BE49-F238E27FC236}">
+                <a16:creationId xmlns:a16="http://schemas.microsoft.com/office/drawing/2014/main" id="{E165FDF6-63F8-4F69-9ABB-68428333AE49}"/>
+              </a:ext>
+            </a:extLst>
+          </p:cNvPr>
+          <p:cNvSpPr txBox="1"/>
+          <p:nvPr/>
+        </p:nvSpPr>
+        <p:spPr>
+          <a:xfrm>
+            <a:off x="3120680" y="271345"/>
+            <a:ext cx="2980009" cy="461665"/>
+          </a:xfrm>
+          <a:prstGeom prst="rect">
+            <a:avLst/>
+          </a:prstGeom>
+          <a:solidFill>
+            <a:schemeClr val="bg1"/>
+          </a:solidFill>
+        </p:spPr>
+        <p:txBody>
+          <a:bodyPr wrap="square" rtlCol="0">
+            <a:spAutoFit/>
+          </a:bodyPr>
+          <a:lstStyle/>
+          <a:p>
+            <a:pPr algn="ctr"/>
+            <a:r>
+              <a:rPr lang="en-US" sz="2400" b="1" dirty="0"/>
+              <a:t>Model Training</a:t>
+            </a:r>
+          </a:p>
+        </p:txBody>
+      </p:sp>
+    </p:spTree>
+    <p:extLst>
+      <p:ext uri="{BB962C8B-B14F-4D97-AF65-F5344CB8AC3E}">
+        <p14:creationId xmlns:p14="http://schemas.microsoft.com/office/powerpoint/2010/main" val="4271837428"/>
+      </p:ext>
+    </p:extLst>
+  </p:cSld>
+  <p:clrMapOvr>
+    <a:masterClrMapping/>
+  </p:clrMapOvr>
+</p:sld>
+</file>
+
+<file path=ppt/slides/slide4.xml><?xml version="1.0" encoding="utf-8"?>
+<p:sld xmlns:a="http://schemas.openxmlformats.org/drawingml/2006/main" xmlns:r="http://schemas.openxmlformats.org/officeDocument/2006/relationships" xmlns:p="http://schemas.openxmlformats.org/presentationml/2006/main">
+  <p:cSld>
+    <p:spTree>
+      <p:nvGrpSpPr>
+        <p:cNvPr id="1" name=""/>
+        <p:cNvGrpSpPr/>
+        <p:nvPr/>
+      </p:nvGrpSpPr>
+      <p:grpSpPr>
+        <a:xfrm>
+          <a:off x="0" y="0"/>
+          <a:ext cx="0" cy="0"/>
+          <a:chOff x="0" y="0"/>
+          <a:chExt cx="0" cy="0"/>
+        </a:xfrm>
+      </p:grpSpPr>
+      <p:pic>
+        <p:nvPicPr>
+          <p:cNvPr id="12" name="Picture 11" descr="A screenshot of a cell phone&#10;&#10;Description automatically generated">
+            <a:extLst>
+              <a:ext uri="{FF2B5EF4-FFF2-40B4-BE49-F238E27FC236}">
+                <a16:creationId xmlns:a16="http://schemas.microsoft.com/office/drawing/2014/main" id="{FEA26B47-872D-4B61-88A6-FE024FCF0645}"/>
               </a:ext>
             </a:extLst>
           </p:cNvPr>
@@ -6469,8 +6679,8 @@
         </p:blipFill>
         <p:spPr>
           <a:xfrm>
-            <a:off x="2213310" y="197529"/>
-            <a:ext cx="8689151" cy="6516863"/>
+            <a:off x="3817029" y="1213334"/>
+            <a:ext cx="5734934" cy="4301201"/>
           </a:xfrm>
           <a:prstGeom prst="rect">
             <a:avLst/>
@@ -6490,7 +6700,7 @@
 </p:sld>
 </file>
 
-<file path=ppt/slides/slide4.xml><?xml version="1.0" encoding="utf-8"?>
+<file path=ppt/slides/slide5.xml><?xml version="1.0" encoding="utf-8"?>
 <p:sld xmlns:a="http://schemas.openxmlformats.org/drawingml/2006/main" xmlns:r="http://schemas.openxmlformats.org/officeDocument/2006/relationships" xmlns:p="http://schemas.openxmlformats.org/presentationml/2006/main" show="0">
   <p:cSld>
     <p:spTree>
@@ -6613,7 +6823,7 @@
 </p:sld>
 </file>
 
-<file path=ppt/slides/slide5.xml><?xml version="1.0" encoding="utf-8"?>
+<file path=ppt/slides/slide6.xml><?xml version="1.0" encoding="utf-8"?>
 <p:sld xmlns:a="http://schemas.openxmlformats.org/drawingml/2006/main" xmlns:r="http://schemas.openxmlformats.org/officeDocument/2006/relationships" xmlns:p="http://schemas.openxmlformats.org/presentationml/2006/main">
   <p:cSld>
     <p:spTree>
@@ -7253,7 +7463,7 @@
 </p:sld>
 </file>
 
-<file path=ppt/slides/slide6.xml><?xml version="1.0" encoding="utf-8"?>
+<file path=ppt/slides/slide7.xml><?xml version="1.0" encoding="utf-8"?>
 <p:sld xmlns:a="http://schemas.openxmlformats.org/drawingml/2006/main" xmlns:r="http://schemas.openxmlformats.org/officeDocument/2006/relationships" xmlns:p="http://schemas.openxmlformats.org/presentationml/2006/main">
   <p:cSld>
     <p:spTree>
@@ -7272,10 +7482,10 @@
       </p:grpSpPr>
       <p:pic>
         <p:nvPicPr>
-          <p:cNvPr id="9" name="Picture 8" descr="A close up of a map&#10;&#10;Description automatically generated">
-            <a:extLst>
-              <a:ext uri="{FF2B5EF4-FFF2-40B4-BE49-F238E27FC236}">
-                <a16:creationId xmlns:a16="http://schemas.microsoft.com/office/drawing/2014/main" id="{63D618A7-E9B2-4785-8803-46F2E703CBA2}"/>
+          <p:cNvPr id="7" name="Picture 6" descr="A close up of a map&#10;&#10;Description automatically generated">
+            <a:extLst>
+              <a:ext uri="{FF2B5EF4-FFF2-40B4-BE49-F238E27FC236}">
+                <a16:creationId xmlns:a16="http://schemas.microsoft.com/office/drawing/2014/main" id="{29685846-7BE5-4D76-8554-00E51A9C24DB}"/>
               </a:ext>
             </a:extLst>
           </p:cNvPr>
@@ -7298,8 +7508,8 @@
         </p:blipFill>
         <p:spPr>
           <a:xfrm>
-            <a:off x="2121407" y="192023"/>
-            <a:ext cx="8514343" cy="6385758"/>
+            <a:off x="2954215" y="963639"/>
+            <a:ext cx="6893165" cy="5169873"/>
           </a:xfrm>
           <a:prstGeom prst="rect">
             <a:avLst/>
@@ -7319,7 +7529,7 @@
 </p:sld>
 </file>
 
-<file path=ppt/slides/slide7.xml><?xml version="1.0" encoding="utf-8"?>
+<file path=ppt/slides/slide8.xml><?xml version="1.0" encoding="utf-8"?>
 <p:sld xmlns:a="http://schemas.openxmlformats.org/drawingml/2006/main" xmlns:r="http://schemas.openxmlformats.org/officeDocument/2006/relationships" xmlns:p="http://schemas.openxmlformats.org/presentationml/2006/main" show="0">
   <p:cSld>
     <p:spTree>
@@ -7421,7 +7631,7 @@
 </p:sld>
 </file>
 
-<file path=ppt/slides/slide8.xml><?xml version="1.0" encoding="utf-8"?>
+<file path=ppt/slides/slide9.xml><?xml version="1.0" encoding="utf-8"?>
 <p:sld xmlns:a="http://schemas.openxmlformats.org/drawingml/2006/main" xmlns:r="http://schemas.openxmlformats.org/officeDocument/2006/relationships" xmlns:p="http://schemas.openxmlformats.org/presentationml/2006/main">
   <p:cSld>
     <p:spTree>

--- a/report/RO-MAN/figures/ROMAN-figures.pptx
+++ b/report/RO-MAN/figures/ROMAN-figures.pptx
@@ -5,18 +5,19 @@
     <p:sldMasterId id="2147483648" r:id="rId1"/>
   </p:sldMasterIdLst>
   <p:notesMasterIdLst>
-    <p:notesMasterId r:id="rId11"/>
+    <p:notesMasterId r:id="rId12"/>
   </p:notesMasterIdLst>
   <p:sldIdLst>
     <p:sldId id="263" r:id="rId2"/>
     <p:sldId id="264" r:id="rId3"/>
     <p:sldId id="265" r:id="rId4"/>
-    <p:sldId id="259" r:id="rId5"/>
-    <p:sldId id="258" r:id="rId6"/>
-    <p:sldId id="262" r:id="rId7"/>
-    <p:sldId id="256" r:id="rId8"/>
-    <p:sldId id="257" r:id="rId9"/>
-    <p:sldId id="261" r:id="rId10"/>
+    <p:sldId id="266" r:id="rId5"/>
+    <p:sldId id="259" r:id="rId6"/>
+    <p:sldId id="258" r:id="rId7"/>
+    <p:sldId id="262" r:id="rId8"/>
+    <p:sldId id="256" r:id="rId9"/>
+    <p:sldId id="257" r:id="rId10"/>
+    <p:sldId id="261" r:id="rId11"/>
   </p:sldIdLst>
   <p:sldSz cx="12192000" cy="6858000"/>
   <p:notesSz cx="6858000" cy="9144000"/>
@@ -118,11 +119,6 @@
   <p:extLst>
     <p:ext uri="{EFAFB233-063F-42B5-8137-9DF3F51BA10A}">
       <p15:sldGuideLst xmlns:p15="http://schemas.microsoft.com/office/powerpoint/2012/main">
-        <p15:guide id="1" orient="horz" pos="2136" userDrawn="1">
-          <p15:clr>
-            <a:srgbClr val="A4A3A4"/>
-          </p15:clr>
-        </p15:guide>
         <p15:guide id="2" pos="3840" userDrawn="1">
           <p15:clr>
             <a:srgbClr val="A4A3A4"/>
@@ -564,7 +560,7 @@
           <a:p>
             <a:fld id="{DA1463AA-A683-4C2A-8632-07FD5D698543}" type="slidenum">
               <a:rPr lang="en-US" smtClean="0"/>
-              <a:t>4</a:t>
+              <a:t>5</a:t>
             </a:fld>
             <a:endParaRPr lang="en-US"/>
           </a:p>
@@ -703,7 +699,7 @@
           <a:p>
             <a:fld id="{DA1463AA-A683-4C2A-8632-07FD5D698543}" type="slidenum">
               <a:rPr lang="en-US" smtClean="0"/>
-              <a:t>5</a:t>
+              <a:t>6</a:t>
             </a:fld>
             <a:endParaRPr lang="en-US"/>
           </a:p>
@@ -809,15 +805,7 @@
             </a:r>
             <a:r>
               <a:rPr lang="en-US" sz="1200" dirty="0"/>
-              <a:t>. If there are tie(s) in the preference rank among targets (e.g., two or more targets share the same preference score), the targets with ties are assigned the average rank value (two targets share the second place in the preference score will have the rank value of 2.5). The ground-truth preference matrix is constructed by the rank-transformed simulated social support value of each target. The reconstructed preference matrix is constructed by the rank-transformed  predicted preference score inferred by </a:t>
-            </a:r>
-            <a:r>
-              <a:rPr lang="en-US" sz="1200" dirty="0" err="1"/>
-              <a:t>ToMnet</a:t>
-            </a:r>
-            <a:r>
-              <a:rPr lang="en-US" sz="1200" dirty="0"/>
-              <a:t>+. The labels on the left are the standard deviations of the ground-truth preference scores (before rank-transformation) between the 4 targets.</a:t>
+              <a:t>. If there are tie(s) in the preference rank among targets (e.g., two or more targets share the same preference score), the targets with ties are assigned the average rank value (two targets share the second place in the preference score will have the rank value of 2.5). The ground-truth preference matrix is constructed by the rank-transformed simulated social support value of each target. The reconstructed preference matrix is constructed by the rank-transformed  predicted preference score inferred by ToMnet+. The labels on the left are the standard deviations of the ground-truth preference scores (before rank-transformation) between the 4 targets.</a:t>
             </a:r>
           </a:p>
           <a:p>
@@ -842,7 +830,7 @@
           <a:p>
             <a:fld id="{DA1463AA-A683-4C2A-8632-07FD5D698543}" type="slidenum">
               <a:rPr lang="en-US" smtClean="0"/>
-              <a:t>6</a:t>
+              <a:t>7</a:t>
             </a:fld>
             <a:endParaRPr lang="en-US"/>
           </a:p>
@@ -954,7 +942,7 @@
           <a:p>
             <a:fld id="{DA1463AA-A683-4C2A-8632-07FD5D698543}" type="slidenum">
               <a:rPr lang="en-US" smtClean="0"/>
-              <a:t>7</a:t>
+              <a:t>8</a:t>
             </a:fld>
             <a:endParaRPr lang="en-US"/>
           </a:p>
@@ -1043,15 +1031,7 @@
             </a:r>
             <a:r>
               <a:rPr lang="en-US" sz="1400" dirty="0"/>
-              <a:t>. If there are tie(s) in the preference rank among targets (e.g., two or more targets share the same preference score), the targets with ties are assigned the average rank value (two targets share the second place in the preference score will have the rank value of 2.5). The ground-truth preference matrix is constructed by the rank-transformed score value of each of the four targets that human sees on the screen, which is decided by the social support questionnaire. The reconstructed preference matrix is constructed by the rank-transformed predicted preference score inferred by </a:t>
-            </a:r>
-            <a:r>
-              <a:rPr lang="en-US" sz="1400" dirty="0" err="1"/>
-              <a:t>ToMnet</a:t>
-            </a:r>
-            <a:r>
-              <a:rPr lang="en-US" sz="1400" dirty="0"/>
-              <a:t>+. The value in parenthesis below each subject ID is the standard deviation of the ground-truth preference scores (before rank-transformation) between the 4 targets.</a:t>
+              <a:t>. If there are tie(s) in the preference rank among targets (e.g., two or more targets share the same preference score), the targets with ties are assigned the average rank value (two targets share the second place in the preference score will have the rank value of 2.5). The ground-truth preference matrix is constructed by the rank-transformed score value of each of the four targets that human sees on the screen, which is decided by the social support questionnaire. The reconstructed preference matrix is constructed by the rank-transformed predicted preference score inferred by ToMnet+. The value in parenthesis below each subject ID is the standard deviation of the ground-truth preference scores (before rank-transformation) between the 4 targets.</a:t>
             </a:r>
           </a:p>
         </p:txBody>
@@ -1073,7 +1053,7 @@
           <a:p>
             <a:fld id="{DA1463AA-A683-4C2A-8632-07FD5D698543}" type="slidenum">
               <a:rPr lang="en-US" smtClean="0"/>
-              <a:t>8</a:t>
+              <a:t>9</a:t>
             </a:fld>
             <a:endParaRPr lang="en-US"/>
           </a:p>
@@ -1179,15 +1159,7 @@
             </a:r>
             <a:r>
               <a:rPr lang="en-US" sz="1200" dirty="0"/>
-              <a:t>. If there are tie(s) in the preference rank among targets (e.g., two or more targets share the same preference score), the targets with ties are assigned the average rank value (two targets share the second place in the preference score will have the rank value of 2.5). The ground-truth preference matrix is constructed by the rank-transformed simulated social support value of each target. The reconstructed preference matrix is constructed by the rank-transformed  predicted preference score inferred by </a:t>
-            </a:r>
-            <a:r>
-              <a:rPr lang="en-US" sz="1200" dirty="0" err="1"/>
-              <a:t>ToMnet</a:t>
-            </a:r>
-            <a:r>
-              <a:rPr lang="en-US" sz="1200" dirty="0"/>
-              <a:t>+. The labels on the left are the standard deviations of the ground-truth preference scores (before rank-transformation) between the 4 targets.</a:t>
+              <a:t>. If there are tie(s) in the preference rank among targets (e.g., two or more targets share the same preference score), the targets with ties are assigned the average rank value (two targets share the second place in the preference score will have the rank value of 2.5). The ground-truth preference matrix is constructed by the rank-transformed simulated social support value of each target. The reconstructed preference matrix is constructed by the rank-transformed  predicted preference score inferred by ToMnet+. The labels on the left are the standard deviations of the ground-truth preference scores (before rank-transformation) between the 4 targets.</a:t>
             </a:r>
           </a:p>
           <a:p>
@@ -1212,7 +1184,7 @@
           <a:p>
             <a:fld id="{DA1463AA-A683-4C2A-8632-07FD5D698543}" type="slidenum">
               <a:rPr lang="en-US" smtClean="0"/>
-              <a:t>9</a:t>
+              <a:t>10</a:t>
             </a:fld>
             <a:endParaRPr lang="en-US"/>
           </a:p>
@@ -5215,6 +5187,728 @@
     <p:extLst>
       <p:ext uri="{BB962C8B-B14F-4D97-AF65-F5344CB8AC3E}">
         <p14:creationId xmlns:p14="http://schemas.microsoft.com/office/powerpoint/2010/main" val="259719821"/>
+      </p:ext>
+    </p:extLst>
+  </p:cSld>
+  <p:clrMapOvr>
+    <a:masterClrMapping/>
+  </p:clrMapOvr>
+</p:sld>
+</file>
+
+<file path=ppt/slides/slide10.xml><?xml version="1.0" encoding="utf-8"?>
+<p:sld xmlns:a="http://schemas.openxmlformats.org/drawingml/2006/main" xmlns:r="http://schemas.openxmlformats.org/officeDocument/2006/relationships" xmlns:p="http://schemas.openxmlformats.org/presentationml/2006/main">
+  <p:cSld>
+    <p:spTree>
+      <p:nvGrpSpPr>
+        <p:cNvPr id="1" name=""/>
+        <p:cNvGrpSpPr/>
+        <p:nvPr/>
+      </p:nvGrpSpPr>
+      <p:grpSpPr>
+        <a:xfrm>
+          <a:off x="0" y="0"/>
+          <a:ext cx="0" cy="0"/>
+          <a:chOff x="0" y="0"/>
+          <a:chExt cx="0" cy="0"/>
+        </a:xfrm>
+      </p:grpSpPr>
+      <p:grpSp>
+        <p:nvGrpSpPr>
+          <p:cNvPr id="3" name="Group 2">
+            <a:extLst>
+              <a:ext uri="{FF2B5EF4-FFF2-40B4-BE49-F238E27FC236}">
+                <a16:creationId xmlns:a16="http://schemas.microsoft.com/office/drawing/2014/main" id="{170451F5-9FD8-462F-8F65-BC40D54559CF}"/>
+              </a:ext>
+            </a:extLst>
+          </p:cNvPr>
+          <p:cNvGrpSpPr/>
+          <p:nvPr/>
+        </p:nvGrpSpPr>
+        <p:grpSpPr>
+          <a:xfrm>
+            <a:off x="3456507" y="30704"/>
+            <a:ext cx="8937132" cy="6848396"/>
+            <a:chOff x="3456507" y="30704"/>
+            <a:chExt cx="8937132" cy="6848396"/>
+          </a:xfrm>
+        </p:grpSpPr>
+        <p:pic>
+          <p:nvPicPr>
+            <p:cNvPr id="23" name="Picture 22" descr="A picture containing clock&#10;&#10;Description automatically generated">
+              <a:extLst>
+                <a:ext uri="{FF2B5EF4-FFF2-40B4-BE49-F238E27FC236}">
+                  <a16:creationId xmlns:a16="http://schemas.microsoft.com/office/drawing/2014/main" id="{EE184879-A543-4803-9680-DAFA8E6BB1FD}"/>
+                </a:ext>
+              </a:extLst>
+            </p:cNvPr>
+            <p:cNvPicPr>
+              <a:picLocks noChangeAspect="1"/>
+            </p:cNvPicPr>
+            <p:nvPr/>
+          </p:nvPicPr>
+          <p:blipFill rotWithShape="1">
+            <a:blip r:embed="rId3">
+              <a:extLst>
+                <a:ext uri="{28A0092B-C50C-407E-A947-70E740481C1C}">
+                  <a14:useLocalDpi xmlns:a14="http://schemas.microsoft.com/office/drawing/2010/main" val="0"/>
+                </a:ext>
+              </a:extLst>
+            </a:blip>
+            <a:srcRect l="10814" r="32776"/>
+            <a:stretch/>
+          </p:blipFill>
+          <p:spPr>
+            <a:xfrm>
+              <a:off x="4041697" y="478300"/>
+              <a:ext cx="2625969" cy="6400800"/>
+            </a:xfrm>
+            <a:prstGeom prst="rect">
+              <a:avLst/>
+            </a:prstGeom>
+          </p:spPr>
+        </p:pic>
+        <p:pic>
+          <p:nvPicPr>
+            <p:cNvPr id="26" name="Picture 25">
+              <a:extLst>
+                <a:ext uri="{FF2B5EF4-FFF2-40B4-BE49-F238E27FC236}">
+                  <a16:creationId xmlns:a16="http://schemas.microsoft.com/office/drawing/2014/main" id="{FB9E297C-0B80-48C8-B398-30046B505A2B}"/>
+                </a:ext>
+              </a:extLst>
+            </p:cNvPr>
+            <p:cNvPicPr>
+              <a:picLocks noChangeAspect="1"/>
+            </p:cNvPicPr>
+            <p:nvPr/>
+          </p:nvPicPr>
+          <p:blipFill rotWithShape="1">
+            <a:blip r:embed="rId4">
+              <a:extLst>
+                <a:ext uri="{28A0092B-C50C-407E-A947-70E740481C1C}">
+                  <a14:useLocalDpi xmlns:a14="http://schemas.microsoft.com/office/drawing/2010/main" val="0"/>
+                </a:ext>
+              </a:extLst>
+            </a:blip>
+            <a:srcRect l="10162" r="29688"/>
+            <a:stretch/>
+          </p:blipFill>
+          <p:spPr>
+            <a:xfrm>
+              <a:off x="6753352" y="492369"/>
+              <a:ext cx="2784651" cy="6365631"/>
+            </a:xfrm>
+            <a:prstGeom prst="rect">
+              <a:avLst/>
+            </a:prstGeom>
+          </p:spPr>
+        </p:pic>
+        <p:sp>
+          <p:nvSpPr>
+            <p:cNvPr id="4" name="TextBox 3">
+              <a:extLst>
+                <a:ext uri="{FF2B5EF4-FFF2-40B4-BE49-F238E27FC236}">
+                  <a16:creationId xmlns:a16="http://schemas.microsoft.com/office/drawing/2014/main" id="{84701484-AC52-4013-A26D-C932C1EF0C35}"/>
+                </a:ext>
+              </a:extLst>
+            </p:cNvPr>
+            <p:cNvSpPr txBox="1"/>
+            <p:nvPr/>
+          </p:nvSpPr>
+          <p:spPr>
+            <a:xfrm>
+              <a:off x="9829911" y="1869999"/>
+              <a:ext cx="2563728" cy="830997"/>
+            </a:xfrm>
+            <a:prstGeom prst="rect">
+              <a:avLst/>
+            </a:prstGeom>
+            <a:noFill/>
+          </p:spPr>
+          <p:txBody>
+            <a:bodyPr wrap="square" rtlCol="0">
+              <a:spAutoFit/>
+            </a:bodyPr>
+            <a:lstStyle/>
+            <a:p>
+              <a:r>
+                <a:rPr lang="en-US" sz="2400" dirty="0"/>
+                <a:t>Rank by</a:t>
+              </a:r>
+            </a:p>
+            <a:p>
+              <a:r>
+                <a:rPr lang="en-US" sz="2400" dirty="0"/>
+                <a:t>Preference</a:t>
+              </a:r>
+            </a:p>
+          </p:txBody>
+        </p:sp>
+        <p:pic>
+          <p:nvPicPr>
+            <p:cNvPr id="5" name="Picture 4" descr="A close up of a logo&#10;&#10;Description automatically generated">
+              <a:extLst>
+                <a:ext uri="{FF2B5EF4-FFF2-40B4-BE49-F238E27FC236}">
+                  <a16:creationId xmlns:a16="http://schemas.microsoft.com/office/drawing/2014/main" id="{9D32934A-3112-49B1-A9F0-E13A7327878D}"/>
+                </a:ext>
+              </a:extLst>
+            </p:cNvPr>
+            <p:cNvPicPr>
+              <a:picLocks noChangeAspect="1"/>
+            </p:cNvPicPr>
+            <p:nvPr/>
+          </p:nvPicPr>
+          <p:blipFill rotWithShape="1">
+            <a:blip r:embed="rId5">
+              <a:extLst>
+                <a:ext uri="{28A0092B-C50C-407E-A947-70E740481C1C}">
+                  <a14:useLocalDpi xmlns:a14="http://schemas.microsoft.com/office/drawing/2010/main" val="0"/>
+                </a:ext>
+              </a:extLst>
+            </a:blip>
+            <a:srcRect l="73004" t="42701" r="17406" b="41504"/>
+            <a:stretch/>
+          </p:blipFill>
+          <p:spPr>
+            <a:xfrm>
+              <a:off x="9676869" y="2700996"/>
+              <a:ext cx="1281864" cy="2903050"/>
+            </a:xfrm>
+            <a:prstGeom prst="rect">
+              <a:avLst/>
+            </a:prstGeom>
+          </p:spPr>
+        </p:pic>
+        <p:sp>
+          <p:nvSpPr>
+            <p:cNvPr id="8" name="TextBox 7">
+              <a:extLst>
+                <a:ext uri="{FF2B5EF4-FFF2-40B4-BE49-F238E27FC236}">
+                  <a16:creationId xmlns:a16="http://schemas.microsoft.com/office/drawing/2014/main" id="{2C7F735B-B575-44A3-9447-25DB41E4994B}"/>
+                </a:ext>
+              </a:extLst>
+            </p:cNvPr>
+            <p:cNvSpPr txBox="1"/>
+            <p:nvPr/>
+          </p:nvSpPr>
+          <p:spPr>
+            <a:xfrm>
+              <a:off x="4486113" y="30704"/>
+              <a:ext cx="2106526" cy="461665"/>
+            </a:xfrm>
+            <a:prstGeom prst="rect">
+              <a:avLst/>
+            </a:prstGeom>
+            <a:noFill/>
+          </p:spPr>
+          <p:txBody>
+            <a:bodyPr wrap="square" rtlCol="0">
+              <a:spAutoFit/>
+            </a:bodyPr>
+            <a:lstStyle/>
+            <a:p>
+              <a:r>
+                <a:rPr lang="en-US" sz="2400" dirty="0"/>
+                <a:t>Ground-Truth</a:t>
+              </a:r>
+            </a:p>
+          </p:txBody>
+        </p:sp>
+        <p:sp>
+          <p:nvSpPr>
+            <p:cNvPr id="9" name="TextBox 8">
+              <a:extLst>
+                <a:ext uri="{FF2B5EF4-FFF2-40B4-BE49-F238E27FC236}">
+                  <a16:creationId xmlns:a16="http://schemas.microsoft.com/office/drawing/2014/main" id="{2152F5F1-08CE-4CF2-ABC0-476F5618666B}"/>
+                </a:ext>
+              </a:extLst>
+            </p:cNvPr>
+            <p:cNvSpPr txBox="1"/>
+            <p:nvPr/>
+          </p:nvSpPr>
+          <p:spPr>
+            <a:xfrm>
+              <a:off x="7158012" y="30704"/>
+              <a:ext cx="2106526" cy="461665"/>
+            </a:xfrm>
+            <a:prstGeom prst="rect">
+              <a:avLst/>
+            </a:prstGeom>
+            <a:noFill/>
+          </p:spPr>
+          <p:txBody>
+            <a:bodyPr wrap="square" rtlCol="0">
+              <a:spAutoFit/>
+            </a:bodyPr>
+            <a:lstStyle/>
+            <a:p>
+              <a:r>
+                <a:rPr lang="en-US" sz="2400" dirty="0"/>
+                <a:t>Reconstructed</a:t>
+              </a:r>
+            </a:p>
+          </p:txBody>
+        </p:sp>
+        <p:sp>
+          <p:nvSpPr>
+            <p:cNvPr id="2" name="TextBox 1">
+              <a:extLst>
+                <a:ext uri="{FF2B5EF4-FFF2-40B4-BE49-F238E27FC236}">
+                  <a16:creationId xmlns:a16="http://schemas.microsoft.com/office/drawing/2014/main" id="{93881ACD-F384-40F5-8ACB-47CA109B5208}"/>
+                </a:ext>
+              </a:extLst>
+            </p:cNvPr>
+            <p:cNvSpPr txBox="1"/>
+            <p:nvPr/>
+          </p:nvSpPr>
+          <p:spPr>
+            <a:xfrm>
+              <a:off x="3456507" y="596721"/>
+              <a:ext cx="1237957" cy="369332"/>
+            </a:xfrm>
+            <a:prstGeom prst="rect">
+              <a:avLst/>
+            </a:prstGeom>
+            <a:noFill/>
+          </p:spPr>
+          <p:txBody>
+            <a:bodyPr wrap="square" rtlCol="0">
+              <a:spAutoFit/>
+            </a:bodyPr>
+            <a:lstStyle/>
+            <a:p>
+              <a:r>
+                <a:rPr lang="en-US" i="1" dirty="0"/>
+                <a:t>7.07</a:t>
+              </a:r>
+            </a:p>
+          </p:txBody>
+        </p:sp>
+        <p:sp>
+          <p:nvSpPr>
+            <p:cNvPr id="29" name="TextBox 28">
+              <a:extLst>
+                <a:ext uri="{FF2B5EF4-FFF2-40B4-BE49-F238E27FC236}">
+                  <a16:creationId xmlns:a16="http://schemas.microsoft.com/office/drawing/2014/main" id="{D9429D11-2D72-4011-8904-B1540DF41FED}"/>
+                </a:ext>
+              </a:extLst>
+            </p:cNvPr>
+            <p:cNvSpPr txBox="1"/>
+            <p:nvPr/>
+          </p:nvSpPr>
+          <p:spPr>
+            <a:xfrm>
+              <a:off x="3456507" y="1055995"/>
+              <a:ext cx="1237957" cy="369332"/>
+            </a:xfrm>
+            <a:prstGeom prst="rect">
+              <a:avLst/>
+            </a:prstGeom>
+            <a:noFill/>
+          </p:spPr>
+          <p:txBody>
+            <a:bodyPr wrap="square" rtlCol="0">
+              <a:spAutoFit/>
+            </a:bodyPr>
+            <a:lstStyle/>
+            <a:p>
+              <a:r>
+                <a:rPr lang="en-US" i="1" dirty="0"/>
+                <a:t>6.66</a:t>
+              </a:r>
+            </a:p>
+          </p:txBody>
+        </p:sp>
+        <p:sp>
+          <p:nvSpPr>
+            <p:cNvPr id="30" name="TextBox 29">
+              <a:extLst>
+                <a:ext uri="{FF2B5EF4-FFF2-40B4-BE49-F238E27FC236}">
+                  <a16:creationId xmlns:a16="http://schemas.microsoft.com/office/drawing/2014/main" id="{CE592049-B336-476C-B081-774D22575FF0}"/>
+                </a:ext>
+              </a:extLst>
+            </p:cNvPr>
+            <p:cNvSpPr txBox="1"/>
+            <p:nvPr/>
+          </p:nvSpPr>
+          <p:spPr>
+            <a:xfrm>
+              <a:off x="3456507" y="1515269"/>
+              <a:ext cx="1237957" cy="369332"/>
+            </a:xfrm>
+            <a:prstGeom prst="rect">
+              <a:avLst/>
+            </a:prstGeom>
+            <a:noFill/>
+          </p:spPr>
+          <p:txBody>
+            <a:bodyPr wrap="square" rtlCol="0">
+              <a:spAutoFit/>
+            </a:bodyPr>
+            <a:lstStyle/>
+            <a:p>
+              <a:r>
+                <a:rPr lang="en-US" i="1" dirty="0"/>
+                <a:t>6.29</a:t>
+              </a:r>
+            </a:p>
+          </p:txBody>
+        </p:sp>
+        <p:sp>
+          <p:nvSpPr>
+            <p:cNvPr id="31" name="TextBox 30">
+              <a:extLst>
+                <a:ext uri="{FF2B5EF4-FFF2-40B4-BE49-F238E27FC236}">
+                  <a16:creationId xmlns:a16="http://schemas.microsoft.com/office/drawing/2014/main" id="{49C936E8-B041-414D-899C-B9C6F7A106E5}"/>
+                </a:ext>
+              </a:extLst>
+            </p:cNvPr>
+            <p:cNvSpPr txBox="1"/>
+            <p:nvPr/>
+          </p:nvSpPr>
+          <p:spPr>
+            <a:xfrm>
+              <a:off x="3456507" y="1974543"/>
+              <a:ext cx="1237957" cy="369332"/>
+            </a:xfrm>
+            <a:prstGeom prst="rect">
+              <a:avLst/>
+            </a:prstGeom>
+            <a:noFill/>
+          </p:spPr>
+          <p:txBody>
+            <a:bodyPr wrap="square" rtlCol="0">
+              <a:spAutoFit/>
+            </a:bodyPr>
+            <a:lstStyle/>
+            <a:p>
+              <a:r>
+                <a:rPr lang="en-US" i="1" dirty="0"/>
+                <a:t>3.77</a:t>
+              </a:r>
+            </a:p>
+          </p:txBody>
+        </p:sp>
+        <p:sp>
+          <p:nvSpPr>
+            <p:cNvPr id="32" name="TextBox 31">
+              <a:extLst>
+                <a:ext uri="{FF2B5EF4-FFF2-40B4-BE49-F238E27FC236}">
+                  <a16:creationId xmlns:a16="http://schemas.microsoft.com/office/drawing/2014/main" id="{DF7F83BA-47D5-4F5D-BC96-61A919864080}"/>
+                </a:ext>
+              </a:extLst>
+            </p:cNvPr>
+            <p:cNvSpPr txBox="1"/>
+            <p:nvPr/>
+          </p:nvSpPr>
+          <p:spPr>
+            <a:xfrm>
+              <a:off x="3456507" y="2433817"/>
+              <a:ext cx="1237957" cy="369332"/>
+            </a:xfrm>
+            <a:prstGeom prst="rect">
+              <a:avLst/>
+            </a:prstGeom>
+            <a:noFill/>
+          </p:spPr>
+          <p:txBody>
+            <a:bodyPr wrap="square" rtlCol="0">
+              <a:spAutoFit/>
+            </a:bodyPr>
+            <a:lstStyle/>
+            <a:p>
+              <a:r>
+                <a:rPr lang="en-US" i="1" dirty="0"/>
+                <a:t>3.37</a:t>
+              </a:r>
+            </a:p>
+          </p:txBody>
+        </p:sp>
+        <p:sp>
+          <p:nvSpPr>
+            <p:cNvPr id="33" name="TextBox 32">
+              <a:extLst>
+                <a:ext uri="{FF2B5EF4-FFF2-40B4-BE49-F238E27FC236}">
+                  <a16:creationId xmlns:a16="http://schemas.microsoft.com/office/drawing/2014/main" id="{9257865C-0BEE-4BB3-80E1-93B3BB99AA04}"/>
+                </a:ext>
+              </a:extLst>
+            </p:cNvPr>
+            <p:cNvSpPr txBox="1"/>
+            <p:nvPr/>
+          </p:nvSpPr>
+          <p:spPr>
+            <a:xfrm>
+              <a:off x="3456507" y="2893091"/>
+              <a:ext cx="1237957" cy="369332"/>
+            </a:xfrm>
+            <a:prstGeom prst="rect">
+              <a:avLst/>
+            </a:prstGeom>
+            <a:noFill/>
+          </p:spPr>
+          <p:txBody>
+            <a:bodyPr wrap="square" rtlCol="0">
+              <a:spAutoFit/>
+            </a:bodyPr>
+            <a:lstStyle/>
+            <a:p>
+              <a:r>
+                <a:rPr lang="en-US" i="1" dirty="0"/>
+                <a:t>3.32</a:t>
+              </a:r>
+            </a:p>
+          </p:txBody>
+        </p:sp>
+        <p:sp>
+          <p:nvSpPr>
+            <p:cNvPr id="34" name="TextBox 33">
+              <a:extLst>
+                <a:ext uri="{FF2B5EF4-FFF2-40B4-BE49-F238E27FC236}">
+                  <a16:creationId xmlns:a16="http://schemas.microsoft.com/office/drawing/2014/main" id="{1E4793CE-A257-49B6-964E-CC496CC1B540}"/>
+                </a:ext>
+              </a:extLst>
+            </p:cNvPr>
+            <p:cNvSpPr txBox="1"/>
+            <p:nvPr/>
+          </p:nvSpPr>
+          <p:spPr>
+            <a:xfrm>
+              <a:off x="3456507" y="3352365"/>
+              <a:ext cx="1237957" cy="369332"/>
+            </a:xfrm>
+            <a:prstGeom prst="rect">
+              <a:avLst/>
+            </a:prstGeom>
+            <a:noFill/>
+          </p:spPr>
+          <p:txBody>
+            <a:bodyPr wrap="square" rtlCol="0">
+              <a:spAutoFit/>
+            </a:bodyPr>
+            <a:lstStyle/>
+            <a:p>
+              <a:r>
+                <a:rPr lang="en-US" i="1" dirty="0"/>
+                <a:t>2.87</a:t>
+              </a:r>
+            </a:p>
+          </p:txBody>
+        </p:sp>
+        <p:sp>
+          <p:nvSpPr>
+            <p:cNvPr id="35" name="TextBox 34">
+              <a:extLst>
+                <a:ext uri="{FF2B5EF4-FFF2-40B4-BE49-F238E27FC236}">
+                  <a16:creationId xmlns:a16="http://schemas.microsoft.com/office/drawing/2014/main" id="{C2036315-D479-46E9-9F87-E42E4215BF87}"/>
+                </a:ext>
+              </a:extLst>
+            </p:cNvPr>
+            <p:cNvSpPr txBox="1"/>
+            <p:nvPr/>
+          </p:nvSpPr>
+          <p:spPr>
+            <a:xfrm>
+              <a:off x="3456507" y="3811639"/>
+              <a:ext cx="1237957" cy="369332"/>
+            </a:xfrm>
+            <a:prstGeom prst="rect">
+              <a:avLst/>
+            </a:prstGeom>
+            <a:noFill/>
+          </p:spPr>
+          <p:txBody>
+            <a:bodyPr wrap="square" rtlCol="0">
+              <a:spAutoFit/>
+            </a:bodyPr>
+            <a:lstStyle/>
+            <a:p>
+              <a:r>
+                <a:rPr lang="en-US" i="1" dirty="0"/>
+                <a:t>2.45</a:t>
+              </a:r>
+            </a:p>
+          </p:txBody>
+        </p:sp>
+        <p:sp>
+          <p:nvSpPr>
+            <p:cNvPr id="36" name="TextBox 35">
+              <a:extLst>
+                <a:ext uri="{FF2B5EF4-FFF2-40B4-BE49-F238E27FC236}">
+                  <a16:creationId xmlns:a16="http://schemas.microsoft.com/office/drawing/2014/main" id="{892CBBF0-1BFF-4EA7-B194-BC6A5035A348}"/>
+                </a:ext>
+              </a:extLst>
+            </p:cNvPr>
+            <p:cNvSpPr txBox="1"/>
+            <p:nvPr/>
+          </p:nvSpPr>
+          <p:spPr>
+            <a:xfrm>
+              <a:off x="3456507" y="4270913"/>
+              <a:ext cx="1237957" cy="369332"/>
+            </a:xfrm>
+            <a:prstGeom prst="rect">
+              <a:avLst/>
+            </a:prstGeom>
+            <a:noFill/>
+          </p:spPr>
+          <p:txBody>
+            <a:bodyPr wrap="square" rtlCol="0">
+              <a:spAutoFit/>
+            </a:bodyPr>
+            <a:lstStyle/>
+            <a:p>
+              <a:r>
+                <a:rPr lang="en-US" i="1" dirty="0"/>
+                <a:t>2.36</a:t>
+              </a:r>
+            </a:p>
+          </p:txBody>
+        </p:sp>
+        <p:sp>
+          <p:nvSpPr>
+            <p:cNvPr id="37" name="TextBox 36">
+              <a:extLst>
+                <a:ext uri="{FF2B5EF4-FFF2-40B4-BE49-F238E27FC236}">
+                  <a16:creationId xmlns:a16="http://schemas.microsoft.com/office/drawing/2014/main" id="{998C8DB4-6393-4493-B4D0-9C1AA85263D4}"/>
+                </a:ext>
+              </a:extLst>
+            </p:cNvPr>
+            <p:cNvSpPr txBox="1"/>
+            <p:nvPr/>
+          </p:nvSpPr>
+          <p:spPr>
+            <a:xfrm>
+              <a:off x="3456507" y="4730187"/>
+              <a:ext cx="1237957" cy="369332"/>
+            </a:xfrm>
+            <a:prstGeom prst="rect">
+              <a:avLst/>
+            </a:prstGeom>
+            <a:noFill/>
+          </p:spPr>
+          <p:txBody>
+            <a:bodyPr wrap="square" rtlCol="0">
+              <a:spAutoFit/>
+            </a:bodyPr>
+            <a:lstStyle/>
+            <a:p>
+              <a:r>
+                <a:rPr lang="en-US" i="1" dirty="0"/>
+                <a:t>2.06</a:t>
+              </a:r>
+            </a:p>
+          </p:txBody>
+        </p:sp>
+        <p:sp>
+          <p:nvSpPr>
+            <p:cNvPr id="38" name="TextBox 37">
+              <a:extLst>
+                <a:ext uri="{FF2B5EF4-FFF2-40B4-BE49-F238E27FC236}">
+                  <a16:creationId xmlns:a16="http://schemas.microsoft.com/office/drawing/2014/main" id="{B645D6E2-FC2A-41C1-90C2-4C9650896033}"/>
+                </a:ext>
+              </a:extLst>
+            </p:cNvPr>
+            <p:cNvSpPr txBox="1"/>
+            <p:nvPr/>
+          </p:nvSpPr>
+          <p:spPr>
+            <a:xfrm>
+              <a:off x="3456507" y="5189461"/>
+              <a:ext cx="1237957" cy="369332"/>
+            </a:xfrm>
+            <a:prstGeom prst="rect">
+              <a:avLst/>
+            </a:prstGeom>
+            <a:noFill/>
+          </p:spPr>
+          <p:txBody>
+            <a:bodyPr wrap="square" rtlCol="0">
+              <a:spAutoFit/>
+            </a:bodyPr>
+            <a:lstStyle/>
+            <a:p>
+              <a:r>
+                <a:rPr lang="en-US" i="1" dirty="0"/>
+                <a:t>1.73</a:t>
+              </a:r>
+            </a:p>
+          </p:txBody>
+        </p:sp>
+        <p:sp>
+          <p:nvSpPr>
+            <p:cNvPr id="39" name="TextBox 38">
+              <a:extLst>
+                <a:ext uri="{FF2B5EF4-FFF2-40B4-BE49-F238E27FC236}">
+                  <a16:creationId xmlns:a16="http://schemas.microsoft.com/office/drawing/2014/main" id="{D659BF83-9EBA-416E-8AA3-4C93E199399F}"/>
+                </a:ext>
+              </a:extLst>
+            </p:cNvPr>
+            <p:cNvSpPr txBox="1"/>
+            <p:nvPr/>
+          </p:nvSpPr>
+          <p:spPr>
+            <a:xfrm>
+              <a:off x="3456507" y="5648735"/>
+              <a:ext cx="1237957" cy="369332"/>
+            </a:xfrm>
+            <a:prstGeom prst="rect">
+              <a:avLst/>
+            </a:prstGeom>
+            <a:noFill/>
+          </p:spPr>
+          <p:txBody>
+            <a:bodyPr wrap="square" rtlCol="0">
+              <a:spAutoFit/>
+            </a:bodyPr>
+            <a:lstStyle/>
+            <a:p>
+              <a:r>
+                <a:rPr lang="en-US" i="1" dirty="0"/>
+                <a:t>1.00</a:t>
+              </a:r>
+            </a:p>
+          </p:txBody>
+        </p:sp>
+        <p:sp>
+          <p:nvSpPr>
+            <p:cNvPr id="40" name="TextBox 39">
+              <a:extLst>
+                <a:ext uri="{FF2B5EF4-FFF2-40B4-BE49-F238E27FC236}">
+                  <a16:creationId xmlns:a16="http://schemas.microsoft.com/office/drawing/2014/main" id="{A1955DF9-0A34-4132-BB80-0A4B02A0C186}"/>
+                </a:ext>
+              </a:extLst>
+            </p:cNvPr>
+            <p:cNvSpPr txBox="1"/>
+            <p:nvPr/>
+          </p:nvSpPr>
+          <p:spPr>
+            <a:xfrm>
+              <a:off x="3456507" y="6108011"/>
+              <a:ext cx="1237957" cy="369332"/>
+            </a:xfrm>
+            <a:prstGeom prst="rect">
+              <a:avLst/>
+            </a:prstGeom>
+            <a:noFill/>
+          </p:spPr>
+          <p:txBody>
+            <a:bodyPr wrap="square" rtlCol="0">
+              <a:spAutoFit/>
+            </a:bodyPr>
+            <a:lstStyle/>
+            <a:p>
+              <a:r>
+                <a:rPr lang="en-US" i="1" dirty="0"/>
+                <a:t>1.00</a:t>
+              </a:r>
+            </a:p>
+          </p:txBody>
+        </p:sp>
+      </p:grpSp>
+    </p:spTree>
+    <p:extLst>
+      <p:ext uri="{BB962C8B-B14F-4D97-AF65-F5344CB8AC3E}">
+        <p14:creationId xmlns:p14="http://schemas.microsoft.com/office/powerpoint/2010/main" val="1773979766"/>
       </p:ext>
     </p:extLst>
   </p:cSld>
@@ -6426,7 +7120,7 @@
 </file>
 
 <file path=ppt/slides/slide3.xml><?xml version="1.0" encoding="utf-8"?>
-<p:sld xmlns:a="http://schemas.openxmlformats.org/drawingml/2006/main" xmlns:r="http://schemas.openxmlformats.org/officeDocument/2006/relationships" xmlns:p="http://schemas.openxmlformats.org/presentationml/2006/main">
+<p:sld xmlns:a="http://schemas.openxmlformats.org/drawingml/2006/main" xmlns:r="http://schemas.openxmlformats.org/officeDocument/2006/relationships" xmlns:p="http://schemas.openxmlformats.org/presentationml/2006/main" show="0">
   <p:cSld>
     <p:spTree>
       <p:nvGrpSpPr>
@@ -6651,6 +7345,6518 @@
           <a:chExt cx="0" cy="0"/>
         </a:xfrm>
       </p:grpSpPr>
+      <p:sp>
+        <p:nvSpPr>
+          <p:cNvPr id="12" name="TextBox 11">
+            <a:extLst>
+              <a:ext uri="{FF2B5EF4-FFF2-40B4-BE49-F238E27FC236}">
+                <a16:creationId xmlns:a16="http://schemas.microsoft.com/office/drawing/2014/main" id="{E165FDF6-63F8-4F69-9ABB-68428333AE49}"/>
+              </a:ext>
+            </a:extLst>
+          </p:cNvPr>
+          <p:cNvSpPr txBox="1"/>
+          <p:nvPr/>
+        </p:nvSpPr>
+        <p:spPr>
+          <a:xfrm>
+            <a:off x="2606218" y="82518"/>
+            <a:ext cx="2980009" cy="584775"/>
+          </a:xfrm>
+          <a:prstGeom prst="rect">
+            <a:avLst/>
+          </a:prstGeom>
+          <a:solidFill>
+            <a:schemeClr val="bg1"/>
+          </a:solidFill>
+        </p:spPr>
+        <p:txBody>
+          <a:bodyPr wrap="square" rtlCol="0">
+            <a:spAutoFit/>
+          </a:bodyPr>
+          <a:lstStyle/>
+          <a:p>
+            <a:pPr algn="ctr"/>
+            <a:r>
+              <a:rPr lang="en-US" sz="3200" b="1" dirty="0"/>
+              <a:t>Model Training</a:t>
+            </a:r>
+          </a:p>
+        </p:txBody>
+      </p:sp>
+      <p:sp>
+        <p:nvSpPr>
+          <p:cNvPr id="58" name="Rectangle 57">
+            <a:extLst>
+              <a:ext uri="{FF2B5EF4-FFF2-40B4-BE49-F238E27FC236}">
+                <a16:creationId xmlns:a16="http://schemas.microsoft.com/office/drawing/2014/main" id="{96D288B8-60AE-4A16-B081-328BE6F43A9D}"/>
+              </a:ext>
+            </a:extLst>
+          </p:cNvPr>
+          <p:cNvSpPr/>
+          <p:nvPr/>
+        </p:nvSpPr>
+        <p:spPr>
+          <a:xfrm>
+            <a:off x="2154340" y="3090710"/>
+            <a:ext cx="1402837" cy="1406097"/>
+          </a:xfrm>
+          <a:prstGeom prst="rect">
+            <a:avLst/>
+          </a:prstGeom>
+          <a:solidFill>
+            <a:schemeClr val="bg1"/>
+          </a:solidFill>
+          <a:ln w="28575">
+            <a:solidFill>
+              <a:schemeClr val="tx1"/>
+            </a:solidFill>
+          </a:ln>
+        </p:spPr>
+        <p:style>
+          <a:lnRef idx="2">
+            <a:schemeClr val="accent1">
+              <a:shade val="50000"/>
+            </a:schemeClr>
+          </a:lnRef>
+          <a:fillRef idx="1">
+            <a:schemeClr val="accent1"/>
+          </a:fillRef>
+          <a:effectRef idx="0">
+            <a:schemeClr val="accent1"/>
+          </a:effectRef>
+          <a:fontRef idx="minor">
+            <a:schemeClr val="lt1"/>
+          </a:fontRef>
+        </p:style>
+        <p:txBody>
+          <a:bodyPr rtlCol="0" anchor="ctr"/>
+          <a:lstStyle/>
+          <a:p>
+            <a:pPr algn="ctr"/>
+            <a:endParaRPr lang="en-US"/>
+          </a:p>
+        </p:txBody>
+      </p:sp>
+      <p:sp>
+        <p:nvSpPr>
+          <p:cNvPr id="59" name="Rectangle 58">
+            <a:extLst>
+              <a:ext uri="{FF2B5EF4-FFF2-40B4-BE49-F238E27FC236}">
+                <a16:creationId xmlns:a16="http://schemas.microsoft.com/office/drawing/2014/main" id="{46C1476A-1394-411D-B611-A1C49BBA1A4C}"/>
+              </a:ext>
+            </a:extLst>
+          </p:cNvPr>
+          <p:cNvSpPr/>
+          <p:nvPr/>
+        </p:nvSpPr>
+        <p:spPr>
+          <a:xfrm>
+            <a:off x="2175426" y="3507947"/>
+            <a:ext cx="274320" cy="274320"/>
+          </a:xfrm>
+          <a:prstGeom prst="rect">
+            <a:avLst/>
+          </a:prstGeom>
+          <a:solidFill>
+            <a:srgbClr val="A5A5A5"/>
+          </a:solidFill>
+          <a:ln>
+            <a:noFill/>
+          </a:ln>
+        </p:spPr>
+        <p:style>
+          <a:lnRef idx="2">
+            <a:schemeClr val="accent1">
+              <a:shade val="50000"/>
+            </a:schemeClr>
+          </a:lnRef>
+          <a:fillRef idx="1">
+            <a:schemeClr val="accent1"/>
+          </a:fillRef>
+          <a:effectRef idx="0">
+            <a:schemeClr val="accent1"/>
+          </a:effectRef>
+          <a:fontRef idx="minor">
+            <a:schemeClr val="lt1"/>
+          </a:fontRef>
+        </p:style>
+        <p:txBody>
+          <a:bodyPr rtlCol="0" anchor="ctr"/>
+          <a:lstStyle/>
+          <a:p>
+            <a:pPr algn="ctr"/>
+            <a:endParaRPr lang="en-US"/>
+          </a:p>
+        </p:txBody>
+      </p:sp>
+      <p:sp>
+        <p:nvSpPr>
+          <p:cNvPr id="67" name="Rectangle 66">
+            <a:extLst>
+              <a:ext uri="{FF2B5EF4-FFF2-40B4-BE49-F238E27FC236}">
+                <a16:creationId xmlns:a16="http://schemas.microsoft.com/office/drawing/2014/main" id="{A5D7D30E-94A9-4249-9DF9-A6D7281F3235}"/>
+              </a:ext>
+            </a:extLst>
+          </p:cNvPr>
+          <p:cNvSpPr/>
+          <p:nvPr/>
+        </p:nvSpPr>
+        <p:spPr>
+          <a:xfrm>
+            <a:off x="2855758" y="3294694"/>
+            <a:ext cx="274320" cy="274320"/>
+          </a:xfrm>
+          <a:prstGeom prst="rect">
+            <a:avLst/>
+          </a:prstGeom>
+          <a:solidFill>
+            <a:srgbClr val="A5A5A5"/>
+          </a:solidFill>
+          <a:ln>
+            <a:noFill/>
+          </a:ln>
+        </p:spPr>
+        <p:style>
+          <a:lnRef idx="2">
+            <a:schemeClr val="accent1">
+              <a:shade val="50000"/>
+            </a:schemeClr>
+          </a:lnRef>
+          <a:fillRef idx="1">
+            <a:schemeClr val="accent1"/>
+          </a:fillRef>
+          <a:effectRef idx="0">
+            <a:schemeClr val="accent1"/>
+          </a:effectRef>
+          <a:fontRef idx="minor">
+            <a:schemeClr val="lt1"/>
+          </a:fontRef>
+        </p:style>
+        <p:txBody>
+          <a:bodyPr rtlCol="0" anchor="ctr"/>
+          <a:lstStyle/>
+          <a:p>
+            <a:pPr algn="ctr"/>
+            <a:endParaRPr lang="en-US"/>
+          </a:p>
+        </p:txBody>
+      </p:sp>
+      <p:sp>
+        <p:nvSpPr>
+          <p:cNvPr id="68" name="Rectangle 67">
+            <a:extLst>
+              <a:ext uri="{FF2B5EF4-FFF2-40B4-BE49-F238E27FC236}">
+                <a16:creationId xmlns:a16="http://schemas.microsoft.com/office/drawing/2014/main" id="{4C3DF1CD-C8F8-4951-8E40-54DE3153E827}"/>
+              </a:ext>
+            </a:extLst>
+          </p:cNvPr>
+          <p:cNvSpPr/>
+          <p:nvPr/>
+        </p:nvSpPr>
+        <p:spPr>
+          <a:xfrm>
+            <a:off x="2529473" y="4015707"/>
+            <a:ext cx="274320" cy="274320"/>
+          </a:xfrm>
+          <a:prstGeom prst="rect">
+            <a:avLst/>
+          </a:prstGeom>
+          <a:solidFill>
+            <a:srgbClr val="A5A5A5"/>
+          </a:solidFill>
+          <a:ln>
+            <a:noFill/>
+          </a:ln>
+        </p:spPr>
+        <p:style>
+          <a:lnRef idx="2">
+            <a:schemeClr val="accent1">
+              <a:shade val="50000"/>
+            </a:schemeClr>
+          </a:lnRef>
+          <a:fillRef idx="1">
+            <a:schemeClr val="accent1"/>
+          </a:fillRef>
+          <a:effectRef idx="0">
+            <a:schemeClr val="accent1"/>
+          </a:effectRef>
+          <a:fontRef idx="minor">
+            <a:schemeClr val="lt1"/>
+          </a:fontRef>
+        </p:style>
+        <p:txBody>
+          <a:bodyPr rtlCol="0" anchor="ctr"/>
+          <a:lstStyle/>
+          <a:p>
+            <a:pPr algn="ctr"/>
+            <a:endParaRPr lang="en-US"/>
+          </a:p>
+        </p:txBody>
+      </p:sp>
+      <mc:AlternateContent xmlns:mc="http://schemas.openxmlformats.org/markup-compatibility/2006">
+        <mc:Choice xmlns:a14="http://schemas.microsoft.com/office/drawing/2010/main" Requires="a14">
+          <p:sp>
+            <p:nvSpPr>
+              <p:cNvPr id="72" name="Rectangle 71">
+                <a:extLst>
+                  <a:ext uri="{FF2B5EF4-FFF2-40B4-BE49-F238E27FC236}">
+                    <a16:creationId xmlns:a16="http://schemas.microsoft.com/office/drawing/2014/main" id="{B97458FE-7EA1-488D-9B4B-A4D560A41302}"/>
+                  </a:ext>
+                </a:extLst>
+              </p:cNvPr>
+              <p:cNvSpPr/>
+              <p:nvPr/>
+            </p:nvSpPr>
+            <p:spPr>
+              <a:xfrm>
+                <a:off x="2218678" y="4032035"/>
+                <a:ext cx="274320" cy="215004"/>
+              </a:xfrm>
+              <a:prstGeom prst="rect">
+                <a:avLst/>
+              </a:prstGeom>
+              <a:solidFill>
+                <a:schemeClr val="bg1"/>
+              </a:solidFill>
+              <a:ln>
+                <a:noFill/>
+              </a:ln>
+            </p:spPr>
+            <p:style>
+              <a:lnRef idx="2">
+                <a:schemeClr val="accent1">
+                  <a:shade val="50000"/>
+                </a:schemeClr>
+              </a:lnRef>
+              <a:fillRef idx="1">
+                <a:schemeClr val="accent1"/>
+              </a:fillRef>
+              <a:effectRef idx="0">
+                <a:schemeClr val="accent1"/>
+              </a:effectRef>
+              <a:fontRef idx="minor">
+                <a:schemeClr val="lt1"/>
+              </a:fontRef>
+            </p:style>
+            <p:txBody>
+              <a:bodyPr rtlCol="0" anchor="ctr"/>
+              <a:lstStyle/>
+              <a:p>
+                <a:pPr algn="ctr"/>
+                <a14:m>
+                  <m:oMathPara xmlns:m="http://schemas.openxmlformats.org/officeDocument/2006/math">
+                    <m:oMathParaPr>
+                      <m:jc m:val="centerGroup"/>
+                    </m:oMathParaPr>
+                    <m:oMath xmlns:m="http://schemas.openxmlformats.org/officeDocument/2006/math">
+                      <m:sSub>
+                        <m:sSubPr>
+                          <m:ctrlPr>
+                            <a:rPr lang="en-US" b="1" i="1" smtClean="0">
+                              <a:solidFill>
+                                <a:sysClr val="windowText" lastClr="000000"/>
+                              </a:solidFill>
+                              <a:latin typeface="Cambria Math" panose="02040503050406030204" pitchFamily="18" charset="0"/>
+                            </a:rPr>
+                          </m:ctrlPr>
+                        </m:sSubPr>
+                        <m:e>
+                          <m:r>
+                            <a:rPr lang="en-US" b="1" i="1" smtClean="0">
+                              <a:solidFill>
+                                <a:sysClr val="windowText" lastClr="000000"/>
+                              </a:solidFill>
+                              <a:latin typeface="Cambria Math" panose="02040503050406030204" pitchFamily="18" charset="0"/>
+                            </a:rPr>
+                            <m:t>𝒈</m:t>
+                          </m:r>
+                        </m:e>
+                        <m:sub>
+                          <m:r>
+                            <a:rPr lang="en-US" b="1" i="1" smtClean="0">
+                              <a:solidFill>
+                                <a:sysClr val="windowText" lastClr="000000"/>
+                              </a:solidFill>
+                              <a:latin typeface="Cambria Math" panose="02040503050406030204" pitchFamily="18" charset="0"/>
+                            </a:rPr>
+                            <m:t>𝟒</m:t>
+                          </m:r>
+                        </m:sub>
+                      </m:sSub>
+                    </m:oMath>
+                  </m:oMathPara>
+                </a14:m>
+                <a:endParaRPr lang="en-US" b="1" dirty="0">
+                  <a:solidFill>
+                    <a:sysClr val="windowText" lastClr="000000"/>
+                  </a:solidFill>
+                </a:endParaRPr>
+              </a:p>
+            </p:txBody>
+          </p:sp>
+        </mc:Choice>
+        <mc:Fallback>
+          <p:sp>
+            <p:nvSpPr>
+              <p:cNvPr id="72" name="Rectangle 71">
+                <a:extLst>
+                  <a:ext uri="{FF2B5EF4-FFF2-40B4-BE49-F238E27FC236}">
+                    <a16:creationId xmlns:a16="http://schemas.microsoft.com/office/drawing/2014/main" id="{B97458FE-7EA1-488D-9B4B-A4D560A41302}"/>
+                  </a:ext>
+                </a:extLst>
+              </p:cNvPr>
+              <p:cNvSpPr>
+                <a:spLocks noRot="1" noChangeAspect="1" noMove="1" noResize="1" noEditPoints="1" noAdjustHandles="1" noChangeArrowheads="1" noChangeShapeType="1" noTextEdit="1"/>
+              </p:cNvSpPr>
+              <p:nvPr/>
+            </p:nvSpPr>
+            <p:spPr>
+              <a:xfrm>
+                <a:off x="2218678" y="4032035"/>
+                <a:ext cx="274320" cy="215004"/>
+              </a:xfrm>
+              <a:prstGeom prst="rect">
+                <a:avLst/>
+              </a:prstGeom>
+              <a:blipFill>
+                <a:blip r:embed="rId2"/>
+                <a:stretch>
+                  <a:fillRect l="-37778" r="-11111" b="-47222"/>
+                </a:stretch>
+              </a:blipFill>
+              <a:ln>
+                <a:noFill/>
+              </a:ln>
+            </p:spPr>
+            <p:txBody>
+              <a:bodyPr/>
+              <a:lstStyle/>
+              <a:p>
+                <a:r>
+                  <a:rPr lang="en-US">
+                    <a:noFill/>
+                  </a:rPr>
+                  <a:t> </a:t>
+                </a:r>
+              </a:p>
+            </p:txBody>
+          </p:sp>
+        </mc:Fallback>
+      </mc:AlternateContent>
+      <mc:AlternateContent xmlns:mc="http://schemas.openxmlformats.org/markup-compatibility/2006">
+        <mc:Choice xmlns:a14="http://schemas.microsoft.com/office/drawing/2010/main" Requires="a14">
+          <p:sp>
+            <p:nvSpPr>
+              <p:cNvPr id="73" name="Rectangle 72">
+                <a:extLst>
+                  <a:ext uri="{FF2B5EF4-FFF2-40B4-BE49-F238E27FC236}">
+                    <a16:creationId xmlns:a16="http://schemas.microsoft.com/office/drawing/2014/main" id="{FCC29EA4-71D4-46FD-BBFF-A7335BDE7496}"/>
+                  </a:ext>
+                </a:extLst>
+              </p:cNvPr>
+              <p:cNvSpPr/>
+              <p:nvPr/>
+            </p:nvSpPr>
+            <p:spPr>
+              <a:xfrm>
+                <a:off x="2984762" y="4182525"/>
+                <a:ext cx="274320" cy="215004"/>
+              </a:xfrm>
+              <a:prstGeom prst="rect">
+                <a:avLst/>
+              </a:prstGeom>
+              <a:solidFill>
+                <a:schemeClr val="bg1"/>
+              </a:solidFill>
+              <a:ln>
+                <a:noFill/>
+              </a:ln>
+            </p:spPr>
+            <p:style>
+              <a:lnRef idx="2">
+                <a:schemeClr val="accent1">
+                  <a:shade val="50000"/>
+                </a:schemeClr>
+              </a:lnRef>
+              <a:fillRef idx="1">
+                <a:schemeClr val="accent1"/>
+              </a:fillRef>
+              <a:effectRef idx="0">
+                <a:schemeClr val="accent1"/>
+              </a:effectRef>
+              <a:fontRef idx="minor">
+                <a:schemeClr val="lt1"/>
+              </a:fontRef>
+            </p:style>
+            <p:txBody>
+              <a:bodyPr rtlCol="0" anchor="ctr"/>
+              <a:lstStyle/>
+              <a:p>
+                <a:pPr algn="ctr"/>
+                <a14:m>
+                  <m:oMathPara xmlns:m="http://schemas.openxmlformats.org/officeDocument/2006/math">
+                    <m:oMathParaPr>
+                      <m:jc m:val="centerGroup"/>
+                    </m:oMathParaPr>
+                    <m:oMath xmlns:m="http://schemas.openxmlformats.org/officeDocument/2006/math">
+                      <m:sSub>
+                        <m:sSubPr>
+                          <m:ctrlPr>
+                            <a:rPr lang="en-US" b="1" i="1" smtClean="0">
+                              <a:solidFill>
+                                <a:sysClr val="windowText" lastClr="000000"/>
+                              </a:solidFill>
+                              <a:latin typeface="Cambria Math" panose="02040503050406030204" pitchFamily="18" charset="0"/>
+                            </a:rPr>
+                          </m:ctrlPr>
+                        </m:sSubPr>
+                        <m:e>
+                          <m:r>
+                            <a:rPr lang="en-US" b="1" i="1" smtClean="0">
+                              <a:solidFill>
+                                <a:sysClr val="windowText" lastClr="000000"/>
+                              </a:solidFill>
+                              <a:latin typeface="Cambria Math" panose="02040503050406030204" pitchFamily="18" charset="0"/>
+                            </a:rPr>
+                            <m:t>𝒈</m:t>
+                          </m:r>
+                        </m:e>
+                        <m:sub>
+                          <m:r>
+                            <a:rPr lang="en-US" b="1" i="1" smtClean="0">
+                              <a:solidFill>
+                                <a:sysClr val="windowText" lastClr="000000"/>
+                              </a:solidFill>
+                              <a:latin typeface="Cambria Math" panose="02040503050406030204" pitchFamily="18" charset="0"/>
+                            </a:rPr>
+                            <m:t>𝟏</m:t>
+                          </m:r>
+                        </m:sub>
+                      </m:sSub>
+                    </m:oMath>
+                  </m:oMathPara>
+                </a14:m>
+                <a:endParaRPr lang="en-US" b="1" dirty="0">
+                  <a:solidFill>
+                    <a:sysClr val="windowText" lastClr="000000"/>
+                  </a:solidFill>
+                </a:endParaRPr>
+              </a:p>
+            </p:txBody>
+          </p:sp>
+        </mc:Choice>
+        <mc:Fallback>
+          <p:sp>
+            <p:nvSpPr>
+              <p:cNvPr id="73" name="Rectangle 72">
+                <a:extLst>
+                  <a:ext uri="{FF2B5EF4-FFF2-40B4-BE49-F238E27FC236}">
+                    <a16:creationId xmlns:a16="http://schemas.microsoft.com/office/drawing/2014/main" id="{FCC29EA4-71D4-46FD-BBFF-A7335BDE7496}"/>
+                  </a:ext>
+                </a:extLst>
+              </p:cNvPr>
+              <p:cNvSpPr>
+                <a:spLocks noRot="1" noChangeAspect="1" noMove="1" noResize="1" noEditPoints="1" noAdjustHandles="1" noChangeArrowheads="1" noChangeShapeType="1" noTextEdit="1"/>
+              </p:cNvSpPr>
+              <p:nvPr/>
+            </p:nvSpPr>
+            <p:spPr>
+              <a:xfrm>
+                <a:off x="2984762" y="4182525"/>
+                <a:ext cx="274320" cy="215004"/>
+              </a:xfrm>
+              <a:prstGeom prst="rect">
+                <a:avLst/>
+              </a:prstGeom>
+              <a:blipFill>
+                <a:blip r:embed="rId3"/>
+                <a:stretch>
+                  <a:fillRect l="-40000" r="-8889" b="-48571"/>
+                </a:stretch>
+              </a:blipFill>
+              <a:ln>
+                <a:noFill/>
+              </a:ln>
+            </p:spPr>
+            <p:txBody>
+              <a:bodyPr/>
+              <a:lstStyle/>
+              <a:p>
+                <a:r>
+                  <a:rPr lang="en-US">
+                    <a:noFill/>
+                  </a:rPr>
+                  <a:t> </a:t>
+                </a:r>
+              </a:p>
+            </p:txBody>
+          </p:sp>
+        </mc:Fallback>
+      </mc:AlternateContent>
+      <mc:AlternateContent xmlns:mc="http://schemas.openxmlformats.org/markup-compatibility/2006">
+        <mc:Choice xmlns:a14="http://schemas.microsoft.com/office/drawing/2010/main" Requires="a14">
+          <p:sp>
+            <p:nvSpPr>
+              <p:cNvPr id="74" name="Rectangle 73">
+                <a:extLst>
+                  <a:ext uri="{FF2B5EF4-FFF2-40B4-BE49-F238E27FC236}">
+                    <a16:creationId xmlns:a16="http://schemas.microsoft.com/office/drawing/2014/main" id="{4CA9F955-8DC6-49C2-BE5F-A3EDFC7F4911}"/>
+                  </a:ext>
+                </a:extLst>
+              </p:cNvPr>
+              <p:cNvSpPr/>
+              <p:nvPr/>
+            </p:nvSpPr>
+            <p:spPr>
+              <a:xfrm>
+                <a:off x="2529473" y="3140334"/>
+                <a:ext cx="274320" cy="215004"/>
+              </a:xfrm>
+              <a:prstGeom prst="rect">
+                <a:avLst/>
+              </a:prstGeom>
+              <a:solidFill>
+                <a:schemeClr val="bg1"/>
+              </a:solidFill>
+              <a:ln>
+                <a:noFill/>
+              </a:ln>
+            </p:spPr>
+            <p:style>
+              <a:lnRef idx="2">
+                <a:schemeClr val="accent1">
+                  <a:shade val="50000"/>
+                </a:schemeClr>
+              </a:lnRef>
+              <a:fillRef idx="1">
+                <a:schemeClr val="accent1"/>
+              </a:fillRef>
+              <a:effectRef idx="0">
+                <a:schemeClr val="accent1"/>
+              </a:effectRef>
+              <a:fontRef idx="minor">
+                <a:schemeClr val="lt1"/>
+              </a:fontRef>
+            </p:style>
+            <p:txBody>
+              <a:bodyPr rtlCol="0" anchor="ctr"/>
+              <a:lstStyle/>
+              <a:p>
+                <a:pPr algn="ctr"/>
+                <a14:m>
+                  <m:oMathPara xmlns:m="http://schemas.openxmlformats.org/officeDocument/2006/math">
+                    <m:oMathParaPr>
+                      <m:jc m:val="centerGroup"/>
+                    </m:oMathParaPr>
+                    <m:oMath xmlns:m="http://schemas.openxmlformats.org/officeDocument/2006/math">
+                      <m:sSub>
+                        <m:sSubPr>
+                          <m:ctrlPr>
+                            <a:rPr lang="en-US" b="1" i="1" smtClean="0">
+                              <a:solidFill>
+                                <a:sysClr val="windowText" lastClr="000000"/>
+                              </a:solidFill>
+                              <a:latin typeface="Cambria Math" panose="02040503050406030204" pitchFamily="18" charset="0"/>
+                            </a:rPr>
+                          </m:ctrlPr>
+                        </m:sSubPr>
+                        <m:e>
+                          <m:r>
+                            <a:rPr lang="en-US" b="1" i="1" smtClean="0">
+                              <a:solidFill>
+                                <a:sysClr val="windowText" lastClr="000000"/>
+                              </a:solidFill>
+                              <a:latin typeface="Cambria Math" panose="02040503050406030204" pitchFamily="18" charset="0"/>
+                            </a:rPr>
+                            <m:t>𝒈</m:t>
+                          </m:r>
+                        </m:e>
+                        <m:sub>
+                          <m:r>
+                            <a:rPr lang="en-US" b="1" i="1" smtClean="0">
+                              <a:solidFill>
+                                <a:sysClr val="windowText" lastClr="000000"/>
+                              </a:solidFill>
+                              <a:latin typeface="Cambria Math" panose="02040503050406030204" pitchFamily="18" charset="0"/>
+                            </a:rPr>
+                            <m:t>𝟐</m:t>
+                          </m:r>
+                        </m:sub>
+                      </m:sSub>
+                    </m:oMath>
+                  </m:oMathPara>
+                </a14:m>
+                <a:endParaRPr lang="en-US" b="1" dirty="0">
+                  <a:solidFill>
+                    <a:sysClr val="windowText" lastClr="000000"/>
+                  </a:solidFill>
+                </a:endParaRPr>
+              </a:p>
+            </p:txBody>
+          </p:sp>
+        </mc:Choice>
+        <mc:Fallback>
+          <p:sp>
+            <p:nvSpPr>
+              <p:cNvPr id="74" name="Rectangle 73">
+                <a:extLst>
+                  <a:ext uri="{FF2B5EF4-FFF2-40B4-BE49-F238E27FC236}">
+                    <a16:creationId xmlns:a16="http://schemas.microsoft.com/office/drawing/2014/main" id="{4CA9F955-8DC6-49C2-BE5F-A3EDFC7F4911}"/>
+                  </a:ext>
+                </a:extLst>
+              </p:cNvPr>
+              <p:cNvSpPr>
+                <a:spLocks noRot="1" noChangeAspect="1" noMove="1" noResize="1" noEditPoints="1" noAdjustHandles="1" noChangeArrowheads="1" noChangeShapeType="1" noTextEdit="1"/>
+              </p:cNvSpPr>
+              <p:nvPr/>
+            </p:nvSpPr>
+            <p:spPr>
+              <a:xfrm>
+                <a:off x="2529473" y="3140334"/>
+                <a:ext cx="274320" cy="215004"/>
+              </a:xfrm>
+              <a:prstGeom prst="rect">
+                <a:avLst/>
+              </a:prstGeom>
+              <a:blipFill>
+                <a:blip r:embed="rId4"/>
+                <a:stretch>
+                  <a:fillRect l="-37778" r="-11111" b="-48571"/>
+                </a:stretch>
+              </a:blipFill>
+              <a:ln>
+                <a:noFill/>
+              </a:ln>
+            </p:spPr>
+            <p:txBody>
+              <a:bodyPr/>
+              <a:lstStyle/>
+              <a:p>
+                <a:r>
+                  <a:rPr lang="en-US">
+                    <a:noFill/>
+                  </a:rPr>
+                  <a:t> </a:t>
+                </a:r>
+              </a:p>
+            </p:txBody>
+          </p:sp>
+        </mc:Fallback>
+      </mc:AlternateContent>
+      <p:sp>
+        <p:nvSpPr>
+          <p:cNvPr id="81" name="Rectangle 80">
+            <a:extLst>
+              <a:ext uri="{FF2B5EF4-FFF2-40B4-BE49-F238E27FC236}">
+                <a16:creationId xmlns:a16="http://schemas.microsoft.com/office/drawing/2014/main" id="{BB4BD956-40A9-4B6B-A193-EF0DD63871E1}"/>
+              </a:ext>
+            </a:extLst>
+          </p:cNvPr>
+          <p:cNvSpPr/>
+          <p:nvPr/>
+        </p:nvSpPr>
+        <p:spPr>
+          <a:xfrm>
+            <a:off x="2119838" y="998079"/>
+            <a:ext cx="1402837" cy="1406097"/>
+          </a:xfrm>
+          <a:prstGeom prst="rect">
+            <a:avLst/>
+          </a:prstGeom>
+          <a:solidFill>
+            <a:schemeClr val="bg1"/>
+          </a:solidFill>
+          <a:ln w="28575">
+            <a:solidFill>
+              <a:schemeClr val="tx1"/>
+            </a:solidFill>
+          </a:ln>
+        </p:spPr>
+        <p:style>
+          <a:lnRef idx="2">
+            <a:schemeClr val="accent1">
+              <a:shade val="50000"/>
+            </a:schemeClr>
+          </a:lnRef>
+          <a:fillRef idx="1">
+            <a:schemeClr val="accent1"/>
+          </a:fillRef>
+          <a:effectRef idx="0">
+            <a:schemeClr val="accent1"/>
+          </a:effectRef>
+          <a:fontRef idx="minor">
+            <a:schemeClr val="lt1"/>
+          </a:fontRef>
+        </p:style>
+        <p:txBody>
+          <a:bodyPr rtlCol="0" anchor="ctr"/>
+          <a:lstStyle/>
+          <a:p>
+            <a:pPr algn="ctr"/>
+            <a:endParaRPr lang="en-US"/>
+          </a:p>
+        </p:txBody>
+      </p:sp>
+      <p:sp>
+        <p:nvSpPr>
+          <p:cNvPr id="82" name="Rectangle 81">
+            <a:extLst>
+              <a:ext uri="{FF2B5EF4-FFF2-40B4-BE49-F238E27FC236}">
+                <a16:creationId xmlns:a16="http://schemas.microsoft.com/office/drawing/2014/main" id="{F54CB261-DFD3-4A5F-A012-C35CA83C3A31}"/>
+              </a:ext>
+            </a:extLst>
+          </p:cNvPr>
+          <p:cNvSpPr/>
+          <p:nvPr/>
+        </p:nvSpPr>
+        <p:spPr>
+          <a:xfrm>
+            <a:off x="3236467" y="1951430"/>
+            <a:ext cx="274320" cy="274320"/>
+          </a:xfrm>
+          <a:prstGeom prst="rect">
+            <a:avLst/>
+          </a:prstGeom>
+          <a:solidFill>
+            <a:srgbClr val="A5A5A5"/>
+          </a:solidFill>
+          <a:ln>
+            <a:noFill/>
+          </a:ln>
+        </p:spPr>
+        <p:style>
+          <a:lnRef idx="2">
+            <a:schemeClr val="accent1">
+              <a:shade val="50000"/>
+            </a:schemeClr>
+          </a:lnRef>
+          <a:fillRef idx="1">
+            <a:schemeClr val="accent1"/>
+          </a:fillRef>
+          <a:effectRef idx="0">
+            <a:schemeClr val="accent1"/>
+          </a:effectRef>
+          <a:fontRef idx="minor">
+            <a:schemeClr val="lt1"/>
+          </a:fontRef>
+        </p:style>
+        <p:txBody>
+          <a:bodyPr rtlCol="0" anchor="ctr"/>
+          <a:lstStyle/>
+          <a:p>
+            <a:pPr algn="ctr"/>
+            <a:endParaRPr lang="en-US"/>
+          </a:p>
+        </p:txBody>
+      </p:sp>
+      <p:sp>
+        <p:nvSpPr>
+          <p:cNvPr id="83" name="Rectangle 82">
+            <a:extLst>
+              <a:ext uri="{FF2B5EF4-FFF2-40B4-BE49-F238E27FC236}">
+                <a16:creationId xmlns:a16="http://schemas.microsoft.com/office/drawing/2014/main" id="{D05D7A46-9982-4E17-B03F-444AFE8AA7C4}"/>
+              </a:ext>
+            </a:extLst>
+          </p:cNvPr>
+          <p:cNvSpPr/>
+          <p:nvPr/>
+        </p:nvSpPr>
+        <p:spPr>
+          <a:xfrm>
+            <a:off x="2813283" y="1479947"/>
+            <a:ext cx="274320" cy="274320"/>
+          </a:xfrm>
+          <a:prstGeom prst="rect">
+            <a:avLst/>
+          </a:prstGeom>
+          <a:solidFill>
+            <a:srgbClr val="A5A5A5"/>
+          </a:solidFill>
+          <a:ln>
+            <a:noFill/>
+          </a:ln>
+        </p:spPr>
+        <p:style>
+          <a:lnRef idx="2">
+            <a:schemeClr val="accent1">
+              <a:shade val="50000"/>
+            </a:schemeClr>
+          </a:lnRef>
+          <a:fillRef idx="1">
+            <a:schemeClr val="accent1"/>
+          </a:fillRef>
+          <a:effectRef idx="0">
+            <a:schemeClr val="accent1"/>
+          </a:effectRef>
+          <a:fontRef idx="minor">
+            <a:schemeClr val="lt1"/>
+          </a:fontRef>
+        </p:style>
+        <p:txBody>
+          <a:bodyPr rtlCol="0" anchor="ctr"/>
+          <a:lstStyle/>
+          <a:p>
+            <a:pPr algn="ctr"/>
+            <a:endParaRPr lang="en-US"/>
+          </a:p>
+        </p:txBody>
+      </p:sp>
+      <p:sp>
+        <p:nvSpPr>
+          <p:cNvPr id="84" name="Rectangle 83">
+            <a:extLst>
+              <a:ext uri="{FF2B5EF4-FFF2-40B4-BE49-F238E27FC236}">
+                <a16:creationId xmlns:a16="http://schemas.microsoft.com/office/drawing/2014/main" id="{F6FDEA21-B479-4669-B081-191AAF763810}"/>
+              </a:ext>
+            </a:extLst>
+          </p:cNvPr>
+          <p:cNvSpPr/>
+          <p:nvPr/>
+        </p:nvSpPr>
+        <p:spPr>
+          <a:xfrm>
+            <a:off x="2494971" y="1960784"/>
+            <a:ext cx="274320" cy="274320"/>
+          </a:xfrm>
+          <a:prstGeom prst="rect">
+            <a:avLst/>
+          </a:prstGeom>
+          <a:solidFill>
+            <a:srgbClr val="A5A5A5"/>
+          </a:solidFill>
+          <a:ln>
+            <a:noFill/>
+          </a:ln>
+        </p:spPr>
+        <p:style>
+          <a:lnRef idx="2">
+            <a:schemeClr val="accent1">
+              <a:shade val="50000"/>
+            </a:schemeClr>
+          </a:lnRef>
+          <a:fillRef idx="1">
+            <a:schemeClr val="accent1"/>
+          </a:fillRef>
+          <a:effectRef idx="0">
+            <a:schemeClr val="accent1"/>
+          </a:effectRef>
+          <a:fontRef idx="minor">
+            <a:schemeClr val="lt1"/>
+          </a:fontRef>
+        </p:style>
+        <p:txBody>
+          <a:bodyPr rtlCol="0" anchor="ctr"/>
+          <a:lstStyle/>
+          <a:p>
+            <a:pPr algn="ctr"/>
+            <a:endParaRPr lang="en-US"/>
+          </a:p>
+        </p:txBody>
+      </p:sp>
+      <mc:AlternateContent xmlns:mc="http://schemas.openxmlformats.org/markup-compatibility/2006">
+        <mc:Choice xmlns:a14="http://schemas.microsoft.com/office/drawing/2010/main" Requires="a14">
+          <p:sp>
+            <p:nvSpPr>
+              <p:cNvPr id="85" name="Rectangle 84">
+                <a:extLst>
+                  <a:ext uri="{FF2B5EF4-FFF2-40B4-BE49-F238E27FC236}">
+                    <a16:creationId xmlns:a16="http://schemas.microsoft.com/office/drawing/2014/main" id="{008CE4C1-342C-41DC-8CEC-7714DD7A5D00}"/>
+                  </a:ext>
+                </a:extLst>
+              </p:cNvPr>
+              <p:cNvSpPr/>
+              <p:nvPr/>
+            </p:nvSpPr>
+            <p:spPr>
+              <a:xfrm>
+                <a:off x="2184176" y="1939404"/>
+                <a:ext cx="274320" cy="215004"/>
+              </a:xfrm>
+              <a:prstGeom prst="rect">
+                <a:avLst/>
+              </a:prstGeom>
+              <a:solidFill>
+                <a:schemeClr val="bg1"/>
+              </a:solidFill>
+              <a:ln>
+                <a:noFill/>
+              </a:ln>
+            </p:spPr>
+            <p:style>
+              <a:lnRef idx="2">
+                <a:schemeClr val="accent1">
+                  <a:shade val="50000"/>
+                </a:schemeClr>
+              </a:lnRef>
+              <a:fillRef idx="1">
+                <a:schemeClr val="accent1"/>
+              </a:fillRef>
+              <a:effectRef idx="0">
+                <a:schemeClr val="accent1"/>
+              </a:effectRef>
+              <a:fontRef idx="minor">
+                <a:schemeClr val="lt1"/>
+              </a:fontRef>
+            </p:style>
+            <p:txBody>
+              <a:bodyPr rtlCol="0" anchor="ctr"/>
+              <a:lstStyle/>
+              <a:p>
+                <a:pPr algn="ctr"/>
+                <a14:m>
+                  <m:oMathPara xmlns:m="http://schemas.openxmlformats.org/officeDocument/2006/math">
+                    <m:oMathParaPr>
+                      <m:jc m:val="centerGroup"/>
+                    </m:oMathParaPr>
+                    <m:oMath xmlns:m="http://schemas.openxmlformats.org/officeDocument/2006/math">
+                      <m:sSub>
+                        <m:sSubPr>
+                          <m:ctrlPr>
+                            <a:rPr lang="en-US" b="1" i="1" smtClean="0">
+                              <a:solidFill>
+                                <a:sysClr val="windowText" lastClr="000000"/>
+                              </a:solidFill>
+                              <a:latin typeface="Cambria Math" panose="02040503050406030204" pitchFamily="18" charset="0"/>
+                            </a:rPr>
+                          </m:ctrlPr>
+                        </m:sSubPr>
+                        <m:e>
+                          <m:r>
+                            <a:rPr lang="en-US" b="1" i="1" smtClean="0">
+                              <a:solidFill>
+                                <a:sysClr val="windowText" lastClr="000000"/>
+                              </a:solidFill>
+                              <a:latin typeface="Cambria Math" panose="02040503050406030204" pitchFamily="18" charset="0"/>
+                            </a:rPr>
+                            <m:t>𝒈</m:t>
+                          </m:r>
+                        </m:e>
+                        <m:sub>
+                          <m:r>
+                            <a:rPr lang="en-US" b="1" i="1" smtClean="0">
+                              <a:solidFill>
+                                <a:sysClr val="windowText" lastClr="000000"/>
+                              </a:solidFill>
+                              <a:latin typeface="Cambria Math" panose="02040503050406030204" pitchFamily="18" charset="0"/>
+                            </a:rPr>
+                            <m:t>𝟒</m:t>
+                          </m:r>
+                        </m:sub>
+                      </m:sSub>
+                    </m:oMath>
+                  </m:oMathPara>
+                </a14:m>
+                <a:endParaRPr lang="en-US" b="1" dirty="0">
+                  <a:solidFill>
+                    <a:sysClr val="windowText" lastClr="000000"/>
+                  </a:solidFill>
+                </a:endParaRPr>
+              </a:p>
+            </p:txBody>
+          </p:sp>
+        </mc:Choice>
+        <mc:Fallback>
+          <p:sp>
+            <p:nvSpPr>
+              <p:cNvPr id="85" name="Rectangle 84">
+                <a:extLst>
+                  <a:ext uri="{FF2B5EF4-FFF2-40B4-BE49-F238E27FC236}">
+                    <a16:creationId xmlns:a16="http://schemas.microsoft.com/office/drawing/2014/main" id="{008CE4C1-342C-41DC-8CEC-7714DD7A5D00}"/>
+                  </a:ext>
+                </a:extLst>
+              </p:cNvPr>
+              <p:cNvSpPr>
+                <a:spLocks noRot="1" noChangeAspect="1" noMove="1" noResize="1" noEditPoints="1" noAdjustHandles="1" noChangeArrowheads="1" noChangeShapeType="1" noTextEdit="1"/>
+              </p:cNvSpPr>
+              <p:nvPr/>
+            </p:nvSpPr>
+            <p:spPr>
+              <a:xfrm>
+                <a:off x="2184176" y="1939404"/>
+                <a:ext cx="274320" cy="215004"/>
+              </a:xfrm>
+              <a:prstGeom prst="rect">
+                <a:avLst/>
+              </a:prstGeom>
+              <a:blipFill>
+                <a:blip r:embed="rId5"/>
+                <a:stretch>
+                  <a:fillRect l="-37778" r="-11111" b="-48571"/>
+                </a:stretch>
+              </a:blipFill>
+              <a:ln>
+                <a:noFill/>
+              </a:ln>
+            </p:spPr>
+            <p:txBody>
+              <a:bodyPr/>
+              <a:lstStyle/>
+              <a:p>
+                <a:r>
+                  <a:rPr lang="en-US">
+                    <a:noFill/>
+                  </a:rPr>
+                  <a:t> </a:t>
+                </a:r>
+              </a:p>
+            </p:txBody>
+          </p:sp>
+        </mc:Fallback>
+      </mc:AlternateContent>
+      <mc:AlternateContent xmlns:mc="http://schemas.openxmlformats.org/markup-compatibility/2006">
+        <mc:Choice xmlns:a14="http://schemas.microsoft.com/office/drawing/2010/main" Requires="a14">
+          <p:sp>
+            <p:nvSpPr>
+              <p:cNvPr id="86" name="Rectangle 85">
+                <a:extLst>
+                  <a:ext uri="{FF2B5EF4-FFF2-40B4-BE49-F238E27FC236}">
+                    <a16:creationId xmlns:a16="http://schemas.microsoft.com/office/drawing/2014/main" id="{5647500F-79BC-4838-B654-29766B061F38}"/>
+                  </a:ext>
+                </a:extLst>
+              </p:cNvPr>
+              <p:cNvSpPr/>
+              <p:nvPr/>
+            </p:nvSpPr>
+            <p:spPr>
+              <a:xfrm>
+                <a:off x="2950260" y="2089894"/>
+                <a:ext cx="274320" cy="215004"/>
+              </a:xfrm>
+              <a:prstGeom prst="rect">
+                <a:avLst/>
+              </a:prstGeom>
+              <a:solidFill>
+                <a:schemeClr val="bg1"/>
+              </a:solidFill>
+              <a:ln>
+                <a:noFill/>
+              </a:ln>
+            </p:spPr>
+            <p:style>
+              <a:lnRef idx="2">
+                <a:schemeClr val="accent1">
+                  <a:shade val="50000"/>
+                </a:schemeClr>
+              </a:lnRef>
+              <a:fillRef idx="1">
+                <a:schemeClr val="accent1"/>
+              </a:fillRef>
+              <a:effectRef idx="0">
+                <a:schemeClr val="accent1"/>
+              </a:effectRef>
+              <a:fontRef idx="minor">
+                <a:schemeClr val="lt1"/>
+              </a:fontRef>
+            </p:style>
+            <p:txBody>
+              <a:bodyPr rtlCol="0" anchor="ctr"/>
+              <a:lstStyle/>
+              <a:p>
+                <a:pPr algn="ctr"/>
+                <a14:m>
+                  <m:oMathPara xmlns:m="http://schemas.openxmlformats.org/officeDocument/2006/math">
+                    <m:oMathParaPr>
+                      <m:jc m:val="centerGroup"/>
+                    </m:oMathParaPr>
+                    <m:oMath xmlns:m="http://schemas.openxmlformats.org/officeDocument/2006/math">
+                      <m:sSub>
+                        <m:sSubPr>
+                          <m:ctrlPr>
+                            <a:rPr lang="en-US" b="1" i="1" smtClean="0">
+                              <a:solidFill>
+                                <a:sysClr val="windowText" lastClr="000000"/>
+                              </a:solidFill>
+                              <a:latin typeface="Cambria Math" panose="02040503050406030204" pitchFamily="18" charset="0"/>
+                            </a:rPr>
+                          </m:ctrlPr>
+                        </m:sSubPr>
+                        <m:e>
+                          <m:r>
+                            <a:rPr lang="en-US" b="1" i="1" smtClean="0">
+                              <a:solidFill>
+                                <a:sysClr val="windowText" lastClr="000000"/>
+                              </a:solidFill>
+                              <a:latin typeface="Cambria Math" panose="02040503050406030204" pitchFamily="18" charset="0"/>
+                            </a:rPr>
+                            <m:t>𝒈</m:t>
+                          </m:r>
+                        </m:e>
+                        <m:sub>
+                          <m:r>
+                            <a:rPr lang="en-US" b="1" i="1" smtClean="0">
+                              <a:solidFill>
+                                <a:sysClr val="windowText" lastClr="000000"/>
+                              </a:solidFill>
+                              <a:latin typeface="Cambria Math" panose="02040503050406030204" pitchFamily="18" charset="0"/>
+                            </a:rPr>
+                            <m:t>𝟏</m:t>
+                          </m:r>
+                        </m:sub>
+                      </m:sSub>
+                    </m:oMath>
+                  </m:oMathPara>
+                </a14:m>
+                <a:endParaRPr lang="en-US" b="1" dirty="0">
+                  <a:solidFill>
+                    <a:sysClr val="windowText" lastClr="000000"/>
+                  </a:solidFill>
+                </a:endParaRPr>
+              </a:p>
+            </p:txBody>
+          </p:sp>
+        </mc:Choice>
+        <mc:Fallback>
+          <p:sp>
+            <p:nvSpPr>
+              <p:cNvPr id="86" name="Rectangle 85">
+                <a:extLst>
+                  <a:ext uri="{FF2B5EF4-FFF2-40B4-BE49-F238E27FC236}">
+                    <a16:creationId xmlns:a16="http://schemas.microsoft.com/office/drawing/2014/main" id="{5647500F-79BC-4838-B654-29766B061F38}"/>
+                  </a:ext>
+                </a:extLst>
+              </p:cNvPr>
+              <p:cNvSpPr>
+                <a:spLocks noRot="1" noChangeAspect="1" noMove="1" noResize="1" noEditPoints="1" noAdjustHandles="1" noChangeArrowheads="1" noChangeShapeType="1" noTextEdit="1"/>
+              </p:cNvSpPr>
+              <p:nvPr/>
+            </p:nvSpPr>
+            <p:spPr>
+              <a:xfrm>
+                <a:off x="2950260" y="2089894"/>
+                <a:ext cx="274320" cy="215004"/>
+              </a:xfrm>
+              <a:prstGeom prst="rect">
+                <a:avLst/>
+              </a:prstGeom>
+              <a:blipFill>
+                <a:blip r:embed="rId6"/>
+                <a:stretch>
+                  <a:fillRect l="-37778" r="-11111" b="-48571"/>
+                </a:stretch>
+              </a:blipFill>
+              <a:ln>
+                <a:noFill/>
+              </a:ln>
+            </p:spPr>
+            <p:txBody>
+              <a:bodyPr/>
+              <a:lstStyle/>
+              <a:p>
+                <a:r>
+                  <a:rPr lang="en-US">
+                    <a:noFill/>
+                  </a:rPr>
+                  <a:t> </a:t>
+                </a:r>
+              </a:p>
+            </p:txBody>
+          </p:sp>
+        </mc:Fallback>
+      </mc:AlternateContent>
+      <mc:AlternateContent xmlns:mc="http://schemas.openxmlformats.org/markup-compatibility/2006">
+        <mc:Choice xmlns:a14="http://schemas.microsoft.com/office/drawing/2010/main" Requires="a14">
+          <p:sp>
+            <p:nvSpPr>
+              <p:cNvPr id="87" name="Rectangle 86">
+                <a:extLst>
+                  <a:ext uri="{FF2B5EF4-FFF2-40B4-BE49-F238E27FC236}">
+                    <a16:creationId xmlns:a16="http://schemas.microsoft.com/office/drawing/2014/main" id="{F56B02F0-5962-4600-93BD-17B5376C42AF}"/>
+                  </a:ext>
+                </a:extLst>
+              </p:cNvPr>
+              <p:cNvSpPr/>
+              <p:nvPr/>
+            </p:nvSpPr>
+            <p:spPr>
+              <a:xfrm>
+                <a:off x="2557968" y="1024462"/>
+                <a:ext cx="274320" cy="215004"/>
+              </a:xfrm>
+              <a:prstGeom prst="rect">
+                <a:avLst/>
+              </a:prstGeom>
+              <a:solidFill>
+                <a:schemeClr val="bg1"/>
+              </a:solidFill>
+              <a:ln>
+                <a:noFill/>
+              </a:ln>
+            </p:spPr>
+            <p:style>
+              <a:lnRef idx="2">
+                <a:schemeClr val="accent1">
+                  <a:shade val="50000"/>
+                </a:schemeClr>
+              </a:lnRef>
+              <a:fillRef idx="1">
+                <a:schemeClr val="accent1"/>
+              </a:fillRef>
+              <a:effectRef idx="0">
+                <a:schemeClr val="accent1"/>
+              </a:effectRef>
+              <a:fontRef idx="minor">
+                <a:schemeClr val="lt1"/>
+              </a:fontRef>
+            </p:style>
+            <p:txBody>
+              <a:bodyPr rtlCol="0" anchor="ctr"/>
+              <a:lstStyle/>
+              <a:p>
+                <a:pPr algn="ctr"/>
+                <a14:m>
+                  <m:oMathPara xmlns:m="http://schemas.openxmlformats.org/officeDocument/2006/math">
+                    <m:oMathParaPr>
+                      <m:jc m:val="centerGroup"/>
+                    </m:oMathParaPr>
+                    <m:oMath xmlns:m="http://schemas.openxmlformats.org/officeDocument/2006/math">
+                      <m:sSub>
+                        <m:sSubPr>
+                          <m:ctrlPr>
+                            <a:rPr lang="en-US" b="1" i="1" smtClean="0">
+                              <a:solidFill>
+                                <a:sysClr val="windowText" lastClr="000000"/>
+                              </a:solidFill>
+                              <a:latin typeface="Cambria Math" panose="02040503050406030204" pitchFamily="18" charset="0"/>
+                            </a:rPr>
+                          </m:ctrlPr>
+                        </m:sSubPr>
+                        <m:e>
+                          <m:r>
+                            <a:rPr lang="en-US" b="1" i="1" smtClean="0">
+                              <a:solidFill>
+                                <a:sysClr val="windowText" lastClr="000000"/>
+                              </a:solidFill>
+                              <a:latin typeface="Cambria Math" panose="02040503050406030204" pitchFamily="18" charset="0"/>
+                            </a:rPr>
+                            <m:t>𝒈</m:t>
+                          </m:r>
+                        </m:e>
+                        <m:sub>
+                          <m:r>
+                            <a:rPr lang="en-US" b="1" i="1" smtClean="0">
+                              <a:solidFill>
+                                <a:sysClr val="windowText" lastClr="000000"/>
+                              </a:solidFill>
+                              <a:latin typeface="Cambria Math" panose="02040503050406030204" pitchFamily="18" charset="0"/>
+                            </a:rPr>
+                            <m:t>𝟐</m:t>
+                          </m:r>
+                        </m:sub>
+                      </m:sSub>
+                    </m:oMath>
+                  </m:oMathPara>
+                </a14:m>
+                <a:endParaRPr lang="en-US" b="1" dirty="0">
+                  <a:solidFill>
+                    <a:sysClr val="windowText" lastClr="000000"/>
+                  </a:solidFill>
+                </a:endParaRPr>
+              </a:p>
+            </p:txBody>
+          </p:sp>
+        </mc:Choice>
+        <mc:Fallback>
+          <p:sp>
+            <p:nvSpPr>
+              <p:cNvPr id="87" name="Rectangle 86">
+                <a:extLst>
+                  <a:ext uri="{FF2B5EF4-FFF2-40B4-BE49-F238E27FC236}">
+                    <a16:creationId xmlns:a16="http://schemas.microsoft.com/office/drawing/2014/main" id="{F56B02F0-5962-4600-93BD-17B5376C42AF}"/>
+                  </a:ext>
+                </a:extLst>
+              </p:cNvPr>
+              <p:cNvSpPr>
+                <a:spLocks noRot="1" noChangeAspect="1" noMove="1" noResize="1" noEditPoints="1" noAdjustHandles="1" noChangeArrowheads="1" noChangeShapeType="1" noTextEdit="1"/>
+              </p:cNvSpPr>
+              <p:nvPr/>
+            </p:nvSpPr>
+            <p:spPr>
+              <a:xfrm>
+                <a:off x="2557968" y="1024462"/>
+                <a:ext cx="274320" cy="215004"/>
+              </a:xfrm>
+              <a:prstGeom prst="rect">
+                <a:avLst/>
+              </a:prstGeom>
+              <a:blipFill>
+                <a:blip r:embed="rId7"/>
+                <a:stretch>
+                  <a:fillRect l="-40000" r="-8889" b="-48571"/>
+                </a:stretch>
+              </a:blipFill>
+              <a:ln>
+                <a:noFill/>
+              </a:ln>
+            </p:spPr>
+            <p:txBody>
+              <a:bodyPr/>
+              <a:lstStyle/>
+              <a:p>
+                <a:r>
+                  <a:rPr lang="en-US">
+                    <a:noFill/>
+                  </a:rPr>
+                  <a:t> </a:t>
+                </a:r>
+              </a:p>
+            </p:txBody>
+          </p:sp>
+        </mc:Fallback>
+      </mc:AlternateContent>
+      <mc:AlternateContent xmlns:mc="http://schemas.openxmlformats.org/markup-compatibility/2006">
+        <mc:Choice xmlns:a14="http://schemas.microsoft.com/office/drawing/2010/main" Requires="a14">
+          <p:sp>
+            <p:nvSpPr>
+              <p:cNvPr id="88" name="Oval 87">
+                <a:extLst>
+                  <a:ext uri="{FF2B5EF4-FFF2-40B4-BE49-F238E27FC236}">
+                    <a16:creationId xmlns:a16="http://schemas.microsoft.com/office/drawing/2014/main" id="{00383E8A-0D74-4084-B4A2-770F38F98C93}"/>
+                  </a:ext>
+                </a:extLst>
+              </p:cNvPr>
+              <p:cNvSpPr>
+                <a:spLocks noChangeAspect="1"/>
+              </p:cNvSpPr>
+              <p:nvPr/>
+            </p:nvSpPr>
+            <p:spPr>
+              <a:xfrm>
+                <a:off x="2140937" y="1426807"/>
+                <a:ext cx="294652" cy="294652"/>
+              </a:xfrm>
+              <a:prstGeom prst="ellipse">
+                <a:avLst/>
+              </a:prstGeom>
+              <a:solidFill>
+                <a:srgbClr val="93D04F"/>
+              </a:solidFill>
+              <a:ln>
+                <a:noFill/>
+              </a:ln>
+            </p:spPr>
+            <p:style>
+              <a:lnRef idx="2">
+                <a:schemeClr val="accent1">
+                  <a:shade val="50000"/>
+                </a:schemeClr>
+              </a:lnRef>
+              <a:fillRef idx="1">
+                <a:schemeClr val="accent1"/>
+              </a:fillRef>
+              <a:effectRef idx="0">
+                <a:schemeClr val="accent1"/>
+              </a:effectRef>
+              <a:fontRef idx="minor">
+                <a:schemeClr val="lt1"/>
+              </a:fontRef>
+            </p:style>
+            <p:txBody>
+              <a:bodyPr rot="0" spcFirstLastPara="0" vertOverflow="overflow" horzOverflow="overflow" vert="horz" wrap="square" lIns="91440" tIns="45720" rIns="91440" bIns="45720" numCol="1" spcCol="0" rtlCol="0" fromWordArt="0" anchor="ctr" anchorCtr="0" forceAA="0" compatLnSpc="1">
+                <a:prstTxWarp prst="textNoShape">
+                  <a:avLst/>
+                </a:prstTxWarp>
+                <a:noAutofit/>
+              </a:bodyPr>
+              <a:lstStyle/>
+              <a:p>
+                <a:pPr algn="ctr"/>
+                <a14:m>
+                  <m:oMathPara xmlns:m="http://schemas.openxmlformats.org/officeDocument/2006/math">
+                    <m:oMathParaPr>
+                      <m:jc m:val="center"/>
+                    </m:oMathParaPr>
+                    <m:oMath xmlns:m="http://schemas.openxmlformats.org/officeDocument/2006/math">
+                      <m:r>
+                        <a:rPr lang="en-US" b="1" i="1" smtClean="0">
+                          <a:solidFill>
+                            <a:sysClr val="windowText" lastClr="000000"/>
+                          </a:solidFill>
+                          <a:latin typeface="Cambria Math" panose="02040503050406030204" pitchFamily="18" charset="0"/>
+                        </a:rPr>
+                        <m:t>𝒂</m:t>
+                      </m:r>
+                    </m:oMath>
+                  </m:oMathPara>
+                </a14:m>
+                <a:endParaRPr lang="en-US" b="1" i="1" dirty="0">
+                  <a:solidFill>
+                    <a:sysClr val="windowText" lastClr="000000"/>
+                  </a:solidFill>
+                  <a:latin typeface="Cambria Math" panose="02040503050406030204" pitchFamily="18" charset="0"/>
+                </a:endParaRPr>
+              </a:p>
+            </p:txBody>
+          </p:sp>
+        </mc:Choice>
+        <mc:Fallback>
+          <p:sp>
+            <p:nvSpPr>
+              <p:cNvPr id="88" name="Oval 87">
+                <a:extLst>
+                  <a:ext uri="{FF2B5EF4-FFF2-40B4-BE49-F238E27FC236}">
+                    <a16:creationId xmlns:a16="http://schemas.microsoft.com/office/drawing/2014/main" id="{00383E8A-0D74-4084-B4A2-770F38F98C93}"/>
+                  </a:ext>
+                </a:extLst>
+              </p:cNvPr>
+              <p:cNvSpPr>
+                <a:spLocks noRot="1" noChangeAspect="1" noMove="1" noResize="1" noEditPoints="1" noAdjustHandles="1" noChangeArrowheads="1" noChangeShapeType="1" noTextEdit="1"/>
+              </p:cNvSpPr>
+              <p:nvPr/>
+            </p:nvSpPr>
+            <p:spPr>
+              <a:xfrm>
+                <a:off x="2140937" y="1426807"/>
+                <a:ext cx="294652" cy="294652"/>
+              </a:xfrm>
+              <a:prstGeom prst="ellipse">
+                <a:avLst/>
+              </a:prstGeom>
+              <a:blipFill>
+                <a:blip r:embed="rId8"/>
+                <a:stretch>
+                  <a:fillRect l="-2041"/>
+                </a:stretch>
+              </a:blipFill>
+              <a:ln>
+                <a:noFill/>
+              </a:ln>
+            </p:spPr>
+            <p:txBody>
+              <a:bodyPr/>
+              <a:lstStyle/>
+              <a:p>
+                <a:r>
+                  <a:rPr lang="en-US">
+                    <a:noFill/>
+                  </a:rPr>
+                  <a:t> </a:t>
+                </a:r>
+              </a:p>
+            </p:txBody>
+          </p:sp>
+        </mc:Fallback>
+      </mc:AlternateContent>
+      <mc:AlternateContent xmlns:mc="http://schemas.openxmlformats.org/markup-compatibility/2006">
+        <mc:Choice xmlns:a14="http://schemas.microsoft.com/office/drawing/2010/main" Requires="a14">
+          <p:sp>
+            <p:nvSpPr>
+              <p:cNvPr id="89" name="Rectangle 88">
+                <a:extLst>
+                  <a:ext uri="{FF2B5EF4-FFF2-40B4-BE49-F238E27FC236}">
+                    <a16:creationId xmlns:a16="http://schemas.microsoft.com/office/drawing/2014/main" id="{42C2CA78-AACE-4AF7-B169-9E234184226D}"/>
+                  </a:ext>
+                </a:extLst>
+              </p:cNvPr>
+              <p:cNvSpPr/>
+              <p:nvPr/>
+            </p:nvSpPr>
+            <p:spPr>
+              <a:xfrm>
+                <a:off x="3217028" y="1397627"/>
+                <a:ext cx="274320" cy="215004"/>
+              </a:xfrm>
+              <a:prstGeom prst="rect">
+                <a:avLst/>
+              </a:prstGeom>
+              <a:solidFill>
+                <a:schemeClr val="bg1"/>
+              </a:solidFill>
+              <a:ln>
+                <a:noFill/>
+              </a:ln>
+            </p:spPr>
+            <p:style>
+              <a:lnRef idx="2">
+                <a:schemeClr val="accent1">
+                  <a:shade val="50000"/>
+                </a:schemeClr>
+              </a:lnRef>
+              <a:fillRef idx="1">
+                <a:schemeClr val="accent1"/>
+              </a:fillRef>
+              <a:effectRef idx="0">
+                <a:schemeClr val="accent1"/>
+              </a:effectRef>
+              <a:fontRef idx="minor">
+                <a:schemeClr val="lt1"/>
+              </a:fontRef>
+            </p:style>
+            <p:txBody>
+              <a:bodyPr rtlCol="0" anchor="ctr"/>
+              <a:lstStyle/>
+              <a:p>
+                <a:pPr algn="ctr"/>
+                <a14:m>
+                  <m:oMathPara xmlns:m="http://schemas.openxmlformats.org/officeDocument/2006/math">
+                    <m:oMathParaPr>
+                      <m:jc m:val="centerGroup"/>
+                    </m:oMathParaPr>
+                    <m:oMath xmlns:m="http://schemas.openxmlformats.org/officeDocument/2006/math">
+                      <m:sSub>
+                        <m:sSubPr>
+                          <m:ctrlPr>
+                            <a:rPr lang="en-US" b="1" i="1" smtClean="0">
+                              <a:solidFill>
+                                <a:sysClr val="windowText" lastClr="000000"/>
+                              </a:solidFill>
+                              <a:latin typeface="Cambria Math" panose="02040503050406030204" pitchFamily="18" charset="0"/>
+                            </a:rPr>
+                          </m:ctrlPr>
+                        </m:sSubPr>
+                        <m:e>
+                          <m:r>
+                            <a:rPr lang="en-US" b="1" i="1" smtClean="0">
+                              <a:solidFill>
+                                <a:sysClr val="windowText" lastClr="000000"/>
+                              </a:solidFill>
+                              <a:latin typeface="Cambria Math" panose="02040503050406030204" pitchFamily="18" charset="0"/>
+                            </a:rPr>
+                            <m:t>𝒈</m:t>
+                          </m:r>
+                        </m:e>
+                        <m:sub>
+                          <m:r>
+                            <a:rPr lang="en-US" b="1" i="1" smtClean="0">
+                              <a:solidFill>
+                                <a:sysClr val="windowText" lastClr="000000"/>
+                              </a:solidFill>
+                              <a:latin typeface="Cambria Math" panose="02040503050406030204" pitchFamily="18" charset="0"/>
+                            </a:rPr>
+                            <m:t>𝟑</m:t>
+                          </m:r>
+                        </m:sub>
+                      </m:sSub>
+                    </m:oMath>
+                  </m:oMathPara>
+                </a14:m>
+                <a:endParaRPr lang="en-US" b="1" dirty="0">
+                  <a:solidFill>
+                    <a:sysClr val="windowText" lastClr="000000"/>
+                  </a:solidFill>
+                </a:endParaRPr>
+              </a:p>
+            </p:txBody>
+          </p:sp>
+        </mc:Choice>
+        <mc:Fallback>
+          <p:sp>
+            <p:nvSpPr>
+              <p:cNvPr id="89" name="Rectangle 88">
+                <a:extLst>
+                  <a:ext uri="{FF2B5EF4-FFF2-40B4-BE49-F238E27FC236}">
+                    <a16:creationId xmlns:a16="http://schemas.microsoft.com/office/drawing/2014/main" id="{42C2CA78-AACE-4AF7-B169-9E234184226D}"/>
+                  </a:ext>
+                </a:extLst>
+              </p:cNvPr>
+              <p:cNvSpPr>
+                <a:spLocks noRot="1" noChangeAspect="1" noMove="1" noResize="1" noEditPoints="1" noAdjustHandles="1" noChangeArrowheads="1" noChangeShapeType="1" noTextEdit="1"/>
+              </p:cNvSpPr>
+              <p:nvPr/>
+            </p:nvSpPr>
+            <p:spPr>
+              <a:xfrm>
+                <a:off x="3217028" y="1397627"/>
+                <a:ext cx="274320" cy="215004"/>
+              </a:xfrm>
+              <a:prstGeom prst="rect">
+                <a:avLst/>
+              </a:prstGeom>
+              <a:blipFill>
+                <a:blip r:embed="rId9"/>
+                <a:stretch>
+                  <a:fillRect l="-40000" r="-8889" b="-44444"/>
+                </a:stretch>
+              </a:blipFill>
+              <a:ln>
+                <a:noFill/>
+              </a:ln>
+            </p:spPr>
+            <p:txBody>
+              <a:bodyPr/>
+              <a:lstStyle/>
+              <a:p>
+                <a:r>
+                  <a:rPr lang="en-US">
+                    <a:noFill/>
+                  </a:rPr>
+                  <a:t> </a:t>
+                </a:r>
+              </a:p>
+            </p:txBody>
+          </p:sp>
+        </mc:Fallback>
+      </mc:AlternateContent>
+      <mc:AlternateContent xmlns:mc="http://schemas.openxmlformats.org/markup-compatibility/2006">
+        <mc:Choice xmlns:a14="http://schemas.microsoft.com/office/drawing/2010/main" Requires="a14">
+          <p:sp>
+            <p:nvSpPr>
+              <p:cNvPr id="90" name="Oval 89">
+                <a:extLst>
+                  <a:ext uri="{FF2B5EF4-FFF2-40B4-BE49-F238E27FC236}">
+                    <a16:creationId xmlns:a16="http://schemas.microsoft.com/office/drawing/2014/main" id="{73BE318E-8330-4A23-B1D3-01B62FD7781D}"/>
+                  </a:ext>
+                </a:extLst>
+              </p:cNvPr>
+              <p:cNvSpPr>
+                <a:spLocks noChangeAspect="1"/>
+              </p:cNvSpPr>
+              <p:nvPr/>
+            </p:nvSpPr>
+            <p:spPr>
+              <a:xfrm>
+                <a:off x="3154496" y="3609148"/>
+                <a:ext cx="294652" cy="294652"/>
+              </a:xfrm>
+              <a:prstGeom prst="ellipse">
+                <a:avLst/>
+              </a:prstGeom>
+              <a:solidFill>
+                <a:srgbClr val="93D04F"/>
+              </a:solidFill>
+              <a:ln>
+                <a:noFill/>
+              </a:ln>
+            </p:spPr>
+            <p:style>
+              <a:lnRef idx="2">
+                <a:schemeClr val="accent1">
+                  <a:shade val="50000"/>
+                </a:schemeClr>
+              </a:lnRef>
+              <a:fillRef idx="1">
+                <a:schemeClr val="accent1"/>
+              </a:fillRef>
+              <a:effectRef idx="0">
+                <a:schemeClr val="accent1"/>
+              </a:effectRef>
+              <a:fontRef idx="minor">
+                <a:schemeClr val="lt1"/>
+              </a:fontRef>
+            </p:style>
+            <p:txBody>
+              <a:bodyPr rot="0" spcFirstLastPara="0" vertOverflow="overflow" horzOverflow="overflow" vert="horz" wrap="square" lIns="91440" tIns="45720" rIns="91440" bIns="45720" numCol="1" spcCol="0" rtlCol="0" fromWordArt="0" anchor="ctr" anchorCtr="0" forceAA="0" compatLnSpc="1">
+                <a:prstTxWarp prst="textNoShape">
+                  <a:avLst/>
+                </a:prstTxWarp>
+                <a:noAutofit/>
+              </a:bodyPr>
+              <a:lstStyle/>
+              <a:p>
+                <a:pPr algn="ctr"/>
+                <a14:m>
+                  <m:oMathPara xmlns:m="http://schemas.openxmlformats.org/officeDocument/2006/math">
+                    <m:oMathParaPr>
+                      <m:jc m:val="center"/>
+                    </m:oMathParaPr>
+                    <m:oMath xmlns:m="http://schemas.openxmlformats.org/officeDocument/2006/math">
+                      <m:r>
+                        <a:rPr lang="en-US" b="1" i="1" smtClean="0">
+                          <a:solidFill>
+                            <a:sysClr val="windowText" lastClr="000000"/>
+                          </a:solidFill>
+                          <a:latin typeface="Cambria Math" panose="02040503050406030204" pitchFamily="18" charset="0"/>
+                        </a:rPr>
+                        <m:t>𝒂</m:t>
+                      </m:r>
+                    </m:oMath>
+                  </m:oMathPara>
+                </a14:m>
+                <a:endParaRPr lang="en-US" b="1" i="1" dirty="0">
+                  <a:solidFill>
+                    <a:sysClr val="windowText" lastClr="000000"/>
+                  </a:solidFill>
+                  <a:latin typeface="Cambria Math" panose="02040503050406030204" pitchFamily="18" charset="0"/>
+                </a:endParaRPr>
+              </a:p>
+            </p:txBody>
+          </p:sp>
+        </mc:Choice>
+        <mc:Fallback>
+          <p:sp>
+            <p:nvSpPr>
+              <p:cNvPr id="90" name="Oval 89">
+                <a:extLst>
+                  <a:ext uri="{FF2B5EF4-FFF2-40B4-BE49-F238E27FC236}">
+                    <a16:creationId xmlns:a16="http://schemas.microsoft.com/office/drawing/2014/main" id="{73BE318E-8330-4A23-B1D3-01B62FD7781D}"/>
+                  </a:ext>
+                </a:extLst>
+              </p:cNvPr>
+              <p:cNvSpPr>
+                <a:spLocks noRot="1" noChangeAspect="1" noMove="1" noResize="1" noEditPoints="1" noAdjustHandles="1" noChangeArrowheads="1" noChangeShapeType="1" noTextEdit="1"/>
+              </p:cNvSpPr>
+              <p:nvPr/>
+            </p:nvSpPr>
+            <p:spPr>
+              <a:xfrm>
+                <a:off x="3154496" y="3609148"/>
+                <a:ext cx="294652" cy="294652"/>
+              </a:xfrm>
+              <a:prstGeom prst="ellipse">
+                <a:avLst/>
+              </a:prstGeom>
+              <a:blipFill>
+                <a:blip r:embed="rId10"/>
+                <a:stretch>
+                  <a:fillRect l="-2041"/>
+                </a:stretch>
+              </a:blipFill>
+              <a:ln>
+                <a:noFill/>
+              </a:ln>
+            </p:spPr>
+            <p:txBody>
+              <a:bodyPr/>
+              <a:lstStyle/>
+              <a:p>
+                <a:r>
+                  <a:rPr lang="en-US">
+                    <a:noFill/>
+                  </a:rPr>
+                  <a:t> </a:t>
+                </a:r>
+              </a:p>
+            </p:txBody>
+          </p:sp>
+        </mc:Fallback>
+      </mc:AlternateContent>
+      <p:sp>
+        <p:nvSpPr>
+          <p:cNvPr id="91" name="Arrow: Right 90">
+            <a:extLst>
+              <a:ext uri="{FF2B5EF4-FFF2-40B4-BE49-F238E27FC236}">
+                <a16:creationId xmlns:a16="http://schemas.microsoft.com/office/drawing/2014/main" id="{DFC1212E-6D54-4544-B566-A1CD1FA60F23}"/>
+              </a:ext>
+            </a:extLst>
+          </p:cNvPr>
+          <p:cNvSpPr/>
+          <p:nvPr/>
+        </p:nvSpPr>
+        <p:spPr>
+          <a:xfrm>
+            <a:off x="2444392" y="1504618"/>
+            <a:ext cx="182880" cy="172186"/>
+          </a:xfrm>
+          <a:prstGeom prst="rightArrow">
+            <a:avLst/>
+          </a:prstGeom>
+          <a:solidFill>
+            <a:schemeClr val="accent6">
+              <a:lumMod val="75000"/>
+            </a:schemeClr>
+          </a:solidFill>
+          <a:ln>
+            <a:solidFill>
+              <a:schemeClr val="bg1"/>
+            </a:solidFill>
+          </a:ln>
+        </p:spPr>
+        <p:style>
+          <a:lnRef idx="2">
+            <a:schemeClr val="accent1">
+              <a:shade val="50000"/>
+            </a:schemeClr>
+          </a:lnRef>
+          <a:fillRef idx="1">
+            <a:schemeClr val="accent1"/>
+          </a:fillRef>
+          <a:effectRef idx="0">
+            <a:schemeClr val="accent1"/>
+          </a:effectRef>
+          <a:fontRef idx="minor">
+            <a:schemeClr val="lt1"/>
+          </a:fontRef>
+        </p:style>
+        <p:txBody>
+          <a:bodyPr rtlCol="0" anchor="ctr"/>
+          <a:lstStyle/>
+          <a:p>
+            <a:pPr algn="ctr"/>
+            <a:endParaRPr lang="en-US"/>
+          </a:p>
+        </p:txBody>
+      </p:sp>
+      <p:sp>
+        <p:nvSpPr>
+          <p:cNvPr id="92" name="Arrow: Right 91">
+            <a:extLst>
+              <a:ext uri="{FF2B5EF4-FFF2-40B4-BE49-F238E27FC236}">
+                <a16:creationId xmlns:a16="http://schemas.microsoft.com/office/drawing/2014/main" id="{DDA54722-E1B7-4EE3-8ACD-416D53C14998}"/>
+              </a:ext>
+            </a:extLst>
+          </p:cNvPr>
+          <p:cNvSpPr/>
+          <p:nvPr/>
+        </p:nvSpPr>
+        <p:spPr>
+          <a:xfrm rot="5400000">
+            <a:off x="2531940" y="1646454"/>
+            <a:ext cx="182880" cy="172186"/>
+          </a:xfrm>
+          <a:prstGeom prst="rightArrow">
+            <a:avLst/>
+          </a:prstGeom>
+          <a:solidFill>
+            <a:schemeClr val="accent6">
+              <a:lumMod val="75000"/>
+            </a:schemeClr>
+          </a:solidFill>
+          <a:ln>
+            <a:solidFill>
+              <a:schemeClr val="bg1"/>
+            </a:solidFill>
+          </a:ln>
+        </p:spPr>
+        <p:style>
+          <a:lnRef idx="2">
+            <a:schemeClr val="accent1">
+              <a:shade val="50000"/>
+            </a:schemeClr>
+          </a:lnRef>
+          <a:fillRef idx="1">
+            <a:schemeClr val="accent1"/>
+          </a:fillRef>
+          <a:effectRef idx="0">
+            <a:schemeClr val="accent1"/>
+          </a:effectRef>
+          <a:fontRef idx="minor">
+            <a:schemeClr val="lt1"/>
+          </a:fontRef>
+        </p:style>
+        <p:txBody>
+          <a:bodyPr rtlCol="0" anchor="ctr"/>
+          <a:lstStyle/>
+          <a:p>
+            <a:pPr algn="ctr"/>
+            <a:endParaRPr lang="en-US"/>
+          </a:p>
+        </p:txBody>
+      </p:sp>
+      <p:sp>
+        <p:nvSpPr>
+          <p:cNvPr id="93" name="Arrow: Right 92">
+            <a:extLst>
+              <a:ext uri="{FF2B5EF4-FFF2-40B4-BE49-F238E27FC236}">
+                <a16:creationId xmlns:a16="http://schemas.microsoft.com/office/drawing/2014/main" id="{A030AF32-8DD6-4671-84E6-3D37860291A0}"/>
+              </a:ext>
+            </a:extLst>
+          </p:cNvPr>
+          <p:cNvSpPr/>
+          <p:nvPr/>
+        </p:nvSpPr>
+        <p:spPr>
+          <a:xfrm>
+            <a:off x="2606218" y="1779567"/>
+            <a:ext cx="182880" cy="172186"/>
+          </a:xfrm>
+          <a:prstGeom prst="rightArrow">
+            <a:avLst/>
+          </a:prstGeom>
+          <a:solidFill>
+            <a:schemeClr val="accent6">
+              <a:lumMod val="75000"/>
+            </a:schemeClr>
+          </a:solidFill>
+          <a:ln>
+            <a:solidFill>
+              <a:schemeClr val="bg1"/>
+            </a:solidFill>
+          </a:ln>
+        </p:spPr>
+        <p:style>
+          <a:lnRef idx="2">
+            <a:schemeClr val="accent1">
+              <a:shade val="50000"/>
+            </a:schemeClr>
+          </a:lnRef>
+          <a:fillRef idx="1">
+            <a:schemeClr val="accent1"/>
+          </a:fillRef>
+          <a:effectRef idx="0">
+            <a:schemeClr val="accent1"/>
+          </a:effectRef>
+          <a:fontRef idx="minor">
+            <a:schemeClr val="lt1"/>
+          </a:fontRef>
+        </p:style>
+        <p:txBody>
+          <a:bodyPr rtlCol="0" anchor="ctr"/>
+          <a:lstStyle/>
+          <a:p>
+            <a:pPr algn="ctr"/>
+            <a:endParaRPr lang="en-US"/>
+          </a:p>
+        </p:txBody>
+      </p:sp>
+      <p:sp>
+        <p:nvSpPr>
+          <p:cNvPr id="94" name="Arrow: Right 93">
+            <a:extLst>
+              <a:ext uri="{FF2B5EF4-FFF2-40B4-BE49-F238E27FC236}">
+                <a16:creationId xmlns:a16="http://schemas.microsoft.com/office/drawing/2014/main" id="{C6638A8C-377A-4C0A-9CD8-22FB3E099168}"/>
+              </a:ext>
+            </a:extLst>
+          </p:cNvPr>
+          <p:cNvSpPr/>
+          <p:nvPr/>
+        </p:nvSpPr>
+        <p:spPr>
+          <a:xfrm>
+            <a:off x="2824607" y="1790563"/>
+            <a:ext cx="182880" cy="172186"/>
+          </a:xfrm>
+          <a:prstGeom prst="rightArrow">
+            <a:avLst/>
+          </a:prstGeom>
+          <a:solidFill>
+            <a:schemeClr val="accent6">
+              <a:lumMod val="75000"/>
+            </a:schemeClr>
+          </a:solidFill>
+          <a:ln>
+            <a:solidFill>
+              <a:schemeClr val="bg1"/>
+            </a:solidFill>
+          </a:ln>
+        </p:spPr>
+        <p:style>
+          <a:lnRef idx="2">
+            <a:schemeClr val="accent1">
+              <a:shade val="50000"/>
+            </a:schemeClr>
+          </a:lnRef>
+          <a:fillRef idx="1">
+            <a:schemeClr val="accent1"/>
+          </a:fillRef>
+          <a:effectRef idx="0">
+            <a:schemeClr val="accent1"/>
+          </a:effectRef>
+          <a:fontRef idx="minor">
+            <a:schemeClr val="lt1"/>
+          </a:fontRef>
+        </p:style>
+        <p:txBody>
+          <a:bodyPr rtlCol="0" anchor="ctr"/>
+          <a:lstStyle/>
+          <a:p>
+            <a:pPr algn="ctr"/>
+            <a:endParaRPr lang="en-US"/>
+          </a:p>
+        </p:txBody>
+      </p:sp>
+      <p:sp>
+        <p:nvSpPr>
+          <p:cNvPr id="95" name="Arrow: Right 94">
+            <a:extLst>
+              <a:ext uri="{FF2B5EF4-FFF2-40B4-BE49-F238E27FC236}">
+                <a16:creationId xmlns:a16="http://schemas.microsoft.com/office/drawing/2014/main" id="{2BCB8B00-71A9-4E30-96C6-72F9EA0F606E}"/>
+              </a:ext>
+            </a:extLst>
+          </p:cNvPr>
+          <p:cNvSpPr/>
+          <p:nvPr/>
+        </p:nvSpPr>
+        <p:spPr>
+          <a:xfrm>
+            <a:off x="3050847" y="1790564"/>
+            <a:ext cx="182880" cy="172186"/>
+          </a:xfrm>
+          <a:prstGeom prst="rightArrow">
+            <a:avLst/>
+          </a:prstGeom>
+          <a:solidFill>
+            <a:schemeClr val="accent6">
+              <a:lumMod val="75000"/>
+            </a:schemeClr>
+          </a:solidFill>
+          <a:ln>
+            <a:solidFill>
+              <a:schemeClr val="bg1"/>
+            </a:solidFill>
+          </a:ln>
+        </p:spPr>
+        <p:style>
+          <a:lnRef idx="2">
+            <a:schemeClr val="accent1">
+              <a:shade val="50000"/>
+            </a:schemeClr>
+          </a:lnRef>
+          <a:fillRef idx="1">
+            <a:schemeClr val="accent1"/>
+          </a:fillRef>
+          <a:effectRef idx="0">
+            <a:schemeClr val="accent1"/>
+          </a:effectRef>
+          <a:fontRef idx="minor">
+            <a:schemeClr val="lt1"/>
+          </a:fontRef>
+        </p:style>
+        <p:txBody>
+          <a:bodyPr rtlCol="0" anchor="ctr"/>
+          <a:lstStyle/>
+          <a:p>
+            <a:pPr algn="ctr"/>
+            <a:endParaRPr lang="en-US"/>
+          </a:p>
+        </p:txBody>
+      </p:sp>
+      <p:sp>
+        <p:nvSpPr>
+          <p:cNvPr id="96" name="Arrow: Right 95">
+            <a:extLst>
+              <a:ext uri="{FF2B5EF4-FFF2-40B4-BE49-F238E27FC236}">
+                <a16:creationId xmlns:a16="http://schemas.microsoft.com/office/drawing/2014/main" id="{6EBD6BB4-B506-48C3-846B-03D95D3B6840}"/>
+              </a:ext>
+            </a:extLst>
+          </p:cNvPr>
+          <p:cNvSpPr/>
+          <p:nvPr/>
+        </p:nvSpPr>
+        <p:spPr>
+          <a:xfrm rot="16200000">
+            <a:off x="3192251" y="1668018"/>
+            <a:ext cx="182880" cy="172186"/>
+          </a:xfrm>
+          <a:prstGeom prst="rightArrow">
+            <a:avLst/>
+          </a:prstGeom>
+          <a:solidFill>
+            <a:schemeClr val="accent6">
+              <a:lumMod val="75000"/>
+            </a:schemeClr>
+          </a:solidFill>
+          <a:ln>
+            <a:solidFill>
+              <a:schemeClr val="bg1"/>
+            </a:solidFill>
+          </a:ln>
+        </p:spPr>
+        <p:style>
+          <a:lnRef idx="2">
+            <a:schemeClr val="accent1">
+              <a:shade val="50000"/>
+            </a:schemeClr>
+          </a:lnRef>
+          <a:fillRef idx="1">
+            <a:schemeClr val="accent1"/>
+          </a:fillRef>
+          <a:effectRef idx="0">
+            <a:schemeClr val="accent1"/>
+          </a:effectRef>
+          <a:fontRef idx="minor">
+            <a:schemeClr val="lt1"/>
+          </a:fontRef>
+        </p:style>
+        <p:txBody>
+          <a:bodyPr rtlCol="0" anchor="ctr"/>
+          <a:lstStyle/>
+          <a:p>
+            <a:pPr algn="ctr"/>
+            <a:endParaRPr lang="en-US"/>
+          </a:p>
+        </p:txBody>
+      </p:sp>
+      <mc:AlternateContent xmlns:mc="http://schemas.openxmlformats.org/markup-compatibility/2006">
+        <mc:Choice xmlns:a14="http://schemas.microsoft.com/office/drawing/2010/main" Requires="a14">
+          <p:sp>
+            <p:nvSpPr>
+              <p:cNvPr id="97" name="Rectangle 96">
+                <a:extLst>
+                  <a:ext uri="{FF2B5EF4-FFF2-40B4-BE49-F238E27FC236}">
+                    <a16:creationId xmlns:a16="http://schemas.microsoft.com/office/drawing/2014/main" id="{B884DACB-A14A-4CB4-99BB-576811CF6EEE}"/>
+                  </a:ext>
+                </a:extLst>
+              </p:cNvPr>
+              <p:cNvSpPr/>
+              <p:nvPr/>
+            </p:nvSpPr>
+            <p:spPr>
+              <a:xfrm>
+                <a:off x="968725" y="2577175"/>
+                <a:ext cx="1662122" cy="830997"/>
+              </a:xfrm>
+              <a:prstGeom prst="rect">
+                <a:avLst/>
+              </a:prstGeom>
+            </p:spPr>
+            <p:txBody>
+              <a:bodyPr wrap="none">
+                <a:spAutoFit/>
+              </a:bodyPr>
+              <a:lstStyle/>
+              <a:p>
+                <a:r>
+                  <a:rPr lang="en-US" sz="2400" dirty="0"/>
+                  <a:t>Query State</a:t>
+                </a:r>
+              </a:p>
+              <a:p>
+                <a14:m>
+                  <m:oMathPara xmlns:m="http://schemas.openxmlformats.org/officeDocument/2006/math">
+                    <m:oMathParaPr>
+                      <m:jc m:val="centerGroup"/>
+                    </m:oMathParaPr>
+                    <m:oMath xmlns:m="http://schemas.openxmlformats.org/officeDocument/2006/math">
+                      <m:sSub>
+                        <m:sSubPr>
+                          <m:ctrlPr>
+                            <a:rPr lang="en-US" sz="2400" b="1" i="1">
+                              <a:latin typeface="Cambria Math" panose="02040503050406030204" pitchFamily="18" charset="0"/>
+                            </a:rPr>
+                          </m:ctrlPr>
+                        </m:sSubPr>
+                        <m:e>
+                          <m:r>
+                            <m:rPr>
+                              <m:nor/>
+                            </m:rPr>
+                            <a:rPr lang="en-US" sz="2400" b="1" i="1">
+                              <a:latin typeface="Times New Roman" panose="02020603050405020304" pitchFamily="18" charset="0"/>
+                              <a:ea typeface="PMingLiU" panose="02020500000000000000" pitchFamily="18" charset="-120"/>
+                            </a:rPr>
+                            <m:t>q</m:t>
+                          </m:r>
+                        </m:e>
+                        <m:sub>
+                          <m:r>
+                            <a:rPr lang="en-US" sz="2400" b="1" i="1">
+                              <a:latin typeface="Cambria Math" panose="02040503050406030204" pitchFamily="18" charset="0"/>
+                              <a:ea typeface="PMingLiU" panose="02020500000000000000" pitchFamily="18" charset="-120"/>
+                              <a:cs typeface="Times New Roman" panose="02020603050405020304" pitchFamily="18" charset="0"/>
+                            </a:rPr>
+                            <m:t>𝒌</m:t>
+                          </m:r>
+                        </m:sub>
+                      </m:sSub>
+                    </m:oMath>
+                  </m:oMathPara>
+                </a14:m>
+                <a:endParaRPr lang="en-US" sz="2400" b="1" dirty="0"/>
+              </a:p>
+            </p:txBody>
+          </p:sp>
+        </mc:Choice>
+        <mc:Fallback>
+          <p:sp>
+            <p:nvSpPr>
+              <p:cNvPr id="97" name="Rectangle 96">
+                <a:extLst>
+                  <a:ext uri="{FF2B5EF4-FFF2-40B4-BE49-F238E27FC236}">
+                    <a16:creationId xmlns:a16="http://schemas.microsoft.com/office/drawing/2014/main" id="{B884DACB-A14A-4CB4-99BB-576811CF6EEE}"/>
+                  </a:ext>
+                </a:extLst>
+              </p:cNvPr>
+              <p:cNvSpPr>
+                <a:spLocks noRot="1" noChangeAspect="1" noMove="1" noResize="1" noEditPoints="1" noAdjustHandles="1" noChangeArrowheads="1" noChangeShapeType="1" noTextEdit="1"/>
+              </p:cNvSpPr>
+              <p:nvPr/>
+            </p:nvSpPr>
+            <p:spPr>
+              <a:xfrm>
+                <a:off x="968725" y="2577175"/>
+                <a:ext cx="1662122" cy="830997"/>
+              </a:xfrm>
+              <a:prstGeom prst="rect">
+                <a:avLst/>
+              </a:prstGeom>
+              <a:blipFill>
+                <a:blip r:embed="rId11"/>
+                <a:stretch>
+                  <a:fillRect l="-5861" t="-5882" r="-4396" b="-5147"/>
+                </a:stretch>
+              </a:blipFill>
+            </p:spPr>
+            <p:txBody>
+              <a:bodyPr/>
+              <a:lstStyle/>
+              <a:p>
+                <a:r>
+                  <a:rPr lang="en-US">
+                    <a:noFill/>
+                  </a:rPr>
+                  <a:t> </a:t>
+                </a:r>
+              </a:p>
+            </p:txBody>
+          </p:sp>
+        </mc:Fallback>
+      </mc:AlternateContent>
+      <p:sp>
+        <p:nvSpPr>
+          <p:cNvPr id="112" name="Rectangle 111">
+            <a:extLst>
+              <a:ext uri="{FF2B5EF4-FFF2-40B4-BE49-F238E27FC236}">
+                <a16:creationId xmlns:a16="http://schemas.microsoft.com/office/drawing/2014/main" id="{48CBBC58-F5C4-426A-A986-3AA0E8DA14CD}"/>
+              </a:ext>
+            </a:extLst>
+          </p:cNvPr>
+          <p:cNvSpPr/>
+          <p:nvPr/>
+        </p:nvSpPr>
+        <p:spPr>
+          <a:xfrm>
+            <a:off x="4188259" y="3276103"/>
+            <a:ext cx="822960" cy="731520"/>
+          </a:xfrm>
+          <a:prstGeom prst="rect">
+            <a:avLst/>
+          </a:prstGeom>
+          <a:solidFill>
+            <a:schemeClr val="bg2"/>
+          </a:solidFill>
+          <a:ln>
+            <a:noFill/>
+          </a:ln>
+        </p:spPr>
+        <p:style>
+          <a:lnRef idx="2">
+            <a:schemeClr val="accent1">
+              <a:shade val="50000"/>
+            </a:schemeClr>
+          </a:lnRef>
+          <a:fillRef idx="1">
+            <a:schemeClr val="accent1"/>
+          </a:fillRef>
+          <a:effectRef idx="0">
+            <a:schemeClr val="accent1"/>
+          </a:effectRef>
+          <a:fontRef idx="minor">
+            <a:schemeClr val="lt1"/>
+          </a:fontRef>
+        </p:style>
+        <p:txBody>
+          <a:bodyPr rot="0" spcFirstLastPara="0" vertOverflow="overflow" horzOverflow="overflow" vert="horz" wrap="square" lIns="91440" tIns="45720" rIns="91440" bIns="45720" numCol="1" spcCol="0" rtlCol="0" fromWordArt="0" anchor="ctr" anchorCtr="0" forceAA="0" compatLnSpc="1">
+            <a:prstTxWarp prst="textNoShape">
+              <a:avLst/>
+            </a:prstTxWarp>
+            <a:noAutofit/>
+          </a:bodyPr>
+          <a:lstStyle/>
+          <a:p>
+            <a:pPr algn="ctr"/>
+            <a:r>
+              <a:rPr lang="en-US" sz="2400" dirty="0" err="1">
+                <a:solidFill>
+                  <a:schemeClr val="tx1"/>
+                </a:solidFill>
+              </a:rPr>
+              <a:t>Pred</a:t>
+            </a:r>
+            <a:endParaRPr lang="en-US" sz="2400" dirty="0">
+              <a:solidFill>
+                <a:schemeClr val="tx1"/>
+              </a:solidFill>
+            </a:endParaRPr>
+          </a:p>
+          <a:p>
+            <a:pPr algn="ctr"/>
+            <a:r>
+              <a:rPr lang="en-US" sz="2400" dirty="0">
+                <a:solidFill>
+                  <a:schemeClr val="tx1"/>
+                </a:solidFill>
+              </a:rPr>
+              <a:t>Net</a:t>
+            </a:r>
+          </a:p>
+        </p:txBody>
+      </p:sp>
+      <p:sp>
+        <p:nvSpPr>
+          <p:cNvPr id="113" name="Rectangle 112">
+            <a:extLst>
+              <a:ext uri="{FF2B5EF4-FFF2-40B4-BE49-F238E27FC236}">
+                <a16:creationId xmlns:a16="http://schemas.microsoft.com/office/drawing/2014/main" id="{182EDA3E-EA07-4D0B-B62B-3A032451B2EC}"/>
+              </a:ext>
+            </a:extLst>
+          </p:cNvPr>
+          <p:cNvSpPr/>
+          <p:nvPr/>
+        </p:nvSpPr>
+        <p:spPr>
+          <a:xfrm>
+            <a:off x="4188259" y="1024462"/>
+            <a:ext cx="822960" cy="731520"/>
+          </a:xfrm>
+          <a:prstGeom prst="rect">
+            <a:avLst/>
+          </a:prstGeom>
+          <a:solidFill>
+            <a:schemeClr val="bg2"/>
+          </a:solidFill>
+          <a:ln>
+            <a:noFill/>
+          </a:ln>
+        </p:spPr>
+        <p:style>
+          <a:lnRef idx="2">
+            <a:schemeClr val="accent1">
+              <a:shade val="50000"/>
+            </a:schemeClr>
+          </a:lnRef>
+          <a:fillRef idx="1">
+            <a:schemeClr val="accent1"/>
+          </a:fillRef>
+          <a:effectRef idx="0">
+            <a:schemeClr val="accent1"/>
+          </a:effectRef>
+          <a:fontRef idx="minor">
+            <a:schemeClr val="lt1"/>
+          </a:fontRef>
+        </p:style>
+        <p:txBody>
+          <a:bodyPr rtlCol="0" anchor="ctr"/>
+          <a:lstStyle/>
+          <a:p>
+            <a:pPr algn="ctr"/>
+            <a:r>
+              <a:rPr lang="en-US" sz="2400" dirty="0">
+                <a:solidFill>
+                  <a:schemeClr val="tx1"/>
+                </a:solidFill>
+              </a:rPr>
+              <a:t>Char</a:t>
+            </a:r>
+          </a:p>
+          <a:p>
+            <a:pPr algn="ctr"/>
+            <a:r>
+              <a:rPr lang="en-US" sz="2400" dirty="0">
+                <a:solidFill>
+                  <a:schemeClr val="tx1"/>
+                </a:solidFill>
+              </a:rPr>
+              <a:t>Net</a:t>
+            </a:r>
+          </a:p>
+        </p:txBody>
+      </p:sp>
+      <p:cxnSp>
+        <p:nvCxnSpPr>
+          <p:cNvPr id="114" name="Straight Arrow Connector 113">
+            <a:extLst>
+              <a:ext uri="{FF2B5EF4-FFF2-40B4-BE49-F238E27FC236}">
+                <a16:creationId xmlns:a16="http://schemas.microsoft.com/office/drawing/2014/main" id="{45C55F9F-CCE4-42A3-98B1-094B0B37CD43}"/>
+              </a:ext>
+            </a:extLst>
+          </p:cNvPr>
+          <p:cNvCxnSpPr/>
+          <p:nvPr/>
+        </p:nvCxnSpPr>
+        <p:spPr>
+          <a:xfrm>
+            <a:off x="3749860" y="1385120"/>
+            <a:ext cx="365760" cy="0"/>
+          </a:xfrm>
+          <a:prstGeom prst="straightConnector1">
+            <a:avLst/>
+          </a:prstGeom>
+          <a:ln w="38100">
+            <a:tailEnd type="triangle"/>
+          </a:ln>
+        </p:spPr>
+        <p:style>
+          <a:lnRef idx="1">
+            <a:schemeClr val="dk1"/>
+          </a:lnRef>
+          <a:fillRef idx="0">
+            <a:schemeClr val="dk1"/>
+          </a:fillRef>
+          <a:effectRef idx="0">
+            <a:schemeClr val="dk1"/>
+          </a:effectRef>
+          <a:fontRef idx="minor">
+            <a:schemeClr val="tx1"/>
+          </a:fontRef>
+        </p:style>
+      </p:cxnSp>
+      <p:cxnSp>
+        <p:nvCxnSpPr>
+          <p:cNvPr id="115" name="Straight Arrow Connector 114">
+            <a:extLst>
+              <a:ext uri="{FF2B5EF4-FFF2-40B4-BE49-F238E27FC236}">
+                <a16:creationId xmlns:a16="http://schemas.microsoft.com/office/drawing/2014/main" id="{BFA572CA-6184-4599-B91C-74E960AE6036}"/>
+              </a:ext>
+            </a:extLst>
+          </p:cNvPr>
+          <p:cNvCxnSpPr>
+            <a:cxnSpLocks/>
+          </p:cNvCxnSpPr>
+          <p:nvPr/>
+        </p:nvCxnSpPr>
+        <p:spPr>
+          <a:xfrm rot="5400000">
+            <a:off x="4358512" y="2027322"/>
+            <a:ext cx="365760" cy="0"/>
+          </a:xfrm>
+          <a:prstGeom prst="straightConnector1">
+            <a:avLst/>
+          </a:prstGeom>
+          <a:ln w="38100">
+            <a:tailEnd type="triangle"/>
+          </a:ln>
+        </p:spPr>
+        <p:style>
+          <a:lnRef idx="1">
+            <a:schemeClr val="dk1"/>
+          </a:lnRef>
+          <a:fillRef idx="0">
+            <a:schemeClr val="dk1"/>
+          </a:fillRef>
+          <a:effectRef idx="0">
+            <a:schemeClr val="dk1"/>
+          </a:effectRef>
+          <a:fontRef idx="minor">
+            <a:schemeClr val="tx1"/>
+          </a:fontRef>
+        </p:style>
+      </p:cxnSp>
+      <mc:AlternateContent xmlns:mc="http://schemas.openxmlformats.org/markup-compatibility/2006">
+        <mc:Choice xmlns:a14="http://schemas.microsoft.com/office/drawing/2010/main" Requires="a14">
+          <p:sp>
+            <p:nvSpPr>
+              <p:cNvPr id="116" name="Oval 115">
+                <a:extLst>
+                  <a:ext uri="{FF2B5EF4-FFF2-40B4-BE49-F238E27FC236}">
+                    <a16:creationId xmlns:a16="http://schemas.microsoft.com/office/drawing/2014/main" id="{D5C76867-18E7-4400-AD27-4EE0134EA981}"/>
+                  </a:ext>
+                </a:extLst>
+              </p:cNvPr>
+              <p:cNvSpPr/>
+              <p:nvPr/>
+            </p:nvSpPr>
+            <p:spPr>
+              <a:xfrm>
+                <a:off x="4037245" y="2296941"/>
+                <a:ext cx="1032732" cy="483181"/>
+              </a:xfrm>
+              <a:prstGeom prst="ellipse">
+                <a:avLst/>
+              </a:prstGeom>
+              <a:solidFill>
+                <a:schemeClr val="accent2">
+                  <a:lumMod val="20000"/>
+                  <a:lumOff val="80000"/>
+                </a:schemeClr>
+              </a:solidFill>
+              <a:ln>
+                <a:noFill/>
+              </a:ln>
+            </p:spPr>
+            <p:style>
+              <a:lnRef idx="2">
+                <a:schemeClr val="accent1">
+                  <a:shade val="50000"/>
+                </a:schemeClr>
+              </a:lnRef>
+              <a:fillRef idx="1">
+                <a:schemeClr val="accent1"/>
+              </a:fillRef>
+              <a:effectRef idx="0">
+                <a:schemeClr val="accent1"/>
+              </a:effectRef>
+              <a:fontRef idx="minor">
+                <a:schemeClr val="lt1"/>
+              </a:fontRef>
+            </p:style>
+            <p:txBody>
+              <a:bodyPr rtlCol="0" anchor="ctr"/>
+              <a:lstStyle/>
+              <a:p>
+                <a:pPr algn="ctr"/>
+                <a14:m>
+                  <m:oMathPara xmlns:m="http://schemas.openxmlformats.org/officeDocument/2006/math">
+                    <m:oMathParaPr>
+                      <m:jc m:val="centerGroup"/>
+                    </m:oMathParaPr>
+                    <m:oMath xmlns:m="http://schemas.openxmlformats.org/officeDocument/2006/math">
+                      <m:sSub>
+                        <m:sSubPr>
+                          <m:ctrlPr>
+                            <a:rPr lang="en-US" sz="2400" i="1" smtClean="0">
+                              <a:solidFill>
+                                <a:schemeClr val="tx1"/>
+                              </a:solidFill>
+                              <a:latin typeface="Cambria Math" panose="02040503050406030204" pitchFamily="18" charset="0"/>
+                            </a:rPr>
+                          </m:ctrlPr>
+                        </m:sSubPr>
+                        <m:e>
+                          <m:r>
+                            <a:rPr lang="en-US" sz="2400" i="1">
+                              <a:solidFill>
+                                <a:schemeClr val="tx1"/>
+                              </a:solidFill>
+                              <a:latin typeface="Cambria Math" panose="02040503050406030204" pitchFamily="18" charset="0"/>
+                              <a:ea typeface="PMingLiU" panose="02020500000000000000" pitchFamily="18" charset="-120"/>
+                              <a:cs typeface="Times New Roman" panose="02020603050405020304" pitchFamily="18" charset="0"/>
+                            </a:rPr>
+                            <m:t>𝑒</m:t>
+                          </m:r>
+                        </m:e>
+                        <m:sub>
+                          <m:r>
+                            <a:rPr lang="en-US" sz="2400" b="0" i="1" smtClean="0">
+                              <a:solidFill>
+                                <a:schemeClr val="tx1"/>
+                              </a:solidFill>
+                              <a:latin typeface="Cambria Math" panose="02040503050406030204" pitchFamily="18" charset="0"/>
+                              <a:ea typeface="PMingLiU" panose="02020500000000000000" pitchFamily="18" charset="-120"/>
+                              <a:cs typeface="Times New Roman" panose="02020603050405020304" pitchFamily="18" charset="0"/>
+                            </a:rPr>
+                            <m:t>𝑐h𝑎𝑟</m:t>
+                          </m:r>
+                          <m:r>
+                            <a:rPr lang="en-US" sz="2400" i="1">
+                              <a:solidFill>
+                                <a:schemeClr val="tx1"/>
+                              </a:solidFill>
+                              <a:latin typeface="Cambria Math" panose="02040503050406030204" pitchFamily="18" charset="0"/>
+                              <a:ea typeface="PMingLiU" panose="02020500000000000000" pitchFamily="18" charset="-120"/>
+                              <a:cs typeface="Times New Roman" panose="02020603050405020304" pitchFamily="18" charset="0"/>
+                            </a:rPr>
+                            <m:t>, </m:t>
+                          </m:r>
+                          <m:r>
+                            <a:rPr lang="en-US" sz="2400" b="0" i="1" smtClean="0">
+                              <a:solidFill>
+                                <a:schemeClr val="tx1"/>
+                              </a:solidFill>
+                              <a:latin typeface="Cambria Math" panose="02040503050406030204" pitchFamily="18" charset="0"/>
+                              <a:ea typeface="PMingLiU" panose="02020500000000000000" pitchFamily="18" charset="-120"/>
+                              <a:cs typeface="Times New Roman" panose="02020603050405020304" pitchFamily="18" charset="0"/>
+                            </a:rPr>
+                            <m:t>𝑗</m:t>
+                          </m:r>
+                        </m:sub>
+                      </m:sSub>
+                    </m:oMath>
+                  </m:oMathPara>
+                </a14:m>
+                <a:endParaRPr lang="en-US" sz="2400" dirty="0">
+                  <a:solidFill>
+                    <a:schemeClr val="tx1"/>
+                  </a:solidFill>
+                </a:endParaRPr>
+              </a:p>
+            </p:txBody>
+          </p:sp>
+        </mc:Choice>
+        <mc:Fallback>
+          <p:sp>
+            <p:nvSpPr>
+              <p:cNvPr id="116" name="Oval 115">
+                <a:extLst>
+                  <a:ext uri="{FF2B5EF4-FFF2-40B4-BE49-F238E27FC236}">
+                    <a16:creationId xmlns:a16="http://schemas.microsoft.com/office/drawing/2014/main" id="{D5C76867-18E7-4400-AD27-4EE0134EA981}"/>
+                  </a:ext>
+                </a:extLst>
+              </p:cNvPr>
+              <p:cNvSpPr>
+                <a:spLocks noRot="1" noChangeAspect="1" noMove="1" noResize="1" noEditPoints="1" noAdjustHandles="1" noChangeArrowheads="1" noChangeShapeType="1" noTextEdit="1"/>
+              </p:cNvSpPr>
+              <p:nvPr/>
+            </p:nvSpPr>
+            <p:spPr>
+              <a:xfrm>
+                <a:off x="4037245" y="2296941"/>
+                <a:ext cx="1032732" cy="483181"/>
+              </a:xfrm>
+              <a:prstGeom prst="ellipse">
+                <a:avLst/>
+              </a:prstGeom>
+              <a:blipFill>
+                <a:blip r:embed="rId12"/>
+                <a:stretch>
+                  <a:fillRect l="-588" b="-12658"/>
+                </a:stretch>
+              </a:blipFill>
+              <a:ln>
+                <a:noFill/>
+              </a:ln>
+            </p:spPr>
+            <p:txBody>
+              <a:bodyPr/>
+              <a:lstStyle/>
+              <a:p>
+                <a:r>
+                  <a:rPr lang="en-US">
+                    <a:noFill/>
+                  </a:rPr>
+                  <a:t> </a:t>
+                </a:r>
+              </a:p>
+            </p:txBody>
+          </p:sp>
+        </mc:Fallback>
+      </mc:AlternateContent>
+      <p:cxnSp>
+        <p:nvCxnSpPr>
+          <p:cNvPr id="117" name="Straight Arrow Connector 116">
+            <a:extLst>
+              <a:ext uri="{FF2B5EF4-FFF2-40B4-BE49-F238E27FC236}">
+                <a16:creationId xmlns:a16="http://schemas.microsoft.com/office/drawing/2014/main" id="{06D49C48-13CC-4E9B-96CF-435AC63EAD12}"/>
+              </a:ext>
+            </a:extLst>
+          </p:cNvPr>
+          <p:cNvCxnSpPr>
+            <a:cxnSpLocks/>
+          </p:cNvCxnSpPr>
+          <p:nvPr/>
+        </p:nvCxnSpPr>
+        <p:spPr>
+          <a:xfrm rot="5400000">
+            <a:off x="4358512" y="3035455"/>
+            <a:ext cx="365760" cy="0"/>
+          </a:xfrm>
+          <a:prstGeom prst="straightConnector1">
+            <a:avLst/>
+          </a:prstGeom>
+          <a:ln w="38100">
+            <a:tailEnd type="triangle"/>
+          </a:ln>
+        </p:spPr>
+        <p:style>
+          <a:lnRef idx="1">
+            <a:schemeClr val="dk1"/>
+          </a:lnRef>
+          <a:fillRef idx="0">
+            <a:schemeClr val="dk1"/>
+          </a:fillRef>
+          <a:effectRef idx="0">
+            <a:schemeClr val="dk1"/>
+          </a:effectRef>
+          <a:fontRef idx="minor">
+            <a:schemeClr val="tx1"/>
+          </a:fontRef>
+        </p:style>
+      </p:cxnSp>
+      <p:cxnSp>
+        <p:nvCxnSpPr>
+          <p:cNvPr id="118" name="Straight Arrow Connector 117">
+            <a:extLst>
+              <a:ext uri="{FF2B5EF4-FFF2-40B4-BE49-F238E27FC236}">
+                <a16:creationId xmlns:a16="http://schemas.microsoft.com/office/drawing/2014/main" id="{A0446842-44D8-4131-8D75-FF8FA1CBDBCE}"/>
+              </a:ext>
+            </a:extLst>
+          </p:cNvPr>
+          <p:cNvCxnSpPr/>
+          <p:nvPr/>
+        </p:nvCxnSpPr>
+        <p:spPr>
+          <a:xfrm>
+            <a:off x="3749860" y="3585310"/>
+            <a:ext cx="365760" cy="0"/>
+          </a:xfrm>
+          <a:prstGeom prst="straightConnector1">
+            <a:avLst/>
+          </a:prstGeom>
+          <a:ln w="38100">
+            <a:tailEnd type="triangle"/>
+          </a:ln>
+        </p:spPr>
+        <p:style>
+          <a:lnRef idx="1">
+            <a:schemeClr val="dk1"/>
+          </a:lnRef>
+          <a:fillRef idx="0">
+            <a:schemeClr val="dk1"/>
+          </a:fillRef>
+          <a:effectRef idx="0">
+            <a:schemeClr val="dk1"/>
+          </a:effectRef>
+          <a:fontRef idx="minor">
+            <a:schemeClr val="tx1"/>
+          </a:fontRef>
+        </p:style>
+      </p:cxnSp>
+      <mc:AlternateContent xmlns:mc="http://schemas.openxmlformats.org/markup-compatibility/2006">
+        <mc:Choice xmlns:a14="http://schemas.microsoft.com/office/drawing/2010/main" Requires="a14">
+          <p:sp>
+            <p:nvSpPr>
+              <p:cNvPr id="119" name="Rectangle 118">
+                <a:extLst>
+                  <a:ext uri="{FF2B5EF4-FFF2-40B4-BE49-F238E27FC236}">
+                    <a16:creationId xmlns:a16="http://schemas.microsoft.com/office/drawing/2014/main" id="{A14C8C92-3444-462A-9A84-599E2B28D0BB}"/>
+                  </a:ext>
+                </a:extLst>
+              </p:cNvPr>
+              <p:cNvSpPr/>
+              <p:nvPr/>
+            </p:nvSpPr>
+            <p:spPr>
+              <a:xfrm>
+                <a:off x="5056346" y="1335149"/>
+                <a:ext cx="612604" cy="507383"/>
+              </a:xfrm>
+              <a:prstGeom prst="rect">
+                <a:avLst/>
+              </a:prstGeom>
+            </p:spPr>
+            <p:txBody>
+              <a:bodyPr wrap="none">
+                <a:spAutoFit/>
+              </a:bodyPr>
+              <a:lstStyle/>
+              <a:p>
+                <a14:m>
+                  <m:oMathPara xmlns:m="http://schemas.openxmlformats.org/officeDocument/2006/math">
+                    <m:oMathParaPr>
+                      <m:jc m:val="centerGroup"/>
+                    </m:oMathParaPr>
+                    <m:oMath xmlns:m="http://schemas.openxmlformats.org/officeDocument/2006/math">
+                      <m:acc>
+                        <m:accPr>
+                          <m:chr m:val="̂"/>
+                          <m:ctrlPr>
+                            <a:rPr lang="en-US" sz="2400" b="1" i="1" smtClean="0">
+                              <a:latin typeface="Cambria Math" panose="02040503050406030204" pitchFamily="18" charset="0"/>
+                            </a:rPr>
+                          </m:ctrlPr>
+                        </m:accPr>
+                        <m:e>
+                          <m:sSubSup>
+                            <m:sSubSupPr>
+                              <m:ctrlPr>
+                                <a:rPr lang="en-US" sz="2400" b="1" i="1">
+                                  <a:latin typeface="Cambria Math" panose="02040503050406030204" pitchFamily="18" charset="0"/>
+                                </a:rPr>
+                              </m:ctrlPr>
+                            </m:sSubSupPr>
+                            <m:e>
+                              <m:r>
+                                <a:rPr lang="en-US" sz="2400" b="1" i="1">
+                                  <a:latin typeface="Cambria Math" panose="02040503050406030204" pitchFamily="18" charset="0"/>
+                                </a:rPr>
+                                <m:t>𝒈</m:t>
+                              </m:r>
+                            </m:e>
+                            <m:sub>
+                              <m:r>
+                                <a:rPr lang="en-US" sz="2400" b="1" i="1">
+                                  <a:latin typeface="Cambria Math" panose="02040503050406030204" pitchFamily="18" charset="0"/>
+                                </a:rPr>
+                                <m:t>𝒌</m:t>
+                              </m:r>
+                            </m:sub>
+                            <m:sup>
+                              <m:r>
+                                <a:rPr lang="en-US" sz="2400" b="1">
+                                  <a:latin typeface="Cambria Math" panose="02040503050406030204" pitchFamily="18" charset="0"/>
+                                </a:rPr>
+                                <m:t>∗</m:t>
+                              </m:r>
+                            </m:sup>
+                          </m:sSubSup>
+                        </m:e>
+                      </m:acc>
+                    </m:oMath>
+                  </m:oMathPara>
+                </a14:m>
+                <a:endParaRPr lang="en-US" sz="2400" b="1" dirty="0"/>
+              </a:p>
+            </p:txBody>
+          </p:sp>
+        </mc:Choice>
+        <mc:Fallback>
+          <p:sp>
+            <p:nvSpPr>
+              <p:cNvPr id="119" name="Rectangle 118">
+                <a:extLst>
+                  <a:ext uri="{FF2B5EF4-FFF2-40B4-BE49-F238E27FC236}">
+                    <a16:creationId xmlns:a16="http://schemas.microsoft.com/office/drawing/2014/main" id="{A14C8C92-3444-462A-9A84-599E2B28D0BB}"/>
+                  </a:ext>
+                </a:extLst>
+              </p:cNvPr>
+              <p:cNvSpPr>
+                <a:spLocks noRot="1" noChangeAspect="1" noMove="1" noResize="1" noEditPoints="1" noAdjustHandles="1" noChangeArrowheads="1" noChangeShapeType="1" noTextEdit="1"/>
+              </p:cNvSpPr>
+              <p:nvPr/>
+            </p:nvSpPr>
+            <p:spPr>
+              <a:xfrm>
+                <a:off x="5056346" y="1335149"/>
+                <a:ext cx="612604" cy="507383"/>
+              </a:xfrm>
+              <a:prstGeom prst="rect">
+                <a:avLst/>
+              </a:prstGeom>
+              <a:blipFill>
+                <a:blip r:embed="rId13"/>
+                <a:stretch>
+                  <a:fillRect/>
+                </a:stretch>
+              </a:blipFill>
+            </p:spPr>
+            <p:txBody>
+              <a:bodyPr/>
+              <a:lstStyle/>
+              <a:p>
+                <a:r>
+                  <a:rPr lang="en-US">
+                    <a:noFill/>
+                  </a:rPr>
+                  <a:t> </a:t>
+                </a:r>
+              </a:p>
+            </p:txBody>
+          </p:sp>
+        </mc:Fallback>
+      </mc:AlternateContent>
+      <p:cxnSp>
+        <p:nvCxnSpPr>
+          <p:cNvPr id="121" name="Straight Connector 120">
+            <a:extLst>
+              <a:ext uri="{FF2B5EF4-FFF2-40B4-BE49-F238E27FC236}">
+                <a16:creationId xmlns:a16="http://schemas.microsoft.com/office/drawing/2014/main" id="{D20B7454-DEF8-42D6-BE22-3D0E5AAEE069}"/>
+              </a:ext>
+            </a:extLst>
+          </p:cNvPr>
+          <p:cNvCxnSpPr/>
+          <p:nvPr/>
+        </p:nvCxnSpPr>
+        <p:spPr>
+          <a:xfrm flipV="1">
+            <a:off x="5122261" y="3598732"/>
+            <a:ext cx="182880" cy="0"/>
+          </a:xfrm>
+          <a:prstGeom prst="line">
+            <a:avLst/>
+          </a:prstGeom>
+          <a:ln w="38100">
+            <a:headEnd type="none" w="med" len="med"/>
+            <a:tailEnd type="none" w="med" len="med"/>
+          </a:ln>
+        </p:spPr>
+        <p:style>
+          <a:lnRef idx="1">
+            <a:schemeClr val="dk1"/>
+          </a:lnRef>
+          <a:fillRef idx="0">
+            <a:schemeClr val="dk1"/>
+          </a:fillRef>
+          <a:effectRef idx="0">
+            <a:schemeClr val="dk1"/>
+          </a:effectRef>
+          <a:fontRef idx="minor">
+            <a:schemeClr val="tx1"/>
+          </a:fontRef>
+        </p:style>
+      </p:cxnSp>
+      <p:cxnSp>
+        <p:nvCxnSpPr>
+          <p:cNvPr id="122" name="Straight Arrow Connector 121">
+            <a:extLst>
+              <a:ext uri="{FF2B5EF4-FFF2-40B4-BE49-F238E27FC236}">
+                <a16:creationId xmlns:a16="http://schemas.microsoft.com/office/drawing/2014/main" id="{66141076-58BC-420B-8116-6BC47541B9D5}"/>
+              </a:ext>
+            </a:extLst>
+          </p:cNvPr>
+          <p:cNvCxnSpPr>
+            <a:cxnSpLocks/>
+          </p:cNvCxnSpPr>
+          <p:nvPr/>
+        </p:nvCxnSpPr>
+        <p:spPr>
+          <a:xfrm rot="16200000">
+            <a:off x="4883563" y="3206323"/>
+            <a:ext cx="822960" cy="0"/>
+          </a:xfrm>
+          <a:prstGeom prst="straightConnector1">
+            <a:avLst/>
+          </a:prstGeom>
+          <a:ln w="38100">
+            <a:tailEnd type="triangle"/>
+          </a:ln>
+        </p:spPr>
+        <p:style>
+          <a:lnRef idx="1">
+            <a:schemeClr val="dk1"/>
+          </a:lnRef>
+          <a:fillRef idx="0">
+            <a:schemeClr val="dk1"/>
+          </a:fillRef>
+          <a:effectRef idx="0">
+            <a:schemeClr val="dk1"/>
+          </a:effectRef>
+          <a:fontRef idx="minor">
+            <a:schemeClr val="tx1"/>
+          </a:fontRef>
+        </p:style>
+      </p:cxnSp>
+      <p:sp>
+        <p:nvSpPr>
+          <p:cNvPr id="124" name="TextBox 123">
+            <a:extLst>
+              <a:ext uri="{FF2B5EF4-FFF2-40B4-BE49-F238E27FC236}">
+                <a16:creationId xmlns:a16="http://schemas.microsoft.com/office/drawing/2014/main" id="{3D80D96D-F562-457B-B364-A349FAD857A8}"/>
+              </a:ext>
+            </a:extLst>
+          </p:cNvPr>
+          <p:cNvSpPr txBox="1"/>
+          <p:nvPr/>
+        </p:nvSpPr>
+        <p:spPr>
+          <a:xfrm>
+            <a:off x="7003311" y="82518"/>
+            <a:ext cx="3809634" cy="584775"/>
+          </a:xfrm>
+          <a:prstGeom prst="rect">
+            <a:avLst/>
+          </a:prstGeom>
+          <a:solidFill>
+            <a:schemeClr val="bg1"/>
+          </a:solidFill>
+        </p:spPr>
+        <p:txBody>
+          <a:bodyPr wrap="square" rtlCol="0">
+            <a:spAutoFit/>
+          </a:bodyPr>
+          <a:lstStyle/>
+          <a:p>
+            <a:pPr algn="ctr"/>
+            <a:r>
+              <a:rPr lang="en-US" sz="3200" b="1" dirty="0"/>
+              <a:t>Preference Inference</a:t>
+            </a:r>
+          </a:p>
+        </p:txBody>
+      </p:sp>
+      <mc:AlternateContent xmlns:mc="http://schemas.openxmlformats.org/markup-compatibility/2006">
+        <mc:Choice xmlns:a14="http://schemas.microsoft.com/office/drawing/2010/main" Requires="a14">
+          <p:sp>
+            <p:nvSpPr>
+              <p:cNvPr id="125" name="Rectangle 124">
+                <a:extLst>
+                  <a:ext uri="{FF2B5EF4-FFF2-40B4-BE49-F238E27FC236}">
+                    <a16:creationId xmlns:a16="http://schemas.microsoft.com/office/drawing/2014/main" id="{958DE180-F1FF-4A38-B8FF-1A549C2FDD3E}"/>
+                  </a:ext>
+                </a:extLst>
+              </p:cNvPr>
+              <p:cNvSpPr/>
+              <p:nvPr/>
+            </p:nvSpPr>
+            <p:spPr>
+              <a:xfrm>
+                <a:off x="6083018" y="536062"/>
+                <a:ext cx="1463734" cy="866006"/>
+              </a:xfrm>
+              <a:prstGeom prst="rect">
+                <a:avLst/>
+              </a:prstGeom>
+            </p:spPr>
+            <p:txBody>
+              <a:bodyPr wrap="none">
+                <a:spAutoFit/>
+              </a:bodyPr>
+              <a:lstStyle/>
+              <a:p>
+                <a:r>
+                  <a:rPr lang="en-US" sz="2400" dirty="0"/>
+                  <a:t>Trajectory</a:t>
+                </a:r>
+              </a:p>
+              <a:p>
+                <a14:m>
+                  <m:oMathPara xmlns:m="http://schemas.openxmlformats.org/officeDocument/2006/math">
+                    <m:oMathParaPr>
+                      <m:jc m:val="centerGroup"/>
+                    </m:oMathParaPr>
+                    <m:oMath xmlns:m="http://schemas.openxmlformats.org/officeDocument/2006/math">
+                      <m:sSub>
+                        <m:sSubPr>
+                          <m:ctrlPr>
+                            <a:rPr lang="en-US" sz="2400" b="1" smtClean="0">
+                              <a:latin typeface="Cambria Math" panose="02040503050406030204" pitchFamily="18" charset="0"/>
+                            </a:rPr>
+                          </m:ctrlPr>
+                        </m:sSubPr>
+                        <m:e>
+                          <m:r>
+                            <a:rPr lang="en-US" sz="2400" b="1" i="1">
+                              <a:latin typeface="Cambria Math" panose="02040503050406030204" pitchFamily="18" charset="0"/>
+                            </a:rPr>
+                            <m:t>𝝉</m:t>
+                          </m:r>
+                        </m:e>
+                        <m:sub>
+                          <m:r>
+                            <a:rPr lang="en-US" sz="2400" b="1" i="1">
+                              <a:latin typeface="Cambria Math" panose="02040503050406030204" pitchFamily="18" charset="0"/>
+                            </a:rPr>
+                            <m:t>𝒋</m:t>
+                          </m:r>
+                        </m:sub>
+                      </m:sSub>
+                    </m:oMath>
+                  </m:oMathPara>
+                </a14:m>
+                <a:endParaRPr lang="en-US" sz="2400" b="1" dirty="0"/>
+              </a:p>
+            </p:txBody>
+          </p:sp>
+        </mc:Choice>
+        <mc:Fallback>
+          <p:sp>
+            <p:nvSpPr>
+              <p:cNvPr id="125" name="Rectangle 124">
+                <a:extLst>
+                  <a:ext uri="{FF2B5EF4-FFF2-40B4-BE49-F238E27FC236}">
+                    <a16:creationId xmlns:a16="http://schemas.microsoft.com/office/drawing/2014/main" id="{958DE180-F1FF-4A38-B8FF-1A549C2FDD3E}"/>
+                  </a:ext>
+                </a:extLst>
+              </p:cNvPr>
+              <p:cNvSpPr>
+                <a:spLocks noRot="1" noChangeAspect="1" noMove="1" noResize="1" noEditPoints="1" noAdjustHandles="1" noChangeArrowheads="1" noChangeShapeType="1" noTextEdit="1"/>
+              </p:cNvSpPr>
+              <p:nvPr/>
+            </p:nvSpPr>
+            <p:spPr>
+              <a:xfrm>
+                <a:off x="6083018" y="536062"/>
+                <a:ext cx="1463734" cy="866006"/>
+              </a:xfrm>
+              <a:prstGeom prst="rect">
+                <a:avLst/>
+              </a:prstGeom>
+              <a:blipFill>
+                <a:blip r:embed="rId14"/>
+                <a:stretch>
+                  <a:fillRect l="-6667" t="-5634" r="-2917" b="-5634"/>
+                </a:stretch>
+              </a:blipFill>
+            </p:spPr>
+            <p:txBody>
+              <a:bodyPr/>
+              <a:lstStyle/>
+              <a:p>
+                <a:r>
+                  <a:rPr lang="en-US">
+                    <a:noFill/>
+                  </a:rPr>
+                  <a:t> </a:t>
+                </a:r>
+              </a:p>
+            </p:txBody>
+          </p:sp>
+        </mc:Fallback>
+      </mc:AlternateContent>
+      <p:sp>
+        <p:nvSpPr>
+          <p:cNvPr id="126" name="Rectangle 125">
+            <a:extLst>
+              <a:ext uri="{FF2B5EF4-FFF2-40B4-BE49-F238E27FC236}">
+                <a16:creationId xmlns:a16="http://schemas.microsoft.com/office/drawing/2014/main" id="{8E299E69-ADBB-41C4-8C06-966AB2656C8C}"/>
+              </a:ext>
+            </a:extLst>
+          </p:cNvPr>
+          <p:cNvSpPr/>
+          <p:nvPr/>
+        </p:nvSpPr>
+        <p:spPr>
+          <a:xfrm>
+            <a:off x="7083391" y="3090710"/>
+            <a:ext cx="1402837" cy="1406097"/>
+          </a:xfrm>
+          <a:prstGeom prst="rect">
+            <a:avLst/>
+          </a:prstGeom>
+          <a:solidFill>
+            <a:schemeClr val="bg1"/>
+          </a:solidFill>
+          <a:ln w="28575">
+            <a:solidFill>
+              <a:schemeClr val="tx1"/>
+            </a:solidFill>
+          </a:ln>
+        </p:spPr>
+        <p:style>
+          <a:lnRef idx="2">
+            <a:schemeClr val="accent1">
+              <a:shade val="50000"/>
+            </a:schemeClr>
+          </a:lnRef>
+          <a:fillRef idx="1">
+            <a:schemeClr val="accent1"/>
+          </a:fillRef>
+          <a:effectRef idx="0">
+            <a:schemeClr val="accent1"/>
+          </a:effectRef>
+          <a:fontRef idx="minor">
+            <a:schemeClr val="lt1"/>
+          </a:fontRef>
+        </p:style>
+        <p:txBody>
+          <a:bodyPr rtlCol="0" anchor="ctr"/>
+          <a:lstStyle/>
+          <a:p>
+            <a:pPr algn="ctr"/>
+            <a:endParaRPr lang="en-US"/>
+          </a:p>
+        </p:txBody>
+      </p:sp>
+      <mc:AlternateContent xmlns:mc="http://schemas.openxmlformats.org/markup-compatibility/2006">
+        <mc:Choice xmlns:a14="http://schemas.microsoft.com/office/drawing/2010/main" Requires="a14">
+          <p:sp>
+            <p:nvSpPr>
+              <p:cNvPr id="130" name="Rectangle 129">
+                <a:extLst>
+                  <a:ext uri="{FF2B5EF4-FFF2-40B4-BE49-F238E27FC236}">
+                    <a16:creationId xmlns:a16="http://schemas.microsoft.com/office/drawing/2014/main" id="{61B1BE87-2305-4C86-A50F-1C11258AB1C1}"/>
+                  </a:ext>
+                </a:extLst>
+              </p:cNvPr>
+              <p:cNvSpPr/>
+              <p:nvPr/>
+            </p:nvSpPr>
+            <p:spPr>
+              <a:xfrm>
+                <a:off x="7166946" y="4181358"/>
+                <a:ext cx="274320" cy="215004"/>
+              </a:xfrm>
+              <a:prstGeom prst="rect">
+                <a:avLst/>
+              </a:prstGeom>
+              <a:solidFill>
+                <a:schemeClr val="bg1"/>
+              </a:solidFill>
+              <a:ln>
+                <a:noFill/>
+              </a:ln>
+            </p:spPr>
+            <p:style>
+              <a:lnRef idx="2">
+                <a:schemeClr val="accent1">
+                  <a:shade val="50000"/>
+                </a:schemeClr>
+              </a:lnRef>
+              <a:fillRef idx="1">
+                <a:schemeClr val="accent1"/>
+              </a:fillRef>
+              <a:effectRef idx="0">
+                <a:schemeClr val="accent1"/>
+              </a:effectRef>
+              <a:fontRef idx="minor">
+                <a:schemeClr val="lt1"/>
+              </a:fontRef>
+            </p:style>
+            <p:txBody>
+              <a:bodyPr rtlCol="0" anchor="ctr"/>
+              <a:lstStyle/>
+              <a:p>
+                <a:pPr algn="ctr"/>
+                <a14:m>
+                  <m:oMathPara xmlns:m="http://schemas.openxmlformats.org/officeDocument/2006/math">
+                    <m:oMathParaPr>
+                      <m:jc m:val="centerGroup"/>
+                    </m:oMathParaPr>
+                    <m:oMath xmlns:m="http://schemas.openxmlformats.org/officeDocument/2006/math">
+                      <m:sSub>
+                        <m:sSubPr>
+                          <m:ctrlPr>
+                            <a:rPr lang="en-US" b="1" i="1" smtClean="0">
+                              <a:solidFill>
+                                <a:sysClr val="windowText" lastClr="000000"/>
+                              </a:solidFill>
+                              <a:latin typeface="Cambria Math" panose="02040503050406030204" pitchFamily="18" charset="0"/>
+                            </a:rPr>
+                          </m:ctrlPr>
+                        </m:sSubPr>
+                        <m:e>
+                          <m:r>
+                            <a:rPr lang="en-US" b="1" i="1" smtClean="0">
+                              <a:solidFill>
+                                <a:sysClr val="windowText" lastClr="000000"/>
+                              </a:solidFill>
+                              <a:latin typeface="Cambria Math" panose="02040503050406030204" pitchFamily="18" charset="0"/>
+                            </a:rPr>
+                            <m:t>𝒈</m:t>
+                          </m:r>
+                        </m:e>
+                        <m:sub>
+                          <m:r>
+                            <a:rPr lang="en-US" b="1" i="1" smtClean="0">
+                              <a:solidFill>
+                                <a:sysClr val="windowText" lastClr="000000"/>
+                              </a:solidFill>
+                              <a:latin typeface="Cambria Math" panose="02040503050406030204" pitchFamily="18" charset="0"/>
+                            </a:rPr>
+                            <m:t>𝟑</m:t>
+                          </m:r>
+                        </m:sub>
+                      </m:sSub>
+                    </m:oMath>
+                  </m:oMathPara>
+                </a14:m>
+                <a:endParaRPr lang="en-US" b="1" dirty="0">
+                  <a:solidFill>
+                    <a:sysClr val="windowText" lastClr="000000"/>
+                  </a:solidFill>
+                </a:endParaRPr>
+              </a:p>
+            </p:txBody>
+          </p:sp>
+        </mc:Choice>
+        <mc:Fallback>
+          <p:sp>
+            <p:nvSpPr>
+              <p:cNvPr id="130" name="Rectangle 129">
+                <a:extLst>
+                  <a:ext uri="{FF2B5EF4-FFF2-40B4-BE49-F238E27FC236}">
+                    <a16:creationId xmlns:a16="http://schemas.microsoft.com/office/drawing/2014/main" id="{61B1BE87-2305-4C86-A50F-1C11258AB1C1}"/>
+                  </a:ext>
+                </a:extLst>
+              </p:cNvPr>
+              <p:cNvSpPr>
+                <a:spLocks noRot="1" noChangeAspect="1" noMove="1" noResize="1" noEditPoints="1" noAdjustHandles="1" noChangeArrowheads="1" noChangeShapeType="1" noTextEdit="1"/>
+              </p:cNvSpPr>
+              <p:nvPr/>
+            </p:nvSpPr>
+            <p:spPr>
+              <a:xfrm>
+                <a:off x="7166946" y="4181358"/>
+                <a:ext cx="274320" cy="215004"/>
+              </a:xfrm>
+              <a:prstGeom prst="rect">
+                <a:avLst/>
+              </a:prstGeom>
+              <a:blipFill>
+                <a:blip r:embed="rId15"/>
+                <a:stretch>
+                  <a:fillRect l="-40000" r="-8889" b="-48571"/>
+                </a:stretch>
+              </a:blipFill>
+              <a:ln>
+                <a:noFill/>
+              </a:ln>
+            </p:spPr>
+            <p:txBody>
+              <a:bodyPr/>
+              <a:lstStyle/>
+              <a:p>
+                <a:r>
+                  <a:rPr lang="en-US">
+                    <a:noFill/>
+                  </a:rPr>
+                  <a:t> </a:t>
+                </a:r>
+              </a:p>
+            </p:txBody>
+          </p:sp>
+        </mc:Fallback>
+      </mc:AlternateContent>
+      <mc:AlternateContent xmlns:mc="http://schemas.openxmlformats.org/markup-compatibility/2006">
+        <mc:Choice xmlns:a14="http://schemas.microsoft.com/office/drawing/2010/main" Requires="a14">
+          <p:sp>
+            <p:nvSpPr>
+              <p:cNvPr id="131" name="Rectangle 130">
+                <a:extLst>
+                  <a:ext uri="{FF2B5EF4-FFF2-40B4-BE49-F238E27FC236}">
+                    <a16:creationId xmlns:a16="http://schemas.microsoft.com/office/drawing/2014/main" id="{B129AC96-87FF-4990-A8CB-11CDAED0CE6A}"/>
+                  </a:ext>
+                </a:extLst>
+              </p:cNvPr>
+              <p:cNvSpPr/>
+              <p:nvPr/>
+            </p:nvSpPr>
+            <p:spPr>
+              <a:xfrm>
+                <a:off x="8194162" y="4184588"/>
+                <a:ext cx="274320" cy="215004"/>
+              </a:xfrm>
+              <a:prstGeom prst="rect">
+                <a:avLst/>
+              </a:prstGeom>
+              <a:solidFill>
+                <a:schemeClr val="bg1"/>
+              </a:solidFill>
+              <a:ln>
+                <a:noFill/>
+              </a:ln>
+            </p:spPr>
+            <p:style>
+              <a:lnRef idx="2">
+                <a:schemeClr val="accent1">
+                  <a:shade val="50000"/>
+                </a:schemeClr>
+              </a:lnRef>
+              <a:fillRef idx="1">
+                <a:schemeClr val="accent1"/>
+              </a:fillRef>
+              <a:effectRef idx="0">
+                <a:schemeClr val="accent1"/>
+              </a:effectRef>
+              <a:fontRef idx="minor">
+                <a:schemeClr val="lt1"/>
+              </a:fontRef>
+            </p:style>
+            <p:txBody>
+              <a:bodyPr rtlCol="0" anchor="ctr"/>
+              <a:lstStyle/>
+              <a:p>
+                <a:pPr algn="ctr"/>
+                <a14:m>
+                  <m:oMathPara xmlns:m="http://schemas.openxmlformats.org/officeDocument/2006/math">
+                    <m:oMathParaPr>
+                      <m:jc m:val="centerGroup"/>
+                    </m:oMathParaPr>
+                    <m:oMath xmlns:m="http://schemas.openxmlformats.org/officeDocument/2006/math">
+                      <m:sSub>
+                        <m:sSubPr>
+                          <m:ctrlPr>
+                            <a:rPr lang="en-US" b="1" i="1" smtClean="0">
+                              <a:solidFill>
+                                <a:sysClr val="windowText" lastClr="000000"/>
+                              </a:solidFill>
+                              <a:latin typeface="Cambria Math" panose="02040503050406030204" pitchFamily="18" charset="0"/>
+                            </a:rPr>
+                          </m:ctrlPr>
+                        </m:sSubPr>
+                        <m:e>
+                          <m:r>
+                            <a:rPr lang="en-US" b="1" i="1" smtClean="0">
+                              <a:solidFill>
+                                <a:sysClr val="windowText" lastClr="000000"/>
+                              </a:solidFill>
+                              <a:latin typeface="Cambria Math" panose="02040503050406030204" pitchFamily="18" charset="0"/>
+                            </a:rPr>
+                            <m:t>𝒈</m:t>
+                          </m:r>
+                        </m:e>
+                        <m:sub>
+                          <m:r>
+                            <a:rPr lang="en-US" b="1" i="1" smtClean="0">
+                              <a:solidFill>
+                                <a:sysClr val="windowText" lastClr="000000"/>
+                              </a:solidFill>
+                              <a:latin typeface="Cambria Math" panose="02040503050406030204" pitchFamily="18" charset="0"/>
+                            </a:rPr>
+                            <m:t>𝟒</m:t>
+                          </m:r>
+                        </m:sub>
+                      </m:sSub>
+                    </m:oMath>
+                  </m:oMathPara>
+                </a14:m>
+                <a:endParaRPr lang="en-US" b="1" dirty="0">
+                  <a:solidFill>
+                    <a:sysClr val="windowText" lastClr="000000"/>
+                  </a:solidFill>
+                </a:endParaRPr>
+              </a:p>
+            </p:txBody>
+          </p:sp>
+        </mc:Choice>
+        <mc:Fallback>
+          <p:sp>
+            <p:nvSpPr>
+              <p:cNvPr id="131" name="Rectangle 130">
+                <a:extLst>
+                  <a:ext uri="{FF2B5EF4-FFF2-40B4-BE49-F238E27FC236}">
+                    <a16:creationId xmlns:a16="http://schemas.microsoft.com/office/drawing/2014/main" id="{B129AC96-87FF-4990-A8CB-11CDAED0CE6A}"/>
+                  </a:ext>
+                </a:extLst>
+              </p:cNvPr>
+              <p:cNvSpPr>
+                <a:spLocks noRot="1" noChangeAspect="1" noMove="1" noResize="1" noEditPoints="1" noAdjustHandles="1" noChangeArrowheads="1" noChangeShapeType="1" noTextEdit="1"/>
+              </p:cNvSpPr>
+              <p:nvPr/>
+            </p:nvSpPr>
+            <p:spPr>
+              <a:xfrm>
+                <a:off x="8194162" y="4184588"/>
+                <a:ext cx="274320" cy="215004"/>
+              </a:xfrm>
+              <a:prstGeom prst="rect">
+                <a:avLst/>
+              </a:prstGeom>
+              <a:blipFill>
+                <a:blip r:embed="rId16"/>
+                <a:stretch>
+                  <a:fillRect l="-37778" r="-11111" b="-47222"/>
+                </a:stretch>
+              </a:blipFill>
+              <a:ln>
+                <a:noFill/>
+              </a:ln>
+            </p:spPr>
+            <p:txBody>
+              <a:bodyPr/>
+              <a:lstStyle/>
+              <a:p>
+                <a:r>
+                  <a:rPr lang="en-US">
+                    <a:noFill/>
+                  </a:rPr>
+                  <a:t> </a:t>
+                </a:r>
+              </a:p>
+            </p:txBody>
+          </p:sp>
+        </mc:Fallback>
+      </mc:AlternateContent>
+      <mc:AlternateContent xmlns:mc="http://schemas.openxmlformats.org/markup-compatibility/2006">
+        <mc:Choice xmlns:a14="http://schemas.microsoft.com/office/drawing/2010/main" Requires="a14">
+          <p:sp>
+            <p:nvSpPr>
+              <p:cNvPr id="132" name="Rectangle 131">
+                <a:extLst>
+                  <a:ext uri="{FF2B5EF4-FFF2-40B4-BE49-F238E27FC236}">
+                    <a16:creationId xmlns:a16="http://schemas.microsoft.com/office/drawing/2014/main" id="{54587C4C-8AEE-431C-ADA2-67DB0D113165}"/>
+                  </a:ext>
+                </a:extLst>
+              </p:cNvPr>
+              <p:cNvSpPr/>
+              <p:nvPr/>
+            </p:nvSpPr>
+            <p:spPr>
+              <a:xfrm>
+                <a:off x="7166946" y="3140334"/>
+                <a:ext cx="274320" cy="215004"/>
+              </a:xfrm>
+              <a:prstGeom prst="rect">
+                <a:avLst/>
+              </a:prstGeom>
+              <a:solidFill>
+                <a:schemeClr val="bg1"/>
+              </a:solidFill>
+              <a:ln>
+                <a:noFill/>
+              </a:ln>
+            </p:spPr>
+            <p:style>
+              <a:lnRef idx="2">
+                <a:schemeClr val="accent1">
+                  <a:shade val="50000"/>
+                </a:schemeClr>
+              </a:lnRef>
+              <a:fillRef idx="1">
+                <a:schemeClr val="accent1"/>
+              </a:fillRef>
+              <a:effectRef idx="0">
+                <a:schemeClr val="accent1"/>
+              </a:effectRef>
+              <a:fontRef idx="minor">
+                <a:schemeClr val="lt1"/>
+              </a:fontRef>
+            </p:style>
+            <p:txBody>
+              <a:bodyPr rtlCol="0" anchor="ctr"/>
+              <a:lstStyle/>
+              <a:p>
+                <a:pPr algn="ctr"/>
+                <a14:m>
+                  <m:oMathPara xmlns:m="http://schemas.openxmlformats.org/officeDocument/2006/math">
+                    <m:oMathParaPr>
+                      <m:jc m:val="centerGroup"/>
+                    </m:oMathParaPr>
+                    <m:oMath xmlns:m="http://schemas.openxmlformats.org/officeDocument/2006/math">
+                      <m:sSub>
+                        <m:sSubPr>
+                          <m:ctrlPr>
+                            <a:rPr lang="en-US" b="1" i="1" smtClean="0">
+                              <a:solidFill>
+                                <a:sysClr val="windowText" lastClr="000000"/>
+                              </a:solidFill>
+                              <a:latin typeface="Cambria Math" panose="02040503050406030204" pitchFamily="18" charset="0"/>
+                            </a:rPr>
+                          </m:ctrlPr>
+                        </m:sSubPr>
+                        <m:e>
+                          <m:r>
+                            <a:rPr lang="en-US" b="1" i="1" smtClean="0">
+                              <a:solidFill>
+                                <a:sysClr val="windowText" lastClr="000000"/>
+                              </a:solidFill>
+                              <a:latin typeface="Cambria Math" panose="02040503050406030204" pitchFamily="18" charset="0"/>
+                            </a:rPr>
+                            <m:t>𝒈</m:t>
+                          </m:r>
+                        </m:e>
+                        <m:sub>
+                          <m:r>
+                            <a:rPr lang="en-US" b="1" i="1" smtClean="0">
+                              <a:solidFill>
+                                <a:sysClr val="windowText" lastClr="000000"/>
+                              </a:solidFill>
+                              <a:latin typeface="Cambria Math" panose="02040503050406030204" pitchFamily="18" charset="0"/>
+                            </a:rPr>
+                            <m:t>𝟏</m:t>
+                          </m:r>
+                        </m:sub>
+                      </m:sSub>
+                    </m:oMath>
+                  </m:oMathPara>
+                </a14:m>
+                <a:endParaRPr lang="en-US" b="1" dirty="0">
+                  <a:solidFill>
+                    <a:sysClr val="windowText" lastClr="000000"/>
+                  </a:solidFill>
+                </a:endParaRPr>
+              </a:p>
+            </p:txBody>
+          </p:sp>
+        </mc:Choice>
+        <mc:Fallback>
+          <p:sp>
+            <p:nvSpPr>
+              <p:cNvPr id="132" name="Rectangle 131">
+                <a:extLst>
+                  <a:ext uri="{FF2B5EF4-FFF2-40B4-BE49-F238E27FC236}">
+                    <a16:creationId xmlns:a16="http://schemas.microsoft.com/office/drawing/2014/main" id="{54587C4C-8AEE-431C-ADA2-67DB0D113165}"/>
+                  </a:ext>
+                </a:extLst>
+              </p:cNvPr>
+              <p:cNvSpPr>
+                <a:spLocks noRot="1" noChangeAspect="1" noMove="1" noResize="1" noEditPoints="1" noAdjustHandles="1" noChangeArrowheads="1" noChangeShapeType="1" noTextEdit="1"/>
+              </p:cNvSpPr>
+              <p:nvPr/>
+            </p:nvSpPr>
+            <p:spPr>
+              <a:xfrm>
+                <a:off x="7166946" y="3140334"/>
+                <a:ext cx="274320" cy="215004"/>
+              </a:xfrm>
+              <a:prstGeom prst="rect">
+                <a:avLst/>
+              </a:prstGeom>
+              <a:blipFill>
+                <a:blip r:embed="rId17"/>
+                <a:stretch>
+                  <a:fillRect l="-40000" r="-8889" b="-48571"/>
+                </a:stretch>
+              </a:blipFill>
+              <a:ln>
+                <a:noFill/>
+              </a:ln>
+            </p:spPr>
+            <p:txBody>
+              <a:bodyPr/>
+              <a:lstStyle/>
+              <a:p>
+                <a:r>
+                  <a:rPr lang="en-US">
+                    <a:noFill/>
+                  </a:rPr>
+                  <a:t> </a:t>
+                </a:r>
+              </a:p>
+            </p:txBody>
+          </p:sp>
+        </mc:Fallback>
+      </mc:AlternateContent>
+      <p:sp>
+        <p:nvSpPr>
+          <p:cNvPr id="133" name="Rectangle 132">
+            <a:extLst>
+              <a:ext uri="{FF2B5EF4-FFF2-40B4-BE49-F238E27FC236}">
+                <a16:creationId xmlns:a16="http://schemas.microsoft.com/office/drawing/2014/main" id="{81E63C3E-3941-48B3-BF69-CC0DFB3039E2}"/>
+              </a:ext>
+            </a:extLst>
+          </p:cNvPr>
+          <p:cNvSpPr/>
+          <p:nvPr/>
+        </p:nvSpPr>
+        <p:spPr>
+          <a:xfrm>
+            <a:off x="7083391" y="1018410"/>
+            <a:ext cx="1402837" cy="1406097"/>
+          </a:xfrm>
+          <a:prstGeom prst="rect">
+            <a:avLst/>
+          </a:prstGeom>
+          <a:solidFill>
+            <a:schemeClr val="bg1"/>
+          </a:solidFill>
+          <a:ln w="28575">
+            <a:solidFill>
+              <a:schemeClr val="tx1"/>
+            </a:solidFill>
+          </a:ln>
+        </p:spPr>
+        <p:style>
+          <a:lnRef idx="2">
+            <a:schemeClr val="accent1">
+              <a:shade val="50000"/>
+            </a:schemeClr>
+          </a:lnRef>
+          <a:fillRef idx="1">
+            <a:schemeClr val="accent1"/>
+          </a:fillRef>
+          <a:effectRef idx="0">
+            <a:schemeClr val="accent1"/>
+          </a:effectRef>
+          <a:fontRef idx="minor">
+            <a:schemeClr val="lt1"/>
+          </a:fontRef>
+        </p:style>
+        <p:txBody>
+          <a:bodyPr rtlCol="0" anchor="ctr"/>
+          <a:lstStyle/>
+          <a:p>
+            <a:pPr algn="ctr"/>
+            <a:endParaRPr lang="en-US"/>
+          </a:p>
+        </p:txBody>
+      </p:sp>
+      <p:sp>
+        <p:nvSpPr>
+          <p:cNvPr id="134" name="Rectangle 133">
+            <a:extLst>
+              <a:ext uri="{FF2B5EF4-FFF2-40B4-BE49-F238E27FC236}">
+                <a16:creationId xmlns:a16="http://schemas.microsoft.com/office/drawing/2014/main" id="{DDDE45FC-BC15-4694-911A-1D5C58C98ABE}"/>
+              </a:ext>
+            </a:extLst>
+          </p:cNvPr>
+          <p:cNvSpPr/>
+          <p:nvPr/>
+        </p:nvSpPr>
+        <p:spPr>
+          <a:xfrm>
+            <a:off x="8200020" y="1971761"/>
+            <a:ext cx="274320" cy="274320"/>
+          </a:xfrm>
+          <a:prstGeom prst="rect">
+            <a:avLst/>
+          </a:prstGeom>
+          <a:solidFill>
+            <a:srgbClr val="A5A5A5"/>
+          </a:solidFill>
+          <a:ln>
+            <a:noFill/>
+          </a:ln>
+        </p:spPr>
+        <p:style>
+          <a:lnRef idx="2">
+            <a:schemeClr val="accent1">
+              <a:shade val="50000"/>
+            </a:schemeClr>
+          </a:lnRef>
+          <a:fillRef idx="1">
+            <a:schemeClr val="accent1"/>
+          </a:fillRef>
+          <a:effectRef idx="0">
+            <a:schemeClr val="accent1"/>
+          </a:effectRef>
+          <a:fontRef idx="minor">
+            <a:schemeClr val="lt1"/>
+          </a:fontRef>
+        </p:style>
+        <p:txBody>
+          <a:bodyPr rtlCol="0" anchor="ctr"/>
+          <a:lstStyle/>
+          <a:p>
+            <a:pPr algn="ctr"/>
+            <a:endParaRPr lang="en-US"/>
+          </a:p>
+        </p:txBody>
+      </p:sp>
+      <p:sp>
+        <p:nvSpPr>
+          <p:cNvPr id="135" name="Rectangle 134">
+            <a:extLst>
+              <a:ext uri="{FF2B5EF4-FFF2-40B4-BE49-F238E27FC236}">
+                <a16:creationId xmlns:a16="http://schemas.microsoft.com/office/drawing/2014/main" id="{5DB8CA48-D646-4493-B01C-284888640927}"/>
+              </a:ext>
+            </a:extLst>
+          </p:cNvPr>
+          <p:cNvSpPr/>
+          <p:nvPr/>
+        </p:nvSpPr>
+        <p:spPr>
+          <a:xfrm>
+            <a:off x="7776836" y="1500278"/>
+            <a:ext cx="274320" cy="274320"/>
+          </a:xfrm>
+          <a:prstGeom prst="rect">
+            <a:avLst/>
+          </a:prstGeom>
+          <a:solidFill>
+            <a:srgbClr val="A5A5A5"/>
+          </a:solidFill>
+          <a:ln>
+            <a:noFill/>
+          </a:ln>
+        </p:spPr>
+        <p:style>
+          <a:lnRef idx="2">
+            <a:schemeClr val="accent1">
+              <a:shade val="50000"/>
+            </a:schemeClr>
+          </a:lnRef>
+          <a:fillRef idx="1">
+            <a:schemeClr val="accent1"/>
+          </a:fillRef>
+          <a:effectRef idx="0">
+            <a:schemeClr val="accent1"/>
+          </a:effectRef>
+          <a:fontRef idx="minor">
+            <a:schemeClr val="lt1"/>
+          </a:fontRef>
+        </p:style>
+        <p:txBody>
+          <a:bodyPr rtlCol="0" anchor="ctr"/>
+          <a:lstStyle/>
+          <a:p>
+            <a:pPr algn="ctr"/>
+            <a:endParaRPr lang="en-US"/>
+          </a:p>
+        </p:txBody>
+      </p:sp>
+      <p:sp>
+        <p:nvSpPr>
+          <p:cNvPr id="136" name="Rectangle 135">
+            <a:extLst>
+              <a:ext uri="{FF2B5EF4-FFF2-40B4-BE49-F238E27FC236}">
+                <a16:creationId xmlns:a16="http://schemas.microsoft.com/office/drawing/2014/main" id="{71F18B2D-DE13-4B2B-9DF2-62D4A46A5C60}"/>
+              </a:ext>
+            </a:extLst>
+          </p:cNvPr>
+          <p:cNvSpPr/>
+          <p:nvPr/>
+        </p:nvSpPr>
+        <p:spPr>
+          <a:xfrm>
+            <a:off x="7458524" y="1981115"/>
+            <a:ext cx="274320" cy="274320"/>
+          </a:xfrm>
+          <a:prstGeom prst="rect">
+            <a:avLst/>
+          </a:prstGeom>
+          <a:solidFill>
+            <a:srgbClr val="A5A5A5"/>
+          </a:solidFill>
+          <a:ln>
+            <a:noFill/>
+          </a:ln>
+        </p:spPr>
+        <p:style>
+          <a:lnRef idx="2">
+            <a:schemeClr val="accent1">
+              <a:shade val="50000"/>
+            </a:schemeClr>
+          </a:lnRef>
+          <a:fillRef idx="1">
+            <a:schemeClr val="accent1"/>
+          </a:fillRef>
+          <a:effectRef idx="0">
+            <a:schemeClr val="accent1"/>
+          </a:effectRef>
+          <a:fontRef idx="minor">
+            <a:schemeClr val="lt1"/>
+          </a:fontRef>
+        </p:style>
+        <p:txBody>
+          <a:bodyPr rtlCol="0" anchor="ctr"/>
+          <a:lstStyle/>
+          <a:p>
+            <a:pPr algn="ctr"/>
+            <a:endParaRPr lang="en-US"/>
+          </a:p>
+        </p:txBody>
+      </p:sp>
+      <mc:AlternateContent xmlns:mc="http://schemas.openxmlformats.org/markup-compatibility/2006">
+        <mc:Choice xmlns:a14="http://schemas.microsoft.com/office/drawing/2010/main" Requires="a14">
+          <p:sp>
+            <p:nvSpPr>
+              <p:cNvPr id="137" name="Rectangle 136">
+                <a:extLst>
+                  <a:ext uri="{FF2B5EF4-FFF2-40B4-BE49-F238E27FC236}">
+                    <a16:creationId xmlns:a16="http://schemas.microsoft.com/office/drawing/2014/main" id="{08C26D39-1CCF-4D86-B09E-DDA6B6F81BC9}"/>
+                  </a:ext>
+                </a:extLst>
+              </p:cNvPr>
+              <p:cNvSpPr/>
+              <p:nvPr/>
+            </p:nvSpPr>
+            <p:spPr>
+              <a:xfrm>
+                <a:off x="7147729" y="1959735"/>
+                <a:ext cx="274320" cy="215004"/>
+              </a:xfrm>
+              <a:prstGeom prst="rect">
+                <a:avLst/>
+              </a:prstGeom>
+              <a:solidFill>
+                <a:schemeClr val="bg1"/>
+              </a:solidFill>
+              <a:ln>
+                <a:noFill/>
+              </a:ln>
+            </p:spPr>
+            <p:style>
+              <a:lnRef idx="2">
+                <a:schemeClr val="accent1">
+                  <a:shade val="50000"/>
+                </a:schemeClr>
+              </a:lnRef>
+              <a:fillRef idx="1">
+                <a:schemeClr val="accent1"/>
+              </a:fillRef>
+              <a:effectRef idx="0">
+                <a:schemeClr val="accent1"/>
+              </a:effectRef>
+              <a:fontRef idx="minor">
+                <a:schemeClr val="lt1"/>
+              </a:fontRef>
+            </p:style>
+            <p:txBody>
+              <a:bodyPr rtlCol="0" anchor="ctr"/>
+              <a:lstStyle/>
+              <a:p>
+                <a:pPr algn="ctr"/>
+                <a14:m>
+                  <m:oMathPara xmlns:m="http://schemas.openxmlformats.org/officeDocument/2006/math">
+                    <m:oMathParaPr>
+                      <m:jc m:val="centerGroup"/>
+                    </m:oMathParaPr>
+                    <m:oMath xmlns:m="http://schemas.openxmlformats.org/officeDocument/2006/math">
+                      <m:sSub>
+                        <m:sSubPr>
+                          <m:ctrlPr>
+                            <a:rPr lang="en-US" b="1" i="1" smtClean="0">
+                              <a:solidFill>
+                                <a:sysClr val="windowText" lastClr="000000"/>
+                              </a:solidFill>
+                              <a:latin typeface="Cambria Math" panose="02040503050406030204" pitchFamily="18" charset="0"/>
+                            </a:rPr>
+                          </m:ctrlPr>
+                        </m:sSubPr>
+                        <m:e>
+                          <m:r>
+                            <a:rPr lang="en-US" b="1" i="1" smtClean="0">
+                              <a:solidFill>
+                                <a:sysClr val="windowText" lastClr="000000"/>
+                              </a:solidFill>
+                              <a:latin typeface="Cambria Math" panose="02040503050406030204" pitchFamily="18" charset="0"/>
+                            </a:rPr>
+                            <m:t>𝒈</m:t>
+                          </m:r>
+                        </m:e>
+                        <m:sub>
+                          <m:r>
+                            <a:rPr lang="en-US" b="1" i="1" smtClean="0">
+                              <a:solidFill>
+                                <a:sysClr val="windowText" lastClr="000000"/>
+                              </a:solidFill>
+                              <a:latin typeface="Cambria Math" panose="02040503050406030204" pitchFamily="18" charset="0"/>
+                            </a:rPr>
+                            <m:t>𝟒</m:t>
+                          </m:r>
+                        </m:sub>
+                      </m:sSub>
+                    </m:oMath>
+                  </m:oMathPara>
+                </a14:m>
+                <a:endParaRPr lang="en-US" b="1" dirty="0">
+                  <a:solidFill>
+                    <a:sysClr val="windowText" lastClr="000000"/>
+                  </a:solidFill>
+                </a:endParaRPr>
+              </a:p>
+            </p:txBody>
+          </p:sp>
+        </mc:Choice>
+        <mc:Fallback>
+          <p:sp>
+            <p:nvSpPr>
+              <p:cNvPr id="137" name="Rectangle 136">
+                <a:extLst>
+                  <a:ext uri="{FF2B5EF4-FFF2-40B4-BE49-F238E27FC236}">
+                    <a16:creationId xmlns:a16="http://schemas.microsoft.com/office/drawing/2014/main" id="{08C26D39-1CCF-4D86-B09E-DDA6B6F81BC9}"/>
+                  </a:ext>
+                </a:extLst>
+              </p:cNvPr>
+              <p:cNvSpPr>
+                <a:spLocks noRot="1" noChangeAspect="1" noMove="1" noResize="1" noEditPoints="1" noAdjustHandles="1" noChangeArrowheads="1" noChangeShapeType="1" noTextEdit="1"/>
+              </p:cNvSpPr>
+              <p:nvPr/>
+            </p:nvSpPr>
+            <p:spPr>
+              <a:xfrm>
+                <a:off x="7147729" y="1959735"/>
+                <a:ext cx="274320" cy="215004"/>
+              </a:xfrm>
+              <a:prstGeom prst="rect">
+                <a:avLst/>
+              </a:prstGeom>
+              <a:blipFill>
+                <a:blip r:embed="rId18"/>
+                <a:stretch>
+                  <a:fillRect l="-40000" r="-8889" b="-47222"/>
+                </a:stretch>
+              </a:blipFill>
+              <a:ln>
+                <a:noFill/>
+              </a:ln>
+            </p:spPr>
+            <p:txBody>
+              <a:bodyPr/>
+              <a:lstStyle/>
+              <a:p>
+                <a:r>
+                  <a:rPr lang="en-US">
+                    <a:noFill/>
+                  </a:rPr>
+                  <a:t> </a:t>
+                </a:r>
+              </a:p>
+            </p:txBody>
+          </p:sp>
+        </mc:Fallback>
+      </mc:AlternateContent>
+      <mc:AlternateContent xmlns:mc="http://schemas.openxmlformats.org/markup-compatibility/2006">
+        <mc:Choice xmlns:a14="http://schemas.microsoft.com/office/drawing/2010/main" Requires="a14">
+          <p:sp>
+            <p:nvSpPr>
+              <p:cNvPr id="138" name="Rectangle 137">
+                <a:extLst>
+                  <a:ext uri="{FF2B5EF4-FFF2-40B4-BE49-F238E27FC236}">
+                    <a16:creationId xmlns:a16="http://schemas.microsoft.com/office/drawing/2014/main" id="{BD65DE65-3DE8-4B25-BA81-4FD37C53E169}"/>
+                  </a:ext>
+                </a:extLst>
+              </p:cNvPr>
+              <p:cNvSpPr/>
+              <p:nvPr/>
+            </p:nvSpPr>
+            <p:spPr>
+              <a:xfrm>
+                <a:off x="7913813" y="2110225"/>
+                <a:ext cx="274320" cy="215004"/>
+              </a:xfrm>
+              <a:prstGeom prst="rect">
+                <a:avLst/>
+              </a:prstGeom>
+              <a:solidFill>
+                <a:schemeClr val="bg1"/>
+              </a:solidFill>
+              <a:ln>
+                <a:noFill/>
+              </a:ln>
+            </p:spPr>
+            <p:style>
+              <a:lnRef idx="2">
+                <a:schemeClr val="accent1">
+                  <a:shade val="50000"/>
+                </a:schemeClr>
+              </a:lnRef>
+              <a:fillRef idx="1">
+                <a:schemeClr val="accent1"/>
+              </a:fillRef>
+              <a:effectRef idx="0">
+                <a:schemeClr val="accent1"/>
+              </a:effectRef>
+              <a:fontRef idx="minor">
+                <a:schemeClr val="lt1"/>
+              </a:fontRef>
+            </p:style>
+            <p:txBody>
+              <a:bodyPr rtlCol="0" anchor="ctr"/>
+              <a:lstStyle/>
+              <a:p>
+                <a:pPr algn="ctr"/>
+                <a14:m>
+                  <m:oMathPara xmlns:m="http://schemas.openxmlformats.org/officeDocument/2006/math">
+                    <m:oMathParaPr>
+                      <m:jc m:val="centerGroup"/>
+                    </m:oMathParaPr>
+                    <m:oMath xmlns:m="http://schemas.openxmlformats.org/officeDocument/2006/math">
+                      <m:sSub>
+                        <m:sSubPr>
+                          <m:ctrlPr>
+                            <a:rPr lang="en-US" b="1" i="1" smtClean="0">
+                              <a:solidFill>
+                                <a:sysClr val="windowText" lastClr="000000"/>
+                              </a:solidFill>
+                              <a:latin typeface="Cambria Math" panose="02040503050406030204" pitchFamily="18" charset="0"/>
+                            </a:rPr>
+                          </m:ctrlPr>
+                        </m:sSubPr>
+                        <m:e>
+                          <m:r>
+                            <a:rPr lang="en-US" b="1" i="1" smtClean="0">
+                              <a:solidFill>
+                                <a:sysClr val="windowText" lastClr="000000"/>
+                              </a:solidFill>
+                              <a:latin typeface="Cambria Math" panose="02040503050406030204" pitchFamily="18" charset="0"/>
+                            </a:rPr>
+                            <m:t>𝒈</m:t>
+                          </m:r>
+                        </m:e>
+                        <m:sub>
+                          <m:r>
+                            <a:rPr lang="en-US" b="1" i="1" smtClean="0">
+                              <a:solidFill>
+                                <a:sysClr val="windowText" lastClr="000000"/>
+                              </a:solidFill>
+                              <a:latin typeface="Cambria Math" panose="02040503050406030204" pitchFamily="18" charset="0"/>
+                            </a:rPr>
+                            <m:t>𝟏</m:t>
+                          </m:r>
+                        </m:sub>
+                      </m:sSub>
+                    </m:oMath>
+                  </m:oMathPara>
+                </a14:m>
+                <a:endParaRPr lang="en-US" b="1" dirty="0">
+                  <a:solidFill>
+                    <a:sysClr val="windowText" lastClr="000000"/>
+                  </a:solidFill>
+                </a:endParaRPr>
+              </a:p>
+            </p:txBody>
+          </p:sp>
+        </mc:Choice>
+        <mc:Fallback>
+          <p:sp>
+            <p:nvSpPr>
+              <p:cNvPr id="138" name="Rectangle 137">
+                <a:extLst>
+                  <a:ext uri="{FF2B5EF4-FFF2-40B4-BE49-F238E27FC236}">
+                    <a16:creationId xmlns:a16="http://schemas.microsoft.com/office/drawing/2014/main" id="{BD65DE65-3DE8-4B25-BA81-4FD37C53E169}"/>
+                  </a:ext>
+                </a:extLst>
+              </p:cNvPr>
+              <p:cNvSpPr>
+                <a:spLocks noRot="1" noChangeAspect="1" noMove="1" noResize="1" noEditPoints="1" noAdjustHandles="1" noChangeArrowheads="1" noChangeShapeType="1" noTextEdit="1"/>
+              </p:cNvSpPr>
+              <p:nvPr/>
+            </p:nvSpPr>
+            <p:spPr>
+              <a:xfrm>
+                <a:off x="7913813" y="2110225"/>
+                <a:ext cx="274320" cy="215004"/>
+              </a:xfrm>
+              <a:prstGeom prst="rect">
+                <a:avLst/>
+              </a:prstGeom>
+              <a:blipFill>
+                <a:blip r:embed="rId19"/>
+                <a:stretch>
+                  <a:fillRect l="-37778" r="-11111" b="-48571"/>
+                </a:stretch>
+              </a:blipFill>
+              <a:ln>
+                <a:noFill/>
+              </a:ln>
+            </p:spPr>
+            <p:txBody>
+              <a:bodyPr/>
+              <a:lstStyle/>
+              <a:p>
+                <a:r>
+                  <a:rPr lang="en-US">
+                    <a:noFill/>
+                  </a:rPr>
+                  <a:t> </a:t>
+                </a:r>
+              </a:p>
+            </p:txBody>
+          </p:sp>
+        </mc:Fallback>
+      </mc:AlternateContent>
+      <mc:AlternateContent xmlns:mc="http://schemas.openxmlformats.org/markup-compatibility/2006">
+        <mc:Choice xmlns:a14="http://schemas.microsoft.com/office/drawing/2010/main" Requires="a14">
+          <p:sp>
+            <p:nvSpPr>
+              <p:cNvPr id="139" name="Rectangle 138">
+                <a:extLst>
+                  <a:ext uri="{FF2B5EF4-FFF2-40B4-BE49-F238E27FC236}">
+                    <a16:creationId xmlns:a16="http://schemas.microsoft.com/office/drawing/2014/main" id="{6A9F77EA-5A9D-4B94-B3BE-56A5E5881F50}"/>
+                  </a:ext>
+                </a:extLst>
+              </p:cNvPr>
+              <p:cNvSpPr/>
+              <p:nvPr/>
+            </p:nvSpPr>
+            <p:spPr>
+              <a:xfrm>
+                <a:off x="7521521" y="1044793"/>
+                <a:ext cx="274320" cy="215004"/>
+              </a:xfrm>
+              <a:prstGeom prst="rect">
+                <a:avLst/>
+              </a:prstGeom>
+              <a:solidFill>
+                <a:schemeClr val="bg1"/>
+              </a:solidFill>
+              <a:ln>
+                <a:noFill/>
+              </a:ln>
+            </p:spPr>
+            <p:style>
+              <a:lnRef idx="2">
+                <a:schemeClr val="accent1">
+                  <a:shade val="50000"/>
+                </a:schemeClr>
+              </a:lnRef>
+              <a:fillRef idx="1">
+                <a:schemeClr val="accent1"/>
+              </a:fillRef>
+              <a:effectRef idx="0">
+                <a:schemeClr val="accent1"/>
+              </a:effectRef>
+              <a:fontRef idx="minor">
+                <a:schemeClr val="lt1"/>
+              </a:fontRef>
+            </p:style>
+            <p:txBody>
+              <a:bodyPr rtlCol="0" anchor="ctr"/>
+              <a:lstStyle/>
+              <a:p>
+                <a:pPr algn="ctr"/>
+                <a14:m>
+                  <m:oMathPara xmlns:m="http://schemas.openxmlformats.org/officeDocument/2006/math">
+                    <m:oMathParaPr>
+                      <m:jc m:val="centerGroup"/>
+                    </m:oMathParaPr>
+                    <m:oMath xmlns:m="http://schemas.openxmlformats.org/officeDocument/2006/math">
+                      <m:sSub>
+                        <m:sSubPr>
+                          <m:ctrlPr>
+                            <a:rPr lang="en-US" b="1" i="1" smtClean="0">
+                              <a:solidFill>
+                                <a:sysClr val="windowText" lastClr="000000"/>
+                              </a:solidFill>
+                              <a:latin typeface="Cambria Math" panose="02040503050406030204" pitchFamily="18" charset="0"/>
+                            </a:rPr>
+                          </m:ctrlPr>
+                        </m:sSubPr>
+                        <m:e>
+                          <m:r>
+                            <a:rPr lang="en-US" b="1" i="1" smtClean="0">
+                              <a:solidFill>
+                                <a:sysClr val="windowText" lastClr="000000"/>
+                              </a:solidFill>
+                              <a:latin typeface="Cambria Math" panose="02040503050406030204" pitchFamily="18" charset="0"/>
+                            </a:rPr>
+                            <m:t>𝒈</m:t>
+                          </m:r>
+                        </m:e>
+                        <m:sub>
+                          <m:r>
+                            <a:rPr lang="en-US" b="1" i="1" smtClean="0">
+                              <a:solidFill>
+                                <a:sysClr val="windowText" lastClr="000000"/>
+                              </a:solidFill>
+                              <a:latin typeface="Cambria Math" panose="02040503050406030204" pitchFamily="18" charset="0"/>
+                            </a:rPr>
+                            <m:t>𝟐</m:t>
+                          </m:r>
+                        </m:sub>
+                      </m:sSub>
+                    </m:oMath>
+                  </m:oMathPara>
+                </a14:m>
+                <a:endParaRPr lang="en-US" b="1" dirty="0">
+                  <a:solidFill>
+                    <a:sysClr val="windowText" lastClr="000000"/>
+                  </a:solidFill>
+                </a:endParaRPr>
+              </a:p>
+            </p:txBody>
+          </p:sp>
+        </mc:Choice>
+        <mc:Fallback>
+          <p:sp>
+            <p:nvSpPr>
+              <p:cNvPr id="139" name="Rectangle 138">
+                <a:extLst>
+                  <a:ext uri="{FF2B5EF4-FFF2-40B4-BE49-F238E27FC236}">
+                    <a16:creationId xmlns:a16="http://schemas.microsoft.com/office/drawing/2014/main" id="{6A9F77EA-5A9D-4B94-B3BE-56A5E5881F50}"/>
+                  </a:ext>
+                </a:extLst>
+              </p:cNvPr>
+              <p:cNvSpPr>
+                <a:spLocks noRot="1" noChangeAspect="1" noMove="1" noResize="1" noEditPoints="1" noAdjustHandles="1" noChangeArrowheads="1" noChangeShapeType="1" noTextEdit="1"/>
+              </p:cNvSpPr>
+              <p:nvPr/>
+            </p:nvSpPr>
+            <p:spPr>
+              <a:xfrm>
+                <a:off x="7521521" y="1044793"/>
+                <a:ext cx="274320" cy="215004"/>
+              </a:xfrm>
+              <a:prstGeom prst="rect">
+                <a:avLst/>
+              </a:prstGeom>
+              <a:blipFill>
+                <a:blip r:embed="rId20"/>
+                <a:stretch>
+                  <a:fillRect l="-40000" r="-8889" b="-47222"/>
+                </a:stretch>
+              </a:blipFill>
+              <a:ln>
+                <a:noFill/>
+              </a:ln>
+            </p:spPr>
+            <p:txBody>
+              <a:bodyPr/>
+              <a:lstStyle/>
+              <a:p>
+                <a:r>
+                  <a:rPr lang="en-US">
+                    <a:noFill/>
+                  </a:rPr>
+                  <a:t> </a:t>
+                </a:r>
+              </a:p>
+            </p:txBody>
+          </p:sp>
+        </mc:Fallback>
+      </mc:AlternateContent>
+      <mc:AlternateContent xmlns:mc="http://schemas.openxmlformats.org/markup-compatibility/2006">
+        <mc:Choice xmlns:a14="http://schemas.microsoft.com/office/drawing/2010/main" Requires="a14">
+          <p:sp>
+            <p:nvSpPr>
+              <p:cNvPr id="140" name="Oval 139">
+                <a:extLst>
+                  <a:ext uri="{FF2B5EF4-FFF2-40B4-BE49-F238E27FC236}">
+                    <a16:creationId xmlns:a16="http://schemas.microsoft.com/office/drawing/2014/main" id="{5FE473C5-E5EE-4FEE-85A8-7619DE8E03FA}"/>
+                  </a:ext>
+                </a:extLst>
+              </p:cNvPr>
+              <p:cNvSpPr>
+                <a:spLocks noChangeAspect="1"/>
+              </p:cNvSpPr>
+              <p:nvPr/>
+            </p:nvSpPr>
+            <p:spPr>
+              <a:xfrm>
+                <a:off x="7126006" y="1447138"/>
+                <a:ext cx="294652" cy="294652"/>
+              </a:xfrm>
+              <a:prstGeom prst="ellipse">
+                <a:avLst/>
+              </a:prstGeom>
+              <a:solidFill>
+                <a:srgbClr val="93D04F"/>
+              </a:solidFill>
+              <a:ln>
+                <a:noFill/>
+              </a:ln>
+            </p:spPr>
+            <p:style>
+              <a:lnRef idx="2">
+                <a:schemeClr val="accent1">
+                  <a:shade val="50000"/>
+                </a:schemeClr>
+              </a:lnRef>
+              <a:fillRef idx="1">
+                <a:schemeClr val="accent1"/>
+              </a:fillRef>
+              <a:effectRef idx="0">
+                <a:schemeClr val="accent1"/>
+              </a:effectRef>
+              <a:fontRef idx="minor">
+                <a:schemeClr val="lt1"/>
+              </a:fontRef>
+            </p:style>
+            <p:txBody>
+              <a:bodyPr rot="0" spcFirstLastPara="0" vertOverflow="overflow" horzOverflow="overflow" vert="horz" wrap="square" lIns="91440" tIns="45720" rIns="91440" bIns="45720" numCol="1" spcCol="0" rtlCol="0" fromWordArt="0" anchor="ctr" anchorCtr="0" forceAA="0" compatLnSpc="1">
+                <a:prstTxWarp prst="textNoShape">
+                  <a:avLst/>
+                </a:prstTxWarp>
+                <a:noAutofit/>
+              </a:bodyPr>
+              <a:lstStyle/>
+              <a:p>
+                <a:pPr algn="ctr"/>
+                <a14:m>
+                  <m:oMathPara xmlns:m="http://schemas.openxmlformats.org/officeDocument/2006/math">
+                    <m:oMathParaPr>
+                      <m:jc m:val="center"/>
+                    </m:oMathParaPr>
+                    <m:oMath xmlns:m="http://schemas.openxmlformats.org/officeDocument/2006/math">
+                      <m:r>
+                        <a:rPr lang="en-US" b="1" i="1" smtClean="0">
+                          <a:solidFill>
+                            <a:sysClr val="windowText" lastClr="000000"/>
+                          </a:solidFill>
+                          <a:latin typeface="Cambria Math" panose="02040503050406030204" pitchFamily="18" charset="0"/>
+                        </a:rPr>
+                        <m:t>𝒂</m:t>
+                      </m:r>
+                    </m:oMath>
+                  </m:oMathPara>
+                </a14:m>
+                <a:endParaRPr lang="en-US" b="1" i="1" dirty="0">
+                  <a:solidFill>
+                    <a:sysClr val="windowText" lastClr="000000"/>
+                  </a:solidFill>
+                  <a:latin typeface="Cambria Math" panose="02040503050406030204" pitchFamily="18" charset="0"/>
+                </a:endParaRPr>
+              </a:p>
+            </p:txBody>
+          </p:sp>
+        </mc:Choice>
+        <mc:Fallback>
+          <p:sp>
+            <p:nvSpPr>
+              <p:cNvPr id="140" name="Oval 139">
+                <a:extLst>
+                  <a:ext uri="{FF2B5EF4-FFF2-40B4-BE49-F238E27FC236}">
+                    <a16:creationId xmlns:a16="http://schemas.microsoft.com/office/drawing/2014/main" id="{5FE473C5-E5EE-4FEE-85A8-7619DE8E03FA}"/>
+                  </a:ext>
+                </a:extLst>
+              </p:cNvPr>
+              <p:cNvSpPr>
+                <a:spLocks noRot="1" noChangeAspect="1" noMove="1" noResize="1" noEditPoints="1" noAdjustHandles="1" noChangeArrowheads="1" noChangeShapeType="1" noTextEdit="1"/>
+              </p:cNvSpPr>
+              <p:nvPr/>
+            </p:nvSpPr>
+            <p:spPr>
+              <a:xfrm>
+                <a:off x="7126006" y="1447138"/>
+                <a:ext cx="294652" cy="294652"/>
+              </a:xfrm>
+              <a:prstGeom prst="ellipse">
+                <a:avLst/>
+              </a:prstGeom>
+              <a:blipFill>
+                <a:blip r:embed="rId21"/>
+                <a:stretch>
+                  <a:fillRect l="-2083"/>
+                </a:stretch>
+              </a:blipFill>
+              <a:ln>
+                <a:noFill/>
+              </a:ln>
+            </p:spPr>
+            <p:txBody>
+              <a:bodyPr/>
+              <a:lstStyle/>
+              <a:p>
+                <a:r>
+                  <a:rPr lang="en-US">
+                    <a:noFill/>
+                  </a:rPr>
+                  <a:t> </a:t>
+                </a:r>
+              </a:p>
+            </p:txBody>
+          </p:sp>
+        </mc:Fallback>
+      </mc:AlternateContent>
+      <mc:AlternateContent xmlns:mc="http://schemas.openxmlformats.org/markup-compatibility/2006">
+        <mc:Choice xmlns:a14="http://schemas.microsoft.com/office/drawing/2010/main" Requires="a14">
+          <p:sp>
+            <p:nvSpPr>
+              <p:cNvPr id="141" name="Rectangle 140">
+                <a:extLst>
+                  <a:ext uri="{FF2B5EF4-FFF2-40B4-BE49-F238E27FC236}">
+                    <a16:creationId xmlns:a16="http://schemas.microsoft.com/office/drawing/2014/main" id="{838FACF2-F97B-4A96-8D2B-CBE3358F720E}"/>
+                  </a:ext>
+                </a:extLst>
+              </p:cNvPr>
+              <p:cNvSpPr/>
+              <p:nvPr/>
+            </p:nvSpPr>
+            <p:spPr>
+              <a:xfrm>
+                <a:off x="8180581" y="1417958"/>
+                <a:ext cx="274320" cy="215004"/>
+              </a:xfrm>
+              <a:prstGeom prst="rect">
+                <a:avLst/>
+              </a:prstGeom>
+              <a:solidFill>
+                <a:schemeClr val="bg1"/>
+              </a:solidFill>
+              <a:ln>
+                <a:noFill/>
+              </a:ln>
+            </p:spPr>
+            <p:style>
+              <a:lnRef idx="2">
+                <a:schemeClr val="accent1">
+                  <a:shade val="50000"/>
+                </a:schemeClr>
+              </a:lnRef>
+              <a:fillRef idx="1">
+                <a:schemeClr val="accent1"/>
+              </a:fillRef>
+              <a:effectRef idx="0">
+                <a:schemeClr val="accent1"/>
+              </a:effectRef>
+              <a:fontRef idx="minor">
+                <a:schemeClr val="lt1"/>
+              </a:fontRef>
+            </p:style>
+            <p:txBody>
+              <a:bodyPr rtlCol="0" anchor="ctr"/>
+              <a:lstStyle/>
+              <a:p>
+                <a:pPr algn="ctr"/>
+                <a14:m>
+                  <m:oMathPara xmlns:m="http://schemas.openxmlformats.org/officeDocument/2006/math">
+                    <m:oMathParaPr>
+                      <m:jc m:val="centerGroup"/>
+                    </m:oMathParaPr>
+                    <m:oMath xmlns:m="http://schemas.openxmlformats.org/officeDocument/2006/math">
+                      <m:sSub>
+                        <m:sSubPr>
+                          <m:ctrlPr>
+                            <a:rPr lang="en-US" b="1" i="1" smtClean="0">
+                              <a:solidFill>
+                                <a:sysClr val="windowText" lastClr="000000"/>
+                              </a:solidFill>
+                              <a:latin typeface="Cambria Math" panose="02040503050406030204" pitchFamily="18" charset="0"/>
+                            </a:rPr>
+                          </m:ctrlPr>
+                        </m:sSubPr>
+                        <m:e>
+                          <m:r>
+                            <a:rPr lang="en-US" b="1" i="1" smtClean="0">
+                              <a:solidFill>
+                                <a:sysClr val="windowText" lastClr="000000"/>
+                              </a:solidFill>
+                              <a:latin typeface="Cambria Math" panose="02040503050406030204" pitchFamily="18" charset="0"/>
+                            </a:rPr>
+                            <m:t>𝒈</m:t>
+                          </m:r>
+                        </m:e>
+                        <m:sub>
+                          <m:r>
+                            <a:rPr lang="en-US" b="1" i="1" smtClean="0">
+                              <a:solidFill>
+                                <a:sysClr val="windowText" lastClr="000000"/>
+                              </a:solidFill>
+                              <a:latin typeface="Cambria Math" panose="02040503050406030204" pitchFamily="18" charset="0"/>
+                            </a:rPr>
+                            <m:t>𝟑</m:t>
+                          </m:r>
+                        </m:sub>
+                      </m:sSub>
+                    </m:oMath>
+                  </m:oMathPara>
+                </a14:m>
+                <a:endParaRPr lang="en-US" b="1" dirty="0">
+                  <a:solidFill>
+                    <a:sysClr val="windowText" lastClr="000000"/>
+                  </a:solidFill>
+                </a:endParaRPr>
+              </a:p>
+            </p:txBody>
+          </p:sp>
+        </mc:Choice>
+        <mc:Fallback>
+          <p:sp>
+            <p:nvSpPr>
+              <p:cNvPr id="141" name="Rectangle 140">
+                <a:extLst>
+                  <a:ext uri="{FF2B5EF4-FFF2-40B4-BE49-F238E27FC236}">
+                    <a16:creationId xmlns:a16="http://schemas.microsoft.com/office/drawing/2014/main" id="{838FACF2-F97B-4A96-8D2B-CBE3358F720E}"/>
+                  </a:ext>
+                </a:extLst>
+              </p:cNvPr>
+              <p:cNvSpPr>
+                <a:spLocks noRot="1" noChangeAspect="1" noMove="1" noResize="1" noEditPoints="1" noAdjustHandles="1" noChangeArrowheads="1" noChangeShapeType="1" noTextEdit="1"/>
+              </p:cNvSpPr>
+              <p:nvPr/>
+            </p:nvSpPr>
+            <p:spPr>
+              <a:xfrm>
+                <a:off x="8180581" y="1417958"/>
+                <a:ext cx="274320" cy="215004"/>
+              </a:xfrm>
+              <a:prstGeom prst="rect">
+                <a:avLst/>
+              </a:prstGeom>
+              <a:blipFill>
+                <a:blip r:embed="rId22"/>
+                <a:stretch>
+                  <a:fillRect l="-37778" r="-11111" b="-48571"/>
+                </a:stretch>
+              </a:blipFill>
+              <a:ln>
+                <a:noFill/>
+              </a:ln>
+            </p:spPr>
+            <p:txBody>
+              <a:bodyPr/>
+              <a:lstStyle/>
+              <a:p>
+                <a:r>
+                  <a:rPr lang="en-US">
+                    <a:noFill/>
+                  </a:rPr>
+                  <a:t> </a:t>
+                </a:r>
+              </a:p>
+            </p:txBody>
+          </p:sp>
+        </mc:Fallback>
+      </mc:AlternateContent>
+      <mc:AlternateContent xmlns:mc="http://schemas.openxmlformats.org/markup-compatibility/2006">
+        <mc:Choice xmlns:a14="http://schemas.microsoft.com/office/drawing/2010/main" Requires="a14">
+          <p:sp>
+            <p:nvSpPr>
+              <p:cNvPr id="142" name="Oval 141">
+                <a:extLst>
+                  <a:ext uri="{FF2B5EF4-FFF2-40B4-BE49-F238E27FC236}">
+                    <a16:creationId xmlns:a16="http://schemas.microsoft.com/office/drawing/2014/main" id="{0D3B7078-870A-4103-9195-AC9EB57A3101}"/>
+                  </a:ext>
+                </a:extLst>
+              </p:cNvPr>
+              <p:cNvSpPr>
+                <a:spLocks noChangeAspect="1"/>
+              </p:cNvSpPr>
+              <p:nvPr/>
+            </p:nvSpPr>
+            <p:spPr>
+              <a:xfrm>
+                <a:off x="7673443" y="3643349"/>
+                <a:ext cx="294652" cy="294652"/>
+              </a:xfrm>
+              <a:prstGeom prst="ellipse">
+                <a:avLst/>
+              </a:prstGeom>
+              <a:solidFill>
+                <a:srgbClr val="93D04F"/>
+              </a:solidFill>
+              <a:ln>
+                <a:noFill/>
+              </a:ln>
+            </p:spPr>
+            <p:style>
+              <a:lnRef idx="2">
+                <a:schemeClr val="accent1">
+                  <a:shade val="50000"/>
+                </a:schemeClr>
+              </a:lnRef>
+              <a:fillRef idx="1">
+                <a:schemeClr val="accent1"/>
+              </a:fillRef>
+              <a:effectRef idx="0">
+                <a:schemeClr val="accent1"/>
+              </a:effectRef>
+              <a:fontRef idx="minor">
+                <a:schemeClr val="lt1"/>
+              </a:fontRef>
+            </p:style>
+            <p:txBody>
+              <a:bodyPr rot="0" spcFirstLastPara="0" vertOverflow="overflow" horzOverflow="overflow" vert="horz" wrap="square" lIns="91440" tIns="45720" rIns="91440" bIns="45720" numCol="1" spcCol="0" rtlCol="0" fromWordArt="0" anchor="ctr" anchorCtr="0" forceAA="0" compatLnSpc="1">
+                <a:prstTxWarp prst="textNoShape">
+                  <a:avLst/>
+                </a:prstTxWarp>
+                <a:noAutofit/>
+              </a:bodyPr>
+              <a:lstStyle/>
+              <a:p>
+                <a:pPr algn="ctr"/>
+                <a14:m>
+                  <m:oMathPara xmlns:m="http://schemas.openxmlformats.org/officeDocument/2006/math">
+                    <m:oMathParaPr>
+                      <m:jc m:val="center"/>
+                    </m:oMathParaPr>
+                    <m:oMath xmlns:m="http://schemas.openxmlformats.org/officeDocument/2006/math">
+                      <m:r>
+                        <a:rPr lang="en-US" b="1" i="1" smtClean="0">
+                          <a:solidFill>
+                            <a:sysClr val="windowText" lastClr="000000"/>
+                          </a:solidFill>
+                          <a:latin typeface="Cambria Math" panose="02040503050406030204" pitchFamily="18" charset="0"/>
+                        </a:rPr>
+                        <m:t>𝒂</m:t>
+                      </m:r>
+                    </m:oMath>
+                  </m:oMathPara>
+                </a14:m>
+                <a:endParaRPr lang="en-US" b="1" i="1" dirty="0">
+                  <a:solidFill>
+                    <a:sysClr val="windowText" lastClr="000000"/>
+                  </a:solidFill>
+                  <a:latin typeface="Cambria Math" panose="02040503050406030204" pitchFamily="18" charset="0"/>
+                </a:endParaRPr>
+              </a:p>
+            </p:txBody>
+          </p:sp>
+        </mc:Choice>
+        <mc:Fallback>
+          <p:sp>
+            <p:nvSpPr>
+              <p:cNvPr id="142" name="Oval 141">
+                <a:extLst>
+                  <a:ext uri="{FF2B5EF4-FFF2-40B4-BE49-F238E27FC236}">
+                    <a16:creationId xmlns:a16="http://schemas.microsoft.com/office/drawing/2014/main" id="{0D3B7078-870A-4103-9195-AC9EB57A3101}"/>
+                  </a:ext>
+                </a:extLst>
+              </p:cNvPr>
+              <p:cNvSpPr>
+                <a:spLocks noRot="1" noChangeAspect="1" noMove="1" noResize="1" noEditPoints="1" noAdjustHandles="1" noChangeArrowheads="1" noChangeShapeType="1" noTextEdit="1"/>
+              </p:cNvSpPr>
+              <p:nvPr/>
+            </p:nvSpPr>
+            <p:spPr>
+              <a:xfrm>
+                <a:off x="7673443" y="3643349"/>
+                <a:ext cx="294652" cy="294652"/>
+              </a:xfrm>
+              <a:prstGeom prst="ellipse">
+                <a:avLst/>
+              </a:prstGeom>
+              <a:blipFill>
+                <a:blip r:embed="rId23"/>
+                <a:stretch>
+                  <a:fillRect l="-4167"/>
+                </a:stretch>
+              </a:blipFill>
+              <a:ln>
+                <a:noFill/>
+              </a:ln>
+            </p:spPr>
+            <p:txBody>
+              <a:bodyPr/>
+              <a:lstStyle/>
+              <a:p>
+                <a:r>
+                  <a:rPr lang="en-US">
+                    <a:noFill/>
+                  </a:rPr>
+                  <a:t> </a:t>
+                </a:r>
+              </a:p>
+            </p:txBody>
+          </p:sp>
+        </mc:Fallback>
+      </mc:AlternateContent>
+      <p:sp>
+        <p:nvSpPr>
+          <p:cNvPr id="143" name="Arrow: Right 142">
+            <a:extLst>
+              <a:ext uri="{FF2B5EF4-FFF2-40B4-BE49-F238E27FC236}">
+                <a16:creationId xmlns:a16="http://schemas.microsoft.com/office/drawing/2014/main" id="{7FB89A68-0FBA-4CC5-824F-2BE61481E81B}"/>
+              </a:ext>
+            </a:extLst>
+          </p:cNvPr>
+          <p:cNvSpPr/>
+          <p:nvPr/>
+        </p:nvSpPr>
+        <p:spPr>
+          <a:xfrm>
+            <a:off x="7407945" y="1524949"/>
+            <a:ext cx="182880" cy="172186"/>
+          </a:xfrm>
+          <a:prstGeom prst="rightArrow">
+            <a:avLst/>
+          </a:prstGeom>
+          <a:solidFill>
+            <a:schemeClr val="accent6">
+              <a:lumMod val="75000"/>
+            </a:schemeClr>
+          </a:solidFill>
+          <a:ln>
+            <a:solidFill>
+              <a:schemeClr val="bg1"/>
+            </a:solidFill>
+          </a:ln>
+        </p:spPr>
+        <p:style>
+          <a:lnRef idx="2">
+            <a:schemeClr val="accent1">
+              <a:shade val="50000"/>
+            </a:schemeClr>
+          </a:lnRef>
+          <a:fillRef idx="1">
+            <a:schemeClr val="accent1"/>
+          </a:fillRef>
+          <a:effectRef idx="0">
+            <a:schemeClr val="accent1"/>
+          </a:effectRef>
+          <a:fontRef idx="minor">
+            <a:schemeClr val="lt1"/>
+          </a:fontRef>
+        </p:style>
+        <p:txBody>
+          <a:bodyPr rtlCol="0" anchor="ctr"/>
+          <a:lstStyle/>
+          <a:p>
+            <a:pPr algn="ctr"/>
+            <a:endParaRPr lang="en-US"/>
+          </a:p>
+        </p:txBody>
+      </p:sp>
+      <p:sp>
+        <p:nvSpPr>
+          <p:cNvPr id="144" name="Arrow: Right 143">
+            <a:extLst>
+              <a:ext uri="{FF2B5EF4-FFF2-40B4-BE49-F238E27FC236}">
+                <a16:creationId xmlns:a16="http://schemas.microsoft.com/office/drawing/2014/main" id="{90F05AB6-E212-42EA-8F2E-B8B213ADDB26}"/>
+              </a:ext>
+            </a:extLst>
+          </p:cNvPr>
+          <p:cNvSpPr/>
+          <p:nvPr/>
+        </p:nvSpPr>
+        <p:spPr>
+          <a:xfrm rot="5400000">
+            <a:off x="7495493" y="1666785"/>
+            <a:ext cx="182880" cy="172186"/>
+          </a:xfrm>
+          <a:prstGeom prst="rightArrow">
+            <a:avLst/>
+          </a:prstGeom>
+          <a:solidFill>
+            <a:schemeClr val="accent6">
+              <a:lumMod val="75000"/>
+            </a:schemeClr>
+          </a:solidFill>
+          <a:ln>
+            <a:solidFill>
+              <a:schemeClr val="bg1"/>
+            </a:solidFill>
+          </a:ln>
+        </p:spPr>
+        <p:style>
+          <a:lnRef idx="2">
+            <a:schemeClr val="accent1">
+              <a:shade val="50000"/>
+            </a:schemeClr>
+          </a:lnRef>
+          <a:fillRef idx="1">
+            <a:schemeClr val="accent1"/>
+          </a:fillRef>
+          <a:effectRef idx="0">
+            <a:schemeClr val="accent1"/>
+          </a:effectRef>
+          <a:fontRef idx="minor">
+            <a:schemeClr val="lt1"/>
+          </a:fontRef>
+        </p:style>
+        <p:txBody>
+          <a:bodyPr rtlCol="0" anchor="ctr"/>
+          <a:lstStyle/>
+          <a:p>
+            <a:pPr algn="ctr"/>
+            <a:endParaRPr lang="en-US"/>
+          </a:p>
+        </p:txBody>
+      </p:sp>
+      <p:sp>
+        <p:nvSpPr>
+          <p:cNvPr id="145" name="Arrow: Right 144">
+            <a:extLst>
+              <a:ext uri="{FF2B5EF4-FFF2-40B4-BE49-F238E27FC236}">
+                <a16:creationId xmlns:a16="http://schemas.microsoft.com/office/drawing/2014/main" id="{A2B16259-E472-4AC8-870D-63172C435BF1}"/>
+              </a:ext>
+            </a:extLst>
+          </p:cNvPr>
+          <p:cNvSpPr/>
+          <p:nvPr/>
+        </p:nvSpPr>
+        <p:spPr>
+          <a:xfrm>
+            <a:off x="7569771" y="1799898"/>
+            <a:ext cx="182880" cy="172186"/>
+          </a:xfrm>
+          <a:prstGeom prst="rightArrow">
+            <a:avLst/>
+          </a:prstGeom>
+          <a:solidFill>
+            <a:schemeClr val="accent6">
+              <a:lumMod val="75000"/>
+            </a:schemeClr>
+          </a:solidFill>
+          <a:ln>
+            <a:solidFill>
+              <a:schemeClr val="bg1"/>
+            </a:solidFill>
+          </a:ln>
+        </p:spPr>
+        <p:style>
+          <a:lnRef idx="2">
+            <a:schemeClr val="accent1">
+              <a:shade val="50000"/>
+            </a:schemeClr>
+          </a:lnRef>
+          <a:fillRef idx="1">
+            <a:schemeClr val="accent1"/>
+          </a:fillRef>
+          <a:effectRef idx="0">
+            <a:schemeClr val="accent1"/>
+          </a:effectRef>
+          <a:fontRef idx="minor">
+            <a:schemeClr val="lt1"/>
+          </a:fontRef>
+        </p:style>
+        <p:txBody>
+          <a:bodyPr rtlCol="0" anchor="ctr"/>
+          <a:lstStyle/>
+          <a:p>
+            <a:pPr algn="ctr"/>
+            <a:endParaRPr lang="en-US"/>
+          </a:p>
+        </p:txBody>
+      </p:sp>
+      <p:sp>
+        <p:nvSpPr>
+          <p:cNvPr id="146" name="Arrow: Right 145">
+            <a:extLst>
+              <a:ext uri="{FF2B5EF4-FFF2-40B4-BE49-F238E27FC236}">
+                <a16:creationId xmlns:a16="http://schemas.microsoft.com/office/drawing/2014/main" id="{6BBF9030-123F-43CE-870B-25C835184B86}"/>
+              </a:ext>
+            </a:extLst>
+          </p:cNvPr>
+          <p:cNvSpPr/>
+          <p:nvPr/>
+        </p:nvSpPr>
+        <p:spPr>
+          <a:xfrm>
+            <a:off x="7788160" y="1810894"/>
+            <a:ext cx="182880" cy="172186"/>
+          </a:xfrm>
+          <a:prstGeom prst="rightArrow">
+            <a:avLst/>
+          </a:prstGeom>
+          <a:solidFill>
+            <a:schemeClr val="accent6">
+              <a:lumMod val="75000"/>
+            </a:schemeClr>
+          </a:solidFill>
+          <a:ln>
+            <a:solidFill>
+              <a:schemeClr val="bg1"/>
+            </a:solidFill>
+          </a:ln>
+        </p:spPr>
+        <p:style>
+          <a:lnRef idx="2">
+            <a:schemeClr val="accent1">
+              <a:shade val="50000"/>
+            </a:schemeClr>
+          </a:lnRef>
+          <a:fillRef idx="1">
+            <a:schemeClr val="accent1"/>
+          </a:fillRef>
+          <a:effectRef idx="0">
+            <a:schemeClr val="accent1"/>
+          </a:effectRef>
+          <a:fontRef idx="minor">
+            <a:schemeClr val="lt1"/>
+          </a:fontRef>
+        </p:style>
+        <p:txBody>
+          <a:bodyPr rtlCol="0" anchor="ctr"/>
+          <a:lstStyle/>
+          <a:p>
+            <a:pPr algn="ctr"/>
+            <a:endParaRPr lang="en-US"/>
+          </a:p>
+        </p:txBody>
+      </p:sp>
+      <p:sp>
+        <p:nvSpPr>
+          <p:cNvPr id="147" name="Arrow: Right 146">
+            <a:extLst>
+              <a:ext uri="{FF2B5EF4-FFF2-40B4-BE49-F238E27FC236}">
+                <a16:creationId xmlns:a16="http://schemas.microsoft.com/office/drawing/2014/main" id="{5209B668-DB22-4749-8D3B-3977DF24217B}"/>
+              </a:ext>
+            </a:extLst>
+          </p:cNvPr>
+          <p:cNvSpPr/>
+          <p:nvPr/>
+        </p:nvSpPr>
+        <p:spPr>
+          <a:xfrm>
+            <a:off x="8014400" y="1810895"/>
+            <a:ext cx="182880" cy="172186"/>
+          </a:xfrm>
+          <a:prstGeom prst="rightArrow">
+            <a:avLst/>
+          </a:prstGeom>
+          <a:solidFill>
+            <a:schemeClr val="accent6">
+              <a:lumMod val="75000"/>
+            </a:schemeClr>
+          </a:solidFill>
+          <a:ln>
+            <a:solidFill>
+              <a:schemeClr val="bg1"/>
+            </a:solidFill>
+          </a:ln>
+        </p:spPr>
+        <p:style>
+          <a:lnRef idx="2">
+            <a:schemeClr val="accent1">
+              <a:shade val="50000"/>
+            </a:schemeClr>
+          </a:lnRef>
+          <a:fillRef idx="1">
+            <a:schemeClr val="accent1"/>
+          </a:fillRef>
+          <a:effectRef idx="0">
+            <a:schemeClr val="accent1"/>
+          </a:effectRef>
+          <a:fontRef idx="minor">
+            <a:schemeClr val="lt1"/>
+          </a:fontRef>
+        </p:style>
+        <p:txBody>
+          <a:bodyPr rtlCol="0" anchor="ctr"/>
+          <a:lstStyle/>
+          <a:p>
+            <a:pPr algn="ctr"/>
+            <a:endParaRPr lang="en-US"/>
+          </a:p>
+        </p:txBody>
+      </p:sp>
+      <p:sp>
+        <p:nvSpPr>
+          <p:cNvPr id="148" name="Arrow: Right 147">
+            <a:extLst>
+              <a:ext uri="{FF2B5EF4-FFF2-40B4-BE49-F238E27FC236}">
+                <a16:creationId xmlns:a16="http://schemas.microsoft.com/office/drawing/2014/main" id="{0C883C51-54C6-4F56-AA84-16CB28FCDA12}"/>
+              </a:ext>
+            </a:extLst>
+          </p:cNvPr>
+          <p:cNvSpPr/>
+          <p:nvPr/>
+        </p:nvSpPr>
+        <p:spPr>
+          <a:xfrm rot="16200000">
+            <a:off x="8155804" y="1688349"/>
+            <a:ext cx="182880" cy="172186"/>
+          </a:xfrm>
+          <a:prstGeom prst="rightArrow">
+            <a:avLst/>
+          </a:prstGeom>
+          <a:solidFill>
+            <a:schemeClr val="accent6">
+              <a:lumMod val="75000"/>
+            </a:schemeClr>
+          </a:solidFill>
+          <a:ln>
+            <a:solidFill>
+              <a:schemeClr val="bg1"/>
+            </a:solidFill>
+          </a:ln>
+        </p:spPr>
+        <p:style>
+          <a:lnRef idx="2">
+            <a:schemeClr val="accent1">
+              <a:shade val="50000"/>
+            </a:schemeClr>
+          </a:lnRef>
+          <a:fillRef idx="1">
+            <a:schemeClr val="accent1"/>
+          </a:fillRef>
+          <a:effectRef idx="0">
+            <a:schemeClr val="accent1"/>
+          </a:effectRef>
+          <a:fontRef idx="minor">
+            <a:schemeClr val="lt1"/>
+          </a:fontRef>
+        </p:style>
+        <p:txBody>
+          <a:bodyPr rtlCol="0" anchor="ctr"/>
+          <a:lstStyle/>
+          <a:p>
+            <a:pPr algn="ctr"/>
+            <a:endParaRPr lang="en-US"/>
+          </a:p>
+        </p:txBody>
+      </p:sp>
+      <mc:AlternateContent xmlns:mc="http://schemas.openxmlformats.org/markup-compatibility/2006">
+        <mc:Choice xmlns:a14="http://schemas.microsoft.com/office/drawing/2010/main" Requires="a14">
+          <p:sp>
+            <p:nvSpPr>
+              <p:cNvPr id="149" name="Rectangle 148">
+                <a:extLst>
+                  <a:ext uri="{FF2B5EF4-FFF2-40B4-BE49-F238E27FC236}">
+                    <a16:creationId xmlns:a16="http://schemas.microsoft.com/office/drawing/2014/main" id="{36DA0F3B-0C27-45FE-8DD7-ED612139E0CB}"/>
+                  </a:ext>
+                </a:extLst>
+              </p:cNvPr>
+              <p:cNvSpPr/>
+              <p:nvPr/>
+            </p:nvSpPr>
+            <p:spPr>
+              <a:xfrm>
+                <a:off x="5877755" y="2326181"/>
+                <a:ext cx="1693541" cy="1200329"/>
+              </a:xfrm>
+              <a:prstGeom prst="rect">
+                <a:avLst/>
+              </a:prstGeom>
+            </p:spPr>
+            <p:txBody>
+              <a:bodyPr wrap="none">
+                <a:spAutoFit/>
+              </a:bodyPr>
+              <a:lstStyle/>
+              <a:p>
+                <a:r>
+                  <a:rPr lang="en-US" sz="2400" dirty="0"/>
+                  <a:t>Inference </a:t>
+                </a:r>
+              </a:p>
+              <a:p>
+                <a:r>
+                  <a:rPr lang="en-US" sz="2400" dirty="0"/>
+                  <a:t>Query State</a:t>
+                </a:r>
+              </a:p>
+              <a:p>
+                <a14:m>
+                  <m:oMathPara xmlns:m="http://schemas.openxmlformats.org/officeDocument/2006/math">
+                    <m:oMathParaPr>
+                      <m:jc m:val="centerGroup"/>
+                    </m:oMathParaPr>
+                    <m:oMath xmlns:m="http://schemas.openxmlformats.org/officeDocument/2006/math">
+                      <m:sSub>
+                        <m:sSubPr>
+                          <m:ctrlPr>
+                            <a:rPr lang="en-US" sz="2400" b="1" i="1">
+                              <a:latin typeface="Cambria Math" panose="02040503050406030204" pitchFamily="18" charset="0"/>
+                            </a:rPr>
+                          </m:ctrlPr>
+                        </m:sSubPr>
+                        <m:e>
+                          <m:r>
+                            <m:rPr>
+                              <m:nor/>
+                            </m:rPr>
+                            <a:rPr lang="en-US" sz="2400" b="1" i="1">
+                              <a:latin typeface="Times New Roman" panose="02020603050405020304" pitchFamily="18" charset="0"/>
+                              <a:ea typeface="PMingLiU" panose="02020500000000000000" pitchFamily="18" charset="-120"/>
+                            </a:rPr>
+                            <m:t>q</m:t>
+                          </m:r>
+                        </m:e>
+                        <m:sub>
+                          <m:r>
+                            <a:rPr lang="en-US" sz="2400" b="1" i="1">
+                              <a:latin typeface="Cambria Math" panose="02040503050406030204" pitchFamily="18" charset="0"/>
+                              <a:ea typeface="PMingLiU" panose="02020500000000000000" pitchFamily="18" charset="-120"/>
+                              <a:cs typeface="Times New Roman" panose="02020603050405020304" pitchFamily="18" charset="0"/>
+                            </a:rPr>
+                            <m:t>𝒌</m:t>
+                          </m:r>
+                          <m:r>
+                            <a:rPr lang="en-US" sz="2400" b="1" i="1" smtClean="0">
+                              <a:latin typeface="Cambria Math" panose="02040503050406030204" pitchFamily="18" charset="0"/>
+                              <a:ea typeface="PMingLiU" panose="02020500000000000000" pitchFamily="18" charset="-120"/>
+                              <a:cs typeface="Times New Roman" panose="02020603050405020304" pitchFamily="18" charset="0"/>
+                            </a:rPr>
+                            <m:t>+</m:t>
+                          </m:r>
+                        </m:sub>
+                      </m:sSub>
+                    </m:oMath>
+                  </m:oMathPara>
+                </a14:m>
+                <a:endParaRPr lang="en-US" sz="2400" b="1" dirty="0"/>
+              </a:p>
+            </p:txBody>
+          </p:sp>
+        </mc:Choice>
+        <mc:Fallback>
+          <p:sp>
+            <p:nvSpPr>
+              <p:cNvPr id="149" name="Rectangle 148">
+                <a:extLst>
+                  <a:ext uri="{FF2B5EF4-FFF2-40B4-BE49-F238E27FC236}">
+                    <a16:creationId xmlns:a16="http://schemas.microsoft.com/office/drawing/2014/main" id="{36DA0F3B-0C27-45FE-8DD7-ED612139E0CB}"/>
+                  </a:ext>
+                </a:extLst>
+              </p:cNvPr>
+              <p:cNvSpPr>
+                <a:spLocks noRot="1" noChangeAspect="1" noMove="1" noResize="1" noEditPoints="1" noAdjustHandles="1" noChangeArrowheads="1" noChangeShapeType="1" noTextEdit="1"/>
+              </p:cNvSpPr>
+              <p:nvPr/>
+            </p:nvSpPr>
+            <p:spPr>
+              <a:xfrm>
+                <a:off x="5877755" y="2326181"/>
+                <a:ext cx="1693541" cy="1200329"/>
+              </a:xfrm>
+              <a:prstGeom prst="rect">
+                <a:avLst/>
+              </a:prstGeom>
+              <a:blipFill>
+                <a:blip r:embed="rId24"/>
+                <a:stretch>
+                  <a:fillRect l="-5396" t="-4082" r="-2878" b="-3571"/>
+                </a:stretch>
+              </a:blipFill>
+            </p:spPr>
+            <p:txBody>
+              <a:bodyPr/>
+              <a:lstStyle/>
+              <a:p>
+                <a:r>
+                  <a:rPr lang="en-US">
+                    <a:noFill/>
+                  </a:rPr>
+                  <a:t> </a:t>
+                </a:r>
+              </a:p>
+            </p:txBody>
+          </p:sp>
+        </mc:Fallback>
+      </mc:AlternateContent>
+      <p:sp>
+        <p:nvSpPr>
+          <p:cNvPr id="150" name="Rectangle 149">
+            <a:extLst>
+              <a:ext uri="{FF2B5EF4-FFF2-40B4-BE49-F238E27FC236}">
+                <a16:creationId xmlns:a16="http://schemas.microsoft.com/office/drawing/2014/main" id="{B46CF904-D48E-4A74-850C-726854EBD141}"/>
+              </a:ext>
+            </a:extLst>
+          </p:cNvPr>
+          <p:cNvSpPr/>
+          <p:nvPr/>
+        </p:nvSpPr>
+        <p:spPr>
+          <a:xfrm>
+            <a:off x="9055660" y="3289616"/>
+            <a:ext cx="822960" cy="731520"/>
+          </a:xfrm>
+          <a:prstGeom prst="rect">
+            <a:avLst/>
+          </a:prstGeom>
+          <a:solidFill>
+            <a:schemeClr val="bg2"/>
+          </a:solidFill>
+          <a:ln>
+            <a:noFill/>
+          </a:ln>
+        </p:spPr>
+        <p:style>
+          <a:lnRef idx="2">
+            <a:schemeClr val="accent1">
+              <a:shade val="50000"/>
+            </a:schemeClr>
+          </a:lnRef>
+          <a:fillRef idx="1">
+            <a:schemeClr val="accent1"/>
+          </a:fillRef>
+          <a:effectRef idx="0">
+            <a:schemeClr val="accent1"/>
+          </a:effectRef>
+          <a:fontRef idx="minor">
+            <a:schemeClr val="lt1"/>
+          </a:fontRef>
+        </p:style>
+        <p:txBody>
+          <a:bodyPr rot="0" spcFirstLastPara="0" vertOverflow="overflow" horzOverflow="overflow" vert="horz" wrap="square" lIns="91440" tIns="45720" rIns="91440" bIns="45720" numCol="1" spcCol="0" rtlCol="0" fromWordArt="0" anchor="ctr" anchorCtr="0" forceAA="0" compatLnSpc="1">
+            <a:prstTxWarp prst="textNoShape">
+              <a:avLst/>
+            </a:prstTxWarp>
+            <a:noAutofit/>
+          </a:bodyPr>
+          <a:lstStyle/>
+          <a:p>
+            <a:pPr algn="ctr"/>
+            <a:r>
+              <a:rPr lang="en-US" sz="2400" dirty="0" err="1">
+                <a:solidFill>
+                  <a:schemeClr val="tx1"/>
+                </a:solidFill>
+              </a:rPr>
+              <a:t>Pred</a:t>
+            </a:r>
+            <a:endParaRPr lang="en-US" sz="2400" dirty="0">
+              <a:solidFill>
+                <a:schemeClr val="tx1"/>
+              </a:solidFill>
+            </a:endParaRPr>
+          </a:p>
+          <a:p>
+            <a:pPr algn="ctr"/>
+            <a:r>
+              <a:rPr lang="en-US" sz="2400" dirty="0">
+                <a:solidFill>
+                  <a:schemeClr val="tx1"/>
+                </a:solidFill>
+              </a:rPr>
+              <a:t>Net</a:t>
+            </a:r>
+          </a:p>
+        </p:txBody>
+      </p:sp>
+      <p:sp>
+        <p:nvSpPr>
+          <p:cNvPr id="151" name="Rectangle 150">
+            <a:extLst>
+              <a:ext uri="{FF2B5EF4-FFF2-40B4-BE49-F238E27FC236}">
+                <a16:creationId xmlns:a16="http://schemas.microsoft.com/office/drawing/2014/main" id="{A71E4A5D-E371-489E-B881-8398A63A72D3}"/>
+              </a:ext>
+            </a:extLst>
+          </p:cNvPr>
+          <p:cNvSpPr/>
+          <p:nvPr/>
+        </p:nvSpPr>
+        <p:spPr>
+          <a:xfrm>
+            <a:off x="9055660" y="1037975"/>
+            <a:ext cx="822960" cy="731520"/>
+          </a:xfrm>
+          <a:prstGeom prst="rect">
+            <a:avLst/>
+          </a:prstGeom>
+          <a:solidFill>
+            <a:schemeClr val="bg2"/>
+          </a:solidFill>
+          <a:ln>
+            <a:noFill/>
+          </a:ln>
+        </p:spPr>
+        <p:style>
+          <a:lnRef idx="2">
+            <a:schemeClr val="accent1">
+              <a:shade val="50000"/>
+            </a:schemeClr>
+          </a:lnRef>
+          <a:fillRef idx="1">
+            <a:schemeClr val="accent1"/>
+          </a:fillRef>
+          <a:effectRef idx="0">
+            <a:schemeClr val="accent1"/>
+          </a:effectRef>
+          <a:fontRef idx="minor">
+            <a:schemeClr val="lt1"/>
+          </a:fontRef>
+        </p:style>
+        <p:txBody>
+          <a:bodyPr rtlCol="0" anchor="ctr"/>
+          <a:lstStyle/>
+          <a:p>
+            <a:pPr algn="ctr"/>
+            <a:r>
+              <a:rPr lang="en-US" sz="2400" dirty="0">
+                <a:solidFill>
+                  <a:schemeClr val="tx1"/>
+                </a:solidFill>
+              </a:rPr>
+              <a:t>Char</a:t>
+            </a:r>
+          </a:p>
+          <a:p>
+            <a:pPr algn="ctr"/>
+            <a:r>
+              <a:rPr lang="en-US" sz="2400" dirty="0">
+                <a:solidFill>
+                  <a:schemeClr val="tx1"/>
+                </a:solidFill>
+              </a:rPr>
+              <a:t>Net</a:t>
+            </a:r>
+          </a:p>
+        </p:txBody>
+      </p:sp>
+      <p:cxnSp>
+        <p:nvCxnSpPr>
+          <p:cNvPr id="152" name="Straight Arrow Connector 151">
+            <a:extLst>
+              <a:ext uri="{FF2B5EF4-FFF2-40B4-BE49-F238E27FC236}">
+                <a16:creationId xmlns:a16="http://schemas.microsoft.com/office/drawing/2014/main" id="{67ED340D-62E4-426A-ABAE-24C96E997AA2}"/>
+              </a:ext>
+            </a:extLst>
+          </p:cNvPr>
+          <p:cNvCxnSpPr>
+            <a:cxnSpLocks/>
+          </p:cNvCxnSpPr>
+          <p:nvPr/>
+        </p:nvCxnSpPr>
+        <p:spPr>
+          <a:xfrm>
+            <a:off x="8628022" y="1398633"/>
+            <a:ext cx="365760" cy="0"/>
+          </a:xfrm>
+          <a:prstGeom prst="straightConnector1">
+            <a:avLst/>
+          </a:prstGeom>
+          <a:ln w="38100">
+            <a:tailEnd type="triangle"/>
+          </a:ln>
+        </p:spPr>
+        <p:style>
+          <a:lnRef idx="1">
+            <a:schemeClr val="dk1"/>
+          </a:lnRef>
+          <a:fillRef idx="0">
+            <a:schemeClr val="dk1"/>
+          </a:fillRef>
+          <a:effectRef idx="0">
+            <a:schemeClr val="dk1"/>
+          </a:effectRef>
+          <a:fontRef idx="minor">
+            <a:schemeClr val="tx1"/>
+          </a:fontRef>
+        </p:style>
+      </p:cxnSp>
+      <p:cxnSp>
+        <p:nvCxnSpPr>
+          <p:cNvPr id="153" name="Straight Arrow Connector 152">
+            <a:extLst>
+              <a:ext uri="{FF2B5EF4-FFF2-40B4-BE49-F238E27FC236}">
+                <a16:creationId xmlns:a16="http://schemas.microsoft.com/office/drawing/2014/main" id="{E15E18A1-9C6F-49C0-A9E7-DCD845ADA97E}"/>
+              </a:ext>
+            </a:extLst>
+          </p:cNvPr>
+          <p:cNvCxnSpPr>
+            <a:cxnSpLocks/>
+          </p:cNvCxnSpPr>
+          <p:nvPr/>
+        </p:nvCxnSpPr>
+        <p:spPr>
+          <a:xfrm rot="5400000">
+            <a:off x="9225913" y="2040835"/>
+            <a:ext cx="365760" cy="0"/>
+          </a:xfrm>
+          <a:prstGeom prst="straightConnector1">
+            <a:avLst/>
+          </a:prstGeom>
+          <a:ln w="38100">
+            <a:tailEnd type="triangle"/>
+          </a:ln>
+        </p:spPr>
+        <p:style>
+          <a:lnRef idx="1">
+            <a:schemeClr val="dk1"/>
+          </a:lnRef>
+          <a:fillRef idx="0">
+            <a:schemeClr val="dk1"/>
+          </a:fillRef>
+          <a:effectRef idx="0">
+            <a:schemeClr val="dk1"/>
+          </a:effectRef>
+          <a:fontRef idx="minor">
+            <a:schemeClr val="tx1"/>
+          </a:fontRef>
+        </p:style>
+      </p:cxnSp>
+      <mc:AlternateContent xmlns:mc="http://schemas.openxmlformats.org/markup-compatibility/2006">
+        <mc:Choice xmlns:a14="http://schemas.microsoft.com/office/drawing/2010/main" Requires="a14">
+          <p:sp>
+            <p:nvSpPr>
+              <p:cNvPr id="154" name="Oval 153">
+                <a:extLst>
+                  <a:ext uri="{FF2B5EF4-FFF2-40B4-BE49-F238E27FC236}">
+                    <a16:creationId xmlns:a16="http://schemas.microsoft.com/office/drawing/2014/main" id="{1A581A50-47B7-4293-A088-1F19CF88C20E}"/>
+                  </a:ext>
+                </a:extLst>
+              </p:cNvPr>
+              <p:cNvSpPr/>
+              <p:nvPr/>
+            </p:nvSpPr>
+            <p:spPr>
+              <a:xfrm>
+                <a:off x="8990710" y="2310454"/>
+                <a:ext cx="1032732" cy="483181"/>
+              </a:xfrm>
+              <a:prstGeom prst="ellipse">
+                <a:avLst/>
+              </a:prstGeom>
+              <a:solidFill>
+                <a:schemeClr val="accent2">
+                  <a:lumMod val="20000"/>
+                  <a:lumOff val="80000"/>
+                </a:schemeClr>
+              </a:solidFill>
+              <a:ln>
+                <a:noFill/>
+              </a:ln>
+            </p:spPr>
+            <p:style>
+              <a:lnRef idx="2">
+                <a:schemeClr val="accent1">
+                  <a:shade val="50000"/>
+                </a:schemeClr>
+              </a:lnRef>
+              <a:fillRef idx="1">
+                <a:schemeClr val="accent1"/>
+              </a:fillRef>
+              <a:effectRef idx="0">
+                <a:schemeClr val="accent1"/>
+              </a:effectRef>
+              <a:fontRef idx="minor">
+                <a:schemeClr val="lt1"/>
+              </a:fontRef>
+            </p:style>
+            <p:txBody>
+              <a:bodyPr rtlCol="0" anchor="ctr"/>
+              <a:lstStyle/>
+              <a:p>
+                <a:pPr algn="ctr"/>
+                <a14:m>
+                  <m:oMathPara xmlns:m="http://schemas.openxmlformats.org/officeDocument/2006/math">
+                    <m:oMathParaPr>
+                      <m:jc m:val="centerGroup"/>
+                    </m:oMathParaPr>
+                    <m:oMath xmlns:m="http://schemas.openxmlformats.org/officeDocument/2006/math">
+                      <m:sSub>
+                        <m:sSubPr>
+                          <m:ctrlPr>
+                            <a:rPr lang="en-US" sz="2400" i="1" smtClean="0">
+                              <a:solidFill>
+                                <a:schemeClr val="tx1"/>
+                              </a:solidFill>
+                              <a:latin typeface="Cambria Math" panose="02040503050406030204" pitchFamily="18" charset="0"/>
+                            </a:rPr>
+                          </m:ctrlPr>
+                        </m:sSubPr>
+                        <m:e>
+                          <m:r>
+                            <a:rPr lang="en-US" sz="2400" i="1">
+                              <a:solidFill>
+                                <a:schemeClr val="tx1"/>
+                              </a:solidFill>
+                              <a:latin typeface="Cambria Math" panose="02040503050406030204" pitchFamily="18" charset="0"/>
+                              <a:ea typeface="PMingLiU" panose="02020500000000000000" pitchFamily="18" charset="-120"/>
+                              <a:cs typeface="Times New Roman" panose="02020603050405020304" pitchFamily="18" charset="0"/>
+                            </a:rPr>
+                            <m:t>𝑒</m:t>
+                          </m:r>
+                        </m:e>
+                        <m:sub>
+                          <m:r>
+                            <a:rPr lang="en-US" sz="2400" b="0" i="1" smtClean="0">
+                              <a:solidFill>
+                                <a:schemeClr val="tx1"/>
+                              </a:solidFill>
+                              <a:latin typeface="Cambria Math" panose="02040503050406030204" pitchFamily="18" charset="0"/>
+                              <a:ea typeface="PMingLiU" panose="02020500000000000000" pitchFamily="18" charset="-120"/>
+                              <a:cs typeface="Times New Roman" panose="02020603050405020304" pitchFamily="18" charset="0"/>
+                            </a:rPr>
+                            <m:t>𝑐h𝑎𝑟</m:t>
+                          </m:r>
+                          <m:r>
+                            <a:rPr lang="en-US" sz="2400" i="1">
+                              <a:solidFill>
+                                <a:schemeClr val="tx1"/>
+                              </a:solidFill>
+                              <a:latin typeface="Cambria Math" panose="02040503050406030204" pitchFamily="18" charset="0"/>
+                              <a:ea typeface="PMingLiU" panose="02020500000000000000" pitchFamily="18" charset="-120"/>
+                              <a:cs typeface="Times New Roman" panose="02020603050405020304" pitchFamily="18" charset="0"/>
+                            </a:rPr>
+                            <m:t>, </m:t>
+                          </m:r>
+                          <m:r>
+                            <a:rPr lang="en-US" sz="2400" b="0" i="1" smtClean="0">
+                              <a:solidFill>
+                                <a:schemeClr val="tx1"/>
+                              </a:solidFill>
+                              <a:latin typeface="Cambria Math" panose="02040503050406030204" pitchFamily="18" charset="0"/>
+                              <a:ea typeface="PMingLiU" panose="02020500000000000000" pitchFamily="18" charset="-120"/>
+                              <a:cs typeface="Times New Roman" panose="02020603050405020304" pitchFamily="18" charset="0"/>
+                            </a:rPr>
+                            <m:t>𝑗</m:t>
+                          </m:r>
+                        </m:sub>
+                      </m:sSub>
+                    </m:oMath>
+                  </m:oMathPara>
+                </a14:m>
+                <a:endParaRPr lang="en-US" sz="2400" dirty="0">
+                  <a:solidFill>
+                    <a:schemeClr val="tx1"/>
+                  </a:solidFill>
+                </a:endParaRPr>
+              </a:p>
+            </p:txBody>
+          </p:sp>
+        </mc:Choice>
+        <mc:Fallback>
+          <p:sp>
+            <p:nvSpPr>
+              <p:cNvPr id="154" name="Oval 153">
+                <a:extLst>
+                  <a:ext uri="{FF2B5EF4-FFF2-40B4-BE49-F238E27FC236}">
+                    <a16:creationId xmlns:a16="http://schemas.microsoft.com/office/drawing/2014/main" id="{1A581A50-47B7-4293-A088-1F19CF88C20E}"/>
+                  </a:ext>
+                </a:extLst>
+              </p:cNvPr>
+              <p:cNvSpPr>
+                <a:spLocks noRot="1" noChangeAspect="1" noMove="1" noResize="1" noEditPoints="1" noAdjustHandles="1" noChangeArrowheads="1" noChangeShapeType="1" noTextEdit="1"/>
+              </p:cNvSpPr>
+              <p:nvPr/>
+            </p:nvSpPr>
+            <p:spPr>
+              <a:xfrm>
+                <a:off x="8990710" y="2310454"/>
+                <a:ext cx="1032732" cy="483181"/>
+              </a:xfrm>
+              <a:prstGeom prst="ellipse">
+                <a:avLst/>
+              </a:prstGeom>
+              <a:blipFill>
+                <a:blip r:embed="rId25"/>
+                <a:stretch>
+                  <a:fillRect l="-592" b="-12658"/>
+                </a:stretch>
+              </a:blipFill>
+              <a:ln>
+                <a:noFill/>
+              </a:ln>
+            </p:spPr>
+            <p:txBody>
+              <a:bodyPr/>
+              <a:lstStyle/>
+              <a:p>
+                <a:r>
+                  <a:rPr lang="en-US">
+                    <a:noFill/>
+                  </a:rPr>
+                  <a:t> </a:t>
+                </a:r>
+              </a:p>
+            </p:txBody>
+          </p:sp>
+        </mc:Fallback>
+      </mc:AlternateContent>
+      <p:cxnSp>
+        <p:nvCxnSpPr>
+          <p:cNvPr id="155" name="Straight Arrow Connector 154">
+            <a:extLst>
+              <a:ext uri="{FF2B5EF4-FFF2-40B4-BE49-F238E27FC236}">
+                <a16:creationId xmlns:a16="http://schemas.microsoft.com/office/drawing/2014/main" id="{40DDCAB9-DA58-463A-A792-292357B8B4B9}"/>
+              </a:ext>
+            </a:extLst>
+          </p:cNvPr>
+          <p:cNvCxnSpPr>
+            <a:cxnSpLocks/>
+          </p:cNvCxnSpPr>
+          <p:nvPr/>
+        </p:nvCxnSpPr>
+        <p:spPr>
+          <a:xfrm rot="5400000">
+            <a:off x="9225913" y="3048968"/>
+            <a:ext cx="365760" cy="0"/>
+          </a:xfrm>
+          <a:prstGeom prst="straightConnector1">
+            <a:avLst/>
+          </a:prstGeom>
+          <a:ln w="38100">
+            <a:tailEnd type="triangle"/>
+          </a:ln>
+        </p:spPr>
+        <p:style>
+          <a:lnRef idx="1">
+            <a:schemeClr val="dk1"/>
+          </a:lnRef>
+          <a:fillRef idx="0">
+            <a:schemeClr val="dk1"/>
+          </a:fillRef>
+          <a:effectRef idx="0">
+            <a:schemeClr val="dk1"/>
+          </a:effectRef>
+          <a:fontRef idx="minor">
+            <a:schemeClr val="tx1"/>
+          </a:fontRef>
+        </p:style>
+      </p:cxnSp>
+      <p:cxnSp>
+        <p:nvCxnSpPr>
+          <p:cNvPr id="156" name="Straight Arrow Connector 155">
+            <a:extLst>
+              <a:ext uri="{FF2B5EF4-FFF2-40B4-BE49-F238E27FC236}">
+                <a16:creationId xmlns:a16="http://schemas.microsoft.com/office/drawing/2014/main" id="{B01BB643-B0FF-4810-BC36-37D75D42BEA2}"/>
+              </a:ext>
+            </a:extLst>
+          </p:cNvPr>
+          <p:cNvCxnSpPr>
+            <a:cxnSpLocks/>
+          </p:cNvCxnSpPr>
+          <p:nvPr/>
+        </p:nvCxnSpPr>
+        <p:spPr>
+          <a:xfrm>
+            <a:off x="8628022" y="3598823"/>
+            <a:ext cx="365760" cy="0"/>
+          </a:xfrm>
+          <a:prstGeom prst="straightConnector1">
+            <a:avLst/>
+          </a:prstGeom>
+          <a:ln w="38100">
+            <a:tailEnd type="triangle"/>
+          </a:ln>
+        </p:spPr>
+        <p:style>
+          <a:lnRef idx="1">
+            <a:schemeClr val="dk1"/>
+          </a:lnRef>
+          <a:fillRef idx="0">
+            <a:schemeClr val="dk1"/>
+          </a:fillRef>
+          <a:effectRef idx="0">
+            <a:schemeClr val="dk1"/>
+          </a:effectRef>
+          <a:fontRef idx="minor">
+            <a:schemeClr val="tx1"/>
+          </a:fontRef>
+        </p:style>
+      </p:cxnSp>
+      <p:cxnSp>
+        <p:nvCxnSpPr>
+          <p:cNvPr id="158" name="Straight Connector 157">
+            <a:extLst>
+              <a:ext uri="{FF2B5EF4-FFF2-40B4-BE49-F238E27FC236}">
+                <a16:creationId xmlns:a16="http://schemas.microsoft.com/office/drawing/2014/main" id="{B02FCE3F-662D-4597-B4B1-4B10393A8E53}"/>
+              </a:ext>
+            </a:extLst>
+          </p:cNvPr>
+          <p:cNvCxnSpPr>
+            <a:cxnSpLocks/>
+          </p:cNvCxnSpPr>
+          <p:nvPr/>
+        </p:nvCxnSpPr>
+        <p:spPr>
+          <a:xfrm flipV="1">
+            <a:off x="10054210" y="3612245"/>
+            <a:ext cx="365760" cy="0"/>
+          </a:xfrm>
+          <a:prstGeom prst="line">
+            <a:avLst/>
+          </a:prstGeom>
+          <a:ln w="38100">
+            <a:headEnd type="none" w="med" len="med"/>
+            <a:tailEnd type="none" w="med" len="med"/>
+          </a:ln>
+        </p:spPr>
+        <p:style>
+          <a:lnRef idx="1">
+            <a:schemeClr val="dk1"/>
+          </a:lnRef>
+          <a:fillRef idx="0">
+            <a:schemeClr val="dk1"/>
+          </a:fillRef>
+          <a:effectRef idx="0">
+            <a:schemeClr val="dk1"/>
+          </a:effectRef>
+          <a:fontRef idx="minor">
+            <a:schemeClr val="tx1"/>
+          </a:fontRef>
+        </p:style>
+      </p:cxnSp>
+      <p:cxnSp>
+        <p:nvCxnSpPr>
+          <p:cNvPr id="159" name="Straight Arrow Connector 158">
+            <a:extLst>
+              <a:ext uri="{FF2B5EF4-FFF2-40B4-BE49-F238E27FC236}">
+                <a16:creationId xmlns:a16="http://schemas.microsoft.com/office/drawing/2014/main" id="{B21A710F-A870-4AF9-8CB3-42B3B93D9AF0}"/>
+              </a:ext>
+            </a:extLst>
+          </p:cNvPr>
+          <p:cNvCxnSpPr>
+            <a:cxnSpLocks/>
+          </p:cNvCxnSpPr>
+          <p:nvPr/>
+        </p:nvCxnSpPr>
+        <p:spPr>
+          <a:xfrm rot="16200000">
+            <a:off x="9985474" y="3216895"/>
+            <a:ext cx="822960" cy="0"/>
+          </a:xfrm>
+          <a:prstGeom prst="straightConnector1">
+            <a:avLst/>
+          </a:prstGeom>
+          <a:ln w="38100">
+            <a:tailEnd type="triangle"/>
+          </a:ln>
+        </p:spPr>
+        <p:style>
+          <a:lnRef idx="1">
+            <a:schemeClr val="dk1"/>
+          </a:lnRef>
+          <a:fillRef idx="0">
+            <a:schemeClr val="dk1"/>
+          </a:fillRef>
+          <a:effectRef idx="0">
+            <a:schemeClr val="dk1"/>
+          </a:effectRef>
+          <a:fontRef idx="minor">
+            <a:schemeClr val="tx1"/>
+          </a:fontRef>
+        </p:style>
+      </p:cxnSp>
+      <mc:AlternateContent xmlns:mc="http://schemas.openxmlformats.org/markup-compatibility/2006">
+        <mc:Choice xmlns:a14="http://schemas.microsoft.com/office/drawing/2010/main" Requires="a14">
+          <p:sp>
+            <p:nvSpPr>
+              <p:cNvPr id="166" name="Rectangle 165">
+                <a:extLst>
+                  <a:ext uri="{FF2B5EF4-FFF2-40B4-BE49-F238E27FC236}">
+                    <a16:creationId xmlns:a16="http://schemas.microsoft.com/office/drawing/2014/main" id="{D747B05B-40DE-4FF4-9F13-11F25917E361}"/>
+                  </a:ext>
+                </a:extLst>
+              </p:cNvPr>
+              <p:cNvSpPr/>
+              <p:nvPr/>
+            </p:nvSpPr>
+            <p:spPr>
+              <a:xfrm>
+                <a:off x="8194162" y="3140334"/>
+                <a:ext cx="274320" cy="215004"/>
+              </a:xfrm>
+              <a:prstGeom prst="rect">
+                <a:avLst/>
+              </a:prstGeom>
+              <a:solidFill>
+                <a:schemeClr val="bg1"/>
+              </a:solidFill>
+              <a:ln>
+                <a:noFill/>
+              </a:ln>
+            </p:spPr>
+            <p:style>
+              <a:lnRef idx="2">
+                <a:schemeClr val="accent1">
+                  <a:shade val="50000"/>
+                </a:schemeClr>
+              </a:lnRef>
+              <a:fillRef idx="1">
+                <a:schemeClr val="accent1"/>
+              </a:fillRef>
+              <a:effectRef idx="0">
+                <a:schemeClr val="accent1"/>
+              </a:effectRef>
+              <a:fontRef idx="minor">
+                <a:schemeClr val="lt1"/>
+              </a:fontRef>
+            </p:style>
+            <p:txBody>
+              <a:bodyPr rtlCol="0" anchor="ctr"/>
+              <a:lstStyle/>
+              <a:p>
+                <a:pPr algn="ctr"/>
+                <a14:m>
+                  <m:oMathPara xmlns:m="http://schemas.openxmlformats.org/officeDocument/2006/math">
+                    <m:oMathParaPr>
+                      <m:jc m:val="centerGroup"/>
+                    </m:oMathParaPr>
+                    <m:oMath xmlns:m="http://schemas.openxmlformats.org/officeDocument/2006/math">
+                      <m:sSub>
+                        <m:sSubPr>
+                          <m:ctrlPr>
+                            <a:rPr lang="en-US" b="1" i="1" smtClean="0">
+                              <a:solidFill>
+                                <a:sysClr val="windowText" lastClr="000000"/>
+                              </a:solidFill>
+                              <a:latin typeface="Cambria Math" panose="02040503050406030204" pitchFamily="18" charset="0"/>
+                            </a:rPr>
+                          </m:ctrlPr>
+                        </m:sSubPr>
+                        <m:e>
+                          <m:r>
+                            <a:rPr lang="en-US" b="1" i="1" smtClean="0">
+                              <a:solidFill>
+                                <a:sysClr val="windowText" lastClr="000000"/>
+                              </a:solidFill>
+                              <a:latin typeface="Cambria Math" panose="02040503050406030204" pitchFamily="18" charset="0"/>
+                            </a:rPr>
+                            <m:t>𝒈</m:t>
+                          </m:r>
+                        </m:e>
+                        <m:sub>
+                          <m:r>
+                            <a:rPr lang="en-US" b="1" i="1" smtClean="0">
+                              <a:solidFill>
+                                <a:sysClr val="windowText" lastClr="000000"/>
+                              </a:solidFill>
+                              <a:latin typeface="Cambria Math" panose="02040503050406030204" pitchFamily="18" charset="0"/>
+                            </a:rPr>
+                            <m:t>𝟐</m:t>
+                          </m:r>
+                        </m:sub>
+                      </m:sSub>
+                    </m:oMath>
+                  </m:oMathPara>
+                </a14:m>
+                <a:endParaRPr lang="en-US" b="1" dirty="0">
+                  <a:solidFill>
+                    <a:sysClr val="windowText" lastClr="000000"/>
+                  </a:solidFill>
+                </a:endParaRPr>
+              </a:p>
+            </p:txBody>
+          </p:sp>
+        </mc:Choice>
+        <mc:Fallback>
+          <p:sp>
+            <p:nvSpPr>
+              <p:cNvPr id="166" name="Rectangle 165">
+                <a:extLst>
+                  <a:ext uri="{FF2B5EF4-FFF2-40B4-BE49-F238E27FC236}">
+                    <a16:creationId xmlns:a16="http://schemas.microsoft.com/office/drawing/2014/main" id="{D747B05B-40DE-4FF4-9F13-11F25917E361}"/>
+                  </a:ext>
+                </a:extLst>
+              </p:cNvPr>
+              <p:cNvSpPr>
+                <a:spLocks noRot="1" noChangeAspect="1" noMove="1" noResize="1" noEditPoints="1" noAdjustHandles="1" noChangeArrowheads="1" noChangeShapeType="1" noTextEdit="1"/>
+              </p:cNvSpPr>
+              <p:nvPr/>
+            </p:nvSpPr>
+            <p:spPr>
+              <a:xfrm>
+                <a:off x="8194162" y="3140334"/>
+                <a:ext cx="274320" cy="215004"/>
+              </a:xfrm>
+              <a:prstGeom prst="rect">
+                <a:avLst/>
+              </a:prstGeom>
+              <a:blipFill>
+                <a:blip r:embed="rId26"/>
+                <a:stretch>
+                  <a:fillRect l="-37778" r="-11111" b="-48571"/>
+                </a:stretch>
+              </a:blipFill>
+              <a:ln>
+                <a:noFill/>
+              </a:ln>
+            </p:spPr>
+            <p:txBody>
+              <a:bodyPr/>
+              <a:lstStyle/>
+              <a:p>
+                <a:r>
+                  <a:rPr lang="en-US">
+                    <a:noFill/>
+                  </a:rPr>
+                  <a:t> </a:t>
+                </a:r>
+              </a:p>
+            </p:txBody>
+          </p:sp>
+        </mc:Fallback>
+      </mc:AlternateContent>
+      <mc:AlternateContent xmlns:mc="http://schemas.openxmlformats.org/markup-compatibility/2006">
+        <mc:Choice xmlns:a14="http://schemas.microsoft.com/office/drawing/2010/main" Requires="a14">
+          <p:sp>
+            <p:nvSpPr>
+              <p:cNvPr id="167" name="Rectangle 166">
+                <a:extLst>
+                  <a:ext uri="{FF2B5EF4-FFF2-40B4-BE49-F238E27FC236}">
+                    <a16:creationId xmlns:a16="http://schemas.microsoft.com/office/drawing/2014/main" id="{230E758B-5228-4973-B523-FCA4BD24891B}"/>
+                  </a:ext>
+                </a:extLst>
+              </p:cNvPr>
+              <p:cNvSpPr/>
+              <p:nvPr/>
+            </p:nvSpPr>
+            <p:spPr>
+              <a:xfrm>
+                <a:off x="5113208" y="2258504"/>
+                <a:ext cx="548640" cy="451633"/>
+              </a:xfrm>
+              <a:prstGeom prst="rect">
+                <a:avLst/>
+              </a:prstGeom>
+              <a:solidFill>
+                <a:schemeClr val="bg2"/>
+              </a:solidFill>
+              <a:ln>
+                <a:noFill/>
+              </a:ln>
+            </p:spPr>
+            <p:style>
+              <a:lnRef idx="2">
+                <a:schemeClr val="accent1">
+                  <a:shade val="50000"/>
+                </a:schemeClr>
+              </a:lnRef>
+              <a:fillRef idx="1">
+                <a:schemeClr val="accent1"/>
+              </a:fillRef>
+              <a:effectRef idx="0">
+                <a:schemeClr val="accent1"/>
+              </a:effectRef>
+              <a:fontRef idx="minor">
+                <a:schemeClr val="lt1"/>
+              </a:fontRef>
+            </p:style>
+            <p:txBody>
+              <a:bodyPr rot="0" spcFirstLastPara="0" vertOverflow="overflow" horzOverflow="overflow" vert="horz" wrap="square" lIns="91440" tIns="45720" rIns="91440" bIns="45720" numCol="1" spcCol="0" rtlCol="0" fromWordArt="0" anchor="ctr" anchorCtr="0" forceAA="0" compatLnSpc="1">
+                <a:prstTxWarp prst="textNoShape">
+                  <a:avLst/>
+                </a:prstTxWarp>
+                <a:noAutofit/>
+              </a:bodyPr>
+              <a:lstStyle/>
+              <a:p>
+                <a:pPr algn="ctr"/>
+                <a14:m>
+                  <m:oMathPara xmlns:m="http://schemas.openxmlformats.org/officeDocument/2006/math">
+                    <m:oMathParaPr>
+                      <m:jc m:val="centerGroup"/>
+                    </m:oMathParaPr>
+                    <m:oMath xmlns:m="http://schemas.openxmlformats.org/officeDocument/2006/math">
+                      <m:sSub>
+                        <m:sSubPr>
+                          <m:ctrlPr>
+                            <a:rPr lang="en-US" sz="2400" i="1" smtClean="0">
+                              <a:solidFill>
+                                <a:sysClr val="windowText" lastClr="000000"/>
+                              </a:solidFill>
+                              <a:latin typeface="Cambria Math" panose="02040503050406030204" pitchFamily="18" charset="0"/>
+                            </a:rPr>
+                          </m:ctrlPr>
+                        </m:sSubPr>
+                        <m:e>
+                          <m:r>
+                            <a:rPr lang="en-US" sz="2400" b="0" i="1" smtClean="0">
+                              <a:solidFill>
+                                <a:sysClr val="windowText" lastClr="000000"/>
+                              </a:solidFill>
+                              <a:latin typeface="Cambria Math" panose="02040503050406030204" pitchFamily="18" charset="0"/>
+                            </a:rPr>
+                            <m:t>𝑝</m:t>
+                          </m:r>
+                        </m:e>
+                        <m:sub>
+                          <m:r>
+                            <a:rPr lang="en-US" sz="2400" b="0" i="1" smtClean="0">
+                              <a:solidFill>
+                                <a:sysClr val="windowText" lastClr="000000"/>
+                              </a:solidFill>
+                              <a:latin typeface="Cambria Math" panose="02040503050406030204" pitchFamily="18" charset="0"/>
+                            </a:rPr>
+                            <m:t>𝑠𝑥</m:t>
+                          </m:r>
+                        </m:sub>
+                      </m:sSub>
+                    </m:oMath>
+                  </m:oMathPara>
+                </a14:m>
+                <a:endParaRPr lang="en-US" sz="2400" dirty="0">
+                  <a:solidFill>
+                    <a:schemeClr val="tx1"/>
+                  </a:solidFill>
+                </a:endParaRPr>
+              </a:p>
+            </p:txBody>
+          </p:sp>
+        </mc:Choice>
+        <mc:Fallback>
+          <p:sp>
+            <p:nvSpPr>
+              <p:cNvPr id="167" name="Rectangle 166">
+                <a:extLst>
+                  <a:ext uri="{FF2B5EF4-FFF2-40B4-BE49-F238E27FC236}">
+                    <a16:creationId xmlns:a16="http://schemas.microsoft.com/office/drawing/2014/main" id="{230E758B-5228-4973-B523-FCA4BD24891B}"/>
+                  </a:ext>
+                </a:extLst>
+              </p:cNvPr>
+              <p:cNvSpPr>
+                <a:spLocks noRot="1" noChangeAspect="1" noMove="1" noResize="1" noEditPoints="1" noAdjustHandles="1" noChangeArrowheads="1" noChangeShapeType="1" noTextEdit="1"/>
+              </p:cNvSpPr>
+              <p:nvPr/>
+            </p:nvSpPr>
+            <p:spPr>
+              <a:xfrm>
+                <a:off x="5113208" y="2258504"/>
+                <a:ext cx="548640" cy="451633"/>
+              </a:xfrm>
+              <a:prstGeom prst="rect">
+                <a:avLst/>
+              </a:prstGeom>
+              <a:blipFill>
+                <a:blip r:embed="rId27"/>
+                <a:stretch>
+                  <a:fillRect l="-14444" b="-12000"/>
+                </a:stretch>
+              </a:blipFill>
+              <a:ln>
+                <a:noFill/>
+              </a:ln>
+            </p:spPr>
+            <p:txBody>
+              <a:bodyPr/>
+              <a:lstStyle/>
+              <a:p>
+                <a:r>
+                  <a:rPr lang="en-US">
+                    <a:noFill/>
+                  </a:rPr>
+                  <a:t> </a:t>
+                </a:r>
+              </a:p>
+            </p:txBody>
+          </p:sp>
+        </mc:Fallback>
+      </mc:AlternateContent>
+      <p:cxnSp>
+        <p:nvCxnSpPr>
+          <p:cNvPr id="168" name="Straight Arrow Connector 167">
+            <a:extLst>
+              <a:ext uri="{FF2B5EF4-FFF2-40B4-BE49-F238E27FC236}">
+                <a16:creationId xmlns:a16="http://schemas.microsoft.com/office/drawing/2014/main" id="{E88015FB-021F-4C84-A7E9-301C4811835C}"/>
+              </a:ext>
+            </a:extLst>
+          </p:cNvPr>
+          <p:cNvCxnSpPr>
+            <a:cxnSpLocks/>
+          </p:cNvCxnSpPr>
+          <p:nvPr/>
+        </p:nvCxnSpPr>
+        <p:spPr>
+          <a:xfrm rot="16200000" flipV="1">
+            <a:off x="5157883" y="2073042"/>
+            <a:ext cx="274320" cy="0"/>
+          </a:xfrm>
+          <a:prstGeom prst="straightConnector1">
+            <a:avLst/>
+          </a:prstGeom>
+          <a:ln w="38100">
+            <a:tailEnd type="triangle"/>
+          </a:ln>
+        </p:spPr>
+        <p:style>
+          <a:lnRef idx="1">
+            <a:schemeClr val="dk1"/>
+          </a:lnRef>
+          <a:fillRef idx="0">
+            <a:schemeClr val="dk1"/>
+          </a:fillRef>
+          <a:effectRef idx="0">
+            <a:schemeClr val="dk1"/>
+          </a:effectRef>
+          <a:fontRef idx="minor">
+            <a:schemeClr val="tx1"/>
+          </a:fontRef>
+        </p:style>
+      </p:cxnSp>
+      <mc:AlternateContent xmlns:mc="http://schemas.openxmlformats.org/markup-compatibility/2006">
+        <mc:Choice xmlns:a14="http://schemas.microsoft.com/office/drawing/2010/main" Requires="a14">
+          <p:sp>
+            <p:nvSpPr>
+              <p:cNvPr id="169" name="Rectangle 168">
+                <a:extLst>
+                  <a:ext uri="{FF2B5EF4-FFF2-40B4-BE49-F238E27FC236}">
+                    <a16:creationId xmlns:a16="http://schemas.microsoft.com/office/drawing/2014/main" id="{1C52E3BE-6729-45D4-B38D-EB4A217389BA}"/>
+                  </a:ext>
+                </a:extLst>
+              </p:cNvPr>
+              <p:cNvSpPr/>
+              <p:nvPr/>
+            </p:nvSpPr>
+            <p:spPr>
+              <a:xfrm>
+                <a:off x="10122634" y="2278722"/>
+                <a:ext cx="548640" cy="451633"/>
+              </a:xfrm>
+              <a:prstGeom prst="rect">
+                <a:avLst/>
+              </a:prstGeom>
+              <a:solidFill>
+                <a:schemeClr val="bg2"/>
+              </a:solidFill>
+              <a:ln>
+                <a:noFill/>
+              </a:ln>
+            </p:spPr>
+            <p:style>
+              <a:lnRef idx="2">
+                <a:schemeClr val="accent1">
+                  <a:shade val="50000"/>
+                </a:schemeClr>
+              </a:lnRef>
+              <a:fillRef idx="1">
+                <a:schemeClr val="accent1"/>
+              </a:fillRef>
+              <a:effectRef idx="0">
+                <a:schemeClr val="accent1"/>
+              </a:effectRef>
+              <a:fontRef idx="minor">
+                <a:schemeClr val="lt1"/>
+              </a:fontRef>
+            </p:style>
+            <p:txBody>
+              <a:bodyPr rot="0" spcFirstLastPara="0" vertOverflow="overflow" horzOverflow="overflow" vert="horz" wrap="square" lIns="91440" tIns="45720" rIns="91440" bIns="45720" numCol="1" spcCol="0" rtlCol="0" fromWordArt="0" anchor="ctr" anchorCtr="0" forceAA="0" compatLnSpc="1">
+                <a:prstTxWarp prst="textNoShape">
+                  <a:avLst/>
+                </a:prstTxWarp>
+                <a:noAutofit/>
+              </a:bodyPr>
+              <a:lstStyle/>
+              <a:p>
+                <a:pPr algn="ctr"/>
+                <a14:m>
+                  <m:oMathPara xmlns:m="http://schemas.openxmlformats.org/officeDocument/2006/math">
+                    <m:oMathParaPr>
+                      <m:jc m:val="centerGroup"/>
+                    </m:oMathParaPr>
+                    <m:oMath xmlns:m="http://schemas.openxmlformats.org/officeDocument/2006/math">
+                      <m:sSub>
+                        <m:sSubPr>
+                          <m:ctrlPr>
+                            <a:rPr lang="en-US" sz="2400" i="1" smtClean="0">
+                              <a:solidFill>
+                                <a:sysClr val="windowText" lastClr="000000"/>
+                              </a:solidFill>
+                              <a:latin typeface="Cambria Math" panose="02040503050406030204" pitchFamily="18" charset="0"/>
+                            </a:rPr>
+                          </m:ctrlPr>
+                        </m:sSubPr>
+                        <m:e>
+                          <m:r>
+                            <a:rPr lang="en-US" sz="2400" b="0" i="1" smtClean="0">
+                              <a:solidFill>
+                                <a:sysClr val="windowText" lastClr="000000"/>
+                              </a:solidFill>
+                              <a:latin typeface="Cambria Math" panose="02040503050406030204" pitchFamily="18" charset="0"/>
+                            </a:rPr>
+                            <m:t>𝑝</m:t>
+                          </m:r>
+                        </m:e>
+                        <m:sub>
+                          <m:r>
+                            <a:rPr lang="en-US" sz="2400" b="0" i="1" smtClean="0">
+                              <a:solidFill>
+                                <a:sysClr val="windowText" lastClr="000000"/>
+                              </a:solidFill>
+                              <a:latin typeface="Cambria Math" panose="02040503050406030204" pitchFamily="18" charset="0"/>
+                            </a:rPr>
+                            <m:t>𝑠𝑥</m:t>
+                          </m:r>
+                        </m:sub>
+                      </m:sSub>
+                    </m:oMath>
+                  </m:oMathPara>
+                </a14:m>
+                <a:endParaRPr lang="en-US" sz="2400" dirty="0">
+                  <a:solidFill>
+                    <a:schemeClr val="tx1"/>
+                  </a:solidFill>
+                </a:endParaRPr>
+              </a:p>
+            </p:txBody>
+          </p:sp>
+        </mc:Choice>
+        <mc:Fallback>
+          <p:sp>
+            <p:nvSpPr>
+              <p:cNvPr id="169" name="Rectangle 168">
+                <a:extLst>
+                  <a:ext uri="{FF2B5EF4-FFF2-40B4-BE49-F238E27FC236}">
+                    <a16:creationId xmlns:a16="http://schemas.microsoft.com/office/drawing/2014/main" id="{1C52E3BE-6729-45D4-B38D-EB4A217389BA}"/>
+                  </a:ext>
+                </a:extLst>
+              </p:cNvPr>
+              <p:cNvSpPr>
+                <a:spLocks noRot="1" noChangeAspect="1" noMove="1" noResize="1" noEditPoints="1" noAdjustHandles="1" noChangeArrowheads="1" noChangeShapeType="1" noTextEdit="1"/>
+              </p:cNvSpPr>
+              <p:nvPr/>
+            </p:nvSpPr>
+            <p:spPr>
+              <a:xfrm>
+                <a:off x="10122634" y="2278722"/>
+                <a:ext cx="548640" cy="451633"/>
+              </a:xfrm>
+              <a:prstGeom prst="rect">
+                <a:avLst/>
+              </a:prstGeom>
+              <a:blipFill>
+                <a:blip r:embed="rId28"/>
+                <a:stretch>
+                  <a:fillRect l="-14444" b="-12162"/>
+                </a:stretch>
+              </a:blipFill>
+              <a:ln>
+                <a:noFill/>
+              </a:ln>
+            </p:spPr>
+            <p:txBody>
+              <a:bodyPr/>
+              <a:lstStyle/>
+              <a:p>
+                <a:r>
+                  <a:rPr lang="en-US">
+                    <a:noFill/>
+                  </a:rPr>
+                  <a:t> </a:t>
+                </a:r>
+              </a:p>
+            </p:txBody>
+          </p:sp>
+        </mc:Fallback>
+      </mc:AlternateContent>
+      <p:cxnSp>
+        <p:nvCxnSpPr>
+          <p:cNvPr id="170" name="Straight Arrow Connector 169">
+            <a:extLst>
+              <a:ext uri="{FF2B5EF4-FFF2-40B4-BE49-F238E27FC236}">
+                <a16:creationId xmlns:a16="http://schemas.microsoft.com/office/drawing/2014/main" id="{C5357E5C-E87B-4491-BF31-6FFDC4BFFB6F}"/>
+              </a:ext>
+            </a:extLst>
+          </p:cNvPr>
+          <p:cNvCxnSpPr>
+            <a:cxnSpLocks/>
+          </p:cNvCxnSpPr>
+          <p:nvPr/>
+        </p:nvCxnSpPr>
+        <p:spPr>
+          <a:xfrm rot="16200000" flipV="1">
+            <a:off x="10251200" y="2056425"/>
+            <a:ext cx="274320" cy="0"/>
+          </a:xfrm>
+          <a:prstGeom prst="straightConnector1">
+            <a:avLst/>
+          </a:prstGeom>
+          <a:ln w="38100">
+            <a:tailEnd type="triangle"/>
+          </a:ln>
+        </p:spPr>
+        <p:style>
+          <a:lnRef idx="1">
+            <a:schemeClr val="dk1"/>
+          </a:lnRef>
+          <a:fillRef idx="0">
+            <a:schemeClr val="dk1"/>
+          </a:fillRef>
+          <a:effectRef idx="0">
+            <a:schemeClr val="dk1"/>
+          </a:effectRef>
+          <a:fontRef idx="minor">
+            <a:schemeClr val="tx1"/>
+          </a:fontRef>
+        </p:style>
+      </p:cxnSp>
+      <mc:AlternateContent xmlns:mc="http://schemas.openxmlformats.org/markup-compatibility/2006">
+        <mc:Choice xmlns:a14="http://schemas.microsoft.com/office/drawing/2010/main" Requires="a14">
+          <p:sp>
+            <p:nvSpPr>
+              <p:cNvPr id="173" name="Rectangle 172">
+                <a:extLst>
+                  <a:ext uri="{FF2B5EF4-FFF2-40B4-BE49-F238E27FC236}">
+                    <a16:creationId xmlns:a16="http://schemas.microsoft.com/office/drawing/2014/main" id="{4A4A1D11-C468-47DB-AD28-F4E4003F0358}"/>
+                  </a:ext>
+                </a:extLst>
+              </p:cNvPr>
+              <p:cNvSpPr/>
+              <p:nvPr/>
+            </p:nvSpPr>
+            <p:spPr>
+              <a:xfrm>
+                <a:off x="9959923" y="1481146"/>
+                <a:ext cx="1016337" cy="400110"/>
+              </a:xfrm>
+              <a:prstGeom prst="rect">
+                <a:avLst/>
+              </a:prstGeom>
+            </p:spPr>
+            <p:txBody>
+              <a:bodyPr wrap="square">
+                <a:spAutoFit/>
+              </a:bodyPr>
+              <a:lstStyle/>
+              <a:p>
+                <a:pPr algn="ctr"/>
+                <a14:m>
+                  <m:oMathPara xmlns:m="http://schemas.openxmlformats.org/officeDocument/2006/math">
+                    <m:oMathParaPr>
+                      <m:jc m:val="centerGroup"/>
+                    </m:oMathParaPr>
+                    <m:oMath xmlns:m="http://schemas.openxmlformats.org/officeDocument/2006/math">
+                      <m:r>
+                        <a:rPr lang="en-US" sz="2000" b="1" i="1" smtClean="0">
+                          <a:latin typeface="Cambria Math" panose="02040503050406030204" pitchFamily="18" charset="0"/>
+                        </a:rPr>
+                        <m:t>𝒑𝒓𝒆𝒇</m:t>
+                      </m:r>
+                    </m:oMath>
+                  </m:oMathPara>
+                </a14:m>
+                <a:endParaRPr lang="en-US" sz="2000" b="1" dirty="0"/>
+              </a:p>
+            </p:txBody>
+          </p:sp>
+        </mc:Choice>
+        <mc:Fallback>
+          <p:sp>
+            <p:nvSpPr>
+              <p:cNvPr id="173" name="Rectangle 172">
+                <a:extLst>
+                  <a:ext uri="{FF2B5EF4-FFF2-40B4-BE49-F238E27FC236}">
+                    <a16:creationId xmlns:a16="http://schemas.microsoft.com/office/drawing/2014/main" id="{4A4A1D11-C468-47DB-AD28-F4E4003F0358}"/>
+                  </a:ext>
+                </a:extLst>
+              </p:cNvPr>
+              <p:cNvSpPr>
+                <a:spLocks noRot="1" noChangeAspect="1" noMove="1" noResize="1" noEditPoints="1" noAdjustHandles="1" noChangeArrowheads="1" noChangeShapeType="1" noTextEdit="1"/>
+              </p:cNvSpPr>
+              <p:nvPr/>
+            </p:nvSpPr>
+            <p:spPr>
+              <a:xfrm>
+                <a:off x="9959923" y="1481146"/>
+                <a:ext cx="1016337" cy="400110"/>
+              </a:xfrm>
+              <a:prstGeom prst="rect">
+                <a:avLst/>
+              </a:prstGeom>
+              <a:blipFill>
+                <a:blip r:embed="rId29"/>
+                <a:stretch>
+                  <a:fillRect b="-13636"/>
+                </a:stretch>
+              </a:blipFill>
+            </p:spPr>
+            <p:txBody>
+              <a:bodyPr/>
+              <a:lstStyle/>
+              <a:p>
+                <a:r>
+                  <a:rPr lang="en-US">
+                    <a:noFill/>
+                  </a:rPr>
+                  <a:t> </a:t>
+                </a:r>
+              </a:p>
+            </p:txBody>
+          </p:sp>
+        </mc:Fallback>
+      </mc:AlternateContent>
+      <mc:AlternateContent xmlns:mc="http://schemas.openxmlformats.org/markup-compatibility/2006">
+        <mc:Choice xmlns:a14="http://schemas.microsoft.com/office/drawing/2010/main" Requires="a14">
+          <p:sp>
+            <p:nvSpPr>
+              <p:cNvPr id="174" name="Rectangle 173">
+                <a:extLst>
+                  <a:ext uri="{FF2B5EF4-FFF2-40B4-BE49-F238E27FC236}">
+                    <a16:creationId xmlns:a16="http://schemas.microsoft.com/office/drawing/2014/main" id="{50F8388D-3641-46EA-8F31-2D3E72223BB6}"/>
+                  </a:ext>
+                </a:extLst>
+              </p:cNvPr>
+              <p:cNvSpPr/>
+              <p:nvPr/>
+            </p:nvSpPr>
+            <p:spPr>
+              <a:xfrm>
+                <a:off x="1029080" y="536062"/>
+                <a:ext cx="1463734" cy="866006"/>
+              </a:xfrm>
+              <a:prstGeom prst="rect">
+                <a:avLst/>
+              </a:prstGeom>
+            </p:spPr>
+            <p:txBody>
+              <a:bodyPr wrap="none">
+                <a:spAutoFit/>
+              </a:bodyPr>
+              <a:lstStyle/>
+              <a:p>
+                <a:r>
+                  <a:rPr lang="en-US" sz="2400" dirty="0"/>
+                  <a:t>Trajectory</a:t>
+                </a:r>
+              </a:p>
+              <a:p>
+                <a14:m>
+                  <m:oMathPara xmlns:m="http://schemas.openxmlformats.org/officeDocument/2006/math">
+                    <m:oMathParaPr>
+                      <m:jc m:val="centerGroup"/>
+                    </m:oMathParaPr>
+                    <m:oMath xmlns:m="http://schemas.openxmlformats.org/officeDocument/2006/math">
+                      <m:sSub>
+                        <m:sSubPr>
+                          <m:ctrlPr>
+                            <a:rPr lang="en-US" sz="2400" b="1" smtClean="0">
+                              <a:latin typeface="Cambria Math" panose="02040503050406030204" pitchFamily="18" charset="0"/>
+                            </a:rPr>
+                          </m:ctrlPr>
+                        </m:sSubPr>
+                        <m:e>
+                          <m:r>
+                            <a:rPr lang="en-US" sz="2400" b="1" i="1">
+                              <a:latin typeface="Cambria Math" panose="02040503050406030204" pitchFamily="18" charset="0"/>
+                            </a:rPr>
+                            <m:t>𝝉</m:t>
+                          </m:r>
+                        </m:e>
+                        <m:sub>
+                          <m:r>
+                            <a:rPr lang="en-US" sz="2400" b="1" i="1">
+                              <a:latin typeface="Cambria Math" panose="02040503050406030204" pitchFamily="18" charset="0"/>
+                            </a:rPr>
+                            <m:t>𝒋</m:t>
+                          </m:r>
+                        </m:sub>
+                      </m:sSub>
+                    </m:oMath>
+                  </m:oMathPara>
+                </a14:m>
+                <a:endParaRPr lang="en-US" sz="2400" b="1" dirty="0"/>
+              </a:p>
+            </p:txBody>
+          </p:sp>
+        </mc:Choice>
+        <mc:Fallback>
+          <p:sp>
+            <p:nvSpPr>
+              <p:cNvPr id="174" name="Rectangle 173">
+                <a:extLst>
+                  <a:ext uri="{FF2B5EF4-FFF2-40B4-BE49-F238E27FC236}">
+                    <a16:creationId xmlns:a16="http://schemas.microsoft.com/office/drawing/2014/main" id="{50F8388D-3641-46EA-8F31-2D3E72223BB6}"/>
+                  </a:ext>
+                </a:extLst>
+              </p:cNvPr>
+              <p:cNvSpPr>
+                <a:spLocks noRot="1" noChangeAspect="1" noMove="1" noResize="1" noEditPoints="1" noAdjustHandles="1" noChangeArrowheads="1" noChangeShapeType="1" noTextEdit="1"/>
+              </p:cNvSpPr>
+              <p:nvPr/>
+            </p:nvSpPr>
+            <p:spPr>
+              <a:xfrm>
+                <a:off x="1029080" y="536062"/>
+                <a:ext cx="1463734" cy="866006"/>
+              </a:xfrm>
+              <a:prstGeom prst="rect">
+                <a:avLst/>
+              </a:prstGeom>
+              <a:blipFill>
+                <a:blip r:embed="rId30"/>
+                <a:stretch>
+                  <a:fillRect l="-6667" t="-5634" r="-2917" b="-5634"/>
+                </a:stretch>
+              </a:blipFill>
+            </p:spPr>
+            <p:txBody>
+              <a:bodyPr/>
+              <a:lstStyle/>
+              <a:p>
+                <a:r>
+                  <a:rPr lang="en-US">
+                    <a:noFill/>
+                  </a:rPr>
+                  <a:t> </a:t>
+                </a:r>
+              </a:p>
+            </p:txBody>
+          </p:sp>
+        </mc:Fallback>
+      </mc:AlternateContent>
+    </p:spTree>
+    <p:extLst>
+      <p:ext uri="{BB962C8B-B14F-4D97-AF65-F5344CB8AC3E}">
+        <p14:creationId xmlns:p14="http://schemas.microsoft.com/office/powerpoint/2010/main" val="2629702677"/>
+      </p:ext>
+    </p:extLst>
+  </p:cSld>
+  <p:clrMapOvr>
+    <a:masterClrMapping/>
+  </p:clrMapOvr>
+</p:sld>
+</file>
+
+<file path=ppt/slides/slide5.xml><?xml version="1.0" encoding="utf-8"?>
+<p:sld xmlns:a="http://schemas.openxmlformats.org/drawingml/2006/main" xmlns:r="http://schemas.openxmlformats.org/officeDocument/2006/relationships" xmlns:p="http://schemas.openxmlformats.org/presentationml/2006/main">
+  <p:cSld>
+    <p:spTree>
+      <p:nvGrpSpPr>
+        <p:cNvPr id="1" name=""/>
+        <p:cNvGrpSpPr/>
+        <p:nvPr/>
+      </p:nvGrpSpPr>
+      <p:grpSpPr>
+        <a:xfrm>
+          <a:off x="0" y="0"/>
+          <a:ext cx="0" cy="0"/>
+          <a:chOff x="0" y="0"/>
+          <a:chExt cx="0" cy="0"/>
+        </a:xfrm>
+      </p:grpSpPr>
       <p:pic>
         <p:nvPicPr>
           <p:cNvPr id="12" name="Picture 11" descr="A screenshot of a cell phone&#10;&#10;Description automatically generated">
@@ -6700,7 +13906,7 @@
 </p:sld>
 </file>
 
-<file path=ppt/slides/slide5.xml><?xml version="1.0" encoding="utf-8"?>
+<file path=ppt/slides/slide6.xml><?xml version="1.0" encoding="utf-8"?>
 <p:sld xmlns:a="http://schemas.openxmlformats.org/drawingml/2006/main" xmlns:r="http://schemas.openxmlformats.org/officeDocument/2006/relationships" xmlns:p="http://schemas.openxmlformats.org/presentationml/2006/main" show="0">
   <p:cSld>
     <p:spTree>
@@ -6823,7 +14029,7 @@
 </p:sld>
 </file>
 
-<file path=ppt/slides/slide6.xml><?xml version="1.0" encoding="utf-8"?>
+<file path=ppt/slides/slide7.xml><?xml version="1.0" encoding="utf-8"?>
 <p:sld xmlns:a="http://schemas.openxmlformats.org/drawingml/2006/main" xmlns:r="http://schemas.openxmlformats.org/officeDocument/2006/relationships" xmlns:p="http://schemas.openxmlformats.org/presentationml/2006/main">
   <p:cSld>
     <p:spTree>
@@ -7463,7 +14669,7 @@
 </p:sld>
 </file>
 
-<file path=ppt/slides/slide7.xml><?xml version="1.0" encoding="utf-8"?>
+<file path=ppt/slides/slide8.xml><?xml version="1.0" encoding="utf-8"?>
 <p:sld xmlns:a="http://schemas.openxmlformats.org/drawingml/2006/main" xmlns:r="http://schemas.openxmlformats.org/officeDocument/2006/relationships" xmlns:p="http://schemas.openxmlformats.org/presentationml/2006/main">
   <p:cSld>
     <p:spTree>
@@ -7529,7 +14735,7 @@
 </p:sld>
 </file>
 
-<file path=ppt/slides/slide8.xml><?xml version="1.0" encoding="utf-8"?>
+<file path=ppt/slides/slide9.xml><?xml version="1.0" encoding="utf-8"?>
 <p:sld xmlns:a="http://schemas.openxmlformats.org/drawingml/2006/main" xmlns:r="http://schemas.openxmlformats.org/officeDocument/2006/relationships" xmlns:p="http://schemas.openxmlformats.org/presentationml/2006/main" show="0">
   <p:cSld>
     <p:spTree>
@@ -7622,728 +14828,6 @@
     <p:extLst>
       <p:ext uri="{BB962C8B-B14F-4D97-AF65-F5344CB8AC3E}">
         <p14:creationId xmlns:p14="http://schemas.microsoft.com/office/powerpoint/2010/main" val="3469296725"/>
-      </p:ext>
-    </p:extLst>
-  </p:cSld>
-  <p:clrMapOvr>
-    <a:masterClrMapping/>
-  </p:clrMapOvr>
-</p:sld>
-</file>
-
-<file path=ppt/slides/slide9.xml><?xml version="1.0" encoding="utf-8"?>
-<p:sld xmlns:a="http://schemas.openxmlformats.org/drawingml/2006/main" xmlns:r="http://schemas.openxmlformats.org/officeDocument/2006/relationships" xmlns:p="http://schemas.openxmlformats.org/presentationml/2006/main">
-  <p:cSld>
-    <p:spTree>
-      <p:nvGrpSpPr>
-        <p:cNvPr id="1" name=""/>
-        <p:cNvGrpSpPr/>
-        <p:nvPr/>
-      </p:nvGrpSpPr>
-      <p:grpSpPr>
-        <a:xfrm>
-          <a:off x="0" y="0"/>
-          <a:ext cx="0" cy="0"/>
-          <a:chOff x="0" y="0"/>
-          <a:chExt cx="0" cy="0"/>
-        </a:xfrm>
-      </p:grpSpPr>
-      <p:grpSp>
-        <p:nvGrpSpPr>
-          <p:cNvPr id="3" name="Group 2">
-            <a:extLst>
-              <a:ext uri="{FF2B5EF4-FFF2-40B4-BE49-F238E27FC236}">
-                <a16:creationId xmlns:a16="http://schemas.microsoft.com/office/drawing/2014/main" id="{170451F5-9FD8-462F-8F65-BC40D54559CF}"/>
-              </a:ext>
-            </a:extLst>
-          </p:cNvPr>
-          <p:cNvGrpSpPr/>
-          <p:nvPr/>
-        </p:nvGrpSpPr>
-        <p:grpSpPr>
-          <a:xfrm>
-            <a:off x="3456507" y="30704"/>
-            <a:ext cx="8937132" cy="6848396"/>
-            <a:chOff x="3456507" y="30704"/>
-            <a:chExt cx="8937132" cy="6848396"/>
-          </a:xfrm>
-        </p:grpSpPr>
-        <p:pic>
-          <p:nvPicPr>
-            <p:cNvPr id="23" name="Picture 22" descr="A picture containing clock&#10;&#10;Description automatically generated">
-              <a:extLst>
-                <a:ext uri="{FF2B5EF4-FFF2-40B4-BE49-F238E27FC236}">
-                  <a16:creationId xmlns:a16="http://schemas.microsoft.com/office/drawing/2014/main" id="{EE184879-A543-4803-9680-DAFA8E6BB1FD}"/>
-                </a:ext>
-              </a:extLst>
-            </p:cNvPr>
-            <p:cNvPicPr>
-              <a:picLocks noChangeAspect="1"/>
-            </p:cNvPicPr>
-            <p:nvPr/>
-          </p:nvPicPr>
-          <p:blipFill rotWithShape="1">
-            <a:blip r:embed="rId3">
-              <a:extLst>
-                <a:ext uri="{28A0092B-C50C-407E-A947-70E740481C1C}">
-                  <a14:useLocalDpi xmlns:a14="http://schemas.microsoft.com/office/drawing/2010/main" val="0"/>
-                </a:ext>
-              </a:extLst>
-            </a:blip>
-            <a:srcRect l="10814" r="32776"/>
-            <a:stretch/>
-          </p:blipFill>
-          <p:spPr>
-            <a:xfrm>
-              <a:off x="4041697" y="478300"/>
-              <a:ext cx="2625969" cy="6400800"/>
-            </a:xfrm>
-            <a:prstGeom prst="rect">
-              <a:avLst/>
-            </a:prstGeom>
-          </p:spPr>
-        </p:pic>
-        <p:pic>
-          <p:nvPicPr>
-            <p:cNvPr id="26" name="Picture 25">
-              <a:extLst>
-                <a:ext uri="{FF2B5EF4-FFF2-40B4-BE49-F238E27FC236}">
-                  <a16:creationId xmlns:a16="http://schemas.microsoft.com/office/drawing/2014/main" id="{FB9E297C-0B80-48C8-B398-30046B505A2B}"/>
-                </a:ext>
-              </a:extLst>
-            </p:cNvPr>
-            <p:cNvPicPr>
-              <a:picLocks noChangeAspect="1"/>
-            </p:cNvPicPr>
-            <p:nvPr/>
-          </p:nvPicPr>
-          <p:blipFill rotWithShape="1">
-            <a:blip r:embed="rId4">
-              <a:extLst>
-                <a:ext uri="{28A0092B-C50C-407E-A947-70E740481C1C}">
-                  <a14:useLocalDpi xmlns:a14="http://schemas.microsoft.com/office/drawing/2010/main" val="0"/>
-                </a:ext>
-              </a:extLst>
-            </a:blip>
-            <a:srcRect l="10162" r="29688"/>
-            <a:stretch/>
-          </p:blipFill>
-          <p:spPr>
-            <a:xfrm>
-              <a:off x="6753352" y="492369"/>
-              <a:ext cx="2784651" cy="6365631"/>
-            </a:xfrm>
-            <a:prstGeom prst="rect">
-              <a:avLst/>
-            </a:prstGeom>
-          </p:spPr>
-        </p:pic>
-        <p:sp>
-          <p:nvSpPr>
-            <p:cNvPr id="4" name="TextBox 3">
-              <a:extLst>
-                <a:ext uri="{FF2B5EF4-FFF2-40B4-BE49-F238E27FC236}">
-                  <a16:creationId xmlns:a16="http://schemas.microsoft.com/office/drawing/2014/main" id="{84701484-AC52-4013-A26D-C932C1EF0C35}"/>
-                </a:ext>
-              </a:extLst>
-            </p:cNvPr>
-            <p:cNvSpPr txBox="1"/>
-            <p:nvPr/>
-          </p:nvSpPr>
-          <p:spPr>
-            <a:xfrm>
-              <a:off x="9829911" y="1869999"/>
-              <a:ext cx="2563728" cy="830997"/>
-            </a:xfrm>
-            <a:prstGeom prst="rect">
-              <a:avLst/>
-            </a:prstGeom>
-            <a:noFill/>
-          </p:spPr>
-          <p:txBody>
-            <a:bodyPr wrap="square" rtlCol="0">
-              <a:spAutoFit/>
-            </a:bodyPr>
-            <a:lstStyle/>
-            <a:p>
-              <a:r>
-                <a:rPr lang="en-US" sz="2400" dirty="0"/>
-                <a:t>Rank by</a:t>
-              </a:r>
-            </a:p>
-            <a:p>
-              <a:r>
-                <a:rPr lang="en-US" sz="2400" dirty="0"/>
-                <a:t>Preference</a:t>
-              </a:r>
-            </a:p>
-          </p:txBody>
-        </p:sp>
-        <p:pic>
-          <p:nvPicPr>
-            <p:cNvPr id="5" name="Picture 4" descr="A close up of a logo&#10;&#10;Description automatically generated">
-              <a:extLst>
-                <a:ext uri="{FF2B5EF4-FFF2-40B4-BE49-F238E27FC236}">
-                  <a16:creationId xmlns:a16="http://schemas.microsoft.com/office/drawing/2014/main" id="{9D32934A-3112-49B1-A9F0-E13A7327878D}"/>
-                </a:ext>
-              </a:extLst>
-            </p:cNvPr>
-            <p:cNvPicPr>
-              <a:picLocks noChangeAspect="1"/>
-            </p:cNvPicPr>
-            <p:nvPr/>
-          </p:nvPicPr>
-          <p:blipFill rotWithShape="1">
-            <a:blip r:embed="rId5">
-              <a:extLst>
-                <a:ext uri="{28A0092B-C50C-407E-A947-70E740481C1C}">
-                  <a14:useLocalDpi xmlns:a14="http://schemas.microsoft.com/office/drawing/2010/main" val="0"/>
-                </a:ext>
-              </a:extLst>
-            </a:blip>
-            <a:srcRect l="73004" t="42701" r="17406" b="41504"/>
-            <a:stretch/>
-          </p:blipFill>
-          <p:spPr>
-            <a:xfrm>
-              <a:off x="9676869" y="2700996"/>
-              <a:ext cx="1281864" cy="2903050"/>
-            </a:xfrm>
-            <a:prstGeom prst="rect">
-              <a:avLst/>
-            </a:prstGeom>
-          </p:spPr>
-        </p:pic>
-        <p:sp>
-          <p:nvSpPr>
-            <p:cNvPr id="8" name="TextBox 7">
-              <a:extLst>
-                <a:ext uri="{FF2B5EF4-FFF2-40B4-BE49-F238E27FC236}">
-                  <a16:creationId xmlns:a16="http://schemas.microsoft.com/office/drawing/2014/main" id="{2C7F735B-B575-44A3-9447-25DB41E4994B}"/>
-                </a:ext>
-              </a:extLst>
-            </p:cNvPr>
-            <p:cNvSpPr txBox="1"/>
-            <p:nvPr/>
-          </p:nvSpPr>
-          <p:spPr>
-            <a:xfrm>
-              <a:off x="4486113" y="30704"/>
-              <a:ext cx="2106526" cy="461665"/>
-            </a:xfrm>
-            <a:prstGeom prst="rect">
-              <a:avLst/>
-            </a:prstGeom>
-            <a:noFill/>
-          </p:spPr>
-          <p:txBody>
-            <a:bodyPr wrap="square" rtlCol="0">
-              <a:spAutoFit/>
-            </a:bodyPr>
-            <a:lstStyle/>
-            <a:p>
-              <a:r>
-                <a:rPr lang="en-US" sz="2400" dirty="0"/>
-                <a:t>Ground-Truth</a:t>
-              </a:r>
-            </a:p>
-          </p:txBody>
-        </p:sp>
-        <p:sp>
-          <p:nvSpPr>
-            <p:cNvPr id="9" name="TextBox 8">
-              <a:extLst>
-                <a:ext uri="{FF2B5EF4-FFF2-40B4-BE49-F238E27FC236}">
-                  <a16:creationId xmlns:a16="http://schemas.microsoft.com/office/drawing/2014/main" id="{2152F5F1-08CE-4CF2-ABC0-476F5618666B}"/>
-                </a:ext>
-              </a:extLst>
-            </p:cNvPr>
-            <p:cNvSpPr txBox="1"/>
-            <p:nvPr/>
-          </p:nvSpPr>
-          <p:spPr>
-            <a:xfrm>
-              <a:off x="7158012" y="30704"/>
-              <a:ext cx="2106526" cy="461665"/>
-            </a:xfrm>
-            <a:prstGeom prst="rect">
-              <a:avLst/>
-            </a:prstGeom>
-            <a:noFill/>
-          </p:spPr>
-          <p:txBody>
-            <a:bodyPr wrap="square" rtlCol="0">
-              <a:spAutoFit/>
-            </a:bodyPr>
-            <a:lstStyle/>
-            <a:p>
-              <a:r>
-                <a:rPr lang="en-US" sz="2400" dirty="0"/>
-                <a:t>Reconstructed</a:t>
-              </a:r>
-            </a:p>
-          </p:txBody>
-        </p:sp>
-        <p:sp>
-          <p:nvSpPr>
-            <p:cNvPr id="2" name="TextBox 1">
-              <a:extLst>
-                <a:ext uri="{FF2B5EF4-FFF2-40B4-BE49-F238E27FC236}">
-                  <a16:creationId xmlns:a16="http://schemas.microsoft.com/office/drawing/2014/main" id="{93881ACD-F384-40F5-8ACB-47CA109B5208}"/>
-                </a:ext>
-              </a:extLst>
-            </p:cNvPr>
-            <p:cNvSpPr txBox="1"/>
-            <p:nvPr/>
-          </p:nvSpPr>
-          <p:spPr>
-            <a:xfrm>
-              <a:off x="3456507" y="596721"/>
-              <a:ext cx="1237957" cy="369332"/>
-            </a:xfrm>
-            <a:prstGeom prst="rect">
-              <a:avLst/>
-            </a:prstGeom>
-            <a:noFill/>
-          </p:spPr>
-          <p:txBody>
-            <a:bodyPr wrap="square" rtlCol="0">
-              <a:spAutoFit/>
-            </a:bodyPr>
-            <a:lstStyle/>
-            <a:p>
-              <a:r>
-                <a:rPr lang="en-US" i="1" dirty="0"/>
-                <a:t>7.07</a:t>
-              </a:r>
-            </a:p>
-          </p:txBody>
-        </p:sp>
-        <p:sp>
-          <p:nvSpPr>
-            <p:cNvPr id="29" name="TextBox 28">
-              <a:extLst>
-                <a:ext uri="{FF2B5EF4-FFF2-40B4-BE49-F238E27FC236}">
-                  <a16:creationId xmlns:a16="http://schemas.microsoft.com/office/drawing/2014/main" id="{D9429D11-2D72-4011-8904-B1540DF41FED}"/>
-                </a:ext>
-              </a:extLst>
-            </p:cNvPr>
-            <p:cNvSpPr txBox="1"/>
-            <p:nvPr/>
-          </p:nvSpPr>
-          <p:spPr>
-            <a:xfrm>
-              <a:off x="3456507" y="1055995"/>
-              <a:ext cx="1237957" cy="369332"/>
-            </a:xfrm>
-            <a:prstGeom prst="rect">
-              <a:avLst/>
-            </a:prstGeom>
-            <a:noFill/>
-          </p:spPr>
-          <p:txBody>
-            <a:bodyPr wrap="square" rtlCol="0">
-              <a:spAutoFit/>
-            </a:bodyPr>
-            <a:lstStyle/>
-            <a:p>
-              <a:r>
-                <a:rPr lang="en-US" i="1" dirty="0"/>
-                <a:t>6.66</a:t>
-              </a:r>
-            </a:p>
-          </p:txBody>
-        </p:sp>
-        <p:sp>
-          <p:nvSpPr>
-            <p:cNvPr id="30" name="TextBox 29">
-              <a:extLst>
-                <a:ext uri="{FF2B5EF4-FFF2-40B4-BE49-F238E27FC236}">
-                  <a16:creationId xmlns:a16="http://schemas.microsoft.com/office/drawing/2014/main" id="{CE592049-B336-476C-B081-774D22575FF0}"/>
-                </a:ext>
-              </a:extLst>
-            </p:cNvPr>
-            <p:cNvSpPr txBox="1"/>
-            <p:nvPr/>
-          </p:nvSpPr>
-          <p:spPr>
-            <a:xfrm>
-              <a:off x="3456507" y="1515269"/>
-              <a:ext cx="1237957" cy="369332"/>
-            </a:xfrm>
-            <a:prstGeom prst="rect">
-              <a:avLst/>
-            </a:prstGeom>
-            <a:noFill/>
-          </p:spPr>
-          <p:txBody>
-            <a:bodyPr wrap="square" rtlCol="0">
-              <a:spAutoFit/>
-            </a:bodyPr>
-            <a:lstStyle/>
-            <a:p>
-              <a:r>
-                <a:rPr lang="en-US" i="1" dirty="0"/>
-                <a:t>6.29</a:t>
-              </a:r>
-            </a:p>
-          </p:txBody>
-        </p:sp>
-        <p:sp>
-          <p:nvSpPr>
-            <p:cNvPr id="31" name="TextBox 30">
-              <a:extLst>
-                <a:ext uri="{FF2B5EF4-FFF2-40B4-BE49-F238E27FC236}">
-                  <a16:creationId xmlns:a16="http://schemas.microsoft.com/office/drawing/2014/main" id="{49C936E8-B041-414D-899C-B9C6F7A106E5}"/>
-                </a:ext>
-              </a:extLst>
-            </p:cNvPr>
-            <p:cNvSpPr txBox="1"/>
-            <p:nvPr/>
-          </p:nvSpPr>
-          <p:spPr>
-            <a:xfrm>
-              <a:off x="3456507" y="1974543"/>
-              <a:ext cx="1237957" cy="369332"/>
-            </a:xfrm>
-            <a:prstGeom prst="rect">
-              <a:avLst/>
-            </a:prstGeom>
-            <a:noFill/>
-          </p:spPr>
-          <p:txBody>
-            <a:bodyPr wrap="square" rtlCol="0">
-              <a:spAutoFit/>
-            </a:bodyPr>
-            <a:lstStyle/>
-            <a:p>
-              <a:r>
-                <a:rPr lang="en-US" i="1" dirty="0"/>
-                <a:t>3.77</a:t>
-              </a:r>
-            </a:p>
-          </p:txBody>
-        </p:sp>
-        <p:sp>
-          <p:nvSpPr>
-            <p:cNvPr id="32" name="TextBox 31">
-              <a:extLst>
-                <a:ext uri="{FF2B5EF4-FFF2-40B4-BE49-F238E27FC236}">
-                  <a16:creationId xmlns:a16="http://schemas.microsoft.com/office/drawing/2014/main" id="{DF7F83BA-47D5-4F5D-BC96-61A919864080}"/>
-                </a:ext>
-              </a:extLst>
-            </p:cNvPr>
-            <p:cNvSpPr txBox="1"/>
-            <p:nvPr/>
-          </p:nvSpPr>
-          <p:spPr>
-            <a:xfrm>
-              <a:off x="3456507" y="2433817"/>
-              <a:ext cx="1237957" cy="369332"/>
-            </a:xfrm>
-            <a:prstGeom prst="rect">
-              <a:avLst/>
-            </a:prstGeom>
-            <a:noFill/>
-          </p:spPr>
-          <p:txBody>
-            <a:bodyPr wrap="square" rtlCol="0">
-              <a:spAutoFit/>
-            </a:bodyPr>
-            <a:lstStyle/>
-            <a:p>
-              <a:r>
-                <a:rPr lang="en-US" i="1" dirty="0"/>
-                <a:t>3.37</a:t>
-              </a:r>
-            </a:p>
-          </p:txBody>
-        </p:sp>
-        <p:sp>
-          <p:nvSpPr>
-            <p:cNvPr id="33" name="TextBox 32">
-              <a:extLst>
-                <a:ext uri="{FF2B5EF4-FFF2-40B4-BE49-F238E27FC236}">
-                  <a16:creationId xmlns:a16="http://schemas.microsoft.com/office/drawing/2014/main" id="{9257865C-0BEE-4BB3-80E1-93B3BB99AA04}"/>
-                </a:ext>
-              </a:extLst>
-            </p:cNvPr>
-            <p:cNvSpPr txBox="1"/>
-            <p:nvPr/>
-          </p:nvSpPr>
-          <p:spPr>
-            <a:xfrm>
-              <a:off x="3456507" y="2893091"/>
-              <a:ext cx="1237957" cy="369332"/>
-            </a:xfrm>
-            <a:prstGeom prst="rect">
-              <a:avLst/>
-            </a:prstGeom>
-            <a:noFill/>
-          </p:spPr>
-          <p:txBody>
-            <a:bodyPr wrap="square" rtlCol="0">
-              <a:spAutoFit/>
-            </a:bodyPr>
-            <a:lstStyle/>
-            <a:p>
-              <a:r>
-                <a:rPr lang="en-US" i="1" dirty="0"/>
-                <a:t>3.32</a:t>
-              </a:r>
-            </a:p>
-          </p:txBody>
-        </p:sp>
-        <p:sp>
-          <p:nvSpPr>
-            <p:cNvPr id="34" name="TextBox 33">
-              <a:extLst>
-                <a:ext uri="{FF2B5EF4-FFF2-40B4-BE49-F238E27FC236}">
-                  <a16:creationId xmlns:a16="http://schemas.microsoft.com/office/drawing/2014/main" id="{1E4793CE-A257-49B6-964E-CC496CC1B540}"/>
-                </a:ext>
-              </a:extLst>
-            </p:cNvPr>
-            <p:cNvSpPr txBox="1"/>
-            <p:nvPr/>
-          </p:nvSpPr>
-          <p:spPr>
-            <a:xfrm>
-              <a:off x="3456507" y="3352365"/>
-              <a:ext cx="1237957" cy="369332"/>
-            </a:xfrm>
-            <a:prstGeom prst="rect">
-              <a:avLst/>
-            </a:prstGeom>
-            <a:noFill/>
-          </p:spPr>
-          <p:txBody>
-            <a:bodyPr wrap="square" rtlCol="0">
-              <a:spAutoFit/>
-            </a:bodyPr>
-            <a:lstStyle/>
-            <a:p>
-              <a:r>
-                <a:rPr lang="en-US" i="1" dirty="0"/>
-                <a:t>2.87</a:t>
-              </a:r>
-            </a:p>
-          </p:txBody>
-        </p:sp>
-        <p:sp>
-          <p:nvSpPr>
-            <p:cNvPr id="35" name="TextBox 34">
-              <a:extLst>
-                <a:ext uri="{FF2B5EF4-FFF2-40B4-BE49-F238E27FC236}">
-                  <a16:creationId xmlns:a16="http://schemas.microsoft.com/office/drawing/2014/main" id="{C2036315-D479-46E9-9F87-E42E4215BF87}"/>
-                </a:ext>
-              </a:extLst>
-            </p:cNvPr>
-            <p:cNvSpPr txBox="1"/>
-            <p:nvPr/>
-          </p:nvSpPr>
-          <p:spPr>
-            <a:xfrm>
-              <a:off x="3456507" y="3811639"/>
-              <a:ext cx="1237957" cy="369332"/>
-            </a:xfrm>
-            <a:prstGeom prst="rect">
-              <a:avLst/>
-            </a:prstGeom>
-            <a:noFill/>
-          </p:spPr>
-          <p:txBody>
-            <a:bodyPr wrap="square" rtlCol="0">
-              <a:spAutoFit/>
-            </a:bodyPr>
-            <a:lstStyle/>
-            <a:p>
-              <a:r>
-                <a:rPr lang="en-US" i="1" dirty="0"/>
-                <a:t>2.45</a:t>
-              </a:r>
-            </a:p>
-          </p:txBody>
-        </p:sp>
-        <p:sp>
-          <p:nvSpPr>
-            <p:cNvPr id="36" name="TextBox 35">
-              <a:extLst>
-                <a:ext uri="{FF2B5EF4-FFF2-40B4-BE49-F238E27FC236}">
-                  <a16:creationId xmlns:a16="http://schemas.microsoft.com/office/drawing/2014/main" id="{892CBBF0-1BFF-4EA7-B194-BC6A5035A348}"/>
-                </a:ext>
-              </a:extLst>
-            </p:cNvPr>
-            <p:cNvSpPr txBox="1"/>
-            <p:nvPr/>
-          </p:nvSpPr>
-          <p:spPr>
-            <a:xfrm>
-              <a:off x="3456507" y="4270913"/>
-              <a:ext cx="1237957" cy="369332"/>
-            </a:xfrm>
-            <a:prstGeom prst="rect">
-              <a:avLst/>
-            </a:prstGeom>
-            <a:noFill/>
-          </p:spPr>
-          <p:txBody>
-            <a:bodyPr wrap="square" rtlCol="0">
-              <a:spAutoFit/>
-            </a:bodyPr>
-            <a:lstStyle/>
-            <a:p>
-              <a:r>
-                <a:rPr lang="en-US" i="1" dirty="0"/>
-                <a:t>2.36</a:t>
-              </a:r>
-            </a:p>
-          </p:txBody>
-        </p:sp>
-        <p:sp>
-          <p:nvSpPr>
-            <p:cNvPr id="37" name="TextBox 36">
-              <a:extLst>
-                <a:ext uri="{FF2B5EF4-FFF2-40B4-BE49-F238E27FC236}">
-                  <a16:creationId xmlns:a16="http://schemas.microsoft.com/office/drawing/2014/main" id="{998C8DB4-6393-4493-B4D0-9C1AA85263D4}"/>
-                </a:ext>
-              </a:extLst>
-            </p:cNvPr>
-            <p:cNvSpPr txBox="1"/>
-            <p:nvPr/>
-          </p:nvSpPr>
-          <p:spPr>
-            <a:xfrm>
-              <a:off x="3456507" y="4730187"/>
-              <a:ext cx="1237957" cy="369332"/>
-            </a:xfrm>
-            <a:prstGeom prst="rect">
-              <a:avLst/>
-            </a:prstGeom>
-            <a:noFill/>
-          </p:spPr>
-          <p:txBody>
-            <a:bodyPr wrap="square" rtlCol="0">
-              <a:spAutoFit/>
-            </a:bodyPr>
-            <a:lstStyle/>
-            <a:p>
-              <a:r>
-                <a:rPr lang="en-US" i="1" dirty="0"/>
-                <a:t>2.06</a:t>
-              </a:r>
-            </a:p>
-          </p:txBody>
-        </p:sp>
-        <p:sp>
-          <p:nvSpPr>
-            <p:cNvPr id="38" name="TextBox 37">
-              <a:extLst>
-                <a:ext uri="{FF2B5EF4-FFF2-40B4-BE49-F238E27FC236}">
-                  <a16:creationId xmlns:a16="http://schemas.microsoft.com/office/drawing/2014/main" id="{B645D6E2-FC2A-41C1-90C2-4C9650896033}"/>
-                </a:ext>
-              </a:extLst>
-            </p:cNvPr>
-            <p:cNvSpPr txBox="1"/>
-            <p:nvPr/>
-          </p:nvSpPr>
-          <p:spPr>
-            <a:xfrm>
-              <a:off x="3456507" y="5189461"/>
-              <a:ext cx="1237957" cy="369332"/>
-            </a:xfrm>
-            <a:prstGeom prst="rect">
-              <a:avLst/>
-            </a:prstGeom>
-            <a:noFill/>
-          </p:spPr>
-          <p:txBody>
-            <a:bodyPr wrap="square" rtlCol="0">
-              <a:spAutoFit/>
-            </a:bodyPr>
-            <a:lstStyle/>
-            <a:p>
-              <a:r>
-                <a:rPr lang="en-US" i="1" dirty="0"/>
-                <a:t>1.73</a:t>
-              </a:r>
-            </a:p>
-          </p:txBody>
-        </p:sp>
-        <p:sp>
-          <p:nvSpPr>
-            <p:cNvPr id="39" name="TextBox 38">
-              <a:extLst>
-                <a:ext uri="{FF2B5EF4-FFF2-40B4-BE49-F238E27FC236}">
-                  <a16:creationId xmlns:a16="http://schemas.microsoft.com/office/drawing/2014/main" id="{D659BF83-9EBA-416E-8AA3-4C93E199399F}"/>
-                </a:ext>
-              </a:extLst>
-            </p:cNvPr>
-            <p:cNvSpPr txBox="1"/>
-            <p:nvPr/>
-          </p:nvSpPr>
-          <p:spPr>
-            <a:xfrm>
-              <a:off x="3456507" y="5648735"/>
-              <a:ext cx="1237957" cy="369332"/>
-            </a:xfrm>
-            <a:prstGeom prst="rect">
-              <a:avLst/>
-            </a:prstGeom>
-            <a:noFill/>
-          </p:spPr>
-          <p:txBody>
-            <a:bodyPr wrap="square" rtlCol="0">
-              <a:spAutoFit/>
-            </a:bodyPr>
-            <a:lstStyle/>
-            <a:p>
-              <a:r>
-                <a:rPr lang="en-US" i="1" dirty="0"/>
-                <a:t>1.00</a:t>
-              </a:r>
-            </a:p>
-          </p:txBody>
-        </p:sp>
-        <p:sp>
-          <p:nvSpPr>
-            <p:cNvPr id="40" name="TextBox 39">
-              <a:extLst>
-                <a:ext uri="{FF2B5EF4-FFF2-40B4-BE49-F238E27FC236}">
-                  <a16:creationId xmlns:a16="http://schemas.microsoft.com/office/drawing/2014/main" id="{A1955DF9-0A34-4132-BB80-0A4B02A0C186}"/>
-                </a:ext>
-              </a:extLst>
-            </p:cNvPr>
-            <p:cNvSpPr txBox="1"/>
-            <p:nvPr/>
-          </p:nvSpPr>
-          <p:spPr>
-            <a:xfrm>
-              <a:off x="3456507" y="6108011"/>
-              <a:ext cx="1237957" cy="369332"/>
-            </a:xfrm>
-            <a:prstGeom prst="rect">
-              <a:avLst/>
-            </a:prstGeom>
-            <a:noFill/>
-          </p:spPr>
-          <p:txBody>
-            <a:bodyPr wrap="square" rtlCol="0">
-              <a:spAutoFit/>
-            </a:bodyPr>
-            <a:lstStyle/>
-            <a:p>
-              <a:r>
-                <a:rPr lang="en-US" i="1" dirty="0"/>
-                <a:t>1.00</a:t>
-              </a:r>
-            </a:p>
-          </p:txBody>
-        </p:sp>
-      </p:grpSp>
-    </p:spTree>
-    <p:extLst>
-      <p:ext uri="{BB962C8B-B14F-4D97-AF65-F5344CB8AC3E}">
-        <p14:creationId xmlns:p14="http://schemas.microsoft.com/office/powerpoint/2010/main" val="1773979766"/>
       </p:ext>
     </p:extLst>
   </p:cSld>

--- a/report/RO-MAN/figures/ROMAN-figures.pptx
+++ b/report/RO-MAN/figures/ROMAN-figures.pptx
@@ -5,7 +5,7 @@
     <p:sldMasterId id="2147483648" r:id="rId1"/>
   </p:sldMasterIdLst>
   <p:notesMasterIdLst>
-    <p:notesMasterId r:id="rId12"/>
+    <p:notesMasterId r:id="rId13"/>
   </p:notesMasterIdLst>
   <p:sldIdLst>
     <p:sldId id="263" r:id="rId2"/>
@@ -18,6 +18,7 @@
     <p:sldId id="256" r:id="rId9"/>
     <p:sldId id="257" r:id="rId10"/>
     <p:sldId id="261" r:id="rId11"/>
+    <p:sldId id="267" r:id="rId12"/>
   </p:sldIdLst>
   <p:sldSz cx="12192000" cy="6858000"/>
   <p:notesSz cx="6858000" cy="9144000"/>
@@ -124,6 +125,11 @@
             <a:srgbClr val="A4A3A4"/>
           </p15:clr>
         </p15:guide>
+        <p15:guide id="3" orient="horz" pos="2136" userDrawn="1">
+          <p15:clr>
+            <a:srgbClr val="A4A3A4"/>
+          </p15:clr>
+        </p15:guide>
       </p15:sldGuideLst>
     </p:ext>
   </p:extLst>
@@ -212,7 +218,7 @@
           <a:p>
             <a:fld id="{3F89A295-6F9E-4D51-AE54-61E02A4CE380}" type="datetimeFigureOut">
               <a:rPr lang="en-US" smtClean="0"/>
-              <a:t>3/11/2020</a:t>
+              <a:t>3/12/2020</a:t>
             </a:fld>
             <a:endParaRPr lang="en-US"/>
           </a:p>
@@ -1203,6 +1209,90 @@
 </p:notes>
 </file>
 
+<file path=ppt/notesSlides/notesSlide7.xml><?xml version="1.0" encoding="utf-8"?>
+<p:notes xmlns:a="http://schemas.openxmlformats.org/drawingml/2006/main" xmlns:r="http://schemas.openxmlformats.org/officeDocument/2006/relationships" xmlns:p="http://schemas.openxmlformats.org/presentationml/2006/main">
+  <p:cSld>
+    <p:spTree>
+      <p:nvGrpSpPr>
+        <p:cNvPr id="1" name=""/>
+        <p:cNvGrpSpPr/>
+        <p:nvPr/>
+      </p:nvGrpSpPr>
+      <p:grpSpPr>
+        <a:xfrm>
+          <a:off x="0" y="0"/>
+          <a:ext cx="0" cy="0"/>
+          <a:chOff x="0" y="0"/>
+          <a:chExt cx="0" cy="0"/>
+        </a:xfrm>
+      </p:grpSpPr>
+      <p:sp>
+        <p:nvSpPr>
+          <p:cNvPr id="2" name="Slide Image Placeholder 1"/>
+          <p:cNvSpPr>
+            <a:spLocks noGrp="1" noRot="1" noChangeAspect="1"/>
+          </p:cNvSpPr>
+          <p:nvPr>
+            <p:ph type="sldImg"/>
+          </p:nvPr>
+        </p:nvSpPr>
+        <p:spPr/>
+      </p:sp>
+      <p:sp>
+        <p:nvSpPr>
+          <p:cNvPr id="3" name="Notes Placeholder 2"/>
+          <p:cNvSpPr>
+            <a:spLocks noGrp="1"/>
+          </p:cNvSpPr>
+          <p:nvPr>
+            <p:ph type="body" idx="1"/>
+          </p:nvPr>
+        </p:nvSpPr>
+        <p:spPr/>
+        <p:txBody>
+          <a:bodyPr/>
+          <a:lstStyle/>
+          <a:p>
+            <a:endParaRPr lang="en-US" dirty="0"/>
+          </a:p>
+        </p:txBody>
+      </p:sp>
+      <p:sp>
+        <p:nvSpPr>
+          <p:cNvPr id="4" name="Slide Number Placeholder 3"/>
+          <p:cNvSpPr>
+            <a:spLocks noGrp="1"/>
+          </p:cNvSpPr>
+          <p:nvPr>
+            <p:ph type="sldNum" sz="quarter" idx="5"/>
+          </p:nvPr>
+        </p:nvSpPr>
+        <p:spPr/>
+        <p:txBody>
+          <a:bodyPr/>
+          <a:lstStyle/>
+          <a:p>
+            <a:fld id="{DA1463AA-A683-4C2A-8632-07FD5D698543}" type="slidenum">
+              <a:rPr lang="en-US" smtClean="0"/>
+              <a:t>11</a:t>
+            </a:fld>
+            <a:endParaRPr lang="en-US"/>
+          </a:p>
+        </p:txBody>
+      </p:sp>
+    </p:spTree>
+    <p:extLst>
+      <p:ext uri="{BB962C8B-B14F-4D97-AF65-F5344CB8AC3E}">
+        <p14:creationId xmlns:p14="http://schemas.microsoft.com/office/powerpoint/2010/main" val="3350396218"/>
+      </p:ext>
+    </p:extLst>
+  </p:cSld>
+  <p:clrMapOvr>
+    <a:masterClrMapping/>
+  </p:clrMapOvr>
+</p:notes>
+</file>
+
 <file path=ppt/slideLayouts/slideLayout1.xml><?xml version="1.0" encoding="utf-8"?>
 <p:sldLayout xmlns:a="http://schemas.openxmlformats.org/drawingml/2006/main" xmlns:r="http://schemas.openxmlformats.org/officeDocument/2006/relationships" xmlns:p="http://schemas.openxmlformats.org/presentationml/2006/main" type="title" preserve="1">
   <p:cSld name="Title Slide">
@@ -1350,7 +1440,7 @@
           <a:p>
             <a:fld id="{F4E53FB3-0E6D-400E-94D0-294D549E0F65}" type="datetimeFigureOut">
               <a:rPr lang="en-US" smtClean="0"/>
-              <a:t>3/11/2020</a:t>
+              <a:t>3/12/2020</a:t>
             </a:fld>
             <a:endParaRPr lang="en-US"/>
           </a:p>
@@ -1548,7 +1638,7 @@
           <a:p>
             <a:fld id="{F4E53FB3-0E6D-400E-94D0-294D549E0F65}" type="datetimeFigureOut">
               <a:rPr lang="en-US" smtClean="0"/>
-              <a:t>3/11/2020</a:t>
+              <a:t>3/12/2020</a:t>
             </a:fld>
             <a:endParaRPr lang="en-US"/>
           </a:p>
@@ -1756,7 +1846,7 @@
           <a:p>
             <a:fld id="{F4E53FB3-0E6D-400E-94D0-294D549E0F65}" type="datetimeFigureOut">
               <a:rPr lang="en-US" smtClean="0"/>
-              <a:t>3/11/2020</a:t>
+              <a:t>3/12/2020</a:t>
             </a:fld>
             <a:endParaRPr lang="en-US"/>
           </a:p>
@@ -1954,7 +2044,7 @@
           <a:p>
             <a:fld id="{F4E53FB3-0E6D-400E-94D0-294D549E0F65}" type="datetimeFigureOut">
               <a:rPr lang="en-US" smtClean="0"/>
-              <a:t>3/11/2020</a:t>
+              <a:t>3/12/2020</a:t>
             </a:fld>
             <a:endParaRPr lang="en-US"/>
           </a:p>
@@ -2229,7 +2319,7 @@
           <a:p>
             <a:fld id="{F4E53FB3-0E6D-400E-94D0-294D549E0F65}" type="datetimeFigureOut">
               <a:rPr lang="en-US" smtClean="0"/>
-              <a:t>3/11/2020</a:t>
+              <a:t>3/12/2020</a:t>
             </a:fld>
             <a:endParaRPr lang="en-US"/>
           </a:p>
@@ -2494,7 +2584,7 @@
           <a:p>
             <a:fld id="{F4E53FB3-0E6D-400E-94D0-294D549E0F65}" type="datetimeFigureOut">
               <a:rPr lang="en-US" smtClean="0"/>
-              <a:t>3/11/2020</a:t>
+              <a:t>3/12/2020</a:t>
             </a:fld>
             <a:endParaRPr lang="en-US"/>
           </a:p>
@@ -2906,7 +2996,7 @@
           <a:p>
             <a:fld id="{F4E53FB3-0E6D-400E-94D0-294D549E0F65}" type="datetimeFigureOut">
               <a:rPr lang="en-US" smtClean="0"/>
-              <a:t>3/11/2020</a:t>
+              <a:t>3/12/2020</a:t>
             </a:fld>
             <a:endParaRPr lang="en-US"/>
           </a:p>
@@ -3047,7 +3137,7 @@
           <a:p>
             <a:fld id="{F4E53FB3-0E6D-400E-94D0-294D549E0F65}" type="datetimeFigureOut">
               <a:rPr lang="en-US" smtClean="0"/>
-              <a:t>3/11/2020</a:t>
+              <a:t>3/12/2020</a:t>
             </a:fld>
             <a:endParaRPr lang="en-US"/>
           </a:p>
@@ -3160,7 +3250,7 @@
           <a:p>
             <a:fld id="{F4E53FB3-0E6D-400E-94D0-294D549E0F65}" type="datetimeFigureOut">
               <a:rPr lang="en-US" smtClean="0"/>
-              <a:t>3/11/2020</a:t>
+              <a:t>3/12/2020</a:t>
             </a:fld>
             <a:endParaRPr lang="en-US"/>
           </a:p>
@@ -3471,7 +3561,7 @@
           <a:p>
             <a:fld id="{F4E53FB3-0E6D-400E-94D0-294D549E0F65}" type="datetimeFigureOut">
               <a:rPr lang="en-US" smtClean="0"/>
-              <a:t>3/11/2020</a:t>
+              <a:t>3/12/2020</a:t>
             </a:fld>
             <a:endParaRPr lang="en-US"/>
           </a:p>
@@ -3759,7 +3849,7 @@
           <a:p>
             <a:fld id="{F4E53FB3-0E6D-400E-94D0-294D549E0F65}" type="datetimeFigureOut">
               <a:rPr lang="en-US" smtClean="0"/>
-              <a:t>3/11/2020</a:t>
+              <a:t>3/12/2020</a:t>
             </a:fld>
             <a:endParaRPr lang="en-US"/>
           </a:p>
@@ -4000,7 +4090,7 @@
           <a:p>
             <a:fld id="{F4E53FB3-0E6D-400E-94D0-294D549E0F65}" type="datetimeFigureOut">
               <a:rPr lang="en-US" smtClean="0"/>
-              <a:t>3/11/2020</a:t>
+              <a:t>3/12/2020</a:t>
             </a:fld>
             <a:endParaRPr lang="en-US"/>
           </a:p>
@@ -5909,6 +5999,1466 @@
     <p:extLst>
       <p:ext uri="{BB962C8B-B14F-4D97-AF65-F5344CB8AC3E}">
         <p14:creationId xmlns:p14="http://schemas.microsoft.com/office/powerpoint/2010/main" val="1773979766"/>
+      </p:ext>
+    </p:extLst>
+  </p:cSld>
+  <p:clrMapOvr>
+    <a:masterClrMapping/>
+  </p:clrMapOvr>
+</p:sld>
+</file>
+
+<file path=ppt/slides/slide11.xml><?xml version="1.0" encoding="utf-8"?>
+<p:sld xmlns:a="http://schemas.openxmlformats.org/drawingml/2006/main" xmlns:r="http://schemas.openxmlformats.org/officeDocument/2006/relationships" xmlns:p="http://schemas.openxmlformats.org/presentationml/2006/main">
+  <p:cSld>
+    <p:spTree>
+      <p:nvGrpSpPr>
+        <p:cNvPr id="1" name=""/>
+        <p:cNvGrpSpPr/>
+        <p:nvPr/>
+      </p:nvGrpSpPr>
+      <p:grpSpPr>
+        <a:xfrm>
+          <a:off x="0" y="0"/>
+          <a:ext cx="0" cy="0"/>
+          <a:chOff x="0" y="0"/>
+          <a:chExt cx="0" cy="0"/>
+        </a:xfrm>
+      </p:grpSpPr>
+      <p:pic>
+        <p:nvPicPr>
+          <p:cNvPr id="26" name="Picture 25" descr="A picture containing clock&#10;&#10;Description automatically generated">
+            <a:extLst>
+              <a:ext uri="{FF2B5EF4-FFF2-40B4-BE49-F238E27FC236}">
+                <a16:creationId xmlns:a16="http://schemas.microsoft.com/office/drawing/2014/main" id="{BB0887E7-AC55-48C2-AFD1-88BCDFE7FFF7}"/>
+              </a:ext>
+            </a:extLst>
+          </p:cNvPr>
+          <p:cNvPicPr>
+            <a:picLocks noChangeAspect="1"/>
+          </p:cNvPicPr>
+          <p:nvPr/>
+        </p:nvPicPr>
+        <p:blipFill rotWithShape="1">
+          <a:blip r:embed="rId3">
+            <a:extLst>
+              <a:ext uri="{28A0092B-C50C-407E-A947-70E740481C1C}">
+                <a14:useLocalDpi xmlns:a14="http://schemas.microsoft.com/office/drawing/2010/main" val="0"/>
+              </a:ext>
+            </a:extLst>
+          </a:blip>
+          <a:srcRect l="10814" r="32776"/>
+          <a:stretch/>
+        </p:blipFill>
+        <p:spPr>
+          <a:xfrm>
+            <a:off x="6471372" y="397825"/>
+            <a:ext cx="2625969" cy="6264695"/>
+          </a:xfrm>
+          <a:prstGeom prst="rect">
+            <a:avLst/>
+          </a:prstGeom>
+        </p:spPr>
+      </p:pic>
+      <p:pic>
+        <p:nvPicPr>
+          <p:cNvPr id="27" name="Picture 26">
+            <a:extLst>
+              <a:ext uri="{FF2B5EF4-FFF2-40B4-BE49-F238E27FC236}">
+                <a16:creationId xmlns:a16="http://schemas.microsoft.com/office/drawing/2014/main" id="{37A0300A-6DF9-4707-B77C-C5D4AADF8D0A}"/>
+              </a:ext>
+            </a:extLst>
+          </p:cNvPr>
+          <p:cNvPicPr>
+            <a:picLocks noChangeAspect="1"/>
+          </p:cNvPicPr>
+          <p:nvPr/>
+        </p:nvPicPr>
+        <p:blipFill rotWithShape="1">
+          <a:blip r:embed="rId4">
+            <a:extLst>
+              <a:ext uri="{28A0092B-C50C-407E-A947-70E740481C1C}">
+                <a14:useLocalDpi xmlns:a14="http://schemas.microsoft.com/office/drawing/2010/main" val="0"/>
+              </a:ext>
+            </a:extLst>
+          </a:blip>
+          <a:srcRect l="10162" r="29688"/>
+          <a:stretch/>
+        </p:blipFill>
+        <p:spPr>
+          <a:xfrm>
+            <a:off x="9183027" y="411895"/>
+            <a:ext cx="2784651" cy="6230274"/>
+          </a:xfrm>
+          <a:prstGeom prst="rect">
+            <a:avLst/>
+          </a:prstGeom>
+        </p:spPr>
+      </p:pic>
+      <p:sp>
+        <p:nvSpPr>
+          <p:cNvPr id="28" name="TextBox 27">
+            <a:extLst>
+              <a:ext uri="{FF2B5EF4-FFF2-40B4-BE49-F238E27FC236}">
+                <a16:creationId xmlns:a16="http://schemas.microsoft.com/office/drawing/2014/main" id="{99F4C3E1-8EE8-40DD-80AB-07CBF96E7EAE}"/>
+              </a:ext>
+            </a:extLst>
+          </p:cNvPr>
+          <p:cNvSpPr txBox="1"/>
+          <p:nvPr/>
+        </p:nvSpPr>
+        <p:spPr>
+          <a:xfrm>
+            <a:off x="12149858" y="1789524"/>
+            <a:ext cx="1578334" cy="830997"/>
+          </a:xfrm>
+          <a:prstGeom prst="rect">
+            <a:avLst/>
+          </a:prstGeom>
+          <a:noFill/>
+        </p:spPr>
+        <p:txBody>
+          <a:bodyPr wrap="square" rtlCol="0">
+            <a:spAutoFit/>
+          </a:bodyPr>
+          <a:lstStyle/>
+          <a:p>
+            <a:r>
+              <a:rPr lang="en-US" sz="2400" dirty="0"/>
+              <a:t>Rank by</a:t>
+            </a:r>
+          </a:p>
+          <a:p>
+            <a:r>
+              <a:rPr lang="en-US" sz="2400" dirty="0"/>
+              <a:t>Preference</a:t>
+            </a:r>
+          </a:p>
+        </p:txBody>
+      </p:sp>
+      <p:pic>
+        <p:nvPicPr>
+          <p:cNvPr id="29" name="Picture 28" descr="A close up of a logo&#10;&#10;Description automatically generated">
+            <a:extLst>
+              <a:ext uri="{FF2B5EF4-FFF2-40B4-BE49-F238E27FC236}">
+                <a16:creationId xmlns:a16="http://schemas.microsoft.com/office/drawing/2014/main" id="{667236C7-89C5-4E78-B054-26C6863E0A41}"/>
+              </a:ext>
+            </a:extLst>
+          </p:cNvPr>
+          <p:cNvPicPr>
+            <a:picLocks noChangeAspect="1"/>
+          </p:cNvPicPr>
+          <p:nvPr/>
+        </p:nvPicPr>
+        <p:blipFill rotWithShape="1">
+          <a:blip r:embed="rId5">
+            <a:extLst>
+              <a:ext uri="{28A0092B-C50C-407E-A947-70E740481C1C}">
+                <a14:useLocalDpi xmlns:a14="http://schemas.microsoft.com/office/drawing/2010/main" val="0"/>
+              </a:ext>
+            </a:extLst>
+          </a:blip>
+          <a:srcRect l="73004" t="42701" r="17406" b="41504"/>
+          <a:stretch/>
+        </p:blipFill>
+        <p:spPr>
+          <a:xfrm>
+            <a:off x="12106544" y="2620521"/>
+            <a:ext cx="1281864" cy="2903050"/>
+          </a:xfrm>
+          <a:prstGeom prst="rect">
+            <a:avLst/>
+          </a:prstGeom>
+        </p:spPr>
+      </p:pic>
+      <p:sp>
+        <p:nvSpPr>
+          <p:cNvPr id="30" name="TextBox 29">
+            <a:extLst>
+              <a:ext uri="{FF2B5EF4-FFF2-40B4-BE49-F238E27FC236}">
+                <a16:creationId xmlns:a16="http://schemas.microsoft.com/office/drawing/2014/main" id="{27CA8C75-75FF-44A4-9987-6BBBA81944EE}"/>
+              </a:ext>
+            </a:extLst>
+          </p:cNvPr>
+          <p:cNvSpPr txBox="1"/>
+          <p:nvPr/>
+        </p:nvSpPr>
+        <p:spPr>
+          <a:xfrm>
+            <a:off x="6915788" y="50733"/>
+            <a:ext cx="2106526" cy="461665"/>
+          </a:xfrm>
+          <a:prstGeom prst="rect">
+            <a:avLst/>
+          </a:prstGeom>
+          <a:noFill/>
+        </p:spPr>
+        <p:txBody>
+          <a:bodyPr wrap="square" rtlCol="0">
+            <a:spAutoFit/>
+          </a:bodyPr>
+          <a:lstStyle/>
+          <a:p>
+            <a:r>
+              <a:rPr lang="en-US" sz="2400" dirty="0"/>
+              <a:t>Ground-Truth</a:t>
+            </a:r>
+          </a:p>
+        </p:txBody>
+      </p:sp>
+      <p:sp>
+        <p:nvSpPr>
+          <p:cNvPr id="31" name="TextBox 30">
+            <a:extLst>
+              <a:ext uri="{FF2B5EF4-FFF2-40B4-BE49-F238E27FC236}">
+                <a16:creationId xmlns:a16="http://schemas.microsoft.com/office/drawing/2014/main" id="{8ED676C3-E5EB-449B-8007-860B0CA3EE1A}"/>
+              </a:ext>
+            </a:extLst>
+          </p:cNvPr>
+          <p:cNvSpPr txBox="1"/>
+          <p:nvPr/>
+        </p:nvSpPr>
+        <p:spPr>
+          <a:xfrm>
+            <a:off x="9587687" y="50733"/>
+            <a:ext cx="2106526" cy="461665"/>
+          </a:xfrm>
+          <a:prstGeom prst="rect">
+            <a:avLst/>
+          </a:prstGeom>
+          <a:noFill/>
+        </p:spPr>
+        <p:txBody>
+          <a:bodyPr wrap="square" rtlCol="0">
+            <a:spAutoFit/>
+          </a:bodyPr>
+          <a:lstStyle/>
+          <a:p>
+            <a:r>
+              <a:rPr lang="en-US" sz="2400" dirty="0"/>
+              <a:t>Reconstructed</a:t>
+            </a:r>
+          </a:p>
+        </p:txBody>
+      </p:sp>
+      <p:sp>
+        <p:nvSpPr>
+          <p:cNvPr id="32" name="TextBox 31">
+            <a:extLst>
+              <a:ext uri="{FF2B5EF4-FFF2-40B4-BE49-F238E27FC236}">
+                <a16:creationId xmlns:a16="http://schemas.microsoft.com/office/drawing/2014/main" id="{77CD2619-B77C-4AD3-8539-78A4516566DF}"/>
+              </a:ext>
+            </a:extLst>
+          </p:cNvPr>
+          <p:cNvSpPr txBox="1"/>
+          <p:nvPr/>
+        </p:nvSpPr>
+        <p:spPr>
+          <a:xfrm>
+            <a:off x="5886182" y="516246"/>
+            <a:ext cx="731520" cy="369332"/>
+          </a:xfrm>
+          <a:prstGeom prst="rect">
+            <a:avLst/>
+          </a:prstGeom>
+          <a:noFill/>
+        </p:spPr>
+        <p:txBody>
+          <a:bodyPr wrap="square" rtlCol="0">
+            <a:spAutoFit/>
+          </a:bodyPr>
+          <a:lstStyle/>
+          <a:p>
+            <a:r>
+              <a:rPr lang="en-US" i="1" dirty="0"/>
+              <a:t>7.07</a:t>
+            </a:r>
+          </a:p>
+        </p:txBody>
+      </p:sp>
+      <p:sp>
+        <p:nvSpPr>
+          <p:cNvPr id="33" name="TextBox 32">
+            <a:extLst>
+              <a:ext uri="{FF2B5EF4-FFF2-40B4-BE49-F238E27FC236}">
+                <a16:creationId xmlns:a16="http://schemas.microsoft.com/office/drawing/2014/main" id="{6370E5E1-3FEE-4315-B3AA-4A379A03C4AB}"/>
+              </a:ext>
+            </a:extLst>
+          </p:cNvPr>
+          <p:cNvSpPr txBox="1"/>
+          <p:nvPr/>
+        </p:nvSpPr>
+        <p:spPr>
+          <a:xfrm>
+            <a:off x="5886182" y="968408"/>
+            <a:ext cx="731520" cy="369332"/>
+          </a:xfrm>
+          <a:prstGeom prst="rect">
+            <a:avLst/>
+          </a:prstGeom>
+          <a:noFill/>
+        </p:spPr>
+        <p:txBody>
+          <a:bodyPr wrap="square" rtlCol="0">
+            <a:spAutoFit/>
+          </a:bodyPr>
+          <a:lstStyle/>
+          <a:p>
+            <a:r>
+              <a:rPr lang="en-US" i="1" dirty="0"/>
+              <a:t>6.66</a:t>
+            </a:r>
+          </a:p>
+        </p:txBody>
+      </p:sp>
+      <p:sp>
+        <p:nvSpPr>
+          <p:cNvPr id="34" name="TextBox 33">
+            <a:extLst>
+              <a:ext uri="{FF2B5EF4-FFF2-40B4-BE49-F238E27FC236}">
+                <a16:creationId xmlns:a16="http://schemas.microsoft.com/office/drawing/2014/main" id="{03BF971E-7EC9-43A7-BCC6-A64D737914B0}"/>
+              </a:ext>
+            </a:extLst>
+          </p:cNvPr>
+          <p:cNvSpPr txBox="1"/>
+          <p:nvPr/>
+        </p:nvSpPr>
+        <p:spPr>
+          <a:xfrm>
+            <a:off x="5886182" y="1420570"/>
+            <a:ext cx="731520" cy="369332"/>
+          </a:xfrm>
+          <a:prstGeom prst="rect">
+            <a:avLst/>
+          </a:prstGeom>
+          <a:noFill/>
+        </p:spPr>
+        <p:txBody>
+          <a:bodyPr wrap="square" rtlCol="0">
+            <a:spAutoFit/>
+          </a:bodyPr>
+          <a:lstStyle/>
+          <a:p>
+            <a:r>
+              <a:rPr lang="en-US" i="1" dirty="0"/>
+              <a:t>6.29</a:t>
+            </a:r>
+          </a:p>
+        </p:txBody>
+      </p:sp>
+      <p:sp>
+        <p:nvSpPr>
+          <p:cNvPr id="35" name="TextBox 34">
+            <a:extLst>
+              <a:ext uri="{FF2B5EF4-FFF2-40B4-BE49-F238E27FC236}">
+                <a16:creationId xmlns:a16="http://schemas.microsoft.com/office/drawing/2014/main" id="{DF516545-7CFF-4C15-BE2E-1ABD1A866638}"/>
+              </a:ext>
+            </a:extLst>
+          </p:cNvPr>
+          <p:cNvSpPr txBox="1"/>
+          <p:nvPr/>
+        </p:nvSpPr>
+        <p:spPr>
+          <a:xfrm>
+            <a:off x="5886182" y="1872732"/>
+            <a:ext cx="731520" cy="369332"/>
+          </a:xfrm>
+          <a:prstGeom prst="rect">
+            <a:avLst/>
+          </a:prstGeom>
+          <a:noFill/>
+        </p:spPr>
+        <p:txBody>
+          <a:bodyPr wrap="square" rtlCol="0">
+            <a:spAutoFit/>
+          </a:bodyPr>
+          <a:lstStyle/>
+          <a:p>
+            <a:r>
+              <a:rPr lang="en-US" i="1" dirty="0"/>
+              <a:t>3.77</a:t>
+            </a:r>
+          </a:p>
+        </p:txBody>
+      </p:sp>
+      <p:sp>
+        <p:nvSpPr>
+          <p:cNvPr id="36" name="TextBox 35">
+            <a:extLst>
+              <a:ext uri="{FF2B5EF4-FFF2-40B4-BE49-F238E27FC236}">
+                <a16:creationId xmlns:a16="http://schemas.microsoft.com/office/drawing/2014/main" id="{0F1BB2F4-13A0-47EC-AA3C-A2AD2C6A1EF2}"/>
+              </a:ext>
+            </a:extLst>
+          </p:cNvPr>
+          <p:cNvSpPr txBox="1"/>
+          <p:nvPr/>
+        </p:nvSpPr>
+        <p:spPr>
+          <a:xfrm>
+            <a:off x="5886182" y="2324894"/>
+            <a:ext cx="731520" cy="369332"/>
+          </a:xfrm>
+          <a:prstGeom prst="rect">
+            <a:avLst/>
+          </a:prstGeom>
+          <a:noFill/>
+        </p:spPr>
+        <p:txBody>
+          <a:bodyPr wrap="square" rtlCol="0">
+            <a:spAutoFit/>
+          </a:bodyPr>
+          <a:lstStyle/>
+          <a:p>
+            <a:r>
+              <a:rPr lang="en-US" i="1" dirty="0"/>
+              <a:t>3.37</a:t>
+            </a:r>
+          </a:p>
+        </p:txBody>
+      </p:sp>
+      <p:sp>
+        <p:nvSpPr>
+          <p:cNvPr id="37" name="TextBox 36">
+            <a:extLst>
+              <a:ext uri="{FF2B5EF4-FFF2-40B4-BE49-F238E27FC236}">
+                <a16:creationId xmlns:a16="http://schemas.microsoft.com/office/drawing/2014/main" id="{DD14178E-D2A7-49CF-90C9-2BE1C70630D1}"/>
+              </a:ext>
+            </a:extLst>
+          </p:cNvPr>
+          <p:cNvSpPr txBox="1"/>
+          <p:nvPr/>
+        </p:nvSpPr>
+        <p:spPr>
+          <a:xfrm>
+            <a:off x="5886182" y="2777056"/>
+            <a:ext cx="731520" cy="369332"/>
+          </a:xfrm>
+          <a:prstGeom prst="rect">
+            <a:avLst/>
+          </a:prstGeom>
+          <a:noFill/>
+        </p:spPr>
+        <p:txBody>
+          <a:bodyPr wrap="square" rtlCol="0">
+            <a:spAutoFit/>
+          </a:bodyPr>
+          <a:lstStyle/>
+          <a:p>
+            <a:r>
+              <a:rPr lang="en-US" i="1" dirty="0"/>
+              <a:t>3.32</a:t>
+            </a:r>
+          </a:p>
+        </p:txBody>
+      </p:sp>
+      <p:sp>
+        <p:nvSpPr>
+          <p:cNvPr id="38" name="TextBox 37">
+            <a:extLst>
+              <a:ext uri="{FF2B5EF4-FFF2-40B4-BE49-F238E27FC236}">
+                <a16:creationId xmlns:a16="http://schemas.microsoft.com/office/drawing/2014/main" id="{25C383A5-C951-47E3-846C-65DF32898169}"/>
+              </a:ext>
+            </a:extLst>
+          </p:cNvPr>
+          <p:cNvSpPr txBox="1"/>
+          <p:nvPr/>
+        </p:nvSpPr>
+        <p:spPr>
+          <a:xfrm>
+            <a:off x="5886182" y="3229218"/>
+            <a:ext cx="731520" cy="369332"/>
+          </a:xfrm>
+          <a:prstGeom prst="rect">
+            <a:avLst/>
+          </a:prstGeom>
+          <a:noFill/>
+        </p:spPr>
+        <p:txBody>
+          <a:bodyPr wrap="square" rtlCol="0">
+            <a:spAutoFit/>
+          </a:bodyPr>
+          <a:lstStyle/>
+          <a:p>
+            <a:r>
+              <a:rPr lang="en-US" i="1" dirty="0"/>
+              <a:t>2.87</a:t>
+            </a:r>
+          </a:p>
+        </p:txBody>
+      </p:sp>
+      <p:sp>
+        <p:nvSpPr>
+          <p:cNvPr id="39" name="TextBox 38">
+            <a:extLst>
+              <a:ext uri="{FF2B5EF4-FFF2-40B4-BE49-F238E27FC236}">
+                <a16:creationId xmlns:a16="http://schemas.microsoft.com/office/drawing/2014/main" id="{16917911-87C7-4DF5-959E-9E8BED8FBD6D}"/>
+              </a:ext>
+            </a:extLst>
+          </p:cNvPr>
+          <p:cNvSpPr txBox="1"/>
+          <p:nvPr/>
+        </p:nvSpPr>
+        <p:spPr>
+          <a:xfrm>
+            <a:off x="5886182" y="3681380"/>
+            <a:ext cx="731520" cy="369332"/>
+          </a:xfrm>
+          <a:prstGeom prst="rect">
+            <a:avLst/>
+          </a:prstGeom>
+          <a:noFill/>
+        </p:spPr>
+        <p:txBody>
+          <a:bodyPr wrap="square" rtlCol="0">
+            <a:spAutoFit/>
+          </a:bodyPr>
+          <a:lstStyle/>
+          <a:p>
+            <a:r>
+              <a:rPr lang="en-US" i="1" dirty="0"/>
+              <a:t>2.45</a:t>
+            </a:r>
+          </a:p>
+        </p:txBody>
+      </p:sp>
+      <p:sp>
+        <p:nvSpPr>
+          <p:cNvPr id="40" name="TextBox 39">
+            <a:extLst>
+              <a:ext uri="{FF2B5EF4-FFF2-40B4-BE49-F238E27FC236}">
+                <a16:creationId xmlns:a16="http://schemas.microsoft.com/office/drawing/2014/main" id="{2C44C6AC-061F-4589-A4F4-7E3B77A3D860}"/>
+              </a:ext>
+            </a:extLst>
+          </p:cNvPr>
+          <p:cNvSpPr txBox="1"/>
+          <p:nvPr/>
+        </p:nvSpPr>
+        <p:spPr>
+          <a:xfrm>
+            <a:off x="5886182" y="4133542"/>
+            <a:ext cx="731520" cy="369332"/>
+          </a:xfrm>
+          <a:prstGeom prst="rect">
+            <a:avLst/>
+          </a:prstGeom>
+          <a:noFill/>
+        </p:spPr>
+        <p:txBody>
+          <a:bodyPr wrap="square" rtlCol="0">
+            <a:spAutoFit/>
+          </a:bodyPr>
+          <a:lstStyle/>
+          <a:p>
+            <a:r>
+              <a:rPr lang="en-US" i="1" dirty="0"/>
+              <a:t>2.36</a:t>
+            </a:r>
+          </a:p>
+        </p:txBody>
+      </p:sp>
+      <p:sp>
+        <p:nvSpPr>
+          <p:cNvPr id="41" name="TextBox 40">
+            <a:extLst>
+              <a:ext uri="{FF2B5EF4-FFF2-40B4-BE49-F238E27FC236}">
+                <a16:creationId xmlns:a16="http://schemas.microsoft.com/office/drawing/2014/main" id="{63F0F759-FEFB-45E5-96E8-BF542FF32506}"/>
+              </a:ext>
+            </a:extLst>
+          </p:cNvPr>
+          <p:cNvSpPr txBox="1"/>
+          <p:nvPr/>
+        </p:nvSpPr>
+        <p:spPr>
+          <a:xfrm>
+            <a:off x="5886182" y="4585704"/>
+            <a:ext cx="731520" cy="369332"/>
+          </a:xfrm>
+          <a:prstGeom prst="rect">
+            <a:avLst/>
+          </a:prstGeom>
+          <a:noFill/>
+        </p:spPr>
+        <p:txBody>
+          <a:bodyPr wrap="square" rtlCol="0">
+            <a:spAutoFit/>
+          </a:bodyPr>
+          <a:lstStyle/>
+          <a:p>
+            <a:r>
+              <a:rPr lang="en-US" i="1" dirty="0"/>
+              <a:t>2.06</a:t>
+            </a:r>
+          </a:p>
+        </p:txBody>
+      </p:sp>
+      <p:sp>
+        <p:nvSpPr>
+          <p:cNvPr id="42" name="TextBox 41">
+            <a:extLst>
+              <a:ext uri="{FF2B5EF4-FFF2-40B4-BE49-F238E27FC236}">
+                <a16:creationId xmlns:a16="http://schemas.microsoft.com/office/drawing/2014/main" id="{F31D36E4-3ACF-42C6-A90E-7FDC1B6AE96B}"/>
+              </a:ext>
+            </a:extLst>
+          </p:cNvPr>
+          <p:cNvSpPr txBox="1"/>
+          <p:nvPr/>
+        </p:nvSpPr>
+        <p:spPr>
+          <a:xfrm>
+            <a:off x="5886182" y="5037866"/>
+            <a:ext cx="731520" cy="369332"/>
+          </a:xfrm>
+          <a:prstGeom prst="rect">
+            <a:avLst/>
+          </a:prstGeom>
+          <a:noFill/>
+        </p:spPr>
+        <p:txBody>
+          <a:bodyPr wrap="square" rtlCol="0">
+            <a:spAutoFit/>
+          </a:bodyPr>
+          <a:lstStyle/>
+          <a:p>
+            <a:r>
+              <a:rPr lang="en-US" i="1" dirty="0"/>
+              <a:t>1.73</a:t>
+            </a:r>
+          </a:p>
+        </p:txBody>
+      </p:sp>
+      <p:sp>
+        <p:nvSpPr>
+          <p:cNvPr id="43" name="TextBox 42">
+            <a:extLst>
+              <a:ext uri="{FF2B5EF4-FFF2-40B4-BE49-F238E27FC236}">
+                <a16:creationId xmlns:a16="http://schemas.microsoft.com/office/drawing/2014/main" id="{8709CAB3-5AC7-4615-96F9-B40B2F948D3B}"/>
+              </a:ext>
+            </a:extLst>
+          </p:cNvPr>
+          <p:cNvSpPr txBox="1"/>
+          <p:nvPr/>
+        </p:nvSpPr>
+        <p:spPr>
+          <a:xfrm>
+            <a:off x="5886182" y="5490028"/>
+            <a:ext cx="731520" cy="369332"/>
+          </a:xfrm>
+          <a:prstGeom prst="rect">
+            <a:avLst/>
+          </a:prstGeom>
+          <a:noFill/>
+        </p:spPr>
+        <p:txBody>
+          <a:bodyPr wrap="square" rtlCol="0">
+            <a:spAutoFit/>
+          </a:bodyPr>
+          <a:lstStyle/>
+          <a:p>
+            <a:r>
+              <a:rPr lang="en-US" i="1" dirty="0"/>
+              <a:t>1.00</a:t>
+            </a:r>
+          </a:p>
+        </p:txBody>
+      </p:sp>
+      <p:sp>
+        <p:nvSpPr>
+          <p:cNvPr id="44" name="TextBox 43">
+            <a:extLst>
+              <a:ext uri="{FF2B5EF4-FFF2-40B4-BE49-F238E27FC236}">
+                <a16:creationId xmlns:a16="http://schemas.microsoft.com/office/drawing/2014/main" id="{E58CBCEE-8AFC-4F71-917B-1D37760F0D3C}"/>
+              </a:ext>
+            </a:extLst>
+          </p:cNvPr>
+          <p:cNvSpPr txBox="1"/>
+          <p:nvPr/>
+        </p:nvSpPr>
+        <p:spPr>
+          <a:xfrm>
+            <a:off x="5886182" y="5942192"/>
+            <a:ext cx="731520" cy="369332"/>
+          </a:xfrm>
+          <a:prstGeom prst="rect">
+            <a:avLst/>
+          </a:prstGeom>
+          <a:noFill/>
+        </p:spPr>
+        <p:txBody>
+          <a:bodyPr wrap="square" rtlCol="0">
+            <a:spAutoFit/>
+          </a:bodyPr>
+          <a:lstStyle/>
+          <a:p>
+            <a:r>
+              <a:rPr lang="en-US" i="1" dirty="0"/>
+              <a:t>1.00</a:t>
+            </a:r>
+          </a:p>
+        </p:txBody>
+      </p:sp>
+      <p:sp>
+        <p:nvSpPr>
+          <p:cNvPr id="47" name="TextBox 46">
+            <a:extLst>
+              <a:ext uri="{FF2B5EF4-FFF2-40B4-BE49-F238E27FC236}">
+                <a16:creationId xmlns:a16="http://schemas.microsoft.com/office/drawing/2014/main" id="{A8CB7327-4B7C-4CFF-BF8F-1EC69FFBE0D4}"/>
+              </a:ext>
+            </a:extLst>
+          </p:cNvPr>
+          <p:cNvSpPr txBox="1"/>
+          <p:nvPr/>
+        </p:nvSpPr>
+        <p:spPr>
+          <a:xfrm>
+            <a:off x="1100439" y="50733"/>
+            <a:ext cx="2106526" cy="461665"/>
+          </a:xfrm>
+          <a:prstGeom prst="rect">
+            <a:avLst/>
+          </a:prstGeom>
+          <a:noFill/>
+        </p:spPr>
+        <p:txBody>
+          <a:bodyPr wrap="square" rtlCol="0">
+            <a:spAutoFit/>
+          </a:bodyPr>
+          <a:lstStyle/>
+          <a:p>
+            <a:r>
+              <a:rPr lang="en-US" sz="2400" dirty="0"/>
+              <a:t>Ground-Truth</a:t>
+            </a:r>
+          </a:p>
+        </p:txBody>
+      </p:sp>
+      <p:sp>
+        <p:nvSpPr>
+          <p:cNvPr id="48" name="TextBox 47">
+            <a:extLst>
+              <a:ext uri="{FF2B5EF4-FFF2-40B4-BE49-F238E27FC236}">
+                <a16:creationId xmlns:a16="http://schemas.microsoft.com/office/drawing/2014/main" id="{A2D8AA5B-2C88-4914-B375-A438676E4637}"/>
+              </a:ext>
+            </a:extLst>
+          </p:cNvPr>
+          <p:cNvSpPr txBox="1"/>
+          <p:nvPr/>
+        </p:nvSpPr>
+        <p:spPr>
+          <a:xfrm>
+            <a:off x="3384066" y="50733"/>
+            <a:ext cx="2106526" cy="461665"/>
+          </a:xfrm>
+          <a:prstGeom prst="rect">
+            <a:avLst/>
+          </a:prstGeom>
+          <a:noFill/>
+        </p:spPr>
+        <p:txBody>
+          <a:bodyPr wrap="square" rtlCol="0">
+            <a:spAutoFit/>
+          </a:bodyPr>
+          <a:lstStyle/>
+          <a:p>
+            <a:r>
+              <a:rPr lang="en-US" sz="2400" dirty="0"/>
+              <a:t>Reconstructed</a:t>
+            </a:r>
+          </a:p>
+        </p:txBody>
+      </p:sp>
+      <p:cxnSp>
+        <p:nvCxnSpPr>
+          <p:cNvPr id="49" name="Straight Connector 48">
+            <a:extLst>
+              <a:ext uri="{FF2B5EF4-FFF2-40B4-BE49-F238E27FC236}">
+                <a16:creationId xmlns:a16="http://schemas.microsoft.com/office/drawing/2014/main" id="{64FAC628-AEE1-4473-9B9F-CF78BBB43CB4}"/>
+              </a:ext>
+            </a:extLst>
+          </p:cNvPr>
+          <p:cNvCxnSpPr>
+            <a:cxnSpLocks/>
+          </p:cNvCxnSpPr>
+          <p:nvPr/>
+        </p:nvCxnSpPr>
+        <p:spPr>
+          <a:xfrm>
+            <a:off x="880283" y="647737"/>
+            <a:ext cx="0" cy="2103120"/>
+          </a:xfrm>
+          <a:prstGeom prst="line">
+            <a:avLst/>
+          </a:prstGeom>
+          <a:ln w="28575"/>
+        </p:spPr>
+        <p:style>
+          <a:lnRef idx="1">
+            <a:schemeClr val="dk1"/>
+          </a:lnRef>
+          <a:fillRef idx="0">
+            <a:schemeClr val="dk1"/>
+          </a:fillRef>
+          <a:effectRef idx="0">
+            <a:schemeClr val="dk1"/>
+          </a:effectRef>
+          <a:fontRef idx="minor">
+            <a:schemeClr val="tx1"/>
+          </a:fontRef>
+        </p:style>
+      </p:cxnSp>
+      <p:cxnSp>
+        <p:nvCxnSpPr>
+          <p:cNvPr id="50" name="Straight Connector 49">
+            <a:extLst>
+              <a:ext uri="{FF2B5EF4-FFF2-40B4-BE49-F238E27FC236}">
+                <a16:creationId xmlns:a16="http://schemas.microsoft.com/office/drawing/2014/main" id="{95EF20A3-3698-40CA-92B5-6536DC0559ED}"/>
+              </a:ext>
+            </a:extLst>
+          </p:cNvPr>
+          <p:cNvCxnSpPr>
+            <a:cxnSpLocks/>
+          </p:cNvCxnSpPr>
+          <p:nvPr/>
+        </p:nvCxnSpPr>
+        <p:spPr>
+          <a:xfrm>
+            <a:off x="880283" y="2994691"/>
+            <a:ext cx="0" cy="2011680"/>
+          </a:xfrm>
+          <a:prstGeom prst="line">
+            <a:avLst/>
+          </a:prstGeom>
+          <a:ln w="28575"/>
+        </p:spPr>
+        <p:style>
+          <a:lnRef idx="1">
+            <a:schemeClr val="dk1"/>
+          </a:lnRef>
+          <a:fillRef idx="0">
+            <a:schemeClr val="dk1"/>
+          </a:fillRef>
+          <a:effectRef idx="0">
+            <a:schemeClr val="dk1"/>
+          </a:effectRef>
+          <a:fontRef idx="minor">
+            <a:schemeClr val="tx1"/>
+          </a:fontRef>
+        </p:style>
+      </p:cxnSp>
+      <p:cxnSp>
+        <p:nvCxnSpPr>
+          <p:cNvPr id="51" name="Straight Connector 50">
+            <a:extLst>
+              <a:ext uri="{FF2B5EF4-FFF2-40B4-BE49-F238E27FC236}">
+                <a16:creationId xmlns:a16="http://schemas.microsoft.com/office/drawing/2014/main" id="{07126E32-7588-472B-B7C2-8E79B69E2D6A}"/>
+              </a:ext>
+            </a:extLst>
+          </p:cNvPr>
+          <p:cNvCxnSpPr>
+            <a:cxnSpLocks/>
+          </p:cNvCxnSpPr>
+          <p:nvPr/>
+        </p:nvCxnSpPr>
+        <p:spPr>
+          <a:xfrm>
+            <a:off x="880283" y="5243176"/>
+            <a:ext cx="0" cy="1097280"/>
+          </a:xfrm>
+          <a:prstGeom prst="line">
+            <a:avLst/>
+          </a:prstGeom>
+          <a:ln w="28575"/>
+        </p:spPr>
+        <p:style>
+          <a:lnRef idx="1">
+            <a:schemeClr val="dk1"/>
+          </a:lnRef>
+          <a:fillRef idx="0">
+            <a:schemeClr val="dk1"/>
+          </a:fillRef>
+          <a:effectRef idx="0">
+            <a:schemeClr val="dk1"/>
+          </a:effectRef>
+          <a:fontRef idx="minor">
+            <a:schemeClr val="tx1"/>
+          </a:fontRef>
+        </p:style>
+      </p:cxnSp>
+      <p:sp>
+        <p:nvSpPr>
+          <p:cNvPr id="52" name="TextBox 51">
+            <a:extLst>
+              <a:ext uri="{FF2B5EF4-FFF2-40B4-BE49-F238E27FC236}">
+                <a16:creationId xmlns:a16="http://schemas.microsoft.com/office/drawing/2014/main" id="{9A278843-17F6-4EB6-B61D-47143CF04B00}"/>
+              </a:ext>
+            </a:extLst>
+          </p:cNvPr>
+          <p:cNvSpPr txBox="1"/>
+          <p:nvPr/>
+        </p:nvSpPr>
+        <p:spPr>
+          <a:xfrm rot="16200000">
+            <a:off x="-115044" y="1352402"/>
+            <a:ext cx="1375948" cy="461665"/>
+          </a:xfrm>
+          <a:prstGeom prst="rect">
+            <a:avLst/>
+          </a:prstGeom>
+          <a:noFill/>
+        </p:spPr>
+        <p:txBody>
+          <a:bodyPr wrap="square" rtlCol="0">
+            <a:spAutoFit/>
+          </a:bodyPr>
+          <a:lstStyle/>
+          <a:p>
+            <a:r>
+              <a:rPr lang="en-US" sz="2400" i="1" dirty="0"/>
+              <a:t>SD = 2.1</a:t>
+            </a:r>
+          </a:p>
+        </p:txBody>
+      </p:sp>
+      <p:sp>
+        <p:nvSpPr>
+          <p:cNvPr id="53" name="TextBox 52">
+            <a:extLst>
+              <a:ext uri="{FF2B5EF4-FFF2-40B4-BE49-F238E27FC236}">
+                <a16:creationId xmlns:a16="http://schemas.microsoft.com/office/drawing/2014/main" id="{41E90634-0A6F-4934-A748-F65921C873A0}"/>
+              </a:ext>
+            </a:extLst>
+          </p:cNvPr>
+          <p:cNvSpPr txBox="1"/>
+          <p:nvPr/>
+        </p:nvSpPr>
+        <p:spPr>
+          <a:xfrm rot="16200000">
+            <a:off x="-115045" y="3779622"/>
+            <a:ext cx="1375948" cy="461665"/>
+          </a:xfrm>
+          <a:prstGeom prst="rect">
+            <a:avLst/>
+          </a:prstGeom>
+          <a:noFill/>
+        </p:spPr>
+        <p:txBody>
+          <a:bodyPr wrap="square" rtlCol="0">
+            <a:spAutoFit/>
+          </a:bodyPr>
+          <a:lstStyle/>
+          <a:p>
+            <a:r>
+              <a:rPr lang="en-US" sz="2400" i="1" dirty="0"/>
+              <a:t>SD = 1.1</a:t>
+            </a:r>
+          </a:p>
+        </p:txBody>
+      </p:sp>
+      <p:sp>
+        <p:nvSpPr>
+          <p:cNvPr id="54" name="TextBox 53">
+            <a:extLst>
+              <a:ext uri="{FF2B5EF4-FFF2-40B4-BE49-F238E27FC236}">
+                <a16:creationId xmlns:a16="http://schemas.microsoft.com/office/drawing/2014/main" id="{73414921-1F21-4432-B55D-F52557A71192}"/>
+              </a:ext>
+            </a:extLst>
+          </p:cNvPr>
+          <p:cNvSpPr txBox="1"/>
+          <p:nvPr/>
+        </p:nvSpPr>
+        <p:spPr>
+          <a:xfrm rot="16200000">
+            <a:off x="-110547" y="5518867"/>
+            <a:ext cx="1375948" cy="461665"/>
+          </a:xfrm>
+          <a:prstGeom prst="rect">
+            <a:avLst/>
+          </a:prstGeom>
+          <a:noFill/>
+        </p:spPr>
+        <p:txBody>
+          <a:bodyPr wrap="square" rtlCol="0">
+            <a:spAutoFit/>
+          </a:bodyPr>
+          <a:lstStyle/>
+          <a:p>
+            <a:r>
+              <a:rPr lang="en-US" sz="2400" i="1" dirty="0"/>
+              <a:t>SD = 0.1</a:t>
+            </a:r>
+          </a:p>
+        </p:txBody>
+      </p:sp>
+      <p:cxnSp>
+        <p:nvCxnSpPr>
+          <p:cNvPr id="55" name="Straight Connector 54">
+            <a:extLst>
+              <a:ext uri="{FF2B5EF4-FFF2-40B4-BE49-F238E27FC236}">
+                <a16:creationId xmlns:a16="http://schemas.microsoft.com/office/drawing/2014/main" id="{4B2DA128-8902-4CAA-873F-556D1FA1DEF6}"/>
+              </a:ext>
+            </a:extLst>
+          </p:cNvPr>
+          <p:cNvCxnSpPr>
+            <a:cxnSpLocks/>
+          </p:cNvCxnSpPr>
+          <p:nvPr/>
+        </p:nvCxnSpPr>
+        <p:spPr>
+          <a:xfrm>
+            <a:off x="497001" y="2898565"/>
+            <a:ext cx="5394960" cy="0"/>
+          </a:xfrm>
+          <a:prstGeom prst="line">
+            <a:avLst/>
+          </a:prstGeom>
+          <a:ln w="28575">
+            <a:solidFill>
+              <a:schemeClr val="bg1"/>
+            </a:solidFill>
+          </a:ln>
+        </p:spPr>
+        <p:style>
+          <a:lnRef idx="1">
+            <a:schemeClr val="dk1"/>
+          </a:lnRef>
+          <a:fillRef idx="0">
+            <a:schemeClr val="dk1"/>
+          </a:fillRef>
+          <a:effectRef idx="0">
+            <a:schemeClr val="dk1"/>
+          </a:effectRef>
+          <a:fontRef idx="minor">
+            <a:schemeClr val="tx1"/>
+          </a:fontRef>
+        </p:style>
+      </p:cxnSp>
+      <p:cxnSp>
+        <p:nvCxnSpPr>
+          <p:cNvPr id="56" name="Straight Connector 55">
+            <a:extLst>
+              <a:ext uri="{FF2B5EF4-FFF2-40B4-BE49-F238E27FC236}">
+                <a16:creationId xmlns:a16="http://schemas.microsoft.com/office/drawing/2014/main" id="{4DB1ED83-D280-4C4D-91AA-53C981FBED1C}"/>
+              </a:ext>
+            </a:extLst>
+          </p:cNvPr>
+          <p:cNvCxnSpPr>
+            <a:cxnSpLocks/>
+          </p:cNvCxnSpPr>
+          <p:nvPr/>
+        </p:nvCxnSpPr>
+        <p:spPr>
+          <a:xfrm>
+            <a:off x="423371" y="5336963"/>
+            <a:ext cx="5394960" cy="0"/>
+          </a:xfrm>
+          <a:prstGeom prst="line">
+            <a:avLst/>
+          </a:prstGeom>
+          <a:ln w="28575">
+            <a:solidFill>
+              <a:schemeClr val="bg1"/>
+            </a:solidFill>
+          </a:ln>
+        </p:spPr>
+        <p:style>
+          <a:lnRef idx="1">
+            <a:schemeClr val="dk1"/>
+          </a:lnRef>
+          <a:fillRef idx="0">
+            <a:schemeClr val="dk1"/>
+          </a:fillRef>
+          <a:effectRef idx="0">
+            <a:schemeClr val="dk1"/>
+          </a:effectRef>
+          <a:fontRef idx="minor">
+            <a:schemeClr val="tx1"/>
+          </a:fontRef>
+        </p:style>
+      </p:cxnSp>
+      <p:pic>
+        <p:nvPicPr>
+          <p:cNvPr id="57" name="Picture 56" descr="A close up of a logo&#10;&#10;Description automatically generated">
+            <a:extLst>
+              <a:ext uri="{FF2B5EF4-FFF2-40B4-BE49-F238E27FC236}">
+                <a16:creationId xmlns:a16="http://schemas.microsoft.com/office/drawing/2014/main" id="{9506BAD9-B9B6-4C77-9D4F-0A14DA68271F}"/>
+              </a:ext>
+            </a:extLst>
+          </p:cNvPr>
+          <p:cNvPicPr>
+            <a:picLocks noChangeAspect="1"/>
+          </p:cNvPicPr>
+          <p:nvPr/>
+        </p:nvPicPr>
+        <p:blipFill rotWithShape="1">
+          <a:blip r:embed="rId6">
+            <a:extLst>
+              <a:ext uri="{28A0092B-C50C-407E-A947-70E740481C1C}">
+                <a14:useLocalDpi xmlns:a14="http://schemas.microsoft.com/office/drawing/2010/main" val="0"/>
+              </a:ext>
+            </a:extLst>
+          </a:blip>
+          <a:srcRect l="12111" t="1003" r="30632" b="-109"/>
+          <a:stretch/>
+        </p:blipFill>
+        <p:spPr>
+          <a:xfrm>
+            <a:off x="3425099" y="439581"/>
+            <a:ext cx="2354839" cy="6222944"/>
+          </a:xfrm>
+          <a:prstGeom prst="rect">
+            <a:avLst/>
+          </a:prstGeom>
+        </p:spPr>
+      </p:pic>
+      <p:pic>
+        <p:nvPicPr>
+          <p:cNvPr id="58" name="Picture 57" descr="A screenshot of a cell phone&#10;&#10;Description automatically generated">
+            <a:extLst>
+              <a:ext uri="{FF2B5EF4-FFF2-40B4-BE49-F238E27FC236}">
+                <a16:creationId xmlns:a16="http://schemas.microsoft.com/office/drawing/2014/main" id="{B2AC8455-2284-44AA-A50A-791A8A381519}"/>
+              </a:ext>
+            </a:extLst>
+          </p:cNvPr>
+          <p:cNvPicPr>
+            <a:picLocks noChangeAspect="1"/>
+          </p:cNvPicPr>
+          <p:nvPr/>
+        </p:nvPicPr>
+        <p:blipFill rotWithShape="1">
+          <a:blip r:embed="rId7">
+            <a:extLst>
+              <a:ext uri="{28A0092B-C50C-407E-A947-70E740481C1C}">
+                <a14:useLocalDpi xmlns:a14="http://schemas.microsoft.com/office/drawing/2010/main" val="0"/>
+              </a:ext>
+            </a:extLst>
+          </a:blip>
+          <a:srcRect l="11487" t="448" r="34299" b="448"/>
+          <a:stretch/>
+        </p:blipFill>
+        <p:spPr>
+          <a:xfrm>
+            <a:off x="1054283" y="439581"/>
+            <a:ext cx="2289814" cy="6205644"/>
+          </a:xfrm>
+          <a:prstGeom prst="rect">
+            <a:avLst/>
+          </a:prstGeom>
+        </p:spPr>
+      </p:pic>
+      <p:cxnSp>
+        <p:nvCxnSpPr>
+          <p:cNvPr id="59" name="Straight Connector 58">
+            <a:extLst>
+              <a:ext uri="{FF2B5EF4-FFF2-40B4-BE49-F238E27FC236}">
+                <a16:creationId xmlns:a16="http://schemas.microsoft.com/office/drawing/2014/main" id="{71504BDE-DD04-42BB-816D-AB254520B5CE}"/>
+              </a:ext>
+            </a:extLst>
+          </p:cNvPr>
+          <p:cNvCxnSpPr>
+            <a:cxnSpLocks/>
+          </p:cNvCxnSpPr>
+          <p:nvPr/>
+        </p:nvCxnSpPr>
+        <p:spPr>
+          <a:xfrm>
+            <a:off x="643011" y="2813824"/>
+            <a:ext cx="5394960" cy="0"/>
+          </a:xfrm>
+          <a:prstGeom prst="line">
+            <a:avLst/>
+          </a:prstGeom>
+          <a:ln w="28575">
+            <a:solidFill>
+              <a:schemeClr val="bg1"/>
+            </a:solidFill>
+          </a:ln>
+        </p:spPr>
+        <p:style>
+          <a:lnRef idx="1">
+            <a:schemeClr val="dk1"/>
+          </a:lnRef>
+          <a:fillRef idx="0">
+            <a:schemeClr val="dk1"/>
+          </a:fillRef>
+          <a:effectRef idx="0">
+            <a:schemeClr val="dk1"/>
+          </a:effectRef>
+          <a:fontRef idx="minor">
+            <a:schemeClr val="tx1"/>
+          </a:fontRef>
+        </p:style>
+      </p:cxnSp>
+      <p:cxnSp>
+        <p:nvCxnSpPr>
+          <p:cNvPr id="60" name="Straight Connector 59">
+            <a:extLst>
+              <a:ext uri="{FF2B5EF4-FFF2-40B4-BE49-F238E27FC236}">
+                <a16:creationId xmlns:a16="http://schemas.microsoft.com/office/drawing/2014/main" id="{81593978-7F8C-4489-AE66-9315A0CC1D6C}"/>
+              </a:ext>
+            </a:extLst>
+          </p:cNvPr>
+          <p:cNvCxnSpPr>
+            <a:cxnSpLocks/>
+          </p:cNvCxnSpPr>
+          <p:nvPr/>
+        </p:nvCxnSpPr>
+        <p:spPr>
+          <a:xfrm>
+            <a:off x="604434" y="5168147"/>
+            <a:ext cx="5394960" cy="0"/>
+          </a:xfrm>
+          <a:prstGeom prst="line">
+            <a:avLst/>
+          </a:prstGeom>
+          <a:ln w="28575">
+            <a:solidFill>
+              <a:schemeClr val="bg1"/>
+            </a:solidFill>
+          </a:ln>
+        </p:spPr>
+        <p:style>
+          <a:lnRef idx="1">
+            <a:schemeClr val="dk1"/>
+          </a:lnRef>
+          <a:fillRef idx="0">
+            <a:schemeClr val="dk1"/>
+          </a:fillRef>
+          <a:effectRef idx="0">
+            <a:schemeClr val="dk1"/>
+          </a:effectRef>
+          <a:fontRef idx="minor">
+            <a:schemeClr val="tx1"/>
+          </a:fontRef>
+        </p:style>
+      </p:cxnSp>
+      <p:sp>
+        <p:nvSpPr>
+          <p:cNvPr id="61" name="TextBox 60">
+            <a:extLst>
+              <a:ext uri="{FF2B5EF4-FFF2-40B4-BE49-F238E27FC236}">
+                <a16:creationId xmlns:a16="http://schemas.microsoft.com/office/drawing/2014/main" id="{0C53B937-2AB9-49C1-A1BE-82C31ECBE918}"/>
+              </a:ext>
+            </a:extLst>
+          </p:cNvPr>
+          <p:cNvSpPr txBox="1"/>
+          <p:nvPr/>
+        </p:nvSpPr>
+        <p:spPr>
+          <a:xfrm>
+            <a:off x="6134430" y="-82827"/>
+            <a:ext cx="568590" cy="523220"/>
+          </a:xfrm>
+          <a:prstGeom prst="rect">
+            <a:avLst/>
+          </a:prstGeom>
+          <a:noFill/>
+        </p:spPr>
+        <p:txBody>
+          <a:bodyPr wrap="square" rtlCol="0">
+            <a:spAutoFit/>
+          </a:bodyPr>
+          <a:lstStyle>
+            <a:defPPr>
+              <a:defRPr lang="en-US"/>
+            </a:defPPr>
+            <a:lvl1pPr>
+              <a:defRPr sz="2800" b="1"/>
+            </a:lvl1pPr>
+          </a:lstStyle>
+          <a:p>
+            <a:r>
+              <a:rPr lang="en-US" dirty="0"/>
+              <a:t>B</a:t>
+            </a:r>
+          </a:p>
+        </p:txBody>
+      </p:sp>
+      <p:sp>
+        <p:nvSpPr>
+          <p:cNvPr id="62" name="TextBox 61">
+            <a:extLst>
+              <a:ext uri="{FF2B5EF4-FFF2-40B4-BE49-F238E27FC236}">
+                <a16:creationId xmlns:a16="http://schemas.microsoft.com/office/drawing/2014/main" id="{9C1C1A92-57F0-4FD9-ABB3-89A1B1619DCB}"/>
+              </a:ext>
+            </a:extLst>
+          </p:cNvPr>
+          <p:cNvSpPr txBox="1"/>
+          <p:nvPr/>
+        </p:nvSpPr>
+        <p:spPr>
+          <a:xfrm>
+            <a:off x="688249" y="-82827"/>
+            <a:ext cx="568590" cy="523220"/>
+          </a:xfrm>
+          <a:prstGeom prst="rect">
+            <a:avLst/>
+          </a:prstGeom>
+          <a:noFill/>
+        </p:spPr>
+        <p:txBody>
+          <a:bodyPr wrap="square" rtlCol="0">
+            <a:spAutoFit/>
+          </a:bodyPr>
+          <a:lstStyle/>
+          <a:p>
+            <a:r>
+              <a:rPr lang="en-US" sz="2800" b="1" dirty="0"/>
+              <a:t>A</a:t>
+            </a:r>
+          </a:p>
+        </p:txBody>
+      </p:sp>
+      <p:sp>
+        <p:nvSpPr>
+          <p:cNvPr id="45" name="TextBox 44">
+            <a:extLst>
+              <a:ext uri="{FF2B5EF4-FFF2-40B4-BE49-F238E27FC236}">
+                <a16:creationId xmlns:a16="http://schemas.microsoft.com/office/drawing/2014/main" id="{5B097C8F-188D-49B0-B975-731EFCADB2CD}"/>
+              </a:ext>
+            </a:extLst>
+          </p:cNvPr>
+          <p:cNvSpPr txBox="1"/>
+          <p:nvPr/>
+        </p:nvSpPr>
+        <p:spPr>
+          <a:xfrm>
+            <a:off x="1566559" y="6470082"/>
+            <a:ext cx="1231314" cy="400110"/>
+          </a:xfrm>
+          <a:prstGeom prst="rect">
+            <a:avLst/>
+          </a:prstGeom>
+          <a:solidFill>
+            <a:schemeClr val="bg1"/>
+          </a:solidFill>
+        </p:spPr>
+        <p:txBody>
+          <a:bodyPr wrap="square" rtlCol="0">
+            <a:spAutoFit/>
+          </a:bodyPr>
+          <a:lstStyle/>
+          <a:p>
+            <a:r>
+              <a:rPr lang="en-US" sz="2000" dirty="0"/>
+              <a:t>Target ID</a:t>
+            </a:r>
+          </a:p>
+        </p:txBody>
+      </p:sp>
+      <p:sp>
+        <p:nvSpPr>
+          <p:cNvPr id="46" name="TextBox 45">
+            <a:extLst>
+              <a:ext uri="{FF2B5EF4-FFF2-40B4-BE49-F238E27FC236}">
+                <a16:creationId xmlns:a16="http://schemas.microsoft.com/office/drawing/2014/main" id="{EB65CB1A-CCBC-4A58-88D3-2C8E1DC6E33C}"/>
+              </a:ext>
+            </a:extLst>
+          </p:cNvPr>
+          <p:cNvSpPr txBox="1"/>
+          <p:nvPr/>
+        </p:nvSpPr>
+        <p:spPr>
+          <a:xfrm>
+            <a:off x="4010556" y="6470082"/>
+            <a:ext cx="1231314" cy="400110"/>
+          </a:xfrm>
+          <a:prstGeom prst="rect">
+            <a:avLst/>
+          </a:prstGeom>
+          <a:solidFill>
+            <a:schemeClr val="bg1"/>
+          </a:solidFill>
+        </p:spPr>
+        <p:txBody>
+          <a:bodyPr wrap="square" rtlCol="0">
+            <a:spAutoFit/>
+          </a:bodyPr>
+          <a:lstStyle/>
+          <a:p>
+            <a:r>
+              <a:rPr lang="en-US" sz="2000" dirty="0"/>
+              <a:t>Target ID</a:t>
+            </a:r>
+          </a:p>
+        </p:txBody>
+      </p:sp>
+      <p:sp>
+        <p:nvSpPr>
+          <p:cNvPr id="63" name="TextBox 62">
+            <a:extLst>
+              <a:ext uri="{FF2B5EF4-FFF2-40B4-BE49-F238E27FC236}">
+                <a16:creationId xmlns:a16="http://schemas.microsoft.com/office/drawing/2014/main" id="{A93DEDC6-6DC5-44EA-A12D-9441CE5D163D}"/>
+              </a:ext>
+            </a:extLst>
+          </p:cNvPr>
+          <p:cNvSpPr txBox="1"/>
+          <p:nvPr/>
+        </p:nvSpPr>
+        <p:spPr>
+          <a:xfrm>
+            <a:off x="7288520" y="6470082"/>
+            <a:ext cx="1231314" cy="400110"/>
+          </a:xfrm>
+          <a:prstGeom prst="rect">
+            <a:avLst/>
+          </a:prstGeom>
+          <a:solidFill>
+            <a:schemeClr val="bg1"/>
+          </a:solidFill>
+        </p:spPr>
+        <p:txBody>
+          <a:bodyPr wrap="square" rtlCol="0">
+            <a:spAutoFit/>
+          </a:bodyPr>
+          <a:lstStyle/>
+          <a:p>
+            <a:r>
+              <a:rPr lang="en-US" sz="2000" dirty="0"/>
+              <a:t>Target ID</a:t>
+            </a:r>
+          </a:p>
+        </p:txBody>
+      </p:sp>
+      <p:sp>
+        <p:nvSpPr>
+          <p:cNvPr id="64" name="TextBox 63">
+            <a:extLst>
+              <a:ext uri="{FF2B5EF4-FFF2-40B4-BE49-F238E27FC236}">
+                <a16:creationId xmlns:a16="http://schemas.microsoft.com/office/drawing/2014/main" id="{1FABE4CF-BC81-4D4F-B33F-052005AEC6A2}"/>
+              </a:ext>
+            </a:extLst>
+          </p:cNvPr>
+          <p:cNvSpPr txBox="1"/>
+          <p:nvPr/>
+        </p:nvSpPr>
+        <p:spPr>
+          <a:xfrm>
+            <a:off x="10190140" y="6470082"/>
+            <a:ext cx="1231314" cy="400110"/>
+          </a:xfrm>
+          <a:prstGeom prst="rect">
+            <a:avLst/>
+          </a:prstGeom>
+          <a:solidFill>
+            <a:schemeClr val="bg1"/>
+          </a:solidFill>
+        </p:spPr>
+        <p:txBody>
+          <a:bodyPr wrap="square" rtlCol="0">
+            <a:spAutoFit/>
+          </a:bodyPr>
+          <a:lstStyle/>
+          <a:p>
+            <a:r>
+              <a:rPr lang="en-US" sz="2000" dirty="0"/>
+              <a:t>Target ID</a:t>
+            </a:r>
+          </a:p>
+        </p:txBody>
+      </p:sp>
+    </p:spTree>
+    <p:extLst>
+      <p:ext uri="{BB962C8B-B14F-4D97-AF65-F5344CB8AC3E}">
+        <p14:creationId xmlns:p14="http://schemas.microsoft.com/office/powerpoint/2010/main" val="299593662"/>
       </p:ext>
     </p:extLst>
   </p:cSld>
@@ -7593,8 +9143,8 @@
           </a:p>
         </p:txBody>
       </p:sp>
-      <mc:AlternateContent xmlns:mc="http://schemas.openxmlformats.org/markup-compatibility/2006">
-        <mc:Choice xmlns:a14="http://schemas.microsoft.com/office/drawing/2010/main" Requires="a14">
+      <mc:AlternateContent xmlns:mc="http://schemas.openxmlformats.org/markup-compatibility/2006" xmlns:a14="http://schemas.microsoft.com/office/drawing/2010/main">
+        <mc:Choice Requires="a14">
           <p:sp>
             <p:nvSpPr>
               <p:cNvPr id="72" name="Rectangle 71">
@@ -7695,7 +9245,7 @@
             </p:txBody>
           </p:sp>
         </mc:Choice>
-        <mc:Fallback>
+        <mc:Fallback xmlns="">
           <p:sp>
             <p:nvSpPr>
               <p:cNvPr id="72" name="Rectangle 71">
@@ -7743,8 +9293,8 @@
           </p:sp>
         </mc:Fallback>
       </mc:AlternateContent>
-      <mc:AlternateContent xmlns:mc="http://schemas.openxmlformats.org/markup-compatibility/2006">
-        <mc:Choice xmlns:a14="http://schemas.microsoft.com/office/drawing/2010/main" Requires="a14">
+      <mc:AlternateContent xmlns:mc="http://schemas.openxmlformats.org/markup-compatibility/2006" xmlns:a14="http://schemas.microsoft.com/office/drawing/2010/main">
+        <mc:Choice Requires="a14">
           <p:sp>
             <p:nvSpPr>
               <p:cNvPr id="73" name="Rectangle 72">
@@ -7845,7 +9395,7 @@
             </p:txBody>
           </p:sp>
         </mc:Choice>
-        <mc:Fallback>
+        <mc:Fallback xmlns="">
           <p:sp>
             <p:nvSpPr>
               <p:cNvPr id="73" name="Rectangle 72">
@@ -7893,8 +9443,8 @@
           </p:sp>
         </mc:Fallback>
       </mc:AlternateContent>
-      <mc:AlternateContent xmlns:mc="http://schemas.openxmlformats.org/markup-compatibility/2006">
-        <mc:Choice xmlns:a14="http://schemas.microsoft.com/office/drawing/2010/main" Requires="a14">
+      <mc:AlternateContent xmlns:mc="http://schemas.openxmlformats.org/markup-compatibility/2006" xmlns:a14="http://schemas.microsoft.com/office/drawing/2010/main">
+        <mc:Choice Requires="a14">
           <p:sp>
             <p:nvSpPr>
               <p:cNvPr id="74" name="Rectangle 73">
@@ -7995,7 +9545,7 @@
             </p:txBody>
           </p:sp>
         </mc:Choice>
-        <mc:Fallback>
+        <mc:Fallback xmlns="">
           <p:sp>
             <p:nvSpPr>
               <p:cNvPr id="74" name="Rectangle 73">
@@ -8253,8 +9803,8 @@
           </a:p>
         </p:txBody>
       </p:sp>
-      <mc:AlternateContent xmlns:mc="http://schemas.openxmlformats.org/markup-compatibility/2006">
-        <mc:Choice xmlns:a14="http://schemas.microsoft.com/office/drawing/2010/main" Requires="a14">
+      <mc:AlternateContent xmlns:mc="http://schemas.openxmlformats.org/markup-compatibility/2006" xmlns:a14="http://schemas.microsoft.com/office/drawing/2010/main">
+        <mc:Choice Requires="a14">
           <p:sp>
             <p:nvSpPr>
               <p:cNvPr id="85" name="Rectangle 84">
@@ -8355,7 +9905,7 @@
             </p:txBody>
           </p:sp>
         </mc:Choice>
-        <mc:Fallback>
+        <mc:Fallback xmlns="">
           <p:sp>
             <p:nvSpPr>
               <p:cNvPr id="85" name="Rectangle 84">
@@ -8403,8 +9953,8 @@
           </p:sp>
         </mc:Fallback>
       </mc:AlternateContent>
-      <mc:AlternateContent xmlns:mc="http://schemas.openxmlformats.org/markup-compatibility/2006">
-        <mc:Choice xmlns:a14="http://schemas.microsoft.com/office/drawing/2010/main" Requires="a14">
+      <mc:AlternateContent xmlns:mc="http://schemas.openxmlformats.org/markup-compatibility/2006" xmlns:a14="http://schemas.microsoft.com/office/drawing/2010/main">
+        <mc:Choice Requires="a14">
           <p:sp>
             <p:nvSpPr>
               <p:cNvPr id="86" name="Rectangle 85">
@@ -8505,7 +10055,7 @@
             </p:txBody>
           </p:sp>
         </mc:Choice>
-        <mc:Fallback>
+        <mc:Fallback xmlns="">
           <p:sp>
             <p:nvSpPr>
               <p:cNvPr id="86" name="Rectangle 85">
@@ -8553,8 +10103,8 @@
           </p:sp>
         </mc:Fallback>
       </mc:AlternateContent>
-      <mc:AlternateContent xmlns:mc="http://schemas.openxmlformats.org/markup-compatibility/2006">
-        <mc:Choice xmlns:a14="http://schemas.microsoft.com/office/drawing/2010/main" Requires="a14">
+      <mc:AlternateContent xmlns:mc="http://schemas.openxmlformats.org/markup-compatibility/2006" xmlns:a14="http://schemas.microsoft.com/office/drawing/2010/main">
+        <mc:Choice Requires="a14">
           <p:sp>
             <p:nvSpPr>
               <p:cNvPr id="87" name="Rectangle 86">
@@ -8655,7 +10205,7 @@
             </p:txBody>
           </p:sp>
         </mc:Choice>
-        <mc:Fallback>
+        <mc:Fallback xmlns="">
           <p:sp>
             <p:nvSpPr>
               <p:cNvPr id="87" name="Rectangle 86">
@@ -8703,8 +10253,8 @@
           </p:sp>
         </mc:Fallback>
       </mc:AlternateContent>
-      <mc:AlternateContent xmlns:mc="http://schemas.openxmlformats.org/markup-compatibility/2006">
-        <mc:Choice xmlns:a14="http://schemas.microsoft.com/office/drawing/2010/main" Requires="a14">
+      <mc:AlternateContent xmlns:mc="http://schemas.openxmlformats.org/markup-compatibility/2006" xmlns:a14="http://schemas.microsoft.com/office/drawing/2010/main">
+        <mc:Choice Requires="a14">
           <p:sp>
             <p:nvSpPr>
               <p:cNvPr id="88" name="Oval 87">
@@ -8788,7 +10338,7 @@
             </p:txBody>
           </p:sp>
         </mc:Choice>
-        <mc:Fallback>
+        <mc:Fallback xmlns="">
           <p:sp>
             <p:nvSpPr>
               <p:cNvPr id="88" name="Oval 87">
@@ -8836,8 +10386,8 @@
           </p:sp>
         </mc:Fallback>
       </mc:AlternateContent>
-      <mc:AlternateContent xmlns:mc="http://schemas.openxmlformats.org/markup-compatibility/2006">
-        <mc:Choice xmlns:a14="http://schemas.microsoft.com/office/drawing/2010/main" Requires="a14">
+      <mc:AlternateContent xmlns:mc="http://schemas.openxmlformats.org/markup-compatibility/2006" xmlns:a14="http://schemas.microsoft.com/office/drawing/2010/main">
+        <mc:Choice Requires="a14">
           <p:sp>
             <p:nvSpPr>
               <p:cNvPr id="89" name="Rectangle 88">
@@ -8938,7 +10488,7 @@
             </p:txBody>
           </p:sp>
         </mc:Choice>
-        <mc:Fallback>
+        <mc:Fallback xmlns="">
           <p:sp>
             <p:nvSpPr>
               <p:cNvPr id="89" name="Rectangle 88">
@@ -8986,8 +10536,8 @@
           </p:sp>
         </mc:Fallback>
       </mc:AlternateContent>
-      <mc:AlternateContent xmlns:mc="http://schemas.openxmlformats.org/markup-compatibility/2006">
-        <mc:Choice xmlns:a14="http://schemas.microsoft.com/office/drawing/2010/main" Requires="a14">
+      <mc:AlternateContent xmlns:mc="http://schemas.openxmlformats.org/markup-compatibility/2006" xmlns:a14="http://schemas.microsoft.com/office/drawing/2010/main">
+        <mc:Choice Requires="a14">
           <p:sp>
             <p:nvSpPr>
               <p:cNvPr id="90" name="Oval 89">
@@ -9071,7 +10621,7 @@
             </p:txBody>
           </p:sp>
         </mc:Choice>
-        <mc:Fallback>
+        <mc:Fallback xmlns="">
           <p:sp>
             <p:nvSpPr>
               <p:cNvPr id="90" name="Oval 89">
@@ -9455,8 +11005,8 @@
           </a:p>
         </p:txBody>
       </p:sp>
-      <mc:AlternateContent xmlns:mc="http://schemas.openxmlformats.org/markup-compatibility/2006">
-        <mc:Choice xmlns:a14="http://schemas.microsoft.com/office/drawing/2010/main" Requires="a14">
+      <mc:AlternateContent xmlns:mc="http://schemas.openxmlformats.org/markup-compatibility/2006" xmlns:a14="http://schemas.microsoft.com/office/drawing/2010/main">
+        <mc:Choice Requires="a14">
           <p:sp>
             <p:nvSpPr>
               <p:cNvPr id="97" name="Rectangle 96">
@@ -9490,6 +11040,7 @@
                 </a:r>
               </a:p>
               <a:p>
+                <a:pPr/>
                 <a14:m>
                   <m:oMathPara xmlns:m="http://schemas.openxmlformats.org/officeDocument/2006/math">
                     <m:oMathParaPr>
@@ -9535,7 +11086,7 @@
             </p:txBody>
           </p:sp>
         </mc:Choice>
-        <mc:Fallback>
+        <mc:Fallback xmlns="">
           <p:sp>
             <p:nvSpPr>
               <p:cNvPr id="97" name="Rectangle 96">
@@ -9810,8 +11361,8 @@
           </a:fontRef>
         </p:style>
       </p:cxnSp>
-      <mc:AlternateContent xmlns:mc="http://schemas.openxmlformats.org/markup-compatibility/2006">
-        <mc:Choice xmlns:a14="http://schemas.microsoft.com/office/drawing/2010/main" Requires="a14">
+      <mc:AlternateContent xmlns:mc="http://schemas.openxmlformats.org/markup-compatibility/2006" xmlns:a14="http://schemas.microsoft.com/office/drawing/2010/main">
+        <mc:Choice Requires="a14">
           <p:sp>
             <p:nvSpPr>
               <p:cNvPr id="116" name="Oval 115">
@@ -9941,7 +11492,7 @@
             </p:txBody>
           </p:sp>
         </mc:Choice>
-        <mc:Fallback>
+        <mc:Fallback xmlns="">
           <p:sp>
             <p:nvSpPr>
               <p:cNvPr id="116" name="Oval 115">
@@ -10069,8 +11620,8 @@
           </a:fontRef>
         </p:style>
       </p:cxnSp>
-      <mc:AlternateContent xmlns:mc="http://schemas.openxmlformats.org/markup-compatibility/2006">
-        <mc:Choice xmlns:a14="http://schemas.microsoft.com/office/drawing/2010/main" Requires="a14">
+      <mc:AlternateContent xmlns:mc="http://schemas.openxmlformats.org/markup-compatibility/2006" xmlns:a14="http://schemas.microsoft.com/office/drawing/2010/main">
+        <mc:Choice Requires="a14">
           <p:sp>
             <p:nvSpPr>
               <p:cNvPr id="119" name="Rectangle 118">
@@ -10098,6 +11649,7 @@
               </a:bodyPr>
               <a:lstStyle/>
               <a:p>
+                <a:pPr/>
                 <a14:m>
                   <m:oMathPara xmlns:m="http://schemas.openxmlformats.org/officeDocument/2006/math">
                     <m:oMathParaPr>
@@ -10157,7 +11709,7 @@
             </p:txBody>
           </p:sp>
         </mc:Choice>
-        <mc:Fallback>
+        <mc:Fallback xmlns="">
           <p:sp>
             <p:nvSpPr>
               <p:cNvPr id="119" name="Rectangle 118">
@@ -10321,8 +11873,8 @@
           </a:p>
         </p:txBody>
       </p:sp>
-      <mc:AlternateContent xmlns:mc="http://schemas.openxmlformats.org/markup-compatibility/2006">
-        <mc:Choice xmlns:a14="http://schemas.microsoft.com/office/drawing/2010/main" Requires="a14">
+      <mc:AlternateContent xmlns:mc="http://schemas.openxmlformats.org/markup-compatibility/2006" xmlns:a14="http://schemas.microsoft.com/office/drawing/2010/main">
+        <mc:Choice Requires="a14">
           <p:sp>
             <p:nvSpPr>
               <p:cNvPr id="125" name="Rectangle 124">
@@ -10356,6 +11908,7 @@
                 </a:r>
               </a:p>
               <a:p>
+                <a:pPr/>
                 <a14:m>
                   <m:oMathPara xmlns:m="http://schemas.openxmlformats.org/officeDocument/2006/math">
                     <m:oMathParaPr>
@@ -10365,7 +11918,7 @@
                       <m:sSub>
                         <m:sSubPr>
                           <m:ctrlPr>
-                            <a:rPr lang="en-US" sz="2400" b="1" smtClean="0">
+                            <a:rPr lang="en-US" sz="2400" b="1" i="1" smtClean="0">
                               <a:latin typeface="Cambria Math" panose="02040503050406030204" pitchFamily="18" charset="0"/>
                             </a:rPr>
                           </m:ctrlPr>
@@ -10395,7 +11948,7 @@
             </p:txBody>
           </p:sp>
         </mc:Choice>
-        <mc:Fallback>
+        <mc:Fallback xmlns="">
           <p:sp>
             <p:nvSpPr>
               <p:cNvPr id="125" name="Rectangle 124">
@@ -10494,8 +12047,8 @@
           </a:p>
         </p:txBody>
       </p:sp>
-      <mc:AlternateContent xmlns:mc="http://schemas.openxmlformats.org/markup-compatibility/2006">
-        <mc:Choice xmlns:a14="http://schemas.microsoft.com/office/drawing/2010/main" Requires="a14">
+      <mc:AlternateContent xmlns:mc="http://schemas.openxmlformats.org/markup-compatibility/2006" xmlns:a14="http://schemas.microsoft.com/office/drawing/2010/main">
+        <mc:Choice Requires="a14">
           <p:sp>
             <p:nvSpPr>
               <p:cNvPr id="130" name="Rectangle 129">
@@ -10596,7 +12149,7 @@
             </p:txBody>
           </p:sp>
         </mc:Choice>
-        <mc:Fallback>
+        <mc:Fallback xmlns="">
           <p:sp>
             <p:nvSpPr>
               <p:cNvPr id="130" name="Rectangle 129">
@@ -10644,8 +12197,8 @@
           </p:sp>
         </mc:Fallback>
       </mc:AlternateContent>
-      <mc:AlternateContent xmlns:mc="http://schemas.openxmlformats.org/markup-compatibility/2006">
-        <mc:Choice xmlns:a14="http://schemas.microsoft.com/office/drawing/2010/main" Requires="a14">
+      <mc:AlternateContent xmlns:mc="http://schemas.openxmlformats.org/markup-compatibility/2006" xmlns:a14="http://schemas.microsoft.com/office/drawing/2010/main">
+        <mc:Choice Requires="a14">
           <p:sp>
             <p:nvSpPr>
               <p:cNvPr id="131" name="Rectangle 130">
@@ -10746,7 +12299,7 @@
             </p:txBody>
           </p:sp>
         </mc:Choice>
-        <mc:Fallback>
+        <mc:Fallback xmlns="">
           <p:sp>
             <p:nvSpPr>
               <p:cNvPr id="131" name="Rectangle 130">
@@ -10794,8 +12347,8 @@
           </p:sp>
         </mc:Fallback>
       </mc:AlternateContent>
-      <mc:AlternateContent xmlns:mc="http://schemas.openxmlformats.org/markup-compatibility/2006">
-        <mc:Choice xmlns:a14="http://schemas.microsoft.com/office/drawing/2010/main" Requires="a14">
+      <mc:AlternateContent xmlns:mc="http://schemas.openxmlformats.org/markup-compatibility/2006" xmlns:a14="http://schemas.microsoft.com/office/drawing/2010/main">
+        <mc:Choice Requires="a14">
           <p:sp>
             <p:nvSpPr>
               <p:cNvPr id="132" name="Rectangle 131">
@@ -10896,7 +12449,7 @@
             </p:txBody>
           </p:sp>
         </mc:Choice>
-        <mc:Fallback>
+        <mc:Fallback xmlns="">
           <p:sp>
             <p:nvSpPr>
               <p:cNvPr id="132" name="Rectangle 131">
@@ -11154,8 +12707,8 @@
           </a:p>
         </p:txBody>
       </p:sp>
-      <mc:AlternateContent xmlns:mc="http://schemas.openxmlformats.org/markup-compatibility/2006">
-        <mc:Choice xmlns:a14="http://schemas.microsoft.com/office/drawing/2010/main" Requires="a14">
+      <mc:AlternateContent xmlns:mc="http://schemas.openxmlformats.org/markup-compatibility/2006" xmlns:a14="http://schemas.microsoft.com/office/drawing/2010/main">
+        <mc:Choice Requires="a14">
           <p:sp>
             <p:nvSpPr>
               <p:cNvPr id="137" name="Rectangle 136">
@@ -11256,7 +12809,7 @@
             </p:txBody>
           </p:sp>
         </mc:Choice>
-        <mc:Fallback>
+        <mc:Fallback xmlns="">
           <p:sp>
             <p:nvSpPr>
               <p:cNvPr id="137" name="Rectangle 136">
@@ -11304,8 +12857,8 @@
           </p:sp>
         </mc:Fallback>
       </mc:AlternateContent>
-      <mc:AlternateContent xmlns:mc="http://schemas.openxmlformats.org/markup-compatibility/2006">
-        <mc:Choice xmlns:a14="http://schemas.microsoft.com/office/drawing/2010/main" Requires="a14">
+      <mc:AlternateContent xmlns:mc="http://schemas.openxmlformats.org/markup-compatibility/2006" xmlns:a14="http://schemas.microsoft.com/office/drawing/2010/main">
+        <mc:Choice Requires="a14">
           <p:sp>
             <p:nvSpPr>
               <p:cNvPr id="138" name="Rectangle 137">
@@ -11406,7 +12959,7 @@
             </p:txBody>
           </p:sp>
         </mc:Choice>
-        <mc:Fallback>
+        <mc:Fallback xmlns="">
           <p:sp>
             <p:nvSpPr>
               <p:cNvPr id="138" name="Rectangle 137">
@@ -11454,8 +13007,8 @@
           </p:sp>
         </mc:Fallback>
       </mc:AlternateContent>
-      <mc:AlternateContent xmlns:mc="http://schemas.openxmlformats.org/markup-compatibility/2006">
-        <mc:Choice xmlns:a14="http://schemas.microsoft.com/office/drawing/2010/main" Requires="a14">
+      <mc:AlternateContent xmlns:mc="http://schemas.openxmlformats.org/markup-compatibility/2006" xmlns:a14="http://schemas.microsoft.com/office/drawing/2010/main">
+        <mc:Choice Requires="a14">
           <p:sp>
             <p:nvSpPr>
               <p:cNvPr id="139" name="Rectangle 138">
@@ -11556,7 +13109,7 @@
             </p:txBody>
           </p:sp>
         </mc:Choice>
-        <mc:Fallback>
+        <mc:Fallback xmlns="">
           <p:sp>
             <p:nvSpPr>
               <p:cNvPr id="139" name="Rectangle 138">
@@ -11604,8 +13157,8 @@
           </p:sp>
         </mc:Fallback>
       </mc:AlternateContent>
-      <mc:AlternateContent xmlns:mc="http://schemas.openxmlformats.org/markup-compatibility/2006">
-        <mc:Choice xmlns:a14="http://schemas.microsoft.com/office/drawing/2010/main" Requires="a14">
+      <mc:AlternateContent xmlns:mc="http://schemas.openxmlformats.org/markup-compatibility/2006" xmlns:a14="http://schemas.microsoft.com/office/drawing/2010/main">
+        <mc:Choice Requires="a14">
           <p:sp>
             <p:nvSpPr>
               <p:cNvPr id="140" name="Oval 139">
@@ -11689,7 +13242,7 @@
             </p:txBody>
           </p:sp>
         </mc:Choice>
-        <mc:Fallback>
+        <mc:Fallback xmlns="">
           <p:sp>
             <p:nvSpPr>
               <p:cNvPr id="140" name="Oval 139">
@@ -11737,8 +13290,8 @@
           </p:sp>
         </mc:Fallback>
       </mc:AlternateContent>
-      <mc:AlternateContent xmlns:mc="http://schemas.openxmlformats.org/markup-compatibility/2006">
-        <mc:Choice xmlns:a14="http://schemas.microsoft.com/office/drawing/2010/main" Requires="a14">
+      <mc:AlternateContent xmlns:mc="http://schemas.openxmlformats.org/markup-compatibility/2006" xmlns:a14="http://schemas.microsoft.com/office/drawing/2010/main">
+        <mc:Choice Requires="a14">
           <p:sp>
             <p:nvSpPr>
               <p:cNvPr id="141" name="Rectangle 140">
@@ -11839,7 +13392,7 @@
             </p:txBody>
           </p:sp>
         </mc:Choice>
-        <mc:Fallback>
+        <mc:Fallback xmlns="">
           <p:sp>
             <p:nvSpPr>
               <p:cNvPr id="141" name="Rectangle 140">
@@ -11887,8 +13440,8 @@
           </p:sp>
         </mc:Fallback>
       </mc:AlternateContent>
-      <mc:AlternateContent xmlns:mc="http://schemas.openxmlformats.org/markup-compatibility/2006">
-        <mc:Choice xmlns:a14="http://schemas.microsoft.com/office/drawing/2010/main" Requires="a14">
+      <mc:AlternateContent xmlns:mc="http://schemas.openxmlformats.org/markup-compatibility/2006" xmlns:a14="http://schemas.microsoft.com/office/drawing/2010/main">
+        <mc:Choice Requires="a14">
           <p:sp>
             <p:nvSpPr>
               <p:cNvPr id="142" name="Oval 141">
@@ -11972,7 +13525,7 @@
             </p:txBody>
           </p:sp>
         </mc:Choice>
-        <mc:Fallback>
+        <mc:Fallback xmlns="">
           <p:sp>
             <p:nvSpPr>
               <p:cNvPr id="142" name="Oval 141">
@@ -12356,8 +13909,8 @@
           </a:p>
         </p:txBody>
       </p:sp>
-      <mc:AlternateContent xmlns:mc="http://schemas.openxmlformats.org/markup-compatibility/2006">
-        <mc:Choice xmlns:a14="http://schemas.microsoft.com/office/drawing/2010/main" Requires="a14">
+      <mc:AlternateContent xmlns:mc="http://schemas.openxmlformats.org/markup-compatibility/2006" xmlns:a14="http://schemas.microsoft.com/office/drawing/2010/main">
+        <mc:Choice Requires="a14">
           <p:sp>
             <p:nvSpPr>
               <p:cNvPr id="149" name="Rectangle 148">
@@ -12397,6 +13950,7 @@
                 </a:r>
               </a:p>
               <a:p>
+                <a:pPr/>
                 <a14:m>
                   <m:oMathPara xmlns:m="http://schemas.openxmlformats.org/officeDocument/2006/math">
                     <m:oMathParaPr>
@@ -12450,7 +14004,7 @@
             </p:txBody>
           </p:sp>
         </mc:Choice>
-        <mc:Fallback>
+        <mc:Fallback xmlns="">
           <p:sp>
             <p:nvSpPr>
               <p:cNvPr id="149" name="Rectangle 148">
@@ -12727,8 +14281,8 @@
           </a:fontRef>
         </p:style>
       </p:cxnSp>
-      <mc:AlternateContent xmlns:mc="http://schemas.openxmlformats.org/markup-compatibility/2006">
-        <mc:Choice xmlns:a14="http://schemas.microsoft.com/office/drawing/2010/main" Requires="a14">
+      <mc:AlternateContent xmlns:mc="http://schemas.openxmlformats.org/markup-compatibility/2006" xmlns:a14="http://schemas.microsoft.com/office/drawing/2010/main">
+        <mc:Choice Requires="a14">
           <p:sp>
             <p:nvSpPr>
               <p:cNvPr id="154" name="Oval 153">
@@ -12858,7 +14412,7 @@
             </p:txBody>
           </p:sp>
         </mc:Choice>
-        <mc:Fallback>
+        <mc:Fallback xmlns="">
           <p:sp>
             <p:nvSpPr>
               <p:cNvPr id="154" name="Oval 153">
@@ -13071,8 +14625,8 @@
           </a:fontRef>
         </p:style>
       </p:cxnSp>
-      <mc:AlternateContent xmlns:mc="http://schemas.openxmlformats.org/markup-compatibility/2006">
-        <mc:Choice xmlns:a14="http://schemas.microsoft.com/office/drawing/2010/main" Requires="a14">
+      <mc:AlternateContent xmlns:mc="http://schemas.openxmlformats.org/markup-compatibility/2006" xmlns:a14="http://schemas.microsoft.com/office/drawing/2010/main">
+        <mc:Choice Requires="a14">
           <p:sp>
             <p:nvSpPr>
               <p:cNvPr id="166" name="Rectangle 165">
@@ -13173,7 +14727,7 @@
             </p:txBody>
           </p:sp>
         </mc:Choice>
-        <mc:Fallback>
+        <mc:Fallback xmlns="">
           <p:sp>
             <p:nvSpPr>
               <p:cNvPr id="166" name="Rectangle 165">
@@ -13221,8 +14775,8 @@
           </p:sp>
         </mc:Fallback>
       </mc:AlternateContent>
-      <mc:AlternateContent xmlns:mc="http://schemas.openxmlformats.org/markup-compatibility/2006">
-        <mc:Choice xmlns:a14="http://schemas.microsoft.com/office/drawing/2010/main" Requires="a14">
+      <mc:AlternateContent xmlns:mc="http://schemas.openxmlformats.org/markup-compatibility/2006" xmlns:a14="http://schemas.microsoft.com/office/drawing/2010/main">
+        <mc:Choice Requires="a14">
           <p:sp>
             <p:nvSpPr>
               <p:cNvPr id="167" name="Rectangle 166">
@@ -13328,7 +14882,7 @@
             </p:txBody>
           </p:sp>
         </mc:Choice>
-        <mc:Fallback>
+        <mc:Fallback xmlns="">
           <p:sp>
             <p:nvSpPr>
               <p:cNvPr id="167" name="Rectangle 166">
@@ -13417,8 +14971,8 @@
           </a:fontRef>
         </p:style>
       </p:cxnSp>
-      <mc:AlternateContent xmlns:mc="http://schemas.openxmlformats.org/markup-compatibility/2006">
-        <mc:Choice xmlns:a14="http://schemas.microsoft.com/office/drawing/2010/main" Requires="a14">
+      <mc:AlternateContent xmlns:mc="http://schemas.openxmlformats.org/markup-compatibility/2006" xmlns:a14="http://schemas.microsoft.com/office/drawing/2010/main">
+        <mc:Choice Requires="a14">
           <p:sp>
             <p:nvSpPr>
               <p:cNvPr id="169" name="Rectangle 168">
@@ -13524,7 +15078,7 @@
             </p:txBody>
           </p:sp>
         </mc:Choice>
-        <mc:Fallback>
+        <mc:Fallback xmlns="">
           <p:sp>
             <p:nvSpPr>
               <p:cNvPr id="169" name="Rectangle 168">
@@ -13613,8 +15167,8 @@
           </a:fontRef>
         </p:style>
       </p:cxnSp>
-      <mc:AlternateContent xmlns:mc="http://schemas.openxmlformats.org/markup-compatibility/2006">
-        <mc:Choice xmlns:a14="http://schemas.microsoft.com/office/drawing/2010/main" Requires="a14">
+      <mc:AlternateContent xmlns:mc="http://schemas.openxmlformats.org/markup-compatibility/2006" xmlns:a14="http://schemas.microsoft.com/office/drawing/2010/main">
+        <mc:Choice Requires="a14">
           <p:sp>
             <p:nvSpPr>
               <p:cNvPr id="173" name="Rectangle 172">
@@ -13663,7 +15217,7 @@
             </p:txBody>
           </p:sp>
         </mc:Choice>
-        <mc:Fallback>
+        <mc:Fallback xmlns="">
           <p:sp>
             <p:nvSpPr>
               <p:cNvPr id="173" name="Rectangle 172">
@@ -13708,8 +15262,8 @@
           </p:sp>
         </mc:Fallback>
       </mc:AlternateContent>
-      <mc:AlternateContent xmlns:mc="http://schemas.openxmlformats.org/markup-compatibility/2006">
-        <mc:Choice xmlns:a14="http://schemas.microsoft.com/office/drawing/2010/main" Requires="a14">
+      <mc:AlternateContent xmlns:mc="http://schemas.openxmlformats.org/markup-compatibility/2006" xmlns:a14="http://schemas.microsoft.com/office/drawing/2010/main">
+        <mc:Choice Requires="a14">
           <p:sp>
             <p:nvSpPr>
               <p:cNvPr id="174" name="Rectangle 173">
@@ -13743,6 +15297,7 @@
                 </a:r>
               </a:p>
               <a:p>
+                <a:pPr/>
                 <a14:m>
                   <m:oMathPara xmlns:m="http://schemas.openxmlformats.org/officeDocument/2006/math">
                     <m:oMathParaPr>
@@ -13752,7 +15307,7 @@
                       <m:sSub>
                         <m:sSubPr>
                           <m:ctrlPr>
-                            <a:rPr lang="en-US" sz="2400" b="1" smtClean="0">
+                            <a:rPr lang="en-US" sz="2400" b="1" i="1" smtClean="0">
                               <a:latin typeface="Cambria Math" panose="02040503050406030204" pitchFamily="18" charset="0"/>
                             </a:rPr>
                           </m:ctrlPr>
@@ -13782,7 +15337,7 @@
             </p:txBody>
           </p:sp>
         </mc:Choice>
-        <mc:Fallback>
+        <mc:Fallback xmlns="">
           <p:sp>
             <p:nvSpPr>
               <p:cNvPr id="174" name="Rectangle 173">

--- a/report/RO-MAN/figures/ROMAN-figures.pptx
+++ b/report/RO-MAN/figures/ROMAN-figures.pptx
@@ -15167,8 +15167,8 @@
           </a:fontRef>
         </p:style>
       </p:cxnSp>
-      <mc:AlternateContent xmlns:mc="http://schemas.openxmlformats.org/markup-compatibility/2006" xmlns:a14="http://schemas.microsoft.com/office/drawing/2010/main">
-        <mc:Choice Requires="a14">
+      <mc:AlternateContent xmlns:mc="http://schemas.openxmlformats.org/markup-compatibility/2006">
+        <mc:Choice xmlns:a14="http://schemas.microsoft.com/office/drawing/2010/main" Requires="a14">
           <p:sp>
             <p:nvSpPr>
               <p:cNvPr id="173" name="Rectangle 172">
@@ -15184,7 +15184,7 @@
             <p:spPr>
               <a:xfrm>
                 <a:off x="9959923" y="1481146"/>
-                <a:ext cx="1016337" cy="400110"/>
+                <a:ext cx="1016337" cy="417358"/>
               </a:xfrm>
               <a:prstGeom prst="rect">
                 <a:avLst/>
@@ -15203,12 +15203,24 @@
                       <m:jc m:val="centerGroup"/>
                     </m:oMathParaPr>
                     <m:oMath xmlns:m="http://schemas.openxmlformats.org/officeDocument/2006/math">
-                      <m:r>
-                        <a:rPr lang="en-US" sz="2000" b="1" i="1" smtClean="0">
-                          <a:latin typeface="Cambria Math" panose="02040503050406030204" pitchFamily="18" charset="0"/>
-                        </a:rPr>
-                        <m:t>𝒑𝒓𝒆𝒇</m:t>
-                      </m:r>
+                      <m:acc>
+                        <m:accPr>
+                          <m:chr m:val="̂"/>
+                          <m:ctrlPr>
+                            <a:rPr lang="en-US" sz="2000" b="1" i="1" smtClean="0">
+                              <a:latin typeface="Cambria Math" panose="02040503050406030204" pitchFamily="18" charset="0"/>
+                            </a:rPr>
+                          </m:ctrlPr>
+                        </m:accPr>
+                        <m:e>
+                          <m:r>
+                            <a:rPr lang="en-US" sz="2000" b="1" i="1">
+                              <a:latin typeface="Cambria Math" panose="02040503050406030204" pitchFamily="18" charset="0"/>
+                            </a:rPr>
+                            <m:t>𝒑𝒓𝒆𝒇</m:t>
+                          </m:r>
+                        </m:e>
+                      </m:acc>
                     </m:oMath>
                   </m:oMathPara>
                 </a14:m>
@@ -15217,7 +15229,7 @@
             </p:txBody>
           </p:sp>
         </mc:Choice>
-        <mc:Fallback xmlns="">
+        <mc:Fallback>
           <p:sp>
             <p:nvSpPr>
               <p:cNvPr id="173" name="Rectangle 172">
@@ -15235,7 +15247,7 @@
             <p:spPr>
               <a:xfrm>
                 <a:off x="9959923" y="1481146"/>
-                <a:ext cx="1016337" cy="400110"/>
+                <a:ext cx="1016337" cy="417358"/>
               </a:xfrm>
               <a:prstGeom prst="rect">
                 <a:avLst/>
@@ -15243,7 +15255,7 @@
               <a:blipFill>
                 <a:blip r:embed="rId29"/>
                 <a:stretch>
-                  <a:fillRect b="-13636"/>
+                  <a:fillRect t="-8824" r="-15569" b="-14706"/>
                 </a:stretch>
               </a:blipFill>
             </p:spPr>

--- a/report/RO-MAN/figures/ROMAN-figures.pptx
+++ b/report/RO-MAN/figures/ROMAN-figures.pptx
@@ -5,20 +5,25 @@
     <p:sldMasterId id="2147483648" r:id="rId1"/>
   </p:sldMasterIdLst>
   <p:notesMasterIdLst>
-    <p:notesMasterId r:id="rId13"/>
+    <p:notesMasterId r:id="rId18"/>
   </p:notesMasterIdLst>
   <p:sldIdLst>
-    <p:sldId id="263" r:id="rId2"/>
-    <p:sldId id="264" r:id="rId3"/>
-    <p:sldId id="265" r:id="rId4"/>
-    <p:sldId id="266" r:id="rId5"/>
-    <p:sldId id="259" r:id="rId6"/>
-    <p:sldId id="258" r:id="rId7"/>
-    <p:sldId id="262" r:id="rId8"/>
-    <p:sldId id="256" r:id="rId9"/>
-    <p:sldId id="257" r:id="rId10"/>
-    <p:sldId id="261" r:id="rId11"/>
-    <p:sldId id="267" r:id="rId12"/>
+    <p:sldId id="270" r:id="rId2"/>
+    <p:sldId id="271" r:id="rId3"/>
+    <p:sldId id="272" r:id="rId4"/>
+    <p:sldId id="263" r:id="rId5"/>
+    <p:sldId id="264" r:id="rId6"/>
+    <p:sldId id="265" r:id="rId7"/>
+    <p:sldId id="266" r:id="rId8"/>
+    <p:sldId id="268" r:id="rId9"/>
+    <p:sldId id="259" r:id="rId10"/>
+    <p:sldId id="258" r:id="rId11"/>
+    <p:sldId id="262" r:id="rId12"/>
+    <p:sldId id="256" r:id="rId13"/>
+    <p:sldId id="257" r:id="rId14"/>
+    <p:sldId id="261" r:id="rId15"/>
+    <p:sldId id="267" r:id="rId16"/>
+    <p:sldId id="269" r:id="rId17"/>
   </p:sldIdLst>
   <p:sldSz cx="12192000" cy="6858000"/>
   <p:notesSz cx="6858000" cy="9144000"/>
@@ -218,7 +223,7 @@
           <a:p>
             <a:fld id="{3F89A295-6F9E-4D51-AE54-61E02A4CE380}" type="datetimeFigureOut">
               <a:rPr lang="en-US" smtClean="0"/>
-              <a:t>3/12/2020</a:t>
+              <a:t>3/18/2020</a:t>
             </a:fld>
             <a:endParaRPr lang="en-US"/>
           </a:p>
@@ -566,7 +571,7 @@
           <a:p>
             <a:fld id="{DA1463AA-A683-4C2A-8632-07FD5D698543}" type="slidenum">
               <a:rPr lang="en-US" smtClean="0"/>
-              <a:t>5</a:t>
+              <a:t>9</a:t>
             </a:fld>
             <a:endParaRPr lang="en-US"/>
           </a:p>
@@ -705,7 +710,7 @@
           <a:p>
             <a:fld id="{DA1463AA-A683-4C2A-8632-07FD5D698543}" type="slidenum">
               <a:rPr lang="en-US" smtClean="0"/>
-              <a:t>6</a:t>
+              <a:t>10</a:t>
             </a:fld>
             <a:endParaRPr lang="en-US"/>
           </a:p>
@@ -836,7 +841,7 @@
           <a:p>
             <a:fld id="{DA1463AA-A683-4C2A-8632-07FD5D698543}" type="slidenum">
               <a:rPr lang="en-US" smtClean="0"/>
-              <a:t>7</a:t>
+              <a:t>11</a:t>
             </a:fld>
             <a:endParaRPr lang="en-US"/>
           </a:p>
@@ -948,7 +953,7 @@
           <a:p>
             <a:fld id="{DA1463AA-A683-4C2A-8632-07FD5D698543}" type="slidenum">
               <a:rPr lang="en-US" smtClean="0"/>
-              <a:t>8</a:t>
+              <a:t>12</a:t>
             </a:fld>
             <a:endParaRPr lang="en-US"/>
           </a:p>
@@ -1059,7 +1064,7 @@
           <a:p>
             <a:fld id="{DA1463AA-A683-4C2A-8632-07FD5D698543}" type="slidenum">
               <a:rPr lang="en-US" smtClean="0"/>
-              <a:t>9</a:t>
+              <a:t>13</a:t>
             </a:fld>
             <a:endParaRPr lang="en-US"/>
           </a:p>
@@ -1190,7 +1195,7 @@
           <a:p>
             <a:fld id="{DA1463AA-A683-4C2A-8632-07FD5D698543}" type="slidenum">
               <a:rPr lang="en-US" smtClean="0"/>
-              <a:t>10</a:t>
+              <a:t>14</a:t>
             </a:fld>
             <a:endParaRPr lang="en-US"/>
           </a:p>
@@ -1274,7 +1279,7 @@
           <a:p>
             <a:fld id="{DA1463AA-A683-4C2A-8632-07FD5D698543}" type="slidenum">
               <a:rPr lang="en-US" smtClean="0"/>
-              <a:t>11</a:t>
+              <a:t>15</a:t>
             </a:fld>
             <a:endParaRPr lang="en-US"/>
           </a:p>
@@ -1440,7 +1445,7 @@
           <a:p>
             <a:fld id="{F4E53FB3-0E6D-400E-94D0-294D549E0F65}" type="datetimeFigureOut">
               <a:rPr lang="en-US" smtClean="0"/>
-              <a:t>3/12/2020</a:t>
+              <a:t>3/18/2020</a:t>
             </a:fld>
             <a:endParaRPr lang="en-US"/>
           </a:p>
@@ -1638,7 +1643,7 @@
           <a:p>
             <a:fld id="{F4E53FB3-0E6D-400E-94D0-294D549E0F65}" type="datetimeFigureOut">
               <a:rPr lang="en-US" smtClean="0"/>
-              <a:t>3/12/2020</a:t>
+              <a:t>3/18/2020</a:t>
             </a:fld>
             <a:endParaRPr lang="en-US"/>
           </a:p>
@@ -1846,7 +1851,7 @@
           <a:p>
             <a:fld id="{F4E53FB3-0E6D-400E-94D0-294D549E0F65}" type="datetimeFigureOut">
               <a:rPr lang="en-US" smtClean="0"/>
-              <a:t>3/12/2020</a:t>
+              <a:t>3/18/2020</a:t>
             </a:fld>
             <a:endParaRPr lang="en-US"/>
           </a:p>
@@ -2044,7 +2049,7 @@
           <a:p>
             <a:fld id="{F4E53FB3-0E6D-400E-94D0-294D549E0F65}" type="datetimeFigureOut">
               <a:rPr lang="en-US" smtClean="0"/>
-              <a:t>3/12/2020</a:t>
+              <a:t>3/18/2020</a:t>
             </a:fld>
             <a:endParaRPr lang="en-US"/>
           </a:p>
@@ -2319,7 +2324,7 @@
           <a:p>
             <a:fld id="{F4E53FB3-0E6D-400E-94D0-294D549E0F65}" type="datetimeFigureOut">
               <a:rPr lang="en-US" smtClean="0"/>
-              <a:t>3/12/2020</a:t>
+              <a:t>3/18/2020</a:t>
             </a:fld>
             <a:endParaRPr lang="en-US"/>
           </a:p>
@@ -2584,7 +2589,7 @@
           <a:p>
             <a:fld id="{F4E53FB3-0E6D-400E-94D0-294D549E0F65}" type="datetimeFigureOut">
               <a:rPr lang="en-US" smtClean="0"/>
-              <a:t>3/12/2020</a:t>
+              <a:t>3/18/2020</a:t>
             </a:fld>
             <a:endParaRPr lang="en-US"/>
           </a:p>
@@ -2996,7 +3001,7 @@
           <a:p>
             <a:fld id="{F4E53FB3-0E6D-400E-94D0-294D549E0F65}" type="datetimeFigureOut">
               <a:rPr lang="en-US" smtClean="0"/>
-              <a:t>3/12/2020</a:t>
+              <a:t>3/18/2020</a:t>
             </a:fld>
             <a:endParaRPr lang="en-US"/>
           </a:p>
@@ -3137,7 +3142,7 @@
           <a:p>
             <a:fld id="{F4E53FB3-0E6D-400E-94D0-294D549E0F65}" type="datetimeFigureOut">
               <a:rPr lang="en-US" smtClean="0"/>
-              <a:t>3/12/2020</a:t>
+              <a:t>3/18/2020</a:t>
             </a:fld>
             <a:endParaRPr lang="en-US"/>
           </a:p>
@@ -3250,7 +3255,7 @@
           <a:p>
             <a:fld id="{F4E53FB3-0E6D-400E-94D0-294D549E0F65}" type="datetimeFigureOut">
               <a:rPr lang="en-US" smtClean="0"/>
-              <a:t>3/12/2020</a:t>
+              <a:t>3/18/2020</a:t>
             </a:fld>
             <a:endParaRPr lang="en-US"/>
           </a:p>
@@ -3561,7 +3566,7 @@
           <a:p>
             <a:fld id="{F4E53FB3-0E6D-400E-94D0-294D549E0F65}" type="datetimeFigureOut">
               <a:rPr lang="en-US" smtClean="0"/>
-              <a:t>3/12/2020</a:t>
+              <a:t>3/18/2020</a:t>
             </a:fld>
             <a:endParaRPr lang="en-US"/>
           </a:p>
@@ -3849,7 +3854,7 @@
           <a:p>
             <a:fld id="{F4E53FB3-0E6D-400E-94D0-294D549E0F65}" type="datetimeFigureOut">
               <a:rPr lang="en-US" smtClean="0"/>
-              <a:t>3/12/2020</a:t>
+              <a:t>3/18/2020</a:t>
             </a:fld>
             <a:endParaRPr lang="en-US"/>
           </a:p>
@@ -4090,7 +4095,7 @@
           <a:p>
             <a:fld id="{F4E53FB3-0E6D-400E-94D0-294D549E0F65}" type="datetimeFigureOut">
               <a:rPr lang="en-US" smtClean="0"/>
-              <a:t>3/12/2020</a:t>
+              <a:t>3/18/2020</a:t>
             </a:fld>
             <a:endParaRPr lang="en-US"/>
           </a:p>
@@ -4491,6 +4496,5841 @@
 </file>
 
 <file path=ppt/slides/slide1.xml><?xml version="1.0" encoding="utf-8"?>
+<p:sld xmlns:a="http://schemas.openxmlformats.org/drawingml/2006/main" xmlns:r="http://schemas.openxmlformats.org/officeDocument/2006/relationships" xmlns:p="http://schemas.openxmlformats.org/presentationml/2006/main">
+  <p:cSld>
+    <p:spTree>
+      <p:nvGrpSpPr>
+        <p:cNvPr id="1" name=""/>
+        <p:cNvGrpSpPr/>
+        <p:nvPr/>
+      </p:nvGrpSpPr>
+      <p:grpSpPr>
+        <a:xfrm>
+          <a:off x="0" y="0"/>
+          <a:ext cx="0" cy="0"/>
+          <a:chOff x="0" y="0"/>
+          <a:chExt cx="0" cy="0"/>
+        </a:xfrm>
+      </p:grpSpPr>
+      <p:pic>
+        <p:nvPicPr>
+          <p:cNvPr id="4" name="Picture 3">
+            <a:extLst>
+              <a:ext uri="{FF2B5EF4-FFF2-40B4-BE49-F238E27FC236}">
+                <a16:creationId xmlns:a16="http://schemas.microsoft.com/office/drawing/2014/main" id="{ED60AC05-B709-477A-92BD-90A345A62C7B}"/>
+              </a:ext>
+            </a:extLst>
+          </p:cNvPr>
+          <p:cNvPicPr/>
+          <p:nvPr/>
+        </p:nvPicPr>
+        <p:blipFill>
+          <a:blip r:embed="rId2"/>
+          <a:stretch>
+            <a:fillRect/>
+          </a:stretch>
+        </p:blipFill>
+        <p:spPr>
+          <a:xfrm>
+            <a:off x="2365248" y="890016"/>
+            <a:ext cx="6815327" cy="4425696"/>
+          </a:xfrm>
+          <a:prstGeom prst="rect">
+            <a:avLst/>
+          </a:prstGeom>
+        </p:spPr>
+      </p:pic>
+    </p:spTree>
+    <p:extLst>
+      <p:ext uri="{BB962C8B-B14F-4D97-AF65-F5344CB8AC3E}">
+        <p14:creationId xmlns:p14="http://schemas.microsoft.com/office/powerpoint/2010/main" val="2016709957"/>
+      </p:ext>
+    </p:extLst>
+  </p:cSld>
+  <p:clrMapOvr>
+    <a:masterClrMapping/>
+  </p:clrMapOvr>
+</p:sld>
+</file>
+
+<file path=ppt/slides/slide10.xml><?xml version="1.0" encoding="utf-8"?>
+<p:sld xmlns:a="http://schemas.openxmlformats.org/drawingml/2006/main" xmlns:r="http://schemas.openxmlformats.org/officeDocument/2006/relationships" xmlns:p="http://schemas.openxmlformats.org/presentationml/2006/main" show="0">
+  <p:cSld>
+    <p:spTree>
+      <p:nvGrpSpPr>
+        <p:cNvPr id="1" name=""/>
+        <p:cNvGrpSpPr/>
+        <p:nvPr/>
+      </p:nvGrpSpPr>
+      <p:grpSpPr>
+        <a:xfrm>
+          <a:off x="0" y="0"/>
+          <a:ext cx="0" cy="0"/>
+          <a:chOff x="0" y="0"/>
+          <a:chExt cx="0" cy="0"/>
+        </a:xfrm>
+      </p:grpSpPr>
+      <p:grpSp>
+        <p:nvGrpSpPr>
+          <p:cNvPr id="7" name="Group 6">
+            <a:extLst>
+              <a:ext uri="{FF2B5EF4-FFF2-40B4-BE49-F238E27FC236}">
+                <a16:creationId xmlns:a16="http://schemas.microsoft.com/office/drawing/2014/main" id="{EB01FF39-776C-4784-B547-5082A73DFB57}"/>
+              </a:ext>
+            </a:extLst>
+          </p:cNvPr>
+          <p:cNvGrpSpPr/>
+          <p:nvPr/>
+        </p:nvGrpSpPr>
+        <p:grpSpPr>
+          <a:xfrm>
+            <a:off x="1323215" y="0"/>
+            <a:ext cx="9179809" cy="6858000"/>
+            <a:chOff x="1323215" y="0"/>
+            <a:chExt cx="9179809" cy="6858000"/>
+          </a:xfrm>
+        </p:grpSpPr>
+        <p:pic>
+          <p:nvPicPr>
+            <p:cNvPr id="4" name="Picture 3" descr="A screenshot of a cell phone&#10;&#10;Description automatically generated">
+              <a:extLst>
+                <a:ext uri="{FF2B5EF4-FFF2-40B4-BE49-F238E27FC236}">
+                  <a16:creationId xmlns:a16="http://schemas.microsoft.com/office/drawing/2014/main" id="{2A9A48B9-2921-409D-8186-55DA405F9ECA}"/>
+                </a:ext>
+              </a:extLst>
+            </p:cNvPr>
+            <p:cNvPicPr>
+              <a:picLocks noChangeAspect="1"/>
+            </p:cNvPicPr>
+            <p:nvPr/>
+          </p:nvPicPr>
+          <p:blipFill>
+            <a:blip r:embed="rId3">
+              <a:extLst>
+                <a:ext uri="{28A0092B-C50C-407E-A947-70E740481C1C}">
+                  <a14:useLocalDpi xmlns:a14="http://schemas.microsoft.com/office/drawing/2010/main" val="0"/>
+                </a:ext>
+              </a:extLst>
+            </a:blip>
+            <a:stretch>
+              <a:fillRect/>
+            </a:stretch>
+          </p:blipFill>
+          <p:spPr>
+            <a:xfrm>
+              <a:off x="1323215" y="0"/>
+              <a:ext cx="4987637" cy="6858000"/>
+            </a:xfrm>
+            <a:prstGeom prst="rect">
+              <a:avLst/>
+            </a:prstGeom>
+          </p:spPr>
+        </p:pic>
+        <p:pic>
+          <p:nvPicPr>
+            <p:cNvPr id="6" name="Picture 5" descr="A close up of a logo&#10;&#10;Description automatically generated">
+              <a:extLst>
+                <a:ext uri="{FF2B5EF4-FFF2-40B4-BE49-F238E27FC236}">
+                  <a16:creationId xmlns:a16="http://schemas.microsoft.com/office/drawing/2014/main" id="{A750D2B8-2475-4371-8DED-CF14279BDAC5}"/>
+                </a:ext>
+              </a:extLst>
+            </p:cNvPr>
+            <p:cNvPicPr>
+              <a:picLocks noChangeAspect="1"/>
+            </p:cNvPicPr>
+            <p:nvPr/>
+          </p:nvPicPr>
+          <p:blipFill>
+            <a:blip r:embed="rId4">
+              <a:extLst>
+                <a:ext uri="{28A0092B-C50C-407E-A947-70E740481C1C}">
+                  <a14:useLocalDpi xmlns:a14="http://schemas.microsoft.com/office/drawing/2010/main" val="0"/>
+                </a:ext>
+              </a:extLst>
+            </a:blip>
+            <a:stretch>
+              <a:fillRect/>
+            </a:stretch>
+          </p:blipFill>
+          <p:spPr>
+            <a:xfrm>
+              <a:off x="5515387" y="0"/>
+              <a:ext cx="4987637" cy="6858000"/>
+            </a:xfrm>
+            <a:prstGeom prst="rect">
+              <a:avLst/>
+            </a:prstGeom>
+          </p:spPr>
+        </p:pic>
+      </p:grpSp>
+    </p:spTree>
+    <p:extLst>
+      <p:ext uri="{BB962C8B-B14F-4D97-AF65-F5344CB8AC3E}">
+        <p14:creationId xmlns:p14="http://schemas.microsoft.com/office/powerpoint/2010/main" val="1936547209"/>
+      </p:ext>
+    </p:extLst>
+  </p:cSld>
+  <p:clrMapOvr>
+    <a:masterClrMapping/>
+  </p:clrMapOvr>
+</p:sld>
+</file>
+
+<file path=ppt/slides/slide11.xml><?xml version="1.0" encoding="utf-8"?>
+<p:sld xmlns:a="http://schemas.openxmlformats.org/drawingml/2006/main" xmlns:r="http://schemas.openxmlformats.org/officeDocument/2006/relationships" xmlns:p="http://schemas.openxmlformats.org/presentationml/2006/main">
+  <p:cSld>
+    <p:spTree>
+      <p:nvGrpSpPr>
+        <p:cNvPr id="1" name=""/>
+        <p:cNvGrpSpPr/>
+        <p:nvPr/>
+      </p:nvGrpSpPr>
+      <p:grpSpPr>
+        <a:xfrm>
+          <a:off x="0" y="0"/>
+          <a:ext cx="0" cy="0"/>
+          <a:chOff x="0" y="0"/>
+          <a:chExt cx="0" cy="0"/>
+        </a:xfrm>
+      </p:grpSpPr>
+      <p:sp>
+        <p:nvSpPr>
+          <p:cNvPr id="4" name="TextBox 3">
+            <a:extLst>
+              <a:ext uri="{FF2B5EF4-FFF2-40B4-BE49-F238E27FC236}">
+                <a16:creationId xmlns:a16="http://schemas.microsoft.com/office/drawing/2014/main" id="{84701484-AC52-4013-A26D-C932C1EF0C35}"/>
+              </a:ext>
+            </a:extLst>
+          </p:cNvPr>
+          <p:cNvSpPr txBox="1"/>
+          <p:nvPr/>
+        </p:nvSpPr>
+        <p:spPr>
+          <a:xfrm>
+            <a:off x="9829911" y="1869999"/>
+            <a:ext cx="2563728" cy="830997"/>
+          </a:xfrm>
+          <a:prstGeom prst="rect">
+            <a:avLst/>
+          </a:prstGeom>
+          <a:noFill/>
+        </p:spPr>
+        <p:txBody>
+          <a:bodyPr wrap="square" rtlCol="0">
+            <a:spAutoFit/>
+          </a:bodyPr>
+          <a:lstStyle/>
+          <a:p>
+            <a:r>
+              <a:rPr lang="en-US" sz="2400" dirty="0"/>
+              <a:t>Rank by</a:t>
+            </a:r>
+          </a:p>
+          <a:p>
+            <a:r>
+              <a:rPr lang="en-US" sz="2400" dirty="0"/>
+              <a:t>Preference</a:t>
+            </a:r>
+          </a:p>
+        </p:txBody>
+      </p:sp>
+      <p:pic>
+        <p:nvPicPr>
+          <p:cNvPr id="5" name="Picture 4" descr="A close up of a logo&#10;&#10;Description automatically generated">
+            <a:extLst>
+              <a:ext uri="{FF2B5EF4-FFF2-40B4-BE49-F238E27FC236}">
+                <a16:creationId xmlns:a16="http://schemas.microsoft.com/office/drawing/2014/main" id="{9D32934A-3112-49B1-A9F0-E13A7327878D}"/>
+              </a:ext>
+            </a:extLst>
+          </p:cNvPr>
+          <p:cNvPicPr>
+            <a:picLocks noChangeAspect="1"/>
+          </p:cNvPicPr>
+          <p:nvPr/>
+        </p:nvPicPr>
+        <p:blipFill rotWithShape="1">
+          <a:blip r:embed="rId3">
+            <a:extLst>
+              <a:ext uri="{28A0092B-C50C-407E-A947-70E740481C1C}">
+                <a14:useLocalDpi xmlns:a14="http://schemas.microsoft.com/office/drawing/2010/main" val="0"/>
+              </a:ext>
+            </a:extLst>
+          </a:blip>
+          <a:srcRect l="73004" t="42701" r="17406" b="41504"/>
+          <a:stretch/>
+        </p:blipFill>
+        <p:spPr>
+          <a:xfrm>
+            <a:off x="9676869" y="2700996"/>
+            <a:ext cx="1281864" cy="2903050"/>
+          </a:xfrm>
+          <a:prstGeom prst="rect">
+            <a:avLst/>
+          </a:prstGeom>
+        </p:spPr>
+      </p:pic>
+      <p:sp>
+        <p:nvSpPr>
+          <p:cNvPr id="8" name="TextBox 7">
+            <a:extLst>
+              <a:ext uri="{FF2B5EF4-FFF2-40B4-BE49-F238E27FC236}">
+                <a16:creationId xmlns:a16="http://schemas.microsoft.com/office/drawing/2014/main" id="{2C7F735B-B575-44A3-9447-25DB41E4994B}"/>
+              </a:ext>
+            </a:extLst>
+          </p:cNvPr>
+          <p:cNvSpPr txBox="1"/>
+          <p:nvPr/>
+        </p:nvSpPr>
+        <p:spPr>
+          <a:xfrm>
+            <a:off x="4739337" y="171384"/>
+            <a:ext cx="2106526" cy="461665"/>
+          </a:xfrm>
+          <a:prstGeom prst="rect">
+            <a:avLst/>
+          </a:prstGeom>
+          <a:noFill/>
+        </p:spPr>
+        <p:txBody>
+          <a:bodyPr wrap="square" rtlCol="0">
+            <a:spAutoFit/>
+          </a:bodyPr>
+          <a:lstStyle/>
+          <a:p>
+            <a:r>
+              <a:rPr lang="en-US" sz="2400" dirty="0"/>
+              <a:t>Ground-Truth</a:t>
+            </a:r>
+          </a:p>
+        </p:txBody>
+      </p:sp>
+      <p:sp>
+        <p:nvSpPr>
+          <p:cNvPr id="9" name="TextBox 8">
+            <a:extLst>
+              <a:ext uri="{FF2B5EF4-FFF2-40B4-BE49-F238E27FC236}">
+                <a16:creationId xmlns:a16="http://schemas.microsoft.com/office/drawing/2014/main" id="{2152F5F1-08CE-4CF2-ABC0-476F5618666B}"/>
+              </a:ext>
+            </a:extLst>
+          </p:cNvPr>
+          <p:cNvSpPr txBox="1"/>
+          <p:nvPr/>
+        </p:nvSpPr>
+        <p:spPr>
+          <a:xfrm>
+            <a:off x="7242420" y="171384"/>
+            <a:ext cx="2106526" cy="461665"/>
+          </a:xfrm>
+          <a:prstGeom prst="rect">
+            <a:avLst/>
+          </a:prstGeom>
+          <a:noFill/>
+        </p:spPr>
+        <p:txBody>
+          <a:bodyPr wrap="square" rtlCol="0">
+            <a:spAutoFit/>
+          </a:bodyPr>
+          <a:lstStyle/>
+          <a:p>
+            <a:r>
+              <a:rPr lang="en-US" sz="2400" dirty="0"/>
+              <a:t>Reconstructed</a:t>
+            </a:r>
+          </a:p>
+        </p:txBody>
+      </p:sp>
+      <p:cxnSp>
+        <p:nvCxnSpPr>
+          <p:cNvPr id="15" name="Straight Connector 14">
+            <a:extLst>
+              <a:ext uri="{FF2B5EF4-FFF2-40B4-BE49-F238E27FC236}">
+                <a16:creationId xmlns:a16="http://schemas.microsoft.com/office/drawing/2014/main" id="{4F99AD08-4462-47CE-B2EF-881C2A06E75B}"/>
+              </a:ext>
+            </a:extLst>
+          </p:cNvPr>
+          <p:cNvCxnSpPr>
+            <a:cxnSpLocks/>
+          </p:cNvCxnSpPr>
+          <p:nvPr/>
+        </p:nvCxnSpPr>
+        <p:spPr>
+          <a:xfrm>
+            <a:off x="4238765" y="789804"/>
+            <a:ext cx="0" cy="2103120"/>
+          </a:xfrm>
+          <a:prstGeom prst="line">
+            <a:avLst/>
+          </a:prstGeom>
+          <a:ln w="28575"/>
+        </p:spPr>
+        <p:style>
+          <a:lnRef idx="1">
+            <a:schemeClr val="dk1"/>
+          </a:lnRef>
+          <a:fillRef idx="0">
+            <a:schemeClr val="dk1"/>
+          </a:fillRef>
+          <a:effectRef idx="0">
+            <a:schemeClr val="dk1"/>
+          </a:effectRef>
+          <a:fontRef idx="minor">
+            <a:schemeClr val="tx1"/>
+          </a:fontRef>
+        </p:style>
+      </p:cxnSp>
+      <p:cxnSp>
+        <p:nvCxnSpPr>
+          <p:cNvPr id="16" name="Straight Connector 15">
+            <a:extLst>
+              <a:ext uri="{FF2B5EF4-FFF2-40B4-BE49-F238E27FC236}">
+                <a16:creationId xmlns:a16="http://schemas.microsoft.com/office/drawing/2014/main" id="{5456AEC6-A38A-47D8-82E1-235B469E53AD}"/>
+              </a:ext>
+            </a:extLst>
+          </p:cNvPr>
+          <p:cNvCxnSpPr>
+            <a:cxnSpLocks/>
+          </p:cNvCxnSpPr>
+          <p:nvPr/>
+        </p:nvCxnSpPr>
+        <p:spPr>
+          <a:xfrm>
+            <a:off x="4238765" y="3136758"/>
+            <a:ext cx="0" cy="2011680"/>
+          </a:xfrm>
+          <a:prstGeom prst="line">
+            <a:avLst/>
+          </a:prstGeom>
+          <a:ln w="28575"/>
+        </p:spPr>
+        <p:style>
+          <a:lnRef idx="1">
+            <a:schemeClr val="dk1"/>
+          </a:lnRef>
+          <a:fillRef idx="0">
+            <a:schemeClr val="dk1"/>
+          </a:fillRef>
+          <a:effectRef idx="0">
+            <a:schemeClr val="dk1"/>
+          </a:effectRef>
+          <a:fontRef idx="minor">
+            <a:schemeClr val="tx1"/>
+          </a:fontRef>
+        </p:style>
+      </p:cxnSp>
+      <p:cxnSp>
+        <p:nvCxnSpPr>
+          <p:cNvPr id="17" name="Straight Connector 16">
+            <a:extLst>
+              <a:ext uri="{FF2B5EF4-FFF2-40B4-BE49-F238E27FC236}">
+                <a16:creationId xmlns:a16="http://schemas.microsoft.com/office/drawing/2014/main" id="{3C460043-689E-4E67-8884-90956338B727}"/>
+              </a:ext>
+            </a:extLst>
+          </p:cNvPr>
+          <p:cNvCxnSpPr>
+            <a:cxnSpLocks/>
+          </p:cNvCxnSpPr>
+          <p:nvPr/>
+        </p:nvCxnSpPr>
+        <p:spPr>
+          <a:xfrm>
+            <a:off x="4238765" y="5385243"/>
+            <a:ext cx="0" cy="1097280"/>
+          </a:xfrm>
+          <a:prstGeom prst="line">
+            <a:avLst/>
+          </a:prstGeom>
+          <a:ln w="28575"/>
+        </p:spPr>
+        <p:style>
+          <a:lnRef idx="1">
+            <a:schemeClr val="dk1"/>
+          </a:lnRef>
+          <a:fillRef idx="0">
+            <a:schemeClr val="dk1"/>
+          </a:fillRef>
+          <a:effectRef idx="0">
+            <a:schemeClr val="dk1"/>
+          </a:effectRef>
+          <a:fontRef idx="minor">
+            <a:schemeClr val="tx1"/>
+          </a:fontRef>
+        </p:style>
+      </p:cxnSp>
+      <p:sp>
+        <p:nvSpPr>
+          <p:cNvPr id="18" name="TextBox 17">
+            <a:extLst>
+              <a:ext uri="{FF2B5EF4-FFF2-40B4-BE49-F238E27FC236}">
+                <a16:creationId xmlns:a16="http://schemas.microsoft.com/office/drawing/2014/main" id="{037C4291-51A8-41CC-97E7-9BB3251F2965}"/>
+              </a:ext>
+            </a:extLst>
+          </p:cNvPr>
+          <p:cNvSpPr txBox="1"/>
+          <p:nvPr/>
+        </p:nvSpPr>
+        <p:spPr>
+          <a:xfrm rot="16200000">
+            <a:off x="3243438" y="1494469"/>
+            <a:ext cx="1375948" cy="461665"/>
+          </a:xfrm>
+          <a:prstGeom prst="rect">
+            <a:avLst/>
+          </a:prstGeom>
+          <a:noFill/>
+        </p:spPr>
+        <p:txBody>
+          <a:bodyPr wrap="square" rtlCol="0">
+            <a:spAutoFit/>
+          </a:bodyPr>
+          <a:lstStyle/>
+          <a:p>
+            <a:r>
+              <a:rPr lang="en-US" sz="2400" i="1" dirty="0"/>
+              <a:t>SD = 2.1</a:t>
+            </a:r>
+          </a:p>
+        </p:txBody>
+      </p:sp>
+      <p:sp>
+        <p:nvSpPr>
+          <p:cNvPr id="19" name="TextBox 18">
+            <a:extLst>
+              <a:ext uri="{FF2B5EF4-FFF2-40B4-BE49-F238E27FC236}">
+                <a16:creationId xmlns:a16="http://schemas.microsoft.com/office/drawing/2014/main" id="{1666F773-3CB2-4F8B-AC5C-B3AB32AD72C7}"/>
+              </a:ext>
+            </a:extLst>
+          </p:cNvPr>
+          <p:cNvSpPr txBox="1"/>
+          <p:nvPr/>
+        </p:nvSpPr>
+        <p:spPr>
+          <a:xfrm rot="16200000">
+            <a:off x="3243437" y="3921689"/>
+            <a:ext cx="1375948" cy="461665"/>
+          </a:xfrm>
+          <a:prstGeom prst="rect">
+            <a:avLst/>
+          </a:prstGeom>
+          <a:noFill/>
+        </p:spPr>
+        <p:txBody>
+          <a:bodyPr wrap="square" rtlCol="0">
+            <a:spAutoFit/>
+          </a:bodyPr>
+          <a:lstStyle/>
+          <a:p>
+            <a:r>
+              <a:rPr lang="en-US" sz="2400" i="1" dirty="0"/>
+              <a:t>SD = 1.1</a:t>
+            </a:r>
+          </a:p>
+        </p:txBody>
+      </p:sp>
+      <p:sp>
+        <p:nvSpPr>
+          <p:cNvPr id="20" name="TextBox 19">
+            <a:extLst>
+              <a:ext uri="{FF2B5EF4-FFF2-40B4-BE49-F238E27FC236}">
+                <a16:creationId xmlns:a16="http://schemas.microsoft.com/office/drawing/2014/main" id="{AAD9AC1F-3425-4970-8FF3-4199291F45D1}"/>
+              </a:ext>
+            </a:extLst>
+          </p:cNvPr>
+          <p:cNvSpPr txBox="1"/>
+          <p:nvPr/>
+        </p:nvSpPr>
+        <p:spPr>
+          <a:xfrm rot="16200000">
+            <a:off x="3247935" y="5660934"/>
+            <a:ext cx="1375948" cy="461665"/>
+          </a:xfrm>
+          <a:prstGeom prst="rect">
+            <a:avLst/>
+          </a:prstGeom>
+          <a:noFill/>
+        </p:spPr>
+        <p:txBody>
+          <a:bodyPr wrap="square" rtlCol="0">
+            <a:spAutoFit/>
+          </a:bodyPr>
+          <a:lstStyle/>
+          <a:p>
+            <a:r>
+              <a:rPr lang="en-US" sz="2400" i="1" dirty="0"/>
+              <a:t>SD = 0.1</a:t>
+            </a:r>
+          </a:p>
+        </p:txBody>
+      </p:sp>
+      <p:cxnSp>
+        <p:nvCxnSpPr>
+          <p:cNvPr id="21" name="Straight Connector 20">
+            <a:extLst>
+              <a:ext uri="{FF2B5EF4-FFF2-40B4-BE49-F238E27FC236}">
+                <a16:creationId xmlns:a16="http://schemas.microsoft.com/office/drawing/2014/main" id="{BBC46255-8A99-490A-9A9D-C5FEDF7B6223}"/>
+              </a:ext>
+            </a:extLst>
+          </p:cNvPr>
+          <p:cNvCxnSpPr>
+            <a:cxnSpLocks/>
+          </p:cNvCxnSpPr>
+          <p:nvPr/>
+        </p:nvCxnSpPr>
+        <p:spPr>
+          <a:xfrm>
+            <a:off x="4135899" y="3040632"/>
+            <a:ext cx="5394960" cy="0"/>
+          </a:xfrm>
+          <a:prstGeom prst="line">
+            <a:avLst/>
+          </a:prstGeom>
+          <a:ln w="28575">
+            <a:solidFill>
+              <a:schemeClr val="bg1"/>
+            </a:solidFill>
+          </a:ln>
+        </p:spPr>
+        <p:style>
+          <a:lnRef idx="1">
+            <a:schemeClr val="dk1"/>
+          </a:lnRef>
+          <a:fillRef idx="0">
+            <a:schemeClr val="dk1"/>
+          </a:fillRef>
+          <a:effectRef idx="0">
+            <a:schemeClr val="dk1"/>
+          </a:effectRef>
+          <a:fontRef idx="minor">
+            <a:schemeClr val="tx1"/>
+          </a:fontRef>
+        </p:style>
+      </p:cxnSp>
+      <p:cxnSp>
+        <p:nvCxnSpPr>
+          <p:cNvPr id="24" name="Straight Connector 23">
+            <a:extLst>
+              <a:ext uri="{FF2B5EF4-FFF2-40B4-BE49-F238E27FC236}">
+                <a16:creationId xmlns:a16="http://schemas.microsoft.com/office/drawing/2014/main" id="{CF46BEA2-5756-490F-ACDA-85763B6BA204}"/>
+              </a:ext>
+            </a:extLst>
+          </p:cNvPr>
+          <p:cNvCxnSpPr>
+            <a:cxnSpLocks/>
+          </p:cNvCxnSpPr>
+          <p:nvPr/>
+        </p:nvCxnSpPr>
+        <p:spPr>
+          <a:xfrm>
+            <a:off x="4062269" y="5479030"/>
+            <a:ext cx="5394960" cy="0"/>
+          </a:xfrm>
+          <a:prstGeom prst="line">
+            <a:avLst/>
+          </a:prstGeom>
+          <a:ln w="28575">
+            <a:solidFill>
+              <a:schemeClr val="bg1"/>
+            </a:solidFill>
+          </a:ln>
+        </p:spPr>
+        <p:style>
+          <a:lnRef idx="1">
+            <a:schemeClr val="dk1"/>
+          </a:lnRef>
+          <a:fillRef idx="0">
+            <a:schemeClr val="dk1"/>
+          </a:fillRef>
+          <a:effectRef idx="0">
+            <a:schemeClr val="dk1"/>
+          </a:effectRef>
+          <a:fontRef idx="minor">
+            <a:schemeClr val="tx1"/>
+          </a:fontRef>
+        </p:style>
+      </p:cxnSp>
+      <p:pic>
+        <p:nvPicPr>
+          <p:cNvPr id="23" name="Picture 22" descr="A close up of a logo&#10;&#10;Description automatically generated">
+            <a:extLst>
+              <a:ext uri="{FF2B5EF4-FFF2-40B4-BE49-F238E27FC236}">
+                <a16:creationId xmlns:a16="http://schemas.microsoft.com/office/drawing/2014/main" id="{B57390E1-164D-4064-95D4-45531DA48A67}"/>
+              </a:ext>
+            </a:extLst>
+          </p:cNvPr>
+          <p:cNvPicPr>
+            <a:picLocks noChangeAspect="1"/>
+          </p:cNvPicPr>
+          <p:nvPr/>
+        </p:nvPicPr>
+        <p:blipFill rotWithShape="1">
+          <a:blip r:embed="rId4">
+            <a:extLst>
+              <a:ext uri="{28A0092B-C50C-407E-A947-70E740481C1C}">
+                <a14:useLocalDpi xmlns:a14="http://schemas.microsoft.com/office/drawing/2010/main" val="0"/>
+              </a:ext>
+            </a:extLst>
+          </a:blip>
+          <a:srcRect l="12111" t="1003" r="30632" b="-109"/>
+          <a:stretch/>
+        </p:blipFill>
+        <p:spPr>
+          <a:xfrm>
+            <a:off x="7023581" y="581648"/>
+            <a:ext cx="2614711" cy="6222944"/>
+          </a:xfrm>
+          <a:prstGeom prst="rect">
+            <a:avLst/>
+          </a:prstGeom>
+        </p:spPr>
+      </p:pic>
+      <p:pic>
+        <p:nvPicPr>
+          <p:cNvPr id="26" name="Picture 25" descr="A screenshot of a cell phone&#10;&#10;Description automatically generated">
+            <a:extLst>
+              <a:ext uri="{FF2B5EF4-FFF2-40B4-BE49-F238E27FC236}">
+                <a16:creationId xmlns:a16="http://schemas.microsoft.com/office/drawing/2014/main" id="{A9CFAF1F-B529-4ACA-9E95-3BA644CA7899}"/>
+              </a:ext>
+            </a:extLst>
+          </p:cNvPr>
+          <p:cNvPicPr>
+            <a:picLocks noChangeAspect="1"/>
+          </p:cNvPicPr>
+          <p:nvPr/>
+        </p:nvPicPr>
+        <p:blipFill rotWithShape="1">
+          <a:blip r:embed="rId5">
+            <a:extLst>
+              <a:ext uri="{28A0092B-C50C-407E-A947-70E740481C1C}">
+                <a14:useLocalDpi xmlns:a14="http://schemas.microsoft.com/office/drawing/2010/main" val="0"/>
+              </a:ext>
+            </a:extLst>
+          </a:blip>
+          <a:srcRect l="11487" t="448" r="34299" b="448"/>
+          <a:stretch/>
+        </p:blipFill>
+        <p:spPr>
+          <a:xfrm>
+            <a:off x="4440486" y="581648"/>
+            <a:ext cx="2542510" cy="6205644"/>
+          </a:xfrm>
+          <a:prstGeom prst="rect">
+            <a:avLst/>
+          </a:prstGeom>
+        </p:spPr>
+      </p:pic>
+      <p:cxnSp>
+        <p:nvCxnSpPr>
+          <p:cNvPr id="28" name="Straight Connector 27">
+            <a:extLst>
+              <a:ext uri="{FF2B5EF4-FFF2-40B4-BE49-F238E27FC236}">
+                <a16:creationId xmlns:a16="http://schemas.microsoft.com/office/drawing/2014/main" id="{0C5DEA84-BE39-4138-8C9D-BCD9B9BD3863}"/>
+              </a:ext>
+            </a:extLst>
+          </p:cNvPr>
+          <p:cNvCxnSpPr>
+            <a:cxnSpLocks/>
+          </p:cNvCxnSpPr>
+          <p:nvPr/>
+        </p:nvCxnSpPr>
+        <p:spPr>
+          <a:xfrm>
+            <a:off x="4281909" y="2955891"/>
+            <a:ext cx="5394960" cy="0"/>
+          </a:xfrm>
+          <a:prstGeom prst="line">
+            <a:avLst/>
+          </a:prstGeom>
+          <a:ln w="28575">
+            <a:solidFill>
+              <a:schemeClr val="bg1"/>
+            </a:solidFill>
+          </a:ln>
+        </p:spPr>
+        <p:style>
+          <a:lnRef idx="1">
+            <a:schemeClr val="dk1"/>
+          </a:lnRef>
+          <a:fillRef idx="0">
+            <a:schemeClr val="dk1"/>
+          </a:fillRef>
+          <a:effectRef idx="0">
+            <a:schemeClr val="dk1"/>
+          </a:effectRef>
+          <a:fontRef idx="minor">
+            <a:schemeClr val="tx1"/>
+          </a:fontRef>
+        </p:style>
+      </p:cxnSp>
+      <p:cxnSp>
+        <p:nvCxnSpPr>
+          <p:cNvPr id="29" name="Straight Connector 28">
+            <a:extLst>
+              <a:ext uri="{FF2B5EF4-FFF2-40B4-BE49-F238E27FC236}">
+                <a16:creationId xmlns:a16="http://schemas.microsoft.com/office/drawing/2014/main" id="{8F50E44C-3843-49AD-972D-644428CC9E97}"/>
+              </a:ext>
+            </a:extLst>
+          </p:cNvPr>
+          <p:cNvCxnSpPr>
+            <a:cxnSpLocks/>
+          </p:cNvCxnSpPr>
+          <p:nvPr/>
+        </p:nvCxnSpPr>
+        <p:spPr>
+          <a:xfrm>
+            <a:off x="4243332" y="5310214"/>
+            <a:ext cx="5394960" cy="0"/>
+          </a:xfrm>
+          <a:prstGeom prst="line">
+            <a:avLst/>
+          </a:prstGeom>
+          <a:ln w="28575">
+            <a:solidFill>
+              <a:schemeClr val="bg1"/>
+            </a:solidFill>
+          </a:ln>
+        </p:spPr>
+        <p:style>
+          <a:lnRef idx="1">
+            <a:schemeClr val="dk1"/>
+          </a:lnRef>
+          <a:fillRef idx="0">
+            <a:schemeClr val="dk1"/>
+          </a:fillRef>
+          <a:effectRef idx="0">
+            <a:schemeClr val="dk1"/>
+          </a:effectRef>
+          <a:fontRef idx="minor">
+            <a:schemeClr val="tx1"/>
+          </a:fontRef>
+        </p:style>
+      </p:cxnSp>
+    </p:spTree>
+    <p:extLst>
+      <p:ext uri="{BB962C8B-B14F-4D97-AF65-F5344CB8AC3E}">
+        <p14:creationId xmlns:p14="http://schemas.microsoft.com/office/powerpoint/2010/main" val="889487962"/>
+      </p:ext>
+    </p:extLst>
+  </p:cSld>
+  <p:clrMapOvr>
+    <a:masterClrMapping/>
+  </p:clrMapOvr>
+</p:sld>
+</file>
+
+<file path=ppt/slides/slide12.xml><?xml version="1.0" encoding="utf-8"?>
+<p:sld xmlns:a="http://schemas.openxmlformats.org/drawingml/2006/main" xmlns:r="http://schemas.openxmlformats.org/officeDocument/2006/relationships" xmlns:p="http://schemas.openxmlformats.org/presentationml/2006/main">
+  <p:cSld>
+    <p:spTree>
+      <p:nvGrpSpPr>
+        <p:cNvPr id="1" name=""/>
+        <p:cNvGrpSpPr/>
+        <p:nvPr/>
+      </p:nvGrpSpPr>
+      <p:grpSpPr>
+        <a:xfrm>
+          <a:off x="0" y="0"/>
+          <a:ext cx="0" cy="0"/>
+          <a:chOff x="0" y="0"/>
+          <a:chExt cx="0" cy="0"/>
+        </a:xfrm>
+      </p:grpSpPr>
+      <p:pic>
+        <p:nvPicPr>
+          <p:cNvPr id="7" name="Picture 6" descr="A close up of a map&#10;&#10;Description automatically generated">
+            <a:extLst>
+              <a:ext uri="{FF2B5EF4-FFF2-40B4-BE49-F238E27FC236}">
+                <a16:creationId xmlns:a16="http://schemas.microsoft.com/office/drawing/2014/main" id="{29685846-7BE5-4D76-8554-00E51A9C24DB}"/>
+              </a:ext>
+            </a:extLst>
+          </p:cNvPr>
+          <p:cNvPicPr>
+            <a:picLocks noChangeAspect="1"/>
+          </p:cNvPicPr>
+          <p:nvPr/>
+        </p:nvPicPr>
+        <p:blipFill>
+          <a:blip r:embed="rId3">
+            <a:extLst>
+              <a:ext uri="{28A0092B-C50C-407E-A947-70E740481C1C}">
+                <a14:useLocalDpi xmlns:a14="http://schemas.microsoft.com/office/drawing/2010/main" val="0"/>
+              </a:ext>
+            </a:extLst>
+          </a:blip>
+          <a:stretch>
+            <a:fillRect/>
+          </a:stretch>
+        </p:blipFill>
+        <p:spPr>
+          <a:xfrm>
+            <a:off x="2954215" y="963639"/>
+            <a:ext cx="6893165" cy="5169873"/>
+          </a:xfrm>
+          <a:prstGeom prst="rect">
+            <a:avLst/>
+          </a:prstGeom>
+        </p:spPr>
+      </p:pic>
+    </p:spTree>
+    <p:extLst>
+      <p:ext uri="{BB962C8B-B14F-4D97-AF65-F5344CB8AC3E}">
+        <p14:creationId xmlns:p14="http://schemas.microsoft.com/office/powerpoint/2010/main" val="610463419"/>
+      </p:ext>
+    </p:extLst>
+  </p:cSld>
+  <p:clrMapOvr>
+    <a:masterClrMapping/>
+  </p:clrMapOvr>
+</p:sld>
+</file>
+
+<file path=ppt/slides/slide13.xml><?xml version="1.0" encoding="utf-8"?>
+<p:sld xmlns:a="http://schemas.openxmlformats.org/drawingml/2006/main" xmlns:r="http://schemas.openxmlformats.org/officeDocument/2006/relationships" xmlns:p="http://schemas.openxmlformats.org/presentationml/2006/main" show="0">
+  <p:cSld>
+    <p:spTree>
+      <p:nvGrpSpPr>
+        <p:cNvPr id="1" name=""/>
+        <p:cNvGrpSpPr/>
+        <p:nvPr/>
+      </p:nvGrpSpPr>
+      <p:grpSpPr>
+        <a:xfrm>
+          <a:off x="0" y="0"/>
+          <a:ext cx="0" cy="0"/>
+          <a:chOff x="0" y="0"/>
+          <a:chExt cx="0" cy="0"/>
+        </a:xfrm>
+      </p:grpSpPr>
+      <p:pic>
+        <p:nvPicPr>
+          <p:cNvPr id="8" name="Picture 7" descr="A picture containing clock&#10;&#10;Description automatically generated">
+            <a:extLst>
+              <a:ext uri="{FF2B5EF4-FFF2-40B4-BE49-F238E27FC236}">
+                <a16:creationId xmlns:a16="http://schemas.microsoft.com/office/drawing/2014/main" id="{2EEF6A07-44CD-4B42-9611-F30614CF30B6}"/>
+              </a:ext>
+            </a:extLst>
+          </p:cNvPr>
+          <p:cNvPicPr>
+            <a:picLocks noChangeAspect="1"/>
+          </p:cNvPicPr>
+          <p:nvPr/>
+        </p:nvPicPr>
+        <p:blipFill>
+          <a:blip r:embed="rId3">
+            <a:extLst>
+              <a:ext uri="{28A0092B-C50C-407E-A947-70E740481C1C}">
+                <a14:useLocalDpi xmlns:a14="http://schemas.microsoft.com/office/drawing/2010/main" val="0"/>
+              </a:ext>
+            </a:extLst>
+          </a:blip>
+          <a:stretch>
+            <a:fillRect/>
+          </a:stretch>
+        </p:blipFill>
+        <p:spPr>
+          <a:xfrm>
+            <a:off x="1401989" y="0"/>
+            <a:ext cx="4987637" cy="6858000"/>
+          </a:xfrm>
+          <a:prstGeom prst="rect">
+            <a:avLst/>
+          </a:prstGeom>
+        </p:spPr>
+      </p:pic>
+      <p:pic>
+        <p:nvPicPr>
+          <p:cNvPr id="10" name="Picture 9">
+            <a:extLst>
+              <a:ext uri="{FF2B5EF4-FFF2-40B4-BE49-F238E27FC236}">
+                <a16:creationId xmlns:a16="http://schemas.microsoft.com/office/drawing/2014/main" id="{7CC4C345-0600-47D5-9156-92C6F94F7ABB}"/>
+              </a:ext>
+            </a:extLst>
+          </p:cNvPr>
+          <p:cNvPicPr>
+            <a:picLocks noChangeAspect="1"/>
+          </p:cNvPicPr>
+          <p:nvPr/>
+        </p:nvPicPr>
+        <p:blipFill>
+          <a:blip r:embed="rId4">
+            <a:extLst>
+              <a:ext uri="{28A0092B-C50C-407E-A947-70E740481C1C}">
+                <a14:useLocalDpi xmlns:a14="http://schemas.microsoft.com/office/drawing/2010/main" val="0"/>
+              </a:ext>
+            </a:extLst>
+          </a:blip>
+          <a:stretch>
+            <a:fillRect/>
+          </a:stretch>
+        </p:blipFill>
+        <p:spPr>
+          <a:xfrm>
+            <a:off x="6389626" y="0"/>
+            <a:ext cx="4987637" cy="6858000"/>
+          </a:xfrm>
+          <a:prstGeom prst="rect">
+            <a:avLst/>
+          </a:prstGeom>
+        </p:spPr>
+      </p:pic>
+    </p:spTree>
+    <p:extLst>
+      <p:ext uri="{BB962C8B-B14F-4D97-AF65-F5344CB8AC3E}">
+        <p14:creationId xmlns:p14="http://schemas.microsoft.com/office/powerpoint/2010/main" val="3469296725"/>
+      </p:ext>
+    </p:extLst>
+  </p:cSld>
+  <p:clrMapOvr>
+    <a:masterClrMapping/>
+  </p:clrMapOvr>
+</p:sld>
+</file>
+
+<file path=ppt/slides/slide14.xml><?xml version="1.0" encoding="utf-8"?>
+<p:sld xmlns:a="http://schemas.openxmlformats.org/drawingml/2006/main" xmlns:r="http://schemas.openxmlformats.org/officeDocument/2006/relationships" xmlns:p="http://schemas.openxmlformats.org/presentationml/2006/main">
+  <p:cSld>
+    <p:spTree>
+      <p:nvGrpSpPr>
+        <p:cNvPr id="1" name=""/>
+        <p:cNvGrpSpPr/>
+        <p:nvPr/>
+      </p:nvGrpSpPr>
+      <p:grpSpPr>
+        <a:xfrm>
+          <a:off x="0" y="0"/>
+          <a:ext cx="0" cy="0"/>
+          <a:chOff x="0" y="0"/>
+          <a:chExt cx="0" cy="0"/>
+        </a:xfrm>
+      </p:grpSpPr>
+      <p:grpSp>
+        <p:nvGrpSpPr>
+          <p:cNvPr id="3" name="Group 2">
+            <a:extLst>
+              <a:ext uri="{FF2B5EF4-FFF2-40B4-BE49-F238E27FC236}">
+                <a16:creationId xmlns:a16="http://schemas.microsoft.com/office/drawing/2014/main" id="{170451F5-9FD8-462F-8F65-BC40D54559CF}"/>
+              </a:ext>
+            </a:extLst>
+          </p:cNvPr>
+          <p:cNvGrpSpPr/>
+          <p:nvPr/>
+        </p:nvGrpSpPr>
+        <p:grpSpPr>
+          <a:xfrm>
+            <a:off x="3456507" y="30704"/>
+            <a:ext cx="8937132" cy="6848396"/>
+            <a:chOff x="3456507" y="30704"/>
+            <a:chExt cx="8937132" cy="6848396"/>
+          </a:xfrm>
+        </p:grpSpPr>
+        <p:pic>
+          <p:nvPicPr>
+            <p:cNvPr id="23" name="Picture 22" descr="A picture containing clock&#10;&#10;Description automatically generated">
+              <a:extLst>
+                <a:ext uri="{FF2B5EF4-FFF2-40B4-BE49-F238E27FC236}">
+                  <a16:creationId xmlns:a16="http://schemas.microsoft.com/office/drawing/2014/main" id="{EE184879-A543-4803-9680-DAFA8E6BB1FD}"/>
+                </a:ext>
+              </a:extLst>
+            </p:cNvPr>
+            <p:cNvPicPr>
+              <a:picLocks noChangeAspect="1"/>
+            </p:cNvPicPr>
+            <p:nvPr/>
+          </p:nvPicPr>
+          <p:blipFill rotWithShape="1">
+            <a:blip r:embed="rId3">
+              <a:extLst>
+                <a:ext uri="{28A0092B-C50C-407E-A947-70E740481C1C}">
+                  <a14:useLocalDpi xmlns:a14="http://schemas.microsoft.com/office/drawing/2010/main" val="0"/>
+                </a:ext>
+              </a:extLst>
+            </a:blip>
+            <a:srcRect l="10814" r="32776"/>
+            <a:stretch/>
+          </p:blipFill>
+          <p:spPr>
+            <a:xfrm>
+              <a:off x="4041697" y="478300"/>
+              <a:ext cx="2625969" cy="6400800"/>
+            </a:xfrm>
+            <a:prstGeom prst="rect">
+              <a:avLst/>
+            </a:prstGeom>
+          </p:spPr>
+        </p:pic>
+        <p:pic>
+          <p:nvPicPr>
+            <p:cNvPr id="26" name="Picture 25">
+              <a:extLst>
+                <a:ext uri="{FF2B5EF4-FFF2-40B4-BE49-F238E27FC236}">
+                  <a16:creationId xmlns:a16="http://schemas.microsoft.com/office/drawing/2014/main" id="{FB9E297C-0B80-48C8-B398-30046B505A2B}"/>
+                </a:ext>
+              </a:extLst>
+            </p:cNvPr>
+            <p:cNvPicPr>
+              <a:picLocks noChangeAspect="1"/>
+            </p:cNvPicPr>
+            <p:nvPr/>
+          </p:nvPicPr>
+          <p:blipFill rotWithShape="1">
+            <a:blip r:embed="rId4">
+              <a:extLst>
+                <a:ext uri="{28A0092B-C50C-407E-A947-70E740481C1C}">
+                  <a14:useLocalDpi xmlns:a14="http://schemas.microsoft.com/office/drawing/2010/main" val="0"/>
+                </a:ext>
+              </a:extLst>
+            </a:blip>
+            <a:srcRect l="10162" r="29688"/>
+            <a:stretch/>
+          </p:blipFill>
+          <p:spPr>
+            <a:xfrm>
+              <a:off x="6753352" y="492369"/>
+              <a:ext cx="2784651" cy="6365631"/>
+            </a:xfrm>
+            <a:prstGeom prst="rect">
+              <a:avLst/>
+            </a:prstGeom>
+          </p:spPr>
+        </p:pic>
+        <p:sp>
+          <p:nvSpPr>
+            <p:cNvPr id="4" name="TextBox 3">
+              <a:extLst>
+                <a:ext uri="{FF2B5EF4-FFF2-40B4-BE49-F238E27FC236}">
+                  <a16:creationId xmlns:a16="http://schemas.microsoft.com/office/drawing/2014/main" id="{84701484-AC52-4013-A26D-C932C1EF0C35}"/>
+                </a:ext>
+              </a:extLst>
+            </p:cNvPr>
+            <p:cNvSpPr txBox="1"/>
+            <p:nvPr/>
+          </p:nvSpPr>
+          <p:spPr>
+            <a:xfrm>
+              <a:off x="9829911" y="1869999"/>
+              <a:ext cx="2563728" cy="830997"/>
+            </a:xfrm>
+            <a:prstGeom prst="rect">
+              <a:avLst/>
+            </a:prstGeom>
+            <a:noFill/>
+          </p:spPr>
+          <p:txBody>
+            <a:bodyPr wrap="square" rtlCol="0">
+              <a:spAutoFit/>
+            </a:bodyPr>
+            <a:lstStyle/>
+            <a:p>
+              <a:r>
+                <a:rPr lang="en-US" sz="2400" dirty="0"/>
+                <a:t>Rank by</a:t>
+              </a:r>
+            </a:p>
+            <a:p>
+              <a:r>
+                <a:rPr lang="en-US" sz="2400" dirty="0"/>
+                <a:t>Preference</a:t>
+              </a:r>
+            </a:p>
+          </p:txBody>
+        </p:sp>
+        <p:pic>
+          <p:nvPicPr>
+            <p:cNvPr id="5" name="Picture 4" descr="A close up of a logo&#10;&#10;Description automatically generated">
+              <a:extLst>
+                <a:ext uri="{FF2B5EF4-FFF2-40B4-BE49-F238E27FC236}">
+                  <a16:creationId xmlns:a16="http://schemas.microsoft.com/office/drawing/2014/main" id="{9D32934A-3112-49B1-A9F0-E13A7327878D}"/>
+                </a:ext>
+              </a:extLst>
+            </p:cNvPr>
+            <p:cNvPicPr>
+              <a:picLocks noChangeAspect="1"/>
+            </p:cNvPicPr>
+            <p:nvPr/>
+          </p:nvPicPr>
+          <p:blipFill rotWithShape="1">
+            <a:blip r:embed="rId5">
+              <a:extLst>
+                <a:ext uri="{28A0092B-C50C-407E-A947-70E740481C1C}">
+                  <a14:useLocalDpi xmlns:a14="http://schemas.microsoft.com/office/drawing/2010/main" val="0"/>
+                </a:ext>
+              </a:extLst>
+            </a:blip>
+            <a:srcRect l="73004" t="42701" r="17406" b="41504"/>
+            <a:stretch/>
+          </p:blipFill>
+          <p:spPr>
+            <a:xfrm>
+              <a:off x="9676869" y="2700996"/>
+              <a:ext cx="1281864" cy="2903050"/>
+            </a:xfrm>
+            <a:prstGeom prst="rect">
+              <a:avLst/>
+            </a:prstGeom>
+          </p:spPr>
+        </p:pic>
+        <p:sp>
+          <p:nvSpPr>
+            <p:cNvPr id="8" name="TextBox 7">
+              <a:extLst>
+                <a:ext uri="{FF2B5EF4-FFF2-40B4-BE49-F238E27FC236}">
+                  <a16:creationId xmlns:a16="http://schemas.microsoft.com/office/drawing/2014/main" id="{2C7F735B-B575-44A3-9447-25DB41E4994B}"/>
+                </a:ext>
+              </a:extLst>
+            </p:cNvPr>
+            <p:cNvSpPr txBox="1"/>
+            <p:nvPr/>
+          </p:nvSpPr>
+          <p:spPr>
+            <a:xfrm>
+              <a:off x="4486113" y="30704"/>
+              <a:ext cx="2106526" cy="461665"/>
+            </a:xfrm>
+            <a:prstGeom prst="rect">
+              <a:avLst/>
+            </a:prstGeom>
+            <a:noFill/>
+          </p:spPr>
+          <p:txBody>
+            <a:bodyPr wrap="square" rtlCol="0">
+              <a:spAutoFit/>
+            </a:bodyPr>
+            <a:lstStyle/>
+            <a:p>
+              <a:r>
+                <a:rPr lang="en-US" sz="2400" dirty="0"/>
+                <a:t>Ground-Truth</a:t>
+              </a:r>
+            </a:p>
+          </p:txBody>
+        </p:sp>
+        <p:sp>
+          <p:nvSpPr>
+            <p:cNvPr id="9" name="TextBox 8">
+              <a:extLst>
+                <a:ext uri="{FF2B5EF4-FFF2-40B4-BE49-F238E27FC236}">
+                  <a16:creationId xmlns:a16="http://schemas.microsoft.com/office/drawing/2014/main" id="{2152F5F1-08CE-4CF2-ABC0-476F5618666B}"/>
+                </a:ext>
+              </a:extLst>
+            </p:cNvPr>
+            <p:cNvSpPr txBox="1"/>
+            <p:nvPr/>
+          </p:nvSpPr>
+          <p:spPr>
+            <a:xfrm>
+              <a:off x="7158012" y="30704"/>
+              <a:ext cx="2106526" cy="461665"/>
+            </a:xfrm>
+            <a:prstGeom prst="rect">
+              <a:avLst/>
+            </a:prstGeom>
+            <a:noFill/>
+          </p:spPr>
+          <p:txBody>
+            <a:bodyPr wrap="square" rtlCol="0">
+              <a:spAutoFit/>
+            </a:bodyPr>
+            <a:lstStyle/>
+            <a:p>
+              <a:r>
+                <a:rPr lang="en-US" sz="2400" dirty="0"/>
+                <a:t>Reconstructed</a:t>
+              </a:r>
+            </a:p>
+          </p:txBody>
+        </p:sp>
+        <p:sp>
+          <p:nvSpPr>
+            <p:cNvPr id="2" name="TextBox 1">
+              <a:extLst>
+                <a:ext uri="{FF2B5EF4-FFF2-40B4-BE49-F238E27FC236}">
+                  <a16:creationId xmlns:a16="http://schemas.microsoft.com/office/drawing/2014/main" id="{93881ACD-F384-40F5-8ACB-47CA109B5208}"/>
+                </a:ext>
+              </a:extLst>
+            </p:cNvPr>
+            <p:cNvSpPr txBox="1"/>
+            <p:nvPr/>
+          </p:nvSpPr>
+          <p:spPr>
+            <a:xfrm>
+              <a:off x="3456507" y="596721"/>
+              <a:ext cx="1237957" cy="369332"/>
+            </a:xfrm>
+            <a:prstGeom prst="rect">
+              <a:avLst/>
+            </a:prstGeom>
+            <a:noFill/>
+          </p:spPr>
+          <p:txBody>
+            <a:bodyPr wrap="square" rtlCol="0">
+              <a:spAutoFit/>
+            </a:bodyPr>
+            <a:lstStyle/>
+            <a:p>
+              <a:r>
+                <a:rPr lang="en-US" i="1" dirty="0"/>
+                <a:t>7.07</a:t>
+              </a:r>
+            </a:p>
+          </p:txBody>
+        </p:sp>
+        <p:sp>
+          <p:nvSpPr>
+            <p:cNvPr id="29" name="TextBox 28">
+              <a:extLst>
+                <a:ext uri="{FF2B5EF4-FFF2-40B4-BE49-F238E27FC236}">
+                  <a16:creationId xmlns:a16="http://schemas.microsoft.com/office/drawing/2014/main" id="{D9429D11-2D72-4011-8904-B1540DF41FED}"/>
+                </a:ext>
+              </a:extLst>
+            </p:cNvPr>
+            <p:cNvSpPr txBox="1"/>
+            <p:nvPr/>
+          </p:nvSpPr>
+          <p:spPr>
+            <a:xfrm>
+              <a:off x="3456507" y="1055995"/>
+              <a:ext cx="1237957" cy="369332"/>
+            </a:xfrm>
+            <a:prstGeom prst="rect">
+              <a:avLst/>
+            </a:prstGeom>
+            <a:noFill/>
+          </p:spPr>
+          <p:txBody>
+            <a:bodyPr wrap="square" rtlCol="0">
+              <a:spAutoFit/>
+            </a:bodyPr>
+            <a:lstStyle/>
+            <a:p>
+              <a:r>
+                <a:rPr lang="en-US" i="1" dirty="0"/>
+                <a:t>6.66</a:t>
+              </a:r>
+            </a:p>
+          </p:txBody>
+        </p:sp>
+        <p:sp>
+          <p:nvSpPr>
+            <p:cNvPr id="30" name="TextBox 29">
+              <a:extLst>
+                <a:ext uri="{FF2B5EF4-FFF2-40B4-BE49-F238E27FC236}">
+                  <a16:creationId xmlns:a16="http://schemas.microsoft.com/office/drawing/2014/main" id="{CE592049-B336-476C-B081-774D22575FF0}"/>
+                </a:ext>
+              </a:extLst>
+            </p:cNvPr>
+            <p:cNvSpPr txBox="1"/>
+            <p:nvPr/>
+          </p:nvSpPr>
+          <p:spPr>
+            <a:xfrm>
+              <a:off x="3456507" y="1515269"/>
+              <a:ext cx="1237957" cy="369332"/>
+            </a:xfrm>
+            <a:prstGeom prst="rect">
+              <a:avLst/>
+            </a:prstGeom>
+            <a:noFill/>
+          </p:spPr>
+          <p:txBody>
+            <a:bodyPr wrap="square" rtlCol="0">
+              <a:spAutoFit/>
+            </a:bodyPr>
+            <a:lstStyle/>
+            <a:p>
+              <a:r>
+                <a:rPr lang="en-US" i="1" dirty="0"/>
+                <a:t>6.29</a:t>
+              </a:r>
+            </a:p>
+          </p:txBody>
+        </p:sp>
+        <p:sp>
+          <p:nvSpPr>
+            <p:cNvPr id="31" name="TextBox 30">
+              <a:extLst>
+                <a:ext uri="{FF2B5EF4-FFF2-40B4-BE49-F238E27FC236}">
+                  <a16:creationId xmlns:a16="http://schemas.microsoft.com/office/drawing/2014/main" id="{49C936E8-B041-414D-899C-B9C6F7A106E5}"/>
+                </a:ext>
+              </a:extLst>
+            </p:cNvPr>
+            <p:cNvSpPr txBox="1"/>
+            <p:nvPr/>
+          </p:nvSpPr>
+          <p:spPr>
+            <a:xfrm>
+              <a:off x="3456507" y="1974543"/>
+              <a:ext cx="1237957" cy="369332"/>
+            </a:xfrm>
+            <a:prstGeom prst="rect">
+              <a:avLst/>
+            </a:prstGeom>
+            <a:noFill/>
+          </p:spPr>
+          <p:txBody>
+            <a:bodyPr wrap="square" rtlCol="0">
+              <a:spAutoFit/>
+            </a:bodyPr>
+            <a:lstStyle/>
+            <a:p>
+              <a:r>
+                <a:rPr lang="en-US" i="1" dirty="0"/>
+                <a:t>3.77</a:t>
+              </a:r>
+            </a:p>
+          </p:txBody>
+        </p:sp>
+        <p:sp>
+          <p:nvSpPr>
+            <p:cNvPr id="32" name="TextBox 31">
+              <a:extLst>
+                <a:ext uri="{FF2B5EF4-FFF2-40B4-BE49-F238E27FC236}">
+                  <a16:creationId xmlns:a16="http://schemas.microsoft.com/office/drawing/2014/main" id="{DF7F83BA-47D5-4F5D-BC96-61A919864080}"/>
+                </a:ext>
+              </a:extLst>
+            </p:cNvPr>
+            <p:cNvSpPr txBox="1"/>
+            <p:nvPr/>
+          </p:nvSpPr>
+          <p:spPr>
+            <a:xfrm>
+              <a:off x="3456507" y="2433817"/>
+              <a:ext cx="1237957" cy="369332"/>
+            </a:xfrm>
+            <a:prstGeom prst="rect">
+              <a:avLst/>
+            </a:prstGeom>
+            <a:noFill/>
+          </p:spPr>
+          <p:txBody>
+            <a:bodyPr wrap="square" rtlCol="0">
+              <a:spAutoFit/>
+            </a:bodyPr>
+            <a:lstStyle/>
+            <a:p>
+              <a:r>
+                <a:rPr lang="en-US" i="1" dirty="0"/>
+                <a:t>3.37</a:t>
+              </a:r>
+            </a:p>
+          </p:txBody>
+        </p:sp>
+        <p:sp>
+          <p:nvSpPr>
+            <p:cNvPr id="33" name="TextBox 32">
+              <a:extLst>
+                <a:ext uri="{FF2B5EF4-FFF2-40B4-BE49-F238E27FC236}">
+                  <a16:creationId xmlns:a16="http://schemas.microsoft.com/office/drawing/2014/main" id="{9257865C-0BEE-4BB3-80E1-93B3BB99AA04}"/>
+                </a:ext>
+              </a:extLst>
+            </p:cNvPr>
+            <p:cNvSpPr txBox="1"/>
+            <p:nvPr/>
+          </p:nvSpPr>
+          <p:spPr>
+            <a:xfrm>
+              <a:off x="3456507" y="2893091"/>
+              <a:ext cx="1237957" cy="369332"/>
+            </a:xfrm>
+            <a:prstGeom prst="rect">
+              <a:avLst/>
+            </a:prstGeom>
+            <a:noFill/>
+          </p:spPr>
+          <p:txBody>
+            <a:bodyPr wrap="square" rtlCol="0">
+              <a:spAutoFit/>
+            </a:bodyPr>
+            <a:lstStyle/>
+            <a:p>
+              <a:r>
+                <a:rPr lang="en-US" i="1" dirty="0"/>
+                <a:t>3.32</a:t>
+              </a:r>
+            </a:p>
+          </p:txBody>
+        </p:sp>
+        <p:sp>
+          <p:nvSpPr>
+            <p:cNvPr id="34" name="TextBox 33">
+              <a:extLst>
+                <a:ext uri="{FF2B5EF4-FFF2-40B4-BE49-F238E27FC236}">
+                  <a16:creationId xmlns:a16="http://schemas.microsoft.com/office/drawing/2014/main" id="{1E4793CE-A257-49B6-964E-CC496CC1B540}"/>
+                </a:ext>
+              </a:extLst>
+            </p:cNvPr>
+            <p:cNvSpPr txBox="1"/>
+            <p:nvPr/>
+          </p:nvSpPr>
+          <p:spPr>
+            <a:xfrm>
+              <a:off x="3456507" y="3352365"/>
+              <a:ext cx="1237957" cy="369332"/>
+            </a:xfrm>
+            <a:prstGeom prst="rect">
+              <a:avLst/>
+            </a:prstGeom>
+            <a:noFill/>
+          </p:spPr>
+          <p:txBody>
+            <a:bodyPr wrap="square" rtlCol="0">
+              <a:spAutoFit/>
+            </a:bodyPr>
+            <a:lstStyle/>
+            <a:p>
+              <a:r>
+                <a:rPr lang="en-US" i="1" dirty="0"/>
+                <a:t>2.87</a:t>
+              </a:r>
+            </a:p>
+          </p:txBody>
+        </p:sp>
+        <p:sp>
+          <p:nvSpPr>
+            <p:cNvPr id="35" name="TextBox 34">
+              <a:extLst>
+                <a:ext uri="{FF2B5EF4-FFF2-40B4-BE49-F238E27FC236}">
+                  <a16:creationId xmlns:a16="http://schemas.microsoft.com/office/drawing/2014/main" id="{C2036315-D479-46E9-9F87-E42E4215BF87}"/>
+                </a:ext>
+              </a:extLst>
+            </p:cNvPr>
+            <p:cNvSpPr txBox="1"/>
+            <p:nvPr/>
+          </p:nvSpPr>
+          <p:spPr>
+            <a:xfrm>
+              <a:off x="3456507" y="3811639"/>
+              <a:ext cx="1237957" cy="369332"/>
+            </a:xfrm>
+            <a:prstGeom prst="rect">
+              <a:avLst/>
+            </a:prstGeom>
+            <a:noFill/>
+          </p:spPr>
+          <p:txBody>
+            <a:bodyPr wrap="square" rtlCol="0">
+              <a:spAutoFit/>
+            </a:bodyPr>
+            <a:lstStyle/>
+            <a:p>
+              <a:r>
+                <a:rPr lang="en-US" i="1" dirty="0"/>
+                <a:t>2.45</a:t>
+              </a:r>
+            </a:p>
+          </p:txBody>
+        </p:sp>
+        <p:sp>
+          <p:nvSpPr>
+            <p:cNvPr id="36" name="TextBox 35">
+              <a:extLst>
+                <a:ext uri="{FF2B5EF4-FFF2-40B4-BE49-F238E27FC236}">
+                  <a16:creationId xmlns:a16="http://schemas.microsoft.com/office/drawing/2014/main" id="{892CBBF0-1BFF-4EA7-B194-BC6A5035A348}"/>
+                </a:ext>
+              </a:extLst>
+            </p:cNvPr>
+            <p:cNvSpPr txBox="1"/>
+            <p:nvPr/>
+          </p:nvSpPr>
+          <p:spPr>
+            <a:xfrm>
+              <a:off x="3456507" y="4270913"/>
+              <a:ext cx="1237957" cy="369332"/>
+            </a:xfrm>
+            <a:prstGeom prst="rect">
+              <a:avLst/>
+            </a:prstGeom>
+            <a:noFill/>
+          </p:spPr>
+          <p:txBody>
+            <a:bodyPr wrap="square" rtlCol="0">
+              <a:spAutoFit/>
+            </a:bodyPr>
+            <a:lstStyle/>
+            <a:p>
+              <a:r>
+                <a:rPr lang="en-US" i="1" dirty="0"/>
+                <a:t>2.36</a:t>
+              </a:r>
+            </a:p>
+          </p:txBody>
+        </p:sp>
+        <p:sp>
+          <p:nvSpPr>
+            <p:cNvPr id="37" name="TextBox 36">
+              <a:extLst>
+                <a:ext uri="{FF2B5EF4-FFF2-40B4-BE49-F238E27FC236}">
+                  <a16:creationId xmlns:a16="http://schemas.microsoft.com/office/drawing/2014/main" id="{998C8DB4-6393-4493-B4D0-9C1AA85263D4}"/>
+                </a:ext>
+              </a:extLst>
+            </p:cNvPr>
+            <p:cNvSpPr txBox="1"/>
+            <p:nvPr/>
+          </p:nvSpPr>
+          <p:spPr>
+            <a:xfrm>
+              <a:off x="3456507" y="4730187"/>
+              <a:ext cx="1237957" cy="369332"/>
+            </a:xfrm>
+            <a:prstGeom prst="rect">
+              <a:avLst/>
+            </a:prstGeom>
+            <a:noFill/>
+          </p:spPr>
+          <p:txBody>
+            <a:bodyPr wrap="square" rtlCol="0">
+              <a:spAutoFit/>
+            </a:bodyPr>
+            <a:lstStyle/>
+            <a:p>
+              <a:r>
+                <a:rPr lang="en-US" i="1" dirty="0"/>
+                <a:t>2.06</a:t>
+              </a:r>
+            </a:p>
+          </p:txBody>
+        </p:sp>
+        <p:sp>
+          <p:nvSpPr>
+            <p:cNvPr id="38" name="TextBox 37">
+              <a:extLst>
+                <a:ext uri="{FF2B5EF4-FFF2-40B4-BE49-F238E27FC236}">
+                  <a16:creationId xmlns:a16="http://schemas.microsoft.com/office/drawing/2014/main" id="{B645D6E2-FC2A-41C1-90C2-4C9650896033}"/>
+                </a:ext>
+              </a:extLst>
+            </p:cNvPr>
+            <p:cNvSpPr txBox="1"/>
+            <p:nvPr/>
+          </p:nvSpPr>
+          <p:spPr>
+            <a:xfrm>
+              <a:off x="3456507" y="5189461"/>
+              <a:ext cx="1237957" cy="369332"/>
+            </a:xfrm>
+            <a:prstGeom prst="rect">
+              <a:avLst/>
+            </a:prstGeom>
+            <a:noFill/>
+          </p:spPr>
+          <p:txBody>
+            <a:bodyPr wrap="square" rtlCol="0">
+              <a:spAutoFit/>
+            </a:bodyPr>
+            <a:lstStyle/>
+            <a:p>
+              <a:r>
+                <a:rPr lang="en-US" i="1" dirty="0"/>
+                <a:t>1.73</a:t>
+              </a:r>
+            </a:p>
+          </p:txBody>
+        </p:sp>
+        <p:sp>
+          <p:nvSpPr>
+            <p:cNvPr id="39" name="TextBox 38">
+              <a:extLst>
+                <a:ext uri="{FF2B5EF4-FFF2-40B4-BE49-F238E27FC236}">
+                  <a16:creationId xmlns:a16="http://schemas.microsoft.com/office/drawing/2014/main" id="{D659BF83-9EBA-416E-8AA3-4C93E199399F}"/>
+                </a:ext>
+              </a:extLst>
+            </p:cNvPr>
+            <p:cNvSpPr txBox="1"/>
+            <p:nvPr/>
+          </p:nvSpPr>
+          <p:spPr>
+            <a:xfrm>
+              <a:off x="3456507" y="5648735"/>
+              <a:ext cx="1237957" cy="369332"/>
+            </a:xfrm>
+            <a:prstGeom prst="rect">
+              <a:avLst/>
+            </a:prstGeom>
+            <a:noFill/>
+          </p:spPr>
+          <p:txBody>
+            <a:bodyPr wrap="square" rtlCol="0">
+              <a:spAutoFit/>
+            </a:bodyPr>
+            <a:lstStyle/>
+            <a:p>
+              <a:r>
+                <a:rPr lang="en-US" i="1" dirty="0"/>
+                <a:t>1.00</a:t>
+              </a:r>
+            </a:p>
+          </p:txBody>
+        </p:sp>
+        <p:sp>
+          <p:nvSpPr>
+            <p:cNvPr id="40" name="TextBox 39">
+              <a:extLst>
+                <a:ext uri="{FF2B5EF4-FFF2-40B4-BE49-F238E27FC236}">
+                  <a16:creationId xmlns:a16="http://schemas.microsoft.com/office/drawing/2014/main" id="{A1955DF9-0A34-4132-BB80-0A4B02A0C186}"/>
+                </a:ext>
+              </a:extLst>
+            </p:cNvPr>
+            <p:cNvSpPr txBox="1"/>
+            <p:nvPr/>
+          </p:nvSpPr>
+          <p:spPr>
+            <a:xfrm>
+              <a:off x="3456507" y="6108011"/>
+              <a:ext cx="1237957" cy="369332"/>
+            </a:xfrm>
+            <a:prstGeom prst="rect">
+              <a:avLst/>
+            </a:prstGeom>
+            <a:noFill/>
+          </p:spPr>
+          <p:txBody>
+            <a:bodyPr wrap="square" rtlCol="0">
+              <a:spAutoFit/>
+            </a:bodyPr>
+            <a:lstStyle/>
+            <a:p>
+              <a:r>
+                <a:rPr lang="en-US" i="1" dirty="0"/>
+                <a:t>1.00</a:t>
+              </a:r>
+            </a:p>
+          </p:txBody>
+        </p:sp>
+      </p:grpSp>
+    </p:spTree>
+    <p:extLst>
+      <p:ext uri="{BB962C8B-B14F-4D97-AF65-F5344CB8AC3E}">
+        <p14:creationId xmlns:p14="http://schemas.microsoft.com/office/powerpoint/2010/main" val="1773979766"/>
+      </p:ext>
+    </p:extLst>
+  </p:cSld>
+  <p:clrMapOvr>
+    <a:masterClrMapping/>
+  </p:clrMapOvr>
+</p:sld>
+</file>
+
+<file path=ppt/slides/slide15.xml><?xml version="1.0" encoding="utf-8"?>
+<p:sld xmlns:a="http://schemas.openxmlformats.org/drawingml/2006/main" xmlns:r="http://schemas.openxmlformats.org/officeDocument/2006/relationships" xmlns:p="http://schemas.openxmlformats.org/presentationml/2006/main">
+  <p:cSld>
+    <p:spTree>
+      <p:nvGrpSpPr>
+        <p:cNvPr id="1" name=""/>
+        <p:cNvGrpSpPr/>
+        <p:nvPr/>
+      </p:nvGrpSpPr>
+      <p:grpSpPr>
+        <a:xfrm>
+          <a:off x="0" y="0"/>
+          <a:ext cx="0" cy="0"/>
+          <a:chOff x="0" y="0"/>
+          <a:chExt cx="0" cy="0"/>
+        </a:xfrm>
+      </p:grpSpPr>
+      <p:pic>
+        <p:nvPicPr>
+          <p:cNvPr id="26" name="Picture 25" descr="A picture containing clock&#10;&#10;Description automatically generated">
+            <a:extLst>
+              <a:ext uri="{FF2B5EF4-FFF2-40B4-BE49-F238E27FC236}">
+                <a16:creationId xmlns:a16="http://schemas.microsoft.com/office/drawing/2014/main" id="{BB0887E7-AC55-48C2-AFD1-88BCDFE7FFF7}"/>
+              </a:ext>
+            </a:extLst>
+          </p:cNvPr>
+          <p:cNvPicPr>
+            <a:picLocks noChangeAspect="1"/>
+          </p:cNvPicPr>
+          <p:nvPr/>
+        </p:nvPicPr>
+        <p:blipFill rotWithShape="1">
+          <a:blip r:embed="rId3">
+            <a:extLst>
+              <a:ext uri="{28A0092B-C50C-407E-A947-70E740481C1C}">
+                <a14:useLocalDpi xmlns:a14="http://schemas.microsoft.com/office/drawing/2010/main" val="0"/>
+              </a:ext>
+            </a:extLst>
+          </a:blip>
+          <a:srcRect l="10814" r="32776"/>
+          <a:stretch/>
+        </p:blipFill>
+        <p:spPr>
+          <a:xfrm>
+            <a:off x="6471372" y="397825"/>
+            <a:ext cx="2625969" cy="6264695"/>
+          </a:xfrm>
+          <a:prstGeom prst="rect">
+            <a:avLst/>
+          </a:prstGeom>
+        </p:spPr>
+      </p:pic>
+      <p:pic>
+        <p:nvPicPr>
+          <p:cNvPr id="27" name="Picture 26">
+            <a:extLst>
+              <a:ext uri="{FF2B5EF4-FFF2-40B4-BE49-F238E27FC236}">
+                <a16:creationId xmlns:a16="http://schemas.microsoft.com/office/drawing/2014/main" id="{37A0300A-6DF9-4707-B77C-C5D4AADF8D0A}"/>
+              </a:ext>
+            </a:extLst>
+          </p:cNvPr>
+          <p:cNvPicPr>
+            <a:picLocks noChangeAspect="1"/>
+          </p:cNvPicPr>
+          <p:nvPr/>
+        </p:nvPicPr>
+        <p:blipFill rotWithShape="1">
+          <a:blip r:embed="rId4">
+            <a:extLst>
+              <a:ext uri="{28A0092B-C50C-407E-A947-70E740481C1C}">
+                <a14:useLocalDpi xmlns:a14="http://schemas.microsoft.com/office/drawing/2010/main" val="0"/>
+              </a:ext>
+            </a:extLst>
+          </a:blip>
+          <a:srcRect l="10162" r="29688"/>
+          <a:stretch/>
+        </p:blipFill>
+        <p:spPr>
+          <a:xfrm>
+            <a:off x="9183027" y="411895"/>
+            <a:ext cx="2784651" cy="6230274"/>
+          </a:xfrm>
+          <a:prstGeom prst="rect">
+            <a:avLst/>
+          </a:prstGeom>
+        </p:spPr>
+      </p:pic>
+      <p:sp>
+        <p:nvSpPr>
+          <p:cNvPr id="28" name="TextBox 27">
+            <a:extLst>
+              <a:ext uri="{FF2B5EF4-FFF2-40B4-BE49-F238E27FC236}">
+                <a16:creationId xmlns:a16="http://schemas.microsoft.com/office/drawing/2014/main" id="{99F4C3E1-8EE8-40DD-80AB-07CBF96E7EAE}"/>
+              </a:ext>
+            </a:extLst>
+          </p:cNvPr>
+          <p:cNvSpPr txBox="1"/>
+          <p:nvPr/>
+        </p:nvSpPr>
+        <p:spPr>
+          <a:xfrm>
+            <a:off x="12149858" y="1789524"/>
+            <a:ext cx="1578334" cy="830997"/>
+          </a:xfrm>
+          <a:prstGeom prst="rect">
+            <a:avLst/>
+          </a:prstGeom>
+          <a:noFill/>
+        </p:spPr>
+        <p:txBody>
+          <a:bodyPr wrap="square" rtlCol="0">
+            <a:spAutoFit/>
+          </a:bodyPr>
+          <a:lstStyle/>
+          <a:p>
+            <a:r>
+              <a:rPr lang="en-US" sz="2400" dirty="0"/>
+              <a:t>Rank by</a:t>
+            </a:r>
+          </a:p>
+          <a:p>
+            <a:r>
+              <a:rPr lang="en-US" sz="2400" dirty="0"/>
+              <a:t>Preference</a:t>
+            </a:r>
+          </a:p>
+        </p:txBody>
+      </p:sp>
+      <p:pic>
+        <p:nvPicPr>
+          <p:cNvPr id="29" name="Picture 28" descr="A close up of a logo&#10;&#10;Description automatically generated">
+            <a:extLst>
+              <a:ext uri="{FF2B5EF4-FFF2-40B4-BE49-F238E27FC236}">
+                <a16:creationId xmlns:a16="http://schemas.microsoft.com/office/drawing/2014/main" id="{667236C7-89C5-4E78-B054-26C6863E0A41}"/>
+              </a:ext>
+            </a:extLst>
+          </p:cNvPr>
+          <p:cNvPicPr>
+            <a:picLocks noChangeAspect="1"/>
+          </p:cNvPicPr>
+          <p:nvPr/>
+        </p:nvPicPr>
+        <p:blipFill rotWithShape="1">
+          <a:blip r:embed="rId5">
+            <a:extLst>
+              <a:ext uri="{28A0092B-C50C-407E-A947-70E740481C1C}">
+                <a14:useLocalDpi xmlns:a14="http://schemas.microsoft.com/office/drawing/2010/main" val="0"/>
+              </a:ext>
+            </a:extLst>
+          </a:blip>
+          <a:srcRect l="73004" t="42701" r="17406" b="41504"/>
+          <a:stretch/>
+        </p:blipFill>
+        <p:spPr>
+          <a:xfrm>
+            <a:off x="12106544" y="2620521"/>
+            <a:ext cx="1281864" cy="2903050"/>
+          </a:xfrm>
+          <a:prstGeom prst="rect">
+            <a:avLst/>
+          </a:prstGeom>
+        </p:spPr>
+      </p:pic>
+      <p:sp>
+        <p:nvSpPr>
+          <p:cNvPr id="30" name="TextBox 29">
+            <a:extLst>
+              <a:ext uri="{FF2B5EF4-FFF2-40B4-BE49-F238E27FC236}">
+                <a16:creationId xmlns:a16="http://schemas.microsoft.com/office/drawing/2014/main" id="{27CA8C75-75FF-44A4-9987-6BBBA81944EE}"/>
+              </a:ext>
+            </a:extLst>
+          </p:cNvPr>
+          <p:cNvSpPr txBox="1"/>
+          <p:nvPr/>
+        </p:nvSpPr>
+        <p:spPr>
+          <a:xfrm>
+            <a:off x="6915788" y="50733"/>
+            <a:ext cx="2106526" cy="461665"/>
+          </a:xfrm>
+          <a:prstGeom prst="rect">
+            <a:avLst/>
+          </a:prstGeom>
+          <a:noFill/>
+        </p:spPr>
+        <p:txBody>
+          <a:bodyPr wrap="square" rtlCol="0">
+            <a:spAutoFit/>
+          </a:bodyPr>
+          <a:lstStyle/>
+          <a:p>
+            <a:r>
+              <a:rPr lang="en-US" sz="2400" dirty="0"/>
+              <a:t>Ground-Truth</a:t>
+            </a:r>
+          </a:p>
+        </p:txBody>
+      </p:sp>
+      <p:sp>
+        <p:nvSpPr>
+          <p:cNvPr id="31" name="TextBox 30">
+            <a:extLst>
+              <a:ext uri="{FF2B5EF4-FFF2-40B4-BE49-F238E27FC236}">
+                <a16:creationId xmlns:a16="http://schemas.microsoft.com/office/drawing/2014/main" id="{8ED676C3-E5EB-449B-8007-860B0CA3EE1A}"/>
+              </a:ext>
+            </a:extLst>
+          </p:cNvPr>
+          <p:cNvSpPr txBox="1"/>
+          <p:nvPr/>
+        </p:nvSpPr>
+        <p:spPr>
+          <a:xfrm>
+            <a:off x="9587687" y="50733"/>
+            <a:ext cx="2106526" cy="461665"/>
+          </a:xfrm>
+          <a:prstGeom prst="rect">
+            <a:avLst/>
+          </a:prstGeom>
+          <a:noFill/>
+        </p:spPr>
+        <p:txBody>
+          <a:bodyPr wrap="square" rtlCol="0">
+            <a:spAutoFit/>
+          </a:bodyPr>
+          <a:lstStyle/>
+          <a:p>
+            <a:r>
+              <a:rPr lang="en-US" sz="2400" dirty="0"/>
+              <a:t>Reconstructed</a:t>
+            </a:r>
+          </a:p>
+        </p:txBody>
+      </p:sp>
+      <p:sp>
+        <p:nvSpPr>
+          <p:cNvPr id="32" name="TextBox 31">
+            <a:extLst>
+              <a:ext uri="{FF2B5EF4-FFF2-40B4-BE49-F238E27FC236}">
+                <a16:creationId xmlns:a16="http://schemas.microsoft.com/office/drawing/2014/main" id="{77CD2619-B77C-4AD3-8539-78A4516566DF}"/>
+              </a:ext>
+            </a:extLst>
+          </p:cNvPr>
+          <p:cNvSpPr txBox="1"/>
+          <p:nvPr/>
+        </p:nvSpPr>
+        <p:spPr>
+          <a:xfrm>
+            <a:off x="5886182" y="516246"/>
+            <a:ext cx="731520" cy="369332"/>
+          </a:xfrm>
+          <a:prstGeom prst="rect">
+            <a:avLst/>
+          </a:prstGeom>
+          <a:noFill/>
+        </p:spPr>
+        <p:txBody>
+          <a:bodyPr wrap="square" rtlCol="0">
+            <a:spAutoFit/>
+          </a:bodyPr>
+          <a:lstStyle/>
+          <a:p>
+            <a:r>
+              <a:rPr lang="en-US" i="1" dirty="0"/>
+              <a:t>7.07</a:t>
+            </a:r>
+          </a:p>
+        </p:txBody>
+      </p:sp>
+      <p:sp>
+        <p:nvSpPr>
+          <p:cNvPr id="33" name="TextBox 32">
+            <a:extLst>
+              <a:ext uri="{FF2B5EF4-FFF2-40B4-BE49-F238E27FC236}">
+                <a16:creationId xmlns:a16="http://schemas.microsoft.com/office/drawing/2014/main" id="{6370E5E1-3FEE-4315-B3AA-4A379A03C4AB}"/>
+              </a:ext>
+            </a:extLst>
+          </p:cNvPr>
+          <p:cNvSpPr txBox="1"/>
+          <p:nvPr/>
+        </p:nvSpPr>
+        <p:spPr>
+          <a:xfrm>
+            <a:off x="5886182" y="968408"/>
+            <a:ext cx="731520" cy="369332"/>
+          </a:xfrm>
+          <a:prstGeom prst="rect">
+            <a:avLst/>
+          </a:prstGeom>
+          <a:noFill/>
+        </p:spPr>
+        <p:txBody>
+          <a:bodyPr wrap="square" rtlCol="0">
+            <a:spAutoFit/>
+          </a:bodyPr>
+          <a:lstStyle/>
+          <a:p>
+            <a:r>
+              <a:rPr lang="en-US" i="1" dirty="0"/>
+              <a:t>6.66</a:t>
+            </a:r>
+          </a:p>
+        </p:txBody>
+      </p:sp>
+      <p:sp>
+        <p:nvSpPr>
+          <p:cNvPr id="34" name="TextBox 33">
+            <a:extLst>
+              <a:ext uri="{FF2B5EF4-FFF2-40B4-BE49-F238E27FC236}">
+                <a16:creationId xmlns:a16="http://schemas.microsoft.com/office/drawing/2014/main" id="{03BF971E-7EC9-43A7-BCC6-A64D737914B0}"/>
+              </a:ext>
+            </a:extLst>
+          </p:cNvPr>
+          <p:cNvSpPr txBox="1"/>
+          <p:nvPr/>
+        </p:nvSpPr>
+        <p:spPr>
+          <a:xfrm>
+            <a:off x="5886182" y="1420570"/>
+            <a:ext cx="731520" cy="369332"/>
+          </a:xfrm>
+          <a:prstGeom prst="rect">
+            <a:avLst/>
+          </a:prstGeom>
+          <a:noFill/>
+        </p:spPr>
+        <p:txBody>
+          <a:bodyPr wrap="square" rtlCol="0">
+            <a:spAutoFit/>
+          </a:bodyPr>
+          <a:lstStyle/>
+          <a:p>
+            <a:r>
+              <a:rPr lang="en-US" i="1" dirty="0"/>
+              <a:t>6.29</a:t>
+            </a:r>
+          </a:p>
+        </p:txBody>
+      </p:sp>
+      <p:sp>
+        <p:nvSpPr>
+          <p:cNvPr id="35" name="TextBox 34">
+            <a:extLst>
+              <a:ext uri="{FF2B5EF4-FFF2-40B4-BE49-F238E27FC236}">
+                <a16:creationId xmlns:a16="http://schemas.microsoft.com/office/drawing/2014/main" id="{DF516545-7CFF-4C15-BE2E-1ABD1A866638}"/>
+              </a:ext>
+            </a:extLst>
+          </p:cNvPr>
+          <p:cNvSpPr txBox="1"/>
+          <p:nvPr/>
+        </p:nvSpPr>
+        <p:spPr>
+          <a:xfrm>
+            <a:off x="5886182" y="1872732"/>
+            <a:ext cx="731520" cy="369332"/>
+          </a:xfrm>
+          <a:prstGeom prst="rect">
+            <a:avLst/>
+          </a:prstGeom>
+          <a:noFill/>
+        </p:spPr>
+        <p:txBody>
+          <a:bodyPr wrap="square" rtlCol="0">
+            <a:spAutoFit/>
+          </a:bodyPr>
+          <a:lstStyle/>
+          <a:p>
+            <a:r>
+              <a:rPr lang="en-US" i="1" dirty="0"/>
+              <a:t>3.77</a:t>
+            </a:r>
+          </a:p>
+        </p:txBody>
+      </p:sp>
+      <p:sp>
+        <p:nvSpPr>
+          <p:cNvPr id="36" name="TextBox 35">
+            <a:extLst>
+              <a:ext uri="{FF2B5EF4-FFF2-40B4-BE49-F238E27FC236}">
+                <a16:creationId xmlns:a16="http://schemas.microsoft.com/office/drawing/2014/main" id="{0F1BB2F4-13A0-47EC-AA3C-A2AD2C6A1EF2}"/>
+              </a:ext>
+            </a:extLst>
+          </p:cNvPr>
+          <p:cNvSpPr txBox="1"/>
+          <p:nvPr/>
+        </p:nvSpPr>
+        <p:spPr>
+          <a:xfrm>
+            <a:off x="5886182" y="2324894"/>
+            <a:ext cx="731520" cy="369332"/>
+          </a:xfrm>
+          <a:prstGeom prst="rect">
+            <a:avLst/>
+          </a:prstGeom>
+          <a:noFill/>
+        </p:spPr>
+        <p:txBody>
+          <a:bodyPr wrap="square" rtlCol="0">
+            <a:spAutoFit/>
+          </a:bodyPr>
+          <a:lstStyle/>
+          <a:p>
+            <a:r>
+              <a:rPr lang="en-US" i="1" dirty="0"/>
+              <a:t>3.37</a:t>
+            </a:r>
+          </a:p>
+        </p:txBody>
+      </p:sp>
+      <p:sp>
+        <p:nvSpPr>
+          <p:cNvPr id="37" name="TextBox 36">
+            <a:extLst>
+              <a:ext uri="{FF2B5EF4-FFF2-40B4-BE49-F238E27FC236}">
+                <a16:creationId xmlns:a16="http://schemas.microsoft.com/office/drawing/2014/main" id="{DD14178E-D2A7-49CF-90C9-2BE1C70630D1}"/>
+              </a:ext>
+            </a:extLst>
+          </p:cNvPr>
+          <p:cNvSpPr txBox="1"/>
+          <p:nvPr/>
+        </p:nvSpPr>
+        <p:spPr>
+          <a:xfrm>
+            <a:off x="5886182" y="2777056"/>
+            <a:ext cx="731520" cy="369332"/>
+          </a:xfrm>
+          <a:prstGeom prst="rect">
+            <a:avLst/>
+          </a:prstGeom>
+          <a:noFill/>
+        </p:spPr>
+        <p:txBody>
+          <a:bodyPr wrap="square" rtlCol="0">
+            <a:spAutoFit/>
+          </a:bodyPr>
+          <a:lstStyle/>
+          <a:p>
+            <a:r>
+              <a:rPr lang="en-US" i="1" dirty="0"/>
+              <a:t>3.32</a:t>
+            </a:r>
+          </a:p>
+        </p:txBody>
+      </p:sp>
+      <p:sp>
+        <p:nvSpPr>
+          <p:cNvPr id="38" name="TextBox 37">
+            <a:extLst>
+              <a:ext uri="{FF2B5EF4-FFF2-40B4-BE49-F238E27FC236}">
+                <a16:creationId xmlns:a16="http://schemas.microsoft.com/office/drawing/2014/main" id="{25C383A5-C951-47E3-846C-65DF32898169}"/>
+              </a:ext>
+            </a:extLst>
+          </p:cNvPr>
+          <p:cNvSpPr txBox="1"/>
+          <p:nvPr/>
+        </p:nvSpPr>
+        <p:spPr>
+          <a:xfrm>
+            <a:off x="5886182" y="3229218"/>
+            <a:ext cx="731520" cy="369332"/>
+          </a:xfrm>
+          <a:prstGeom prst="rect">
+            <a:avLst/>
+          </a:prstGeom>
+          <a:noFill/>
+        </p:spPr>
+        <p:txBody>
+          <a:bodyPr wrap="square" rtlCol="0">
+            <a:spAutoFit/>
+          </a:bodyPr>
+          <a:lstStyle/>
+          <a:p>
+            <a:r>
+              <a:rPr lang="en-US" i="1" dirty="0"/>
+              <a:t>2.87</a:t>
+            </a:r>
+          </a:p>
+        </p:txBody>
+      </p:sp>
+      <p:sp>
+        <p:nvSpPr>
+          <p:cNvPr id="39" name="TextBox 38">
+            <a:extLst>
+              <a:ext uri="{FF2B5EF4-FFF2-40B4-BE49-F238E27FC236}">
+                <a16:creationId xmlns:a16="http://schemas.microsoft.com/office/drawing/2014/main" id="{16917911-87C7-4DF5-959E-9E8BED8FBD6D}"/>
+              </a:ext>
+            </a:extLst>
+          </p:cNvPr>
+          <p:cNvSpPr txBox="1"/>
+          <p:nvPr/>
+        </p:nvSpPr>
+        <p:spPr>
+          <a:xfrm>
+            <a:off x="5886182" y="3681380"/>
+            <a:ext cx="731520" cy="369332"/>
+          </a:xfrm>
+          <a:prstGeom prst="rect">
+            <a:avLst/>
+          </a:prstGeom>
+          <a:noFill/>
+        </p:spPr>
+        <p:txBody>
+          <a:bodyPr wrap="square" rtlCol="0">
+            <a:spAutoFit/>
+          </a:bodyPr>
+          <a:lstStyle/>
+          <a:p>
+            <a:r>
+              <a:rPr lang="en-US" i="1" dirty="0"/>
+              <a:t>2.45</a:t>
+            </a:r>
+          </a:p>
+        </p:txBody>
+      </p:sp>
+      <p:sp>
+        <p:nvSpPr>
+          <p:cNvPr id="40" name="TextBox 39">
+            <a:extLst>
+              <a:ext uri="{FF2B5EF4-FFF2-40B4-BE49-F238E27FC236}">
+                <a16:creationId xmlns:a16="http://schemas.microsoft.com/office/drawing/2014/main" id="{2C44C6AC-061F-4589-A4F4-7E3B77A3D860}"/>
+              </a:ext>
+            </a:extLst>
+          </p:cNvPr>
+          <p:cNvSpPr txBox="1"/>
+          <p:nvPr/>
+        </p:nvSpPr>
+        <p:spPr>
+          <a:xfrm>
+            <a:off x="5886182" y="4133542"/>
+            <a:ext cx="731520" cy="369332"/>
+          </a:xfrm>
+          <a:prstGeom prst="rect">
+            <a:avLst/>
+          </a:prstGeom>
+          <a:noFill/>
+        </p:spPr>
+        <p:txBody>
+          <a:bodyPr wrap="square" rtlCol="0">
+            <a:spAutoFit/>
+          </a:bodyPr>
+          <a:lstStyle/>
+          <a:p>
+            <a:r>
+              <a:rPr lang="en-US" i="1" dirty="0"/>
+              <a:t>2.36</a:t>
+            </a:r>
+          </a:p>
+        </p:txBody>
+      </p:sp>
+      <p:sp>
+        <p:nvSpPr>
+          <p:cNvPr id="41" name="TextBox 40">
+            <a:extLst>
+              <a:ext uri="{FF2B5EF4-FFF2-40B4-BE49-F238E27FC236}">
+                <a16:creationId xmlns:a16="http://schemas.microsoft.com/office/drawing/2014/main" id="{63F0F759-FEFB-45E5-96E8-BF542FF32506}"/>
+              </a:ext>
+            </a:extLst>
+          </p:cNvPr>
+          <p:cNvSpPr txBox="1"/>
+          <p:nvPr/>
+        </p:nvSpPr>
+        <p:spPr>
+          <a:xfrm>
+            <a:off x="5886182" y="4585704"/>
+            <a:ext cx="731520" cy="369332"/>
+          </a:xfrm>
+          <a:prstGeom prst="rect">
+            <a:avLst/>
+          </a:prstGeom>
+          <a:noFill/>
+        </p:spPr>
+        <p:txBody>
+          <a:bodyPr wrap="square" rtlCol="0">
+            <a:spAutoFit/>
+          </a:bodyPr>
+          <a:lstStyle/>
+          <a:p>
+            <a:r>
+              <a:rPr lang="en-US" i="1" dirty="0"/>
+              <a:t>2.06</a:t>
+            </a:r>
+          </a:p>
+        </p:txBody>
+      </p:sp>
+      <p:sp>
+        <p:nvSpPr>
+          <p:cNvPr id="42" name="TextBox 41">
+            <a:extLst>
+              <a:ext uri="{FF2B5EF4-FFF2-40B4-BE49-F238E27FC236}">
+                <a16:creationId xmlns:a16="http://schemas.microsoft.com/office/drawing/2014/main" id="{F31D36E4-3ACF-42C6-A90E-7FDC1B6AE96B}"/>
+              </a:ext>
+            </a:extLst>
+          </p:cNvPr>
+          <p:cNvSpPr txBox="1"/>
+          <p:nvPr/>
+        </p:nvSpPr>
+        <p:spPr>
+          <a:xfrm>
+            <a:off x="5886182" y="5037866"/>
+            <a:ext cx="731520" cy="369332"/>
+          </a:xfrm>
+          <a:prstGeom prst="rect">
+            <a:avLst/>
+          </a:prstGeom>
+          <a:noFill/>
+        </p:spPr>
+        <p:txBody>
+          <a:bodyPr wrap="square" rtlCol="0">
+            <a:spAutoFit/>
+          </a:bodyPr>
+          <a:lstStyle/>
+          <a:p>
+            <a:r>
+              <a:rPr lang="en-US" i="1" dirty="0"/>
+              <a:t>1.73</a:t>
+            </a:r>
+          </a:p>
+        </p:txBody>
+      </p:sp>
+      <p:sp>
+        <p:nvSpPr>
+          <p:cNvPr id="43" name="TextBox 42">
+            <a:extLst>
+              <a:ext uri="{FF2B5EF4-FFF2-40B4-BE49-F238E27FC236}">
+                <a16:creationId xmlns:a16="http://schemas.microsoft.com/office/drawing/2014/main" id="{8709CAB3-5AC7-4615-96F9-B40B2F948D3B}"/>
+              </a:ext>
+            </a:extLst>
+          </p:cNvPr>
+          <p:cNvSpPr txBox="1"/>
+          <p:nvPr/>
+        </p:nvSpPr>
+        <p:spPr>
+          <a:xfrm>
+            <a:off x="5886182" y="5490028"/>
+            <a:ext cx="731520" cy="369332"/>
+          </a:xfrm>
+          <a:prstGeom prst="rect">
+            <a:avLst/>
+          </a:prstGeom>
+          <a:noFill/>
+        </p:spPr>
+        <p:txBody>
+          <a:bodyPr wrap="square" rtlCol="0">
+            <a:spAutoFit/>
+          </a:bodyPr>
+          <a:lstStyle/>
+          <a:p>
+            <a:r>
+              <a:rPr lang="en-US" i="1" dirty="0"/>
+              <a:t>1.00</a:t>
+            </a:r>
+          </a:p>
+        </p:txBody>
+      </p:sp>
+      <p:sp>
+        <p:nvSpPr>
+          <p:cNvPr id="44" name="TextBox 43">
+            <a:extLst>
+              <a:ext uri="{FF2B5EF4-FFF2-40B4-BE49-F238E27FC236}">
+                <a16:creationId xmlns:a16="http://schemas.microsoft.com/office/drawing/2014/main" id="{E58CBCEE-8AFC-4F71-917B-1D37760F0D3C}"/>
+              </a:ext>
+            </a:extLst>
+          </p:cNvPr>
+          <p:cNvSpPr txBox="1"/>
+          <p:nvPr/>
+        </p:nvSpPr>
+        <p:spPr>
+          <a:xfrm>
+            <a:off x="5886182" y="5942192"/>
+            <a:ext cx="731520" cy="369332"/>
+          </a:xfrm>
+          <a:prstGeom prst="rect">
+            <a:avLst/>
+          </a:prstGeom>
+          <a:noFill/>
+        </p:spPr>
+        <p:txBody>
+          <a:bodyPr wrap="square" rtlCol="0">
+            <a:spAutoFit/>
+          </a:bodyPr>
+          <a:lstStyle/>
+          <a:p>
+            <a:r>
+              <a:rPr lang="en-US" i="1" dirty="0"/>
+              <a:t>1.00</a:t>
+            </a:r>
+          </a:p>
+        </p:txBody>
+      </p:sp>
+      <p:sp>
+        <p:nvSpPr>
+          <p:cNvPr id="47" name="TextBox 46">
+            <a:extLst>
+              <a:ext uri="{FF2B5EF4-FFF2-40B4-BE49-F238E27FC236}">
+                <a16:creationId xmlns:a16="http://schemas.microsoft.com/office/drawing/2014/main" id="{A8CB7327-4B7C-4CFF-BF8F-1EC69FFBE0D4}"/>
+              </a:ext>
+            </a:extLst>
+          </p:cNvPr>
+          <p:cNvSpPr txBox="1"/>
+          <p:nvPr/>
+        </p:nvSpPr>
+        <p:spPr>
+          <a:xfrm>
+            <a:off x="1100439" y="50733"/>
+            <a:ext cx="2106526" cy="461665"/>
+          </a:xfrm>
+          <a:prstGeom prst="rect">
+            <a:avLst/>
+          </a:prstGeom>
+          <a:noFill/>
+        </p:spPr>
+        <p:txBody>
+          <a:bodyPr wrap="square" rtlCol="0">
+            <a:spAutoFit/>
+          </a:bodyPr>
+          <a:lstStyle/>
+          <a:p>
+            <a:r>
+              <a:rPr lang="en-US" sz="2400" dirty="0"/>
+              <a:t>Ground-Truth</a:t>
+            </a:r>
+          </a:p>
+        </p:txBody>
+      </p:sp>
+      <p:sp>
+        <p:nvSpPr>
+          <p:cNvPr id="48" name="TextBox 47">
+            <a:extLst>
+              <a:ext uri="{FF2B5EF4-FFF2-40B4-BE49-F238E27FC236}">
+                <a16:creationId xmlns:a16="http://schemas.microsoft.com/office/drawing/2014/main" id="{A2D8AA5B-2C88-4914-B375-A438676E4637}"/>
+              </a:ext>
+            </a:extLst>
+          </p:cNvPr>
+          <p:cNvSpPr txBox="1"/>
+          <p:nvPr/>
+        </p:nvSpPr>
+        <p:spPr>
+          <a:xfrm>
+            <a:off x="3384066" y="50733"/>
+            <a:ext cx="2106526" cy="461665"/>
+          </a:xfrm>
+          <a:prstGeom prst="rect">
+            <a:avLst/>
+          </a:prstGeom>
+          <a:noFill/>
+        </p:spPr>
+        <p:txBody>
+          <a:bodyPr wrap="square" rtlCol="0">
+            <a:spAutoFit/>
+          </a:bodyPr>
+          <a:lstStyle/>
+          <a:p>
+            <a:r>
+              <a:rPr lang="en-US" sz="2400" dirty="0"/>
+              <a:t>Reconstructed</a:t>
+            </a:r>
+          </a:p>
+        </p:txBody>
+      </p:sp>
+      <p:cxnSp>
+        <p:nvCxnSpPr>
+          <p:cNvPr id="49" name="Straight Connector 48">
+            <a:extLst>
+              <a:ext uri="{FF2B5EF4-FFF2-40B4-BE49-F238E27FC236}">
+                <a16:creationId xmlns:a16="http://schemas.microsoft.com/office/drawing/2014/main" id="{64FAC628-AEE1-4473-9B9F-CF78BBB43CB4}"/>
+              </a:ext>
+            </a:extLst>
+          </p:cNvPr>
+          <p:cNvCxnSpPr>
+            <a:cxnSpLocks/>
+          </p:cNvCxnSpPr>
+          <p:nvPr/>
+        </p:nvCxnSpPr>
+        <p:spPr>
+          <a:xfrm>
+            <a:off x="880283" y="647737"/>
+            <a:ext cx="0" cy="2103120"/>
+          </a:xfrm>
+          <a:prstGeom prst="line">
+            <a:avLst/>
+          </a:prstGeom>
+          <a:ln w="28575"/>
+        </p:spPr>
+        <p:style>
+          <a:lnRef idx="1">
+            <a:schemeClr val="dk1"/>
+          </a:lnRef>
+          <a:fillRef idx="0">
+            <a:schemeClr val="dk1"/>
+          </a:fillRef>
+          <a:effectRef idx="0">
+            <a:schemeClr val="dk1"/>
+          </a:effectRef>
+          <a:fontRef idx="minor">
+            <a:schemeClr val="tx1"/>
+          </a:fontRef>
+        </p:style>
+      </p:cxnSp>
+      <p:cxnSp>
+        <p:nvCxnSpPr>
+          <p:cNvPr id="50" name="Straight Connector 49">
+            <a:extLst>
+              <a:ext uri="{FF2B5EF4-FFF2-40B4-BE49-F238E27FC236}">
+                <a16:creationId xmlns:a16="http://schemas.microsoft.com/office/drawing/2014/main" id="{95EF20A3-3698-40CA-92B5-6536DC0559ED}"/>
+              </a:ext>
+            </a:extLst>
+          </p:cNvPr>
+          <p:cNvCxnSpPr>
+            <a:cxnSpLocks/>
+          </p:cNvCxnSpPr>
+          <p:nvPr/>
+        </p:nvCxnSpPr>
+        <p:spPr>
+          <a:xfrm>
+            <a:off x="880283" y="2994691"/>
+            <a:ext cx="0" cy="2011680"/>
+          </a:xfrm>
+          <a:prstGeom prst="line">
+            <a:avLst/>
+          </a:prstGeom>
+          <a:ln w="28575"/>
+        </p:spPr>
+        <p:style>
+          <a:lnRef idx="1">
+            <a:schemeClr val="dk1"/>
+          </a:lnRef>
+          <a:fillRef idx="0">
+            <a:schemeClr val="dk1"/>
+          </a:fillRef>
+          <a:effectRef idx="0">
+            <a:schemeClr val="dk1"/>
+          </a:effectRef>
+          <a:fontRef idx="minor">
+            <a:schemeClr val="tx1"/>
+          </a:fontRef>
+        </p:style>
+      </p:cxnSp>
+      <p:cxnSp>
+        <p:nvCxnSpPr>
+          <p:cNvPr id="51" name="Straight Connector 50">
+            <a:extLst>
+              <a:ext uri="{FF2B5EF4-FFF2-40B4-BE49-F238E27FC236}">
+                <a16:creationId xmlns:a16="http://schemas.microsoft.com/office/drawing/2014/main" id="{07126E32-7588-472B-B7C2-8E79B69E2D6A}"/>
+              </a:ext>
+            </a:extLst>
+          </p:cNvPr>
+          <p:cNvCxnSpPr>
+            <a:cxnSpLocks/>
+          </p:cNvCxnSpPr>
+          <p:nvPr/>
+        </p:nvCxnSpPr>
+        <p:spPr>
+          <a:xfrm>
+            <a:off x="880283" y="5243176"/>
+            <a:ext cx="0" cy="1097280"/>
+          </a:xfrm>
+          <a:prstGeom prst="line">
+            <a:avLst/>
+          </a:prstGeom>
+          <a:ln w="28575"/>
+        </p:spPr>
+        <p:style>
+          <a:lnRef idx="1">
+            <a:schemeClr val="dk1"/>
+          </a:lnRef>
+          <a:fillRef idx="0">
+            <a:schemeClr val="dk1"/>
+          </a:fillRef>
+          <a:effectRef idx="0">
+            <a:schemeClr val="dk1"/>
+          </a:effectRef>
+          <a:fontRef idx="minor">
+            <a:schemeClr val="tx1"/>
+          </a:fontRef>
+        </p:style>
+      </p:cxnSp>
+      <p:sp>
+        <p:nvSpPr>
+          <p:cNvPr id="52" name="TextBox 51">
+            <a:extLst>
+              <a:ext uri="{FF2B5EF4-FFF2-40B4-BE49-F238E27FC236}">
+                <a16:creationId xmlns:a16="http://schemas.microsoft.com/office/drawing/2014/main" id="{9A278843-17F6-4EB6-B61D-47143CF04B00}"/>
+              </a:ext>
+            </a:extLst>
+          </p:cNvPr>
+          <p:cNvSpPr txBox="1"/>
+          <p:nvPr/>
+        </p:nvSpPr>
+        <p:spPr>
+          <a:xfrm rot="16200000">
+            <a:off x="-115044" y="1352402"/>
+            <a:ext cx="1375948" cy="461665"/>
+          </a:xfrm>
+          <a:prstGeom prst="rect">
+            <a:avLst/>
+          </a:prstGeom>
+          <a:noFill/>
+        </p:spPr>
+        <p:txBody>
+          <a:bodyPr wrap="square" rtlCol="0">
+            <a:spAutoFit/>
+          </a:bodyPr>
+          <a:lstStyle/>
+          <a:p>
+            <a:r>
+              <a:rPr lang="en-US" sz="2400" i="1" dirty="0"/>
+              <a:t>SD = 2.1</a:t>
+            </a:r>
+          </a:p>
+        </p:txBody>
+      </p:sp>
+      <p:sp>
+        <p:nvSpPr>
+          <p:cNvPr id="53" name="TextBox 52">
+            <a:extLst>
+              <a:ext uri="{FF2B5EF4-FFF2-40B4-BE49-F238E27FC236}">
+                <a16:creationId xmlns:a16="http://schemas.microsoft.com/office/drawing/2014/main" id="{41E90634-0A6F-4934-A748-F65921C873A0}"/>
+              </a:ext>
+            </a:extLst>
+          </p:cNvPr>
+          <p:cNvSpPr txBox="1"/>
+          <p:nvPr/>
+        </p:nvSpPr>
+        <p:spPr>
+          <a:xfrm rot="16200000">
+            <a:off x="-115045" y="3779622"/>
+            <a:ext cx="1375948" cy="461665"/>
+          </a:xfrm>
+          <a:prstGeom prst="rect">
+            <a:avLst/>
+          </a:prstGeom>
+          <a:noFill/>
+        </p:spPr>
+        <p:txBody>
+          <a:bodyPr wrap="square" rtlCol="0">
+            <a:spAutoFit/>
+          </a:bodyPr>
+          <a:lstStyle/>
+          <a:p>
+            <a:r>
+              <a:rPr lang="en-US" sz="2400" i="1" dirty="0"/>
+              <a:t>SD = 1.1</a:t>
+            </a:r>
+          </a:p>
+        </p:txBody>
+      </p:sp>
+      <p:sp>
+        <p:nvSpPr>
+          <p:cNvPr id="54" name="TextBox 53">
+            <a:extLst>
+              <a:ext uri="{FF2B5EF4-FFF2-40B4-BE49-F238E27FC236}">
+                <a16:creationId xmlns:a16="http://schemas.microsoft.com/office/drawing/2014/main" id="{73414921-1F21-4432-B55D-F52557A71192}"/>
+              </a:ext>
+            </a:extLst>
+          </p:cNvPr>
+          <p:cNvSpPr txBox="1"/>
+          <p:nvPr/>
+        </p:nvSpPr>
+        <p:spPr>
+          <a:xfrm rot="16200000">
+            <a:off x="-110547" y="5518867"/>
+            <a:ext cx="1375948" cy="461665"/>
+          </a:xfrm>
+          <a:prstGeom prst="rect">
+            <a:avLst/>
+          </a:prstGeom>
+          <a:noFill/>
+        </p:spPr>
+        <p:txBody>
+          <a:bodyPr wrap="square" rtlCol="0">
+            <a:spAutoFit/>
+          </a:bodyPr>
+          <a:lstStyle/>
+          <a:p>
+            <a:r>
+              <a:rPr lang="en-US" sz="2400" i="1" dirty="0"/>
+              <a:t>SD = 0.1</a:t>
+            </a:r>
+          </a:p>
+        </p:txBody>
+      </p:sp>
+      <p:cxnSp>
+        <p:nvCxnSpPr>
+          <p:cNvPr id="55" name="Straight Connector 54">
+            <a:extLst>
+              <a:ext uri="{FF2B5EF4-FFF2-40B4-BE49-F238E27FC236}">
+                <a16:creationId xmlns:a16="http://schemas.microsoft.com/office/drawing/2014/main" id="{4B2DA128-8902-4CAA-873F-556D1FA1DEF6}"/>
+              </a:ext>
+            </a:extLst>
+          </p:cNvPr>
+          <p:cNvCxnSpPr>
+            <a:cxnSpLocks/>
+          </p:cNvCxnSpPr>
+          <p:nvPr/>
+        </p:nvCxnSpPr>
+        <p:spPr>
+          <a:xfrm>
+            <a:off x="497001" y="2898565"/>
+            <a:ext cx="5394960" cy="0"/>
+          </a:xfrm>
+          <a:prstGeom prst="line">
+            <a:avLst/>
+          </a:prstGeom>
+          <a:ln w="28575">
+            <a:solidFill>
+              <a:schemeClr val="bg1"/>
+            </a:solidFill>
+          </a:ln>
+        </p:spPr>
+        <p:style>
+          <a:lnRef idx="1">
+            <a:schemeClr val="dk1"/>
+          </a:lnRef>
+          <a:fillRef idx="0">
+            <a:schemeClr val="dk1"/>
+          </a:fillRef>
+          <a:effectRef idx="0">
+            <a:schemeClr val="dk1"/>
+          </a:effectRef>
+          <a:fontRef idx="minor">
+            <a:schemeClr val="tx1"/>
+          </a:fontRef>
+        </p:style>
+      </p:cxnSp>
+      <p:cxnSp>
+        <p:nvCxnSpPr>
+          <p:cNvPr id="56" name="Straight Connector 55">
+            <a:extLst>
+              <a:ext uri="{FF2B5EF4-FFF2-40B4-BE49-F238E27FC236}">
+                <a16:creationId xmlns:a16="http://schemas.microsoft.com/office/drawing/2014/main" id="{4DB1ED83-D280-4C4D-91AA-53C981FBED1C}"/>
+              </a:ext>
+            </a:extLst>
+          </p:cNvPr>
+          <p:cNvCxnSpPr>
+            <a:cxnSpLocks/>
+          </p:cNvCxnSpPr>
+          <p:nvPr/>
+        </p:nvCxnSpPr>
+        <p:spPr>
+          <a:xfrm>
+            <a:off x="423371" y="5336963"/>
+            <a:ext cx="5394960" cy="0"/>
+          </a:xfrm>
+          <a:prstGeom prst="line">
+            <a:avLst/>
+          </a:prstGeom>
+          <a:ln w="28575">
+            <a:solidFill>
+              <a:schemeClr val="bg1"/>
+            </a:solidFill>
+          </a:ln>
+        </p:spPr>
+        <p:style>
+          <a:lnRef idx="1">
+            <a:schemeClr val="dk1"/>
+          </a:lnRef>
+          <a:fillRef idx="0">
+            <a:schemeClr val="dk1"/>
+          </a:fillRef>
+          <a:effectRef idx="0">
+            <a:schemeClr val="dk1"/>
+          </a:effectRef>
+          <a:fontRef idx="minor">
+            <a:schemeClr val="tx1"/>
+          </a:fontRef>
+        </p:style>
+      </p:cxnSp>
+      <p:pic>
+        <p:nvPicPr>
+          <p:cNvPr id="57" name="Picture 56" descr="A close up of a logo&#10;&#10;Description automatically generated">
+            <a:extLst>
+              <a:ext uri="{FF2B5EF4-FFF2-40B4-BE49-F238E27FC236}">
+                <a16:creationId xmlns:a16="http://schemas.microsoft.com/office/drawing/2014/main" id="{9506BAD9-B9B6-4C77-9D4F-0A14DA68271F}"/>
+              </a:ext>
+            </a:extLst>
+          </p:cNvPr>
+          <p:cNvPicPr>
+            <a:picLocks noChangeAspect="1"/>
+          </p:cNvPicPr>
+          <p:nvPr/>
+        </p:nvPicPr>
+        <p:blipFill rotWithShape="1">
+          <a:blip r:embed="rId6">
+            <a:extLst>
+              <a:ext uri="{28A0092B-C50C-407E-A947-70E740481C1C}">
+                <a14:useLocalDpi xmlns:a14="http://schemas.microsoft.com/office/drawing/2010/main" val="0"/>
+              </a:ext>
+            </a:extLst>
+          </a:blip>
+          <a:srcRect l="12111" t="1003" r="30632" b="-109"/>
+          <a:stretch/>
+        </p:blipFill>
+        <p:spPr>
+          <a:xfrm>
+            <a:off x="3425099" y="439581"/>
+            <a:ext cx="2354839" cy="6222944"/>
+          </a:xfrm>
+          <a:prstGeom prst="rect">
+            <a:avLst/>
+          </a:prstGeom>
+        </p:spPr>
+      </p:pic>
+      <p:pic>
+        <p:nvPicPr>
+          <p:cNvPr id="58" name="Picture 57" descr="A screenshot of a cell phone&#10;&#10;Description automatically generated">
+            <a:extLst>
+              <a:ext uri="{FF2B5EF4-FFF2-40B4-BE49-F238E27FC236}">
+                <a16:creationId xmlns:a16="http://schemas.microsoft.com/office/drawing/2014/main" id="{B2AC8455-2284-44AA-A50A-791A8A381519}"/>
+              </a:ext>
+            </a:extLst>
+          </p:cNvPr>
+          <p:cNvPicPr>
+            <a:picLocks noChangeAspect="1"/>
+          </p:cNvPicPr>
+          <p:nvPr/>
+        </p:nvPicPr>
+        <p:blipFill rotWithShape="1">
+          <a:blip r:embed="rId7">
+            <a:extLst>
+              <a:ext uri="{28A0092B-C50C-407E-A947-70E740481C1C}">
+                <a14:useLocalDpi xmlns:a14="http://schemas.microsoft.com/office/drawing/2010/main" val="0"/>
+              </a:ext>
+            </a:extLst>
+          </a:blip>
+          <a:srcRect l="11487" t="448" r="34299" b="448"/>
+          <a:stretch/>
+        </p:blipFill>
+        <p:spPr>
+          <a:xfrm>
+            <a:off x="1054283" y="439581"/>
+            <a:ext cx="2289814" cy="6205644"/>
+          </a:xfrm>
+          <a:prstGeom prst="rect">
+            <a:avLst/>
+          </a:prstGeom>
+        </p:spPr>
+      </p:pic>
+      <p:cxnSp>
+        <p:nvCxnSpPr>
+          <p:cNvPr id="59" name="Straight Connector 58">
+            <a:extLst>
+              <a:ext uri="{FF2B5EF4-FFF2-40B4-BE49-F238E27FC236}">
+                <a16:creationId xmlns:a16="http://schemas.microsoft.com/office/drawing/2014/main" id="{71504BDE-DD04-42BB-816D-AB254520B5CE}"/>
+              </a:ext>
+            </a:extLst>
+          </p:cNvPr>
+          <p:cNvCxnSpPr>
+            <a:cxnSpLocks/>
+          </p:cNvCxnSpPr>
+          <p:nvPr/>
+        </p:nvCxnSpPr>
+        <p:spPr>
+          <a:xfrm>
+            <a:off x="643011" y="2813824"/>
+            <a:ext cx="5394960" cy="0"/>
+          </a:xfrm>
+          <a:prstGeom prst="line">
+            <a:avLst/>
+          </a:prstGeom>
+          <a:ln w="28575">
+            <a:solidFill>
+              <a:schemeClr val="bg1"/>
+            </a:solidFill>
+          </a:ln>
+        </p:spPr>
+        <p:style>
+          <a:lnRef idx="1">
+            <a:schemeClr val="dk1"/>
+          </a:lnRef>
+          <a:fillRef idx="0">
+            <a:schemeClr val="dk1"/>
+          </a:fillRef>
+          <a:effectRef idx="0">
+            <a:schemeClr val="dk1"/>
+          </a:effectRef>
+          <a:fontRef idx="minor">
+            <a:schemeClr val="tx1"/>
+          </a:fontRef>
+        </p:style>
+      </p:cxnSp>
+      <p:cxnSp>
+        <p:nvCxnSpPr>
+          <p:cNvPr id="60" name="Straight Connector 59">
+            <a:extLst>
+              <a:ext uri="{FF2B5EF4-FFF2-40B4-BE49-F238E27FC236}">
+                <a16:creationId xmlns:a16="http://schemas.microsoft.com/office/drawing/2014/main" id="{81593978-7F8C-4489-AE66-9315A0CC1D6C}"/>
+              </a:ext>
+            </a:extLst>
+          </p:cNvPr>
+          <p:cNvCxnSpPr>
+            <a:cxnSpLocks/>
+          </p:cNvCxnSpPr>
+          <p:nvPr/>
+        </p:nvCxnSpPr>
+        <p:spPr>
+          <a:xfrm>
+            <a:off x="604434" y="5168147"/>
+            <a:ext cx="5394960" cy="0"/>
+          </a:xfrm>
+          <a:prstGeom prst="line">
+            <a:avLst/>
+          </a:prstGeom>
+          <a:ln w="28575">
+            <a:solidFill>
+              <a:schemeClr val="bg1"/>
+            </a:solidFill>
+          </a:ln>
+        </p:spPr>
+        <p:style>
+          <a:lnRef idx="1">
+            <a:schemeClr val="dk1"/>
+          </a:lnRef>
+          <a:fillRef idx="0">
+            <a:schemeClr val="dk1"/>
+          </a:fillRef>
+          <a:effectRef idx="0">
+            <a:schemeClr val="dk1"/>
+          </a:effectRef>
+          <a:fontRef idx="minor">
+            <a:schemeClr val="tx1"/>
+          </a:fontRef>
+        </p:style>
+      </p:cxnSp>
+      <p:sp>
+        <p:nvSpPr>
+          <p:cNvPr id="61" name="TextBox 60">
+            <a:extLst>
+              <a:ext uri="{FF2B5EF4-FFF2-40B4-BE49-F238E27FC236}">
+                <a16:creationId xmlns:a16="http://schemas.microsoft.com/office/drawing/2014/main" id="{0C53B937-2AB9-49C1-A1BE-82C31ECBE918}"/>
+              </a:ext>
+            </a:extLst>
+          </p:cNvPr>
+          <p:cNvSpPr txBox="1"/>
+          <p:nvPr/>
+        </p:nvSpPr>
+        <p:spPr>
+          <a:xfrm>
+            <a:off x="6134430" y="-82827"/>
+            <a:ext cx="568590" cy="523220"/>
+          </a:xfrm>
+          <a:prstGeom prst="rect">
+            <a:avLst/>
+          </a:prstGeom>
+          <a:noFill/>
+        </p:spPr>
+        <p:txBody>
+          <a:bodyPr wrap="square" rtlCol="0">
+            <a:spAutoFit/>
+          </a:bodyPr>
+          <a:lstStyle>
+            <a:defPPr>
+              <a:defRPr lang="en-US"/>
+            </a:defPPr>
+            <a:lvl1pPr>
+              <a:defRPr sz="2800" b="1"/>
+            </a:lvl1pPr>
+          </a:lstStyle>
+          <a:p>
+            <a:r>
+              <a:rPr lang="en-US" dirty="0"/>
+              <a:t>B</a:t>
+            </a:r>
+          </a:p>
+        </p:txBody>
+      </p:sp>
+      <p:sp>
+        <p:nvSpPr>
+          <p:cNvPr id="62" name="TextBox 61">
+            <a:extLst>
+              <a:ext uri="{FF2B5EF4-FFF2-40B4-BE49-F238E27FC236}">
+                <a16:creationId xmlns:a16="http://schemas.microsoft.com/office/drawing/2014/main" id="{9C1C1A92-57F0-4FD9-ABB3-89A1B1619DCB}"/>
+              </a:ext>
+            </a:extLst>
+          </p:cNvPr>
+          <p:cNvSpPr txBox="1"/>
+          <p:nvPr/>
+        </p:nvSpPr>
+        <p:spPr>
+          <a:xfrm>
+            <a:off x="688249" y="-82827"/>
+            <a:ext cx="568590" cy="523220"/>
+          </a:xfrm>
+          <a:prstGeom prst="rect">
+            <a:avLst/>
+          </a:prstGeom>
+          <a:noFill/>
+        </p:spPr>
+        <p:txBody>
+          <a:bodyPr wrap="square" rtlCol="0">
+            <a:spAutoFit/>
+          </a:bodyPr>
+          <a:lstStyle/>
+          <a:p>
+            <a:r>
+              <a:rPr lang="en-US" sz="2800" b="1" dirty="0"/>
+              <a:t>A</a:t>
+            </a:r>
+          </a:p>
+        </p:txBody>
+      </p:sp>
+      <p:sp>
+        <p:nvSpPr>
+          <p:cNvPr id="45" name="TextBox 44">
+            <a:extLst>
+              <a:ext uri="{FF2B5EF4-FFF2-40B4-BE49-F238E27FC236}">
+                <a16:creationId xmlns:a16="http://schemas.microsoft.com/office/drawing/2014/main" id="{5B097C8F-188D-49B0-B975-731EFCADB2CD}"/>
+              </a:ext>
+            </a:extLst>
+          </p:cNvPr>
+          <p:cNvSpPr txBox="1"/>
+          <p:nvPr/>
+        </p:nvSpPr>
+        <p:spPr>
+          <a:xfrm>
+            <a:off x="1566559" y="6470082"/>
+            <a:ext cx="1231314" cy="400110"/>
+          </a:xfrm>
+          <a:prstGeom prst="rect">
+            <a:avLst/>
+          </a:prstGeom>
+          <a:solidFill>
+            <a:schemeClr val="bg1"/>
+          </a:solidFill>
+        </p:spPr>
+        <p:txBody>
+          <a:bodyPr wrap="square" rtlCol="0">
+            <a:spAutoFit/>
+          </a:bodyPr>
+          <a:lstStyle/>
+          <a:p>
+            <a:r>
+              <a:rPr lang="en-US" sz="2000" dirty="0"/>
+              <a:t>Target ID</a:t>
+            </a:r>
+          </a:p>
+        </p:txBody>
+      </p:sp>
+      <p:sp>
+        <p:nvSpPr>
+          <p:cNvPr id="46" name="TextBox 45">
+            <a:extLst>
+              <a:ext uri="{FF2B5EF4-FFF2-40B4-BE49-F238E27FC236}">
+                <a16:creationId xmlns:a16="http://schemas.microsoft.com/office/drawing/2014/main" id="{EB65CB1A-CCBC-4A58-88D3-2C8E1DC6E33C}"/>
+              </a:ext>
+            </a:extLst>
+          </p:cNvPr>
+          <p:cNvSpPr txBox="1"/>
+          <p:nvPr/>
+        </p:nvSpPr>
+        <p:spPr>
+          <a:xfrm>
+            <a:off x="4010556" y="6470082"/>
+            <a:ext cx="1231314" cy="400110"/>
+          </a:xfrm>
+          <a:prstGeom prst="rect">
+            <a:avLst/>
+          </a:prstGeom>
+          <a:solidFill>
+            <a:schemeClr val="bg1"/>
+          </a:solidFill>
+        </p:spPr>
+        <p:txBody>
+          <a:bodyPr wrap="square" rtlCol="0">
+            <a:spAutoFit/>
+          </a:bodyPr>
+          <a:lstStyle/>
+          <a:p>
+            <a:r>
+              <a:rPr lang="en-US" sz="2000" dirty="0"/>
+              <a:t>Target ID</a:t>
+            </a:r>
+          </a:p>
+        </p:txBody>
+      </p:sp>
+      <p:sp>
+        <p:nvSpPr>
+          <p:cNvPr id="63" name="TextBox 62">
+            <a:extLst>
+              <a:ext uri="{FF2B5EF4-FFF2-40B4-BE49-F238E27FC236}">
+                <a16:creationId xmlns:a16="http://schemas.microsoft.com/office/drawing/2014/main" id="{A93DEDC6-6DC5-44EA-A12D-9441CE5D163D}"/>
+              </a:ext>
+            </a:extLst>
+          </p:cNvPr>
+          <p:cNvSpPr txBox="1"/>
+          <p:nvPr/>
+        </p:nvSpPr>
+        <p:spPr>
+          <a:xfrm>
+            <a:off x="7288520" y="6470082"/>
+            <a:ext cx="1231314" cy="400110"/>
+          </a:xfrm>
+          <a:prstGeom prst="rect">
+            <a:avLst/>
+          </a:prstGeom>
+          <a:solidFill>
+            <a:schemeClr val="bg1"/>
+          </a:solidFill>
+        </p:spPr>
+        <p:txBody>
+          <a:bodyPr wrap="square" rtlCol="0">
+            <a:spAutoFit/>
+          </a:bodyPr>
+          <a:lstStyle/>
+          <a:p>
+            <a:r>
+              <a:rPr lang="en-US" sz="2000" dirty="0"/>
+              <a:t>Target ID</a:t>
+            </a:r>
+          </a:p>
+        </p:txBody>
+      </p:sp>
+      <p:sp>
+        <p:nvSpPr>
+          <p:cNvPr id="64" name="TextBox 63">
+            <a:extLst>
+              <a:ext uri="{FF2B5EF4-FFF2-40B4-BE49-F238E27FC236}">
+                <a16:creationId xmlns:a16="http://schemas.microsoft.com/office/drawing/2014/main" id="{1FABE4CF-BC81-4D4F-B33F-052005AEC6A2}"/>
+              </a:ext>
+            </a:extLst>
+          </p:cNvPr>
+          <p:cNvSpPr txBox="1"/>
+          <p:nvPr/>
+        </p:nvSpPr>
+        <p:spPr>
+          <a:xfrm>
+            <a:off x="10190140" y="6470082"/>
+            <a:ext cx="1231314" cy="400110"/>
+          </a:xfrm>
+          <a:prstGeom prst="rect">
+            <a:avLst/>
+          </a:prstGeom>
+          <a:solidFill>
+            <a:schemeClr val="bg1"/>
+          </a:solidFill>
+        </p:spPr>
+        <p:txBody>
+          <a:bodyPr wrap="square" rtlCol="0">
+            <a:spAutoFit/>
+          </a:bodyPr>
+          <a:lstStyle/>
+          <a:p>
+            <a:r>
+              <a:rPr lang="en-US" sz="2000" dirty="0"/>
+              <a:t>Target ID</a:t>
+            </a:r>
+          </a:p>
+        </p:txBody>
+      </p:sp>
+    </p:spTree>
+    <p:extLst>
+      <p:ext uri="{BB962C8B-B14F-4D97-AF65-F5344CB8AC3E}">
+        <p14:creationId xmlns:p14="http://schemas.microsoft.com/office/powerpoint/2010/main" val="299593662"/>
+      </p:ext>
+    </p:extLst>
+  </p:cSld>
+  <p:clrMapOvr>
+    <a:masterClrMapping/>
+  </p:clrMapOvr>
+</p:sld>
+</file>
+
+<file path=ppt/slides/slide16.xml><?xml version="1.0" encoding="utf-8"?>
+<p:sld xmlns:a="http://schemas.openxmlformats.org/drawingml/2006/main" xmlns:r="http://schemas.openxmlformats.org/officeDocument/2006/relationships" xmlns:p="http://schemas.openxmlformats.org/presentationml/2006/main">
+  <p:cSld>
+    <p:spTree>
+      <p:nvGrpSpPr>
+        <p:cNvPr id="1" name=""/>
+        <p:cNvGrpSpPr/>
+        <p:nvPr/>
+      </p:nvGrpSpPr>
+      <p:grpSpPr>
+        <a:xfrm>
+          <a:off x="0" y="0"/>
+          <a:ext cx="0" cy="0"/>
+          <a:chOff x="0" y="0"/>
+          <a:chExt cx="0" cy="0"/>
+        </a:xfrm>
+      </p:grpSpPr>
+      <p:pic>
+        <p:nvPicPr>
+          <p:cNvPr id="6" name="Picture 5">
+            <a:extLst>
+              <a:ext uri="{FF2B5EF4-FFF2-40B4-BE49-F238E27FC236}">
+                <a16:creationId xmlns:a16="http://schemas.microsoft.com/office/drawing/2014/main" id="{89EFF932-211A-4CCE-9227-27DE43194E3C}"/>
+              </a:ext>
+            </a:extLst>
+          </p:cNvPr>
+          <p:cNvPicPr>
+            <a:picLocks noChangeAspect="1"/>
+          </p:cNvPicPr>
+          <p:nvPr/>
+        </p:nvPicPr>
+        <p:blipFill>
+          <a:blip r:embed="rId2"/>
+          <a:stretch>
+            <a:fillRect/>
+          </a:stretch>
+        </p:blipFill>
+        <p:spPr>
+          <a:xfrm>
+            <a:off x="0" y="209981"/>
+            <a:ext cx="12192000" cy="6438038"/>
+          </a:xfrm>
+          <a:prstGeom prst="rect">
+            <a:avLst/>
+          </a:prstGeom>
+          <a:solidFill>
+            <a:schemeClr val="bg1"/>
+          </a:solidFill>
+        </p:spPr>
+      </p:pic>
+    </p:spTree>
+    <p:extLst>
+      <p:ext uri="{BB962C8B-B14F-4D97-AF65-F5344CB8AC3E}">
+        <p14:creationId xmlns:p14="http://schemas.microsoft.com/office/powerpoint/2010/main" val="778884819"/>
+      </p:ext>
+    </p:extLst>
+  </p:cSld>
+  <p:clrMapOvr>
+    <a:masterClrMapping/>
+  </p:clrMapOvr>
+</p:sld>
+</file>
+
+<file path=ppt/slides/slide2.xml><?xml version="1.0" encoding="utf-8"?>
+<p:sld xmlns:a="http://schemas.openxmlformats.org/drawingml/2006/main" xmlns:r="http://schemas.openxmlformats.org/officeDocument/2006/relationships" xmlns:p="http://schemas.openxmlformats.org/presentationml/2006/main">
+  <p:cSld>
+    <p:spTree>
+      <p:nvGrpSpPr>
+        <p:cNvPr id="1" name=""/>
+        <p:cNvGrpSpPr/>
+        <p:nvPr/>
+      </p:nvGrpSpPr>
+      <p:grpSpPr>
+        <a:xfrm>
+          <a:off x="0" y="0"/>
+          <a:ext cx="0" cy="0"/>
+          <a:chOff x="0" y="0"/>
+          <a:chExt cx="0" cy="0"/>
+        </a:xfrm>
+      </p:grpSpPr>
+      <p:cxnSp>
+        <p:nvCxnSpPr>
+          <p:cNvPr id="10" name="Straight Connector 9">
+            <a:extLst>
+              <a:ext uri="{FF2B5EF4-FFF2-40B4-BE49-F238E27FC236}">
+                <a16:creationId xmlns:a16="http://schemas.microsoft.com/office/drawing/2014/main" id="{AC9C0F25-5033-4E35-A7FF-D755010946A4}"/>
+              </a:ext>
+            </a:extLst>
+          </p:cNvPr>
+          <p:cNvCxnSpPr/>
+          <p:nvPr/>
+        </p:nvCxnSpPr>
+        <p:spPr>
+          <a:xfrm>
+            <a:off x="1849375" y="3313176"/>
+            <a:ext cx="1645920" cy="0"/>
+          </a:xfrm>
+          <a:prstGeom prst="line">
+            <a:avLst/>
+          </a:prstGeom>
+          <a:ln w="127000"/>
+        </p:spPr>
+        <p:style>
+          <a:lnRef idx="1">
+            <a:schemeClr val="dk1"/>
+          </a:lnRef>
+          <a:fillRef idx="0">
+            <a:schemeClr val="dk1"/>
+          </a:fillRef>
+          <a:effectRef idx="0">
+            <a:schemeClr val="dk1"/>
+          </a:effectRef>
+          <a:fontRef idx="minor">
+            <a:schemeClr val="tx1"/>
+          </a:fontRef>
+        </p:style>
+      </p:cxnSp>
+      <p:cxnSp>
+        <p:nvCxnSpPr>
+          <p:cNvPr id="11" name="Straight Connector 10">
+            <a:extLst>
+              <a:ext uri="{FF2B5EF4-FFF2-40B4-BE49-F238E27FC236}">
+                <a16:creationId xmlns:a16="http://schemas.microsoft.com/office/drawing/2014/main" id="{7E47266C-D393-4F44-AD96-B82A299DAC7E}"/>
+              </a:ext>
+            </a:extLst>
+          </p:cNvPr>
+          <p:cNvCxnSpPr/>
+          <p:nvPr/>
+        </p:nvCxnSpPr>
+        <p:spPr>
+          <a:xfrm>
+            <a:off x="3838957" y="3313176"/>
+            <a:ext cx="1645920" cy="0"/>
+          </a:xfrm>
+          <a:prstGeom prst="line">
+            <a:avLst/>
+          </a:prstGeom>
+          <a:ln w="88900"/>
+        </p:spPr>
+        <p:style>
+          <a:lnRef idx="1">
+            <a:schemeClr val="dk1"/>
+          </a:lnRef>
+          <a:fillRef idx="0">
+            <a:schemeClr val="dk1"/>
+          </a:fillRef>
+          <a:effectRef idx="0">
+            <a:schemeClr val="dk1"/>
+          </a:effectRef>
+          <a:fontRef idx="minor">
+            <a:schemeClr val="tx1"/>
+          </a:fontRef>
+        </p:style>
+      </p:cxnSp>
+      <p:cxnSp>
+        <p:nvCxnSpPr>
+          <p:cNvPr id="13" name="Straight Connector 12">
+            <a:extLst>
+              <a:ext uri="{FF2B5EF4-FFF2-40B4-BE49-F238E27FC236}">
+                <a16:creationId xmlns:a16="http://schemas.microsoft.com/office/drawing/2014/main" id="{BBCBFD49-0755-43B2-B5D8-2DBE103D411A}"/>
+              </a:ext>
+            </a:extLst>
+          </p:cNvPr>
+          <p:cNvCxnSpPr>
+            <a:cxnSpLocks/>
+          </p:cNvCxnSpPr>
+          <p:nvPr/>
+        </p:nvCxnSpPr>
+        <p:spPr>
+          <a:xfrm rot="5400000">
+            <a:off x="2734061" y="4098036"/>
+            <a:ext cx="1645920" cy="0"/>
+          </a:xfrm>
+          <a:prstGeom prst="line">
+            <a:avLst/>
+          </a:prstGeom>
+          <a:ln w="215900"/>
+        </p:spPr>
+        <p:style>
+          <a:lnRef idx="1">
+            <a:schemeClr val="dk1"/>
+          </a:lnRef>
+          <a:fillRef idx="0">
+            <a:schemeClr val="dk1"/>
+          </a:fillRef>
+          <a:effectRef idx="0">
+            <a:schemeClr val="dk1"/>
+          </a:effectRef>
+          <a:fontRef idx="minor">
+            <a:schemeClr val="tx1"/>
+          </a:fontRef>
+        </p:style>
+      </p:cxnSp>
+      <p:cxnSp>
+        <p:nvCxnSpPr>
+          <p:cNvPr id="12" name="Straight Connector 11">
+            <a:extLst>
+              <a:ext uri="{FF2B5EF4-FFF2-40B4-BE49-F238E27FC236}">
+                <a16:creationId xmlns:a16="http://schemas.microsoft.com/office/drawing/2014/main" id="{058401F0-DB81-4A75-926F-B2FE6247C578}"/>
+              </a:ext>
+            </a:extLst>
+          </p:cNvPr>
+          <p:cNvCxnSpPr>
+            <a:cxnSpLocks/>
+          </p:cNvCxnSpPr>
+          <p:nvPr/>
+        </p:nvCxnSpPr>
+        <p:spPr>
+          <a:xfrm rot="5400000">
+            <a:off x="2734061" y="2798064"/>
+            <a:ext cx="1645920" cy="0"/>
+          </a:xfrm>
+          <a:prstGeom prst="line">
+            <a:avLst/>
+          </a:prstGeom>
+          <a:ln w="266700"/>
+        </p:spPr>
+        <p:style>
+          <a:lnRef idx="1">
+            <a:schemeClr val="dk1"/>
+          </a:lnRef>
+          <a:fillRef idx="0">
+            <a:schemeClr val="dk1"/>
+          </a:fillRef>
+          <a:effectRef idx="0">
+            <a:schemeClr val="dk1"/>
+          </a:effectRef>
+          <a:fontRef idx="minor">
+            <a:schemeClr val="tx1"/>
+          </a:fontRef>
+        </p:style>
+      </p:cxnSp>
+      <mc:AlternateContent xmlns:mc="http://schemas.openxmlformats.org/markup-compatibility/2006">
+        <mc:Choice xmlns:a14="http://schemas.microsoft.com/office/drawing/2010/main" Requires="a14">
+          <p:sp>
+            <p:nvSpPr>
+              <p:cNvPr id="2" name="Rectangle 1">
+                <a:extLst>
+                  <a:ext uri="{FF2B5EF4-FFF2-40B4-BE49-F238E27FC236}">
+                    <a16:creationId xmlns:a16="http://schemas.microsoft.com/office/drawing/2014/main" id="{8DF52CBA-F498-4E26-85C0-45464C081BF8}"/>
+                  </a:ext>
+                </a:extLst>
+              </p:cNvPr>
+              <p:cNvSpPr/>
+              <p:nvPr/>
+            </p:nvSpPr>
+            <p:spPr>
+              <a:xfrm>
+                <a:off x="3078481" y="2886456"/>
+                <a:ext cx="914400" cy="914400"/>
+              </a:xfrm>
+              <a:prstGeom prst="rect">
+                <a:avLst/>
+              </a:prstGeom>
+              <a:solidFill>
+                <a:schemeClr val="tx1"/>
+              </a:solidFill>
+              <a:ln>
+                <a:noFill/>
+              </a:ln>
+            </p:spPr>
+            <p:style>
+              <a:lnRef idx="2">
+                <a:schemeClr val="accent1">
+                  <a:shade val="50000"/>
+                </a:schemeClr>
+              </a:lnRef>
+              <a:fillRef idx="1">
+                <a:schemeClr val="accent1"/>
+              </a:fillRef>
+              <a:effectRef idx="0">
+                <a:schemeClr val="accent1"/>
+              </a:effectRef>
+              <a:fontRef idx="minor">
+                <a:schemeClr val="lt1"/>
+              </a:fontRef>
+            </p:style>
+            <p:txBody>
+              <a:bodyPr lIns="91440" tIns="0" bIns="91440" rtlCol="0" anchor="ctr"/>
+              <a:lstStyle/>
+              <a:p>
+                <a:pPr algn="ctr"/>
+                <a14:m>
+                  <m:oMathPara xmlns:m="http://schemas.openxmlformats.org/officeDocument/2006/math">
+                    <m:oMathParaPr>
+                      <m:jc m:val="center"/>
+                    </m:oMathParaPr>
+                    <m:oMath xmlns:m="http://schemas.openxmlformats.org/officeDocument/2006/math">
+                      <m:r>
+                        <a:rPr lang="en-US" sz="4400" b="0" i="1" dirty="0" smtClean="0">
+                          <a:latin typeface="Cambria Math" panose="02040503050406030204" pitchFamily="18" charset="0"/>
+                        </a:rPr>
+                        <m:t> </m:t>
+                      </m:r>
+                      <m:sSub>
+                        <m:sSubPr>
+                          <m:ctrlPr>
+                            <a:rPr lang="en-US" sz="4400" i="1" dirty="0" smtClean="0">
+                              <a:latin typeface="Cambria Math" panose="02040503050406030204" pitchFamily="18" charset="0"/>
+                            </a:rPr>
+                          </m:ctrlPr>
+                        </m:sSubPr>
+                        <m:e>
+                          <m:r>
+                            <a:rPr lang="en-US" sz="4400" b="0" i="1" dirty="0" smtClean="0">
+                              <a:latin typeface="Cambria Math" panose="02040503050406030204" pitchFamily="18" charset="0"/>
+                            </a:rPr>
+                            <m:t>𝑎</m:t>
+                          </m:r>
+                        </m:e>
+                        <m:sub>
+                          <m:r>
+                            <a:rPr lang="en-US" sz="4400" b="0" i="1" dirty="0" smtClean="0">
+                              <a:latin typeface="Cambria Math" panose="02040503050406030204" pitchFamily="18" charset="0"/>
+                            </a:rPr>
+                            <m:t>𝑖</m:t>
+                          </m:r>
+                        </m:sub>
+                      </m:sSub>
+                    </m:oMath>
+                  </m:oMathPara>
+                </a14:m>
+                <a:endParaRPr lang="en-US" sz="4400" dirty="0"/>
+              </a:p>
+            </p:txBody>
+          </p:sp>
+        </mc:Choice>
+        <mc:Fallback>
+          <p:sp>
+            <p:nvSpPr>
+              <p:cNvPr id="2" name="Rectangle 1">
+                <a:extLst>
+                  <a:ext uri="{FF2B5EF4-FFF2-40B4-BE49-F238E27FC236}">
+                    <a16:creationId xmlns:a16="http://schemas.microsoft.com/office/drawing/2014/main" id="{8DF52CBA-F498-4E26-85C0-45464C081BF8}"/>
+                  </a:ext>
+                </a:extLst>
+              </p:cNvPr>
+              <p:cNvSpPr>
+                <a:spLocks noRot="1" noChangeAspect="1" noMove="1" noResize="1" noEditPoints="1" noAdjustHandles="1" noChangeArrowheads="1" noChangeShapeType="1" noTextEdit="1"/>
+              </p:cNvSpPr>
+              <p:nvPr/>
+            </p:nvSpPr>
+            <p:spPr>
+              <a:xfrm>
+                <a:off x="3078481" y="2886456"/>
+                <a:ext cx="914400" cy="914400"/>
+              </a:xfrm>
+              <a:prstGeom prst="rect">
+                <a:avLst/>
+              </a:prstGeom>
+              <a:blipFill>
+                <a:blip r:embed="rId2"/>
+                <a:stretch>
+                  <a:fillRect/>
+                </a:stretch>
+              </a:blipFill>
+              <a:ln>
+                <a:noFill/>
+              </a:ln>
+            </p:spPr>
+            <p:txBody>
+              <a:bodyPr/>
+              <a:lstStyle/>
+              <a:p>
+                <a:r>
+                  <a:rPr lang="en-US">
+                    <a:noFill/>
+                  </a:rPr>
+                  <a:t> </a:t>
+                </a:r>
+              </a:p>
+            </p:txBody>
+          </p:sp>
+        </mc:Fallback>
+      </mc:AlternateContent>
+      <mc:AlternateContent xmlns:mc="http://schemas.openxmlformats.org/markup-compatibility/2006">
+        <mc:Choice xmlns:a14="http://schemas.microsoft.com/office/drawing/2010/main" Requires="a14">
+          <p:sp>
+            <p:nvSpPr>
+              <p:cNvPr id="3" name="Oval 2">
+                <a:extLst>
+                  <a:ext uri="{FF2B5EF4-FFF2-40B4-BE49-F238E27FC236}">
+                    <a16:creationId xmlns:a16="http://schemas.microsoft.com/office/drawing/2014/main" id="{5E772087-4E78-4258-A408-835BCC0D723C}"/>
+                  </a:ext>
+                </a:extLst>
+              </p:cNvPr>
+              <p:cNvSpPr/>
+              <p:nvPr/>
+            </p:nvSpPr>
+            <p:spPr>
+              <a:xfrm>
+                <a:off x="3090673" y="1313688"/>
+                <a:ext cx="914400" cy="914400"/>
+              </a:xfrm>
+              <a:prstGeom prst="ellipse">
+                <a:avLst/>
+              </a:prstGeom>
+              <a:solidFill>
+                <a:schemeClr val="tx1"/>
+              </a:solidFill>
+              <a:ln>
+                <a:noFill/>
+              </a:ln>
+            </p:spPr>
+            <p:style>
+              <a:lnRef idx="2">
+                <a:schemeClr val="accent1">
+                  <a:shade val="50000"/>
+                </a:schemeClr>
+              </a:lnRef>
+              <a:fillRef idx="1">
+                <a:schemeClr val="accent1"/>
+              </a:fillRef>
+              <a:effectRef idx="0">
+                <a:schemeClr val="accent1"/>
+              </a:effectRef>
+              <a:fontRef idx="minor">
+                <a:schemeClr val="lt1"/>
+              </a:fontRef>
+            </p:style>
+            <p:txBody>
+              <a:bodyPr tIns="0" bIns="182880" rtlCol="0" anchor="ctr"/>
+              <a:lstStyle/>
+              <a:p>
+                <a:pPr lvl="0" algn="ctr"/>
+                <a14:m>
+                  <m:oMathPara xmlns:m="http://schemas.openxmlformats.org/officeDocument/2006/math">
+                    <m:oMathParaPr>
+                      <m:jc m:val="center"/>
+                    </m:oMathParaPr>
+                    <m:oMath xmlns:m="http://schemas.openxmlformats.org/officeDocument/2006/math">
+                      <m:r>
+                        <a:rPr lang="en-US" sz="4400" i="1" dirty="0" smtClean="0">
+                          <a:solidFill>
+                            <a:prstClr val="white"/>
+                          </a:solidFill>
+                          <a:latin typeface="Cambria Math" panose="02040503050406030204" pitchFamily="18" charset="0"/>
+                        </a:rPr>
+                        <m:t> </m:t>
+                      </m:r>
+                      <m:sSub>
+                        <m:sSubPr>
+                          <m:ctrlPr>
+                            <a:rPr lang="en-US" sz="4400" i="1" dirty="0">
+                              <a:solidFill>
+                                <a:prstClr val="white"/>
+                              </a:solidFill>
+                              <a:latin typeface="Cambria Math" panose="02040503050406030204" pitchFamily="18" charset="0"/>
+                            </a:rPr>
+                          </m:ctrlPr>
+                        </m:sSubPr>
+                        <m:e>
+                          <m:r>
+                            <a:rPr lang="en-US" sz="4400" b="0" i="1" dirty="0" smtClean="0">
+                              <a:solidFill>
+                                <a:prstClr val="white"/>
+                              </a:solidFill>
+                              <a:latin typeface="Cambria Math" panose="02040503050406030204" pitchFamily="18" charset="0"/>
+                            </a:rPr>
+                            <m:t>𝑔</m:t>
+                          </m:r>
+                        </m:e>
+                        <m:sub>
+                          <m:r>
+                            <a:rPr lang="en-US" sz="4400" b="0" i="1" dirty="0" smtClean="0">
+                              <a:solidFill>
+                                <a:prstClr val="white"/>
+                              </a:solidFill>
+                              <a:latin typeface="Cambria Math" panose="02040503050406030204" pitchFamily="18" charset="0"/>
+                            </a:rPr>
+                            <m:t>1</m:t>
+                          </m:r>
+                        </m:sub>
+                      </m:sSub>
+                    </m:oMath>
+                  </m:oMathPara>
+                </a14:m>
+                <a:endParaRPr lang="en-US" sz="4400" i="1" dirty="0">
+                  <a:solidFill>
+                    <a:prstClr val="white"/>
+                  </a:solidFill>
+                </a:endParaRPr>
+              </a:p>
+            </p:txBody>
+          </p:sp>
+        </mc:Choice>
+        <mc:Fallback>
+          <p:sp>
+            <p:nvSpPr>
+              <p:cNvPr id="3" name="Oval 2">
+                <a:extLst>
+                  <a:ext uri="{FF2B5EF4-FFF2-40B4-BE49-F238E27FC236}">
+                    <a16:creationId xmlns:a16="http://schemas.microsoft.com/office/drawing/2014/main" id="{5E772087-4E78-4258-A408-835BCC0D723C}"/>
+                  </a:ext>
+                </a:extLst>
+              </p:cNvPr>
+              <p:cNvSpPr>
+                <a:spLocks noRot="1" noChangeAspect="1" noMove="1" noResize="1" noEditPoints="1" noAdjustHandles="1" noChangeArrowheads="1" noChangeShapeType="1" noTextEdit="1"/>
+              </p:cNvSpPr>
+              <p:nvPr/>
+            </p:nvSpPr>
+            <p:spPr>
+              <a:xfrm>
+                <a:off x="3090673" y="1313688"/>
+                <a:ext cx="914400" cy="914400"/>
+              </a:xfrm>
+              <a:prstGeom prst="ellipse">
+                <a:avLst/>
+              </a:prstGeom>
+              <a:blipFill>
+                <a:blip r:embed="rId3"/>
+                <a:stretch>
+                  <a:fillRect/>
+                </a:stretch>
+              </a:blipFill>
+              <a:ln>
+                <a:noFill/>
+              </a:ln>
+            </p:spPr>
+            <p:txBody>
+              <a:bodyPr/>
+              <a:lstStyle/>
+              <a:p>
+                <a:r>
+                  <a:rPr lang="en-US">
+                    <a:noFill/>
+                  </a:rPr>
+                  <a:t> </a:t>
+                </a:r>
+              </a:p>
+            </p:txBody>
+          </p:sp>
+        </mc:Fallback>
+      </mc:AlternateContent>
+      <mc:AlternateContent xmlns:mc="http://schemas.openxmlformats.org/markup-compatibility/2006">
+        <mc:Choice xmlns:a14="http://schemas.microsoft.com/office/drawing/2010/main" Requires="a14">
+          <p:sp>
+            <p:nvSpPr>
+              <p:cNvPr id="5" name="Oval 4">
+                <a:extLst>
+                  <a:ext uri="{FF2B5EF4-FFF2-40B4-BE49-F238E27FC236}">
+                    <a16:creationId xmlns:a16="http://schemas.microsoft.com/office/drawing/2014/main" id="{EABAC050-7710-4476-AFD0-11DD73E1A43D}"/>
+                  </a:ext>
+                </a:extLst>
+              </p:cNvPr>
+              <p:cNvSpPr/>
+              <p:nvPr/>
+            </p:nvSpPr>
+            <p:spPr>
+              <a:xfrm>
+                <a:off x="3090673" y="4395216"/>
+                <a:ext cx="914400" cy="914400"/>
+              </a:xfrm>
+              <a:prstGeom prst="ellipse">
+                <a:avLst/>
+              </a:prstGeom>
+              <a:solidFill>
+                <a:schemeClr val="tx1"/>
+              </a:solidFill>
+              <a:ln>
+                <a:noFill/>
+              </a:ln>
+            </p:spPr>
+            <p:style>
+              <a:lnRef idx="2">
+                <a:schemeClr val="accent1">
+                  <a:shade val="50000"/>
+                </a:schemeClr>
+              </a:lnRef>
+              <a:fillRef idx="1">
+                <a:schemeClr val="accent1"/>
+              </a:fillRef>
+              <a:effectRef idx="0">
+                <a:schemeClr val="accent1"/>
+              </a:effectRef>
+              <a:fontRef idx="minor">
+                <a:schemeClr val="lt1"/>
+              </a:fontRef>
+            </p:style>
+            <p:txBody>
+              <a:bodyPr tIns="0" bIns="182880" rtlCol="0" anchor="ctr"/>
+              <a:lstStyle/>
+              <a:p>
+                <a:pPr lvl="0" algn="ctr"/>
+                <a14:m>
+                  <m:oMathPara xmlns:m="http://schemas.openxmlformats.org/officeDocument/2006/math">
+                    <m:oMathParaPr>
+                      <m:jc m:val="center"/>
+                    </m:oMathParaPr>
+                    <m:oMath xmlns:m="http://schemas.openxmlformats.org/officeDocument/2006/math">
+                      <m:r>
+                        <a:rPr lang="en-US" sz="4400" i="1" dirty="0" smtClean="0">
+                          <a:solidFill>
+                            <a:prstClr val="white"/>
+                          </a:solidFill>
+                          <a:latin typeface="Cambria Math" panose="02040503050406030204" pitchFamily="18" charset="0"/>
+                        </a:rPr>
+                        <m:t> </m:t>
+                      </m:r>
+                      <m:sSub>
+                        <m:sSubPr>
+                          <m:ctrlPr>
+                            <a:rPr lang="en-US" sz="4400" i="1" dirty="0">
+                              <a:solidFill>
+                                <a:prstClr val="white"/>
+                              </a:solidFill>
+                              <a:latin typeface="Cambria Math" panose="02040503050406030204" pitchFamily="18" charset="0"/>
+                            </a:rPr>
+                          </m:ctrlPr>
+                        </m:sSubPr>
+                        <m:e>
+                          <m:r>
+                            <a:rPr lang="en-US" sz="4400" b="0" i="1" dirty="0" smtClean="0">
+                              <a:solidFill>
+                                <a:prstClr val="white"/>
+                              </a:solidFill>
+                              <a:latin typeface="Cambria Math" panose="02040503050406030204" pitchFamily="18" charset="0"/>
+                            </a:rPr>
+                            <m:t>𝑔</m:t>
+                          </m:r>
+                        </m:e>
+                        <m:sub>
+                          <m:r>
+                            <a:rPr lang="en-US" sz="4400" b="0" i="1" dirty="0" smtClean="0">
+                              <a:solidFill>
+                                <a:prstClr val="white"/>
+                              </a:solidFill>
+                              <a:latin typeface="Cambria Math" panose="02040503050406030204" pitchFamily="18" charset="0"/>
+                            </a:rPr>
+                            <m:t>2</m:t>
+                          </m:r>
+                        </m:sub>
+                      </m:sSub>
+                    </m:oMath>
+                  </m:oMathPara>
+                </a14:m>
+                <a:endParaRPr lang="en-US" sz="4400" i="1" dirty="0">
+                  <a:solidFill>
+                    <a:prstClr val="white"/>
+                  </a:solidFill>
+                </a:endParaRPr>
+              </a:p>
+            </p:txBody>
+          </p:sp>
+        </mc:Choice>
+        <mc:Fallback>
+          <p:sp>
+            <p:nvSpPr>
+              <p:cNvPr id="5" name="Oval 4">
+                <a:extLst>
+                  <a:ext uri="{FF2B5EF4-FFF2-40B4-BE49-F238E27FC236}">
+                    <a16:creationId xmlns:a16="http://schemas.microsoft.com/office/drawing/2014/main" id="{EABAC050-7710-4476-AFD0-11DD73E1A43D}"/>
+                  </a:ext>
+                </a:extLst>
+              </p:cNvPr>
+              <p:cNvSpPr>
+                <a:spLocks noRot="1" noChangeAspect="1" noMove="1" noResize="1" noEditPoints="1" noAdjustHandles="1" noChangeArrowheads="1" noChangeShapeType="1" noTextEdit="1"/>
+              </p:cNvSpPr>
+              <p:nvPr/>
+            </p:nvSpPr>
+            <p:spPr>
+              <a:xfrm>
+                <a:off x="3090673" y="4395216"/>
+                <a:ext cx="914400" cy="914400"/>
+              </a:xfrm>
+              <a:prstGeom prst="ellipse">
+                <a:avLst/>
+              </a:prstGeom>
+              <a:blipFill>
+                <a:blip r:embed="rId4"/>
+                <a:stretch>
+                  <a:fillRect/>
+                </a:stretch>
+              </a:blipFill>
+              <a:ln>
+                <a:noFill/>
+              </a:ln>
+            </p:spPr>
+            <p:txBody>
+              <a:bodyPr/>
+              <a:lstStyle/>
+              <a:p>
+                <a:r>
+                  <a:rPr lang="en-US">
+                    <a:noFill/>
+                  </a:rPr>
+                  <a:t> </a:t>
+                </a:r>
+              </a:p>
+            </p:txBody>
+          </p:sp>
+        </mc:Fallback>
+      </mc:AlternateContent>
+      <mc:AlternateContent xmlns:mc="http://schemas.openxmlformats.org/markup-compatibility/2006">
+        <mc:Choice xmlns:a14="http://schemas.microsoft.com/office/drawing/2010/main" Requires="a14">
+          <p:sp>
+            <p:nvSpPr>
+              <p:cNvPr id="6" name="Oval 5">
+                <a:extLst>
+                  <a:ext uri="{FF2B5EF4-FFF2-40B4-BE49-F238E27FC236}">
+                    <a16:creationId xmlns:a16="http://schemas.microsoft.com/office/drawing/2014/main" id="{65BEA72C-CB78-459E-BC64-A1A9A730D7C4}"/>
+                  </a:ext>
+                </a:extLst>
+              </p:cNvPr>
+              <p:cNvSpPr/>
+              <p:nvPr/>
+            </p:nvSpPr>
+            <p:spPr>
+              <a:xfrm>
+                <a:off x="1392175" y="2886456"/>
+                <a:ext cx="914400" cy="914400"/>
+              </a:xfrm>
+              <a:prstGeom prst="ellipse">
+                <a:avLst/>
+              </a:prstGeom>
+              <a:solidFill>
+                <a:schemeClr val="tx1"/>
+              </a:solidFill>
+              <a:ln>
+                <a:noFill/>
+              </a:ln>
+            </p:spPr>
+            <p:style>
+              <a:lnRef idx="2">
+                <a:schemeClr val="accent1">
+                  <a:shade val="50000"/>
+                </a:schemeClr>
+              </a:lnRef>
+              <a:fillRef idx="1">
+                <a:schemeClr val="accent1"/>
+              </a:fillRef>
+              <a:effectRef idx="0">
+                <a:schemeClr val="accent1"/>
+              </a:effectRef>
+              <a:fontRef idx="minor">
+                <a:schemeClr val="lt1"/>
+              </a:fontRef>
+            </p:style>
+            <p:txBody>
+              <a:bodyPr tIns="0" bIns="182880" rtlCol="0" anchor="ctr"/>
+              <a:lstStyle/>
+              <a:p>
+                <a:pPr lvl="0" algn="ctr"/>
+                <a14:m>
+                  <m:oMathPara xmlns:m="http://schemas.openxmlformats.org/officeDocument/2006/math">
+                    <m:oMathParaPr>
+                      <m:jc m:val="center"/>
+                    </m:oMathParaPr>
+                    <m:oMath xmlns:m="http://schemas.openxmlformats.org/officeDocument/2006/math">
+                      <m:r>
+                        <a:rPr lang="en-US" sz="4400" i="1" dirty="0" smtClean="0">
+                          <a:solidFill>
+                            <a:prstClr val="white"/>
+                          </a:solidFill>
+                          <a:latin typeface="Cambria Math" panose="02040503050406030204" pitchFamily="18" charset="0"/>
+                        </a:rPr>
+                        <m:t> </m:t>
+                      </m:r>
+                      <m:sSub>
+                        <m:sSubPr>
+                          <m:ctrlPr>
+                            <a:rPr lang="en-US" sz="4400" i="1" dirty="0">
+                              <a:solidFill>
+                                <a:prstClr val="white"/>
+                              </a:solidFill>
+                              <a:latin typeface="Cambria Math" panose="02040503050406030204" pitchFamily="18" charset="0"/>
+                            </a:rPr>
+                          </m:ctrlPr>
+                        </m:sSubPr>
+                        <m:e>
+                          <m:r>
+                            <a:rPr lang="en-US" sz="4400" b="0" i="1" dirty="0" smtClean="0">
+                              <a:solidFill>
+                                <a:prstClr val="white"/>
+                              </a:solidFill>
+                              <a:latin typeface="Cambria Math" panose="02040503050406030204" pitchFamily="18" charset="0"/>
+                            </a:rPr>
+                            <m:t>𝑔</m:t>
+                          </m:r>
+                        </m:e>
+                        <m:sub>
+                          <m:r>
+                            <a:rPr lang="en-US" sz="4400" b="0" i="1" dirty="0" smtClean="0">
+                              <a:solidFill>
+                                <a:prstClr val="white"/>
+                              </a:solidFill>
+                              <a:latin typeface="Cambria Math" panose="02040503050406030204" pitchFamily="18" charset="0"/>
+                            </a:rPr>
+                            <m:t>3</m:t>
+                          </m:r>
+                        </m:sub>
+                      </m:sSub>
+                    </m:oMath>
+                  </m:oMathPara>
+                </a14:m>
+                <a:endParaRPr lang="en-US" sz="4400" i="1" dirty="0">
+                  <a:solidFill>
+                    <a:prstClr val="white"/>
+                  </a:solidFill>
+                </a:endParaRPr>
+              </a:p>
+            </p:txBody>
+          </p:sp>
+        </mc:Choice>
+        <mc:Fallback>
+          <p:sp>
+            <p:nvSpPr>
+              <p:cNvPr id="6" name="Oval 5">
+                <a:extLst>
+                  <a:ext uri="{FF2B5EF4-FFF2-40B4-BE49-F238E27FC236}">
+                    <a16:creationId xmlns:a16="http://schemas.microsoft.com/office/drawing/2014/main" id="{65BEA72C-CB78-459E-BC64-A1A9A730D7C4}"/>
+                  </a:ext>
+                </a:extLst>
+              </p:cNvPr>
+              <p:cNvSpPr>
+                <a:spLocks noRot="1" noChangeAspect="1" noMove="1" noResize="1" noEditPoints="1" noAdjustHandles="1" noChangeArrowheads="1" noChangeShapeType="1" noTextEdit="1"/>
+              </p:cNvSpPr>
+              <p:nvPr/>
+            </p:nvSpPr>
+            <p:spPr>
+              <a:xfrm>
+                <a:off x="1392175" y="2886456"/>
+                <a:ext cx="914400" cy="914400"/>
+              </a:xfrm>
+              <a:prstGeom prst="ellipse">
+                <a:avLst/>
+              </a:prstGeom>
+              <a:blipFill>
+                <a:blip r:embed="rId5"/>
+                <a:stretch>
+                  <a:fillRect/>
+                </a:stretch>
+              </a:blipFill>
+              <a:ln>
+                <a:noFill/>
+              </a:ln>
+            </p:spPr>
+            <p:txBody>
+              <a:bodyPr/>
+              <a:lstStyle/>
+              <a:p>
+                <a:r>
+                  <a:rPr lang="en-US">
+                    <a:noFill/>
+                  </a:rPr>
+                  <a:t> </a:t>
+                </a:r>
+              </a:p>
+            </p:txBody>
+          </p:sp>
+        </mc:Fallback>
+      </mc:AlternateContent>
+      <mc:AlternateContent xmlns:mc="http://schemas.openxmlformats.org/markup-compatibility/2006">
+        <mc:Choice xmlns:a14="http://schemas.microsoft.com/office/drawing/2010/main" Requires="a14">
+          <p:sp>
+            <p:nvSpPr>
+              <p:cNvPr id="7" name="Oval 6">
+                <a:extLst>
+                  <a:ext uri="{FF2B5EF4-FFF2-40B4-BE49-F238E27FC236}">
+                    <a16:creationId xmlns:a16="http://schemas.microsoft.com/office/drawing/2014/main" id="{B36FD3ED-4E2D-4EB2-AA11-EE9EBCDC5F95}"/>
+                  </a:ext>
+                </a:extLst>
+              </p:cNvPr>
+              <p:cNvSpPr/>
+              <p:nvPr/>
+            </p:nvSpPr>
+            <p:spPr>
+              <a:xfrm>
+                <a:off x="4661917" y="2886456"/>
+                <a:ext cx="914400" cy="914400"/>
+              </a:xfrm>
+              <a:prstGeom prst="ellipse">
+                <a:avLst/>
+              </a:prstGeom>
+              <a:solidFill>
+                <a:schemeClr val="tx1"/>
+              </a:solidFill>
+              <a:ln>
+                <a:noFill/>
+              </a:ln>
+            </p:spPr>
+            <p:style>
+              <a:lnRef idx="2">
+                <a:schemeClr val="accent1">
+                  <a:shade val="50000"/>
+                </a:schemeClr>
+              </a:lnRef>
+              <a:fillRef idx="1">
+                <a:schemeClr val="accent1"/>
+              </a:fillRef>
+              <a:effectRef idx="0">
+                <a:schemeClr val="accent1"/>
+              </a:effectRef>
+              <a:fontRef idx="minor">
+                <a:schemeClr val="lt1"/>
+              </a:fontRef>
+            </p:style>
+            <p:txBody>
+              <a:bodyPr tIns="0" bIns="182880" rtlCol="0" anchor="ctr"/>
+              <a:lstStyle/>
+              <a:p>
+                <a:pPr lvl="0" algn="ctr"/>
+                <a14:m>
+                  <m:oMathPara xmlns:m="http://schemas.openxmlformats.org/officeDocument/2006/math">
+                    <m:oMathParaPr>
+                      <m:jc m:val="center"/>
+                    </m:oMathParaPr>
+                    <m:oMath xmlns:m="http://schemas.openxmlformats.org/officeDocument/2006/math">
+                      <m:r>
+                        <a:rPr lang="en-US" sz="4400" i="1" dirty="0" smtClean="0">
+                          <a:solidFill>
+                            <a:prstClr val="white"/>
+                          </a:solidFill>
+                          <a:latin typeface="Cambria Math" panose="02040503050406030204" pitchFamily="18" charset="0"/>
+                        </a:rPr>
+                        <m:t> </m:t>
+                      </m:r>
+                      <m:sSub>
+                        <m:sSubPr>
+                          <m:ctrlPr>
+                            <a:rPr lang="en-US" sz="4400" i="1" dirty="0">
+                              <a:solidFill>
+                                <a:prstClr val="white"/>
+                              </a:solidFill>
+                              <a:latin typeface="Cambria Math" panose="02040503050406030204" pitchFamily="18" charset="0"/>
+                            </a:rPr>
+                          </m:ctrlPr>
+                        </m:sSubPr>
+                        <m:e>
+                          <m:r>
+                            <a:rPr lang="en-US" sz="4400" b="0" i="1" dirty="0" smtClean="0">
+                              <a:solidFill>
+                                <a:prstClr val="white"/>
+                              </a:solidFill>
+                              <a:latin typeface="Cambria Math" panose="02040503050406030204" pitchFamily="18" charset="0"/>
+                            </a:rPr>
+                            <m:t>𝑔</m:t>
+                          </m:r>
+                        </m:e>
+                        <m:sub>
+                          <m:r>
+                            <a:rPr lang="en-US" sz="4400" b="0" i="1" dirty="0" smtClean="0">
+                              <a:solidFill>
+                                <a:prstClr val="white"/>
+                              </a:solidFill>
+                              <a:latin typeface="Cambria Math" panose="02040503050406030204" pitchFamily="18" charset="0"/>
+                            </a:rPr>
+                            <m:t>4</m:t>
+                          </m:r>
+                        </m:sub>
+                      </m:sSub>
+                    </m:oMath>
+                  </m:oMathPara>
+                </a14:m>
+                <a:endParaRPr lang="en-US" sz="4400" i="1" dirty="0">
+                  <a:solidFill>
+                    <a:prstClr val="white"/>
+                  </a:solidFill>
+                </a:endParaRPr>
+              </a:p>
+            </p:txBody>
+          </p:sp>
+        </mc:Choice>
+        <mc:Fallback>
+          <p:sp>
+            <p:nvSpPr>
+              <p:cNvPr id="7" name="Oval 6">
+                <a:extLst>
+                  <a:ext uri="{FF2B5EF4-FFF2-40B4-BE49-F238E27FC236}">
+                    <a16:creationId xmlns:a16="http://schemas.microsoft.com/office/drawing/2014/main" id="{B36FD3ED-4E2D-4EB2-AA11-EE9EBCDC5F95}"/>
+                  </a:ext>
+                </a:extLst>
+              </p:cNvPr>
+              <p:cNvSpPr>
+                <a:spLocks noRot="1" noChangeAspect="1" noMove="1" noResize="1" noEditPoints="1" noAdjustHandles="1" noChangeArrowheads="1" noChangeShapeType="1" noTextEdit="1"/>
+              </p:cNvSpPr>
+              <p:nvPr/>
+            </p:nvSpPr>
+            <p:spPr>
+              <a:xfrm>
+                <a:off x="4661917" y="2886456"/>
+                <a:ext cx="914400" cy="914400"/>
+              </a:xfrm>
+              <a:prstGeom prst="ellipse">
+                <a:avLst/>
+              </a:prstGeom>
+              <a:blipFill>
+                <a:blip r:embed="rId6"/>
+                <a:stretch>
+                  <a:fillRect/>
+                </a:stretch>
+              </a:blipFill>
+              <a:ln>
+                <a:noFill/>
+              </a:ln>
+            </p:spPr>
+            <p:txBody>
+              <a:bodyPr/>
+              <a:lstStyle/>
+              <a:p>
+                <a:r>
+                  <a:rPr lang="en-US">
+                    <a:noFill/>
+                  </a:rPr>
+                  <a:t> </a:t>
+                </a:r>
+              </a:p>
+            </p:txBody>
+          </p:sp>
+        </mc:Fallback>
+      </mc:AlternateContent>
+      <mc:AlternateContent xmlns:mc="http://schemas.openxmlformats.org/markup-compatibility/2006">
+        <mc:Choice xmlns:a14="http://schemas.microsoft.com/office/drawing/2010/main" Requires="a14">
+          <p:graphicFrame>
+            <p:nvGraphicFramePr>
+              <p:cNvPr id="14" name="Table 14">
+                <a:extLst>
+                  <a:ext uri="{FF2B5EF4-FFF2-40B4-BE49-F238E27FC236}">
+                    <a16:creationId xmlns:a16="http://schemas.microsoft.com/office/drawing/2014/main" id="{B1606356-B2AB-46B7-B003-696801B42E99}"/>
+                  </a:ext>
+                </a:extLst>
+              </p:cNvPr>
+              <p:cNvGraphicFramePr>
+                <a:graphicFrameLocks noGrp="1"/>
+              </p:cNvGraphicFramePr>
+              <p:nvPr>
+                <p:extLst>
+                  <p:ext uri="{D42A27DB-BD31-4B8C-83A1-F6EECF244321}">
+                    <p14:modId xmlns:p14="http://schemas.microsoft.com/office/powerpoint/2010/main" val="2660670129"/>
+                  </p:ext>
+                </p:extLst>
+              </p:nvPr>
+            </p:nvGraphicFramePr>
+            <p:xfrm>
+              <a:off x="5965947" y="1949196"/>
+              <a:ext cx="3580387" cy="3017520"/>
+            </p:xfrm>
+            <a:graphic>
+              <a:graphicData uri="http://schemas.openxmlformats.org/drawingml/2006/table">
+                <a:tbl>
+                  <a:tblPr firstRow="1" bandRow="1">
+                    <a:tableStyleId>{5C22544A-7EE6-4342-B048-85BDC9FD1C3A}</a:tableStyleId>
+                  </a:tblPr>
+                  <a:tblGrid>
+                    <a:gridCol w="1112451">
+                      <a:extLst>
+                        <a:ext uri="{9D8B030D-6E8A-4147-A177-3AD203B41FA5}">
+                          <a16:colId xmlns:a16="http://schemas.microsoft.com/office/drawing/2014/main" val="2141986177"/>
+                        </a:ext>
+                      </a:extLst>
+                    </a:gridCol>
+                    <a:gridCol w="2467936">
+                      <a:extLst>
+                        <a:ext uri="{9D8B030D-6E8A-4147-A177-3AD203B41FA5}">
+                          <a16:colId xmlns:a16="http://schemas.microsoft.com/office/drawing/2014/main" val="3522591318"/>
+                        </a:ext>
+                      </a:extLst>
+                    </a:gridCol>
+                  </a:tblGrid>
+                  <a:tr h="0">
+                    <a:tc>
+                      <a:txBody>
+                        <a:bodyPr/>
+                        <a:lstStyle/>
+                        <a:p>
+                          <a:pPr algn="ctr"/>
+                          <a:r>
+                            <a:rPr lang="en-US" sz="2800" b="0" dirty="0">
+                              <a:solidFill>
+                                <a:schemeClr val="tx1"/>
+                              </a:solidFill>
+                            </a:rPr>
+                            <a:t>Target</a:t>
+                          </a:r>
+                        </a:p>
+                        <a:p>
+                          <a:pPr algn="ctr"/>
+                          <a:r>
+                            <a:rPr lang="en-US" sz="2800" b="0" dirty="0">
+                              <a:solidFill>
+                                <a:schemeClr val="tx1"/>
+                              </a:solidFill>
+                            </a:rPr>
+                            <a:t>(</a:t>
+                          </a:r>
+                          <a14:m>
+                            <m:oMath xmlns:m="http://schemas.openxmlformats.org/officeDocument/2006/math">
+                              <m:sSub>
+                                <m:sSubPr>
+                                  <m:ctrlPr>
+                                    <a:rPr lang="en-US" sz="2800" i="1" smtClean="0">
+                                      <a:solidFill>
+                                        <a:schemeClr val="tx1"/>
+                                      </a:solidFill>
+                                      <a:latin typeface="Cambria Math" panose="02040503050406030204" pitchFamily="18" charset="0"/>
+                                    </a:rPr>
+                                  </m:ctrlPr>
+                                </m:sSubPr>
+                                <m:e>
+                                  <m:r>
+                                    <a:rPr lang="en-US" sz="2800" b="0" i="1" smtClean="0">
+                                      <a:solidFill>
+                                        <a:schemeClr val="tx1"/>
+                                      </a:solidFill>
+                                      <a:latin typeface="Cambria Math" panose="02040503050406030204" pitchFamily="18" charset="0"/>
+                                    </a:rPr>
+                                    <m:t>𝑔</m:t>
+                                  </m:r>
+                                </m:e>
+                                <m:sub>
+                                  <m:r>
+                                    <a:rPr lang="en-US" sz="2800" b="0" i="1" smtClean="0">
+                                      <a:solidFill>
+                                        <a:schemeClr val="tx1"/>
+                                      </a:solidFill>
+                                      <a:latin typeface="Cambria Math" panose="02040503050406030204" pitchFamily="18" charset="0"/>
+                                    </a:rPr>
+                                    <m:t>𝑠</m:t>
+                                  </m:r>
+                                </m:sub>
+                              </m:sSub>
+                            </m:oMath>
+                          </a14:m>
+                          <a:r>
+                            <a:rPr lang="en-US" sz="2800" b="0" dirty="0">
+                              <a:solidFill>
+                                <a:schemeClr val="tx1"/>
+                              </a:solidFill>
+                            </a:rPr>
+                            <a:t>)</a:t>
+                          </a:r>
+                        </a:p>
+                      </a:txBody>
+                      <a:tcPr>
+                        <a:lnL w="12700" cap="flat" cmpd="sng" algn="ctr">
+                          <a:solidFill>
+                            <a:schemeClr val="tx1"/>
+                          </a:solidFill>
+                          <a:prstDash val="solid"/>
+                          <a:round/>
+                          <a:headEnd type="none" w="med" len="med"/>
+                          <a:tailEnd type="none" w="med" len="med"/>
+                        </a:lnL>
+                        <a:lnR w="12700" cap="flat" cmpd="sng" algn="ctr">
+                          <a:solidFill>
+                            <a:schemeClr val="tx1"/>
+                          </a:solidFill>
+                          <a:prstDash val="solid"/>
+                          <a:round/>
+                          <a:headEnd type="none" w="med" len="med"/>
+                          <a:tailEnd type="none" w="med" len="med"/>
+                        </a:lnR>
+                        <a:lnT w="12700" cap="flat" cmpd="sng" algn="ctr">
+                          <a:solidFill>
+                            <a:schemeClr val="tx1"/>
+                          </a:solidFill>
+                          <a:prstDash val="solid"/>
+                          <a:round/>
+                          <a:headEnd type="none" w="med" len="med"/>
+                          <a:tailEnd type="none" w="med" len="med"/>
+                        </a:lnT>
+                        <a:lnB w="12700" cap="flat" cmpd="sng" algn="ctr">
+                          <a:solidFill>
+                            <a:schemeClr val="tx1"/>
+                          </a:solidFill>
+                          <a:prstDash val="solid"/>
+                          <a:round/>
+                          <a:headEnd type="none" w="med" len="med"/>
+                          <a:tailEnd type="none" w="med" len="med"/>
+                        </a:lnB>
+                        <a:solidFill>
+                          <a:schemeClr val="bg1"/>
+                        </a:solidFill>
+                      </a:tcPr>
+                    </a:tc>
+                    <a:tc>
+                      <a:txBody>
+                        <a:bodyPr/>
+                        <a:lstStyle/>
+                        <a:p>
+                          <a:pPr algn="ctr"/>
+                          <a:r>
+                            <a:rPr lang="en-US" sz="2800" b="0" dirty="0">
+                              <a:solidFill>
+                                <a:schemeClr val="tx1"/>
+                              </a:solidFill>
+                            </a:rPr>
+                            <a:t>Social Support</a:t>
+                          </a:r>
+                        </a:p>
+                        <a:p>
+                          <a:pPr algn="ctr"/>
+                          <a:r>
+                            <a:rPr lang="en-US" sz="2800" b="0" dirty="0">
+                              <a:solidFill>
+                                <a:schemeClr val="tx1"/>
+                              </a:solidFill>
+                            </a:rPr>
+                            <a:t>Score (</a:t>
+                          </a:r>
+                          <a14:m>
+                            <m:oMath xmlns:m="http://schemas.openxmlformats.org/officeDocument/2006/math">
+                              <m:sSub>
+                                <m:sSubPr>
+                                  <m:ctrlPr>
+                                    <a:rPr lang="en-US" sz="2800" i="1" smtClean="0">
+                                      <a:solidFill>
+                                        <a:schemeClr val="tx1"/>
+                                      </a:solidFill>
+                                      <a:latin typeface="Cambria Math" panose="02040503050406030204" pitchFamily="18" charset="0"/>
+                                    </a:rPr>
+                                  </m:ctrlPr>
+                                </m:sSubPr>
+                                <m:e>
+                                  <m:r>
+                                    <a:rPr lang="en-US" sz="2800" b="0" i="1" smtClean="0">
+                                      <a:solidFill>
+                                        <a:schemeClr val="tx1"/>
+                                      </a:solidFill>
+                                      <a:latin typeface="Cambria Math" panose="02040503050406030204" pitchFamily="18" charset="0"/>
+                                    </a:rPr>
+                                    <m:t>𝑢</m:t>
+                                  </m:r>
+                                </m:e>
+                                <m:sub>
+                                  <m:r>
+                                    <a:rPr lang="en-US" sz="2800" b="0" i="1" smtClean="0">
+                                      <a:solidFill>
+                                        <a:schemeClr val="tx1"/>
+                                      </a:solidFill>
+                                      <a:latin typeface="Cambria Math" panose="02040503050406030204" pitchFamily="18" charset="0"/>
+                                    </a:rPr>
+                                    <m:t>𝑠</m:t>
+                                  </m:r>
+                                </m:sub>
+                              </m:sSub>
+                            </m:oMath>
+                          </a14:m>
+                          <a:r>
+                            <a:rPr lang="en-US" sz="2800" b="0" dirty="0">
+                              <a:solidFill>
+                                <a:schemeClr val="tx1"/>
+                              </a:solidFill>
+                            </a:rPr>
+                            <a:t>)</a:t>
+                          </a:r>
+                        </a:p>
+                      </a:txBody>
+                      <a:tcPr>
+                        <a:lnL w="12700" cap="flat" cmpd="sng" algn="ctr">
+                          <a:solidFill>
+                            <a:schemeClr val="tx1"/>
+                          </a:solidFill>
+                          <a:prstDash val="solid"/>
+                          <a:round/>
+                          <a:headEnd type="none" w="med" len="med"/>
+                          <a:tailEnd type="none" w="med" len="med"/>
+                        </a:lnL>
+                        <a:lnR w="12700" cap="flat" cmpd="sng" algn="ctr">
+                          <a:solidFill>
+                            <a:schemeClr val="tx1"/>
+                          </a:solidFill>
+                          <a:prstDash val="solid"/>
+                          <a:round/>
+                          <a:headEnd type="none" w="med" len="med"/>
+                          <a:tailEnd type="none" w="med" len="med"/>
+                        </a:lnR>
+                        <a:lnT w="12700" cap="flat" cmpd="sng" algn="ctr">
+                          <a:solidFill>
+                            <a:schemeClr val="tx1"/>
+                          </a:solidFill>
+                          <a:prstDash val="solid"/>
+                          <a:round/>
+                          <a:headEnd type="none" w="med" len="med"/>
+                          <a:tailEnd type="none" w="med" len="med"/>
+                        </a:lnT>
+                        <a:lnB w="12700" cap="flat" cmpd="sng" algn="ctr">
+                          <a:solidFill>
+                            <a:schemeClr val="tx1"/>
+                          </a:solidFill>
+                          <a:prstDash val="solid"/>
+                          <a:round/>
+                          <a:headEnd type="none" w="med" len="med"/>
+                          <a:tailEnd type="none" w="med" len="med"/>
+                        </a:lnB>
+                        <a:solidFill>
+                          <a:schemeClr val="bg1"/>
+                        </a:solidFill>
+                      </a:tcPr>
+                    </a:tc>
+                    <a:extLst>
+                      <a:ext uri="{0D108BD9-81ED-4DB2-BD59-A6C34878D82A}">
+                        <a16:rowId xmlns:a16="http://schemas.microsoft.com/office/drawing/2014/main" val="815555954"/>
+                      </a:ext>
+                    </a:extLst>
+                  </a:tr>
+                  <a:tr h="370840">
+                    <a:tc>
+                      <a:txBody>
+                        <a:bodyPr/>
+                        <a:lstStyle/>
+                        <a:p>
+                          <a:pPr/>
+                          <a14:m>
+                            <m:oMathPara xmlns:m="http://schemas.openxmlformats.org/officeDocument/2006/math">
+                              <m:oMathParaPr>
+                                <m:jc m:val="centerGroup"/>
+                              </m:oMathParaPr>
+                              <m:oMath xmlns:m="http://schemas.openxmlformats.org/officeDocument/2006/math">
+                                <m:sSub>
+                                  <m:sSubPr>
+                                    <m:ctrlPr>
+                                      <a:rPr lang="en-US" sz="2800" i="1" smtClean="0">
+                                        <a:solidFill>
+                                          <a:schemeClr val="tx1"/>
+                                        </a:solidFill>
+                                        <a:latin typeface="Cambria Math" panose="02040503050406030204" pitchFamily="18" charset="0"/>
+                                      </a:rPr>
+                                    </m:ctrlPr>
+                                  </m:sSubPr>
+                                  <m:e>
+                                    <m:r>
+                                      <a:rPr lang="en-US" sz="2800" b="0" i="1" smtClean="0">
+                                        <a:solidFill>
+                                          <a:schemeClr val="tx1"/>
+                                        </a:solidFill>
+                                        <a:latin typeface="Cambria Math" panose="02040503050406030204" pitchFamily="18" charset="0"/>
+                                      </a:rPr>
+                                      <m:t>𝑔</m:t>
+                                    </m:r>
+                                  </m:e>
+                                  <m:sub>
+                                    <m:r>
+                                      <a:rPr lang="en-US" sz="2800" b="0" i="1" smtClean="0">
+                                        <a:solidFill>
+                                          <a:schemeClr val="tx1"/>
+                                        </a:solidFill>
+                                        <a:latin typeface="Cambria Math" panose="02040503050406030204" pitchFamily="18" charset="0"/>
+                                      </a:rPr>
+                                      <m:t>1</m:t>
+                                    </m:r>
+                                  </m:sub>
+                                </m:sSub>
+                              </m:oMath>
+                            </m:oMathPara>
+                          </a14:m>
+                          <a:endParaRPr lang="en-US" sz="2800" dirty="0">
+                            <a:solidFill>
+                              <a:schemeClr val="tx1"/>
+                            </a:solidFill>
+                          </a:endParaRPr>
+                        </a:p>
+                      </a:txBody>
+                      <a:tcPr>
+                        <a:lnL w="12700" cap="flat" cmpd="sng" algn="ctr">
+                          <a:solidFill>
+                            <a:schemeClr val="tx1"/>
+                          </a:solidFill>
+                          <a:prstDash val="solid"/>
+                          <a:round/>
+                          <a:headEnd type="none" w="med" len="med"/>
+                          <a:tailEnd type="none" w="med" len="med"/>
+                        </a:lnL>
+                        <a:lnR w="12700" cap="flat" cmpd="sng" algn="ctr">
+                          <a:solidFill>
+                            <a:schemeClr val="tx1"/>
+                          </a:solidFill>
+                          <a:prstDash val="solid"/>
+                          <a:round/>
+                          <a:headEnd type="none" w="med" len="med"/>
+                          <a:tailEnd type="none" w="med" len="med"/>
+                        </a:lnR>
+                        <a:lnT w="12700" cap="flat" cmpd="sng" algn="ctr">
+                          <a:solidFill>
+                            <a:schemeClr val="tx1"/>
+                          </a:solidFill>
+                          <a:prstDash val="solid"/>
+                          <a:round/>
+                          <a:headEnd type="none" w="med" len="med"/>
+                          <a:tailEnd type="none" w="med" len="med"/>
+                        </a:lnT>
+                        <a:lnB w="12700" cap="flat" cmpd="sng" algn="ctr">
+                          <a:solidFill>
+                            <a:schemeClr val="tx1"/>
+                          </a:solidFill>
+                          <a:prstDash val="solid"/>
+                          <a:round/>
+                          <a:headEnd type="none" w="med" len="med"/>
+                          <a:tailEnd type="none" w="med" len="med"/>
+                        </a:lnB>
+                        <a:solidFill>
+                          <a:schemeClr val="bg1"/>
+                        </a:solidFill>
+                      </a:tcPr>
+                    </a:tc>
+                    <a:tc>
+                      <a:txBody>
+                        <a:bodyPr/>
+                        <a:lstStyle/>
+                        <a:p>
+                          <a:pPr algn="ctr"/>
+                          <a:r>
+                            <a:rPr lang="en-US" sz="2800" dirty="0">
+                              <a:solidFill>
+                                <a:schemeClr val="tx1"/>
+                              </a:solidFill>
+                            </a:rPr>
+                            <a:t>21</a:t>
+                          </a:r>
+                        </a:p>
+                      </a:txBody>
+                      <a:tcPr>
+                        <a:lnL w="12700" cap="flat" cmpd="sng" algn="ctr">
+                          <a:solidFill>
+                            <a:schemeClr val="tx1"/>
+                          </a:solidFill>
+                          <a:prstDash val="solid"/>
+                          <a:round/>
+                          <a:headEnd type="none" w="med" len="med"/>
+                          <a:tailEnd type="none" w="med" len="med"/>
+                        </a:lnL>
+                        <a:lnR w="12700" cap="flat" cmpd="sng" algn="ctr">
+                          <a:solidFill>
+                            <a:schemeClr val="tx1"/>
+                          </a:solidFill>
+                          <a:prstDash val="solid"/>
+                          <a:round/>
+                          <a:headEnd type="none" w="med" len="med"/>
+                          <a:tailEnd type="none" w="med" len="med"/>
+                        </a:lnR>
+                        <a:lnT w="12700" cap="flat" cmpd="sng" algn="ctr">
+                          <a:solidFill>
+                            <a:schemeClr val="tx1"/>
+                          </a:solidFill>
+                          <a:prstDash val="solid"/>
+                          <a:round/>
+                          <a:headEnd type="none" w="med" len="med"/>
+                          <a:tailEnd type="none" w="med" len="med"/>
+                        </a:lnT>
+                        <a:lnB w="12700" cap="flat" cmpd="sng" algn="ctr">
+                          <a:solidFill>
+                            <a:schemeClr val="tx1"/>
+                          </a:solidFill>
+                          <a:prstDash val="solid"/>
+                          <a:round/>
+                          <a:headEnd type="none" w="med" len="med"/>
+                          <a:tailEnd type="none" w="med" len="med"/>
+                        </a:lnB>
+                        <a:solidFill>
+                          <a:schemeClr val="bg1"/>
+                        </a:solidFill>
+                      </a:tcPr>
+                    </a:tc>
+                    <a:extLst>
+                      <a:ext uri="{0D108BD9-81ED-4DB2-BD59-A6C34878D82A}">
+                        <a16:rowId xmlns:a16="http://schemas.microsoft.com/office/drawing/2014/main" val="104953746"/>
+                      </a:ext>
+                    </a:extLst>
+                  </a:tr>
+                  <a:tr h="370840">
+                    <a:tc>
+                      <a:txBody>
+                        <a:bodyPr/>
+                        <a:lstStyle/>
+                        <a:p>
+                          <a:pPr/>
+                          <a14:m>
+                            <m:oMathPara xmlns:m="http://schemas.openxmlformats.org/officeDocument/2006/math">
+                              <m:oMathParaPr>
+                                <m:jc m:val="centerGroup"/>
+                              </m:oMathParaPr>
+                              <m:oMath xmlns:m="http://schemas.openxmlformats.org/officeDocument/2006/math">
+                                <m:sSub>
+                                  <m:sSubPr>
+                                    <m:ctrlPr>
+                                      <a:rPr lang="en-US" sz="2800" i="1" smtClean="0">
+                                        <a:solidFill>
+                                          <a:schemeClr val="tx1"/>
+                                        </a:solidFill>
+                                        <a:latin typeface="Cambria Math" panose="02040503050406030204" pitchFamily="18" charset="0"/>
+                                      </a:rPr>
+                                    </m:ctrlPr>
+                                  </m:sSubPr>
+                                  <m:e>
+                                    <m:r>
+                                      <a:rPr lang="en-US" sz="2800" b="0" i="1" smtClean="0">
+                                        <a:solidFill>
+                                          <a:schemeClr val="tx1"/>
+                                        </a:solidFill>
+                                        <a:latin typeface="Cambria Math" panose="02040503050406030204" pitchFamily="18" charset="0"/>
+                                      </a:rPr>
+                                      <m:t>𝑔</m:t>
+                                    </m:r>
+                                  </m:e>
+                                  <m:sub>
+                                    <m:r>
+                                      <a:rPr lang="en-US" sz="2800" b="0" i="1" smtClean="0">
+                                        <a:solidFill>
+                                          <a:schemeClr val="tx1"/>
+                                        </a:solidFill>
+                                        <a:latin typeface="Cambria Math" panose="02040503050406030204" pitchFamily="18" charset="0"/>
+                                      </a:rPr>
+                                      <m:t>2</m:t>
+                                    </m:r>
+                                  </m:sub>
+                                </m:sSub>
+                              </m:oMath>
+                            </m:oMathPara>
+                          </a14:m>
+                          <a:endParaRPr lang="en-US" sz="2800" dirty="0">
+                            <a:solidFill>
+                              <a:schemeClr val="tx1"/>
+                            </a:solidFill>
+                          </a:endParaRPr>
+                        </a:p>
+                      </a:txBody>
+                      <a:tcPr>
+                        <a:lnL w="12700" cap="flat" cmpd="sng" algn="ctr">
+                          <a:solidFill>
+                            <a:schemeClr val="tx1"/>
+                          </a:solidFill>
+                          <a:prstDash val="solid"/>
+                          <a:round/>
+                          <a:headEnd type="none" w="med" len="med"/>
+                          <a:tailEnd type="none" w="med" len="med"/>
+                        </a:lnL>
+                        <a:lnR w="12700" cap="flat" cmpd="sng" algn="ctr">
+                          <a:solidFill>
+                            <a:schemeClr val="tx1"/>
+                          </a:solidFill>
+                          <a:prstDash val="solid"/>
+                          <a:round/>
+                          <a:headEnd type="none" w="med" len="med"/>
+                          <a:tailEnd type="none" w="med" len="med"/>
+                        </a:lnR>
+                        <a:lnT w="12700" cap="flat" cmpd="sng" algn="ctr">
+                          <a:solidFill>
+                            <a:schemeClr val="tx1"/>
+                          </a:solidFill>
+                          <a:prstDash val="solid"/>
+                          <a:round/>
+                          <a:headEnd type="none" w="med" len="med"/>
+                          <a:tailEnd type="none" w="med" len="med"/>
+                        </a:lnT>
+                        <a:lnB w="12700" cap="flat" cmpd="sng" algn="ctr">
+                          <a:solidFill>
+                            <a:schemeClr val="tx1"/>
+                          </a:solidFill>
+                          <a:prstDash val="solid"/>
+                          <a:round/>
+                          <a:headEnd type="none" w="med" len="med"/>
+                          <a:tailEnd type="none" w="med" len="med"/>
+                        </a:lnB>
+                        <a:solidFill>
+                          <a:schemeClr val="bg1"/>
+                        </a:solidFill>
+                      </a:tcPr>
+                    </a:tc>
+                    <a:tc>
+                      <a:txBody>
+                        <a:bodyPr/>
+                        <a:lstStyle/>
+                        <a:p>
+                          <a:pPr algn="ctr"/>
+                          <a:r>
+                            <a:rPr lang="en-US" sz="2800" dirty="0">
+                              <a:solidFill>
+                                <a:schemeClr val="tx1"/>
+                              </a:solidFill>
+                            </a:rPr>
+                            <a:t>17</a:t>
+                          </a:r>
+                        </a:p>
+                      </a:txBody>
+                      <a:tcPr>
+                        <a:lnL w="12700" cap="flat" cmpd="sng" algn="ctr">
+                          <a:solidFill>
+                            <a:schemeClr val="tx1"/>
+                          </a:solidFill>
+                          <a:prstDash val="solid"/>
+                          <a:round/>
+                          <a:headEnd type="none" w="med" len="med"/>
+                          <a:tailEnd type="none" w="med" len="med"/>
+                        </a:lnL>
+                        <a:lnR w="12700" cap="flat" cmpd="sng" algn="ctr">
+                          <a:solidFill>
+                            <a:schemeClr val="tx1"/>
+                          </a:solidFill>
+                          <a:prstDash val="solid"/>
+                          <a:round/>
+                          <a:headEnd type="none" w="med" len="med"/>
+                          <a:tailEnd type="none" w="med" len="med"/>
+                        </a:lnR>
+                        <a:lnT w="12700" cap="flat" cmpd="sng" algn="ctr">
+                          <a:solidFill>
+                            <a:schemeClr val="tx1"/>
+                          </a:solidFill>
+                          <a:prstDash val="solid"/>
+                          <a:round/>
+                          <a:headEnd type="none" w="med" len="med"/>
+                          <a:tailEnd type="none" w="med" len="med"/>
+                        </a:lnT>
+                        <a:lnB w="12700" cap="flat" cmpd="sng" algn="ctr">
+                          <a:solidFill>
+                            <a:schemeClr val="tx1"/>
+                          </a:solidFill>
+                          <a:prstDash val="solid"/>
+                          <a:round/>
+                          <a:headEnd type="none" w="med" len="med"/>
+                          <a:tailEnd type="none" w="med" len="med"/>
+                        </a:lnB>
+                        <a:solidFill>
+                          <a:schemeClr val="bg1"/>
+                        </a:solidFill>
+                      </a:tcPr>
+                    </a:tc>
+                    <a:extLst>
+                      <a:ext uri="{0D108BD9-81ED-4DB2-BD59-A6C34878D82A}">
+                        <a16:rowId xmlns:a16="http://schemas.microsoft.com/office/drawing/2014/main" val="284518073"/>
+                      </a:ext>
+                    </a:extLst>
+                  </a:tr>
+                  <a:tr h="370840">
+                    <a:tc>
+                      <a:txBody>
+                        <a:bodyPr/>
+                        <a:lstStyle/>
+                        <a:p>
+                          <a:pPr/>
+                          <a14:m>
+                            <m:oMathPara xmlns:m="http://schemas.openxmlformats.org/officeDocument/2006/math">
+                              <m:oMathParaPr>
+                                <m:jc m:val="centerGroup"/>
+                              </m:oMathParaPr>
+                              <m:oMath xmlns:m="http://schemas.openxmlformats.org/officeDocument/2006/math">
+                                <m:sSub>
+                                  <m:sSubPr>
+                                    <m:ctrlPr>
+                                      <a:rPr lang="en-US" sz="2800" i="1" smtClean="0">
+                                        <a:solidFill>
+                                          <a:schemeClr val="tx1"/>
+                                        </a:solidFill>
+                                        <a:latin typeface="Cambria Math" panose="02040503050406030204" pitchFamily="18" charset="0"/>
+                                      </a:rPr>
+                                    </m:ctrlPr>
+                                  </m:sSubPr>
+                                  <m:e>
+                                    <m:r>
+                                      <a:rPr lang="en-US" sz="2800" b="0" i="1" smtClean="0">
+                                        <a:solidFill>
+                                          <a:schemeClr val="tx1"/>
+                                        </a:solidFill>
+                                        <a:latin typeface="Cambria Math" panose="02040503050406030204" pitchFamily="18" charset="0"/>
+                                      </a:rPr>
+                                      <m:t>𝑔</m:t>
+                                    </m:r>
+                                  </m:e>
+                                  <m:sub>
+                                    <m:r>
+                                      <a:rPr lang="en-US" sz="2800" b="0" i="1" smtClean="0">
+                                        <a:solidFill>
+                                          <a:schemeClr val="tx1"/>
+                                        </a:solidFill>
+                                        <a:latin typeface="Cambria Math" panose="02040503050406030204" pitchFamily="18" charset="0"/>
+                                      </a:rPr>
+                                      <m:t>3</m:t>
+                                    </m:r>
+                                  </m:sub>
+                                </m:sSub>
+                              </m:oMath>
+                            </m:oMathPara>
+                          </a14:m>
+                          <a:endParaRPr lang="en-US" sz="2800" dirty="0">
+                            <a:solidFill>
+                              <a:schemeClr val="tx1"/>
+                            </a:solidFill>
+                          </a:endParaRPr>
+                        </a:p>
+                      </a:txBody>
+                      <a:tcPr>
+                        <a:lnL w="12700" cap="flat" cmpd="sng" algn="ctr">
+                          <a:solidFill>
+                            <a:schemeClr val="tx1"/>
+                          </a:solidFill>
+                          <a:prstDash val="solid"/>
+                          <a:round/>
+                          <a:headEnd type="none" w="med" len="med"/>
+                          <a:tailEnd type="none" w="med" len="med"/>
+                        </a:lnL>
+                        <a:lnR w="12700" cap="flat" cmpd="sng" algn="ctr">
+                          <a:solidFill>
+                            <a:schemeClr val="tx1"/>
+                          </a:solidFill>
+                          <a:prstDash val="solid"/>
+                          <a:round/>
+                          <a:headEnd type="none" w="med" len="med"/>
+                          <a:tailEnd type="none" w="med" len="med"/>
+                        </a:lnR>
+                        <a:lnT w="12700" cap="flat" cmpd="sng" algn="ctr">
+                          <a:solidFill>
+                            <a:schemeClr val="tx1"/>
+                          </a:solidFill>
+                          <a:prstDash val="solid"/>
+                          <a:round/>
+                          <a:headEnd type="none" w="med" len="med"/>
+                          <a:tailEnd type="none" w="med" len="med"/>
+                        </a:lnT>
+                        <a:lnB w="12700" cap="flat" cmpd="sng" algn="ctr">
+                          <a:solidFill>
+                            <a:schemeClr val="tx1"/>
+                          </a:solidFill>
+                          <a:prstDash val="solid"/>
+                          <a:round/>
+                          <a:headEnd type="none" w="med" len="med"/>
+                          <a:tailEnd type="none" w="med" len="med"/>
+                        </a:lnB>
+                        <a:solidFill>
+                          <a:schemeClr val="bg1"/>
+                        </a:solidFill>
+                      </a:tcPr>
+                    </a:tc>
+                    <a:tc>
+                      <a:txBody>
+                        <a:bodyPr/>
+                        <a:lstStyle/>
+                        <a:p>
+                          <a:pPr algn="ctr"/>
+                          <a:r>
+                            <a:rPr lang="en-US" sz="2800" dirty="0">
+                              <a:solidFill>
+                                <a:schemeClr val="tx1"/>
+                              </a:solidFill>
+                            </a:rPr>
+                            <a:t>10</a:t>
+                          </a:r>
+                        </a:p>
+                      </a:txBody>
+                      <a:tcPr>
+                        <a:lnL w="12700" cap="flat" cmpd="sng" algn="ctr">
+                          <a:solidFill>
+                            <a:schemeClr val="tx1"/>
+                          </a:solidFill>
+                          <a:prstDash val="solid"/>
+                          <a:round/>
+                          <a:headEnd type="none" w="med" len="med"/>
+                          <a:tailEnd type="none" w="med" len="med"/>
+                        </a:lnL>
+                        <a:lnR w="12700" cap="flat" cmpd="sng" algn="ctr">
+                          <a:solidFill>
+                            <a:schemeClr val="tx1"/>
+                          </a:solidFill>
+                          <a:prstDash val="solid"/>
+                          <a:round/>
+                          <a:headEnd type="none" w="med" len="med"/>
+                          <a:tailEnd type="none" w="med" len="med"/>
+                        </a:lnR>
+                        <a:lnT w="12700" cap="flat" cmpd="sng" algn="ctr">
+                          <a:solidFill>
+                            <a:schemeClr val="tx1"/>
+                          </a:solidFill>
+                          <a:prstDash val="solid"/>
+                          <a:round/>
+                          <a:headEnd type="none" w="med" len="med"/>
+                          <a:tailEnd type="none" w="med" len="med"/>
+                        </a:lnT>
+                        <a:lnB w="12700" cap="flat" cmpd="sng" algn="ctr">
+                          <a:solidFill>
+                            <a:schemeClr val="tx1"/>
+                          </a:solidFill>
+                          <a:prstDash val="solid"/>
+                          <a:round/>
+                          <a:headEnd type="none" w="med" len="med"/>
+                          <a:tailEnd type="none" w="med" len="med"/>
+                        </a:lnB>
+                        <a:solidFill>
+                          <a:schemeClr val="bg1"/>
+                        </a:solidFill>
+                      </a:tcPr>
+                    </a:tc>
+                    <a:extLst>
+                      <a:ext uri="{0D108BD9-81ED-4DB2-BD59-A6C34878D82A}">
+                        <a16:rowId xmlns:a16="http://schemas.microsoft.com/office/drawing/2014/main" val="1020542588"/>
+                      </a:ext>
+                    </a:extLst>
+                  </a:tr>
+                  <a:tr h="180340">
+                    <a:tc>
+                      <a:txBody>
+                        <a:bodyPr/>
+                        <a:lstStyle/>
+                        <a:p>
+                          <a:pPr/>
+                          <a14:m>
+                            <m:oMathPara xmlns:m="http://schemas.openxmlformats.org/officeDocument/2006/math">
+                              <m:oMathParaPr>
+                                <m:jc m:val="centerGroup"/>
+                              </m:oMathParaPr>
+                              <m:oMath xmlns:m="http://schemas.openxmlformats.org/officeDocument/2006/math">
+                                <m:sSub>
+                                  <m:sSubPr>
+                                    <m:ctrlPr>
+                                      <a:rPr lang="en-US" sz="2800" i="1" smtClean="0">
+                                        <a:solidFill>
+                                          <a:schemeClr val="tx1"/>
+                                        </a:solidFill>
+                                        <a:latin typeface="Cambria Math" panose="02040503050406030204" pitchFamily="18" charset="0"/>
+                                      </a:rPr>
+                                    </m:ctrlPr>
+                                  </m:sSubPr>
+                                  <m:e>
+                                    <m:r>
+                                      <a:rPr lang="en-US" sz="2800" b="0" i="1" smtClean="0">
+                                        <a:solidFill>
+                                          <a:schemeClr val="tx1"/>
+                                        </a:solidFill>
+                                        <a:latin typeface="Cambria Math" panose="02040503050406030204" pitchFamily="18" charset="0"/>
+                                      </a:rPr>
+                                      <m:t>𝑔</m:t>
+                                    </m:r>
+                                  </m:e>
+                                  <m:sub>
+                                    <m:r>
+                                      <a:rPr lang="en-US" sz="2800" b="0" i="1" smtClean="0">
+                                        <a:solidFill>
+                                          <a:schemeClr val="tx1"/>
+                                        </a:solidFill>
+                                        <a:latin typeface="Cambria Math" panose="02040503050406030204" pitchFamily="18" charset="0"/>
+                                      </a:rPr>
+                                      <m:t>4</m:t>
+                                    </m:r>
+                                  </m:sub>
+                                </m:sSub>
+                              </m:oMath>
+                            </m:oMathPara>
+                          </a14:m>
+                          <a:endParaRPr lang="en-US" sz="2800" dirty="0">
+                            <a:solidFill>
+                              <a:schemeClr val="tx1"/>
+                            </a:solidFill>
+                          </a:endParaRPr>
+                        </a:p>
+                      </a:txBody>
+                      <a:tcPr>
+                        <a:lnL w="12700" cap="flat" cmpd="sng" algn="ctr">
+                          <a:solidFill>
+                            <a:schemeClr val="tx1"/>
+                          </a:solidFill>
+                          <a:prstDash val="solid"/>
+                          <a:round/>
+                          <a:headEnd type="none" w="med" len="med"/>
+                          <a:tailEnd type="none" w="med" len="med"/>
+                        </a:lnL>
+                        <a:lnR w="12700" cap="flat" cmpd="sng" algn="ctr">
+                          <a:solidFill>
+                            <a:schemeClr val="tx1"/>
+                          </a:solidFill>
+                          <a:prstDash val="solid"/>
+                          <a:round/>
+                          <a:headEnd type="none" w="med" len="med"/>
+                          <a:tailEnd type="none" w="med" len="med"/>
+                        </a:lnR>
+                        <a:lnT w="12700" cap="flat" cmpd="sng" algn="ctr">
+                          <a:solidFill>
+                            <a:schemeClr val="tx1"/>
+                          </a:solidFill>
+                          <a:prstDash val="solid"/>
+                          <a:round/>
+                          <a:headEnd type="none" w="med" len="med"/>
+                          <a:tailEnd type="none" w="med" len="med"/>
+                        </a:lnT>
+                        <a:lnB w="12700" cap="flat" cmpd="sng" algn="ctr">
+                          <a:solidFill>
+                            <a:schemeClr val="tx1"/>
+                          </a:solidFill>
+                          <a:prstDash val="solid"/>
+                          <a:round/>
+                          <a:headEnd type="none" w="med" len="med"/>
+                          <a:tailEnd type="none" w="med" len="med"/>
+                        </a:lnB>
+                        <a:solidFill>
+                          <a:schemeClr val="bg1"/>
+                        </a:solidFill>
+                      </a:tcPr>
+                    </a:tc>
+                    <a:tc>
+                      <a:txBody>
+                        <a:bodyPr/>
+                        <a:lstStyle/>
+                        <a:p>
+                          <a:pPr algn="ctr"/>
+                          <a:r>
+                            <a:rPr lang="en-US" sz="2800" dirty="0">
+                              <a:solidFill>
+                                <a:schemeClr val="tx1"/>
+                              </a:solidFill>
+                            </a:rPr>
+                            <a:t>7</a:t>
+                          </a:r>
+                        </a:p>
+                      </a:txBody>
+                      <a:tcPr>
+                        <a:lnL w="12700" cap="flat" cmpd="sng" algn="ctr">
+                          <a:solidFill>
+                            <a:schemeClr val="tx1"/>
+                          </a:solidFill>
+                          <a:prstDash val="solid"/>
+                          <a:round/>
+                          <a:headEnd type="none" w="med" len="med"/>
+                          <a:tailEnd type="none" w="med" len="med"/>
+                        </a:lnL>
+                        <a:lnR w="12700" cap="flat" cmpd="sng" algn="ctr">
+                          <a:solidFill>
+                            <a:schemeClr val="tx1"/>
+                          </a:solidFill>
+                          <a:prstDash val="solid"/>
+                          <a:round/>
+                          <a:headEnd type="none" w="med" len="med"/>
+                          <a:tailEnd type="none" w="med" len="med"/>
+                        </a:lnR>
+                        <a:lnT w="12700" cap="flat" cmpd="sng" algn="ctr">
+                          <a:solidFill>
+                            <a:schemeClr val="tx1"/>
+                          </a:solidFill>
+                          <a:prstDash val="solid"/>
+                          <a:round/>
+                          <a:headEnd type="none" w="med" len="med"/>
+                          <a:tailEnd type="none" w="med" len="med"/>
+                        </a:lnT>
+                        <a:lnB w="12700" cap="flat" cmpd="sng" algn="ctr">
+                          <a:solidFill>
+                            <a:schemeClr val="tx1"/>
+                          </a:solidFill>
+                          <a:prstDash val="solid"/>
+                          <a:round/>
+                          <a:headEnd type="none" w="med" len="med"/>
+                          <a:tailEnd type="none" w="med" len="med"/>
+                        </a:lnB>
+                        <a:solidFill>
+                          <a:schemeClr val="bg1"/>
+                        </a:solidFill>
+                      </a:tcPr>
+                    </a:tc>
+                    <a:extLst>
+                      <a:ext uri="{0D108BD9-81ED-4DB2-BD59-A6C34878D82A}">
+                        <a16:rowId xmlns:a16="http://schemas.microsoft.com/office/drawing/2014/main" val="3029049536"/>
+                      </a:ext>
+                    </a:extLst>
+                  </a:tr>
+                </a:tbl>
+              </a:graphicData>
+            </a:graphic>
+          </p:graphicFrame>
+        </mc:Choice>
+        <mc:Fallback>
+          <p:graphicFrame>
+            <p:nvGraphicFramePr>
+              <p:cNvPr id="14" name="Table 14">
+                <a:extLst>
+                  <a:ext uri="{FF2B5EF4-FFF2-40B4-BE49-F238E27FC236}">
+                    <a16:creationId xmlns:a16="http://schemas.microsoft.com/office/drawing/2014/main" id="{B1606356-B2AB-46B7-B003-696801B42E99}"/>
+                  </a:ext>
+                </a:extLst>
+              </p:cNvPr>
+              <p:cNvGraphicFramePr>
+                <a:graphicFrameLocks noGrp="1"/>
+              </p:cNvGraphicFramePr>
+              <p:nvPr>
+                <p:extLst>
+                  <p:ext uri="{D42A27DB-BD31-4B8C-83A1-F6EECF244321}">
+                    <p14:modId xmlns:p14="http://schemas.microsoft.com/office/powerpoint/2010/main" val="2660670129"/>
+                  </p:ext>
+                </p:extLst>
+              </p:nvPr>
+            </p:nvGraphicFramePr>
+            <p:xfrm>
+              <a:off x="5965947" y="1949196"/>
+              <a:ext cx="3580387" cy="3017520"/>
+            </p:xfrm>
+            <a:graphic>
+              <a:graphicData uri="http://schemas.openxmlformats.org/drawingml/2006/table">
+                <a:tbl>
+                  <a:tblPr firstRow="1" bandRow="1">
+                    <a:tableStyleId>{5C22544A-7EE6-4342-B048-85BDC9FD1C3A}</a:tableStyleId>
+                  </a:tblPr>
+                  <a:tblGrid>
+                    <a:gridCol w="1112451">
+                      <a:extLst>
+                        <a:ext uri="{9D8B030D-6E8A-4147-A177-3AD203B41FA5}">
+                          <a16:colId xmlns:a16="http://schemas.microsoft.com/office/drawing/2014/main" val="2141986177"/>
+                        </a:ext>
+                      </a:extLst>
+                    </a:gridCol>
+                    <a:gridCol w="2467936">
+                      <a:extLst>
+                        <a:ext uri="{9D8B030D-6E8A-4147-A177-3AD203B41FA5}">
+                          <a16:colId xmlns:a16="http://schemas.microsoft.com/office/drawing/2014/main" val="3522591318"/>
+                        </a:ext>
+                      </a:extLst>
+                    </a:gridCol>
+                  </a:tblGrid>
+                  <a:tr h="944880">
+                    <a:tc>
+                      <a:txBody>
+                        <a:bodyPr/>
+                        <a:lstStyle/>
+                        <a:p>
+                          <a:endParaRPr lang="en-US"/>
+                        </a:p>
+                      </a:txBody>
+                      <a:tcPr>
+                        <a:lnL w="12700" cap="flat" cmpd="sng" algn="ctr">
+                          <a:solidFill>
+                            <a:schemeClr val="tx1"/>
+                          </a:solidFill>
+                          <a:prstDash val="solid"/>
+                          <a:round/>
+                          <a:headEnd type="none" w="med" len="med"/>
+                          <a:tailEnd type="none" w="med" len="med"/>
+                        </a:lnL>
+                        <a:lnR w="12700" cap="flat" cmpd="sng" algn="ctr">
+                          <a:solidFill>
+                            <a:schemeClr val="tx1"/>
+                          </a:solidFill>
+                          <a:prstDash val="solid"/>
+                          <a:round/>
+                          <a:headEnd type="none" w="med" len="med"/>
+                          <a:tailEnd type="none" w="med" len="med"/>
+                        </a:lnR>
+                        <a:lnT w="12700" cap="flat" cmpd="sng" algn="ctr">
+                          <a:solidFill>
+                            <a:schemeClr val="tx1"/>
+                          </a:solidFill>
+                          <a:prstDash val="solid"/>
+                          <a:round/>
+                          <a:headEnd type="none" w="med" len="med"/>
+                          <a:tailEnd type="none" w="med" len="med"/>
+                        </a:lnT>
+                        <a:lnB w="12700" cap="flat" cmpd="sng" algn="ctr">
+                          <a:solidFill>
+                            <a:schemeClr val="tx1"/>
+                          </a:solidFill>
+                          <a:prstDash val="solid"/>
+                          <a:round/>
+                          <a:headEnd type="none" w="med" len="med"/>
+                          <a:tailEnd type="none" w="med" len="med"/>
+                        </a:lnB>
+                        <a:blipFill>
+                          <a:blip r:embed="rId7"/>
+                          <a:stretch>
+                            <a:fillRect l="-546" t="-5806" r="-222951" b="-238710"/>
+                          </a:stretch>
+                        </a:blipFill>
+                      </a:tcPr>
+                    </a:tc>
+                    <a:tc>
+                      <a:txBody>
+                        <a:bodyPr/>
+                        <a:lstStyle/>
+                        <a:p>
+                          <a:endParaRPr lang="en-US"/>
+                        </a:p>
+                      </a:txBody>
+                      <a:tcPr>
+                        <a:lnL w="12700" cap="flat" cmpd="sng" algn="ctr">
+                          <a:solidFill>
+                            <a:schemeClr val="tx1"/>
+                          </a:solidFill>
+                          <a:prstDash val="solid"/>
+                          <a:round/>
+                          <a:headEnd type="none" w="med" len="med"/>
+                          <a:tailEnd type="none" w="med" len="med"/>
+                        </a:lnL>
+                        <a:lnR w="12700" cap="flat" cmpd="sng" algn="ctr">
+                          <a:solidFill>
+                            <a:schemeClr val="tx1"/>
+                          </a:solidFill>
+                          <a:prstDash val="solid"/>
+                          <a:round/>
+                          <a:headEnd type="none" w="med" len="med"/>
+                          <a:tailEnd type="none" w="med" len="med"/>
+                        </a:lnR>
+                        <a:lnT w="12700" cap="flat" cmpd="sng" algn="ctr">
+                          <a:solidFill>
+                            <a:schemeClr val="tx1"/>
+                          </a:solidFill>
+                          <a:prstDash val="solid"/>
+                          <a:round/>
+                          <a:headEnd type="none" w="med" len="med"/>
+                          <a:tailEnd type="none" w="med" len="med"/>
+                        </a:lnT>
+                        <a:lnB w="12700" cap="flat" cmpd="sng" algn="ctr">
+                          <a:solidFill>
+                            <a:schemeClr val="tx1"/>
+                          </a:solidFill>
+                          <a:prstDash val="solid"/>
+                          <a:round/>
+                          <a:headEnd type="none" w="med" len="med"/>
+                          <a:tailEnd type="none" w="med" len="med"/>
+                        </a:lnB>
+                        <a:blipFill>
+                          <a:blip r:embed="rId7"/>
+                          <a:stretch>
+                            <a:fillRect l="-45432" t="-5806" r="-741" b="-238710"/>
+                          </a:stretch>
+                        </a:blipFill>
+                      </a:tcPr>
+                    </a:tc>
+                    <a:extLst>
+                      <a:ext uri="{0D108BD9-81ED-4DB2-BD59-A6C34878D82A}">
+                        <a16:rowId xmlns:a16="http://schemas.microsoft.com/office/drawing/2014/main" val="815555954"/>
+                      </a:ext>
+                    </a:extLst>
+                  </a:tr>
+                  <a:tr h="518160">
+                    <a:tc>
+                      <a:txBody>
+                        <a:bodyPr/>
+                        <a:lstStyle/>
+                        <a:p>
+                          <a:endParaRPr lang="en-US"/>
+                        </a:p>
+                      </a:txBody>
+                      <a:tcPr>
+                        <a:lnL w="12700" cap="flat" cmpd="sng" algn="ctr">
+                          <a:solidFill>
+                            <a:schemeClr val="tx1"/>
+                          </a:solidFill>
+                          <a:prstDash val="solid"/>
+                          <a:round/>
+                          <a:headEnd type="none" w="med" len="med"/>
+                          <a:tailEnd type="none" w="med" len="med"/>
+                        </a:lnL>
+                        <a:lnR w="12700" cap="flat" cmpd="sng" algn="ctr">
+                          <a:solidFill>
+                            <a:schemeClr val="tx1"/>
+                          </a:solidFill>
+                          <a:prstDash val="solid"/>
+                          <a:round/>
+                          <a:headEnd type="none" w="med" len="med"/>
+                          <a:tailEnd type="none" w="med" len="med"/>
+                        </a:lnR>
+                        <a:lnT w="12700" cap="flat" cmpd="sng" algn="ctr">
+                          <a:solidFill>
+                            <a:schemeClr val="tx1"/>
+                          </a:solidFill>
+                          <a:prstDash val="solid"/>
+                          <a:round/>
+                          <a:headEnd type="none" w="med" len="med"/>
+                          <a:tailEnd type="none" w="med" len="med"/>
+                        </a:lnT>
+                        <a:lnB w="12700" cap="flat" cmpd="sng" algn="ctr">
+                          <a:solidFill>
+                            <a:schemeClr val="tx1"/>
+                          </a:solidFill>
+                          <a:prstDash val="solid"/>
+                          <a:round/>
+                          <a:headEnd type="none" w="med" len="med"/>
+                          <a:tailEnd type="none" w="med" len="med"/>
+                        </a:lnB>
+                        <a:blipFill>
+                          <a:blip r:embed="rId7"/>
+                          <a:stretch>
+                            <a:fillRect l="-546" t="-192941" r="-222951" b="-335294"/>
+                          </a:stretch>
+                        </a:blipFill>
+                      </a:tcPr>
+                    </a:tc>
+                    <a:tc>
+                      <a:txBody>
+                        <a:bodyPr/>
+                        <a:lstStyle/>
+                        <a:p>
+                          <a:pPr algn="ctr"/>
+                          <a:r>
+                            <a:rPr lang="en-US" sz="2800" dirty="0">
+                              <a:solidFill>
+                                <a:schemeClr val="tx1"/>
+                              </a:solidFill>
+                            </a:rPr>
+                            <a:t>21</a:t>
+                          </a:r>
+                        </a:p>
+                      </a:txBody>
+                      <a:tcPr>
+                        <a:lnL w="12700" cap="flat" cmpd="sng" algn="ctr">
+                          <a:solidFill>
+                            <a:schemeClr val="tx1"/>
+                          </a:solidFill>
+                          <a:prstDash val="solid"/>
+                          <a:round/>
+                          <a:headEnd type="none" w="med" len="med"/>
+                          <a:tailEnd type="none" w="med" len="med"/>
+                        </a:lnL>
+                        <a:lnR w="12700" cap="flat" cmpd="sng" algn="ctr">
+                          <a:solidFill>
+                            <a:schemeClr val="tx1"/>
+                          </a:solidFill>
+                          <a:prstDash val="solid"/>
+                          <a:round/>
+                          <a:headEnd type="none" w="med" len="med"/>
+                          <a:tailEnd type="none" w="med" len="med"/>
+                        </a:lnR>
+                        <a:lnT w="12700" cap="flat" cmpd="sng" algn="ctr">
+                          <a:solidFill>
+                            <a:schemeClr val="tx1"/>
+                          </a:solidFill>
+                          <a:prstDash val="solid"/>
+                          <a:round/>
+                          <a:headEnd type="none" w="med" len="med"/>
+                          <a:tailEnd type="none" w="med" len="med"/>
+                        </a:lnT>
+                        <a:lnB w="12700" cap="flat" cmpd="sng" algn="ctr">
+                          <a:solidFill>
+                            <a:schemeClr val="tx1"/>
+                          </a:solidFill>
+                          <a:prstDash val="solid"/>
+                          <a:round/>
+                          <a:headEnd type="none" w="med" len="med"/>
+                          <a:tailEnd type="none" w="med" len="med"/>
+                        </a:lnB>
+                        <a:solidFill>
+                          <a:schemeClr val="bg1"/>
+                        </a:solidFill>
+                      </a:tcPr>
+                    </a:tc>
+                    <a:extLst>
+                      <a:ext uri="{0D108BD9-81ED-4DB2-BD59-A6C34878D82A}">
+                        <a16:rowId xmlns:a16="http://schemas.microsoft.com/office/drawing/2014/main" val="104953746"/>
+                      </a:ext>
+                    </a:extLst>
+                  </a:tr>
+                  <a:tr h="518160">
+                    <a:tc>
+                      <a:txBody>
+                        <a:bodyPr/>
+                        <a:lstStyle/>
+                        <a:p>
+                          <a:endParaRPr lang="en-US"/>
+                        </a:p>
+                      </a:txBody>
+                      <a:tcPr>
+                        <a:lnL w="12700" cap="flat" cmpd="sng" algn="ctr">
+                          <a:solidFill>
+                            <a:schemeClr val="tx1"/>
+                          </a:solidFill>
+                          <a:prstDash val="solid"/>
+                          <a:round/>
+                          <a:headEnd type="none" w="med" len="med"/>
+                          <a:tailEnd type="none" w="med" len="med"/>
+                        </a:lnL>
+                        <a:lnR w="12700" cap="flat" cmpd="sng" algn="ctr">
+                          <a:solidFill>
+                            <a:schemeClr val="tx1"/>
+                          </a:solidFill>
+                          <a:prstDash val="solid"/>
+                          <a:round/>
+                          <a:headEnd type="none" w="med" len="med"/>
+                          <a:tailEnd type="none" w="med" len="med"/>
+                        </a:lnR>
+                        <a:lnT w="12700" cap="flat" cmpd="sng" algn="ctr">
+                          <a:solidFill>
+                            <a:schemeClr val="tx1"/>
+                          </a:solidFill>
+                          <a:prstDash val="solid"/>
+                          <a:round/>
+                          <a:headEnd type="none" w="med" len="med"/>
+                          <a:tailEnd type="none" w="med" len="med"/>
+                        </a:lnT>
+                        <a:lnB w="12700" cap="flat" cmpd="sng" algn="ctr">
+                          <a:solidFill>
+                            <a:schemeClr val="tx1"/>
+                          </a:solidFill>
+                          <a:prstDash val="solid"/>
+                          <a:round/>
+                          <a:headEnd type="none" w="med" len="med"/>
+                          <a:tailEnd type="none" w="med" len="med"/>
+                        </a:lnB>
+                        <a:blipFill>
+                          <a:blip r:embed="rId7"/>
+                          <a:stretch>
+                            <a:fillRect l="-546" t="-289535" r="-222951" b="-231395"/>
+                          </a:stretch>
+                        </a:blipFill>
+                      </a:tcPr>
+                    </a:tc>
+                    <a:tc>
+                      <a:txBody>
+                        <a:bodyPr/>
+                        <a:lstStyle/>
+                        <a:p>
+                          <a:pPr algn="ctr"/>
+                          <a:r>
+                            <a:rPr lang="en-US" sz="2800" dirty="0">
+                              <a:solidFill>
+                                <a:schemeClr val="tx1"/>
+                              </a:solidFill>
+                            </a:rPr>
+                            <a:t>17</a:t>
+                          </a:r>
+                        </a:p>
+                      </a:txBody>
+                      <a:tcPr>
+                        <a:lnL w="12700" cap="flat" cmpd="sng" algn="ctr">
+                          <a:solidFill>
+                            <a:schemeClr val="tx1"/>
+                          </a:solidFill>
+                          <a:prstDash val="solid"/>
+                          <a:round/>
+                          <a:headEnd type="none" w="med" len="med"/>
+                          <a:tailEnd type="none" w="med" len="med"/>
+                        </a:lnL>
+                        <a:lnR w="12700" cap="flat" cmpd="sng" algn="ctr">
+                          <a:solidFill>
+                            <a:schemeClr val="tx1"/>
+                          </a:solidFill>
+                          <a:prstDash val="solid"/>
+                          <a:round/>
+                          <a:headEnd type="none" w="med" len="med"/>
+                          <a:tailEnd type="none" w="med" len="med"/>
+                        </a:lnR>
+                        <a:lnT w="12700" cap="flat" cmpd="sng" algn="ctr">
+                          <a:solidFill>
+                            <a:schemeClr val="tx1"/>
+                          </a:solidFill>
+                          <a:prstDash val="solid"/>
+                          <a:round/>
+                          <a:headEnd type="none" w="med" len="med"/>
+                          <a:tailEnd type="none" w="med" len="med"/>
+                        </a:lnT>
+                        <a:lnB w="12700" cap="flat" cmpd="sng" algn="ctr">
+                          <a:solidFill>
+                            <a:schemeClr val="tx1"/>
+                          </a:solidFill>
+                          <a:prstDash val="solid"/>
+                          <a:round/>
+                          <a:headEnd type="none" w="med" len="med"/>
+                          <a:tailEnd type="none" w="med" len="med"/>
+                        </a:lnB>
+                        <a:solidFill>
+                          <a:schemeClr val="bg1"/>
+                        </a:solidFill>
+                      </a:tcPr>
+                    </a:tc>
+                    <a:extLst>
+                      <a:ext uri="{0D108BD9-81ED-4DB2-BD59-A6C34878D82A}">
+                        <a16:rowId xmlns:a16="http://schemas.microsoft.com/office/drawing/2014/main" val="284518073"/>
+                      </a:ext>
+                    </a:extLst>
+                  </a:tr>
+                  <a:tr h="518160">
+                    <a:tc>
+                      <a:txBody>
+                        <a:bodyPr/>
+                        <a:lstStyle/>
+                        <a:p>
+                          <a:endParaRPr lang="en-US"/>
+                        </a:p>
+                      </a:txBody>
+                      <a:tcPr>
+                        <a:lnL w="12700" cap="flat" cmpd="sng" algn="ctr">
+                          <a:solidFill>
+                            <a:schemeClr val="tx1"/>
+                          </a:solidFill>
+                          <a:prstDash val="solid"/>
+                          <a:round/>
+                          <a:headEnd type="none" w="med" len="med"/>
+                          <a:tailEnd type="none" w="med" len="med"/>
+                        </a:lnL>
+                        <a:lnR w="12700" cap="flat" cmpd="sng" algn="ctr">
+                          <a:solidFill>
+                            <a:schemeClr val="tx1"/>
+                          </a:solidFill>
+                          <a:prstDash val="solid"/>
+                          <a:round/>
+                          <a:headEnd type="none" w="med" len="med"/>
+                          <a:tailEnd type="none" w="med" len="med"/>
+                        </a:lnR>
+                        <a:lnT w="12700" cap="flat" cmpd="sng" algn="ctr">
+                          <a:solidFill>
+                            <a:schemeClr val="tx1"/>
+                          </a:solidFill>
+                          <a:prstDash val="solid"/>
+                          <a:round/>
+                          <a:headEnd type="none" w="med" len="med"/>
+                          <a:tailEnd type="none" w="med" len="med"/>
+                        </a:lnT>
+                        <a:lnB w="12700" cap="flat" cmpd="sng" algn="ctr">
+                          <a:solidFill>
+                            <a:schemeClr val="tx1"/>
+                          </a:solidFill>
+                          <a:prstDash val="solid"/>
+                          <a:round/>
+                          <a:headEnd type="none" w="med" len="med"/>
+                          <a:tailEnd type="none" w="med" len="med"/>
+                        </a:lnB>
+                        <a:blipFill>
+                          <a:blip r:embed="rId7"/>
+                          <a:stretch>
+                            <a:fillRect l="-546" t="-394118" r="-222951" b="-134118"/>
+                          </a:stretch>
+                        </a:blipFill>
+                      </a:tcPr>
+                    </a:tc>
+                    <a:tc>
+                      <a:txBody>
+                        <a:bodyPr/>
+                        <a:lstStyle/>
+                        <a:p>
+                          <a:pPr algn="ctr"/>
+                          <a:r>
+                            <a:rPr lang="en-US" sz="2800" dirty="0">
+                              <a:solidFill>
+                                <a:schemeClr val="tx1"/>
+                              </a:solidFill>
+                            </a:rPr>
+                            <a:t>10</a:t>
+                          </a:r>
+                        </a:p>
+                      </a:txBody>
+                      <a:tcPr>
+                        <a:lnL w="12700" cap="flat" cmpd="sng" algn="ctr">
+                          <a:solidFill>
+                            <a:schemeClr val="tx1"/>
+                          </a:solidFill>
+                          <a:prstDash val="solid"/>
+                          <a:round/>
+                          <a:headEnd type="none" w="med" len="med"/>
+                          <a:tailEnd type="none" w="med" len="med"/>
+                        </a:lnL>
+                        <a:lnR w="12700" cap="flat" cmpd="sng" algn="ctr">
+                          <a:solidFill>
+                            <a:schemeClr val="tx1"/>
+                          </a:solidFill>
+                          <a:prstDash val="solid"/>
+                          <a:round/>
+                          <a:headEnd type="none" w="med" len="med"/>
+                          <a:tailEnd type="none" w="med" len="med"/>
+                        </a:lnR>
+                        <a:lnT w="12700" cap="flat" cmpd="sng" algn="ctr">
+                          <a:solidFill>
+                            <a:schemeClr val="tx1"/>
+                          </a:solidFill>
+                          <a:prstDash val="solid"/>
+                          <a:round/>
+                          <a:headEnd type="none" w="med" len="med"/>
+                          <a:tailEnd type="none" w="med" len="med"/>
+                        </a:lnT>
+                        <a:lnB w="12700" cap="flat" cmpd="sng" algn="ctr">
+                          <a:solidFill>
+                            <a:schemeClr val="tx1"/>
+                          </a:solidFill>
+                          <a:prstDash val="solid"/>
+                          <a:round/>
+                          <a:headEnd type="none" w="med" len="med"/>
+                          <a:tailEnd type="none" w="med" len="med"/>
+                        </a:lnB>
+                        <a:solidFill>
+                          <a:schemeClr val="bg1"/>
+                        </a:solidFill>
+                      </a:tcPr>
+                    </a:tc>
+                    <a:extLst>
+                      <a:ext uri="{0D108BD9-81ED-4DB2-BD59-A6C34878D82A}">
+                        <a16:rowId xmlns:a16="http://schemas.microsoft.com/office/drawing/2014/main" val="1020542588"/>
+                      </a:ext>
+                    </a:extLst>
+                  </a:tr>
+                  <a:tr h="518160">
+                    <a:tc>
+                      <a:txBody>
+                        <a:bodyPr/>
+                        <a:lstStyle/>
+                        <a:p>
+                          <a:endParaRPr lang="en-US"/>
+                        </a:p>
+                      </a:txBody>
+                      <a:tcPr>
+                        <a:lnL w="12700" cap="flat" cmpd="sng" algn="ctr">
+                          <a:solidFill>
+                            <a:schemeClr val="tx1"/>
+                          </a:solidFill>
+                          <a:prstDash val="solid"/>
+                          <a:round/>
+                          <a:headEnd type="none" w="med" len="med"/>
+                          <a:tailEnd type="none" w="med" len="med"/>
+                        </a:lnL>
+                        <a:lnR w="12700" cap="flat" cmpd="sng" algn="ctr">
+                          <a:solidFill>
+                            <a:schemeClr val="tx1"/>
+                          </a:solidFill>
+                          <a:prstDash val="solid"/>
+                          <a:round/>
+                          <a:headEnd type="none" w="med" len="med"/>
+                          <a:tailEnd type="none" w="med" len="med"/>
+                        </a:lnR>
+                        <a:lnT w="12700" cap="flat" cmpd="sng" algn="ctr">
+                          <a:solidFill>
+                            <a:schemeClr val="tx1"/>
+                          </a:solidFill>
+                          <a:prstDash val="solid"/>
+                          <a:round/>
+                          <a:headEnd type="none" w="med" len="med"/>
+                          <a:tailEnd type="none" w="med" len="med"/>
+                        </a:lnT>
+                        <a:lnB w="12700" cap="flat" cmpd="sng" algn="ctr">
+                          <a:solidFill>
+                            <a:schemeClr val="tx1"/>
+                          </a:solidFill>
+                          <a:prstDash val="solid"/>
+                          <a:round/>
+                          <a:headEnd type="none" w="med" len="med"/>
+                          <a:tailEnd type="none" w="med" len="med"/>
+                        </a:lnB>
+                        <a:blipFill>
+                          <a:blip r:embed="rId7"/>
+                          <a:stretch>
+                            <a:fillRect l="-546" t="-494118" r="-222951" b="-34118"/>
+                          </a:stretch>
+                        </a:blipFill>
+                      </a:tcPr>
+                    </a:tc>
+                    <a:tc>
+                      <a:txBody>
+                        <a:bodyPr/>
+                        <a:lstStyle/>
+                        <a:p>
+                          <a:pPr algn="ctr"/>
+                          <a:r>
+                            <a:rPr lang="en-US" sz="2800" dirty="0">
+                              <a:solidFill>
+                                <a:schemeClr val="tx1"/>
+                              </a:solidFill>
+                            </a:rPr>
+                            <a:t>7</a:t>
+                          </a:r>
+                        </a:p>
+                      </a:txBody>
+                      <a:tcPr>
+                        <a:lnL w="12700" cap="flat" cmpd="sng" algn="ctr">
+                          <a:solidFill>
+                            <a:schemeClr val="tx1"/>
+                          </a:solidFill>
+                          <a:prstDash val="solid"/>
+                          <a:round/>
+                          <a:headEnd type="none" w="med" len="med"/>
+                          <a:tailEnd type="none" w="med" len="med"/>
+                        </a:lnL>
+                        <a:lnR w="12700" cap="flat" cmpd="sng" algn="ctr">
+                          <a:solidFill>
+                            <a:schemeClr val="tx1"/>
+                          </a:solidFill>
+                          <a:prstDash val="solid"/>
+                          <a:round/>
+                          <a:headEnd type="none" w="med" len="med"/>
+                          <a:tailEnd type="none" w="med" len="med"/>
+                        </a:lnR>
+                        <a:lnT w="12700" cap="flat" cmpd="sng" algn="ctr">
+                          <a:solidFill>
+                            <a:schemeClr val="tx1"/>
+                          </a:solidFill>
+                          <a:prstDash val="solid"/>
+                          <a:round/>
+                          <a:headEnd type="none" w="med" len="med"/>
+                          <a:tailEnd type="none" w="med" len="med"/>
+                        </a:lnT>
+                        <a:lnB w="12700" cap="flat" cmpd="sng" algn="ctr">
+                          <a:solidFill>
+                            <a:schemeClr val="tx1"/>
+                          </a:solidFill>
+                          <a:prstDash val="solid"/>
+                          <a:round/>
+                          <a:headEnd type="none" w="med" len="med"/>
+                          <a:tailEnd type="none" w="med" len="med"/>
+                        </a:lnB>
+                        <a:solidFill>
+                          <a:schemeClr val="bg1"/>
+                        </a:solidFill>
+                      </a:tcPr>
+                    </a:tc>
+                    <a:extLst>
+                      <a:ext uri="{0D108BD9-81ED-4DB2-BD59-A6C34878D82A}">
+                        <a16:rowId xmlns:a16="http://schemas.microsoft.com/office/drawing/2014/main" val="3029049536"/>
+                      </a:ext>
+                    </a:extLst>
+                  </a:tr>
+                </a:tbl>
+              </a:graphicData>
+            </a:graphic>
+          </p:graphicFrame>
+        </mc:Fallback>
+      </mc:AlternateContent>
+    </p:spTree>
+    <p:extLst>
+      <p:ext uri="{BB962C8B-B14F-4D97-AF65-F5344CB8AC3E}">
+        <p14:creationId xmlns:p14="http://schemas.microsoft.com/office/powerpoint/2010/main" val="3821043262"/>
+      </p:ext>
+    </p:extLst>
+  </p:cSld>
+  <p:clrMapOvr>
+    <a:masterClrMapping/>
+  </p:clrMapOvr>
+</p:sld>
+</file>
+
+<file path=ppt/slides/slide3.xml><?xml version="1.0" encoding="utf-8"?>
+<p:sld xmlns:a="http://schemas.openxmlformats.org/drawingml/2006/main" xmlns:r="http://schemas.openxmlformats.org/officeDocument/2006/relationships" xmlns:p="http://schemas.openxmlformats.org/presentationml/2006/main">
+  <p:cSld>
+    <p:spTree>
+      <p:nvGrpSpPr>
+        <p:cNvPr id="1" name=""/>
+        <p:cNvGrpSpPr/>
+        <p:nvPr/>
+      </p:nvGrpSpPr>
+      <p:grpSpPr>
+        <a:xfrm>
+          <a:off x="0" y="0"/>
+          <a:ext cx="0" cy="0"/>
+          <a:chOff x="0" y="0"/>
+          <a:chExt cx="0" cy="0"/>
+        </a:xfrm>
+      </p:grpSpPr>
+      <p:pic>
+        <p:nvPicPr>
+          <p:cNvPr id="5" name="Picture 4">
+            <a:extLst>
+              <a:ext uri="{FF2B5EF4-FFF2-40B4-BE49-F238E27FC236}">
+                <a16:creationId xmlns:a16="http://schemas.microsoft.com/office/drawing/2014/main" id="{476B1F91-FC51-4EF4-9643-D1FB11D9A6D3}"/>
+              </a:ext>
+            </a:extLst>
+          </p:cNvPr>
+          <p:cNvPicPr>
+            <a:picLocks noChangeAspect="1"/>
+          </p:cNvPicPr>
+          <p:nvPr/>
+        </p:nvPicPr>
+        <p:blipFill>
+          <a:blip r:embed="rId2"/>
+          <a:stretch>
+            <a:fillRect/>
+          </a:stretch>
+        </p:blipFill>
+        <p:spPr>
+          <a:xfrm>
+            <a:off x="2008277" y="1432387"/>
+            <a:ext cx="8175445" cy="3993226"/>
+          </a:xfrm>
+          <a:prstGeom prst="rect">
+            <a:avLst/>
+          </a:prstGeom>
+        </p:spPr>
+      </p:pic>
+    </p:spTree>
+    <p:extLst>
+      <p:ext uri="{BB962C8B-B14F-4D97-AF65-F5344CB8AC3E}">
+        <p14:creationId xmlns:p14="http://schemas.microsoft.com/office/powerpoint/2010/main" val="2520630493"/>
+      </p:ext>
+    </p:extLst>
+  </p:cSld>
+  <p:clrMapOvr>
+    <a:masterClrMapping/>
+  </p:clrMapOvr>
+</p:sld>
+</file>
+
+<file path=ppt/slides/slide4.xml><?xml version="1.0" encoding="utf-8"?>
 <p:sld xmlns:a="http://schemas.openxmlformats.org/drawingml/2006/main" xmlns:r="http://schemas.openxmlformats.org/officeDocument/2006/relationships" xmlns:p="http://schemas.openxmlformats.org/presentationml/2006/main" show="0">
   <p:cSld>
     <p:spTree>
@@ -5286,2189 +11126,7 @@
 </p:sld>
 </file>
 
-<file path=ppt/slides/slide10.xml><?xml version="1.0" encoding="utf-8"?>
-<p:sld xmlns:a="http://schemas.openxmlformats.org/drawingml/2006/main" xmlns:r="http://schemas.openxmlformats.org/officeDocument/2006/relationships" xmlns:p="http://schemas.openxmlformats.org/presentationml/2006/main">
-  <p:cSld>
-    <p:spTree>
-      <p:nvGrpSpPr>
-        <p:cNvPr id="1" name=""/>
-        <p:cNvGrpSpPr/>
-        <p:nvPr/>
-      </p:nvGrpSpPr>
-      <p:grpSpPr>
-        <a:xfrm>
-          <a:off x="0" y="0"/>
-          <a:ext cx="0" cy="0"/>
-          <a:chOff x="0" y="0"/>
-          <a:chExt cx="0" cy="0"/>
-        </a:xfrm>
-      </p:grpSpPr>
-      <p:grpSp>
-        <p:nvGrpSpPr>
-          <p:cNvPr id="3" name="Group 2">
-            <a:extLst>
-              <a:ext uri="{FF2B5EF4-FFF2-40B4-BE49-F238E27FC236}">
-                <a16:creationId xmlns:a16="http://schemas.microsoft.com/office/drawing/2014/main" id="{170451F5-9FD8-462F-8F65-BC40D54559CF}"/>
-              </a:ext>
-            </a:extLst>
-          </p:cNvPr>
-          <p:cNvGrpSpPr/>
-          <p:nvPr/>
-        </p:nvGrpSpPr>
-        <p:grpSpPr>
-          <a:xfrm>
-            <a:off x="3456507" y="30704"/>
-            <a:ext cx="8937132" cy="6848396"/>
-            <a:chOff x="3456507" y="30704"/>
-            <a:chExt cx="8937132" cy="6848396"/>
-          </a:xfrm>
-        </p:grpSpPr>
-        <p:pic>
-          <p:nvPicPr>
-            <p:cNvPr id="23" name="Picture 22" descr="A picture containing clock&#10;&#10;Description automatically generated">
-              <a:extLst>
-                <a:ext uri="{FF2B5EF4-FFF2-40B4-BE49-F238E27FC236}">
-                  <a16:creationId xmlns:a16="http://schemas.microsoft.com/office/drawing/2014/main" id="{EE184879-A543-4803-9680-DAFA8E6BB1FD}"/>
-                </a:ext>
-              </a:extLst>
-            </p:cNvPr>
-            <p:cNvPicPr>
-              <a:picLocks noChangeAspect="1"/>
-            </p:cNvPicPr>
-            <p:nvPr/>
-          </p:nvPicPr>
-          <p:blipFill rotWithShape="1">
-            <a:blip r:embed="rId3">
-              <a:extLst>
-                <a:ext uri="{28A0092B-C50C-407E-A947-70E740481C1C}">
-                  <a14:useLocalDpi xmlns:a14="http://schemas.microsoft.com/office/drawing/2010/main" val="0"/>
-                </a:ext>
-              </a:extLst>
-            </a:blip>
-            <a:srcRect l="10814" r="32776"/>
-            <a:stretch/>
-          </p:blipFill>
-          <p:spPr>
-            <a:xfrm>
-              <a:off x="4041697" y="478300"/>
-              <a:ext cx="2625969" cy="6400800"/>
-            </a:xfrm>
-            <a:prstGeom prst="rect">
-              <a:avLst/>
-            </a:prstGeom>
-          </p:spPr>
-        </p:pic>
-        <p:pic>
-          <p:nvPicPr>
-            <p:cNvPr id="26" name="Picture 25">
-              <a:extLst>
-                <a:ext uri="{FF2B5EF4-FFF2-40B4-BE49-F238E27FC236}">
-                  <a16:creationId xmlns:a16="http://schemas.microsoft.com/office/drawing/2014/main" id="{FB9E297C-0B80-48C8-B398-30046B505A2B}"/>
-                </a:ext>
-              </a:extLst>
-            </p:cNvPr>
-            <p:cNvPicPr>
-              <a:picLocks noChangeAspect="1"/>
-            </p:cNvPicPr>
-            <p:nvPr/>
-          </p:nvPicPr>
-          <p:blipFill rotWithShape="1">
-            <a:blip r:embed="rId4">
-              <a:extLst>
-                <a:ext uri="{28A0092B-C50C-407E-A947-70E740481C1C}">
-                  <a14:useLocalDpi xmlns:a14="http://schemas.microsoft.com/office/drawing/2010/main" val="0"/>
-                </a:ext>
-              </a:extLst>
-            </a:blip>
-            <a:srcRect l="10162" r="29688"/>
-            <a:stretch/>
-          </p:blipFill>
-          <p:spPr>
-            <a:xfrm>
-              <a:off x="6753352" y="492369"/>
-              <a:ext cx="2784651" cy="6365631"/>
-            </a:xfrm>
-            <a:prstGeom prst="rect">
-              <a:avLst/>
-            </a:prstGeom>
-          </p:spPr>
-        </p:pic>
-        <p:sp>
-          <p:nvSpPr>
-            <p:cNvPr id="4" name="TextBox 3">
-              <a:extLst>
-                <a:ext uri="{FF2B5EF4-FFF2-40B4-BE49-F238E27FC236}">
-                  <a16:creationId xmlns:a16="http://schemas.microsoft.com/office/drawing/2014/main" id="{84701484-AC52-4013-A26D-C932C1EF0C35}"/>
-                </a:ext>
-              </a:extLst>
-            </p:cNvPr>
-            <p:cNvSpPr txBox="1"/>
-            <p:nvPr/>
-          </p:nvSpPr>
-          <p:spPr>
-            <a:xfrm>
-              <a:off x="9829911" y="1869999"/>
-              <a:ext cx="2563728" cy="830997"/>
-            </a:xfrm>
-            <a:prstGeom prst="rect">
-              <a:avLst/>
-            </a:prstGeom>
-            <a:noFill/>
-          </p:spPr>
-          <p:txBody>
-            <a:bodyPr wrap="square" rtlCol="0">
-              <a:spAutoFit/>
-            </a:bodyPr>
-            <a:lstStyle/>
-            <a:p>
-              <a:r>
-                <a:rPr lang="en-US" sz="2400" dirty="0"/>
-                <a:t>Rank by</a:t>
-              </a:r>
-            </a:p>
-            <a:p>
-              <a:r>
-                <a:rPr lang="en-US" sz="2400" dirty="0"/>
-                <a:t>Preference</a:t>
-              </a:r>
-            </a:p>
-          </p:txBody>
-        </p:sp>
-        <p:pic>
-          <p:nvPicPr>
-            <p:cNvPr id="5" name="Picture 4" descr="A close up of a logo&#10;&#10;Description automatically generated">
-              <a:extLst>
-                <a:ext uri="{FF2B5EF4-FFF2-40B4-BE49-F238E27FC236}">
-                  <a16:creationId xmlns:a16="http://schemas.microsoft.com/office/drawing/2014/main" id="{9D32934A-3112-49B1-A9F0-E13A7327878D}"/>
-                </a:ext>
-              </a:extLst>
-            </p:cNvPr>
-            <p:cNvPicPr>
-              <a:picLocks noChangeAspect="1"/>
-            </p:cNvPicPr>
-            <p:nvPr/>
-          </p:nvPicPr>
-          <p:blipFill rotWithShape="1">
-            <a:blip r:embed="rId5">
-              <a:extLst>
-                <a:ext uri="{28A0092B-C50C-407E-A947-70E740481C1C}">
-                  <a14:useLocalDpi xmlns:a14="http://schemas.microsoft.com/office/drawing/2010/main" val="0"/>
-                </a:ext>
-              </a:extLst>
-            </a:blip>
-            <a:srcRect l="73004" t="42701" r="17406" b="41504"/>
-            <a:stretch/>
-          </p:blipFill>
-          <p:spPr>
-            <a:xfrm>
-              <a:off x="9676869" y="2700996"/>
-              <a:ext cx="1281864" cy="2903050"/>
-            </a:xfrm>
-            <a:prstGeom prst="rect">
-              <a:avLst/>
-            </a:prstGeom>
-          </p:spPr>
-        </p:pic>
-        <p:sp>
-          <p:nvSpPr>
-            <p:cNvPr id="8" name="TextBox 7">
-              <a:extLst>
-                <a:ext uri="{FF2B5EF4-FFF2-40B4-BE49-F238E27FC236}">
-                  <a16:creationId xmlns:a16="http://schemas.microsoft.com/office/drawing/2014/main" id="{2C7F735B-B575-44A3-9447-25DB41E4994B}"/>
-                </a:ext>
-              </a:extLst>
-            </p:cNvPr>
-            <p:cNvSpPr txBox="1"/>
-            <p:nvPr/>
-          </p:nvSpPr>
-          <p:spPr>
-            <a:xfrm>
-              <a:off x="4486113" y="30704"/>
-              <a:ext cx="2106526" cy="461665"/>
-            </a:xfrm>
-            <a:prstGeom prst="rect">
-              <a:avLst/>
-            </a:prstGeom>
-            <a:noFill/>
-          </p:spPr>
-          <p:txBody>
-            <a:bodyPr wrap="square" rtlCol="0">
-              <a:spAutoFit/>
-            </a:bodyPr>
-            <a:lstStyle/>
-            <a:p>
-              <a:r>
-                <a:rPr lang="en-US" sz="2400" dirty="0"/>
-                <a:t>Ground-Truth</a:t>
-              </a:r>
-            </a:p>
-          </p:txBody>
-        </p:sp>
-        <p:sp>
-          <p:nvSpPr>
-            <p:cNvPr id="9" name="TextBox 8">
-              <a:extLst>
-                <a:ext uri="{FF2B5EF4-FFF2-40B4-BE49-F238E27FC236}">
-                  <a16:creationId xmlns:a16="http://schemas.microsoft.com/office/drawing/2014/main" id="{2152F5F1-08CE-4CF2-ABC0-476F5618666B}"/>
-                </a:ext>
-              </a:extLst>
-            </p:cNvPr>
-            <p:cNvSpPr txBox="1"/>
-            <p:nvPr/>
-          </p:nvSpPr>
-          <p:spPr>
-            <a:xfrm>
-              <a:off x="7158012" y="30704"/>
-              <a:ext cx="2106526" cy="461665"/>
-            </a:xfrm>
-            <a:prstGeom prst="rect">
-              <a:avLst/>
-            </a:prstGeom>
-            <a:noFill/>
-          </p:spPr>
-          <p:txBody>
-            <a:bodyPr wrap="square" rtlCol="0">
-              <a:spAutoFit/>
-            </a:bodyPr>
-            <a:lstStyle/>
-            <a:p>
-              <a:r>
-                <a:rPr lang="en-US" sz="2400" dirty="0"/>
-                <a:t>Reconstructed</a:t>
-              </a:r>
-            </a:p>
-          </p:txBody>
-        </p:sp>
-        <p:sp>
-          <p:nvSpPr>
-            <p:cNvPr id="2" name="TextBox 1">
-              <a:extLst>
-                <a:ext uri="{FF2B5EF4-FFF2-40B4-BE49-F238E27FC236}">
-                  <a16:creationId xmlns:a16="http://schemas.microsoft.com/office/drawing/2014/main" id="{93881ACD-F384-40F5-8ACB-47CA109B5208}"/>
-                </a:ext>
-              </a:extLst>
-            </p:cNvPr>
-            <p:cNvSpPr txBox="1"/>
-            <p:nvPr/>
-          </p:nvSpPr>
-          <p:spPr>
-            <a:xfrm>
-              <a:off x="3456507" y="596721"/>
-              <a:ext cx="1237957" cy="369332"/>
-            </a:xfrm>
-            <a:prstGeom prst="rect">
-              <a:avLst/>
-            </a:prstGeom>
-            <a:noFill/>
-          </p:spPr>
-          <p:txBody>
-            <a:bodyPr wrap="square" rtlCol="0">
-              <a:spAutoFit/>
-            </a:bodyPr>
-            <a:lstStyle/>
-            <a:p>
-              <a:r>
-                <a:rPr lang="en-US" i="1" dirty="0"/>
-                <a:t>7.07</a:t>
-              </a:r>
-            </a:p>
-          </p:txBody>
-        </p:sp>
-        <p:sp>
-          <p:nvSpPr>
-            <p:cNvPr id="29" name="TextBox 28">
-              <a:extLst>
-                <a:ext uri="{FF2B5EF4-FFF2-40B4-BE49-F238E27FC236}">
-                  <a16:creationId xmlns:a16="http://schemas.microsoft.com/office/drawing/2014/main" id="{D9429D11-2D72-4011-8904-B1540DF41FED}"/>
-                </a:ext>
-              </a:extLst>
-            </p:cNvPr>
-            <p:cNvSpPr txBox="1"/>
-            <p:nvPr/>
-          </p:nvSpPr>
-          <p:spPr>
-            <a:xfrm>
-              <a:off x="3456507" y="1055995"/>
-              <a:ext cx="1237957" cy="369332"/>
-            </a:xfrm>
-            <a:prstGeom prst="rect">
-              <a:avLst/>
-            </a:prstGeom>
-            <a:noFill/>
-          </p:spPr>
-          <p:txBody>
-            <a:bodyPr wrap="square" rtlCol="0">
-              <a:spAutoFit/>
-            </a:bodyPr>
-            <a:lstStyle/>
-            <a:p>
-              <a:r>
-                <a:rPr lang="en-US" i="1" dirty="0"/>
-                <a:t>6.66</a:t>
-              </a:r>
-            </a:p>
-          </p:txBody>
-        </p:sp>
-        <p:sp>
-          <p:nvSpPr>
-            <p:cNvPr id="30" name="TextBox 29">
-              <a:extLst>
-                <a:ext uri="{FF2B5EF4-FFF2-40B4-BE49-F238E27FC236}">
-                  <a16:creationId xmlns:a16="http://schemas.microsoft.com/office/drawing/2014/main" id="{CE592049-B336-476C-B081-774D22575FF0}"/>
-                </a:ext>
-              </a:extLst>
-            </p:cNvPr>
-            <p:cNvSpPr txBox="1"/>
-            <p:nvPr/>
-          </p:nvSpPr>
-          <p:spPr>
-            <a:xfrm>
-              <a:off x="3456507" y="1515269"/>
-              <a:ext cx="1237957" cy="369332"/>
-            </a:xfrm>
-            <a:prstGeom prst="rect">
-              <a:avLst/>
-            </a:prstGeom>
-            <a:noFill/>
-          </p:spPr>
-          <p:txBody>
-            <a:bodyPr wrap="square" rtlCol="0">
-              <a:spAutoFit/>
-            </a:bodyPr>
-            <a:lstStyle/>
-            <a:p>
-              <a:r>
-                <a:rPr lang="en-US" i="1" dirty="0"/>
-                <a:t>6.29</a:t>
-              </a:r>
-            </a:p>
-          </p:txBody>
-        </p:sp>
-        <p:sp>
-          <p:nvSpPr>
-            <p:cNvPr id="31" name="TextBox 30">
-              <a:extLst>
-                <a:ext uri="{FF2B5EF4-FFF2-40B4-BE49-F238E27FC236}">
-                  <a16:creationId xmlns:a16="http://schemas.microsoft.com/office/drawing/2014/main" id="{49C936E8-B041-414D-899C-B9C6F7A106E5}"/>
-                </a:ext>
-              </a:extLst>
-            </p:cNvPr>
-            <p:cNvSpPr txBox="1"/>
-            <p:nvPr/>
-          </p:nvSpPr>
-          <p:spPr>
-            <a:xfrm>
-              <a:off x="3456507" y="1974543"/>
-              <a:ext cx="1237957" cy="369332"/>
-            </a:xfrm>
-            <a:prstGeom prst="rect">
-              <a:avLst/>
-            </a:prstGeom>
-            <a:noFill/>
-          </p:spPr>
-          <p:txBody>
-            <a:bodyPr wrap="square" rtlCol="0">
-              <a:spAutoFit/>
-            </a:bodyPr>
-            <a:lstStyle/>
-            <a:p>
-              <a:r>
-                <a:rPr lang="en-US" i="1" dirty="0"/>
-                <a:t>3.77</a:t>
-              </a:r>
-            </a:p>
-          </p:txBody>
-        </p:sp>
-        <p:sp>
-          <p:nvSpPr>
-            <p:cNvPr id="32" name="TextBox 31">
-              <a:extLst>
-                <a:ext uri="{FF2B5EF4-FFF2-40B4-BE49-F238E27FC236}">
-                  <a16:creationId xmlns:a16="http://schemas.microsoft.com/office/drawing/2014/main" id="{DF7F83BA-47D5-4F5D-BC96-61A919864080}"/>
-                </a:ext>
-              </a:extLst>
-            </p:cNvPr>
-            <p:cNvSpPr txBox="1"/>
-            <p:nvPr/>
-          </p:nvSpPr>
-          <p:spPr>
-            <a:xfrm>
-              <a:off x="3456507" y="2433817"/>
-              <a:ext cx="1237957" cy="369332"/>
-            </a:xfrm>
-            <a:prstGeom prst="rect">
-              <a:avLst/>
-            </a:prstGeom>
-            <a:noFill/>
-          </p:spPr>
-          <p:txBody>
-            <a:bodyPr wrap="square" rtlCol="0">
-              <a:spAutoFit/>
-            </a:bodyPr>
-            <a:lstStyle/>
-            <a:p>
-              <a:r>
-                <a:rPr lang="en-US" i="1" dirty="0"/>
-                <a:t>3.37</a:t>
-              </a:r>
-            </a:p>
-          </p:txBody>
-        </p:sp>
-        <p:sp>
-          <p:nvSpPr>
-            <p:cNvPr id="33" name="TextBox 32">
-              <a:extLst>
-                <a:ext uri="{FF2B5EF4-FFF2-40B4-BE49-F238E27FC236}">
-                  <a16:creationId xmlns:a16="http://schemas.microsoft.com/office/drawing/2014/main" id="{9257865C-0BEE-4BB3-80E1-93B3BB99AA04}"/>
-                </a:ext>
-              </a:extLst>
-            </p:cNvPr>
-            <p:cNvSpPr txBox="1"/>
-            <p:nvPr/>
-          </p:nvSpPr>
-          <p:spPr>
-            <a:xfrm>
-              <a:off x="3456507" y="2893091"/>
-              <a:ext cx="1237957" cy="369332"/>
-            </a:xfrm>
-            <a:prstGeom prst="rect">
-              <a:avLst/>
-            </a:prstGeom>
-            <a:noFill/>
-          </p:spPr>
-          <p:txBody>
-            <a:bodyPr wrap="square" rtlCol="0">
-              <a:spAutoFit/>
-            </a:bodyPr>
-            <a:lstStyle/>
-            <a:p>
-              <a:r>
-                <a:rPr lang="en-US" i="1" dirty="0"/>
-                <a:t>3.32</a:t>
-              </a:r>
-            </a:p>
-          </p:txBody>
-        </p:sp>
-        <p:sp>
-          <p:nvSpPr>
-            <p:cNvPr id="34" name="TextBox 33">
-              <a:extLst>
-                <a:ext uri="{FF2B5EF4-FFF2-40B4-BE49-F238E27FC236}">
-                  <a16:creationId xmlns:a16="http://schemas.microsoft.com/office/drawing/2014/main" id="{1E4793CE-A257-49B6-964E-CC496CC1B540}"/>
-                </a:ext>
-              </a:extLst>
-            </p:cNvPr>
-            <p:cNvSpPr txBox="1"/>
-            <p:nvPr/>
-          </p:nvSpPr>
-          <p:spPr>
-            <a:xfrm>
-              <a:off x="3456507" y="3352365"/>
-              <a:ext cx="1237957" cy="369332"/>
-            </a:xfrm>
-            <a:prstGeom prst="rect">
-              <a:avLst/>
-            </a:prstGeom>
-            <a:noFill/>
-          </p:spPr>
-          <p:txBody>
-            <a:bodyPr wrap="square" rtlCol="0">
-              <a:spAutoFit/>
-            </a:bodyPr>
-            <a:lstStyle/>
-            <a:p>
-              <a:r>
-                <a:rPr lang="en-US" i="1" dirty="0"/>
-                <a:t>2.87</a:t>
-              </a:r>
-            </a:p>
-          </p:txBody>
-        </p:sp>
-        <p:sp>
-          <p:nvSpPr>
-            <p:cNvPr id="35" name="TextBox 34">
-              <a:extLst>
-                <a:ext uri="{FF2B5EF4-FFF2-40B4-BE49-F238E27FC236}">
-                  <a16:creationId xmlns:a16="http://schemas.microsoft.com/office/drawing/2014/main" id="{C2036315-D479-46E9-9F87-E42E4215BF87}"/>
-                </a:ext>
-              </a:extLst>
-            </p:cNvPr>
-            <p:cNvSpPr txBox="1"/>
-            <p:nvPr/>
-          </p:nvSpPr>
-          <p:spPr>
-            <a:xfrm>
-              <a:off x="3456507" y="3811639"/>
-              <a:ext cx="1237957" cy="369332"/>
-            </a:xfrm>
-            <a:prstGeom prst="rect">
-              <a:avLst/>
-            </a:prstGeom>
-            <a:noFill/>
-          </p:spPr>
-          <p:txBody>
-            <a:bodyPr wrap="square" rtlCol="0">
-              <a:spAutoFit/>
-            </a:bodyPr>
-            <a:lstStyle/>
-            <a:p>
-              <a:r>
-                <a:rPr lang="en-US" i="1" dirty="0"/>
-                <a:t>2.45</a:t>
-              </a:r>
-            </a:p>
-          </p:txBody>
-        </p:sp>
-        <p:sp>
-          <p:nvSpPr>
-            <p:cNvPr id="36" name="TextBox 35">
-              <a:extLst>
-                <a:ext uri="{FF2B5EF4-FFF2-40B4-BE49-F238E27FC236}">
-                  <a16:creationId xmlns:a16="http://schemas.microsoft.com/office/drawing/2014/main" id="{892CBBF0-1BFF-4EA7-B194-BC6A5035A348}"/>
-                </a:ext>
-              </a:extLst>
-            </p:cNvPr>
-            <p:cNvSpPr txBox="1"/>
-            <p:nvPr/>
-          </p:nvSpPr>
-          <p:spPr>
-            <a:xfrm>
-              <a:off x="3456507" y="4270913"/>
-              <a:ext cx="1237957" cy="369332"/>
-            </a:xfrm>
-            <a:prstGeom prst="rect">
-              <a:avLst/>
-            </a:prstGeom>
-            <a:noFill/>
-          </p:spPr>
-          <p:txBody>
-            <a:bodyPr wrap="square" rtlCol="0">
-              <a:spAutoFit/>
-            </a:bodyPr>
-            <a:lstStyle/>
-            <a:p>
-              <a:r>
-                <a:rPr lang="en-US" i="1" dirty="0"/>
-                <a:t>2.36</a:t>
-              </a:r>
-            </a:p>
-          </p:txBody>
-        </p:sp>
-        <p:sp>
-          <p:nvSpPr>
-            <p:cNvPr id="37" name="TextBox 36">
-              <a:extLst>
-                <a:ext uri="{FF2B5EF4-FFF2-40B4-BE49-F238E27FC236}">
-                  <a16:creationId xmlns:a16="http://schemas.microsoft.com/office/drawing/2014/main" id="{998C8DB4-6393-4493-B4D0-9C1AA85263D4}"/>
-                </a:ext>
-              </a:extLst>
-            </p:cNvPr>
-            <p:cNvSpPr txBox="1"/>
-            <p:nvPr/>
-          </p:nvSpPr>
-          <p:spPr>
-            <a:xfrm>
-              <a:off x="3456507" y="4730187"/>
-              <a:ext cx="1237957" cy="369332"/>
-            </a:xfrm>
-            <a:prstGeom prst="rect">
-              <a:avLst/>
-            </a:prstGeom>
-            <a:noFill/>
-          </p:spPr>
-          <p:txBody>
-            <a:bodyPr wrap="square" rtlCol="0">
-              <a:spAutoFit/>
-            </a:bodyPr>
-            <a:lstStyle/>
-            <a:p>
-              <a:r>
-                <a:rPr lang="en-US" i="1" dirty="0"/>
-                <a:t>2.06</a:t>
-              </a:r>
-            </a:p>
-          </p:txBody>
-        </p:sp>
-        <p:sp>
-          <p:nvSpPr>
-            <p:cNvPr id="38" name="TextBox 37">
-              <a:extLst>
-                <a:ext uri="{FF2B5EF4-FFF2-40B4-BE49-F238E27FC236}">
-                  <a16:creationId xmlns:a16="http://schemas.microsoft.com/office/drawing/2014/main" id="{B645D6E2-FC2A-41C1-90C2-4C9650896033}"/>
-                </a:ext>
-              </a:extLst>
-            </p:cNvPr>
-            <p:cNvSpPr txBox="1"/>
-            <p:nvPr/>
-          </p:nvSpPr>
-          <p:spPr>
-            <a:xfrm>
-              <a:off x="3456507" y="5189461"/>
-              <a:ext cx="1237957" cy="369332"/>
-            </a:xfrm>
-            <a:prstGeom prst="rect">
-              <a:avLst/>
-            </a:prstGeom>
-            <a:noFill/>
-          </p:spPr>
-          <p:txBody>
-            <a:bodyPr wrap="square" rtlCol="0">
-              <a:spAutoFit/>
-            </a:bodyPr>
-            <a:lstStyle/>
-            <a:p>
-              <a:r>
-                <a:rPr lang="en-US" i="1" dirty="0"/>
-                <a:t>1.73</a:t>
-              </a:r>
-            </a:p>
-          </p:txBody>
-        </p:sp>
-        <p:sp>
-          <p:nvSpPr>
-            <p:cNvPr id="39" name="TextBox 38">
-              <a:extLst>
-                <a:ext uri="{FF2B5EF4-FFF2-40B4-BE49-F238E27FC236}">
-                  <a16:creationId xmlns:a16="http://schemas.microsoft.com/office/drawing/2014/main" id="{D659BF83-9EBA-416E-8AA3-4C93E199399F}"/>
-                </a:ext>
-              </a:extLst>
-            </p:cNvPr>
-            <p:cNvSpPr txBox="1"/>
-            <p:nvPr/>
-          </p:nvSpPr>
-          <p:spPr>
-            <a:xfrm>
-              <a:off x="3456507" y="5648735"/>
-              <a:ext cx="1237957" cy="369332"/>
-            </a:xfrm>
-            <a:prstGeom prst="rect">
-              <a:avLst/>
-            </a:prstGeom>
-            <a:noFill/>
-          </p:spPr>
-          <p:txBody>
-            <a:bodyPr wrap="square" rtlCol="0">
-              <a:spAutoFit/>
-            </a:bodyPr>
-            <a:lstStyle/>
-            <a:p>
-              <a:r>
-                <a:rPr lang="en-US" i="1" dirty="0"/>
-                <a:t>1.00</a:t>
-              </a:r>
-            </a:p>
-          </p:txBody>
-        </p:sp>
-        <p:sp>
-          <p:nvSpPr>
-            <p:cNvPr id="40" name="TextBox 39">
-              <a:extLst>
-                <a:ext uri="{FF2B5EF4-FFF2-40B4-BE49-F238E27FC236}">
-                  <a16:creationId xmlns:a16="http://schemas.microsoft.com/office/drawing/2014/main" id="{A1955DF9-0A34-4132-BB80-0A4B02A0C186}"/>
-                </a:ext>
-              </a:extLst>
-            </p:cNvPr>
-            <p:cNvSpPr txBox="1"/>
-            <p:nvPr/>
-          </p:nvSpPr>
-          <p:spPr>
-            <a:xfrm>
-              <a:off x="3456507" y="6108011"/>
-              <a:ext cx="1237957" cy="369332"/>
-            </a:xfrm>
-            <a:prstGeom prst="rect">
-              <a:avLst/>
-            </a:prstGeom>
-            <a:noFill/>
-          </p:spPr>
-          <p:txBody>
-            <a:bodyPr wrap="square" rtlCol="0">
-              <a:spAutoFit/>
-            </a:bodyPr>
-            <a:lstStyle/>
-            <a:p>
-              <a:r>
-                <a:rPr lang="en-US" i="1" dirty="0"/>
-                <a:t>1.00</a:t>
-              </a:r>
-            </a:p>
-          </p:txBody>
-        </p:sp>
-      </p:grpSp>
-    </p:spTree>
-    <p:extLst>
-      <p:ext uri="{BB962C8B-B14F-4D97-AF65-F5344CB8AC3E}">
-        <p14:creationId xmlns:p14="http://schemas.microsoft.com/office/powerpoint/2010/main" val="1773979766"/>
-      </p:ext>
-    </p:extLst>
-  </p:cSld>
-  <p:clrMapOvr>
-    <a:masterClrMapping/>
-  </p:clrMapOvr>
-</p:sld>
-</file>
-
-<file path=ppt/slides/slide11.xml><?xml version="1.0" encoding="utf-8"?>
-<p:sld xmlns:a="http://schemas.openxmlformats.org/drawingml/2006/main" xmlns:r="http://schemas.openxmlformats.org/officeDocument/2006/relationships" xmlns:p="http://schemas.openxmlformats.org/presentationml/2006/main">
-  <p:cSld>
-    <p:spTree>
-      <p:nvGrpSpPr>
-        <p:cNvPr id="1" name=""/>
-        <p:cNvGrpSpPr/>
-        <p:nvPr/>
-      </p:nvGrpSpPr>
-      <p:grpSpPr>
-        <a:xfrm>
-          <a:off x="0" y="0"/>
-          <a:ext cx="0" cy="0"/>
-          <a:chOff x="0" y="0"/>
-          <a:chExt cx="0" cy="0"/>
-        </a:xfrm>
-      </p:grpSpPr>
-      <p:pic>
-        <p:nvPicPr>
-          <p:cNvPr id="26" name="Picture 25" descr="A picture containing clock&#10;&#10;Description automatically generated">
-            <a:extLst>
-              <a:ext uri="{FF2B5EF4-FFF2-40B4-BE49-F238E27FC236}">
-                <a16:creationId xmlns:a16="http://schemas.microsoft.com/office/drawing/2014/main" id="{BB0887E7-AC55-48C2-AFD1-88BCDFE7FFF7}"/>
-              </a:ext>
-            </a:extLst>
-          </p:cNvPr>
-          <p:cNvPicPr>
-            <a:picLocks noChangeAspect="1"/>
-          </p:cNvPicPr>
-          <p:nvPr/>
-        </p:nvPicPr>
-        <p:blipFill rotWithShape="1">
-          <a:blip r:embed="rId3">
-            <a:extLst>
-              <a:ext uri="{28A0092B-C50C-407E-A947-70E740481C1C}">
-                <a14:useLocalDpi xmlns:a14="http://schemas.microsoft.com/office/drawing/2010/main" val="0"/>
-              </a:ext>
-            </a:extLst>
-          </a:blip>
-          <a:srcRect l="10814" r="32776"/>
-          <a:stretch/>
-        </p:blipFill>
-        <p:spPr>
-          <a:xfrm>
-            <a:off x="6471372" y="397825"/>
-            <a:ext cx="2625969" cy="6264695"/>
-          </a:xfrm>
-          <a:prstGeom prst="rect">
-            <a:avLst/>
-          </a:prstGeom>
-        </p:spPr>
-      </p:pic>
-      <p:pic>
-        <p:nvPicPr>
-          <p:cNvPr id="27" name="Picture 26">
-            <a:extLst>
-              <a:ext uri="{FF2B5EF4-FFF2-40B4-BE49-F238E27FC236}">
-                <a16:creationId xmlns:a16="http://schemas.microsoft.com/office/drawing/2014/main" id="{37A0300A-6DF9-4707-B77C-C5D4AADF8D0A}"/>
-              </a:ext>
-            </a:extLst>
-          </p:cNvPr>
-          <p:cNvPicPr>
-            <a:picLocks noChangeAspect="1"/>
-          </p:cNvPicPr>
-          <p:nvPr/>
-        </p:nvPicPr>
-        <p:blipFill rotWithShape="1">
-          <a:blip r:embed="rId4">
-            <a:extLst>
-              <a:ext uri="{28A0092B-C50C-407E-A947-70E740481C1C}">
-                <a14:useLocalDpi xmlns:a14="http://schemas.microsoft.com/office/drawing/2010/main" val="0"/>
-              </a:ext>
-            </a:extLst>
-          </a:blip>
-          <a:srcRect l="10162" r="29688"/>
-          <a:stretch/>
-        </p:blipFill>
-        <p:spPr>
-          <a:xfrm>
-            <a:off x="9183027" y="411895"/>
-            <a:ext cx="2784651" cy="6230274"/>
-          </a:xfrm>
-          <a:prstGeom prst="rect">
-            <a:avLst/>
-          </a:prstGeom>
-        </p:spPr>
-      </p:pic>
-      <p:sp>
-        <p:nvSpPr>
-          <p:cNvPr id="28" name="TextBox 27">
-            <a:extLst>
-              <a:ext uri="{FF2B5EF4-FFF2-40B4-BE49-F238E27FC236}">
-                <a16:creationId xmlns:a16="http://schemas.microsoft.com/office/drawing/2014/main" id="{99F4C3E1-8EE8-40DD-80AB-07CBF96E7EAE}"/>
-              </a:ext>
-            </a:extLst>
-          </p:cNvPr>
-          <p:cNvSpPr txBox="1"/>
-          <p:nvPr/>
-        </p:nvSpPr>
-        <p:spPr>
-          <a:xfrm>
-            <a:off x="12149858" y="1789524"/>
-            <a:ext cx="1578334" cy="830997"/>
-          </a:xfrm>
-          <a:prstGeom prst="rect">
-            <a:avLst/>
-          </a:prstGeom>
-          <a:noFill/>
-        </p:spPr>
-        <p:txBody>
-          <a:bodyPr wrap="square" rtlCol="0">
-            <a:spAutoFit/>
-          </a:bodyPr>
-          <a:lstStyle/>
-          <a:p>
-            <a:r>
-              <a:rPr lang="en-US" sz="2400" dirty="0"/>
-              <a:t>Rank by</a:t>
-            </a:r>
-          </a:p>
-          <a:p>
-            <a:r>
-              <a:rPr lang="en-US" sz="2400" dirty="0"/>
-              <a:t>Preference</a:t>
-            </a:r>
-          </a:p>
-        </p:txBody>
-      </p:sp>
-      <p:pic>
-        <p:nvPicPr>
-          <p:cNvPr id="29" name="Picture 28" descr="A close up of a logo&#10;&#10;Description automatically generated">
-            <a:extLst>
-              <a:ext uri="{FF2B5EF4-FFF2-40B4-BE49-F238E27FC236}">
-                <a16:creationId xmlns:a16="http://schemas.microsoft.com/office/drawing/2014/main" id="{667236C7-89C5-4E78-B054-26C6863E0A41}"/>
-              </a:ext>
-            </a:extLst>
-          </p:cNvPr>
-          <p:cNvPicPr>
-            <a:picLocks noChangeAspect="1"/>
-          </p:cNvPicPr>
-          <p:nvPr/>
-        </p:nvPicPr>
-        <p:blipFill rotWithShape="1">
-          <a:blip r:embed="rId5">
-            <a:extLst>
-              <a:ext uri="{28A0092B-C50C-407E-A947-70E740481C1C}">
-                <a14:useLocalDpi xmlns:a14="http://schemas.microsoft.com/office/drawing/2010/main" val="0"/>
-              </a:ext>
-            </a:extLst>
-          </a:blip>
-          <a:srcRect l="73004" t="42701" r="17406" b="41504"/>
-          <a:stretch/>
-        </p:blipFill>
-        <p:spPr>
-          <a:xfrm>
-            <a:off x="12106544" y="2620521"/>
-            <a:ext cx="1281864" cy="2903050"/>
-          </a:xfrm>
-          <a:prstGeom prst="rect">
-            <a:avLst/>
-          </a:prstGeom>
-        </p:spPr>
-      </p:pic>
-      <p:sp>
-        <p:nvSpPr>
-          <p:cNvPr id="30" name="TextBox 29">
-            <a:extLst>
-              <a:ext uri="{FF2B5EF4-FFF2-40B4-BE49-F238E27FC236}">
-                <a16:creationId xmlns:a16="http://schemas.microsoft.com/office/drawing/2014/main" id="{27CA8C75-75FF-44A4-9987-6BBBA81944EE}"/>
-              </a:ext>
-            </a:extLst>
-          </p:cNvPr>
-          <p:cNvSpPr txBox="1"/>
-          <p:nvPr/>
-        </p:nvSpPr>
-        <p:spPr>
-          <a:xfrm>
-            <a:off x="6915788" y="50733"/>
-            <a:ext cx="2106526" cy="461665"/>
-          </a:xfrm>
-          <a:prstGeom prst="rect">
-            <a:avLst/>
-          </a:prstGeom>
-          <a:noFill/>
-        </p:spPr>
-        <p:txBody>
-          <a:bodyPr wrap="square" rtlCol="0">
-            <a:spAutoFit/>
-          </a:bodyPr>
-          <a:lstStyle/>
-          <a:p>
-            <a:r>
-              <a:rPr lang="en-US" sz="2400" dirty="0"/>
-              <a:t>Ground-Truth</a:t>
-            </a:r>
-          </a:p>
-        </p:txBody>
-      </p:sp>
-      <p:sp>
-        <p:nvSpPr>
-          <p:cNvPr id="31" name="TextBox 30">
-            <a:extLst>
-              <a:ext uri="{FF2B5EF4-FFF2-40B4-BE49-F238E27FC236}">
-                <a16:creationId xmlns:a16="http://schemas.microsoft.com/office/drawing/2014/main" id="{8ED676C3-E5EB-449B-8007-860B0CA3EE1A}"/>
-              </a:ext>
-            </a:extLst>
-          </p:cNvPr>
-          <p:cNvSpPr txBox="1"/>
-          <p:nvPr/>
-        </p:nvSpPr>
-        <p:spPr>
-          <a:xfrm>
-            <a:off x="9587687" y="50733"/>
-            <a:ext cx="2106526" cy="461665"/>
-          </a:xfrm>
-          <a:prstGeom prst="rect">
-            <a:avLst/>
-          </a:prstGeom>
-          <a:noFill/>
-        </p:spPr>
-        <p:txBody>
-          <a:bodyPr wrap="square" rtlCol="0">
-            <a:spAutoFit/>
-          </a:bodyPr>
-          <a:lstStyle/>
-          <a:p>
-            <a:r>
-              <a:rPr lang="en-US" sz="2400" dirty="0"/>
-              <a:t>Reconstructed</a:t>
-            </a:r>
-          </a:p>
-        </p:txBody>
-      </p:sp>
-      <p:sp>
-        <p:nvSpPr>
-          <p:cNvPr id="32" name="TextBox 31">
-            <a:extLst>
-              <a:ext uri="{FF2B5EF4-FFF2-40B4-BE49-F238E27FC236}">
-                <a16:creationId xmlns:a16="http://schemas.microsoft.com/office/drawing/2014/main" id="{77CD2619-B77C-4AD3-8539-78A4516566DF}"/>
-              </a:ext>
-            </a:extLst>
-          </p:cNvPr>
-          <p:cNvSpPr txBox="1"/>
-          <p:nvPr/>
-        </p:nvSpPr>
-        <p:spPr>
-          <a:xfrm>
-            <a:off x="5886182" y="516246"/>
-            <a:ext cx="731520" cy="369332"/>
-          </a:xfrm>
-          <a:prstGeom prst="rect">
-            <a:avLst/>
-          </a:prstGeom>
-          <a:noFill/>
-        </p:spPr>
-        <p:txBody>
-          <a:bodyPr wrap="square" rtlCol="0">
-            <a:spAutoFit/>
-          </a:bodyPr>
-          <a:lstStyle/>
-          <a:p>
-            <a:r>
-              <a:rPr lang="en-US" i="1" dirty="0"/>
-              <a:t>7.07</a:t>
-            </a:r>
-          </a:p>
-        </p:txBody>
-      </p:sp>
-      <p:sp>
-        <p:nvSpPr>
-          <p:cNvPr id="33" name="TextBox 32">
-            <a:extLst>
-              <a:ext uri="{FF2B5EF4-FFF2-40B4-BE49-F238E27FC236}">
-                <a16:creationId xmlns:a16="http://schemas.microsoft.com/office/drawing/2014/main" id="{6370E5E1-3FEE-4315-B3AA-4A379A03C4AB}"/>
-              </a:ext>
-            </a:extLst>
-          </p:cNvPr>
-          <p:cNvSpPr txBox="1"/>
-          <p:nvPr/>
-        </p:nvSpPr>
-        <p:spPr>
-          <a:xfrm>
-            <a:off x="5886182" y="968408"/>
-            <a:ext cx="731520" cy="369332"/>
-          </a:xfrm>
-          <a:prstGeom prst="rect">
-            <a:avLst/>
-          </a:prstGeom>
-          <a:noFill/>
-        </p:spPr>
-        <p:txBody>
-          <a:bodyPr wrap="square" rtlCol="0">
-            <a:spAutoFit/>
-          </a:bodyPr>
-          <a:lstStyle/>
-          <a:p>
-            <a:r>
-              <a:rPr lang="en-US" i="1" dirty="0"/>
-              <a:t>6.66</a:t>
-            </a:r>
-          </a:p>
-        </p:txBody>
-      </p:sp>
-      <p:sp>
-        <p:nvSpPr>
-          <p:cNvPr id="34" name="TextBox 33">
-            <a:extLst>
-              <a:ext uri="{FF2B5EF4-FFF2-40B4-BE49-F238E27FC236}">
-                <a16:creationId xmlns:a16="http://schemas.microsoft.com/office/drawing/2014/main" id="{03BF971E-7EC9-43A7-BCC6-A64D737914B0}"/>
-              </a:ext>
-            </a:extLst>
-          </p:cNvPr>
-          <p:cNvSpPr txBox="1"/>
-          <p:nvPr/>
-        </p:nvSpPr>
-        <p:spPr>
-          <a:xfrm>
-            <a:off x="5886182" y="1420570"/>
-            <a:ext cx="731520" cy="369332"/>
-          </a:xfrm>
-          <a:prstGeom prst="rect">
-            <a:avLst/>
-          </a:prstGeom>
-          <a:noFill/>
-        </p:spPr>
-        <p:txBody>
-          <a:bodyPr wrap="square" rtlCol="0">
-            <a:spAutoFit/>
-          </a:bodyPr>
-          <a:lstStyle/>
-          <a:p>
-            <a:r>
-              <a:rPr lang="en-US" i="1" dirty="0"/>
-              <a:t>6.29</a:t>
-            </a:r>
-          </a:p>
-        </p:txBody>
-      </p:sp>
-      <p:sp>
-        <p:nvSpPr>
-          <p:cNvPr id="35" name="TextBox 34">
-            <a:extLst>
-              <a:ext uri="{FF2B5EF4-FFF2-40B4-BE49-F238E27FC236}">
-                <a16:creationId xmlns:a16="http://schemas.microsoft.com/office/drawing/2014/main" id="{DF516545-7CFF-4C15-BE2E-1ABD1A866638}"/>
-              </a:ext>
-            </a:extLst>
-          </p:cNvPr>
-          <p:cNvSpPr txBox="1"/>
-          <p:nvPr/>
-        </p:nvSpPr>
-        <p:spPr>
-          <a:xfrm>
-            <a:off x="5886182" y="1872732"/>
-            <a:ext cx="731520" cy="369332"/>
-          </a:xfrm>
-          <a:prstGeom prst="rect">
-            <a:avLst/>
-          </a:prstGeom>
-          <a:noFill/>
-        </p:spPr>
-        <p:txBody>
-          <a:bodyPr wrap="square" rtlCol="0">
-            <a:spAutoFit/>
-          </a:bodyPr>
-          <a:lstStyle/>
-          <a:p>
-            <a:r>
-              <a:rPr lang="en-US" i="1" dirty="0"/>
-              <a:t>3.77</a:t>
-            </a:r>
-          </a:p>
-        </p:txBody>
-      </p:sp>
-      <p:sp>
-        <p:nvSpPr>
-          <p:cNvPr id="36" name="TextBox 35">
-            <a:extLst>
-              <a:ext uri="{FF2B5EF4-FFF2-40B4-BE49-F238E27FC236}">
-                <a16:creationId xmlns:a16="http://schemas.microsoft.com/office/drawing/2014/main" id="{0F1BB2F4-13A0-47EC-AA3C-A2AD2C6A1EF2}"/>
-              </a:ext>
-            </a:extLst>
-          </p:cNvPr>
-          <p:cNvSpPr txBox="1"/>
-          <p:nvPr/>
-        </p:nvSpPr>
-        <p:spPr>
-          <a:xfrm>
-            <a:off x="5886182" y="2324894"/>
-            <a:ext cx="731520" cy="369332"/>
-          </a:xfrm>
-          <a:prstGeom prst="rect">
-            <a:avLst/>
-          </a:prstGeom>
-          <a:noFill/>
-        </p:spPr>
-        <p:txBody>
-          <a:bodyPr wrap="square" rtlCol="0">
-            <a:spAutoFit/>
-          </a:bodyPr>
-          <a:lstStyle/>
-          <a:p>
-            <a:r>
-              <a:rPr lang="en-US" i="1" dirty="0"/>
-              <a:t>3.37</a:t>
-            </a:r>
-          </a:p>
-        </p:txBody>
-      </p:sp>
-      <p:sp>
-        <p:nvSpPr>
-          <p:cNvPr id="37" name="TextBox 36">
-            <a:extLst>
-              <a:ext uri="{FF2B5EF4-FFF2-40B4-BE49-F238E27FC236}">
-                <a16:creationId xmlns:a16="http://schemas.microsoft.com/office/drawing/2014/main" id="{DD14178E-D2A7-49CF-90C9-2BE1C70630D1}"/>
-              </a:ext>
-            </a:extLst>
-          </p:cNvPr>
-          <p:cNvSpPr txBox="1"/>
-          <p:nvPr/>
-        </p:nvSpPr>
-        <p:spPr>
-          <a:xfrm>
-            <a:off x="5886182" y="2777056"/>
-            <a:ext cx="731520" cy="369332"/>
-          </a:xfrm>
-          <a:prstGeom prst="rect">
-            <a:avLst/>
-          </a:prstGeom>
-          <a:noFill/>
-        </p:spPr>
-        <p:txBody>
-          <a:bodyPr wrap="square" rtlCol="0">
-            <a:spAutoFit/>
-          </a:bodyPr>
-          <a:lstStyle/>
-          <a:p>
-            <a:r>
-              <a:rPr lang="en-US" i="1" dirty="0"/>
-              <a:t>3.32</a:t>
-            </a:r>
-          </a:p>
-        </p:txBody>
-      </p:sp>
-      <p:sp>
-        <p:nvSpPr>
-          <p:cNvPr id="38" name="TextBox 37">
-            <a:extLst>
-              <a:ext uri="{FF2B5EF4-FFF2-40B4-BE49-F238E27FC236}">
-                <a16:creationId xmlns:a16="http://schemas.microsoft.com/office/drawing/2014/main" id="{25C383A5-C951-47E3-846C-65DF32898169}"/>
-              </a:ext>
-            </a:extLst>
-          </p:cNvPr>
-          <p:cNvSpPr txBox="1"/>
-          <p:nvPr/>
-        </p:nvSpPr>
-        <p:spPr>
-          <a:xfrm>
-            <a:off x="5886182" y="3229218"/>
-            <a:ext cx="731520" cy="369332"/>
-          </a:xfrm>
-          <a:prstGeom prst="rect">
-            <a:avLst/>
-          </a:prstGeom>
-          <a:noFill/>
-        </p:spPr>
-        <p:txBody>
-          <a:bodyPr wrap="square" rtlCol="0">
-            <a:spAutoFit/>
-          </a:bodyPr>
-          <a:lstStyle/>
-          <a:p>
-            <a:r>
-              <a:rPr lang="en-US" i="1" dirty="0"/>
-              <a:t>2.87</a:t>
-            </a:r>
-          </a:p>
-        </p:txBody>
-      </p:sp>
-      <p:sp>
-        <p:nvSpPr>
-          <p:cNvPr id="39" name="TextBox 38">
-            <a:extLst>
-              <a:ext uri="{FF2B5EF4-FFF2-40B4-BE49-F238E27FC236}">
-                <a16:creationId xmlns:a16="http://schemas.microsoft.com/office/drawing/2014/main" id="{16917911-87C7-4DF5-959E-9E8BED8FBD6D}"/>
-              </a:ext>
-            </a:extLst>
-          </p:cNvPr>
-          <p:cNvSpPr txBox="1"/>
-          <p:nvPr/>
-        </p:nvSpPr>
-        <p:spPr>
-          <a:xfrm>
-            <a:off x="5886182" y="3681380"/>
-            <a:ext cx="731520" cy="369332"/>
-          </a:xfrm>
-          <a:prstGeom prst="rect">
-            <a:avLst/>
-          </a:prstGeom>
-          <a:noFill/>
-        </p:spPr>
-        <p:txBody>
-          <a:bodyPr wrap="square" rtlCol="0">
-            <a:spAutoFit/>
-          </a:bodyPr>
-          <a:lstStyle/>
-          <a:p>
-            <a:r>
-              <a:rPr lang="en-US" i="1" dirty="0"/>
-              <a:t>2.45</a:t>
-            </a:r>
-          </a:p>
-        </p:txBody>
-      </p:sp>
-      <p:sp>
-        <p:nvSpPr>
-          <p:cNvPr id="40" name="TextBox 39">
-            <a:extLst>
-              <a:ext uri="{FF2B5EF4-FFF2-40B4-BE49-F238E27FC236}">
-                <a16:creationId xmlns:a16="http://schemas.microsoft.com/office/drawing/2014/main" id="{2C44C6AC-061F-4589-A4F4-7E3B77A3D860}"/>
-              </a:ext>
-            </a:extLst>
-          </p:cNvPr>
-          <p:cNvSpPr txBox="1"/>
-          <p:nvPr/>
-        </p:nvSpPr>
-        <p:spPr>
-          <a:xfrm>
-            <a:off x="5886182" y="4133542"/>
-            <a:ext cx="731520" cy="369332"/>
-          </a:xfrm>
-          <a:prstGeom prst="rect">
-            <a:avLst/>
-          </a:prstGeom>
-          <a:noFill/>
-        </p:spPr>
-        <p:txBody>
-          <a:bodyPr wrap="square" rtlCol="0">
-            <a:spAutoFit/>
-          </a:bodyPr>
-          <a:lstStyle/>
-          <a:p>
-            <a:r>
-              <a:rPr lang="en-US" i="1" dirty="0"/>
-              <a:t>2.36</a:t>
-            </a:r>
-          </a:p>
-        </p:txBody>
-      </p:sp>
-      <p:sp>
-        <p:nvSpPr>
-          <p:cNvPr id="41" name="TextBox 40">
-            <a:extLst>
-              <a:ext uri="{FF2B5EF4-FFF2-40B4-BE49-F238E27FC236}">
-                <a16:creationId xmlns:a16="http://schemas.microsoft.com/office/drawing/2014/main" id="{63F0F759-FEFB-45E5-96E8-BF542FF32506}"/>
-              </a:ext>
-            </a:extLst>
-          </p:cNvPr>
-          <p:cNvSpPr txBox="1"/>
-          <p:nvPr/>
-        </p:nvSpPr>
-        <p:spPr>
-          <a:xfrm>
-            <a:off x="5886182" y="4585704"/>
-            <a:ext cx="731520" cy="369332"/>
-          </a:xfrm>
-          <a:prstGeom prst="rect">
-            <a:avLst/>
-          </a:prstGeom>
-          <a:noFill/>
-        </p:spPr>
-        <p:txBody>
-          <a:bodyPr wrap="square" rtlCol="0">
-            <a:spAutoFit/>
-          </a:bodyPr>
-          <a:lstStyle/>
-          <a:p>
-            <a:r>
-              <a:rPr lang="en-US" i="1" dirty="0"/>
-              <a:t>2.06</a:t>
-            </a:r>
-          </a:p>
-        </p:txBody>
-      </p:sp>
-      <p:sp>
-        <p:nvSpPr>
-          <p:cNvPr id="42" name="TextBox 41">
-            <a:extLst>
-              <a:ext uri="{FF2B5EF4-FFF2-40B4-BE49-F238E27FC236}">
-                <a16:creationId xmlns:a16="http://schemas.microsoft.com/office/drawing/2014/main" id="{F31D36E4-3ACF-42C6-A90E-7FDC1B6AE96B}"/>
-              </a:ext>
-            </a:extLst>
-          </p:cNvPr>
-          <p:cNvSpPr txBox="1"/>
-          <p:nvPr/>
-        </p:nvSpPr>
-        <p:spPr>
-          <a:xfrm>
-            <a:off x="5886182" y="5037866"/>
-            <a:ext cx="731520" cy="369332"/>
-          </a:xfrm>
-          <a:prstGeom prst="rect">
-            <a:avLst/>
-          </a:prstGeom>
-          <a:noFill/>
-        </p:spPr>
-        <p:txBody>
-          <a:bodyPr wrap="square" rtlCol="0">
-            <a:spAutoFit/>
-          </a:bodyPr>
-          <a:lstStyle/>
-          <a:p>
-            <a:r>
-              <a:rPr lang="en-US" i="1" dirty="0"/>
-              <a:t>1.73</a:t>
-            </a:r>
-          </a:p>
-        </p:txBody>
-      </p:sp>
-      <p:sp>
-        <p:nvSpPr>
-          <p:cNvPr id="43" name="TextBox 42">
-            <a:extLst>
-              <a:ext uri="{FF2B5EF4-FFF2-40B4-BE49-F238E27FC236}">
-                <a16:creationId xmlns:a16="http://schemas.microsoft.com/office/drawing/2014/main" id="{8709CAB3-5AC7-4615-96F9-B40B2F948D3B}"/>
-              </a:ext>
-            </a:extLst>
-          </p:cNvPr>
-          <p:cNvSpPr txBox="1"/>
-          <p:nvPr/>
-        </p:nvSpPr>
-        <p:spPr>
-          <a:xfrm>
-            <a:off x="5886182" y="5490028"/>
-            <a:ext cx="731520" cy="369332"/>
-          </a:xfrm>
-          <a:prstGeom prst="rect">
-            <a:avLst/>
-          </a:prstGeom>
-          <a:noFill/>
-        </p:spPr>
-        <p:txBody>
-          <a:bodyPr wrap="square" rtlCol="0">
-            <a:spAutoFit/>
-          </a:bodyPr>
-          <a:lstStyle/>
-          <a:p>
-            <a:r>
-              <a:rPr lang="en-US" i="1" dirty="0"/>
-              <a:t>1.00</a:t>
-            </a:r>
-          </a:p>
-        </p:txBody>
-      </p:sp>
-      <p:sp>
-        <p:nvSpPr>
-          <p:cNvPr id="44" name="TextBox 43">
-            <a:extLst>
-              <a:ext uri="{FF2B5EF4-FFF2-40B4-BE49-F238E27FC236}">
-                <a16:creationId xmlns:a16="http://schemas.microsoft.com/office/drawing/2014/main" id="{E58CBCEE-8AFC-4F71-917B-1D37760F0D3C}"/>
-              </a:ext>
-            </a:extLst>
-          </p:cNvPr>
-          <p:cNvSpPr txBox="1"/>
-          <p:nvPr/>
-        </p:nvSpPr>
-        <p:spPr>
-          <a:xfrm>
-            <a:off x="5886182" y="5942192"/>
-            <a:ext cx="731520" cy="369332"/>
-          </a:xfrm>
-          <a:prstGeom prst="rect">
-            <a:avLst/>
-          </a:prstGeom>
-          <a:noFill/>
-        </p:spPr>
-        <p:txBody>
-          <a:bodyPr wrap="square" rtlCol="0">
-            <a:spAutoFit/>
-          </a:bodyPr>
-          <a:lstStyle/>
-          <a:p>
-            <a:r>
-              <a:rPr lang="en-US" i="1" dirty="0"/>
-              <a:t>1.00</a:t>
-            </a:r>
-          </a:p>
-        </p:txBody>
-      </p:sp>
-      <p:sp>
-        <p:nvSpPr>
-          <p:cNvPr id="47" name="TextBox 46">
-            <a:extLst>
-              <a:ext uri="{FF2B5EF4-FFF2-40B4-BE49-F238E27FC236}">
-                <a16:creationId xmlns:a16="http://schemas.microsoft.com/office/drawing/2014/main" id="{A8CB7327-4B7C-4CFF-BF8F-1EC69FFBE0D4}"/>
-              </a:ext>
-            </a:extLst>
-          </p:cNvPr>
-          <p:cNvSpPr txBox="1"/>
-          <p:nvPr/>
-        </p:nvSpPr>
-        <p:spPr>
-          <a:xfrm>
-            <a:off x="1100439" y="50733"/>
-            <a:ext cx="2106526" cy="461665"/>
-          </a:xfrm>
-          <a:prstGeom prst="rect">
-            <a:avLst/>
-          </a:prstGeom>
-          <a:noFill/>
-        </p:spPr>
-        <p:txBody>
-          <a:bodyPr wrap="square" rtlCol="0">
-            <a:spAutoFit/>
-          </a:bodyPr>
-          <a:lstStyle/>
-          <a:p>
-            <a:r>
-              <a:rPr lang="en-US" sz="2400" dirty="0"/>
-              <a:t>Ground-Truth</a:t>
-            </a:r>
-          </a:p>
-        </p:txBody>
-      </p:sp>
-      <p:sp>
-        <p:nvSpPr>
-          <p:cNvPr id="48" name="TextBox 47">
-            <a:extLst>
-              <a:ext uri="{FF2B5EF4-FFF2-40B4-BE49-F238E27FC236}">
-                <a16:creationId xmlns:a16="http://schemas.microsoft.com/office/drawing/2014/main" id="{A2D8AA5B-2C88-4914-B375-A438676E4637}"/>
-              </a:ext>
-            </a:extLst>
-          </p:cNvPr>
-          <p:cNvSpPr txBox="1"/>
-          <p:nvPr/>
-        </p:nvSpPr>
-        <p:spPr>
-          <a:xfrm>
-            <a:off x="3384066" y="50733"/>
-            <a:ext cx="2106526" cy="461665"/>
-          </a:xfrm>
-          <a:prstGeom prst="rect">
-            <a:avLst/>
-          </a:prstGeom>
-          <a:noFill/>
-        </p:spPr>
-        <p:txBody>
-          <a:bodyPr wrap="square" rtlCol="0">
-            <a:spAutoFit/>
-          </a:bodyPr>
-          <a:lstStyle/>
-          <a:p>
-            <a:r>
-              <a:rPr lang="en-US" sz="2400" dirty="0"/>
-              <a:t>Reconstructed</a:t>
-            </a:r>
-          </a:p>
-        </p:txBody>
-      </p:sp>
-      <p:cxnSp>
-        <p:nvCxnSpPr>
-          <p:cNvPr id="49" name="Straight Connector 48">
-            <a:extLst>
-              <a:ext uri="{FF2B5EF4-FFF2-40B4-BE49-F238E27FC236}">
-                <a16:creationId xmlns:a16="http://schemas.microsoft.com/office/drawing/2014/main" id="{64FAC628-AEE1-4473-9B9F-CF78BBB43CB4}"/>
-              </a:ext>
-            </a:extLst>
-          </p:cNvPr>
-          <p:cNvCxnSpPr>
-            <a:cxnSpLocks/>
-          </p:cNvCxnSpPr>
-          <p:nvPr/>
-        </p:nvCxnSpPr>
-        <p:spPr>
-          <a:xfrm>
-            <a:off x="880283" y="647737"/>
-            <a:ext cx="0" cy="2103120"/>
-          </a:xfrm>
-          <a:prstGeom prst="line">
-            <a:avLst/>
-          </a:prstGeom>
-          <a:ln w="28575"/>
-        </p:spPr>
-        <p:style>
-          <a:lnRef idx="1">
-            <a:schemeClr val="dk1"/>
-          </a:lnRef>
-          <a:fillRef idx="0">
-            <a:schemeClr val="dk1"/>
-          </a:fillRef>
-          <a:effectRef idx="0">
-            <a:schemeClr val="dk1"/>
-          </a:effectRef>
-          <a:fontRef idx="minor">
-            <a:schemeClr val="tx1"/>
-          </a:fontRef>
-        </p:style>
-      </p:cxnSp>
-      <p:cxnSp>
-        <p:nvCxnSpPr>
-          <p:cNvPr id="50" name="Straight Connector 49">
-            <a:extLst>
-              <a:ext uri="{FF2B5EF4-FFF2-40B4-BE49-F238E27FC236}">
-                <a16:creationId xmlns:a16="http://schemas.microsoft.com/office/drawing/2014/main" id="{95EF20A3-3698-40CA-92B5-6536DC0559ED}"/>
-              </a:ext>
-            </a:extLst>
-          </p:cNvPr>
-          <p:cNvCxnSpPr>
-            <a:cxnSpLocks/>
-          </p:cNvCxnSpPr>
-          <p:nvPr/>
-        </p:nvCxnSpPr>
-        <p:spPr>
-          <a:xfrm>
-            <a:off x="880283" y="2994691"/>
-            <a:ext cx="0" cy="2011680"/>
-          </a:xfrm>
-          <a:prstGeom prst="line">
-            <a:avLst/>
-          </a:prstGeom>
-          <a:ln w="28575"/>
-        </p:spPr>
-        <p:style>
-          <a:lnRef idx="1">
-            <a:schemeClr val="dk1"/>
-          </a:lnRef>
-          <a:fillRef idx="0">
-            <a:schemeClr val="dk1"/>
-          </a:fillRef>
-          <a:effectRef idx="0">
-            <a:schemeClr val="dk1"/>
-          </a:effectRef>
-          <a:fontRef idx="minor">
-            <a:schemeClr val="tx1"/>
-          </a:fontRef>
-        </p:style>
-      </p:cxnSp>
-      <p:cxnSp>
-        <p:nvCxnSpPr>
-          <p:cNvPr id="51" name="Straight Connector 50">
-            <a:extLst>
-              <a:ext uri="{FF2B5EF4-FFF2-40B4-BE49-F238E27FC236}">
-                <a16:creationId xmlns:a16="http://schemas.microsoft.com/office/drawing/2014/main" id="{07126E32-7588-472B-B7C2-8E79B69E2D6A}"/>
-              </a:ext>
-            </a:extLst>
-          </p:cNvPr>
-          <p:cNvCxnSpPr>
-            <a:cxnSpLocks/>
-          </p:cNvCxnSpPr>
-          <p:nvPr/>
-        </p:nvCxnSpPr>
-        <p:spPr>
-          <a:xfrm>
-            <a:off x="880283" y="5243176"/>
-            <a:ext cx="0" cy="1097280"/>
-          </a:xfrm>
-          <a:prstGeom prst="line">
-            <a:avLst/>
-          </a:prstGeom>
-          <a:ln w="28575"/>
-        </p:spPr>
-        <p:style>
-          <a:lnRef idx="1">
-            <a:schemeClr val="dk1"/>
-          </a:lnRef>
-          <a:fillRef idx="0">
-            <a:schemeClr val="dk1"/>
-          </a:fillRef>
-          <a:effectRef idx="0">
-            <a:schemeClr val="dk1"/>
-          </a:effectRef>
-          <a:fontRef idx="minor">
-            <a:schemeClr val="tx1"/>
-          </a:fontRef>
-        </p:style>
-      </p:cxnSp>
-      <p:sp>
-        <p:nvSpPr>
-          <p:cNvPr id="52" name="TextBox 51">
-            <a:extLst>
-              <a:ext uri="{FF2B5EF4-FFF2-40B4-BE49-F238E27FC236}">
-                <a16:creationId xmlns:a16="http://schemas.microsoft.com/office/drawing/2014/main" id="{9A278843-17F6-4EB6-B61D-47143CF04B00}"/>
-              </a:ext>
-            </a:extLst>
-          </p:cNvPr>
-          <p:cNvSpPr txBox="1"/>
-          <p:nvPr/>
-        </p:nvSpPr>
-        <p:spPr>
-          <a:xfrm rot="16200000">
-            <a:off x="-115044" y="1352402"/>
-            <a:ext cx="1375948" cy="461665"/>
-          </a:xfrm>
-          <a:prstGeom prst="rect">
-            <a:avLst/>
-          </a:prstGeom>
-          <a:noFill/>
-        </p:spPr>
-        <p:txBody>
-          <a:bodyPr wrap="square" rtlCol="0">
-            <a:spAutoFit/>
-          </a:bodyPr>
-          <a:lstStyle/>
-          <a:p>
-            <a:r>
-              <a:rPr lang="en-US" sz="2400" i="1" dirty="0"/>
-              <a:t>SD = 2.1</a:t>
-            </a:r>
-          </a:p>
-        </p:txBody>
-      </p:sp>
-      <p:sp>
-        <p:nvSpPr>
-          <p:cNvPr id="53" name="TextBox 52">
-            <a:extLst>
-              <a:ext uri="{FF2B5EF4-FFF2-40B4-BE49-F238E27FC236}">
-                <a16:creationId xmlns:a16="http://schemas.microsoft.com/office/drawing/2014/main" id="{41E90634-0A6F-4934-A748-F65921C873A0}"/>
-              </a:ext>
-            </a:extLst>
-          </p:cNvPr>
-          <p:cNvSpPr txBox="1"/>
-          <p:nvPr/>
-        </p:nvSpPr>
-        <p:spPr>
-          <a:xfrm rot="16200000">
-            <a:off x="-115045" y="3779622"/>
-            <a:ext cx="1375948" cy="461665"/>
-          </a:xfrm>
-          <a:prstGeom prst="rect">
-            <a:avLst/>
-          </a:prstGeom>
-          <a:noFill/>
-        </p:spPr>
-        <p:txBody>
-          <a:bodyPr wrap="square" rtlCol="0">
-            <a:spAutoFit/>
-          </a:bodyPr>
-          <a:lstStyle/>
-          <a:p>
-            <a:r>
-              <a:rPr lang="en-US" sz="2400" i="1" dirty="0"/>
-              <a:t>SD = 1.1</a:t>
-            </a:r>
-          </a:p>
-        </p:txBody>
-      </p:sp>
-      <p:sp>
-        <p:nvSpPr>
-          <p:cNvPr id="54" name="TextBox 53">
-            <a:extLst>
-              <a:ext uri="{FF2B5EF4-FFF2-40B4-BE49-F238E27FC236}">
-                <a16:creationId xmlns:a16="http://schemas.microsoft.com/office/drawing/2014/main" id="{73414921-1F21-4432-B55D-F52557A71192}"/>
-              </a:ext>
-            </a:extLst>
-          </p:cNvPr>
-          <p:cNvSpPr txBox="1"/>
-          <p:nvPr/>
-        </p:nvSpPr>
-        <p:spPr>
-          <a:xfrm rot="16200000">
-            <a:off x="-110547" y="5518867"/>
-            <a:ext cx="1375948" cy="461665"/>
-          </a:xfrm>
-          <a:prstGeom prst="rect">
-            <a:avLst/>
-          </a:prstGeom>
-          <a:noFill/>
-        </p:spPr>
-        <p:txBody>
-          <a:bodyPr wrap="square" rtlCol="0">
-            <a:spAutoFit/>
-          </a:bodyPr>
-          <a:lstStyle/>
-          <a:p>
-            <a:r>
-              <a:rPr lang="en-US" sz="2400" i="1" dirty="0"/>
-              <a:t>SD = 0.1</a:t>
-            </a:r>
-          </a:p>
-        </p:txBody>
-      </p:sp>
-      <p:cxnSp>
-        <p:nvCxnSpPr>
-          <p:cNvPr id="55" name="Straight Connector 54">
-            <a:extLst>
-              <a:ext uri="{FF2B5EF4-FFF2-40B4-BE49-F238E27FC236}">
-                <a16:creationId xmlns:a16="http://schemas.microsoft.com/office/drawing/2014/main" id="{4B2DA128-8902-4CAA-873F-556D1FA1DEF6}"/>
-              </a:ext>
-            </a:extLst>
-          </p:cNvPr>
-          <p:cNvCxnSpPr>
-            <a:cxnSpLocks/>
-          </p:cNvCxnSpPr>
-          <p:nvPr/>
-        </p:nvCxnSpPr>
-        <p:spPr>
-          <a:xfrm>
-            <a:off x="497001" y="2898565"/>
-            <a:ext cx="5394960" cy="0"/>
-          </a:xfrm>
-          <a:prstGeom prst="line">
-            <a:avLst/>
-          </a:prstGeom>
-          <a:ln w="28575">
-            <a:solidFill>
-              <a:schemeClr val="bg1"/>
-            </a:solidFill>
-          </a:ln>
-        </p:spPr>
-        <p:style>
-          <a:lnRef idx="1">
-            <a:schemeClr val="dk1"/>
-          </a:lnRef>
-          <a:fillRef idx="0">
-            <a:schemeClr val="dk1"/>
-          </a:fillRef>
-          <a:effectRef idx="0">
-            <a:schemeClr val="dk1"/>
-          </a:effectRef>
-          <a:fontRef idx="minor">
-            <a:schemeClr val="tx1"/>
-          </a:fontRef>
-        </p:style>
-      </p:cxnSp>
-      <p:cxnSp>
-        <p:nvCxnSpPr>
-          <p:cNvPr id="56" name="Straight Connector 55">
-            <a:extLst>
-              <a:ext uri="{FF2B5EF4-FFF2-40B4-BE49-F238E27FC236}">
-                <a16:creationId xmlns:a16="http://schemas.microsoft.com/office/drawing/2014/main" id="{4DB1ED83-D280-4C4D-91AA-53C981FBED1C}"/>
-              </a:ext>
-            </a:extLst>
-          </p:cNvPr>
-          <p:cNvCxnSpPr>
-            <a:cxnSpLocks/>
-          </p:cNvCxnSpPr>
-          <p:nvPr/>
-        </p:nvCxnSpPr>
-        <p:spPr>
-          <a:xfrm>
-            <a:off x="423371" y="5336963"/>
-            <a:ext cx="5394960" cy="0"/>
-          </a:xfrm>
-          <a:prstGeom prst="line">
-            <a:avLst/>
-          </a:prstGeom>
-          <a:ln w="28575">
-            <a:solidFill>
-              <a:schemeClr val="bg1"/>
-            </a:solidFill>
-          </a:ln>
-        </p:spPr>
-        <p:style>
-          <a:lnRef idx="1">
-            <a:schemeClr val="dk1"/>
-          </a:lnRef>
-          <a:fillRef idx="0">
-            <a:schemeClr val="dk1"/>
-          </a:fillRef>
-          <a:effectRef idx="0">
-            <a:schemeClr val="dk1"/>
-          </a:effectRef>
-          <a:fontRef idx="minor">
-            <a:schemeClr val="tx1"/>
-          </a:fontRef>
-        </p:style>
-      </p:cxnSp>
-      <p:pic>
-        <p:nvPicPr>
-          <p:cNvPr id="57" name="Picture 56" descr="A close up of a logo&#10;&#10;Description automatically generated">
-            <a:extLst>
-              <a:ext uri="{FF2B5EF4-FFF2-40B4-BE49-F238E27FC236}">
-                <a16:creationId xmlns:a16="http://schemas.microsoft.com/office/drawing/2014/main" id="{9506BAD9-B9B6-4C77-9D4F-0A14DA68271F}"/>
-              </a:ext>
-            </a:extLst>
-          </p:cNvPr>
-          <p:cNvPicPr>
-            <a:picLocks noChangeAspect="1"/>
-          </p:cNvPicPr>
-          <p:nvPr/>
-        </p:nvPicPr>
-        <p:blipFill rotWithShape="1">
-          <a:blip r:embed="rId6">
-            <a:extLst>
-              <a:ext uri="{28A0092B-C50C-407E-A947-70E740481C1C}">
-                <a14:useLocalDpi xmlns:a14="http://schemas.microsoft.com/office/drawing/2010/main" val="0"/>
-              </a:ext>
-            </a:extLst>
-          </a:blip>
-          <a:srcRect l="12111" t="1003" r="30632" b="-109"/>
-          <a:stretch/>
-        </p:blipFill>
-        <p:spPr>
-          <a:xfrm>
-            <a:off x="3425099" y="439581"/>
-            <a:ext cx="2354839" cy="6222944"/>
-          </a:xfrm>
-          <a:prstGeom prst="rect">
-            <a:avLst/>
-          </a:prstGeom>
-        </p:spPr>
-      </p:pic>
-      <p:pic>
-        <p:nvPicPr>
-          <p:cNvPr id="58" name="Picture 57" descr="A screenshot of a cell phone&#10;&#10;Description automatically generated">
-            <a:extLst>
-              <a:ext uri="{FF2B5EF4-FFF2-40B4-BE49-F238E27FC236}">
-                <a16:creationId xmlns:a16="http://schemas.microsoft.com/office/drawing/2014/main" id="{B2AC8455-2284-44AA-A50A-791A8A381519}"/>
-              </a:ext>
-            </a:extLst>
-          </p:cNvPr>
-          <p:cNvPicPr>
-            <a:picLocks noChangeAspect="1"/>
-          </p:cNvPicPr>
-          <p:nvPr/>
-        </p:nvPicPr>
-        <p:blipFill rotWithShape="1">
-          <a:blip r:embed="rId7">
-            <a:extLst>
-              <a:ext uri="{28A0092B-C50C-407E-A947-70E740481C1C}">
-                <a14:useLocalDpi xmlns:a14="http://schemas.microsoft.com/office/drawing/2010/main" val="0"/>
-              </a:ext>
-            </a:extLst>
-          </a:blip>
-          <a:srcRect l="11487" t="448" r="34299" b="448"/>
-          <a:stretch/>
-        </p:blipFill>
-        <p:spPr>
-          <a:xfrm>
-            <a:off x="1054283" y="439581"/>
-            <a:ext cx="2289814" cy="6205644"/>
-          </a:xfrm>
-          <a:prstGeom prst="rect">
-            <a:avLst/>
-          </a:prstGeom>
-        </p:spPr>
-      </p:pic>
-      <p:cxnSp>
-        <p:nvCxnSpPr>
-          <p:cNvPr id="59" name="Straight Connector 58">
-            <a:extLst>
-              <a:ext uri="{FF2B5EF4-FFF2-40B4-BE49-F238E27FC236}">
-                <a16:creationId xmlns:a16="http://schemas.microsoft.com/office/drawing/2014/main" id="{71504BDE-DD04-42BB-816D-AB254520B5CE}"/>
-              </a:ext>
-            </a:extLst>
-          </p:cNvPr>
-          <p:cNvCxnSpPr>
-            <a:cxnSpLocks/>
-          </p:cNvCxnSpPr>
-          <p:nvPr/>
-        </p:nvCxnSpPr>
-        <p:spPr>
-          <a:xfrm>
-            <a:off x="643011" y="2813824"/>
-            <a:ext cx="5394960" cy="0"/>
-          </a:xfrm>
-          <a:prstGeom prst="line">
-            <a:avLst/>
-          </a:prstGeom>
-          <a:ln w="28575">
-            <a:solidFill>
-              <a:schemeClr val="bg1"/>
-            </a:solidFill>
-          </a:ln>
-        </p:spPr>
-        <p:style>
-          <a:lnRef idx="1">
-            <a:schemeClr val="dk1"/>
-          </a:lnRef>
-          <a:fillRef idx="0">
-            <a:schemeClr val="dk1"/>
-          </a:fillRef>
-          <a:effectRef idx="0">
-            <a:schemeClr val="dk1"/>
-          </a:effectRef>
-          <a:fontRef idx="minor">
-            <a:schemeClr val="tx1"/>
-          </a:fontRef>
-        </p:style>
-      </p:cxnSp>
-      <p:cxnSp>
-        <p:nvCxnSpPr>
-          <p:cNvPr id="60" name="Straight Connector 59">
-            <a:extLst>
-              <a:ext uri="{FF2B5EF4-FFF2-40B4-BE49-F238E27FC236}">
-                <a16:creationId xmlns:a16="http://schemas.microsoft.com/office/drawing/2014/main" id="{81593978-7F8C-4489-AE66-9315A0CC1D6C}"/>
-              </a:ext>
-            </a:extLst>
-          </p:cNvPr>
-          <p:cNvCxnSpPr>
-            <a:cxnSpLocks/>
-          </p:cNvCxnSpPr>
-          <p:nvPr/>
-        </p:nvCxnSpPr>
-        <p:spPr>
-          <a:xfrm>
-            <a:off x="604434" y="5168147"/>
-            <a:ext cx="5394960" cy="0"/>
-          </a:xfrm>
-          <a:prstGeom prst="line">
-            <a:avLst/>
-          </a:prstGeom>
-          <a:ln w="28575">
-            <a:solidFill>
-              <a:schemeClr val="bg1"/>
-            </a:solidFill>
-          </a:ln>
-        </p:spPr>
-        <p:style>
-          <a:lnRef idx="1">
-            <a:schemeClr val="dk1"/>
-          </a:lnRef>
-          <a:fillRef idx="0">
-            <a:schemeClr val="dk1"/>
-          </a:fillRef>
-          <a:effectRef idx="0">
-            <a:schemeClr val="dk1"/>
-          </a:effectRef>
-          <a:fontRef idx="minor">
-            <a:schemeClr val="tx1"/>
-          </a:fontRef>
-        </p:style>
-      </p:cxnSp>
-      <p:sp>
-        <p:nvSpPr>
-          <p:cNvPr id="61" name="TextBox 60">
-            <a:extLst>
-              <a:ext uri="{FF2B5EF4-FFF2-40B4-BE49-F238E27FC236}">
-                <a16:creationId xmlns:a16="http://schemas.microsoft.com/office/drawing/2014/main" id="{0C53B937-2AB9-49C1-A1BE-82C31ECBE918}"/>
-              </a:ext>
-            </a:extLst>
-          </p:cNvPr>
-          <p:cNvSpPr txBox="1"/>
-          <p:nvPr/>
-        </p:nvSpPr>
-        <p:spPr>
-          <a:xfrm>
-            <a:off x="6134430" y="-82827"/>
-            <a:ext cx="568590" cy="523220"/>
-          </a:xfrm>
-          <a:prstGeom prst="rect">
-            <a:avLst/>
-          </a:prstGeom>
-          <a:noFill/>
-        </p:spPr>
-        <p:txBody>
-          <a:bodyPr wrap="square" rtlCol="0">
-            <a:spAutoFit/>
-          </a:bodyPr>
-          <a:lstStyle>
-            <a:defPPr>
-              <a:defRPr lang="en-US"/>
-            </a:defPPr>
-            <a:lvl1pPr>
-              <a:defRPr sz="2800" b="1"/>
-            </a:lvl1pPr>
-          </a:lstStyle>
-          <a:p>
-            <a:r>
-              <a:rPr lang="en-US" dirty="0"/>
-              <a:t>B</a:t>
-            </a:r>
-          </a:p>
-        </p:txBody>
-      </p:sp>
-      <p:sp>
-        <p:nvSpPr>
-          <p:cNvPr id="62" name="TextBox 61">
-            <a:extLst>
-              <a:ext uri="{FF2B5EF4-FFF2-40B4-BE49-F238E27FC236}">
-                <a16:creationId xmlns:a16="http://schemas.microsoft.com/office/drawing/2014/main" id="{9C1C1A92-57F0-4FD9-ABB3-89A1B1619DCB}"/>
-              </a:ext>
-            </a:extLst>
-          </p:cNvPr>
-          <p:cNvSpPr txBox="1"/>
-          <p:nvPr/>
-        </p:nvSpPr>
-        <p:spPr>
-          <a:xfrm>
-            <a:off x="688249" y="-82827"/>
-            <a:ext cx="568590" cy="523220"/>
-          </a:xfrm>
-          <a:prstGeom prst="rect">
-            <a:avLst/>
-          </a:prstGeom>
-          <a:noFill/>
-        </p:spPr>
-        <p:txBody>
-          <a:bodyPr wrap="square" rtlCol="0">
-            <a:spAutoFit/>
-          </a:bodyPr>
-          <a:lstStyle/>
-          <a:p>
-            <a:r>
-              <a:rPr lang="en-US" sz="2800" b="1" dirty="0"/>
-              <a:t>A</a:t>
-            </a:r>
-          </a:p>
-        </p:txBody>
-      </p:sp>
-      <p:sp>
-        <p:nvSpPr>
-          <p:cNvPr id="45" name="TextBox 44">
-            <a:extLst>
-              <a:ext uri="{FF2B5EF4-FFF2-40B4-BE49-F238E27FC236}">
-                <a16:creationId xmlns:a16="http://schemas.microsoft.com/office/drawing/2014/main" id="{5B097C8F-188D-49B0-B975-731EFCADB2CD}"/>
-              </a:ext>
-            </a:extLst>
-          </p:cNvPr>
-          <p:cNvSpPr txBox="1"/>
-          <p:nvPr/>
-        </p:nvSpPr>
-        <p:spPr>
-          <a:xfrm>
-            <a:off x="1566559" y="6470082"/>
-            <a:ext cx="1231314" cy="400110"/>
-          </a:xfrm>
-          <a:prstGeom prst="rect">
-            <a:avLst/>
-          </a:prstGeom>
-          <a:solidFill>
-            <a:schemeClr val="bg1"/>
-          </a:solidFill>
-        </p:spPr>
-        <p:txBody>
-          <a:bodyPr wrap="square" rtlCol="0">
-            <a:spAutoFit/>
-          </a:bodyPr>
-          <a:lstStyle/>
-          <a:p>
-            <a:r>
-              <a:rPr lang="en-US" sz="2000" dirty="0"/>
-              <a:t>Target ID</a:t>
-            </a:r>
-          </a:p>
-        </p:txBody>
-      </p:sp>
-      <p:sp>
-        <p:nvSpPr>
-          <p:cNvPr id="46" name="TextBox 45">
-            <a:extLst>
-              <a:ext uri="{FF2B5EF4-FFF2-40B4-BE49-F238E27FC236}">
-                <a16:creationId xmlns:a16="http://schemas.microsoft.com/office/drawing/2014/main" id="{EB65CB1A-CCBC-4A58-88D3-2C8E1DC6E33C}"/>
-              </a:ext>
-            </a:extLst>
-          </p:cNvPr>
-          <p:cNvSpPr txBox="1"/>
-          <p:nvPr/>
-        </p:nvSpPr>
-        <p:spPr>
-          <a:xfrm>
-            <a:off x="4010556" y="6470082"/>
-            <a:ext cx="1231314" cy="400110"/>
-          </a:xfrm>
-          <a:prstGeom prst="rect">
-            <a:avLst/>
-          </a:prstGeom>
-          <a:solidFill>
-            <a:schemeClr val="bg1"/>
-          </a:solidFill>
-        </p:spPr>
-        <p:txBody>
-          <a:bodyPr wrap="square" rtlCol="0">
-            <a:spAutoFit/>
-          </a:bodyPr>
-          <a:lstStyle/>
-          <a:p>
-            <a:r>
-              <a:rPr lang="en-US" sz="2000" dirty="0"/>
-              <a:t>Target ID</a:t>
-            </a:r>
-          </a:p>
-        </p:txBody>
-      </p:sp>
-      <p:sp>
-        <p:nvSpPr>
-          <p:cNvPr id="63" name="TextBox 62">
-            <a:extLst>
-              <a:ext uri="{FF2B5EF4-FFF2-40B4-BE49-F238E27FC236}">
-                <a16:creationId xmlns:a16="http://schemas.microsoft.com/office/drawing/2014/main" id="{A93DEDC6-6DC5-44EA-A12D-9441CE5D163D}"/>
-              </a:ext>
-            </a:extLst>
-          </p:cNvPr>
-          <p:cNvSpPr txBox="1"/>
-          <p:nvPr/>
-        </p:nvSpPr>
-        <p:spPr>
-          <a:xfrm>
-            <a:off x="7288520" y="6470082"/>
-            <a:ext cx="1231314" cy="400110"/>
-          </a:xfrm>
-          <a:prstGeom prst="rect">
-            <a:avLst/>
-          </a:prstGeom>
-          <a:solidFill>
-            <a:schemeClr val="bg1"/>
-          </a:solidFill>
-        </p:spPr>
-        <p:txBody>
-          <a:bodyPr wrap="square" rtlCol="0">
-            <a:spAutoFit/>
-          </a:bodyPr>
-          <a:lstStyle/>
-          <a:p>
-            <a:r>
-              <a:rPr lang="en-US" sz="2000" dirty="0"/>
-              <a:t>Target ID</a:t>
-            </a:r>
-          </a:p>
-        </p:txBody>
-      </p:sp>
-      <p:sp>
-        <p:nvSpPr>
-          <p:cNvPr id="64" name="TextBox 63">
-            <a:extLst>
-              <a:ext uri="{FF2B5EF4-FFF2-40B4-BE49-F238E27FC236}">
-                <a16:creationId xmlns:a16="http://schemas.microsoft.com/office/drawing/2014/main" id="{1FABE4CF-BC81-4D4F-B33F-052005AEC6A2}"/>
-              </a:ext>
-            </a:extLst>
-          </p:cNvPr>
-          <p:cNvSpPr txBox="1"/>
-          <p:nvPr/>
-        </p:nvSpPr>
-        <p:spPr>
-          <a:xfrm>
-            <a:off x="10190140" y="6470082"/>
-            <a:ext cx="1231314" cy="400110"/>
-          </a:xfrm>
-          <a:prstGeom prst="rect">
-            <a:avLst/>
-          </a:prstGeom>
-          <a:solidFill>
-            <a:schemeClr val="bg1"/>
-          </a:solidFill>
-        </p:spPr>
-        <p:txBody>
-          <a:bodyPr wrap="square" rtlCol="0">
-            <a:spAutoFit/>
-          </a:bodyPr>
-          <a:lstStyle/>
-          <a:p>
-            <a:r>
-              <a:rPr lang="en-US" sz="2000" dirty="0"/>
-              <a:t>Target ID</a:t>
-            </a:r>
-          </a:p>
-        </p:txBody>
-      </p:sp>
-    </p:spTree>
-    <p:extLst>
-      <p:ext uri="{BB962C8B-B14F-4D97-AF65-F5344CB8AC3E}">
-        <p14:creationId xmlns:p14="http://schemas.microsoft.com/office/powerpoint/2010/main" val="299593662"/>
-      </p:ext>
-    </p:extLst>
-  </p:cSld>
-  <p:clrMapOvr>
-    <a:masterClrMapping/>
-  </p:clrMapOvr>
-</p:sld>
-</file>
-
-<file path=ppt/slides/slide2.xml><?xml version="1.0" encoding="utf-8"?>
+<file path=ppt/slides/slide5.xml><?xml version="1.0" encoding="utf-8"?>
 <p:sld xmlns:a="http://schemas.openxmlformats.org/drawingml/2006/main" xmlns:r="http://schemas.openxmlformats.org/officeDocument/2006/relationships" xmlns:p="http://schemas.openxmlformats.org/presentationml/2006/main">
   <p:cSld>
     <p:spTree>
@@ -8669,7 +12327,7 @@
 </p:sld>
 </file>
 
-<file path=ppt/slides/slide3.xml><?xml version="1.0" encoding="utf-8"?>
+<file path=ppt/slides/slide6.xml><?xml version="1.0" encoding="utf-8"?>
 <p:sld xmlns:a="http://schemas.openxmlformats.org/drawingml/2006/main" xmlns:r="http://schemas.openxmlformats.org/officeDocument/2006/relationships" xmlns:p="http://schemas.openxmlformats.org/presentationml/2006/main" show="0">
   <p:cSld>
     <p:spTree>
@@ -8878,7 +12536,7 @@
 </p:sld>
 </file>
 
-<file path=ppt/slides/slide4.xml><?xml version="1.0" encoding="utf-8"?>
+<file path=ppt/slides/slide7.xml><?xml version="1.0" encoding="utf-8"?>
 <p:sld xmlns:a="http://schemas.openxmlformats.org/drawingml/2006/main" xmlns:r="http://schemas.openxmlformats.org/officeDocument/2006/relationships" xmlns:p="http://schemas.openxmlformats.org/presentationml/2006/main">
   <p:cSld>
     <p:spTree>
@@ -15167,8 +18825,8 @@
           </a:fontRef>
         </p:style>
       </p:cxnSp>
-      <mc:AlternateContent xmlns:mc="http://schemas.openxmlformats.org/markup-compatibility/2006">
-        <mc:Choice xmlns:a14="http://schemas.microsoft.com/office/drawing/2010/main" Requires="a14">
+      <mc:AlternateContent xmlns:mc="http://schemas.openxmlformats.org/markup-compatibility/2006" xmlns:a14="http://schemas.microsoft.com/office/drawing/2010/main">
+        <mc:Choice Requires="a14">
           <p:sp>
             <p:nvSpPr>
               <p:cNvPr id="173" name="Rectangle 172">
@@ -15229,7 +18887,7 @@
             </p:txBody>
           </p:sp>
         </mc:Choice>
-        <mc:Fallback>
+        <mc:Fallback xmlns="">
           <p:sp>
             <p:nvSpPr>
               <p:cNvPr id="173" name="Rectangle 172">
@@ -15407,7 +19065,67 @@
 </p:sld>
 </file>
 
-<file path=ppt/slides/slide5.xml><?xml version="1.0" encoding="utf-8"?>
+<file path=ppt/slides/slide8.xml><?xml version="1.0" encoding="utf-8"?>
+<p:sld xmlns:a="http://schemas.openxmlformats.org/drawingml/2006/main" xmlns:r="http://schemas.openxmlformats.org/officeDocument/2006/relationships" xmlns:p="http://schemas.openxmlformats.org/presentationml/2006/main">
+  <p:cSld>
+    <p:spTree>
+      <p:nvGrpSpPr>
+        <p:cNvPr id="1" name=""/>
+        <p:cNvGrpSpPr/>
+        <p:nvPr/>
+      </p:nvGrpSpPr>
+      <p:grpSpPr>
+        <a:xfrm>
+          <a:off x="0" y="0"/>
+          <a:ext cx="0" cy="0"/>
+          <a:chOff x="0" y="0"/>
+          <a:chExt cx="0" cy="0"/>
+        </a:xfrm>
+      </p:grpSpPr>
+      <p:pic>
+        <p:nvPicPr>
+          <p:cNvPr id="4" name="Picture 3">
+            <a:extLst>
+              <a:ext uri="{FF2B5EF4-FFF2-40B4-BE49-F238E27FC236}">
+                <a16:creationId xmlns:a16="http://schemas.microsoft.com/office/drawing/2014/main" id="{90ACA77B-B550-4EAA-A6F3-A90DC7457358}"/>
+              </a:ext>
+            </a:extLst>
+          </p:cNvPr>
+          <p:cNvPicPr>
+            <a:picLocks noChangeAspect="1"/>
+          </p:cNvPicPr>
+          <p:nvPr/>
+        </p:nvPicPr>
+        <p:blipFill>
+          <a:blip r:embed="rId2"/>
+          <a:stretch>
+            <a:fillRect/>
+          </a:stretch>
+        </p:blipFill>
+        <p:spPr>
+          <a:xfrm>
+            <a:off x="962723" y="1173284"/>
+            <a:ext cx="10266554" cy="4511431"/>
+          </a:xfrm>
+          <a:prstGeom prst="rect">
+            <a:avLst/>
+          </a:prstGeom>
+        </p:spPr>
+      </p:pic>
+    </p:spTree>
+    <p:extLst>
+      <p:ext uri="{BB962C8B-B14F-4D97-AF65-F5344CB8AC3E}">
+        <p14:creationId xmlns:p14="http://schemas.microsoft.com/office/powerpoint/2010/main" val="2339028847"/>
+      </p:ext>
+    </p:extLst>
+  </p:cSld>
+  <p:clrMapOvr>
+    <a:masterClrMapping/>
+  </p:clrMapOvr>
+</p:sld>
+</file>
+
+<file path=ppt/slides/slide9.xml><?xml version="1.0" encoding="utf-8"?>
 <p:sld xmlns:a="http://schemas.openxmlformats.org/drawingml/2006/main" xmlns:r="http://schemas.openxmlformats.org/officeDocument/2006/relationships" xmlns:p="http://schemas.openxmlformats.org/presentationml/2006/main">
   <p:cSld>
     <p:spTree>
@@ -15464,937 +19182,6 @@
     <p:extLst>
       <p:ext uri="{BB962C8B-B14F-4D97-AF65-F5344CB8AC3E}">
         <p14:creationId xmlns:p14="http://schemas.microsoft.com/office/powerpoint/2010/main" val="2982126486"/>
-      </p:ext>
-    </p:extLst>
-  </p:cSld>
-  <p:clrMapOvr>
-    <a:masterClrMapping/>
-  </p:clrMapOvr>
-</p:sld>
-</file>
-
-<file path=ppt/slides/slide6.xml><?xml version="1.0" encoding="utf-8"?>
-<p:sld xmlns:a="http://schemas.openxmlformats.org/drawingml/2006/main" xmlns:r="http://schemas.openxmlformats.org/officeDocument/2006/relationships" xmlns:p="http://schemas.openxmlformats.org/presentationml/2006/main" show="0">
-  <p:cSld>
-    <p:spTree>
-      <p:nvGrpSpPr>
-        <p:cNvPr id="1" name=""/>
-        <p:cNvGrpSpPr/>
-        <p:nvPr/>
-      </p:nvGrpSpPr>
-      <p:grpSpPr>
-        <a:xfrm>
-          <a:off x="0" y="0"/>
-          <a:ext cx="0" cy="0"/>
-          <a:chOff x="0" y="0"/>
-          <a:chExt cx="0" cy="0"/>
-        </a:xfrm>
-      </p:grpSpPr>
-      <p:grpSp>
-        <p:nvGrpSpPr>
-          <p:cNvPr id="7" name="Group 6">
-            <a:extLst>
-              <a:ext uri="{FF2B5EF4-FFF2-40B4-BE49-F238E27FC236}">
-                <a16:creationId xmlns:a16="http://schemas.microsoft.com/office/drawing/2014/main" id="{EB01FF39-776C-4784-B547-5082A73DFB57}"/>
-              </a:ext>
-            </a:extLst>
-          </p:cNvPr>
-          <p:cNvGrpSpPr/>
-          <p:nvPr/>
-        </p:nvGrpSpPr>
-        <p:grpSpPr>
-          <a:xfrm>
-            <a:off x="1323215" y="0"/>
-            <a:ext cx="9179809" cy="6858000"/>
-            <a:chOff x="1323215" y="0"/>
-            <a:chExt cx="9179809" cy="6858000"/>
-          </a:xfrm>
-        </p:grpSpPr>
-        <p:pic>
-          <p:nvPicPr>
-            <p:cNvPr id="4" name="Picture 3" descr="A screenshot of a cell phone&#10;&#10;Description automatically generated">
-              <a:extLst>
-                <a:ext uri="{FF2B5EF4-FFF2-40B4-BE49-F238E27FC236}">
-                  <a16:creationId xmlns:a16="http://schemas.microsoft.com/office/drawing/2014/main" id="{2A9A48B9-2921-409D-8186-55DA405F9ECA}"/>
-                </a:ext>
-              </a:extLst>
-            </p:cNvPr>
-            <p:cNvPicPr>
-              <a:picLocks noChangeAspect="1"/>
-            </p:cNvPicPr>
-            <p:nvPr/>
-          </p:nvPicPr>
-          <p:blipFill>
-            <a:blip r:embed="rId3">
-              <a:extLst>
-                <a:ext uri="{28A0092B-C50C-407E-A947-70E740481C1C}">
-                  <a14:useLocalDpi xmlns:a14="http://schemas.microsoft.com/office/drawing/2010/main" val="0"/>
-                </a:ext>
-              </a:extLst>
-            </a:blip>
-            <a:stretch>
-              <a:fillRect/>
-            </a:stretch>
-          </p:blipFill>
-          <p:spPr>
-            <a:xfrm>
-              <a:off x="1323215" y="0"/>
-              <a:ext cx="4987637" cy="6858000"/>
-            </a:xfrm>
-            <a:prstGeom prst="rect">
-              <a:avLst/>
-            </a:prstGeom>
-          </p:spPr>
-        </p:pic>
-        <p:pic>
-          <p:nvPicPr>
-            <p:cNvPr id="6" name="Picture 5" descr="A close up of a logo&#10;&#10;Description automatically generated">
-              <a:extLst>
-                <a:ext uri="{FF2B5EF4-FFF2-40B4-BE49-F238E27FC236}">
-                  <a16:creationId xmlns:a16="http://schemas.microsoft.com/office/drawing/2014/main" id="{A750D2B8-2475-4371-8DED-CF14279BDAC5}"/>
-                </a:ext>
-              </a:extLst>
-            </p:cNvPr>
-            <p:cNvPicPr>
-              <a:picLocks noChangeAspect="1"/>
-            </p:cNvPicPr>
-            <p:nvPr/>
-          </p:nvPicPr>
-          <p:blipFill>
-            <a:blip r:embed="rId4">
-              <a:extLst>
-                <a:ext uri="{28A0092B-C50C-407E-A947-70E740481C1C}">
-                  <a14:useLocalDpi xmlns:a14="http://schemas.microsoft.com/office/drawing/2010/main" val="0"/>
-                </a:ext>
-              </a:extLst>
-            </a:blip>
-            <a:stretch>
-              <a:fillRect/>
-            </a:stretch>
-          </p:blipFill>
-          <p:spPr>
-            <a:xfrm>
-              <a:off x="5515387" y="0"/>
-              <a:ext cx="4987637" cy="6858000"/>
-            </a:xfrm>
-            <a:prstGeom prst="rect">
-              <a:avLst/>
-            </a:prstGeom>
-          </p:spPr>
-        </p:pic>
-      </p:grpSp>
-    </p:spTree>
-    <p:extLst>
-      <p:ext uri="{BB962C8B-B14F-4D97-AF65-F5344CB8AC3E}">
-        <p14:creationId xmlns:p14="http://schemas.microsoft.com/office/powerpoint/2010/main" val="1936547209"/>
-      </p:ext>
-    </p:extLst>
-  </p:cSld>
-  <p:clrMapOvr>
-    <a:masterClrMapping/>
-  </p:clrMapOvr>
-</p:sld>
-</file>
-
-<file path=ppt/slides/slide7.xml><?xml version="1.0" encoding="utf-8"?>
-<p:sld xmlns:a="http://schemas.openxmlformats.org/drawingml/2006/main" xmlns:r="http://schemas.openxmlformats.org/officeDocument/2006/relationships" xmlns:p="http://schemas.openxmlformats.org/presentationml/2006/main">
-  <p:cSld>
-    <p:spTree>
-      <p:nvGrpSpPr>
-        <p:cNvPr id="1" name=""/>
-        <p:cNvGrpSpPr/>
-        <p:nvPr/>
-      </p:nvGrpSpPr>
-      <p:grpSpPr>
-        <a:xfrm>
-          <a:off x="0" y="0"/>
-          <a:ext cx="0" cy="0"/>
-          <a:chOff x="0" y="0"/>
-          <a:chExt cx="0" cy="0"/>
-        </a:xfrm>
-      </p:grpSpPr>
-      <p:sp>
-        <p:nvSpPr>
-          <p:cNvPr id="4" name="TextBox 3">
-            <a:extLst>
-              <a:ext uri="{FF2B5EF4-FFF2-40B4-BE49-F238E27FC236}">
-                <a16:creationId xmlns:a16="http://schemas.microsoft.com/office/drawing/2014/main" id="{84701484-AC52-4013-A26D-C932C1EF0C35}"/>
-              </a:ext>
-            </a:extLst>
-          </p:cNvPr>
-          <p:cNvSpPr txBox="1"/>
-          <p:nvPr/>
-        </p:nvSpPr>
-        <p:spPr>
-          <a:xfrm>
-            <a:off x="9829911" y="1869999"/>
-            <a:ext cx="2563728" cy="830997"/>
-          </a:xfrm>
-          <a:prstGeom prst="rect">
-            <a:avLst/>
-          </a:prstGeom>
-          <a:noFill/>
-        </p:spPr>
-        <p:txBody>
-          <a:bodyPr wrap="square" rtlCol="0">
-            <a:spAutoFit/>
-          </a:bodyPr>
-          <a:lstStyle/>
-          <a:p>
-            <a:r>
-              <a:rPr lang="en-US" sz="2400" dirty="0"/>
-              <a:t>Rank by</a:t>
-            </a:r>
-          </a:p>
-          <a:p>
-            <a:r>
-              <a:rPr lang="en-US" sz="2400" dirty="0"/>
-              <a:t>Preference</a:t>
-            </a:r>
-          </a:p>
-        </p:txBody>
-      </p:sp>
-      <p:pic>
-        <p:nvPicPr>
-          <p:cNvPr id="5" name="Picture 4" descr="A close up of a logo&#10;&#10;Description automatically generated">
-            <a:extLst>
-              <a:ext uri="{FF2B5EF4-FFF2-40B4-BE49-F238E27FC236}">
-                <a16:creationId xmlns:a16="http://schemas.microsoft.com/office/drawing/2014/main" id="{9D32934A-3112-49B1-A9F0-E13A7327878D}"/>
-              </a:ext>
-            </a:extLst>
-          </p:cNvPr>
-          <p:cNvPicPr>
-            <a:picLocks noChangeAspect="1"/>
-          </p:cNvPicPr>
-          <p:nvPr/>
-        </p:nvPicPr>
-        <p:blipFill rotWithShape="1">
-          <a:blip r:embed="rId3">
-            <a:extLst>
-              <a:ext uri="{28A0092B-C50C-407E-A947-70E740481C1C}">
-                <a14:useLocalDpi xmlns:a14="http://schemas.microsoft.com/office/drawing/2010/main" val="0"/>
-              </a:ext>
-            </a:extLst>
-          </a:blip>
-          <a:srcRect l="73004" t="42701" r="17406" b="41504"/>
-          <a:stretch/>
-        </p:blipFill>
-        <p:spPr>
-          <a:xfrm>
-            <a:off x="9676869" y="2700996"/>
-            <a:ext cx="1281864" cy="2903050"/>
-          </a:xfrm>
-          <a:prstGeom prst="rect">
-            <a:avLst/>
-          </a:prstGeom>
-        </p:spPr>
-      </p:pic>
-      <p:sp>
-        <p:nvSpPr>
-          <p:cNvPr id="8" name="TextBox 7">
-            <a:extLst>
-              <a:ext uri="{FF2B5EF4-FFF2-40B4-BE49-F238E27FC236}">
-                <a16:creationId xmlns:a16="http://schemas.microsoft.com/office/drawing/2014/main" id="{2C7F735B-B575-44A3-9447-25DB41E4994B}"/>
-              </a:ext>
-            </a:extLst>
-          </p:cNvPr>
-          <p:cNvSpPr txBox="1"/>
-          <p:nvPr/>
-        </p:nvSpPr>
-        <p:spPr>
-          <a:xfrm>
-            <a:off x="4739337" y="171384"/>
-            <a:ext cx="2106526" cy="461665"/>
-          </a:xfrm>
-          <a:prstGeom prst="rect">
-            <a:avLst/>
-          </a:prstGeom>
-          <a:noFill/>
-        </p:spPr>
-        <p:txBody>
-          <a:bodyPr wrap="square" rtlCol="0">
-            <a:spAutoFit/>
-          </a:bodyPr>
-          <a:lstStyle/>
-          <a:p>
-            <a:r>
-              <a:rPr lang="en-US" sz="2400" dirty="0"/>
-              <a:t>Ground-Truth</a:t>
-            </a:r>
-          </a:p>
-        </p:txBody>
-      </p:sp>
-      <p:sp>
-        <p:nvSpPr>
-          <p:cNvPr id="9" name="TextBox 8">
-            <a:extLst>
-              <a:ext uri="{FF2B5EF4-FFF2-40B4-BE49-F238E27FC236}">
-                <a16:creationId xmlns:a16="http://schemas.microsoft.com/office/drawing/2014/main" id="{2152F5F1-08CE-4CF2-ABC0-476F5618666B}"/>
-              </a:ext>
-            </a:extLst>
-          </p:cNvPr>
-          <p:cNvSpPr txBox="1"/>
-          <p:nvPr/>
-        </p:nvSpPr>
-        <p:spPr>
-          <a:xfrm>
-            <a:off x="7242420" y="171384"/>
-            <a:ext cx="2106526" cy="461665"/>
-          </a:xfrm>
-          <a:prstGeom prst="rect">
-            <a:avLst/>
-          </a:prstGeom>
-          <a:noFill/>
-        </p:spPr>
-        <p:txBody>
-          <a:bodyPr wrap="square" rtlCol="0">
-            <a:spAutoFit/>
-          </a:bodyPr>
-          <a:lstStyle/>
-          <a:p>
-            <a:r>
-              <a:rPr lang="en-US" sz="2400" dirty="0"/>
-              <a:t>Reconstructed</a:t>
-            </a:r>
-          </a:p>
-        </p:txBody>
-      </p:sp>
-      <p:cxnSp>
-        <p:nvCxnSpPr>
-          <p:cNvPr id="15" name="Straight Connector 14">
-            <a:extLst>
-              <a:ext uri="{FF2B5EF4-FFF2-40B4-BE49-F238E27FC236}">
-                <a16:creationId xmlns:a16="http://schemas.microsoft.com/office/drawing/2014/main" id="{4F99AD08-4462-47CE-B2EF-881C2A06E75B}"/>
-              </a:ext>
-            </a:extLst>
-          </p:cNvPr>
-          <p:cNvCxnSpPr>
-            <a:cxnSpLocks/>
-          </p:cNvCxnSpPr>
-          <p:nvPr/>
-        </p:nvCxnSpPr>
-        <p:spPr>
-          <a:xfrm>
-            <a:off x="4238765" y="789804"/>
-            <a:ext cx="0" cy="2103120"/>
-          </a:xfrm>
-          <a:prstGeom prst="line">
-            <a:avLst/>
-          </a:prstGeom>
-          <a:ln w="28575"/>
-        </p:spPr>
-        <p:style>
-          <a:lnRef idx="1">
-            <a:schemeClr val="dk1"/>
-          </a:lnRef>
-          <a:fillRef idx="0">
-            <a:schemeClr val="dk1"/>
-          </a:fillRef>
-          <a:effectRef idx="0">
-            <a:schemeClr val="dk1"/>
-          </a:effectRef>
-          <a:fontRef idx="minor">
-            <a:schemeClr val="tx1"/>
-          </a:fontRef>
-        </p:style>
-      </p:cxnSp>
-      <p:cxnSp>
-        <p:nvCxnSpPr>
-          <p:cNvPr id="16" name="Straight Connector 15">
-            <a:extLst>
-              <a:ext uri="{FF2B5EF4-FFF2-40B4-BE49-F238E27FC236}">
-                <a16:creationId xmlns:a16="http://schemas.microsoft.com/office/drawing/2014/main" id="{5456AEC6-A38A-47D8-82E1-235B469E53AD}"/>
-              </a:ext>
-            </a:extLst>
-          </p:cNvPr>
-          <p:cNvCxnSpPr>
-            <a:cxnSpLocks/>
-          </p:cNvCxnSpPr>
-          <p:nvPr/>
-        </p:nvCxnSpPr>
-        <p:spPr>
-          <a:xfrm>
-            <a:off x="4238765" y="3136758"/>
-            <a:ext cx="0" cy="2011680"/>
-          </a:xfrm>
-          <a:prstGeom prst="line">
-            <a:avLst/>
-          </a:prstGeom>
-          <a:ln w="28575"/>
-        </p:spPr>
-        <p:style>
-          <a:lnRef idx="1">
-            <a:schemeClr val="dk1"/>
-          </a:lnRef>
-          <a:fillRef idx="0">
-            <a:schemeClr val="dk1"/>
-          </a:fillRef>
-          <a:effectRef idx="0">
-            <a:schemeClr val="dk1"/>
-          </a:effectRef>
-          <a:fontRef idx="minor">
-            <a:schemeClr val="tx1"/>
-          </a:fontRef>
-        </p:style>
-      </p:cxnSp>
-      <p:cxnSp>
-        <p:nvCxnSpPr>
-          <p:cNvPr id="17" name="Straight Connector 16">
-            <a:extLst>
-              <a:ext uri="{FF2B5EF4-FFF2-40B4-BE49-F238E27FC236}">
-                <a16:creationId xmlns:a16="http://schemas.microsoft.com/office/drawing/2014/main" id="{3C460043-689E-4E67-8884-90956338B727}"/>
-              </a:ext>
-            </a:extLst>
-          </p:cNvPr>
-          <p:cNvCxnSpPr>
-            <a:cxnSpLocks/>
-          </p:cNvCxnSpPr>
-          <p:nvPr/>
-        </p:nvCxnSpPr>
-        <p:spPr>
-          <a:xfrm>
-            <a:off x="4238765" y="5385243"/>
-            <a:ext cx="0" cy="1097280"/>
-          </a:xfrm>
-          <a:prstGeom prst="line">
-            <a:avLst/>
-          </a:prstGeom>
-          <a:ln w="28575"/>
-        </p:spPr>
-        <p:style>
-          <a:lnRef idx="1">
-            <a:schemeClr val="dk1"/>
-          </a:lnRef>
-          <a:fillRef idx="0">
-            <a:schemeClr val="dk1"/>
-          </a:fillRef>
-          <a:effectRef idx="0">
-            <a:schemeClr val="dk1"/>
-          </a:effectRef>
-          <a:fontRef idx="minor">
-            <a:schemeClr val="tx1"/>
-          </a:fontRef>
-        </p:style>
-      </p:cxnSp>
-      <p:sp>
-        <p:nvSpPr>
-          <p:cNvPr id="18" name="TextBox 17">
-            <a:extLst>
-              <a:ext uri="{FF2B5EF4-FFF2-40B4-BE49-F238E27FC236}">
-                <a16:creationId xmlns:a16="http://schemas.microsoft.com/office/drawing/2014/main" id="{037C4291-51A8-41CC-97E7-9BB3251F2965}"/>
-              </a:ext>
-            </a:extLst>
-          </p:cNvPr>
-          <p:cNvSpPr txBox="1"/>
-          <p:nvPr/>
-        </p:nvSpPr>
-        <p:spPr>
-          <a:xfrm rot="16200000">
-            <a:off x="3243438" y="1494469"/>
-            <a:ext cx="1375948" cy="461665"/>
-          </a:xfrm>
-          <a:prstGeom prst="rect">
-            <a:avLst/>
-          </a:prstGeom>
-          <a:noFill/>
-        </p:spPr>
-        <p:txBody>
-          <a:bodyPr wrap="square" rtlCol="0">
-            <a:spAutoFit/>
-          </a:bodyPr>
-          <a:lstStyle/>
-          <a:p>
-            <a:r>
-              <a:rPr lang="en-US" sz="2400" i="1" dirty="0"/>
-              <a:t>SD = 2.1</a:t>
-            </a:r>
-          </a:p>
-        </p:txBody>
-      </p:sp>
-      <p:sp>
-        <p:nvSpPr>
-          <p:cNvPr id="19" name="TextBox 18">
-            <a:extLst>
-              <a:ext uri="{FF2B5EF4-FFF2-40B4-BE49-F238E27FC236}">
-                <a16:creationId xmlns:a16="http://schemas.microsoft.com/office/drawing/2014/main" id="{1666F773-3CB2-4F8B-AC5C-B3AB32AD72C7}"/>
-              </a:ext>
-            </a:extLst>
-          </p:cNvPr>
-          <p:cNvSpPr txBox="1"/>
-          <p:nvPr/>
-        </p:nvSpPr>
-        <p:spPr>
-          <a:xfrm rot="16200000">
-            <a:off x="3243437" y="3921689"/>
-            <a:ext cx="1375948" cy="461665"/>
-          </a:xfrm>
-          <a:prstGeom prst="rect">
-            <a:avLst/>
-          </a:prstGeom>
-          <a:noFill/>
-        </p:spPr>
-        <p:txBody>
-          <a:bodyPr wrap="square" rtlCol="0">
-            <a:spAutoFit/>
-          </a:bodyPr>
-          <a:lstStyle/>
-          <a:p>
-            <a:r>
-              <a:rPr lang="en-US" sz="2400" i="1" dirty="0"/>
-              <a:t>SD = 1.1</a:t>
-            </a:r>
-          </a:p>
-        </p:txBody>
-      </p:sp>
-      <p:sp>
-        <p:nvSpPr>
-          <p:cNvPr id="20" name="TextBox 19">
-            <a:extLst>
-              <a:ext uri="{FF2B5EF4-FFF2-40B4-BE49-F238E27FC236}">
-                <a16:creationId xmlns:a16="http://schemas.microsoft.com/office/drawing/2014/main" id="{AAD9AC1F-3425-4970-8FF3-4199291F45D1}"/>
-              </a:ext>
-            </a:extLst>
-          </p:cNvPr>
-          <p:cNvSpPr txBox="1"/>
-          <p:nvPr/>
-        </p:nvSpPr>
-        <p:spPr>
-          <a:xfrm rot="16200000">
-            <a:off x="3247935" y="5660934"/>
-            <a:ext cx="1375948" cy="461665"/>
-          </a:xfrm>
-          <a:prstGeom prst="rect">
-            <a:avLst/>
-          </a:prstGeom>
-          <a:noFill/>
-        </p:spPr>
-        <p:txBody>
-          <a:bodyPr wrap="square" rtlCol="0">
-            <a:spAutoFit/>
-          </a:bodyPr>
-          <a:lstStyle/>
-          <a:p>
-            <a:r>
-              <a:rPr lang="en-US" sz="2400" i="1" dirty="0"/>
-              <a:t>SD = 0.1</a:t>
-            </a:r>
-          </a:p>
-        </p:txBody>
-      </p:sp>
-      <p:cxnSp>
-        <p:nvCxnSpPr>
-          <p:cNvPr id="21" name="Straight Connector 20">
-            <a:extLst>
-              <a:ext uri="{FF2B5EF4-FFF2-40B4-BE49-F238E27FC236}">
-                <a16:creationId xmlns:a16="http://schemas.microsoft.com/office/drawing/2014/main" id="{BBC46255-8A99-490A-9A9D-C5FEDF7B6223}"/>
-              </a:ext>
-            </a:extLst>
-          </p:cNvPr>
-          <p:cNvCxnSpPr>
-            <a:cxnSpLocks/>
-          </p:cNvCxnSpPr>
-          <p:nvPr/>
-        </p:nvCxnSpPr>
-        <p:spPr>
-          <a:xfrm>
-            <a:off x="4135899" y="3040632"/>
-            <a:ext cx="5394960" cy="0"/>
-          </a:xfrm>
-          <a:prstGeom prst="line">
-            <a:avLst/>
-          </a:prstGeom>
-          <a:ln w="28575">
-            <a:solidFill>
-              <a:schemeClr val="bg1"/>
-            </a:solidFill>
-          </a:ln>
-        </p:spPr>
-        <p:style>
-          <a:lnRef idx="1">
-            <a:schemeClr val="dk1"/>
-          </a:lnRef>
-          <a:fillRef idx="0">
-            <a:schemeClr val="dk1"/>
-          </a:fillRef>
-          <a:effectRef idx="0">
-            <a:schemeClr val="dk1"/>
-          </a:effectRef>
-          <a:fontRef idx="minor">
-            <a:schemeClr val="tx1"/>
-          </a:fontRef>
-        </p:style>
-      </p:cxnSp>
-      <p:cxnSp>
-        <p:nvCxnSpPr>
-          <p:cNvPr id="24" name="Straight Connector 23">
-            <a:extLst>
-              <a:ext uri="{FF2B5EF4-FFF2-40B4-BE49-F238E27FC236}">
-                <a16:creationId xmlns:a16="http://schemas.microsoft.com/office/drawing/2014/main" id="{CF46BEA2-5756-490F-ACDA-85763B6BA204}"/>
-              </a:ext>
-            </a:extLst>
-          </p:cNvPr>
-          <p:cNvCxnSpPr>
-            <a:cxnSpLocks/>
-          </p:cNvCxnSpPr>
-          <p:nvPr/>
-        </p:nvCxnSpPr>
-        <p:spPr>
-          <a:xfrm>
-            <a:off x="4062269" y="5479030"/>
-            <a:ext cx="5394960" cy="0"/>
-          </a:xfrm>
-          <a:prstGeom prst="line">
-            <a:avLst/>
-          </a:prstGeom>
-          <a:ln w="28575">
-            <a:solidFill>
-              <a:schemeClr val="bg1"/>
-            </a:solidFill>
-          </a:ln>
-        </p:spPr>
-        <p:style>
-          <a:lnRef idx="1">
-            <a:schemeClr val="dk1"/>
-          </a:lnRef>
-          <a:fillRef idx="0">
-            <a:schemeClr val="dk1"/>
-          </a:fillRef>
-          <a:effectRef idx="0">
-            <a:schemeClr val="dk1"/>
-          </a:effectRef>
-          <a:fontRef idx="minor">
-            <a:schemeClr val="tx1"/>
-          </a:fontRef>
-        </p:style>
-      </p:cxnSp>
-      <p:pic>
-        <p:nvPicPr>
-          <p:cNvPr id="23" name="Picture 22" descr="A close up of a logo&#10;&#10;Description automatically generated">
-            <a:extLst>
-              <a:ext uri="{FF2B5EF4-FFF2-40B4-BE49-F238E27FC236}">
-                <a16:creationId xmlns:a16="http://schemas.microsoft.com/office/drawing/2014/main" id="{B57390E1-164D-4064-95D4-45531DA48A67}"/>
-              </a:ext>
-            </a:extLst>
-          </p:cNvPr>
-          <p:cNvPicPr>
-            <a:picLocks noChangeAspect="1"/>
-          </p:cNvPicPr>
-          <p:nvPr/>
-        </p:nvPicPr>
-        <p:blipFill rotWithShape="1">
-          <a:blip r:embed="rId4">
-            <a:extLst>
-              <a:ext uri="{28A0092B-C50C-407E-A947-70E740481C1C}">
-                <a14:useLocalDpi xmlns:a14="http://schemas.microsoft.com/office/drawing/2010/main" val="0"/>
-              </a:ext>
-            </a:extLst>
-          </a:blip>
-          <a:srcRect l="12111" t="1003" r="30632" b="-109"/>
-          <a:stretch/>
-        </p:blipFill>
-        <p:spPr>
-          <a:xfrm>
-            <a:off x="7023581" y="581648"/>
-            <a:ext cx="2614711" cy="6222944"/>
-          </a:xfrm>
-          <a:prstGeom prst="rect">
-            <a:avLst/>
-          </a:prstGeom>
-        </p:spPr>
-      </p:pic>
-      <p:pic>
-        <p:nvPicPr>
-          <p:cNvPr id="26" name="Picture 25" descr="A screenshot of a cell phone&#10;&#10;Description automatically generated">
-            <a:extLst>
-              <a:ext uri="{FF2B5EF4-FFF2-40B4-BE49-F238E27FC236}">
-                <a16:creationId xmlns:a16="http://schemas.microsoft.com/office/drawing/2014/main" id="{A9CFAF1F-B529-4ACA-9E95-3BA644CA7899}"/>
-              </a:ext>
-            </a:extLst>
-          </p:cNvPr>
-          <p:cNvPicPr>
-            <a:picLocks noChangeAspect="1"/>
-          </p:cNvPicPr>
-          <p:nvPr/>
-        </p:nvPicPr>
-        <p:blipFill rotWithShape="1">
-          <a:blip r:embed="rId5">
-            <a:extLst>
-              <a:ext uri="{28A0092B-C50C-407E-A947-70E740481C1C}">
-                <a14:useLocalDpi xmlns:a14="http://schemas.microsoft.com/office/drawing/2010/main" val="0"/>
-              </a:ext>
-            </a:extLst>
-          </a:blip>
-          <a:srcRect l="11487" t="448" r="34299" b="448"/>
-          <a:stretch/>
-        </p:blipFill>
-        <p:spPr>
-          <a:xfrm>
-            <a:off x="4440486" y="581648"/>
-            <a:ext cx="2542510" cy="6205644"/>
-          </a:xfrm>
-          <a:prstGeom prst="rect">
-            <a:avLst/>
-          </a:prstGeom>
-        </p:spPr>
-      </p:pic>
-      <p:cxnSp>
-        <p:nvCxnSpPr>
-          <p:cNvPr id="28" name="Straight Connector 27">
-            <a:extLst>
-              <a:ext uri="{FF2B5EF4-FFF2-40B4-BE49-F238E27FC236}">
-                <a16:creationId xmlns:a16="http://schemas.microsoft.com/office/drawing/2014/main" id="{0C5DEA84-BE39-4138-8C9D-BCD9B9BD3863}"/>
-              </a:ext>
-            </a:extLst>
-          </p:cNvPr>
-          <p:cNvCxnSpPr>
-            <a:cxnSpLocks/>
-          </p:cNvCxnSpPr>
-          <p:nvPr/>
-        </p:nvCxnSpPr>
-        <p:spPr>
-          <a:xfrm>
-            <a:off x="4281909" y="2955891"/>
-            <a:ext cx="5394960" cy="0"/>
-          </a:xfrm>
-          <a:prstGeom prst="line">
-            <a:avLst/>
-          </a:prstGeom>
-          <a:ln w="28575">
-            <a:solidFill>
-              <a:schemeClr val="bg1"/>
-            </a:solidFill>
-          </a:ln>
-        </p:spPr>
-        <p:style>
-          <a:lnRef idx="1">
-            <a:schemeClr val="dk1"/>
-          </a:lnRef>
-          <a:fillRef idx="0">
-            <a:schemeClr val="dk1"/>
-          </a:fillRef>
-          <a:effectRef idx="0">
-            <a:schemeClr val="dk1"/>
-          </a:effectRef>
-          <a:fontRef idx="minor">
-            <a:schemeClr val="tx1"/>
-          </a:fontRef>
-        </p:style>
-      </p:cxnSp>
-      <p:cxnSp>
-        <p:nvCxnSpPr>
-          <p:cNvPr id="29" name="Straight Connector 28">
-            <a:extLst>
-              <a:ext uri="{FF2B5EF4-FFF2-40B4-BE49-F238E27FC236}">
-                <a16:creationId xmlns:a16="http://schemas.microsoft.com/office/drawing/2014/main" id="{8F50E44C-3843-49AD-972D-644428CC9E97}"/>
-              </a:ext>
-            </a:extLst>
-          </p:cNvPr>
-          <p:cNvCxnSpPr>
-            <a:cxnSpLocks/>
-          </p:cNvCxnSpPr>
-          <p:nvPr/>
-        </p:nvCxnSpPr>
-        <p:spPr>
-          <a:xfrm>
-            <a:off x="4243332" y="5310214"/>
-            <a:ext cx="5394960" cy="0"/>
-          </a:xfrm>
-          <a:prstGeom prst="line">
-            <a:avLst/>
-          </a:prstGeom>
-          <a:ln w="28575">
-            <a:solidFill>
-              <a:schemeClr val="bg1"/>
-            </a:solidFill>
-          </a:ln>
-        </p:spPr>
-        <p:style>
-          <a:lnRef idx="1">
-            <a:schemeClr val="dk1"/>
-          </a:lnRef>
-          <a:fillRef idx="0">
-            <a:schemeClr val="dk1"/>
-          </a:fillRef>
-          <a:effectRef idx="0">
-            <a:schemeClr val="dk1"/>
-          </a:effectRef>
-          <a:fontRef idx="minor">
-            <a:schemeClr val="tx1"/>
-          </a:fontRef>
-        </p:style>
-      </p:cxnSp>
-    </p:spTree>
-    <p:extLst>
-      <p:ext uri="{BB962C8B-B14F-4D97-AF65-F5344CB8AC3E}">
-        <p14:creationId xmlns:p14="http://schemas.microsoft.com/office/powerpoint/2010/main" val="889487962"/>
-      </p:ext>
-    </p:extLst>
-  </p:cSld>
-  <p:clrMapOvr>
-    <a:masterClrMapping/>
-  </p:clrMapOvr>
-</p:sld>
-</file>
-
-<file path=ppt/slides/slide8.xml><?xml version="1.0" encoding="utf-8"?>
-<p:sld xmlns:a="http://schemas.openxmlformats.org/drawingml/2006/main" xmlns:r="http://schemas.openxmlformats.org/officeDocument/2006/relationships" xmlns:p="http://schemas.openxmlformats.org/presentationml/2006/main">
-  <p:cSld>
-    <p:spTree>
-      <p:nvGrpSpPr>
-        <p:cNvPr id="1" name=""/>
-        <p:cNvGrpSpPr/>
-        <p:nvPr/>
-      </p:nvGrpSpPr>
-      <p:grpSpPr>
-        <a:xfrm>
-          <a:off x="0" y="0"/>
-          <a:ext cx="0" cy="0"/>
-          <a:chOff x="0" y="0"/>
-          <a:chExt cx="0" cy="0"/>
-        </a:xfrm>
-      </p:grpSpPr>
-      <p:pic>
-        <p:nvPicPr>
-          <p:cNvPr id="7" name="Picture 6" descr="A close up of a map&#10;&#10;Description automatically generated">
-            <a:extLst>
-              <a:ext uri="{FF2B5EF4-FFF2-40B4-BE49-F238E27FC236}">
-                <a16:creationId xmlns:a16="http://schemas.microsoft.com/office/drawing/2014/main" id="{29685846-7BE5-4D76-8554-00E51A9C24DB}"/>
-              </a:ext>
-            </a:extLst>
-          </p:cNvPr>
-          <p:cNvPicPr>
-            <a:picLocks noChangeAspect="1"/>
-          </p:cNvPicPr>
-          <p:nvPr/>
-        </p:nvPicPr>
-        <p:blipFill>
-          <a:blip r:embed="rId3">
-            <a:extLst>
-              <a:ext uri="{28A0092B-C50C-407E-A947-70E740481C1C}">
-                <a14:useLocalDpi xmlns:a14="http://schemas.microsoft.com/office/drawing/2010/main" val="0"/>
-              </a:ext>
-            </a:extLst>
-          </a:blip>
-          <a:stretch>
-            <a:fillRect/>
-          </a:stretch>
-        </p:blipFill>
-        <p:spPr>
-          <a:xfrm>
-            <a:off x="2954215" y="963639"/>
-            <a:ext cx="6893165" cy="5169873"/>
-          </a:xfrm>
-          <a:prstGeom prst="rect">
-            <a:avLst/>
-          </a:prstGeom>
-        </p:spPr>
-      </p:pic>
-    </p:spTree>
-    <p:extLst>
-      <p:ext uri="{BB962C8B-B14F-4D97-AF65-F5344CB8AC3E}">
-        <p14:creationId xmlns:p14="http://schemas.microsoft.com/office/powerpoint/2010/main" val="610463419"/>
-      </p:ext>
-    </p:extLst>
-  </p:cSld>
-  <p:clrMapOvr>
-    <a:masterClrMapping/>
-  </p:clrMapOvr>
-</p:sld>
-</file>
-
-<file path=ppt/slides/slide9.xml><?xml version="1.0" encoding="utf-8"?>
-<p:sld xmlns:a="http://schemas.openxmlformats.org/drawingml/2006/main" xmlns:r="http://schemas.openxmlformats.org/officeDocument/2006/relationships" xmlns:p="http://schemas.openxmlformats.org/presentationml/2006/main" show="0">
-  <p:cSld>
-    <p:spTree>
-      <p:nvGrpSpPr>
-        <p:cNvPr id="1" name=""/>
-        <p:cNvGrpSpPr/>
-        <p:nvPr/>
-      </p:nvGrpSpPr>
-      <p:grpSpPr>
-        <a:xfrm>
-          <a:off x="0" y="0"/>
-          <a:ext cx="0" cy="0"/>
-          <a:chOff x="0" y="0"/>
-          <a:chExt cx="0" cy="0"/>
-        </a:xfrm>
-      </p:grpSpPr>
-      <p:pic>
-        <p:nvPicPr>
-          <p:cNvPr id="8" name="Picture 7" descr="A picture containing clock&#10;&#10;Description automatically generated">
-            <a:extLst>
-              <a:ext uri="{FF2B5EF4-FFF2-40B4-BE49-F238E27FC236}">
-                <a16:creationId xmlns:a16="http://schemas.microsoft.com/office/drawing/2014/main" id="{2EEF6A07-44CD-4B42-9611-F30614CF30B6}"/>
-              </a:ext>
-            </a:extLst>
-          </p:cNvPr>
-          <p:cNvPicPr>
-            <a:picLocks noChangeAspect="1"/>
-          </p:cNvPicPr>
-          <p:nvPr/>
-        </p:nvPicPr>
-        <p:blipFill>
-          <a:blip r:embed="rId3">
-            <a:extLst>
-              <a:ext uri="{28A0092B-C50C-407E-A947-70E740481C1C}">
-                <a14:useLocalDpi xmlns:a14="http://schemas.microsoft.com/office/drawing/2010/main" val="0"/>
-              </a:ext>
-            </a:extLst>
-          </a:blip>
-          <a:stretch>
-            <a:fillRect/>
-          </a:stretch>
-        </p:blipFill>
-        <p:spPr>
-          <a:xfrm>
-            <a:off x="1401989" y="0"/>
-            <a:ext cx="4987637" cy="6858000"/>
-          </a:xfrm>
-          <a:prstGeom prst="rect">
-            <a:avLst/>
-          </a:prstGeom>
-        </p:spPr>
-      </p:pic>
-      <p:pic>
-        <p:nvPicPr>
-          <p:cNvPr id="10" name="Picture 9">
-            <a:extLst>
-              <a:ext uri="{FF2B5EF4-FFF2-40B4-BE49-F238E27FC236}">
-                <a16:creationId xmlns:a16="http://schemas.microsoft.com/office/drawing/2014/main" id="{7CC4C345-0600-47D5-9156-92C6F94F7ABB}"/>
-              </a:ext>
-            </a:extLst>
-          </p:cNvPr>
-          <p:cNvPicPr>
-            <a:picLocks noChangeAspect="1"/>
-          </p:cNvPicPr>
-          <p:nvPr/>
-        </p:nvPicPr>
-        <p:blipFill>
-          <a:blip r:embed="rId4">
-            <a:extLst>
-              <a:ext uri="{28A0092B-C50C-407E-A947-70E740481C1C}">
-                <a14:useLocalDpi xmlns:a14="http://schemas.microsoft.com/office/drawing/2010/main" val="0"/>
-              </a:ext>
-            </a:extLst>
-          </a:blip>
-          <a:stretch>
-            <a:fillRect/>
-          </a:stretch>
-        </p:blipFill>
-        <p:spPr>
-          <a:xfrm>
-            <a:off x="6389626" y="0"/>
-            <a:ext cx="4987637" cy="6858000"/>
-          </a:xfrm>
-          <a:prstGeom prst="rect">
-            <a:avLst/>
-          </a:prstGeom>
-        </p:spPr>
-      </p:pic>
-    </p:spTree>
-    <p:extLst>
-      <p:ext uri="{BB962C8B-B14F-4D97-AF65-F5344CB8AC3E}">
-        <p14:creationId xmlns:p14="http://schemas.microsoft.com/office/powerpoint/2010/main" val="3469296725"/>
       </p:ext>
     </p:extLst>
   </p:cSld>

--- a/report/RO-MAN/figures/ROMAN-figures.pptx
+++ b/report/RO-MAN/figures/ROMAN-figures.pptx
@@ -130,7 +130,7 @@
             <a:srgbClr val="A4A3A4"/>
           </p15:clr>
         </p15:guide>
-        <p15:guide id="3" orient="horz" pos="2136" userDrawn="1">
+        <p15:guide id="3" orient="horz" pos="2160" userDrawn="1">
           <p15:clr>
             <a:srgbClr val="A4A3A4"/>
           </p15:clr>
@@ -223,7 +223,7 @@
           <a:p>
             <a:fld id="{3F89A295-6F9E-4D51-AE54-61E02A4CE380}" type="datetimeFigureOut">
               <a:rPr lang="en-US" smtClean="0"/>
-              <a:t>3/18/2020</a:t>
+              <a:t>3/20/2020</a:t>
             </a:fld>
             <a:endParaRPr lang="en-US"/>
           </a:p>
@@ -1445,7 +1445,7 @@
           <a:p>
             <a:fld id="{F4E53FB3-0E6D-400E-94D0-294D549E0F65}" type="datetimeFigureOut">
               <a:rPr lang="en-US" smtClean="0"/>
-              <a:t>3/18/2020</a:t>
+              <a:t>3/20/2020</a:t>
             </a:fld>
             <a:endParaRPr lang="en-US"/>
           </a:p>
@@ -1643,7 +1643,7 @@
           <a:p>
             <a:fld id="{F4E53FB3-0E6D-400E-94D0-294D549E0F65}" type="datetimeFigureOut">
               <a:rPr lang="en-US" smtClean="0"/>
-              <a:t>3/18/2020</a:t>
+              <a:t>3/20/2020</a:t>
             </a:fld>
             <a:endParaRPr lang="en-US"/>
           </a:p>
@@ -1851,7 +1851,7 @@
           <a:p>
             <a:fld id="{F4E53FB3-0E6D-400E-94D0-294D549E0F65}" type="datetimeFigureOut">
               <a:rPr lang="en-US" smtClean="0"/>
-              <a:t>3/18/2020</a:t>
+              <a:t>3/20/2020</a:t>
             </a:fld>
             <a:endParaRPr lang="en-US"/>
           </a:p>
@@ -2049,7 +2049,7 @@
           <a:p>
             <a:fld id="{F4E53FB3-0E6D-400E-94D0-294D549E0F65}" type="datetimeFigureOut">
               <a:rPr lang="en-US" smtClean="0"/>
-              <a:t>3/18/2020</a:t>
+              <a:t>3/20/2020</a:t>
             </a:fld>
             <a:endParaRPr lang="en-US"/>
           </a:p>
@@ -2324,7 +2324,7 @@
           <a:p>
             <a:fld id="{F4E53FB3-0E6D-400E-94D0-294D549E0F65}" type="datetimeFigureOut">
               <a:rPr lang="en-US" smtClean="0"/>
-              <a:t>3/18/2020</a:t>
+              <a:t>3/20/2020</a:t>
             </a:fld>
             <a:endParaRPr lang="en-US"/>
           </a:p>
@@ -2589,7 +2589,7 @@
           <a:p>
             <a:fld id="{F4E53FB3-0E6D-400E-94D0-294D549E0F65}" type="datetimeFigureOut">
               <a:rPr lang="en-US" smtClean="0"/>
-              <a:t>3/18/2020</a:t>
+              <a:t>3/20/2020</a:t>
             </a:fld>
             <a:endParaRPr lang="en-US"/>
           </a:p>
@@ -3001,7 +3001,7 @@
           <a:p>
             <a:fld id="{F4E53FB3-0E6D-400E-94D0-294D549E0F65}" type="datetimeFigureOut">
               <a:rPr lang="en-US" smtClean="0"/>
-              <a:t>3/18/2020</a:t>
+              <a:t>3/20/2020</a:t>
             </a:fld>
             <a:endParaRPr lang="en-US"/>
           </a:p>
@@ -3142,7 +3142,7 @@
           <a:p>
             <a:fld id="{F4E53FB3-0E6D-400E-94D0-294D549E0F65}" type="datetimeFigureOut">
               <a:rPr lang="en-US" smtClean="0"/>
-              <a:t>3/18/2020</a:t>
+              <a:t>3/20/2020</a:t>
             </a:fld>
             <a:endParaRPr lang="en-US"/>
           </a:p>
@@ -3255,7 +3255,7 @@
           <a:p>
             <a:fld id="{F4E53FB3-0E6D-400E-94D0-294D549E0F65}" type="datetimeFigureOut">
               <a:rPr lang="en-US" smtClean="0"/>
-              <a:t>3/18/2020</a:t>
+              <a:t>3/20/2020</a:t>
             </a:fld>
             <a:endParaRPr lang="en-US"/>
           </a:p>
@@ -3566,7 +3566,7 @@
           <a:p>
             <a:fld id="{F4E53FB3-0E6D-400E-94D0-294D549E0F65}" type="datetimeFigureOut">
               <a:rPr lang="en-US" smtClean="0"/>
-              <a:t>3/18/2020</a:t>
+              <a:t>3/20/2020</a:t>
             </a:fld>
             <a:endParaRPr lang="en-US"/>
           </a:p>
@@ -3854,7 +3854,7 @@
           <a:p>
             <a:fld id="{F4E53FB3-0E6D-400E-94D0-294D549E0F65}" type="datetimeFigureOut">
               <a:rPr lang="en-US" smtClean="0"/>
-              <a:t>3/18/2020</a:t>
+              <a:t>3/20/2020</a:t>
             </a:fld>
             <a:endParaRPr lang="en-US"/>
           </a:p>
@@ -4095,7 +4095,7 @@
           <a:p>
             <a:fld id="{F4E53FB3-0E6D-400E-94D0-294D549E0F65}" type="datetimeFigureOut">
               <a:rPr lang="en-US" smtClean="0"/>
-              <a:t>3/18/2020</a:t>
+              <a:t>3/20/2020</a:t>
             </a:fld>
             <a:endParaRPr lang="en-US"/>
           </a:p>
@@ -6488,7 +6488,7 @@
         </p:nvSpPr>
         <p:spPr>
           <a:xfrm>
-            <a:off x="5886182" y="968408"/>
+            <a:off x="5886182" y="933626"/>
             <a:ext cx="731520" cy="369332"/>
           </a:xfrm>
           <a:prstGeom prst="rect">
@@ -6523,7 +6523,7 @@
         </p:nvSpPr>
         <p:spPr>
           <a:xfrm>
-            <a:off x="5886182" y="1420570"/>
+            <a:off x="5886182" y="1351006"/>
             <a:ext cx="731520" cy="369332"/>
           </a:xfrm>
           <a:prstGeom prst="rect">
@@ -6558,7 +6558,7 @@
         </p:nvSpPr>
         <p:spPr>
           <a:xfrm>
-            <a:off x="5886182" y="1872732"/>
+            <a:off x="5886182" y="1768386"/>
             <a:ext cx="731520" cy="369332"/>
           </a:xfrm>
           <a:prstGeom prst="rect">
@@ -6593,7 +6593,7 @@
         </p:nvSpPr>
         <p:spPr>
           <a:xfrm>
-            <a:off x="5886182" y="2324894"/>
+            <a:off x="5886182" y="2185766"/>
             <a:ext cx="731520" cy="369332"/>
           </a:xfrm>
           <a:prstGeom prst="rect">
@@ -6628,7 +6628,7 @@
         </p:nvSpPr>
         <p:spPr>
           <a:xfrm>
-            <a:off x="5886182" y="2777056"/>
+            <a:off x="5886182" y="2603146"/>
             <a:ext cx="731520" cy="369332"/>
           </a:xfrm>
           <a:prstGeom prst="rect">
@@ -6663,7 +6663,7 @@
         </p:nvSpPr>
         <p:spPr>
           <a:xfrm>
-            <a:off x="5886182" y="3229218"/>
+            <a:off x="5886182" y="3020526"/>
             <a:ext cx="731520" cy="369332"/>
           </a:xfrm>
           <a:prstGeom prst="rect">
@@ -6698,7 +6698,7 @@
         </p:nvSpPr>
         <p:spPr>
           <a:xfrm>
-            <a:off x="5886182" y="3681380"/>
+            <a:off x="5886182" y="3437906"/>
             <a:ext cx="731520" cy="369332"/>
           </a:xfrm>
           <a:prstGeom prst="rect">
@@ -6733,7 +6733,7 @@
         </p:nvSpPr>
         <p:spPr>
           <a:xfrm>
-            <a:off x="5886182" y="4133542"/>
+            <a:off x="5886182" y="3855286"/>
             <a:ext cx="731520" cy="369332"/>
           </a:xfrm>
           <a:prstGeom prst="rect">
@@ -6768,7 +6768,7 @@
         </p:nvSpPr>
         <p:spPr>
           <a:xfrm>
-            <a:off x="5886182" y="4585704"/>
+            <a:off x="5886182" y="4690046"/>
             <a:ext cx="731520" cy="369332"/>
           </a:xfrm>
           <a:prstGeom prst="rect">
@@ -6803,7 +6803,7 @@
         </p:nvSpPr>
         <p:spPr>
           <a:xfrm>
-            <a:off x="5886182" y="5037866"/>
+            <a:off x="5886182" y="5107426"/>
             <a:ext cx="731520" cy="369332"/>
           </a:xfrm>
           <a:prstGeom prst="rect">
@@ -6838,7 +6838,7 @@
         </p:nvSpPr>
         <p:spPr>
           <a:xfrm>
-            <a:off x="5886182" y="5490028"/>
+            <a:off x="5886182" y="5524806"/>
             <a:ext cx="731520" cy="369332"/>
           </a:xfrm>
           <a:prstGeom prst="rect">
@@ -7653,6 +7653,41 @@
           </a:p>
         </p:txBody>
       </p:sp>
+      <p:sp>
+        <p:nvSpPr>
+          <p:cNvPr id="65" name="TextBox 64">
+            <a:extLst>
+              <a:ext uri="{FF2B5EF4-FFF2-40B4-BE49-F238E27FC236}">
+                <a16:creationId xmlns:a16="http://schemas.microsoft.com/office/drawing/2014/main" id="{E6DBA21B-5E90-42AF-9115-9D63E39C3114}"/>
+              </a:ext>
+            </a:extLst>
+          </p:cNvPr>
+          <p:cNvSpPr txBox="1"/>
+          <p:nvPr/>
+        </p:nvSpPr>
+        <p:spPr>
+          <a:xfrm>
+            <a:off x="5886182" y="4272666"/>
+            <a:ext cx="731520" cy="369332"/>
+          </a:xfrm>
+          <a:prstGeom prst="rect">
+            <a:avLst/>
+          </a:prstGeom>
+          <a:noFill/>
+        </p:spPr>
+        <p:txBody>
+          <a:bodyPr wrap="square" rtlCol="0">
+            <a:spAutoFit/>
+          </a:bodyPr>
+          <a:lstStyle/>
+          <a:p>
+            <a:r>
+              <a:rPr lang="en-US" i="1" dirty="0"/>
+              <a:t>2.06</a:t>
+            </a:r>
+          </a:p>
+        </p:txBody>
+      </p:sp>
     </p:spTree>
     <p:extLst>
       <p:ext uri="{BB962C8B-B14F-4D97-AF65-F5344CB8AC3E}">
@@ -7685,10 +7720,10 @@
       </p:grpSpPr>
       <p:pic>
         <p:nvPicPr>
-          <p:cNvPr id="6" name="Picture 5">
+          <p:cNvPr id="2" name="Picture 1">
             <a:extLst>
               <a:ext uri="{FF2B5EF4-FFF2-40B4-BE49-F238E27FC236}">
-                <a16:creationId xmlns:a16="http://schemas.microsoft.com/office/drawing/2014/main" id="{89EFF932-211A-4CCE-9227-27DE43194E3C}"/>
+                <a16:creationId xmlns:a16="http://schemas.microsoft.com/office/drawing/2014/main" id="{83373A20-DE69-4C43-8E12-94A26CC305EA}"/>
               </a:ext>
             </a:extLst>
           </p:cNvPr>
@@ -7711,9 +7746,6 @@
           <a:prstGeom prst="rect">
             <a:avLst/>
           </a:prstGeom>
-          <a:solidFill>
-            <a:schemeClr val="bg1"/>
-          </a:solidFill>
         </p:spPr>
       </p:pic>
     </p:spTree>
@@ -7898,8 +7930,8 @@
           </a:fontRef>
         </p:style>
       </p:cxnSp>
-      <mc:AlternateContent xmlns:mc="http://schemas.openxmlformats.org/markup-compatibility/2006">
-        <mc:Choice xmlns:a14="http://schemas.microsoft.com/office/drawing/2010/main" Requires="a14">
+      <mc:AlternateContent xmlns:mc="http://schemas.openxmlformats.org/markup-compatibility/2006" xmlns:a14="http://schemas.microsoft.com/office/drawing/2010/main">
+        <mc:Choice Requires="a14">
           <p:sp>
             <p:nvSpPr>
               <p:cNvPr id="2" name="Rectangle 1">
@@ -7993,7 +8025,7 @@
             </p:txBody>
           </p:sp>
         </mc:Choice>
-        <mc:Fallback>
+        <mc:Fallback xmlns="">
           <p:sp>
             <p:nvSpPr>
               <p:cNvPr id="2" name="Rectangle 1">
@@ -8041,8 +8073,8 @@
           </p:sp>
         </mc:Fallback>
       </mc:AlternateContent>
-      <mc:AlternateContent xmlns:mc="http://schemas.openxmlformats.org/markup-compatibility/2006">
-        <mc:Choice xmlns:a14="http://schemas.microsoft.com/office/drawing/2010/main" Requires="a14">
+      <mc:AlternateContent xmlns:mc="http://schemas.openxmlformats.org/markup-compatibility/2006" xmlns:a14="http://schemas.microsoft.com/office/drawing/2010/main">
+        <mc:Choice Requires="a14">
           <p:sp>
             <p:nvSpPr>
               <p:cNvPr id="3" name="Oval 2">
@@ -8152,7 +8184,7 @@
             </p:txBody>
           </p:sp>
         </mc:Choice>
-        <mc:Fallback>
+        <mc:Fallback xmlns="">
           <p:sp>
             <p:nvSpPr>
               <p:cNvPr id="3" name="Oval 2">
@@ -8200,8 +8232,8 @@
           </p:sp>
         </mc:Fallback>
       </mc:AlternateContent>
-      <mc:AlternateContent xmlns:mc="http://schemas.openxmlformats.org/markup-compatibility/2006">
-        <mc:Choice xmlns:a14="http://schemas.microsoft.com/office/drawing/2010/main" Requires="a14">
+      <mc:AlternateContent xmlns:mc="http://schemas.openxmlformats.org/markup-compatibility/2006" xmlns:a14="http://schemas.microsoft.com/office/drawing/2010/main">
+        <mc:Choice Requires="a14">
           <p:sp>
             <p:nvSpPr>
               <p:cNvPr id="5" name="Oval 4">
@@ -8311,7 +8343,7 @@
             </p:txBody>
           </p:sp>
         </mc:Choice>
-        <mc:Fallback>
+        <mc:Fallback xmlns="">
           <p:sp>
             <p:nvSpPr>
               <p:cNvPr id="5" name="Oval 4">
@@ -8359,8 +8391,8 @@
           </p:sp>
         </mc:Fallback>
       </mc:AlternateContent>
-      <mc:AlternateContent xmlns:mc="http://schemas.openxmlformats.org/markup-compatibility/2006">
-        <mc:Choice xmlns:a14="http://schemas.microsoft.com/office/drawing/2010/main" Requires="a14">
+      <mc:AlternateContent xmlns:mc="http://schemas.openxmlformats.org/markup-compatibility/2006" xmlns:a14="http://schemas.microsoft.com/office/drawing/2010/main">
+        <mc:Choice Requires="a14">
           <p:sp>
             <p:nvSpPr>
               <p:cNvPr id="6" name="Oval 5">
@@ -8470,7 +8502,7 @@
             </p:txBody>
           </p:sp>
         </mc:Choice>
-        <mc:Fallback>
+        <mc:Fallback xmlns="">
           <p:sp>
             <p:nvSpPr>
               <p:cNvPr id="6" name="Oval 5">
@@ -8518,8 +8550,8 @@
           </p:sp>
         </mc:Fallback>
       </mc:AlternateContent>
-      <mc:AlternateContent xmlns:mc="http://schemas.openxmlformats.org/markup-compatibility/2006">
-        <mc:Choice xmlns:a14="http://schemas.microsoft.com/office/drawing/2010/main" Requires="a14">
+      <mc:AlternateContent xmlns:mc="http://schemas.openxmlformats.org/markup-compatibility/2006" xmlns:a14="http://schemas.microsoft.com/office/drawing/2010/main">
+        <mc:Choice Requires="a14">
           <p:sp>
             <p:nvSpPr>
               <p:cNvPr id="7" name="Oval 6">
@@ -8629,7 +8661,7 @@
             </p:txBody>
           </p:sp>
         </mc:Choice>
-        <mc:Fallback>
+        <mc:Fallback xmlns="">
           <p:sp>
             <p:nvSpPr>
               <p:cNvPr id="7" name="Oval 6">
@@ -8677,8 +8709,8 @@
           </p:sp>
         </mc:Fallback>
       </mc:AlternateContent>
-      <mc:AlternateContent xmlns:mc="http://schemas.openxmlformats.org/markup-compatibility/2006">
-        <mc:Choice xmlns:a14="http://schemas.microsoft.com/office/drawing/2010/main" Requires="a14">
+      <mc:AlternateContent xmlns:mc="http://schemas.openxmlformats.org/markup-compatibility/2006" xmlns:a14="http://schemas.microsoft.com/office/drawing/2010/main">
+        <mc:Choice Requires="a14">
           <p:graphicFrame>
             <p:nvGraphicFramePr>
               <p:cNvPr id="14" name="Table 14">
@@ -9619,7 +9651,7 @@
             </a:graphic>
           </p:graphicFrame>
         </mc:Choice>
-        <mc:Fallback>
+        <mc:Fallback xmlns="">
           <p:graphicFrame>
             <p:nvGraphicFramePr>
               <p:cNvPr id="14" name="Table 14">

--- a/report/RO-MAN/figures/ROMAN-figures.pptx
+++ b/report/RO-MAN/figures/ROMAN-figures.pptx
@@ -5,7 +5,7 @@
     <p:sldMasterId id="2147483648" r:id="rId1"/>
   </p:sldMasterIdLst>
   <p:notesMasterIdLst>
-    <p:notesMasterId r:id="rId18"/>
+    <p:notesMasterId r:id="rId22"/>
   </p:notesMasterIdLst>
   <p:sldIdLst>
     <p:sldId id="270" r:id="rId2"/>
@@ -24,6 +24,10 @@
     <p:sldId id="261" r:id="rId15"/>
     <p:sldId id="267" r:id="rId16"/>
     <p:sldId id="269" r:id="rId17"/>
+    <p:sldId id="275" r:id="rId18"/>
+    <p:sldId id="276" r:id="rId19"/>
+    <p:sldId id="273" r:id="rId20"/>
+    <p:sldId id="274" r:id="rId21"/>
   </p:sldIdLst>
   <p:sldSz cx="12192000" cy="6858000"/>
   <p:notesSz cx="6858000" cy="9144000"/>
@@ -130,7 +134,7 @@
             <a:srgbClr val="A4A3A4"/>
           </p15:clr>
         </p15:guide>
-        <p15:guide id="3" orient="horz" pos="2160" userDrawn="1">
+        <p15:guide id="3" orient="horz" pos="2184" userDrawn="1">
           <p15:clr>
             <a:srgbClr val="A4A3A4"/>
           </p15:clr>
@@ -223,7 +227,7 @@
           <a:p>
             <a:fld id="{3F89A295-6F9E-4D51-AE54-61E02A4CE380}" type="datetimeFigureOut">
               <a:rPr lang="en-US" smtClean="0"/>
-              <a:t>3/20/2020</a:t>
+              <a:t>4/1/2020</a:t>
             </a:fld>
             <a:endParaRPr lang="en-US"/>
           </a:p>
@@ -1298,6 +1302,174 @@
 </p:notes>
 </file>
 
+<file path=ppt/notesSlides/notesSlide8.xml><?xml version="1.0" encoding="utf-8"?>
+<p:notes xmlns:a="http://schemas.openxmlformats.org/drawingml/2006/main" xmlns:r="http://schemas.openxmlformats.org/officeDocument/2006/relationships" xmlns:p="http://schemas.openxmlformats.org/presentationml/2006/main">
+  <p:cSld>
+    <p:spTree>
+      <p:nvGrpSpPr>
+        <p:cNvPr id="1" name=""/>
+        <p:cNvGrpSpPr/>
+        <p:nvPr/>
+      </p:nvGrpSpPr>
+      <p:grpSpPr>
+        <a:xfrm>
+          <a:off x="0" y="0"/>
+          <a:ext cx="0" cy="0"/>
+          <a:chOff x="0" y="0"/>
+          <a:chExt cx="0" cy="0"/>
+        </a:xfrm>
+      </p:grpSpPr>
+      <p:sp>
+        <p:nvSpPr>
+          <p:cNvPr id="2" name="Slide Image Placeholder 1"/>
+          <p:cNvSpPr>
+            <a:spLocks noGrp="1" noRot="1" noChangeAspect="1"/>
+          </p:cNvSpPr>
+          <p:nvPr>
+            <p:ph type="sldImg"/>
+          </p:nvPr>
+        </p:nvSpPr>
+        <p:spPr/>
+      </p:sp>
+      <p:sp>
+        <p:nvSpPr>
+          <p:cNvPr id="3" name="Notes Placeholder 2"/>
+          <p:cNvSpPr>
+            <a:spLocks noGrp="1"/>
+          </p:cNvSpPr>
+          <p:nvPr>
+            <p:ph type="body" idx="1"/>
+          </p:nvPr>
+        </p:nvSpPr>
+        <p:spPr/>
+        <p:txBody>
+          <a:bodyPr/>
+          <a:lstStyle/>
+          <a:p>
+            <a:endParaRPr lang="en-US" dirty="0"/>
+          </a:p>
+        </p:txBody>
+      </p:sp>
+      <p:sp>
+        <p:nvSpPr>
+          <p:cNvPr id="4" name="Slide Number Placeholder 3"/>
+          <p:cNvSpPr>
+            <a:spLocks noGrp="1"/>
+          </p:cNvSpPr>
+          <p:nvPr>
+            <p:ph type="sldNum" sz="quarter" idx="5"/>
+          </p:nvPr>
+        </p:nvSpPr>
+        <p:spPr/>
+        <p:txBody>
+          <a:bodyPr/>
+          <a:lstStyle/>
+          <a:p>
+            <a:fld id="{DA1463AA-A683-4C2A-8632-07FD5D698543}" type="slidenum">
+              <a:rPr lang="en-US" smtClean="0"/>
+              <a:t>17</a:t>
+            </a:fld>
+            <a:endParaRPr lang="en-US"/>
+          </a:p>
+        </p:txBody>
+      </p:sp>
+    </p:spTree>
+    <p:extLst>
+      <p:ext uri="{BB962C8B-B14F-4D97-AF65-F5344CB8AC3E}">
+        <p14:creationId xmlns:p14="http://schemas.microsoft.com/office/powerpoint/2010/main" val="1705935776"/>
+      </p:ext>
+    </p:extLst>
+  </p:cSld>
+  <p:clrMapOvr>
+    <a:masterClrMapping/>
+  </p:clrMapOvr>
+</p:notes>
+</file>
+
+<file path=ppt/notesSlides/notesSlide9.xml><?xml version="1.0" encoding="utf-8"?>
+<p:notes xmlns:a="http://schemas.openxmlformats.org/drawingml/2006/main" xmlns:r="http://schemas.openxmlformats.org/officeDocument/2006/relationships" xmlns:p="http://schemas.openxmlformats.org/presentationml/2006/main">
+  <p:cSld>
+    <p:spTree>
+      <p:nvGrpSpPr>
+        <p:cNvPr id="1" name=""/>
+        <p:cNvGrpSpPr/>
+        <p:nvPr/>
+      </p:nvGrpSpPr>
+      <p:grpSpPr>
+        <a:xfrm>
+          <a:off x="0" y="0"/>
+          <a:ext cx="0" cy="0"/>
+          <a:chOff x="0" y="0"/>
+          <a:chExt cx="0" cy="0"/>
+        </a:xfrm>
+      </p:grpSpPr>
+      <p:sp>
+        <p:nvSpPr>
+          <p:cNvPr id="2" name="Slide Image Placeholder 1"/>
+          <p:cNvSpPr>
+            <a:spLocks noGrp="1" noRot="1" noChangeAspect="1"/>
+          </p:cNvSpPr>
+          <p:nvPr>
+            <p:ph type="sldImg"/>
+          </p:nvPr>
+        </p:nvSpPr>
+        <p:spPr/>
+      </p:sp>
+      <p:sp>
+        <p:nvSpPr>
+          <p:cNvPr id="3" name="Notes Placeholder 2"/>
+          <p:cNvSpPr>
+            <a:spLocks noGrp="1"/>
+          </p:cNvSpPr>
+          <p:nvPr>
+            <p:ph type="body" idx="1"/>
+          </p:nvPr>
+        </p:nvSpPr>
+        <p:spPr/>
+        <p:txBody>
+          <a:bodyPr/>
+          <a:lstStyle/>
+          <a:p>
+            <a:endParaRPr lang="en-US" dirty="0"/>
+          </a:p>
+        </p:txBody>
+      </p:sp>
+      <p:sp>
+        <p:nvSpPr>
+          <p:cNvPr id="4" name="Slide Number Placeholder 3"/>
+          <p:cNvSpPr>
+            <a:spLocks noGrp="1"/>
+          </p:cNvSpPr>
+          <p:nvPr>
+            <p:ph type="sldNum" sz="quarter" idx="5"/>
+          </p:nvPr>
+        </p:nvSpPr>
+        <p:spPr/>
+        <p:txBody>
+          <a:bodyPr/>
+          <a:lstStyle/>
+          <a:p>
+            <a:fld id="{DA1463AA-A683-4C2A-8632-07FD5D698543}" type="slidenum">
+              <a:rPr lang="en-US" smtClean="0"/>
+              <a:t>19</a:t>
+            </a:fld>
+            <a:endParaRPr lang="en-US"/>
+          </a:p>
+        </p:txBody>
+      </p:sp>
+    </p:spTree>
+    <p:extLst>
+      <p:ext uri="{BB962C8B-B14F-4D97-AF65-F5344CB8AC3E}">
+        <p14:creationId xmlns:p14="http://schemas.microsoft.com/office/powerpoint/2010/main" val="3264843180"/>
+      </p:ext>
+    </p:extLst>
+  </p:cSld>
+  <p:clrMapOvr>
+    <a:masterClrMapping/>
+  </p:clrMapOvr>
+</p:notes>
+</file>
+
 <file path=ppt/slideLayouts/slideLayout1.xml><?xml version="1.0" encoding="utf-8"?>
 <p:sldLayout xmlns:a="http://schemas.openxmlformats.org/drawingml/2006/main" xmlns:r="http://schemas.openxmlformats.org/officeDocument/2006/relationships" xmlns:p="http://schemas.openxmlformats.org/presentationml/2006/main" type="title" preserve="1">
   <p:cSld name="Title Slide">
@@ -1445,7 +1617,7 @@
           <a:p>
             <a:fld id="{F4E53FB3-0E6D-400E-94D0-294D549E0F65}" type="datetimeFigureOut">
               <a:rPr lang="en-US" smtClean="0"/>
-              <a:t>3/20/2020</a:t>
+              <a:t>4/1/2020</a:t>
             </a:fld>
             <a:endParaRPr lang="en-US"/>
           </a:p>
@@ -1643,7 +1815,7 @@
           <a:p>
             <a:fld id="{F4E53FB3-0E6D-400E-94D0-294D549E0F65}" type="datetimeFigureOut">
               <a:rPr lang="en-US" smtClean="0"/>
-              <a:t>3/20/2020</a:t>
+              <a:t>4/1/2020</a:t>
             </a:fld>
             <a:endParaRPr lang="en-US"/>
           </a:p>
@@ -1851,7 +2023,7 @@
           <a:p>
             <a:fld id="{F4E53FB3-0E6D-400E-94D0-294D549E0F65}" type="datetimeFigureOut">
               <a:rPr lang="en-US" smtClean="0"/>
-              <a:t>3/20/2020</a:t>
+              <a:t>4/1/2020</a:t>
             </a:fld>
             <a:endParaRPr lang="en-US"/>
           </a:p>
@@ -2049,7 +2221,7 @@
           <a:p>
             <a:fld id="{F4E53FB3-0E6D-400E-94D0-294D549E0F65}" type="datetimeFigureOut">
               <a:rPr lang="en-US" smtClean="0"/>
-              <a:t>3/20/2020</a:t>
+              <a:t>4/1/2020</a:t>
             </a:fld>
             <a:endParaRPr lang="en-US"/>
           </a:p>
@@ -2324,7 +2496,7 @@
           <a:p>
             <a:fld id="{F4E53FB3-0E6D-400E-94D0-294D549E0F65}" type="datetimeFigureOut">
               <a:rPr lang="en-US" smtClean="0"/>
-              <a:t>3/20/2020</a:t>
+              <a:t>4/1/2020</a:t>
             </a:fld>
             <a:endParaRPr lang="en-US"/>
           </a:p>
@@ -2589,7 +2761,7 @@
           <a:p>
             <a:fld id="{F4E53FB3-0E6D-400E-94D0-294D549E0F65}" type="datetimeFigureOut">
               <a:rPr lang="en-US" smtClean="0"/>
-              <a:t>3/20/2020</a:t>
+              <a:t>4/1/2020</a:t>
             </a:fld>
             <a:endParaRPr lang="en-US"/>
           </a:p>
@@ -3001,7 +3173,7 @@
           <a:p>
             <a:fld id="{F4E53FB3-0E6D-400E-94D0-294D549E0F65}" type="datetimeFigureOut">
               <a:rPr lang="en-US" smtClean="0"/>
-              <a:t>3/20/2020</a:t>
+              <a:t>4/1/2020</a:t>
             </a:fld>
             <a:endParaRPr lang="en-US"/>
           </a:p>
@@ -3142,7 +3314,7 @@
           <a:p>
             <a:fld id="{F4E53FB3-0E6D-400E-94D0-294D549E0F65}" type="datetimeFigureOut">
               <a:rPr lang="en-US" smtClean="0"/>
-              <a:t>3/20/2020</a:t>
+              <a:t>4/1/2020</a:t>
             </a:fld>
             <a:endParaRPr lang="en-US"/>
           </a:p>
@@ -3255,7 +3427,7 @@
           <a:p>
             <a:fld id="{F4E53FB3-0E6D-400E-94D0-294D549E0F65}" type="datetimeFigureOut">
               <a:rPr lang="en-US" smtClean="0"/>
-              <a:t>3/20/2020</a:t>
+              <a:t>4/1/2020</a:t>
             </a:fld>
             <a:endParaRPr lang="en-US"/>
           </a:p>
@@ -3566,7 +3738,7 @@
           <a:p>
             <a:fld id="{F4E53FB3-0E6D-400E-94D0-294D549E0F65}" type="datetimeFigureOut">
               <a:rPr lang="en-US" smtClean="0"/>
-              <a:t>3/20/2020</a:t>
+              <a:t>4/1/2020</a:t>
             </a:fld>
             <a:endParaRPr lang="en-US"/>
           </a:p>
@@ -3854,7 +4026,7 @@
           <a:p>
             <a:fld id="{F4E53FB3-0E6D-400E-94D0-294D549E0F65}" type="datetimeFigureOut">
               <a:rPr lang="en-US" smtClean="0"/>
-              <a:t>3/20/2020</a:t>
+              <a:t>4/1/2020</a:t>
             </a:fld>
             <a:endParaRPr lang="en-US"/>
           </a:p>
@@ -4095,7 +4267,7 @@
           <a:p>
             <a:fld id="{F4E53FB3-0E6D-400E-94D0-294D549E0F65}" type="datetimeFigureOut">
               <a:rPr lang="en-US" smtClean="0"/>
-              <a:t>3/20/2020</a:t>
+              <a:t>4/1/2020</a:t>
             </a:fld>
             <a:endParaRPr lang="en-US"/>
           </a:p>
@@ -5335,10 +5507,10 @@
       </p:grpSpPr>
       <p:pic>
         <p:nvPicPr>
-          <p:cNvPr id="7" name="Picture 6" descr="A close up of a map&#10;&#10;Description automatically generated">
-            <a:extLst>
-              <a:ext uri="{FF2B5EF4-FFF2-40B4-BE49-F238E27FC236}">
-                <a16:creationId xmlns:a16="http://schemas.microsoft.com/office/drawing/2014/main" id="{29685846-7BE5-4D76-8554-00E51A9C24DB}"/>
+          <p:cNvPr id="3" name="Picture 2" descr="A close up of a map&#10;&#10;Description automatically generated">
+            <a:extLst>
+              <a:ext uri="{FF2B5EF4-FFF2-40B4-BE49-F238E27FC236}">
+                <a16:creationId xmlns:a16="http://schemas.microsoft.com/office/drawing/2014/main" id="{CC308418-DFE0-484F-AC14-57F9DB6E43F7}"/>
               </a:ext>
             </a:extLst>
           </p:cNvPr>
@@ -5361,8 +5533,8 @@
         </p:blipFill>
         <p:spPr>
           <a:xfrm>
-            <a:off x="2954215" y="963639"/>
-            <a:ext cx="6893165" cy="5169873"/>
+            <a:off x="2791964" y="845820"/>
+            <a:ext cx="6888480" cy="5166360"/>
           </a:xfrm>
           <a:prstGeom prst="rect">
             <a:avLst/>
@@ -7752,6 +7924,3872 @@
     <p:extLst>
       <p:ext uri="{BB962C8B-B14F-4D97-AF65-F5344CB8AC3E}">
         <p14:creationId xmlns:p14="http://schemas.microsoft.com/office/powerpoint/2010/main" val="778884819"/>
+      </p:ext>
+    </p:extLst>
+  </p:cSld>
+  <p:clrMapOvr>
+    <a:masterClrMapping/>
+  </p:clrMapOvr>
+</p:sld>
+</file>
+
+<file path=ppt/slides/slide17.xml><?xml version="1.0" encoding="utf-8"?>
+<p:sld xmlns:a="http://schemas.openxmlformats.org/drawingml/2006/main" xmlns:r="http://schemas.openxmlformats.org/officeDocument/2006/relationships" xmlns:p="http://schemas.openxmlformats.org/presentationml/2006/main">
+  <p:cSld>
+    <p:spTree>
+      <p:nvGrpSpPr>
+        <p:cNvPr id="1" name=""/>
+        <p:cNvGrpSpPr/>
+        <p:nvPr/>
+      </p:nvGrpSpPr>
+      <p:grpSpPr>
+        <a:xfrm>
+          <a:off x="0" y="0"/>
+          <a:ext cx="0" cy="0"/>
+          <a:chOff x="0" y="0"/>
+          <a:chExt cx="0" cy="0"/>
+        </a:xfrm>
+      </p:grpSpPr>
+      <p:pic>
+        <p:nvPicPr>
+          <p:cNvPr id="26" name="Picture 25" descr="A picture containing clock&#10;&#10;Description automatically generated">
+            <a:extLst>
+              <a:ext uri="{FF2B5EF4-FFF2-40B4-BE49-F238E27FC236}">
+                <a16:creationId xmlns:a16="http://schemas.microsoft.com/office/drawing/2014/main" id="{BB0887E7-AC55-48C2-AFD1-88BCDFE7FFF7}"/>
+              </a:ext>
+            </a:extLst>
+          </p:cNvPr>
+          <p:cNvPicPr>
+            <a:picLocks noChangeAspect="1"/>
+          </p:cNvPicPr>
+          <p:nvPr/>
+        </p:nvPicPr>
+        <p:blipFill rotWithShape="1">
+          <a:blip r:embed="rId3">
+            <a:extLst>
+              <a:ext uri="{28A0092B-C50C-407E-A947-70E740481C1C}">
+                <a14:useLocalDpi xmlns:a14="http://schemas.microsoft.com/office/drawing/2010/main" val="0"/>
+              </a:ext>
+            </a:extLst>
+          </a:blip>
+          <a:srcRect l="10814" r="32776" b="4221"/>
+          <a:stretch/>
+        </p:blipFill>
+        <p:spPr>
+          <a:xfrm>
+            <a:off x="6471372" y="397825"/>
+            <a:ext cx="2625969" cy="6000251"/>
+          </a:xfrm>
+          <a:prstGeom prst="rect">
+            <a:avLst/>
+          </a:prstGeom>
+        </p:spPr>
+      </p:pic>
+      <p:pic>
+        <p:nvPicPr>
+          <p:cNvPr id="27" name="Picture 26">
+            <a:extLst>
+              <a:ext uri="{FF2B5EF4-FFF2-40B4-BE49-F238E27FC236}">
+                <a16:creationId xmlns:a16="http://schemas.microsoft.com/office/drawing/2014/main" id="{37A0300A-6DF9-4707-B77C-C5D4AADF8D0A}"/>
+              </a:ext>
+            </a:extLst>
+          </p:cNvPr>
+          <p:cNvPicPr>
+            <a:picLocks noChangeAspect="1"/>
+          </p:cNvPicPr>
+          <p:nvPr/>
+        </p:nvPicPr>
+        <p:blipFill rotWithShape="1">
+          <a:blip r:embed="rId4">
+            <a:extLst>
+              <a:ext uri="{28A0092B-C50C-407E-A947-70E740481C1C}">
+                <a14:useLocalDpi xmlns:a14="http://schemas.microsoft.com/office/drawing/2010/main" val="0"/>
+              </a:ext>
+            </a:extLst>
+          </a:blip>
+          <a:srcRect l="10162" r="29688" b="4266"/>
+          <a:stretch/>
+        </p:blipFill>
+        <p:spPr>
+          <a:xfrm>
+            <a:off x="9183027" y="411895"/>
+            <a:ext cx="2784651" cy="5964508"/>
+          </a:xfrm>
+          <a:prstGeom prst="rect">
+            <a:avLst/>
+          </a:prstGeom>
+        </p:spPr>
+      </p:pic>
+      <p:sp>
+        <p:nvSpPr>
+          <p:cNvPr id="30" name="TextBox 29">
+            <a:extLst>
+              <a:ext uri="{FF2B5EF4-FFF2-40B4-BE49-F238E27FC236}">
+                <a16:creationId xmlns:a16="http://schemas.microsoft.com/office/drawing/2014/main" id="{27CA8C75-75FF-44A4-9987-6BBBA81944EE}"/>
+              </a:ext>
+            </a:extLst>
+          </p:cNvPr>
+          <p:cNvSpPr txBox="1"/>
+          <p:nvPr/>
+        </p:nvSpPr>
+        <p:spPr>
+          <a:xfrm>
+            <a:off x="6915788" y="50733"/>
+            <a:ext cx="2106526" cy="461665"/>
+          </a:xfrm>
+          <a:prstGeom prst="rect">
+            <a:avLst/>
+          </a:prstGeom>
+          <a:noFill/>
+        </p:spPr>
+        <p:txBody>
+          <a:bodyPr wrap="square" rtlCol="0">
+            <a:spAutoFit/>
+          </a:bodyPr>
+          <a:lstStyle/>
+          <a:p>
+            <a:r>
+              <a:rPr lang="en-US" sz="2400" dirty="0"/>
+              <a:t>Ground-Truth</a:t>
+            </a:r>
+          </a:p>
+        </p:txBody>
+      </p:sp>
+      <p:sp>
+        <p:nvSpPr>
+          <p:cNvPr id="31" name="TextBox 30">
+            <a:extLst>
+              <a:ext uri="{FF2B5EF4-FFF2-40B4-BE49-F238E27FC236}">
+                <a16:creationId xmlns:a16="http://schemas.microsoft.com/office/drawing/2014/main" id="{8ED676C3-E5EB-449B-8007-860B0CA3EE1A}"/>
+              </a:ext>
+            </a:extLst>
+          </p:cNvPr>
+          <p:cNvSpPr txBox="1"/>
+          <p:nvPr/>
+        </p:nvSpPr>
+        <p:spPr>
+          <a:xfrm>
+            <a:off x="9587687" y="50733"/>
+            <a:ext cx="2106526" cy="461665"/>
+          </a:xfrm>
+          <a:prstGeom prst="rect">
+            <a:avLst/>
+          </a:prstGeom>
+          <a:noFill/>
+        </p:spPr>
+        <p:txBody>
+          <a:bodyPr wrap="square" rtlCol="0">
+            <a:spAutoFit/>
+          </a:bodyPr>
+          <a:lstStyle/>
+          <a:p>
+            <a:r>
+              <a:rPr lang="en-US" sz="2400" dirty="0"/>
+              <a:t>Reconstructed</a:t>
+            </a:r>
+          </a:p>
+        </p:txBody>
+      </p:sp>
+      <p:sp>
+        <p:nvSpPr>
+          <p:cNvPr id="32" name="TextBox 31">
+            <a:extLst>
+              <a:ext uri="{FF2B5EF4-FFF2-40B4-BE49-F238E27FC236}">
+                <a16:creationId xmlns:a16="http://schemas.microsoft.com/office/drawing/2014/main" id="{77CD2619-B77C-4AD3-8539-78A4516566DF}"/>
+              </a:ext>
+            </a:extLst>
+          </p:cNvPr>
+          <p:cNvSpPr txBox="1"/>
+          <p:nvPr/>
+        </p:nvSpPr>
+        <p:spPr>
+          <a:xfrm>
+            <a:off x="5886182" y="516246"/>
+            <a:ext cx="731520" cy="369332"/>
+          </a:xfrm>
+          <a:prstGeom prst="rect">
+            <a:avLst/>
+          </a:prstGeom>
+          <a:noFill/>
+        </p:spPr>
+        <p:txBody>
+          <a:bodyPr wrap="square" rtlCol="0">
+            <a:spAutoFit/>
+          </a:bodyPr>
+          <a:lstStyle/>
+          <a:p>
+            <a:r>
+              <a:rPr lang="en-US" i="1" dirty="0"/>
+              <a:t>7.07</a:t>
+            </a:r>
+          </a:p>
+        </p:txBody>
+      </p:sp>
+      <p:sp>
+        <p:nvSpPr>
+          <p:cNvPr id="33" name="TextBox 32">
+            <a:extLst>
+              <a:ext uri="{FF2B5EF4-FFF2-40B4-BE49-F238E27FC236}">
+                <a16:creationId xmlns:a16="http://schemas.microsoft.com/office/drawing/2014/main" id="{6370E5E1-3FEE-4315-B3AA-4A379A03C4AB}"/>
+              </a:ext>
+            </a:extLst>
+          </p:cNvPr>
+          <p:cNvSpPr txBox="1"/>
+          <p:nvPr/>
+        </p:nvSpPr>
+        <p:spPr>
+          <a:xfrm>
+            <a:off x="5886182" y="933626"/>
+            <a:ext cx="731520" cy="369332"/>
+          </a:xfrm>
+          <a:prstGeom prst="rect">
+            <a:avLst/>
+          </a:prstGeom>
+          <a:noFill/>
+        </p:spPr>
+        <p:txBody>
+          <a:bodyPr wrap="square" rtlCol="0">
+            <a:spAutoFit/>
+          </a:bodyPr>
+          <a:lstStyle/>
+          <a:p>
+            <a:r>
+              <a:rPr lang="en-US" i="1" dirty="0"/>
+              <a:t>6.66</a:t>
+            </a:r>
+          </a:p>
+        </p:txBody>
+      </p:sp>
+      <p:sp>
+        <p:nvSpPr>
+          <p:cNvPr id="34" name="TextBox 33">
+            <a:extLst>
+              <a:ext uri="{FF2B5EF4-FFF2-40B4-BE49-F238E27FC236}">
+                <a16:creationId xmlns:a16="http://schemas.microsoft.com/office/drawing/2014/main" id="{03BF971E-7EC9-43A7-BCC6-A64D737914B0}"/>
+              </a:ext>
+            </a:extLst>
+          </p:cNvPr>
+          <p:cNvSpPr txBox="1"/>
+          <p:nvPr/>
+        </p:nvSpPr>
+        <p:spPr>
+          <a:xfrm>
+            <a:off x="5886182" y="1351006"/>
+            <a:ext cx="731520" cy="369332"/>
+          </a:xfrm>
+          <a:prstGeom prst="rect">
+            <a:avLst/>
+          </a:prstGeom>
+          <a:noFill/>
+        </p:spPr>
+        <p:txBody>
+          <a:bodyPr wrap="square" rtlCol="0">
+            <a:spAutoFit/>
+          </a:bodyPr>
+          <a:lstStyle/>
+          <a:p>
+            <a:r>
+              <a:rPr lang="en-US" i="1" dirty="0"/>
+              <a:t>6.29</a:t>
+            </a:r>
+          </a:p>
+        </p:txBody>
+      </p:sp>
+      <p:sp>
+        <p:nvSpPr>
+          <p:cNvPr id="35" name="TextBox 34">
+            <a:extLst>
+              <a:ext uri="{FF2B5EF4-FFF2-40B4-BE49-F238E27FC236}">
+                <a16:creationId xmlns:a16="http://schemas.microsoft.com/office/drawing/2014/main" id="{DF516545-7CFF-4C15-BE2E-1ABD1A866638}"/>
+              </a:ext>
+            </a:extLst>
+          </p:cNvPr>
+          <p:cNvSpPr txBox="1"/>
+          <p:nvPr/>
+        </p:nvSpPr>
+        <p:spPr>
+          <a:xfrm>
+            <a:off x="5886182" y="1768386"/>
+            <a:ext cx="731520" cy="369332"/>
+          </a:xfrm>
+          <a:prstGeom prst="rect">
+            <a:avLst/>
+          </a:prstGeom>
+          <a:noFill/>
+        </p:spPr>
+        <p:txBody>
+          <a:bodyPr wrap="square" rtlCol="0">
+            <a:spAutoFit/>
+          </a:bodyPr>
+          <a:lstStyle/>
+          <a:p>
+            <a:r>
+              <a:rPr lang="en-US" i="1" dirty="0"/>
+              <a:t>3.77</a:t>
+            </a:r>
+          </a:p>
+        </p:txBody>
+      </p:sp>
+      <p:sp>
+        <p:nvSpPr>
+          <p:cNvPr id="36" name="TextBox 35">
+            <a:extLst>
+              <a:ext uri="{FF2B5EF4-FFF2-40B4-BE49-F238E27FC236}">
+                <a16:creationId xmlns:a16="http://schemas.microsoft.com/office/drawing/2014/main" id="{0F1BB2F4-13A0-47EC-AA3C-A2AD2C6A1EF2}"/>
+              </a:ext>
+            </a:extLst>
+          </p:cNvPr>
+          <p:cNvSpPr txBox="1"/>
+          <p:nvPr/>
+        </p:nvSpPr>
+        <p:spPr>
+          <a:xfrm>
+            <a:off x="5886182" y="2185766"/>
+            <a:ext cx="731520" cy="369332"/>
+          </a:xfrm>
+          <a:prstGeom prst="rect">
+            <a:avLst/>
+          </a:prstGeom>
+          <a:noFill/>
+        </p:spPr>
+        <p:txBody>
+          <a:bodyPr wrap="square" rtlCol="0">
+            <a:spAutoFit/>
+          </a:bodyPr>
+          <a:lstStyle/>
+          <a:p>
+            <a:r>
+              <a:rPr lang="en-US" i="1" dirty="0"/>
+              <a:t>3.37</a:t>
+            </a:r>
+          </a:p>
+        </p:txBody>
+      </p:sp>
+      <p:sp>
+        <p:nvSpPr>
+          <p:cNvPr id="37" name="TextBox 36">
+            <a:extLst>
+              <a:ext uri="{FF2B5EF4-FFF2-40B4-BE49-F238E27FC236}">
+                <a16:creationId xmlns:a16="http://schemas.microsoft.com/office/drawing/2014/main" id="{DD14178E-D2A7-49CF-90C9-2BE1C70630D1}"/>
+              </a:ext>
+            </a:extLst>
+          </p:cNvPr>
+          <p:cNvSpPr txBox="1"/>
+          <p:nvPr/>
+        </p:nvSpPr>
+        <p:spPr>
+          <a:xfrm>
+            <a:off x="5886182" y="2603146"/>
+            <a:ext cx="731520" cy="369332"/>
+          </a:xfrm>
+          <a:prstGeom prst="rect">
+            <a:avLst/>
+          </a:prstGeom>
+          <a:noFill/>
+        </p:spPr>
+        <p:txBody>
+          <a:bodyPr wrap="square" rtlCol="0">
+            <a:spAutoFit/>
+          </a:bodyPr>
+          <a:lstStyle/>
+          <a:p>
+            <a:r>
+              <a:rPr lang="en-US" i="1" dirty="0"/>
+              <a:t>3.32</a:t>
+            </a:r>
+          </a:p>
+        </p:txBody>
+      </p:sp>
+      <p:sp>
+        <p:nvSpPr>
+          <p:cNvPr id="38" name="TextBox 37">
+            <a:extLst>
+              <a:ext uri="{FF2B5EF4-FFF2-40B4-BE49-F238E27FC236}">
+                <a16:creationId xmlns:a16="http://schemas.microsoft.com/office/drawing/2014/main" id="{25C383A5-C951-47E3-846C-65DF32898169}"/>
+              </a:ext>
+            </a:extLst>
+          </p:cNvPr>
+          <p:cNvSpPr txBox="1"/>
+          <p:nvPr/>
+        </p:nvSpPr>
+        <p:spPr>
+          <a:xfrm>
+            <a:off x="5886182" y="3020526"/>
+            <a:ext cx="731520" cy="369332"/>
+          </a:xfrm>
+          <a:prstGeom prst="rect">
+            <a:avLst/>
+          </a:prstGeom>
+          <a:noFill/>
+        </p:spPr>
+        <p:txBody>
+          <a:bodyPr wrap="square" rtlCol="0">
+            <a:spAutoFit/>
+          </a:bodyPr>
+          <a:lstStyle/>
+          <a:p>
+            <a:r>
+              <a:rPr lang="en-US" i="1" dirty="0"/>
+              <a:t>2.87</a:t>
+            </a:r>
+          </a:p>
+        </p:txBody>
+      </p:sp>
+      <p:sp>
+        <p:nvSpPr>
+          <p:cNvPr id="39" name="TextBox 38">
+            <a:extLst>
+              <a:ext uri="{FF2B5EF4-FFF2-40B4-BE49-F238E27FC236}">
+                <a16:creationId xmlns:a16="http://schemas.microsoft.com/office/drawing/2014/main" id="{16917911-87C7-4DF5-959E-9E8BED8FBD6D}"/>
+              </a:ext>
+            </a:extLst>
+          </p:cNvPr>
+          <p:cNvSpPr txBox="1"/>
+          <p:nvPr/>
+        </p:nvSpPr>
+        <p:spPr>
+          <a:xfrm>
+            <a:off x="5886182" y="3437906"/>
+            <a:ext cx="731520" cy="369332"/>
+          </a:xfrm>
+          <a:prstGeom prst="rect">
+            <a:avLst/>
+          </a:prstGeom>
+          <a:noFill/>
+        </p:spPr>
+        <p:txBody>
+          <a:bodyPr wrap="square" rtlCol="0">
+            <a:spAutoFit/>
+          </a:bodyPr>
+          <a:lstStyle/>
+          <a:p>
+            <a:r>
+              <a:rPr lang="en-US" i="1" dirty="0"/>
+              <a:t>2.45</a:t>
+            </a:r>
+          </a:p>
+        </p:txBody>
+      </p:sp>
+      <p:sp>
+        <p:nvSpPr>
+          <p:cNvPr id="40" name="TextBox 39">
+            <a:extLst>
+              <a:ext uri="{FF2B5EF4-FFF2-40B4-BE49-F238E27FC236}">
+                <a16:creationId xmlns:a16="http://schemas.microsoft.com/office/drawing/2014/main" id="{2C44C6AC-061F-4589-A4F4-7E3B77A3D860}"/>
+              </a:ext>
+            </a:extLst>
+          </p:cNvPr>
+          <p:cNvSpPr txBox="1"/>
+          <p:nvPr/>
+        </p:nvSpPr>
+        <p:spPr>
+          <a:xfrm>
+            <a:off x="5886182" y="3855286"/>
+            <a:ext cx="731520" cy="369332"/>
+          </a:xfrm>
+          <a:prstGeom prst="rect">
+            <a:avLst/>
+          </a:prstGeom>
+          <a:noFill/>
+        </p:spPr>
+        <p:txBody>
+          <a:bodyPr wrap="square" rtlCol="0">
+            <a:spAutoFit/>
+          </a:bodyPr>
+          <a:lstStyle/>
+          <a:p>
+            <a:r>
+              <a:rPr lang="en-US" i="1" dirty="0"/>
+              <a:t>2.36</a:t>
+            </a:r>
+          </a:p>
+        </p:txBody>
+      </p:sp>
+      <p:sp>
+        <p:nvSpPr>
+          <p:cNvPr id="41" name="TextBox 40">
+            <a:extLst>
+              <a:ext uri="{FF2B5EF4-FFF2-40B4-BE49-F238E27FC236}">
+                <a16:creationId xmlns:a16="http://schemas.microsoft.com/office/drawing/2014/main" id="{63F0F759-FEFB-45E5-96E8-BF542FF32506}"/>
+              </a:ext>
+            </a:extLst>
+          </p:cNvPr>
+          <p:cNvSpPr txBox="1"/>
+          <p:nvPr/>
+        </p:nvSpPr>
+        <p:spPr>
+          <a:xfrm>
+            <a:off x="5886182" y="4690046"/>
+            <a:ext cx="731520" cy="369332"/>
+          </a:xfrm>
+          <a:prstGeom prst="rect">
+            <a:avLst/>
+          </a:prstGeom>
+          <a:noFill/>
+        </p:spPr>
+        <p:txBody>
+          <a:bodyPr wrap="square" rtlCol="0">
+            <a:spAutoFit/>
+          </a:bodyPr>
+          <a:lstStyle/>
+          <a:p>
+            <a:r>
+              <a:rPr lang="en-US" i="1" dirty="0"/>
+              <a:t>2.06</a:t>
+            </a:r>
+          </a:p>
+        </p:txBody>
+      </p:sp>
+      <p:sp>
+        <p:nvSpPr>
+          <p:cNvPr id="42" name="TextBox 41">
+            <a:extLst>
+              <a:ext uri="{FF2B5EF4-FFF2-40B4-BE49-F238E27FC236}">
+                <a16:creationId xmlns:a16="http://schemas.microsoft.com/office/drawing/2014/main" id="{F31D36E4-3ACF-42C6-A90E-7FDC1B6AE96B}"/>
+              </a:ext>
+            </a:extLst>
+          </p:cNvPr>
+          <p:cNvSpPr txBox="1"/>
+          <p:nvPr/>
+        </p:nvSpPr>
+        <p:spPr>
+          <a:xfrm>
+            <a:off x="5886182" y="5107426"/>
+            <a:ext cx="731520" cy="369332"/>
+          </a:xfrm>
+          <a:prstGeom prst="rect">
+            <a:avLst/>
+          </a:prstGeom>
+          <a:noFill/>
+        </p:spPr>
+        <p:txBody>
+          <a:bodyPr wrap="square" rtlCol="0">
+            <a:spAutoFit/>
+          </a:bodyPr>
+          <a:lstStyle/>
+          <a:p>
+            <a:r>
+              <a:rPr lang="en-US" i="1" dirty="0"/>
+              <a:t>1.73</a:t>
+            </a:r>
+          </a:p>
+        </p:txBody>
+      </p:sp>
+      <p:sp>
+        <p:nvSpPr>
+          <p:cNvPr id="43" name="TextBox 42">
+            <a:extLst>
+              <a:ext uri="{FF2B5EF4-FFF2-40B4-BE49-F238E27FC236}">
+                <a16:creationId xmlns:a16="http://schemas.microsoft.com/office/drawing/2014/main" id="{8709CAB3-5AC7-4615-96F9-B40B2F948D3B}"/>
+              </a:ext>
+            </a:extLst>
+          </p:cNvPr>
+          <p:cNvSpPr txBox="1"/>
+          <p:nvPr/>
+        </p:nvSpPr>
+        <p:spPr>
+          <a:xfrm>
+            <a:off x="5886182" y="5524806"/>
+            <a:ext cx="731520" cy="369332"/>
+          </a:xfrm>
+          <a:prstGeom prst="rect">
+            <a:avLst/>
+          </a:prstGeom>
+          <a:noFill/>
+        </p:spPr>
+        <p:txBody>
+          <a:bodyPr wrap="square" rtlCol="0">
+            <a:spAutoFit/>
+          </a:bodyPr>
+          <a:lstStyle/>
+          <a:p>
+            <a:r>
+              <a:rPr lang="en-US" i="1" dirty="0"/>
+              <a:t>1.00</a:t>
+            </a:r>
+          </a:p>
+        </p:txBody>
+      </p:sp>
+      <p:sp>
+        <p:nvSpPr>
+          <p:cNvPr id="44" name="TextBox 43">
+            <a:extLst>
+              <a:ext uri="{FF2B5EF4-FFF2-40B4-BE49-F238E27FC236}">
+                <a16:creationId xmlns:a16="http://schemas.microsoft.com/office/drawing/2014/main" id="{E58CBCEE-8AFC-4F71-917B-1D37760F0D3C}"/>
+              </a:ext>
+            </a:extLst>
+          </p:cNvPr>
+          <p:cNvSpPr txBox="1"/>
+          <p:nvPr/>
+        </p:nvSpPr>
+        <p:spPr>
+          <a:xfrm>
+            <a:off x="5886182" y="5942192"/>
+            <a:ext cx="731520" cy="369332"/>
+          </a:xfrm>
+          <a:prstGeom prst="rect">
+            <a:avLst/>
+          </a:prstGeom>
+          <a:noFill/>
+        </p:spPr>
+        <p:txBody>
+          <a:bodyPr wrap="square" rtlCol="0">
+            <a:spAutoFit/>
+          </a:bodyPr>
+          <a:lstStyle/>
+          <a:p>
+            <a:r>
+              <a:rPr lang="en-US" i="1" dirty="0"/>
+              <a:t>1.00</a:t>
+            </a:r>
+          </a:p>
+        </p:txBody>
+      </p:sp>
+      <p:sp>
+        <p:nvSpPr>
+          <p:cNvPr id="47" name="TextBox 46">
+            <a:extLst>
+              <a:ext uri="{FF2B5EF4-FFF2-40B4-BE49-F238E27FC236}">
+                <a16:creationId xmlns:a16="http://schemas.microsoft.com/office/drawing/2014/main" id="{A8CB7327-4B7C-4CFF-BF8F-1EC69FFBE0D4}"/>
+              </a:ext>
+            </a:extLst>
+          </p:cNvPr>
+          <p:cNvSpPr txBox="1"/>
+          <p:nvPr/>
+        </p:nvSpPr>
+        <p:spPr>
+          <a:xfrm>
+            <a:off x="1100439" y="50733"/>
+            <a:ext cx="2106526" cy="461665"/>
+          </a:xfrm>
+          <a:prstGeom prst="rect">
+            <a:avLst/>
+          </a:prstGeom>
+          <a:noFill/>
+        </p:spPr>
+        <p:txBody>
+          <a:bodyPr wrap="square" rtlCol="0">
+            <a:spAutoFit/>
+          </a:bodyPr>
+          <a:lstStyle/>
+          <a:p>
+            <a:r>
+              <a:rPr lang="en-US" sz="2400" dirty="0"/>
+              <a:t>Ground-Truth</a:t>
+            </a:r>
+          </a:p>
+        </p:txBody>
+      </p:sp>
+      <p:sp>
+        <p:nvSpPr>
+          <p:cNvPr id="48" name="TextBox 47">
+            <a:extLst>
+              <a:ext uri="{FF2B5EF4-FFF2-40B4-BE49-F238E27FC236}">
+                <a16:creationId xmlns:a16="http://schemas.microsoft.com/office/drawing/2014/main" id="{A2D8AA5B-2C88-4914-B375-A438676E4637}"/>
+              </a:ext>
+            </a:extLst>
+          </p:cNvPr>
+          <p:cNvSpPr txBox="1"/>
+          <p:nvPr/>
+        </p:nvSpPr>
+        <p:spPr>
+          <a:xfrm>
+            <a:off x="3384066" y="50733"/>
+            <a:ext cx="2106526" cy="461665"/>
+          </a:xfrm>
+          <a:prstGeom prst="rect">
+            <a:avLst/>
+          </a:prstGeom>
+          <a:noFill/>
+        </p:spPr>
+        <p:txBody>
+          <a:bodyPr wrap="square" rtlCol="0">
+            <a:spAutoFit/>
+          </a:bodyPr>
+          <a:lstStyle/>
+          <a:p>
+            <a:r>
+              <a:rPr lang="en-US" sz="2400" dirty="0"/>
+              <a:t>Reconstructed</a:t>
+            </a:r>
+          </a:p>
+        </p:txBody>
+      </p:sp>
+      <p:cxnSp>
+        <p:nvCxnSpPr>
+          <p:cNvPr id="49" name="Straight Connector 48">
+            <a:extLst>
+              <a:ext uri="{FF2B5EF4-FFF2-40B4-BE49-F238E27FC236}">
+                <a16:creationId xmlns:a16="http://schemas.microsoft.com/office/drawing/2014/main" id="{64FAC628-AEE1-4473-9B9F-CF78BBB43CB4}"/>
+              </a:ext>
+            </a:extLst>
+          </p:cNvPr>
+          <p:cNvCxnSpPr>
+            <a:cxnSpLocks/>
+          </p:cNvCxnSpPr>
+          <p:nvPr/>
+        </p:nvCxnSpPr>
+        <p:spPr>
+          <a:xfrm>
+            <a:off x="880283" y="647737"/>
+            <a:ext cx="0" cy="2103120"/>
+          </a:xfrm>
+          <a:prstGeom prst="line">
+            <a:avLst/>
+          </a:prstGeom>
+          <a:ln w="28575"/>
+        </p:spPr>
+        <p:style>
+          <a:lnRef idx="1">
+            <a:schemeClr val="dk1"/>
+          </a:lnRef>
+          <a:fillRef idx="0">
+            <a:schemeClr val="dk1"/>
+          </a:fillRef>
+          <a:effectRef idx="0">
+            <a:schemeClr val="dk1"/>
+          </a:effectRef>
+          <a:fontRef idx="minor">
+            <a:schemeClr val="tx1"/>
+          </a:fontRef>
+        </p:style>
+      </p:cxnSp>
+      <p:cxnSp>
+        <p:nvCxnSpPr>
+          <p:cNvPr id="50" name="Straight Connector 49">
+            <a:extLst>
+              <a:ext uri="{FF2B5EF4-FFF2-40B4-BE49-F238E27FC236}">
+                <a16:creationId xmlns:a16="http://schemas.microsoft.com/office/drawing/2014/main" id="{95EF20A3-3698-40CA-92B5-6536DC0559ED}"/>
+              </a:ext>
+            </a:extLst>
+          </p:cNvPr>
+          <p:cNvCxnSpPr>
+            <a:cxnSpLocks/>
+          </p:cNvCxnSpPr>
+          <p:nvPr/>
+        </p:nvCxnSpPr>
+        <p:spPr>
+          <a:xfrm>
+            <a:off x="880283" y="2994691"/>
+            <a:ext cx="0" cy="2011680"/>
+          </a:xfrm>
+          <a:prstGeom prst="line">
+            <a:avLst/>
+          </a:prstGeom>
+          <a:ln w="28575"/>
+        </p:spPr>
+        <p:style>
+          <a:lnRef idx="1">
+            <a:schemeClr val="dk1"/>
+          </a:lnRef>
+          <a:fillRef idx="0">
+            <a:schemeClr val="dk1"/>
+          </a:fillRef>
+          <a:effectRef idx="0">
+            <a:schemeClr val="dk1"/>
+          </a:effectRef>
+          <a:fontRef idx="minor">
+            <a:schemeClr val="tx1"/>
+          </a:fontRef>
+        </p:style>
+      </p:cxnSp>
+      <p:cxnSp>
+        <p:nvCxnSpPr>
+          <p:cNvPr id="51" name="Straight Connector 50">
+            <a:extLst>
+              <a:ext uri="{FF2B5EF4-FFF2-40B4-BE49-F238E27FC236}">
+                <a16:creationId xmlns:a16="http://schemas.microsoft.com/office/drawing/2014/main" id="{07126E32-7588-472B-B7C2-8E79B69E2D6A}"/>
+              </a:ext>
+            </a:extLst>
+          </p:cNvPr>
+          <p:cNvCxnSpPr>
+            <a:cxnSpLocks/>
+          </p:cNvCxnSpPr>
+          <p:nvPr/>
+        </p:nvCxnSpPr>
+        <p:spPr>
+          <a:xfrm>
+            <a:off x="880283" y="5243176"/>
+            <a:ext cx="0" cy="1097280"/>
+          </a:xfrm>
+          <a:prstGeom prst="line">
+            <a:avLst/>
+          </a:prstGeom>
+          <a:ln w="28575"/>
+        </p:spPr>
+        <p:style>
+          <a:lnRef idx="1">
+            <a:schemeClr val="dk1"/>
+          </a:lnRef>
+          <a:fillRef idx="0">
+            <a:schemeClr val="dk1"/>
+          </a:fillRef>
+          <a:effectRef idx="0">
+            <a:schemeClr val="dk1"/>
+          </a:effectRef>
+          <a:fontRef idx="minor">
+            <a:schemeClr val="tx1"/>
+          </a:fontRef>
+        </p:style>
+      </p:cxnSp>
+      <p:sp>
+        <p:nvSpPr>
+          <p:cNvPr id="52" name="TextBox 51">
+            <a:extLst>
+              <a:ext uri="{FF2B5EF4-FFF2-40B4-BE49-F238E27FC236}">
+                <a16:creationId xmlns:a16="http://schemas.microsoft.com/office/drawing/2014/main" id="{9A278843-17F6-4EB6-B61D-47143CF04B00}"/>
+              </a:ext>
+            </a:extLst>
+          </p:cNvPr>
+          <p:cNvSpPr txBox="1"/>
+          <p:nvPr/>
+        </p:nvSpPr>
+        <p:spPr>
+          <a:xfrm rot="16200000">
+            <a:off x="-115044" y="1352402"/>
+            <a:ext cx="1375948" cy="461665"/>
+          </a:xfrm>
+          <a:prstGeom prst="rect">
+            <a:avLst/>
+          </a:prstGeom>
+          <a:noFill/>
+        </p:spPr>
+        <p:txBody>
+          <a:bodyPr wrap="square" rtlCol="0">
+            <a:spAutoFit/>
+          </a:bodyPr>
+          <a:lstStyle/>
+          <a:p>
+            <a:r>
+              <a:rPr lang="en-US" sz="2400" i="1" dirty="0"/>
+              <a:t>SD = 2.1</a:t>
+            </a:r>
+          </a:p>
+        </p:txBody>
+      </p:sp>
+      <p:sp>
+        <p:nvSpPr>
+          <p:cNvPr id="53" name="TextBox 52">
+            <a:extLst>
+              <a:ext uri="{FF2B5EF4-FFF2-40B4-BE49-F238E27FC236}">
+                <a16:creationId xmlns:a16="http://schemas.microsoft.com/office/drawing/2014/main" id="{41E90634-0A6F-4934-A748-F65921C873A0}"/>
+              </a:ext>
+            </a:extLst>
+          </p:cNvPr>
+          <p:cNvSpPr txBox="1"/>
+          <p:nvPr/>
+        </p:nvSpPr>
+        <p:spPr>
+          <a:xfrm rot="16200000">
+            <a:off x="-115045" y="3779622"/>
+            <a:ext cx="1375948" cy="461665"/>
+          </a:xfrm>
+          <a:prstGeom prst="rect">
+            <a:avLst/>
+          </a:prstGeom>
+          <a:noFill/>
+        </p:spPr>
+        <p:txBody>
+          <a:bodyPr wrap="square" rtlCol="0">
+            <a:spAutoFit/>
+          </a:bodyPr>
+          <a:lstStyle/>
+          <a:p>
+            <a:r>
+              <a:rPr lang="en-US" sz="2400" i="1" dirty="0"/>
+              <a:t>SD = 1.1</a:t>
+            </a:r>
+          </a:p>
+        </p:txBody>
+      </p:sp>
+      <p:sp>
+        <p:nvSpPr>
+          <p:cNvPr id="54" name="TextBox 53">
+            <a:extLst>
+              <a:ext uri="{FF2B5EF4-FFF2-40B4-BE49-F238E27FC236}">
+                <a16:creationId xmlns:a16="http://schemas.microsoft.com/office/drawing/2014/main" id="{73414921-1F21-4432-B55D-F52557A71192}"/>
+              </a:ext>
+            </a:extLst>
+          </p:cNvPr>
+          <p:cNvSpPr txBox="1"/>
+          <p:nvPr/>
+        </p:nvSpPr>
+        <p:spPr>
+          <a:xfrm rot="16200000">
+            <a:off x="-110547" y="5518867"/>
+            <a:ext cx="1375948" cy="461665"/>
+          </a:xfrm>
+          <a:prstGeom prst="rect">
+            <a:avLst/>
+          </a:prstGeom>
+          <a:noFill/>
+        </p:spPr>
+        <p:txBody>
+          <a:bodyPr wrap="square" rtlCol="0">
+            <a:spAutoFit/>
+          </a:bodyPr>
+          <a:lstStyle/>
+          <a:p>
+            <a:r>
+              <a:rPr lang="en-US" sz="2400" i="1" dirty="0"/>
+              <a:t>SD = 0.1</a:t>
+            </a:r>
+          </a:p>
+        </p:txBody>
+      </p:sp>
+      <p:cxnSp>
+        <p:nvCxnSpPr>
+          <p:cNvPr id="55" name="Straight Connector 54">
+            <a:extLst>
+              <a:ext uri="{FF2B5EF4-FFF2-40B4-BE49-F238E27FC236}">
+                <a16:creationId xmlns:a16="http://schemas.microsoft.com/office/drawing/2014/main" id="{4B2DA128-8902-4CAA-873F-556D1FA1DEF6}"/>
+              </a:ext>
+            </a:extLst>
+          </p:cNvPr>
+          <p:cNvCxnSpPr>
+            <a:cxnSpLocks/>
+          </p:cNvCxnSpPr>
+          <p:nvPr/>
+        </p:nvCxnSpPr>
+        <p:spPr>
+          <a:xfrm>
+            <a:off x="497001" y="2898565"/>
+            <a:ext cx="5394960" cy="0"/>
+          </a:xfrm>
+          <a:prstGeom prst="line">
+            <a:avLst/>
+          </a:prstGeom>
+          <a:ln w="28575">
+            <a:solidFill>
+              <a:schemeClr val="bg1"/>
+            </a:solidFill>
+          </a:ln>
+        </p:spPr>
+        <p:style>
+          <a:lnRef idx="1">
+            <a:schemeClr val="dk1"/>
+          </a:lnRef>
+          <a:fillRef idx="0">
+            <a:schemeClr val="dk1"/>
+          </a:fillRef>
+          <a:effectRef idx="0">
+            <a:schemeClr val="dk1"/>
+          </a:effectRef>
+          <a:fontRef idx="minor">
+            <a:schemeClr val="tx1"/>
+          </a:fontRef>
+        </p:style>
+      </p:cxnSp>
+      <p:cxnSp>
+        <p:nvCxnSpPr>
+          <p:cNvPr id="56" name="Straight Connector 55">
+            <a:extLst>
+              <a:ext uri="{FF2B5EF4-FFF2-40B4-BE49-F238E27FC236}">
+                <a16:creationId xmlns:a16="http://schemas.microsoft.com/office/drawing/2014/main" id="{4DB1ED83-D280-4C4D-91AA-53C981FBED1C}"/>
+              </a:ext>
+            </a:extLst>
+          </p:cNvPr>
+          <p:cNvCxnSpPr>
+            <a:cxnSpLocks/>
+          </p:cNvCxnSpPr>
+          <p:nvPr/>
+        </p:nvCxnSpPr>
+        <p:spPr>
+          <a:xfrm>
+            <a:off x="423371" y="5336963"/>
+            <a:ext cx="5394960" cy="0"/>
+          </a:xfrm>
+          <a:prstGeom prst="line">
+            <a:avLst/>
+          </a:prstGeom>
+          <a:ln w="28575">
+            <a:solidFill>
+              <a:schemeClr val="bg1"/>
+            </a:solidFill>
+          </a:ln>
+        </p:spPr>
+        <p:style>
+          <a:lnRef idx="1">
+            <a:schemeClr val="dk1"/>
+          </a:lnRef>
+          <a:fillRef idx="0">
+            <a:schemeClr val="dk1"/>
+          </a:fillRef>
+          <a:effectRef idx="0">
+            <a:schemeClr val="dk1"/>
+          </a:effectRef>
+          <a:fontRef idx="minor">
+            <a:schemeClr val="tx1"/>
+          </a:fontRef>
+        </p:style>
+      </p:cxnSp>
+      <p:pic>
+        <p:nvPicPr>
+          <p:cNvPr id="57" name="Picture 56" descr="A close up of a logo&#10;&#10;Description automatically generated">
+            <a:extLst>
+              <a:ext uri="{FF2B5EF4-FFF2-40B4-BE49-F238E27FC236}">
+                <a16:creationId xmlns:a16="http://schemas.microsoft.com/office/drawing/2014/main" id="{9506BAD9-B9B6-4C77-9D4F-0A14DA68271F}"/>
+              </a:ext>
+            </a:extLst>
+          </p:cNvPr>
+          <p:cNvPicPr>
+            <a:picLocks noChangeAspect="1"/>
+          </p:cNvPicPr>
+          <p:nvPr/>
+        </p:nvPicPr>
+        <p:blipFill rotWithShape="1">
+          <a:blip r:embed="rId5">
+            <a:extLst>
+              <a:ext uri="{28A0092B-C50C-407E-A947-70E740481C1C}">
+                <a14:useLocalDpi xmlns:a14="http://schemas.microsoft.com/office/drawing/2010/main" val="0"/>
+              </a:ext>
+            </a:extLst>
+          </a:blip>
+          <a:srcRect l="12111" t="1003" r="30632" b="4448"/>
+          <a:stretch/>
+        </p:blipFill>
+        <p:spPr>
+          <a:xfrm>
+            <a:off x="3425099" y="439581"/>
+            <a:ext cx="2354839" cy="5936822"/>
+          </a:xfrm>
+          <a:prstGeom prst="rect">
+            <a:avLst/>
+          </a:prstGeom>
+        </p:spPr>
+      </p:pic>
+      <p:pic>
+        <p:nvPicPr>
+          <p:cNvPr id="58" name="Picture 57" descr="A screenshot of a cell phone&#10;&#10;Description automatically generated">
+            <a:extLst>
+              <a:ext uri="{FF2B5EF4-FFF2-40B4-BE49-F238E27FC236}">
+                <a16:creationId xmlns:a16="http://schemas.microsoft.com/office/drawing/2014/main" id="{B2AC8455-2284-44AA-A50A-791A8A381519}"/>
+              </a:ext>
+            </a:extLst>
+          </p:cNvPr>
+          <p:cNvPicPr>
+            <a:picLocks noChangeAspect="1"/>
+          </p:cNvPicPr>
+          <p:nvPr/>
+        </p:nvPicPr>
+        <p:blipFill rotWithShape="1">
+          <a:blip r:embed="rId6">
+            <a:extLst>
+              <a:ext uri="{28A0092B-C50C-407E-A947-70E740481C1C}">
+                <a14:useLocalDpi xmlns:a14="http://schemas.microsoft.com/office/drawing/2010/main" val="0"/>
+              </a:ext>
+            </a:extLst>
+          </a:blip>
+          <a:srcRect l="11487" t="448" r="34299" b="4395"/>
+          <a:stretch/>
+        </p:blipFill>
+        <p:spPr>
+          <a:xfrm>
+            <a:off x="1054283" y="439580"/>
+            <a:ext cx="2289814" cy="5958493"/>
+          </a:xfrm>
+          <a:prstGeom prst="rect">
+            <a:avLst/>
+          </a:prstGeom>
+        </p:spPr>
+      </p:pic>
+      <p:cxnSp>
+        <p:nvCxnSpPr>
+          <p:cNvPr id="59" name="Straight Connector 58">
+            <a:extLst>
+              <a:ext uri="{FF2B5EF4-FFF2-40B4-BE49-F238E27FC236}">
+                <a16:creationId xmlns:a16="http://schemas.microsoft.com/office/drawing/2014/main" id="{71504BDE-DD04-42BB-816D-AB254520B5CE}"/>
+              </a:ext>
+            </a:extLst>
+          </p:cNvPr>
+          <p:cNvCxnSpPr>
+            <a:cxnSpLocks/>
+          </p:cNvCxnSpPr>
+          <p:nvPr/>
+        </p:nvCxnSpPr>
+        <p:spPr>
+          <a:xfrm>
+            <a:off x="643011" y="2813824"/>
+            <a:ext cx="5394960" cy="0"/>
+          </a:xfrm>
+          <a:prstGeom prst="line">
+            <a:avLst/>
+          </a:prstGeom>
+          <a:ln w="28575">
+            <a:solidFill>
+              <a:schemeClr val="bg1"/>
+            </a:solidFill>
+          </a:ln>
+        </p:spPr>
+        <p:style>
+          <a:lnRef idx="1">
+            <a:schemeClr val="dk1"/>
+          </a:lnRef>
+          <a:fillRef idx="0">
+            <a:schemeClr val="dk1"/>
+          </a:fillRef>
+          <a:effectRef idx="0">
+            <a:schemeClr val="dk1"/>
+          </a:effectRef>
+          <a:fontRef idx="minor">
+            <a:schemeClr val="tx1"/>
+          </a:fontRef>
+        </p:style>
+      </p:cxnSp>
+      <p:cxnSp>
+        <p:nvCxnSpPr>
+          <p:cNvPr id="60" name="Straight Connector 59">
+            <a:extLst>
+              <a:ext uri="{FF2B5EF4-FFF2-40B4-BE49-F238E27FC236}">
+                <a16:creationId xmlns:a16="http://schemas.microsoft.com/office/drawing/2014/main" id="{81593978-7F8C-4489-AE66-9315A0CC1D6C}"/>
+              </a:ext>
+            </a:extLst>
+          </p:cNvPr>
+          <p:cNvCxnSpPr>
+            <a:cxnSpLocks/>
+          </p:cNvCxnSpPr>
+          <p:nvPr/>
+        </p:nvCxnSpPr>
+        <p:spPr>
+          <a:xfrm>
+            <a:off x="604434" y="5168147"/>
+            <a:ext cx="5394960" cy="0"/>
+          </a:xfrm>
+          <a:prstGeom prst="line">
+            <a:avLst/>
+          </a:prstGeom>
+          <a:ln w="28575">
+            <a:solidFill>
+              <a:schemeClr val="bg1"/>
+            </a:solidFill>
+          </a:ln>
+        </p:spPr>
+        <p:style>
+          <a:lnRef idx="1">
+            <a:schemeClr val="dk1"/>
+          </a:lnRef>
+          <a:fillRef idx="0">
+            <a:schemeClr val="dk1"/>
+          </a:fillRef>
+          <a:effectRef idx="0">
+            <a:schemeClr val="dk1"/>
+          </a:effectRef>
+          <a:fontRef idx="minor">
+            <a:schemeClr val="tx1"/>
+          </a:fontRef>
+        </p:style>
+      </p:cxnSp>
+      <p:sp>
+        <p:nvSpPr>
+          <p:cNvPr id="61" name="TextBox 60">
+            <a:extLst>
+              <a:ext uri="{FF2B5EF4-FFF2-40B4-BE49-F238E27FC236}">
+                <a16:creationId xmlns:a16="http://schemas.microsoft.com/office/drawing/2014/main" id="{0C53B937-2AB9-49C1-A1BE-82C31ECBE918}"/>
+              </a:ext>
+            </a:extLst>
+          </p:cNvPr>
+          <p:cNvSpPr txBox="1"/>
+          <p:nvPr/>
+        </p:nvSpPr>
+        <p:spPr>
+          <a:xfrm>
+            <a:off x="6134430" y="-82827"/>
+            <a:ext cx="568590" cy="523220"/>
+          </a:xfrm>
+          <a:prstGeom prst="rect">
+            <a:avLst/>
+          </a:prstGeom>
+          <a:noFill/>
+        </p:spPr>
+        <p:txBody>
+          <a:bodyPr wrap="square" rtlCol="0">
+            <a:spAutoFit/>
+          </a:bodyPr>
+          <a:lstStyle>
+            <a:defPPr>
+              <a:defRPr lang="en-US"/>
+            </a:defPPr>
+            <a:lvl1pPr>
+              <a:defRPr sz="2800" b="1"/>
+            </a:lvl1pPr>
+          </a:lstStyle>
+          <a:p>
+            <a:r>
+              <a:rPr lang="en-US" dirty="0"/>
+              <a:t>B</a:t>
+            </a:r>
+          </a:p>
+        </p:txBody>
+      </p:sp>
+      <p:sp>
+        <p:nvSpPr>
+          <p:cNvPr id="62" name="TextBox 61">
+            <a:extLst>
+              <a:ext uri="{FF2B5EF4-FFF2-40B4-BE49-F238E27FC236}">
+                <a16:creationId xmlns:a16="http://schemas.microsoft.com/office/drawing/2014/main" id="{9C1C1A92-57F0-4FD9-ABB3-89A1B1619DCB}"/>
+              </a:ext>
+            </a:extLst>
+          </p:cNvPr>
+          <p:cNvSpPr txBox="1"/>
+          <p:nvPr/>
+        </p:nvSpPr>
+        <p:spPr>
+          <a:xfrm>
+            <a:off x="688249" y="-82827"/>
+            <a:ext cx="568590" cy="523220"/>
+          </a:xfrm>
+          <a:prstGeom prst="rect">
+            <a:avLst/>
+          </a:prstGeom>
+          <a:noFill/>
+        </p:spPr>
+        <p:txBody>
+          <a:bodyPr wrap="square" rtlCol="0">
+            <a:spAutoFit/>
+          </a:bodyPr>
+          <a:lstStyle/>
+          <a:p>
+            <a:r>
+              <a:rPr lang="en-US" sz="2800" b="1" dirty="0"/>
+              <a:t>A</a:t>
+            </a:r>
+          </a:p>
+        </p:txBody>
+      </p:sp>
+      <p:sp>
+        <p:nvSpPr>
+          <p:cNvPr id="65" name="TextBox 64">
+            <a:extLst>
+              <a:ext uri="{FF2B5EF4-FFF2-40B4-BE49-F238E27FC236}">
+                <a16:creationId xmlns:a16="http://schemas.microsoft.com/office/drawing/2014/main" id="{E6DBA21B-5E90-42AF-9115-9D63E39C3114}"/>
+              </a:ext>
+            </a:extLst>
+          </p:cNvPr>
+          <p:cNvSpPr txBox="1"/>
+          <p:nvPr/>
+        </p:nvSpPr>
+        <p:spPr>
+          <a:xfrm>
+            <a:off x="5886182" y="4272666"/>
+            <a:ext cx="731520" cy="369332"/>
+          </a:xfrm>
+          <a:prstGeom prst="rect">
+            <a:avLst/>
+          </a:prstGeom>
+          <a:noFill/>
+        </p:spPr>
+        <p:txBody>
+          <a:bodyPr wrap="square" rtlCol="0">
+            <a:spAutoFit/>
+          </a:bodyPr>
+          <a:lstStyle/>
+          <a:p>
+            <a:r>
+              <a:rPr lang="en-US" i="1" dirty="0"/>
+              <a:t>2.06</a:t>
+            </a:r>
+          </a:p>
+        </p:txBody>
+      </p:sp>
+      <p:sp>
+        <p:nvSpPr>
+          <p:cNvPr id="73" name="TextBox 72">
+            <a:extLst>
+              <a:ext uri="{FF2B5EF4-FFF2-40B4-BE49-F238E27FC236}">
+                <a16:creationId xmlns:a16="http://schemas.microsoft.com/office/drawing/2014/main" id="{BF9819C7-0063-4AAF-B780-69838C04DC43}"/>
+              </a:ext>
+            </a:extLst>
+          </p:cNvPr>
+          <p:cNvSpPr txBox="1"/>
+          <p:nvPr/>
+        </p:nvSpPr>
+        <p:spPr>
+          <a:xfrm>
+            <a:off x="4644475" y="6876310"/>
+            <a:ext cx="2903050" cy="461665"/>
+          </a:xfrm>
+          <a:prstGeom prst="rect">
+            <a:avLst/>
+          </a:prstGeom>
+          <a:noFill/>
+        </p:spPr>
+        <p:txBody>
+          <a:bodyPr wrap="square" rtlCol="0">
+            <a:spAutoFit/>
+          </a:bodyPr>
+          <a:lstStyle/>
+          <a:p>
+            <a:pPr algn="ctr"/>
+            <a:r>
+              <a:rPr lang="en-US" sz="2400" dirty="0"/>
+              <a:t>Rank by Preference</a:t>
+            </a:r>
+          </a:p>
+        </p:txBody>
+      </p:sp>
+      <p:pic>
+        <p:nvPicPr>
+          <p:cNvPr id="74" name="Picture 73" descr="A close up of a logo&#10;&#10;Description automatically generated">
+            <a:extLst>
+              <a:ext uri="{FF2B5EF4-FFF2-40B4-BE49-F238E27FC236}">
+                <a16:creationId xmlns:a16="http://schemas.microsoft.com/office/drawing/2014/main" id="{C5160F9B-B67C-4E08-BC74-2C080DDB7A98}"/>
+              </a:ext>
+            </a:extLst>
+          </p:cNvPr>
+          <p:cNvPicPr>
+            <a:picLocks noChangeAspect="1"/>
+          </p:cNvPicPr>
+          <p:nvPr/>
+        </p:nvPicPr>
+        <p:blipFill rotWithShape="1">
+          <a:blip r:embed="rId7">
+            <a:extLst>
+              <a:ext uri="{28A0092B-C50C-407E-A947-70E740481C1C}">
+                <a14:useLocalDpi xmlns:a14="http://schemas.microsoft.com/office/drawing/2010/main" val="0"/>
+              </a:ext>
+            </a:extLst>
+          </a:blip>
+          <a:srcRect l="73004" t="42701" r="20094" b="41504"/>
+          <a:stretch/>
+        </p:blipFill>
+        <p:spPr>
+          <a:xfrm rot="16200000">
+            <a:off x="5634745" y="6440924"/>
+            <a:ext cx="922510" cy="2903050"/>
+          </a:xfrm>
+          <a:prstGeom prst="rect">
+            <a:avLst/>
+          </a:prstGeom>
+        </p:spPr>
+      </p:pic>
+      <p:sp>
+        <p:nvSpPr>
+          <p:cNvPr id="75" name="TextBox 74">
+            <a:extLst>
+              <a:ext uri="{FF2B5EF4-FFF2-40B4-BE49-F238E27FC236}">
+                <a16:creationId xmlns:a16="http://schemas.microsoft.com/office/drawing/2014/main" id="{A1950CCB-82DA-4735-9B10-2BBFA9941C5C}"/>
+              </a:ext>
+            </a:extLst>
+          </p:cNvPr>
+          <p:cNvSpPr txBox="1"/>
+          <p:nvPr/>
+        </p:nvSpPr>
+        <p:spPr>
+          <a:xfrm>
+            <a:off x="4582566" y="7206333"/>
+            <a:ext cx="459178" cy="461665"/>
+          </a:xfrm>
+          <a:prstGeom prst="rect">
+            <a:avLst/>
+          </a:prstGeom>
+          <a:noFill/>
+        </p:spPr>
+        <p:txBody>
+          <a:bodyPr wrap="square" rtlCol="0">
+            <a:spAutoFit/>
+          </a:bodyPr>
+          <a:lstStyle/>
+          <a:p>
+            <a:r>
+              <a:rPr lang="en-US" sz="2400" dirty="0"/>
+              <a:t>1</a:t>
+            </a:r>
+          </a:p>
+        </p:txBody>
+      </p:sp>
+      <p:sp>
+        <p:nvSpPr>
+          <p:cNvPr id="76" name="TextBox 75">
+            <a:extLst>
+              <a:ext uri="{FF2B5EF4-FFF2-40B4-BE49-F238E27FC236}">
+                <a16:creationId xmlns:a16="http://schemas.microsoft.com/office/drawing/2014/main" id="{25251724-93E3-4C69-A673-F828DE8CDF53}"/>
+              </a:ext>
+            </a:extLst>
+          </p:cNvPr>
+          <p:cNvSpPr txBox="1"/>
+          <p:nvPr/>
+        </p:nvSpPr>
+        <p:spPr>
+          <a:xfrm>
+            <a:off x="7088347" y="7206333"/>
+            <a:ext cx="459178" cy="461665"/>
+          </a:xfrm>
+          <a:prstGeom prst="rect">
+            <a:avLst/>
+          </a:prstGeom>
+          <a:noFill/>
+        </p:spPr>
+        <p:txBody>
+          <a:bodyPr wrap="square" rtlCol="0">
+            <a:spAutoFit/>
+          </a:bodyPr>
+          <a:lstStyle/>
+          <a:p>
+            <a:r>
+              <a:rPr lang="en-US" sz="2400" dirty="0"/>
+              <a:t>4</a:t>
+            </a:r>
+          </a:p>
+        </p:txBody>
+      </p:sp>
+      <p:sp>
+        <p:nvSpPr>
+          <p:cNvPr id="77" name="TextBox 76">
+            <a:extLst>
+              <a:ext uri="{FF2B5EF4-FFF2-40B4-BE49-F238E27FC236}">
+                <a16:creationId xmlns:a16="http://schemas.microsoft.com/office/drawing/2014/main" id="{9D04661D-BAB3-49C0-9449-24301248BE9B}"/>
+              </a:ext>
+            </a:extLst>
+          </p:cNvPr>
+          <p:cNvSpPr txBox="1"/>
+          <p:nvPr/>
+        </p:nvSpPr>
+        <p:spPr>
+          <a:xfrm>
+            <a:off x="5417826" y="7206333"/>
+            <a:ext cx="459178" cy="461665"/>
+          </a:xfrm>
+          <a:prstGeom prst="rect">
+            <a:avLst/>
+          </a:prstGeom>
+          <a:noFill/>
+        </p:spPr>
+        <p:txBody>
+          <a:bodyPr wrap="square" rtlCol="0">
+            <a:spAutoFit/>
+          </a:bodyPr>
+          <a:lstStyle/>
+          <a:p>
+            <a:r>
+              <a:rPr lang="en-US" sz="2400" dirty="0"/>
+              <a:t>2</a:t>
+            </a:r>
+          </a:p>
+        </p:txBody>
+      </p:sp>
+      <p:sp>
+        <p:nvSpPr>
+          <p:cNvPr id="78" name="TextBox 77">
+            <a:extLst>
+              <a:ext uri="{FF2B5EF4-FFF2-40B4-BE49-F238E27FC236}">
+                <a16:creationId xmlns:a16="http://schemas.microsoft.com/office/drawing/2014/main" id="{79F7BF3D-1C42-49EA-8910-0B6B190BDB49}"/>
+              </a:ext>
+            </a:extLst>
+          </p:cNvPr>
+          <p:cNvSpPr txBox="1"/>
+          <p:nvPr/>
+        </p:nvSpPr>
+        <p:spPr>
+          <a:xfrm>
+            <a:off x="6253086" y="7206333"/>
+            <a:ext cx="459178" cy="461665"/>
+          </a:xfrm>
+          <a:prstGeom prst="rect">
+            <a:avLst/>
+          </a:prstGeom>
+          <a:noFill/>
+        </p:spPr>
+        <p:txBody>
+          <a:bodyPr wrap="square" rtlCol="0">
+            <a:spAutoFit/>
+          </a:bodyPr>
+          <a:lstStyle/>
+          <a:p>
+            <a:r>
+              <a:rPr lang="en-US" sz="2400" dirty="0"/>
+              <a:t>3</a:t>
+            </a:r>
+          </a:p>
+        </p:txBody>
+      </p:sp>
+      <p:sp>
+        <p:nvSpPr>
+          <p:cNvPr id="79" name="TextBox 78">
+            <a:extLst>
+              <a:ext uri="{FF2B5EF4-FFF2-40B4-BE49-F238E27FC236}">
+                <a16:creationId xmlns:a16="http://schemas.microsoft.com/office/drawing/2014/main" id="{FFD4A7D0-1603-4F50-8851-7D9829D7B86E}"/>
+              </a:ext>
+            </a:extLst>
+          </p:cNvPr>
+          <p:cNvSpPr txBox="1"/>
+          <p:nvPr/>
+        </p:nvSpPr>
+        <p:spPr>
+          <a:xfrm>
+            <a:off x="1190522" y="6362335"/>
+            <a:ext cx="459178" cy="400110"/>
+          </a:xfrm>
+          <a:prstGeom prst="rect">
+            <a:avLst/>
+          </a:prstGeom>
+          <a:solidFill>
+            <a:schemeClr val="bg1"/>
+          </a:solidFill>
+        </p:spPr>
+        <p:txBody>
+          <a:bodyPr wrap="square" rtlCol="0">
+            <a:spAutoFit/>
+          </a:bodyPr>
+          <a:lstStyle/>
+          <a:p>
+            <a:r>
+              <a:rPr lang="en-US" sz="2000" dirty="0"/>
+              <a:t>1</a:t>
+            </a:r>
+          </a:p>
+        </p:txBody>
+      </p:sp>
+      <p:sp>
+        <p:nvSpPr>
+          <p:cNvPr id="81" name="TextBox 80">
+            <a:extLst>
+              <a:ext uri="{FF2B5EF4-FFF2-40B4-BE49-F238E27FC236}">
+                <a16:creationId xmlns:a16="http://schemas.microsoft.com/office/drawing/2014/main" id="{6BF1D4E8-7026-49D7-89F1-4F433080CE33}"/>
+              </a:ext>
+            </a:extLst>
+          </p:cNvPr>
+          <p:cNvSpPr txBox="1"/>
+          <p:nvPr/>
+        </p:nvSpPr>
+        <p:spPr>
+          <a:xfrm>
+            <a:off x="1725992" y="6362335"/>
+            <a:ext cx="459178" cy="400110"/>
+          </a:xfrm>
+          <a:prstGeom prst="rect">
+            <a:avLst/>
+          </a:prstGeom>
+          <a:solidFill>
+            <a:schemeClr val="bg1"/>
+          </a:solidFill>
+        </p:spPr>
+        <p:txBody>
+          <a:bodyPr wrap="square" rtlCol="0">
+            <a:spAutoFit/>
+          </a:bodyPr>
+          <a:lstStyle/>
+          <a:p>
+            <a:r>
+              <a:rPr lang="en-US" sz="2000" dirty="0"/>
+              <a:t>2</a:t>
+            </a:r>
+          </a:p>
+        </p:txBody>
+      </p:sp>
+      <p:sp>
+        <p:nvSpPr>
+          <p:cNvPr id="82" name="TextBox 81">
+            <a:extLst>
+              <a:ext uri="{FF2B5EF4-FFF2-40B4-BE49-F238E27FC236}">
+                <a16:creationId xmlns:a16="http://schemas.microsoft.com/office/drawing/2014/main" id="{044FDA24-13E3-485B-AC0D-CECD3733A758}"/>
+              </a:ext>
+            </a:extLst>
+          </p:cNvPr>
+          <p:cNvSpPr txBox="1"/>
+          <p:nvPr/>
+        </p:nvSpPr>
+        <p:spPr>
+          <a:xfrm>
+            <a:off x="2261462" y="6362335"/>
+            <a:ext cx="488568" cy="400110"/>
+          </a:xfrm>
+          <a:prstGeom prst="rect">
+            <a:avLst/>
+          </a:prstGeom>
+          <a:solidFill>
+            <a:schemeClr val="bg1"/>
+          </a:solidFill>
+        </p:spPr>
+        <p:txBody>
+          <a:bodyPr wrap="square" rtlCol="0">
+            <a:spAutoFit/>
+          </a:bodyPr>
+          <a:lstStyle/>
+          <a:p>
+            <a:r>
+              <a:rPr lang="en-US" sz="2000" dirty="0"/>
+              <a:t>3</a:t>
+            </a:r>
+          </a:p>
+        </p:txBody>
+      </p:sp>
+      <p:sp>
+        <p:nvSpPr>
+          <p:cNvPr id="83" name="TextBox 82">
+            <a:extLst>
+              <a:ext uri="{FF2B5EF4-FFF2-40B4-BE49-F238E27FC236}">
+                <a16:creationId xmlns:a16="http://schemas.microsoft.com/office/drawing/2014/main" id="{6D71A311-9FA2-43B2-BADF-8EA0DA1F9BFB}"/>
+              </a:ext>
+            </a:extLst>
+          </p:cNvPr>
+          <p:cNvSpPr txBox="1"/>
+          <p:nvPr/>
+        </p:nvSpPr>
+        <p:spPr>
+          <a:xfrm>
+            <a:off x="2826323" y="6362335"/>
+            <a:ext cx="488568" cy="400110"/>
+          </a:xfrm>
+          <a:prstGeom prst="rect">
+            <a:avLst/>
+          </a:prstGeom>
+          <a:solidFill>
+            <a:schemeClr val="bg1"/>
+          </a:solidFill>
+        </p:spPr>
+        <p:txBody>
+          <a:bodyPr wrap="square" rtlCol="0">
+            <a:spAutoFit/>
+          </a:bodyPr>
+          <a:lstStyle/>
+          <a:p>
+            <a:r>
+              <a:rPr lang="en-US" sz="2000" dirty="0"/>
+              <a:t>4</a:t>
+            </a:r>
+          </a:p>
+        </p:txBody>
+      </p:sp>
+      <p:sp>
+        <p:nvSpPr>
+          <p:cNvPr id="45" name="TextBox 44">
+            <a:extLst>
+              <a:ext uri="{FF2B5EF4-FFF2-40B4-BE49-F238E27FC236}">
+                <a16:creationId xmlns:a16="http://schemas.microsoft.com/office/drawing/2014/main" id="{5B097C8F-188D-49B0-B975-731EFCADB2CD}"/>
+              </a:ext>
+            </a:extLst>
+          </p:cNvPr>
+          <p:cNvSpPr txBox="1"/>
+          <p:nvPr/>
+        </p:nvSpPr>
+        <p:spPr>
+          <a:xfrm>
+            <a:off x="1666134" y="6614619"/>
+            <a:ext cx="1231314" cy="400110"/>
+          </a:xfrm>
+          <a:prstGeom prst="rect">
+            <a:avLst/>
+          </a:prstGeom>
+          <a:noFill/>
+        </p:spPr>
+        <p:txBody>
+          <a:bodyPr wrap="square" rtlCol="0">
+            <a:spAutoFit/>
+          </a:bodyPr>
+          <a:lstStyle/>
+          <a:p>
+            <a:r>
+              <a:rPr lang="en-US" sz="2000" dirty="0"/>
+              <a:t>Target ID</a:t>
+            </a:r>
+          </a:p>
+        </p:txBody>
+      </p:sp>
+      <p:sp>
+        <p:nvSpPr>
+          <p:cNvPr id="84" name="TextBox 83">
+            <a:extLst>
+              <a:ext uri="{FF2B5EF4-FFF2-40B4-BE49-F238E27FC236}">
+                <a16:creationId xmlns:a16="http://schemas.microsoft.com/office/drawing/2014/main" id="{7D299AE4-9D18-4729-9737-D6FDB8FCD392}"/>
+              </a:ext>
+            </a:extLst>
+          </p:cNvPr>
+          <p:cNvSpPr txBox="1"/>
+          <p:nvPr/>
+        </p:nvSpPr>
+        <p:spPr>
+          <a:xfrm>
+            <a:off x="3575478" y="6362335"/>
+            <a:ext cx="459178" cy="400110"/>
+          </a:xfrm>
+          <a:prstGeom prst="rect">
+            <a:avLst/>
+          </a:prstGeom>
+          <a:solidFill>
+            <a:schemeClr val="bg1"/>
+          </a:solidFill>
+        </p:spPr>
+        <p:txBody>
+          <a:bodyPr wrap="square" rtlCol="0">
+            <a:spAutoFit/>
+          </a:bodyPr>
+          <a:lstStyle/>
+          <a:p>
+            <a:r>
+              <a:rPr lang="en-US" sz="2000" dirty="0"/>
+              <a:t>1</a:t>
+            </a:r>
+          </a:p>
+        </p:txBody>
+      </p:sp>
+      <p:sp>
+        <p:nvSpPr>
+          <p:cNvPr id="85" name="TextBox 84">
+            <a:extLst>
+              <a:ext uri="{FF2B5EF4-FFF2-40B4-BE49-F238E27FC236}">
+                <a16:creationId xmlns:a16="http://schemas.microsoft.com/office/drawing/2014/main" id="{B572D3F6-D370-4DF8-AF8A-40679932189F}"/>
+              </a:ext>
+            </a:extLst>
+          </p:cNvPr>
+          <p:cNvSpPr txBox="1"/>
+          <p:nvPr/>
+        </p:nvSpPr>
+        <p:spPr>
+          <a:xfrm>
+            <a:off x="4110948" y="6362335"/>
+            <a:ext cx="459178" cy="400110"/>
+          </a:xfrm>
+          <a:prstGeom prst="rect">
+            <a:avLst/>
+          </a:prstGeom>
+          <a:solidFill>
+            <a:schemeClr val="bg1"/>
+          </a:solidFill>
+        </p:spPr>
+        <p:txBody>
+          <a:bodyPr wrap="square" rtlCol="0">
+            <a:spAutoFit/>
+          </a:bodyPr>
+          <a:lstStyle/>
+          <a:p>
+            <a:r>
+              <a:rPr lang="en-US" sz="2000" dirty="0"/>
+              <a:t>2</a:t>
+            </a:r>
+          </a:p>
+        </p:txBody>
+      </p:sp>
+      <p:sp>
+        <p:nvSpPr>
+          <p:cNvPr id="86" name="TextBox 85">
+            <a:extLst>
+              <a:ext uri="{FF2B5EF4-FFF2-40B4-BE49-F238E27FC236}">
+                <a16:creationId xmlns:a16="http://schemas.microsoft.com/office/drawing/2014/main" id="{B16C2B48-E11D-4BE3-87F1-C06F7EE7C1CB}"/>
+              </a:ext>
+            </a:extLst>
+          </p:cNvPr>
+          <p:cNvSpPr txBox="1"/>
+          <p:nvPr/>
+        </p:nvSpPr>
+        <p:spPr>
+          <a:xfrm>
+            <a:off x="4646418" y="6362335"/>
+            <a:ext cx="488568" cy="400110"/>
+          </a:xfrm>
+          <a:prstGeom prst="rect">
+            <a:avLst/>
+          </a:prstGeom>
+          <a:solidFill>
+            <a:schemeClr val="bg1"/>
+          </a:solidFill>
+        </p:spPr>
+        <p:txBody>
+          <a:bodyPr wrap="square" rtlCol="0">
+            <a:spAutoFit/>
+          </a:bodyPr>
+          <a:lstStyle/>
+          <a:p>
+            <a:r>
+              <a:rPr lang="en-US" sz="2000" dirty="0"/>
+              <a:t>3</a:t>
+            </a:r>
+          </a:p>
+        </p:txBody>
+      </p:sp>
+      <p:sp>
+        <p:nvSpPr>
+          <p:cNvPr id="87" name="TextBox 86">
+            <a:extLst>
+              <a:ext uri="{FF2B5EF4-FFF2-40B4-BE49-F238E27FC236}">
+                <a16:creationId xmlns:a16="http://schemas.microsoft.com/office/drawing/2014/main" id="{EB2E057C-3BE5-4920-A4C3-92DDF3969DEB}"/>
+              </a:ext>
+            </a:extLst>
+          </p:cNvPr>
+          <p:cNvSpPr txBox="1"/>
+          <p:nvPr/>
+        </p:nvSpPr>
+        <p:spPr>
+          <a:xfrm>
+            <a:off x="5211279" y="6362335"/>
+            <a:ext cx="488568" cy="400110"/>
+          </a:xfrm>
+          <a:prstGeom prst="rect">
+            <a:avLst/>
+          </a:prstGeom>
+          <a:solidFill>
+            <a:schemeClr val="bg1"/>
+          </a:solidFill>
+        </p:spPr>
+        <p:txBody>
+          <a:bodyPr wrap="square" rtlCol="0">
+            <a:spAutoFit/>
+          </a:bodyPr>
+          <a:lstStyle/>
+          <a:p>
+            <a:r>
+              <a:rPr lang="en-US" sz="2000" dirty="0"/>
+              <a:t>4</a:t>
+            </a:r>
+          </a:p>
+        </p:txBody>
+      </p:sp>
+      <p:sp>
+        <p:nvSpPr>
+          <p:cNvPr id="88" name="TextBox 87">
+            <a:extLst>
+              <a:ext uri="{FF2B5EF4-FFF2-40B4-BE49-F238E27FC236}">
+                <a16:creationId xmlns:a16="http://schemas.microsoft.com/office/drawing/2014/main" id="{6626FE0F-C4FB-4D24-AF9A-67FF98EE9520}"/>
+              </a:ext>
+            </a:extLst>
+          </p:cNvPr>
+          <p:cNvSpPr txBox="1"/>
+          <p:nvPr/>
+        </p:nvSpPr>
+        <p:spPr>
+          <a:xfrm>
+            <a:off x="4051090" y="6614619"/>
+            <a:ext cx="1231314" cy="400110"/>
+          </a:xfrm>
+          <a:prstGeom prst="rect">
+            <a:avLst/>
+          </a:prstGeom>
+          <a:noFill/>
+        </p:spPr>
+        <p:txBody>
+          <a:bodyPr wrap="square" rtlCol="0">
+            <a:spAutoFit/>
+          </a:bodyPr>
+          <a:lstStyle/>
+          <a:p>
+            <a:r>
+              <a:rPr lang="en-US" sz="2000" dirty="0"/>
+              <a:t>Target ID</a:t>
+            </a:r>
+          </a:p>
+        </p:txBody>
+      </p:sp>
+      <p:sp>
+        <p:nvSpPr>
+          <p:cNvPr id="89" name="TextBox 88">
+            <a:extLst>
+              <a:ext uri="{FF2B5EF4-FFF2-40B4-BE49-F238E27FC236}">
+                <a16:creationId xmlns:a16="http://schemas.microsoft.com/office/drawing/2014/main" id="{270B046B-DD59-4C2E-8EF3-26F6F8F795B4}"/>
+              </a:ext>
+            </a:extLst>
+          </p:cNvPr>
+          <p:cNvSpPr txBox="1"/>
+          <p:nvPr/>
+        </p:nvSpPr>
+        <p:spPr>
+          <a:xfrm>
+            <a:off x="6710305" y="6362335"/>
+            <a:ext cx="459178" cy="400110"/>
+          </a:xfrm>
+          <a:prstGeom prst="rect">
+            <a:avLst/>
+          </a:prstGeom>
+          <a:solidFill>
+            <a:schemeClr val="bg1"/>
+          </a:solidFill>
+        </p:spPr>
+        <p:txBody>
+          <a:bodyPr wrap="square" rtlCol="0">
+            <a:spAutoFit/>
+          </a:bodyPr>
+          <a:lstStyle/>
+          <a:p>
+            <a:r>
+              <a:rPr lang="en-US" sz="2000" dirty="0"/>
+              <a:t>1</a:t>
+            </a:r>
+          </a:p>
+        </p:txBody>
+      </p:sp>
+      <p:sp>
+        <p:nvSpPr>
+          <p:cNvPr id="90" name="TextBox 89">
+            <a:extLst>
+              <a:ext uri="{FF2B5EF4-FFF2-40B4-BE49-F238E27FC236}">
+                <a16:creationId xmlns:a16="http://schemas.microsoft.com/office/drawing/2014/main" id="{2276C889-EB3B-4E8B-940A-5477C0A57DB3}"/>
+              </a:ext>
+            </a:extLst>
+          </p:cNvPr>
+          <p:cNvSpPr txBox="1"/>
+          <p:nvPr/>
+        </p:nvSpPr>
+        <p:spPr>
+          <a:xfrm>
+            <a:off x="7297358" y="6362335"/>
+            <a:ext cx="459178" cy="400110"/>
+          </a:xfrm>
+          <a:prstGeom prst="rect">
+            <a:avLst/>
+          </a:prstGeom>
+          <a:solidFill>
+            <a:schemeClr val="bg1"/>
+          </a:solidFill>
+        </p:spPr>
+        <p:txBody>
+          <a:bodyPr wrap="square" rtlCol="0">
+            <a:spAutoFit/>
+          </a:bodyPr>
+          <a:lstStyle/>
+          <a:p>
+            <a:r>
+              <a:rPr lang="en-US" sz="2000" dirty="0"/>
+              <a:t>2</a:t>
+            </a:r>
+          </a:p>
+        </p:txBody>
+      </p:sp>
+      <p:sp>
+        <p:nvSpPr>
+          <p:cNvPr id="91" name="TextBox 90">
+            <a:extLst>
+              <a:ext uri="{FF2B5EF4-FFF2-40B4-BE49-F238E27FC236}">
+                <a16:creationId xmlns:a16="http://schemas.microsoft.com/office/drawing/2014/main" id="{E0A253BB-9F42-4A2B-8857-866ED5478E8A}"/>
+              </a:ext>
+            </a:extLst>
+          </p:cNvPr>
+          <p:cNvSpPr txBox="1"/>
+          <p:nvPr/>
+        </p:nvSpPr>
+        <p:spPr>
+          <a:xfrm>
+            <a:off x="7884411" y="6362335"/>
+            <a:ext cx="488568" cy="400110"/>
+          </a:xfrm>
+          <a:prstGeom prst="rect">
+            <a:avLst/>
+          </a:prstGeom>
+          <a:solidFill>
+            <a:schemeClr val="bg1"/>
+          </a:solidFill>
+        </p:spPr>
+        <p:txBody>
+          <a:bodyPr wrap="square" rtlCol="0">
+            <a:spAutoFit/>
+          </a:bodyPr>
+          <a:lstStyle/>
+          <a:p>
+            <a:r>
+              <a:rPr lang="en-US" sz="2000" dirty="0"/>
+              <a:t>3</a:t>
+            </a:r>
+          </a:p>
+        </p:txBody>
+      </p:sp>
+      <p:sp>
+        <p:nvSpPr>
+          <p:cNvPr id="92" name="TextBox 91">
+            <a:extLst>
+              <a:ext uri="{FF2B5EF4-FFF2-40B4-BE49-F238E27FC236}">
+                <a16:creationId xmlns:a16="http://schemas.microsoft.com/office/drawing/2014/main" id="{203C07AB-DCB6-4D91-ACB2-67CBE39FAAD9}"/>
+              </a:ext>
+            </a:extLst>
+          </p:cNvPr>
+          <p:cNvSpPr txBox="1"/>
+          <p:nvPr/>
+        </p:nvSpPr>
+        <p:spPr>
+          <a:xfrm>
+            <a:off x="8500854" y="6362335"/>
+            <a:ext cx="488568" cy="400110"/>
+          </a:xfrm>
+          <a:prstGeom prst="rect">
+            <a:avLst/>
+          </a:prstGeom>
+          <a:solidFill>
+            <a:schemeClr val="bg1"/>
+          </a:solidFill>
+        </p:spPr>
+        <p:txBody>
+          <a:bodyPr wrap="square" rtlCol="0">
+            <a:spAutoFit/>
+          </a:bodyPr>
+          <a:lstStyle/>
+          <a:p>
+            <a:r>
+              <a:rPr lang="en-US" sz="2000" dirty="0"/>
+              <a:t>4</a:t>
+            </a:r>
+          </a:p>
+        </p:txBody>
+      </p:sp>
+      <p:sp>
+        <p:nvSpPr>
+          <p:cNvPr id="93" name="TextBox 92">
+            <a:extLst>
+              <a:ext uri="{FF2B5EF4-FFF2-40B4-BE49-F238E27FC236}">
+                <a16:creationId xmlns:a16="http://schemas.microsoft.com/office/drawing/2014/main" id="{3266985D-FAAB-4930-95B2-17971AE8F963}"/>
+              </a:ext>
+            </a:extLst>
+          </p:cNvPr>
+          <p:cNvSpPr txBox="1"/>
+          <p:nvPr/>
+        </p:nvSpPr>
+        <p:spPr>
+          <a:xfrm>
+            <a:off x="7242189" y="6614619"/>
+            <a:ext cx="1231314" cy="400110"/>
+          </a:xfrm>
+          <a:prstGeom prst="rect">
+            <a:avLst/>
+          </a:prstGeom>
+          <a:noFill/>
+        </p:spPr>
+        <p:txBody>
+          <a:bodyPr wrap="square" rtlCol="0">
+            <a:spAutoFit/>
+          </a:bodyPr>
+          <a:lstStyle/>
+          <a:p>
+            <a:r>
+              <a:rPr lang="en-US" sz="2000" dirty="0"/>
+              <a:t>Target ID</a:t>
+            </a:r>
+          </a:p>
+        </p:txBody>
+      </p:sp>
+      <p:sp>
+        <p:nvSpPr>
+          <p:cNvPr id="94" name="TextBox 93">
+            <a:extLst>
+              <a:ext uri="{FF2B5EF4-FFF2-40B4-BE49-F238E27FC236}">
+                <a16:creationId xmlns:a16="http://schemas.microsoft.com/office/drawing/2014/main" id="{9DFA2C41-EFD1-4108-939A-C5DBCE9726C2}"/>
+              </a:ext>
+            </a:extLst>
+          </p:cNvPr>
+          <p:cNvSpPr txBox="1"/>
+          <p:nvPr/>
+        </p:nvSpPr>
+        <p:spPr>
+          <a:xfrm>
+            <a:off x="9445644" y="6362335"/>
+            <a:ext cx="459178" cy="400110"/>
+          </a:xfrm>
+          <a:prstGeom prst="rect">
+            <a:avLst/>
+          </a:prstGeom>
+          <a:solidFill>
+            <a:schemeClr val="bg1"/>
+          </a:solidFill>
+        </p:spPr>
+        <p:txBody>
+          <a:bodyPr wrap="square" rtlCol="0">
+            <a:spAutoFit/>
+          </a:bodyPr>
+          <a:lstStyle/>
+          <a:p>
+            <a:r>
+              <a:rPr lang="en-US" sz="2000" dirty="0"/>
+              <a:t>1</a:t>
+            </a:r>
+          </a:p>
+        </p:txBody>
+      </p:sp>
+      <p:sp>
+        <p:nvSpPr>
+          <p:cNvPr id="95" name="TextBox 94">
+            <a:extLst>
+              <a:ext uri="{FF2B5EF4-FFF2-40B4-BE49-F238E27FC236}">
+                <a16:creationId xmlns:a16="http://schemas.microsoft.com/office/drawing/2014/main" id="{B6749048-6CFE-4CFE-9A3C-FFA34C00DA51}"/>
+              </a:ext>
+            </a:extLst>
+          </p:cNvPr>
+          <p:cNvSpPr txBox="1"/>
+          <p:nvPr/>
+        </p:nvSpPr>
+        <p:spPr>
+          <a:xfrm>
+            <a:off x="10088967" y="6362335"/>
+            <a:ext cx="459178" cy="400110"/>
+          </a:xfrm>
+          <a:prstGeom prst="rect">
+            <a:avLst/>
+          </a:prstGeom>
+          <a:solidFill>
+            <a:schemeClr val="bg1"/>
+          </a:solidFill>
+        </p:spPr>
+        <p:txBody>
+          <a:bodyPr wrap="square" rtlCol="0">
+            <a:spAutoFit/>
+          </a:bodyPr>
+          <a:lstStyle/>
+          <a:p>
+            <a:r>
+              <a:rPr lang="en-US" sz="2000" dirty="0"/>
+              <a:t>2</a:t>
+            </a:r>
+          </a:p>
+        </p:txBody>
+      </p:sp>
+      <p:sp>
+        <p:nvSpPr>
+          <p:cNvPr id="96" name="TextBox 95">
+            <a:extLst>
+              <a:ext uri="{FF2B5EF4-FFF2-40B4-BE49-F238E27FC236}">
+                <a16:creationId xmlns:a16="http://schemas.microsoft.com/office/drawing/2014/main" id="{A61B1B76-C01A-4895-B030-64779A95EB5A}"/>
+              </a:ext>
+            </a:extLst>
+          </p:cNvPr>
+          <p:cNvSpPr txBox="1"/>
+          <p:nvPr/>
+        </p:nvSpPr>
+        <p:spPr>
+          <a:xfrm>
+            <a:off x="10732290" y="6362335"/>
+            <a:ext cx="488568" cy="400110"/>
+          </a:xfrm>
+          <a:prstGeom prst="rect">
+            <a:avLst/>
+          </a:prstGeom>
+          <a:solidFill>
+            <a:schemeClr val="bg1"/>
+          </a:solidFill>
+        </p:spPr>
+        <p:txBody>
+          <a:bodyPr wrap="square" rtlCol="0">
+            <a:spAutoFit/>
+          </a:bodyPr>
+          <a:lstStyle/>
+          <a:p>
+            <a:r>
+              <a:rPr lang="en-US" sz="2000" dirty="0"/>
+              <a:t>3</a:t>
+            </a:r>
+          </a:p>
+        </p:txBody>
+      </p:sp>
+      <p:sp>
+        <p:nvSpPr>
+          <p:cNvPr id="97" name="TextBox 96">
+            <a:extLst>
+              <a:ext uri="{FF2B5EF4-FFF2-40B4-BE49-F238E27FC236}">
+                <a16:creationId xmlns:a16="http://schemas.microsoft.com/office/drawing/2014/main" id="{369445FF-6A7B-41A6-8450-346C2BB94850}"/>
+              </a:ext>
+            </a:extLst>
+          </p:cNvPr>
+          <p:cNvSpPr txBox="1"/>
+          <p:nvPr/>
+        </p:nvSpPr>
+        <p:spPr>
+          <a:xfrm>
+            <a:off x="11405004" y="6362335"/>
+            <a:ext cx="488568" cy="400110"/>
+          </a:xfrm>
+          <a:prstGeom prst="rect">
+            <a:avLst/>
+          </a:prstGeom>
+          <a:solidFill>
+            <a:schemeClr val="bg1"/>
+          </a:solidFill>
+        </p:spPr>
+        <p:txBody>
+          <a:bodyPr wrap="square" rtlCol="0">
+            <a:spAutoFit/>
+          </a:bodyPr>
+          <a:lstStyle/>
+          <a:p>
+            <a:r>
+              <a:rPr lang="en-US" sz="2000" dirty="0"/>
+              <a:t>4</a:t>
+            </a:r>
+          </a:p>
+        </p:txBody>
+      </p:sp>
+      <p:sp>
+        <p:nvSpPr>
+          <p:cNvPr id="98" name="TextBox 97">
+            <a:extLst>
+              <a:ext uri="{FF2B5EF4-FFF2-40B4-BE49-F238E27FC236}">
+                <a16:creationId xmlns:a16="http://schemas.microsoft.com/office/drawing/2014/main" id="{815F64C9-541C-4B42-A854-DDDC311BDFA4}"/>
+              </a:ext>
+            </a:extLst>
+          </p:cNvPr>
+          <p:cNvSpPr txBox="1"/>
+          <p:nvPr/>
+        </p:nvSpPr>
+        <p:spPr>
+          <a:xfrm>
+            <a:off x="9977528" y="6614619"/>
+            <a:ext cx="1231314" cy="400110"/>
+          </a:xfrm>
+          <a:prstGeom prst="rect">
+            <a:avLst/>
+          </a:prstGeom>
+          <a:noFill/>
+        </p:spPr>
+        <p:txBody>
+          <a:bodyPr wrap="square" rtlCol="0">
+            <a:spAutoFit/>
+          </a:bodyPr>
+          <a:lstStyle/>
+          <a:p>
+            <a:r>
+              <a:rPr lang="en-US" sz="2000" dirty="0"/>
+              <a:t>Target ID</a:t>
+            </a:r>
+          </a:p>
+        </p:txBody>
+      </p:sp>
+    </p:spTree>
+    <p:extLst>
+      <p:ext uri="{BB962C8B-B14F-4D97-AF65-F5344CB8AC3E}">
+        <p14:creationId xmlns:p14="http://schemas.microsoft.com/office/powerpoint/2010/main" val="760264233"/>
+      </p:ext>
+    </p:extLst>
+  </p:cSld>
+  <p:clrMapOvr>
+    <a:masterClrMapping/>
+  </p:clrMapOvr>
+</p:sld>
+</file>
+
+<file path=ppt/slides/slide18.xml><?xml version="1.0" encoding="utf-8"?>
+<p:sld xmlns:a="http://schemas.openxmlformats.org/drawingml/2006/main" xmlns:r="http://schemas.openxmlformats.org/officeDocument/2006/relationships" xmlns:p="http://schemas.openxmlformats.org/presentationml/2006/main">
+  <p:cSld>
+    <p:spTree>
+      <p:nvGrpSpPr>
+        <p:cNvPr id="1" name=""/>
+        <p:cNvGrpSpPr/>
+        <p:nvPr/>
+      </p:nvGrpSpPr>
+      <p:grpSpPr>
+        <a:xfrm>
+          <a:off x="0" y="0"/>
+          <a:ext cx="0" cy="0"/>
+          <a:chOff x="0" y="0"/>
+          <a:chExt cx="0" cy="0"/>
+        </a:xfrm>
+      </p:grpSpPr>
+      <p:pic>
+        <p:nvPicPr>
+          <p:cNvPr id="4" name="Picture 3">
+            <a:extLst>
+              <a:ext uri="{FF2B5EF4-FFF2-40B4-BE49-F238E27FC236}">
+                <a16:creationId xmlns:a16="http://schemas.microsoft.com/office/drawing/2014/main" id="{2AF39386-EE84-4769-A939-A889A5E4DCF4}"/>
+              </a:ext>
+            </a:extLst>
+          </p:cNvPr>
+          <p:cNvPicPr>
+            <a:picLocks noChangeAspect="1"/>
+          </p:cNvPicPr>
+          <p:nvPr/>
+        </p:nvPicPr>
+        <p:blipFill>
+          <a:blip r:embed="rId2"/>
+          <a:stretch>
+            <a:fillRect/>
+          </a:stretch>
+        </p:blipFill>
+        <p:spPr>
+          <a:xfrm>
+            <a:off x="1382048" y="0"/>
+            <a:ext cx="9427904" cy="6858000"/>
+          </a:xfrm>
+          <a:prstGeom prst="rect">
+            <a:avLst/>
+          </a:prstGeom>
+        </p:spPr>
+      </p:pic>
+    </p:spTree>
+    <p:extLst>
+      <p:ext uri="{BB962C8B-B14F-4D97-AF65-F5344CB8AC3E}">
+        <p14:creationId xmlns:p14="http://schemas.microsoft.com/office/powerpoint/2010/main" val="913027094"/>
+      </p:ext>
+    </p:extLst>
+  </p:cSld>
+  <p:clrMapOvr>
+    <a:masterClrMapping/>
+  </p:clrMapOvr>
+</p:sld>
+</file>
+
+<file path=ppt/slides/slide19.xml><?xml version="1.0" encoding="utf-8"?>
+<p:sld xmlns:a="http://schemas.openxmlformats.org/drawingml/2006/main" xmlns:r="http://schemas.openxmlformats.org/officeDocument/2006/relationships" xmlns:p="http://schemas.openxmlformats.org/presentationml/2006/main">
+  <p:cSld>
+    <p:spTree>
+      <p:nvGrpSpPr>
+        <p:cNvPr id="1" name=""/>
+        <p:cNvGrpSpPr/>
+        <p:nvPr/>
+      </p:nvGrpSpPr>
+      <p:grpSpPr>
+        <a:xfrm>
+          <a:off x="0" y="0"/>
+          <a:ext cx="0" cy="0"/>
+          <a:chOff x="0" y="0"/>
+          <a:chExt cx="0" cy="0"/>
+        </a:xfrm>
+      </p:grpSpPr>
+      <p:pic>
+        <p:nvPicPr>
+          <p:cNvPr id="26" name="Picture 25" descr="A picture containing clock&#10;&#10;Description automatically generated">
+            <a:extLst>
+              <a:ext uri="{FF2B5EF4-FFF2-40B4-BE49-F238E27FC236}">
+                <a16:creationId xmlns:a16="http://schemas.microsoft.com/office/drawing/2014/main" id="{BB0887E7-AC55-48C2-AFD1-88BCDFE7FFF7}"/>
+              </a:ext>
+            </a:extLst>
+          </p:cNvPr>
+          <p:cNvPicPr>
+            <a:picLocks noChangeAspect="1"/>
+          </p:cNvPicPr>
+          <p:nvPr/>
+        </p:nvPicPr>
+        <p:blipFill rotWithShape="1">
+          <a:blip r:embed="rId3">
+            <a:extLst>
+              <a:ext uri="{28A0092B-C50C-407E-A947-70E740481C1C}">
+                <a14:useLocalDpi xmlns:a14="http://schemas.microsoft.com/office/drawing/2010/main" val="0"/>
+              </a:ext>
+            </a:extLst>
+          </a:blip>
+          <a:srcRect l="10814" r="34049"/>
+          <a:stretch/>
+        </p:blipFill>
+        <p:spPr>
+          <a:xfrm>
+            <a:off x="1278239" y="2250150"/>
+            <a:ext cx="2411522" cy="5453640"/>
+          </a:xfrm>
+          <a:prstGeom prst="rect">
+            <a:avLst/>
+          </a:prstGeom>
+        </p:spPr>
+      </p:pic>
+      <p:pic>
+        <p:nvPicPr>
+          <p:cNvPr id="27" name="Picture 26">
+            <a:extLst>
+              <a:ext uri="{FF2B5EF4-FFF2-40B4-BE49-F238E27FC236}">
+                <a16:creationId xmlns:a16="http://schemas.microsoft.com/office/drawing/2014/main" id="{37A0300A-6DF9-4707-B77C-C5D4AADF8D0A}"/>
+              </a:ext>
+            </a:extLst>
+          </p:cNvPr>
+          <p:cNvPicPr>
+            <a:picLocks noChangeAspect="1"/>
+          </p:cNvPicPr>
+          <p:nvPr/>
+        </p:nvPicPr>
+        <p:blipFill rotWithShape="1">
+          <a:blip r:embed="rId4">
+            <a:extLst>
+              <a:ext uri="{28A0092B-C50C-407E-A947-70E740481C1C}">
+                <a14:useLocalDpi xmlns:a14="http://schemas.microsoft.com/office/drawing/2010/main" val="0"/>
+              </a:ext>
+            </a:extLst>
+          </a:blip>
+          <a:srcRect l="12204" r="29688"/>
+          <a:stretch/>
+        </p:blipFill>
+        <p:spPr>
+          <a:xfrm>
+            <a:off x="3727393" y="2257184"/>
+            <a:ext cx="2411522" cy="5488179"/>
+          </a:xfrm>
+          <a:prstGeom prst="rect">
+            <a:avLst/>
+          </a:prstGeom>
+        </p:spPr>
+      </p:pic>
+      <p:sp>
+        <p:nvSpPr>
+          <p:cNvPr id="28" name="TextBox 27">
+            <a:extLst>
+              <a:ext uri="{FF2B5EF4-FFF2-40B4-BE49-F238E27FC236}">
+                <a16:creationId xmlns:a16="http://schemas.microsoft.com/office/drawing/2014/main" id="{99F4C3E1-8EE8-40DD-80AB-07CBF96E7EAE}"/>
+              </a:ext>
+            </a:extLst>
+          </p:cNvPr>
+          <p:cNvSpPr txBox="1"/>
+          <p:nvPr/>
+        </p:nvSpPr>
+        <p:spPr>
+          <a:xfrm>
+            <a:off x="2275868" y="7940053"/>
+            <a:ext cx="2903050" cy="461665"/>
+          </a:xfrm>
+          <a:prstGeom prst="rect">
+            <a:avLst/>
+          </a:prstGeom>
+          <a:noFill/>
+        </p:spPr>
+        <p:txBody>
+          <a:bodyPr wrap="square" rtlCol="0">
+            <a:spAutoFit/>
+          </a:bodyPr>
+          <a:lstStyle/>
+          <a:p>
+            <a:pPr algn="ctr"/>
+            <a:r>
+              <a:rPr lang="en-US" sz="2400" dirty="0"/>
+              <a:t>Rank by Preference</a:t>
+            </a:r>
+          </a:p>
+        </p:txBody>
+      </p:sp>
+      <p:pic>
+        <p:nvPicPr>
+          <p:cNvPr id="29" name="Picture 28" descr="A close up of a logo&#10;&#10;Description automatically generated">
+            <a:extLst>
+              <a:ext uri="{FF2B5EF4-FFF2-40B4-BE49-F238E27FC236}">
+                <a16:creationId xmlns:a16="http://schemas.microsoft.com/office/drawing/2014/main" id="{667236C7-89C5-4E78-B054-26C6863E0A41}"/>
+              </a:ext>
+            </a:extLst>
+          </p:cNvPr>
+          <p:cNvPicPr>
+            <a:picLocks noChangeAspect="1"/>
+          </p:cNvPicPr>
+          <p:nvPr/>
+        </p:nvPicPr>
+        <p:blipFill rotWithShape="1">
+          <a:blip r:embed="rId5">
+            <a:extLst>
+              <a:ext uri="{28A0092B-C50C-407E-A947-70E740481C1C}">
+                <a14:useLocalDpi xmlns:a14="http://schemas.microsoft.com/office/drawing/2010/main" val="0"/>
+              </a:ext>
+            </a:extLst>
+          </a:blip>
+          <a:srcRect l="73004" t="42701" r="20094" b="41504"/>
+          <a:stretch/>
+        </p:blipFill>
+        <p:spPr>
+          <a:xfrm rot="16200000">
+            <a:off x="3266138" y="7589075"/>
+            <a:ext cx="922510" cy="2903050"/>
+          </a:xfrm>
+          <a:prstGeom prst="rect">
+            <a:avLst/>
+          </a:prstGeom>
+        </p:spPr>
+      </p:pic>
+      <p:sp>
+        <p:nvSpPr>
+          <p:cNvPr id="30" name="TextBox 29">
+            <a:extLst>
+              <a:ext uri="{FF2B5EF4-FFF2-40B4-BE49-F238E27FC236}">
+                <a16:creationId xmlns:a16="http://schemas.microsoft.com/office/drawing/2014/main" id="{27CA8C75-75FF-44A4-9987-6BBBA81944EE}"/>
+              </a:ext>
+            </a:extLst>
+          </p:cNvPr>
+          <p:cNvSpPr txBox="1"/>
+          <p:nvPr/>
+        </p:nvSpPr>
+        <p:spPr>
+          <a:xfrm>
+            <a:off x="1580302" y="1926803"/>
+            <a:ext cx="2106526" cy="461665"/>
+          </a:xfrm>
+          <a:prstGeom prst="rect">
+            <a:avLst/>
+          </a:prstGeom>
+          <a:noFill/>
+        </p:spPr>
+        <p:txBody>
+          <a:bodyPr wrap="square" rtlCol="0">
+            <a:spAutoFit/>
+          </a:bodyPr>
+          <a:lstStyle/>
+          <a:p>
+            <a:pPr>
+              <a:tabLst>
+                <a:tab pos="1023938" algn="l"/>
+              </a:tabLst>
+            </a:pPr>
+            <a:r>
+              <a:rPr lang="en-US" sz="2400" dirty="0"/>
+              <a:t>Ground-Truth</a:t>
+            </a:r>
+          </a:p>
+        </p:txBody>
+      </p:sp>
+      <p:sp>
+        <p:nvSpPr>
+          <p:cNvPr id="31" name="TextBox 30">
+            <a:extLst>
+              <a:ext uri="{FF2B5EF4-FFF2-40B4-BE49-F238E27FC236}">
+                <a16:creationId xmlns:a16="http://schemas.microsoft.com/office/drawing/2014/main" id="{8ED676C3-E5EB-449B-8007-860B0CA3EE1A}"/>
+              </a:ext>
+            </a:extLst>
+          </p:cNvPr>
+          <p:cNvSpPr txBox="1"/>
+          <p:nvPr/>
+        </p:nvSpPr>
+        <p:spPr>
+          <a:xfrm>
+            <a:off x="3994557" y="1926803"/>
+            <a:ext cx="2106526" cy="461665"/>
+          </a:xfrm>
+          <a:prstGeom prst="rect">
+            <a:avLst/>
+          </a:prstGeom>
+          <a:noFill/>
+        </p:spPr>
+        <p:txBody>
+          <a:bodyPr wrap="square" rtlCol="0">
+            <a:spAutoFit/>
+          </a:bodyPr>
+          <a:lstStyle/>
+          <a:p>
+            <a:r>
+              <a:rPr lang="en-US" sz="2400" dirty="0"/>
+              <a:t>Reconstructed</a:t>
+            </a:r>
+          </a:p>
+        </p:txBody>
+      </p:sp>
+      <p:sp>
+        <p:nvSpPr>
+          <p:cNvPr id="32" name="TextBox 31">
+            <a:extLst>
+              <a:ext uri="{FF2B5EF4-FFF2-40B4-BE49-F238E27FC236}">
+                <a16:creationId xmlns:a16="http://schemas.microsoft.com/office/drawing/2014/main" id="{77CD2619-B77C-4AD3-8539-78A4516566DF}"/>
+              </a:ext>
+            </a:extLst>
+          </p:cNvPr>
+          <p:cNvSpPr txBox="1"/>
+          <p:nvPr/>
+        </p:nvSpPr>
+        <p:spPr>
+          <a:xfrm>
+            <a:off x="673603" y="2281841"/>
+            <a:ext cx="731520" cy="369332"/>
+          </a:xfrm>
+          <a:prstGeom prst="rect">
+            <a:avLst/>
+          </a:prstGeom>
+          <a:noFill/>
+        </p:spPr>
+        <p:txBody>
+          <a:bodyPr wrap="square" rtlCol="0">
+            <a:spAutoFit/>
+          </a:bodyPr>
+          <a:lstStyle/>
+          <a:p>
+            <a:r>
+              <a:rPr lang="en-US" i="1" dirty="0"/>
+              <a:t>7.07</a:t>
+            </a:r>
+          </a:p>
+        </p:txBody>
+      </p:sp>
+      <p:sp>
+        <p:nvSpPr>
+          <p:cNvPr id="33" name="TextBox 32">
+            <a:extLst>
+              <a:ext uri="{FF2B5EF4-FFF2-40B4-BE49-F238E27FC236}">
+                <a16:creationId xmlns:a16="http://schemas.microsoft.com/office/drawing/2014/main" id="{6370E5E1-3FEE-4315-B3AA-4A379A03C4AB}"/>
+              </a:ext>
+            </a:extLst>
+          </p:cNvPr>
+          <p:cNvSpPr txBox="1"/>
+          <p:nvPr/>
+        </p:nvSpPr>
+        <p:spPr>
+          <a:xfrm>
+            <a:off x="673603" y="2649353"/>
+            <a:ext cx="731520" cy="369332"/>
+          </a:xfrm>
+          <a:prstGeom prst="rect">
+            <a:avLst/>
+          </a:prstGeom>
+          <a:noFill/>
+        </p:spPr>
+        <p:txBody>
+          <a:bodyPr wrap="square" rtlCol="0">
+            <a:spAutoFit/>
+          </a:bodyPr>
+          <a:lstStyle/>
+          <a:p>
+            <a:r>
+              <a:rPr lang="en-US" i="1" dirty="0"/>
+              <a:t>6.66</a:t>
+            </a:r>
+          </a:p>
+        </p:txBody>
+      </p:sp>
+      <p:sp>
+        <p:nvSpPr>
+          <p:cNvPr id="34" name="TextBox 33">
+            <a:extLst>
+              <a:ext uri="{FF2B5EF4-FFF2-40B4-BE49-F238E27FC236}">
+                <a16:creationId xmlns:a16="http://schemas.microsoft.com/office/drawing/2014/main" id="{03BF971E-7EC9-43A7-BCC6-A64D737914B0}"/>
+              </a:ext>
+            </a:extLst>
+          </p:cNvPr>
+          <p:cNvSpPr txBox="1"/>
+          <p:nvPr/>
+        </p:nvSpPr>
+        <p:spPr>
+          <a:xfrm>
+            <a:off x="673603" y="3016865"/>
+            <a:ext cx="731520" cy="369332"/>
+          </a:xfrm>
+          <a:prstGeom prst="rect">
+            <a:avLst/>
+          </a:prstGeom>
+          <a:noFill/>
+        </p:spPr>
+        <p:txBody>
+          <a:bodyPr wrap="square" rtlCol="0">
+            <a:spAutoFit/>
+          </a:bodyPr>
+          <a:lstStyle/>
+          <a:p>
+            <a:r>
+              <a:rPr lang="en-US" i="1" dirty="0"/>
+              <a:t>6.29</a:t>
+            </a:r>
+          </a:p>
+        </p:txBody>
+      </p:sp>
+      <p:sp>
+        <p:nvSpPr>
+          <p:cNvPr id="35" name="TextBox 34">
+            <a:extLst>
+              <a:ext uri="{FF2B5EF4-FFF2-40B4-BE49-F238E27FC236}">
+                <a16:creationId xmlns:a16="http://schemas.microsoft.com/office/drawing/2014/main" id="{DF516545-7CFF-4C15-BE2E-1ABD1A866638}"/>
+              </a:ext>
+            </a:extLst>
+          </p:cNvPr>
+          <p:cNvSpPr txBox="1"/>
+          <p:nvPr/>
+        </p:nvSpPr>
+        <p:spPr>
+          <a:xfrm>
+            <a:off x="673603" y="3384377"/>
+            <a:ext cx="731520" cy="369332"/>
+          </a:xfrm>
+          <a:prstGeom prst="rect">
+            <a:avLst/>
+          </a:prstGeom>
+          <a:noFill/>
+        </p:spPr>
+        <p:txBody>
+          <a:bodyPr wrap="square" rtlCol="0">
+            <a:spAutoFit/>
+          </a:bodyPr>
+          <a:lstStyle/>
+          <a:p>
+            <a:r>
+              <a:rPr lang="en-US" i="1" dirty="0"/>
+              <a:t>3.77</a:t>
+            </a:r>
+          </a:p>
+        </p:txBody>
+      </p:sp>
+      <p:sp>
+        <p:nvSpPr>
+          <p:cNvPr id="36" name="TextBox 35">
+            <a:extLst>
+              <a:ext uri="{FF2B5EF4-FFF2-40B4-BE49-F238E27FC236}">
+                <a16:creationId xmlns:a16="http://schemas.microsoft.com/office/drawing/2014/main" id="{0F1BB2F4-13A0-47EC-AA3C-A2AD2C6A1EF2}"/>
+              </a:ext>
+            </a:extLst>
+          </p:cNvPr>
+          <p:cNvSpPr txBox="1"/>
+          <p:nvPr/>
+        </p:nvSpPr>
+        <p:spPr>
+          <a:xfrm>
+            <a:off x="673603" y="3751889"/>
+            <a:ext cx="731520" cy="369332"/>
+          </a:xfrm>
+          <a:prstGeom prst="rect">
+            <a:avLst/>
+          </a:prstGeom>
+          <a:noFill/>
+        </p:spPr>
+        <p:txBody>
+          <a:bodyPr wrap="square" rtlCol="0">
+            <a:spAutoFit/>
+          </a:bodyPr>
+          <a:lstStyle/>
+          <a:p>
+            <a:r>
+              <a:rPr lang="en-US" i="1" dirty="0"/>
+              <a:t>3.37</a:t>
+            </a:r>
+          </a:p>
+        </p:txBody>
+      </p:sp>
+      <p:sp>
+        <p:nvSpPr>
+          <p:cNvPr id="37" name="TextBox 36">
+            <a:extLst>
+              <a:ext uri="{FF2B5EF4-FFF2-40B4-BE49-F238E27FC236}">
+                <a16:creationId xmlns:a16="http://schemas.microsoft.com/office/drawing/2014/main" id="{DD14178E-D2A7-49CF-90C9-2BE1C70630D1}"/>
+              </a:ext>
+            </a:extLst>
+          </p:cNvPr>
+          <p:cNvSpPr txBox="1"/>
+          <p:nvPr/>
+        </p:nvSpPr>
+        <p:spPr>
+          <a:xfrm>
+            <a:off x="673603" y="4119401"/>
+            <a:ext cx="731520" cy="369332"/>
+          </a:xfrm>
+          <a:prstGeom prst="rect">
+            <a:avLst/>
+          </a:prstGeom>
+          <a:noFill/>
+        </p:spPr>
+        <p:txBody>
+          <a:bodyPr wrap="square" rtlCol="0">
+            <a:spAutoFit/>
+          </a:bodyPr>
+          <a:lstStyle/>
+          <a:p>
+            <a:r>
+              <a:rPr lang="en-US" i="1" dirty="0"/>
+              <a:t>3.32</a:t>
+            </a:r>
+          </a:p>
+        </p:txBody>
+      </p:sp>
+      <p:sp>
+        <p:nvSpPr>
+          <p:cNvPr id="38" name="TextBox 37">
+            <a:extLst>
+              <a:ext uri="{FF2B5EF4-FFF2-40B4-BE49-F238E27FC236}">
+                <a16:creationId xmlns:a16="http://schemas.microsoft.com/office/drawing/2014/main" id="{25C383A5-C951-47E3-846C-65DF32898169}"/>
+              </a:ext>
+            </a:extLst>
+          </p:cNvPr>
+          <p:cNvSpPr txBox="1"/>
+          <p:nvPr/>
+        </p:nvSpPr>
+        <p:spPr>
+          <a:xfrm>
+            <a:off x="673603" y="4486913"/>
+            <a:ext cx="731520" cy="369332"/>
+          </a:xfrm>
+          <a:prstGeom prst="rect">
+            <a:avLst/>
+          </a:prstGeom>
+          <a:noFill/>
+        </p:spPr>
+        <p:txBody>
+          <a:bodyPr wrap="square" rtlCol="0">
+            <a:spAutoFit/>
+          </a:bodyPr>
+          <a:lstStyle/>
+          <a:p>
+            <a:r>
+              <a:rPr lang="en-US" i="1" dirty="0"/>
+              <a:t>2.87</a:t>
+            </a:r>
+          </a:p>
+        </p:txBody>
+      </p:sp>
+      <p:sp>
+        <p:nvSpPr>
+          <p:cNvPr id="39" name="TextBox 38">
+            <a:extLst>
+              <a:ext uri="{FF2B5EF4-FFF2-40B4-BE49-F238E27FC236}">
+                <a16:creationId xmlns:a16="http://schemas.microsoft.com/office/drawing/2014/main" id="{16917911-87C7-4DF5-959E-9E8BED8FBD6D}"/>
+              </a:ext>
+            </a:extLst>
+          </p:cNvPr>
+          <p:cNvSpPr txBox="1"/>
+          <p:nvPr/>
+        </p:nvSpPr>
+        <p:spPr>
+          <a:xfrm>
+            <a:off x="673603" y="4854425"/>
+            <a:ext cx="731520" cy="369332"/>
+          </a:xfrm>
+          <a:prstGeom prst="rect">
+            <a:avLst/>
+          </a:prstGeom>
+          <a:noFill/>
+        </p:spPr>
+        <p:txBody>
+          <a:bodyPr wrap="square" rtlCol="0">
+            <a:spAutoFit/>
+          </a:bodyPr>
+          <a:lstStyle/>
+          <a:p>
+            <a:r>
+              <a:rPr lang="en-US" i="1" dirty="0"/>
+              <a:t>2.45</a:t>
+            </a:r>
+          </a:p>
+        </p:txBody>
+      </p:sp>
+      <p:sp>
+        <p:nvSpPr>
+          <p:cNvPr id="40" name="TextBox 39">
+            <a:extLst>
+              <a:ext uri="{FF2B5EF4-FFF2-40B4-BE49-F238E27FC236}">
+                <a16:creationId xmlns:a16="http://schemas.microsoft.com/office/drawing/2014/main" id="{2C44C6AC-061F-4589-A4F4-7E3B77A3D860}"/>
+              </a:ext>
+            </a:extLst>
+          </p:cNvPr>
+          <p:cNvSpPr txBox="1"/>
+          <p:nvPr/>
+        </p:nvSpPr>
+        <p:spPr>
+          <a:xfrm>
+            <a:off x="673603" y="5221937"/>
+            <a:ext cx="731520" cy="369332"/>
+          </a:xfrm>
+          <a:prstGeom prst="rect">
+            <a:avLst/>
+          </a:prstGeom>
+          <a:noFill/>
+        </p:spPr>
+        <p:txBody>
+          <a:bodyPr wrap="square" rtlCol="0">
+            <a:spAutoFit/>
+          </a:bodyPr>
+          <a:lstStyle/>
+          <a:p>
+            <a:r>
+              <a:rPr lang="en-US" i="1" dirty="0"/>
+              <a:t>2.36</a:t>
+            </a:r>
+          </a:p>
+        </p:txBody>
+      </p:sp>
+      <p:sp>
+        <p:nvSpPr>
+          <p:cNvPr id="41" name="TextBox 40">
+            <a:extLst>
+              <a:ext uri="{FF2B5EF4-FFF2-40B4-BE49-F238E27FC236}">
+                <a16:creationId xmlns:a16="http://schemas.microsoft.com/office/drawing/2014/main" id="{63F0F759-FEFB-45E5-96E8-BF542FF32506}"/>
+              </a:ext>
+            </a:extLst>
+          </p:cNvPr>
+          <p:cNvSpPr txBox="1"/>
+          <p:nvPr/>
+        </p:nvSpPr>
+        <p:spPr>
+          <a:xfrm>
+            <a:off x="673603" y="5956961"/>
+            <a:ext cx="731520" cy="369332"/>
+          </a:xfrm>
+          <a:prstGeom prst="rect">
+            <a:avLst/>
+          </a:prstGeom>
+          <a:noFill/>
+        </p:spPr>
+        <p:txBody>
+          <a:bodyPr wrap="square" rtlCol="0">
+            <a:spAutoFit/>
+          </a:bodyPr>
+          <a:lstStyle/>
+          <a:p>
+            <a:r>
+              <a:rPr lang="en-US" i="1" dirty="0"/>
+              <a:t>2.06</a:t>
+            </a:r>
+          </a:p>
+        </p:txBody>
+      </p:sp>
+      <p:sp>
+        <p:nvSpPr>
+          <p:cNvPr id="42" name="TextBox 41">
+            <a:extLst>
+              <a:ext uri="{FF2B5EF4-FFF2-40B4-BE49-F238E27FC236}">
+                <a16:creationId xmlns:a16="http://schemas.microsoft.com/office/drawing/2014/main" id="{F31D36E4-3ACF-42C6-A90E-7FDC1B6AE96B}"/>
+              </a:ext>
+            </a:extLst>
+          </p:cNvPr>
+          <p:cNvSpPr txBox="1"/>
+          <p:nvPr/>
+        </p:nvSpPr>
+        <p:spPr>
+          <a:xfrm>
+            <a:off x="673603" y="6324473"/>
+            <a:ext cx="731520" cy="369332"/>
+          </a:xfrm>
+          <a:prstGeom prst="rect">
+            <a:avLst/>
+          </a:prstGeom>
+          <a:noFill/>
+        </p:spPr>
+        <p:txBody>
+          <a:bodyPr wrap="square" rtlCol="0">
+            <a:spAutoFit/>
+          </a:bodyPr>
+          <a:lstStyle/>
+          <a:p>
+            <a:r>
+              <a:rPr lang="en-US" i="1" dirty="0"/>
+              <a:t>1.73</a:t>
+            </a:r>
+          </a:p>
+        </p:txBody>
+      </p:sp>
+      <p:sp>
+        <p:nvSpPr>
+          <p:cNvPr id="43" name="TextBox 42">
+            <a:extLst>
+              <a:ext uri="{FF2B5EF4-FFF2-40B4-BE49-F238E27FC236}">
+                <a16:creationId xmlns:a16="http://schemas.microsoft.com/office/drawing/2014/main" id="{8709CAB3-5AC7-4615-96F9-B40B2F948D3B}"/>
+              </a:ext>
+            </a:extLst>
+          </p:cNvPr>
+          <p:cNvSpPr txBox="1"/>
+          <p:nvPr/>
+        </p:nvSpPr>
+        <p:spPr>
+          <a:xfrm>
+            <a:off x="673603" y="7059500"/>
+            <a:ext cx="731520" cy="369332"/>
+          </a:xfrm>
+          <a:prstGeom prst="rect">
+            <a:avLst/>
+          </a:prstGeom>
+          <a:noFill/>
+        </p:spPr>
+        <p:txBody>
+          <a:bodyPr wrap="square" rtlCol="0">
+            <a:spAutoFit/>
+          </a:bodyPr>
+          <a:lstStyle/>
+          <a:p>
+            <a:r>
+              <a:rPr lang="en-US" i="1" dirty="0"/>
+              <a:t>1.00</a:t>
+            </a:r>
+          </a:p>
+        </p:txBody>
+      </p:sp>
+      <p:sp>
+        <p:nvSpPr>
+          <p:cNvPr id="44" name="TextBox 43">
+            <a:extLst>
+              <a:ext uri="{FF2B5EF4-FFF2-40B4-BE49-F238E27FC236}">
+                <a16:creationId xmlns:a16="http://schemas.microsoft.com/office/drawing/2014/main" id="{E58CBCEE-8AFC-4F71-917B-1D37760F0D3C}"/>
+              </a:ext>
+            </a:extLst>
+          </p:cNvPr>
+          <p:cNvSpPr txBox="1"/>
+          <p:nvPr/>
+        </p:nvSpPr>
+        <p:spPr>
+          <a:xfrm>
+            <a:off x="673603" y="6691985"/>
+            <a:ext cx="731520" cy="369332"/>
+          </a:xfrm>
+          <a:prstGeom prst="rect">
+            <a:avLst/>
+          </a:prstGeom>
+          <a:noFill/>
+        </p:spPr>
+        <p:txBody>
+          <a:bodyPr wrap="square" rtlCol="0">
+            <a:spAutoFit/>
+          </a:bodyPr>
+          <a:lstStyle/>
+          <a:p>
+            <a:r>
+              <a:rPr lang="en-US" i="1" dirty="0"/>
+              <a:t>1.00</a:t>
+            </a:r>
+          </a:p>
+        </p:txBody>
+      </p:sp>
+      <p:sp>
+        <p:nvSpPr>
+          <p:cNvPr id="47" name="TextBox 46">
+            <a:extLst>
+              <a:ext uri="{FF2B5EF4-FFF2-40B4-BE49-F238E27FC236}">
+                <a16:creationId xmlns:a16="http://schemas.microsoft.com/office/drawing/2014/main" id="{A8CB7327-4B7C-4CFF-BF8F-1EC69FFBE0D4}"/>
+              </a:ext>
+            </a:extLst>
+          </p:cNvPr>
+          <p:cNvSpPr txBox="1"/>
+          <p:nvPr/>
+        </p:nvSpPr>
+        <p:spPr>
+          <a:xfrm>
+            <a:off x="1580302" y="-4860356"/>
+            <a:ext cx="2106526" cy="461665"/>
+          </a:xfrm>
+          <a:prstGeom prst="rect">
+            <a:avLst/>
+          </a:prstGeom>
+          <a:noFill/>
+        </p:spPr>
+        <p:txBody>
+          <a:bodyPr wrap="square" rtlCol="0">
+            <a:spAutoFit/>
+          </a:bodyPr>
+          <a:lstStyle/>
+          <a:p>
+            <a:r>
+              <a:rPr lang="en-US" sz="2400" dirty="0"/>
+              <a:t>Ground-Truth</a:t>
+            </a:r>
+          </a:p>
+        </p:txBody>
+      </p:sp>
+      <p:sp>
+        <p:nvSpPr>
+          <p:cNvPr id="48" name="TextBox 47">
+            <a:extLst>
+              <a:ext uri="{FF2B5EF4-FFF2-40B4-BE49-F238E27FC236}">
+                <a16:creationId xmlns:a16="http://schemas.microsoft.com/office/drawing/2014/main" id="{A2D8AA5B-2C88-4914-B375-A438676E4637}"/>
+              </a:ext>
+            </a:extLst>
+          </p:cNvPr>
+          <p:cNvSpPr txBox="1"/>
+          <p:nvPr/>
+        </p:nvSpPr>
+        <p:spPr>
+          <a:xfrm>
+            <a:off x="3994557" y="-4860356"/>
+            <a:ext cx="2106526" cy="461665"/>
+          </a:xfrm>
+          <a:prstGeom prst="rect">
+            <a:avLst/>
+          </a:prstGeom>
+          <a:noFill/>
+        </p:spPr>
+        <p:txBody>
+          <a:bodyPr wrap="square" rtlCol="0">
+            <a:spAutoFit/>
+          </a:bodyPr>
+          <a:lstStyle/>
+          <a:p>
+            <a:r>
+              <a:rPr lang="en-US" sz="2400" dirty="0"/>
+              <a:t>Reconstructed</a:t>
+            </a:r>
+          </a:p>
+        </p:txBody>
+      </p:sp>
+      <p:cxnSp>
+        <p:nvCxnSpPr>
+          <p:cNvPr id="49" name="Straight Connector 48">
+            <a:extLst>
+              <a:ext uri="{FF2B5EF4-FFF2-40B4-BE49-F238E27FC236}">
+                <a16:creationId xmlns:a16="http://schemas.microsoft.com/office/drawing/2014/main" id="{64FAC628-AEE1-4473-9B9F-CF78BBB43CB4}"/>
+              </a:ext>
+            </a:extLst>
+          </p:cNvPr>
+          <p:cNvCxnSpPr>
+            <a:cxnSpLocks/>
+          </p:cNvCxnSpPr>
+          <p:nvPr/>
+        </p:nvCxnSpPr>
+        <p:spPr>
+          <a:xfrm>
+            <a:off x="1185978" y="-4263352"/>
+            <a:ext cx="0" cy="2103120"/>
+          </a:xfrm>
+          <a:prstGeom prst="line">
+            <a:avLst/>
+          </a:prstGeom>
+          <a:ln w="28575"/>
+        </p:spPr>
+        <p:style>
+          <a:lnRef idx="1">
+            <a:schemeClr val="dk1"/>
+          </a:lnRef>
+          <a:fillRef idx="0">
+            <a:schemeClr val="dk1"/>
+          </a:fillRef>
+          <a:effectRef idx="0">
+            <a:schemeClr val="dk1"/>
+          </a:effectRef>
+          <a:fontRef idx="minor">
+            <a:schemeClr val="tx1"/>
+          </a:fontRef>
+        </p:style>
+      </p:cxnSp>
+      <p:cxnSp>
+        <p:nvCxnSpPr>
+          <p:cNvPr id="50" name="Straight Connector 49">
+            <a:extLst>
+              <a:ext uri="{FF2B5EF4-FFF2-40B4-BE49-F238E27FC236}">
+                <a16:creationId xmlns:a16="http://schemas.microsoft.com/office/drawing/2014/main" id="{95EF20A3-3698-40CA-92B5-6536DC0559ED}"/>
+              </a:ext>
+            </a:extLst>
+          </p:cNvPr>
+          <p:cNvCxnSpPr>
+            <a:cxnSpLocks/>
+          </p:cNvCxnSpPr>
+          <p:nvPr/>
+        </p:nvCxnSpPr>
+        <p:spPr>
+          <a:xfrm>
+            <a:off x="1185978" y="-1916398"/>
+            <a:ext cx="0" cy="2011680"/>
+          </a:xfrm>
+          <a:prstGeom prst="line">
+            <a:avLst/>
+          </a:prstGeom>
+          <a:ln w="28575"/>
+        </p:spPr>
+        <p:style>
+          <a:lnRef idx="1">
+            <a:schemeClr val="dk1"/>
+          </a:lnRef>
+          <a:fillRef idx="0">
+            <a:schemeClr val="dk1"/>
+          </a:fillRef>
+          <a:effectRef idx="0">
+            <a:schemeClr val="dk1"/>
+          </a:effectRef>
+          <a:fontRef idx="minor">
+            <a:schemeClr val="tx1"/>
+          </a:fontRef>
+        </p:style>
+      </p:cxnSp>
+      <p:cxnSp>
+        <p:nvCxnSpPr>
+          <p:cNvPr id="51" name="Straight Connector 50">
+            <a:extLst>
+              <a:ext uri="{FF2B5EF4-FFF2-40B4-BE49-F238E27FC236}">
+                <a16:creationId xmlns:a16="http://schemas.microsoft.com/office/drawing/2014/main" id="{07126E32-7588-472B-B7C2-8E79B69E2D6A}"/>
+              </a:ext>
+            </a:extLst>
+          </p:cNvPr>
+          <p:cNvCxnSpPr>
+            <a:cxnSpLocks/>
+          </p:cNvCxnSpPr>
+          <p:nvPr/>
+        </p:nvCxnSpPr>
+        <p:spPr>
+          <a:xfrm>
+            <a:off x="1185978" y="332087"/>
+            <a:ext cx="0" cy="1097280"/>
+          </a:xfrm>
+          <a:prstGeom prst="line">
+            <a:avLst/>
+          </a:prstGeom>
+          <a:ln w="28575"/>
+        </p:spPr>
+        <p:style>
+          <a:lnRef idx="1">
+            <a:schemeClr val="dk1"/>
+          </a:lnRef>
+          <a:fillRef idx="0">
+            <a:schemeClr val="dk1"/>
+          </a:fillRef>
+          <a:effectRef idx="0">
+            <a:schemeClr val="dk1"/>
+          </a:effectRef>
+          <a:fontRef idx="minor">
+            <a:schemeClr val="tx1"/>
+          </a:fontRef>
+        </p:style>
+      </p:cxnSp>
+      <p:sp>
+        <p:nvSpPr>
+          <p:cNvPr id="52" name="TextBox 51">
+            <a:extLst>
+              <a:ext uri="{FF2B5EF4-FFF2-40B4-BE49-F238E27FC236}">
+                <a16:creationId xmlns:a16="http://schemas.microsoft.com/office/drawing/2014/main" id="{9A278843-17F6-4EB6-B61D-47143CF04B00}"/>
+              </a:ext>
+            </a:extLst>
+          </p:cNvPr>
+          <p:cNvSpPr txBox="1"/>
+          <p:nvPr/>
+        </p:nvSpPr>
+        <p:spPr>
+          <a:xfrm rot="16200000">
+            <a:off x="190651" y="-3558687"/>
+            <a:ext cx="1375948" cy="461665"/>
+          </a:xfrm>
+          <a:prstGeom prst="rect">
+            <a:avLst/>
+          </a:prstGeom>
+          <a:noFill/>
+        </p:spPr>
+        <p:txBody>
+          <a:bodyPr wrap="square" rtlCol="0">
+            <a:spAutoFit/>
+          </a:bodyPr>
+          <a:lstStyle/>
+          <a:p>
+            <a:r>
+              <a:rPr lang="en-US" sz="2400" i="1" dirty="0"/>
+              <a:t>SD = 2.1</a:t>
+            </a:r>
+          </a:p>
+        </p:txBody>
+      </p:sp>
+      <p:sp>
+        <p:nvSpPr>
+          <p:cNvPr id="53" name="TextBox 52">
+            <a:extLst>
+              <a:ext uri="{FF2B5EF4-FFF2-40B4-BE49-F238E27FC236}">
+                <a16:creationId xmlns:a16="http://schemas.microsoft.com/office/drawing/2014/main" id="{41E90634-0A6F-4934-A748-F65921C873A0}"/>
+              </a:ext>
+            </a:extLst>
+          </p:cNvPr>
+          <p:cNvSpPr txBox="1"/>
+          <p:nvPr/>
+        </p:nvSpPr>
+        <p:spPr>
+          <a:xfrm rot="16200000">
+            <a:off x="190650" y="-1131467"/>
+            <a:ext cx="1375948" cy="461665"/>
+          </a:xfrm>
+          <a:prstGeom prst="rect">
+            <a:avLst/>
+          </a:prstGeom>
+          <a:noFill/>
+        </p:spPr>
+        <p:txBody>
+          <a:bodyPr wrap="square" rtlCol="0">
+            <a:spAutoFit/>
+          </a:bodyPr>
+          <a:lstStyle/>
+          <a:p>
+            <a:r>
+              <a:rPr lang="en-US" sz="2400" i="1" dirty="0"/>
+              <a:t>SD = 1.1</a:t>
+            </a:r>
+          </a:p>
+        </p:txBody>
+      </p:sp>
+      <p:sp>
+        <p:nvSpPr>
+          <p:cNvPr id="54" name="TextBox 53">
+            <a:extLst>
+              <a:ext uri="{FF2B5EF4-FFF2-40B4-BE49-F238E27FC236}">
+                <a16:creationId xmlns:a16="http://schemas.microsoft.com/office/drawing/2014/main" id="{73414921-1F21-4432-B55D-F52557A71192}"/>
+              </a:ext>
+            </a:extLst>
+          </p:cNvPr>
+          <p:cNvSpPr txBox="1"/>
+          <p:nvPr/>
+        </p:nvSpPr>
+        <p:spPr>
+          <a:xfrm rot="16200000">
+            <a:off x="195148" y="607778"/>
+            <a:ext cx="1375948" cy="461665"/>
+          </a:xfrm>
+          <a:prstGeom prst="rect">
+            <a:avLst/>
+          </a:prstGeom>
+          <a:noFill/>
+        </p:spPr>
+        <p:txBody>
+          <a:bodyPr wrap="square" rtlCol="0">
+            <a:spAutoFit/>
+          </a:bodyPr>
+          <a:lstStyle/>
+          <a:p>
+            <a:r>
+              <a:rPr lang="en-US" sz="2400" i="1" dirty="0"/>
+              <a:t>SD = 0.1</a:t>
+            </a:r>
+          </a:p>
+        </p:txBody>
+      </p:sp>
+      <p:cxnSp>
+        <p:nvCxnSpPr>
+          <p:cNvPr id="55" name="Straight Connector 54">
+            <a:extLst>
+              <a:ext uri="{FF2B5EF4-FFF2-40B4-BE49-F238E27FC236}">
+                <a16:creationId xmlns:a16="http://schemas.microsoft.com/office/drawing/2014/main" id="{4B2DA128-8902-4CAA-873F-556D1FA1DEF6}"/>
+              </a:ext>
+            </a:extLst>
+          </p:cNvPr>
+          <p:cNvCxnSpPr>
+            <a:cxnSpLocks/>
+          </p:cNvCxnSpPr>
+          <p:nvPr/>
+        </p:nvCxnSpPr>
+        <p:spPr>
+          <a:xfrm>
+            <a:off x="802696" y="-2012524"/>
+            <a:ext cx="5394960" cy="0"/>
+          </a:xfrm>
+          <a:prstGeom prst="line">
+            <a:avLst/>
+          </a:prstGeom>
+          <a:ln w="28575">
+            <a:solidFill>
+              <a:schemeClr val="bg1"/>
+            </a:solidFill>
+          </a:ln>
+        </p:spPr>
+        <p:style>
+          <a:lnRef idx="1">
+            <a:schemeClr val="dk1"/>
+          </a:lnRef>
+          <a:fillRef idx="0">
+            <a:schemeClr val="dk1"/>
+          </a:fillRef>
+          <a:effectRef idx="0">
+            <a:schemeClr val="dk1"/>
+          </a:effectRef>
+          <a:fontRef idx="minor">
+            <a:schemeClr val="tx1"/>
+          </a:fontRef>
+        </p:style>
+      </p:cxnSp>
+      <p:cxnSp>
+        <p:nvCxnSpPr>
+          <p:cNvPr id="56" name="Straight Connector 55">
+            <a:extLst>
+              <a:ext uri="{FF2B5EF4-FFF2-40B4-BE49-F238E27FC236}">
+                <a16:creationId xmlns:a16="http://schemas.microsoft.com/office/drawing/2014/main" id="{4DB1ED83-D280-4C4D-91AA-53C981FBED1C}"/>
+              </a:ext>
+            </a:extLst>
+          </p:cNvPr>
+          <p:cNvCxnSpPr>
+            <a:cxnSpLocks/>
+          </p:cNvCxnSpPr>
+          <p:nvPr/>
+        </p:nvCxnSpPr>
+        <p:spPr>
+          <a:xfrm>
+            <a:off x="729066" y="425874"/>
+            <a:ext cx="5394960" cy="0"/>
+          </a:xfrm>
+          <a:prstGeom prst="line">
+            <a:avLst/>
+          </a:prstGeom>
+          <a:ln w="28575">
+            <a:solidFill>
+              <a:schemeClr val="bg1"/>
+            </a:solidFill>
+          </a:ln>
+        </p:spPr>
+        <p:style>
+          <a:lnRef idx="1">
+            <a:schemeClr val="dk1"/>
+          </a:lnRef>
+          <a:fillRef idx="0">
+            <a:schemeClr val="dk1"/>
+          </a:fillRef>
+          <a:effectRef idx="0">
+            <a:schemeClr val="dk1"/>
+          </a:effectRef>
+          <a:fontRef idx="minor">
+            <a:schemeClr val="tx1"/>
+          </a:fontRef>
+        </p:style>
+      </p:cxnSp>
+      <p:pic>
+        <p:nvPicPr>
+          <p:cNvPr id="57" name="Picture 56" descr="A close up of a logo&#10;&#10;Description automatically generated">
+            <a:extLst>
+              <a:ext uri="{FF2B5EF4-FFF2-40B4-BE49-F238E27FC236}">
+                <a16:creationId xmlns:a16="http://schemas.microsoft.com/office/drawing/2014/main" id="{9506BAD9-B9B6-4C77-9D4F-0A14DA68271F}"/>
+              </a:ext>
+            </a:extLst>
+          </p:cNvPr>
+          <p:cNvPicPr>
+            <a:picLocks noChangeAspect="1"/>
+          </p:cNvPicPr>
+          <p:nvPr/>
+        </p:nvPicPr>
+        <p:blipFill rotWithShape="1">
+          <a:blip r:embed="rId6">
+            <a:extLst>
+              <a:ext uri="{28A0092B-C50C-407E-A947-70E740481C1C}">
+                <a14:useLocalDpi xmlns:a14="http://schemas.microsoft.com/office/drawing/2010/main" val="0"/>
+              </a:ext>
+            </a:extLst>
+          </a:blip>
+          <a:srcRect l="12111" t="1003" r="30632" b="-109"/>
+          <a:stretch/>
+        </p:blipFill>
+        <p:spPr>
+          <a:xfrm>
+            <a:off x="3730794" y="-4471508"/>
+            <a:ext cx="2354839" cy="6222944"/>
+          </a:xfrm>
+          <a:prstGeom prst="rect">
+            <a:avLst/>
+          </a:prstGeom>
+        </p:spPr>
+      </p:pic>
+      <p:pic>
+        <p:nvPicPr>
+          <p:cNvPr id="58" name="Picture 57" descr="A screenshot of a cell phone&#10;&#10;Description automatically generated">
+            <a:extLst>
+              <a:ext uri="{FF2B5EF4-FFF2-40B4-BE49-F238E27FC236}">
+                <a16:creationId xmlns:a16="http://schemas.microsoft.com/office/drawing/2014/main" id="{B2AC8455-2284-44AA-A50A-791A8A381519}"/>
+              </a:ext>
+            </a:extLst>
+          </p:cNvPr>
+          <p:cNvPicPr>
+            <a:picLocks noChangeAspect="1"/>
+          </p:cNvPicPr>
+          <p:nvPr/>
+        </p:nvPicPr>
+        <p:blipFill rotWithShape="1">
+          <a:blip r:embed="rId7">
+            <a:extLst>
+              <a:ext uri="{28A0092B-C50C-407E-A947-70E740481C1C}">
+                <a14:useLocalDpi xmlns:a14="http://schemas.microsoft.com/office/drawing/2010/main" val="0"/>
+              </a:ext>
+            </a:extLst>
+          </a:blip>
+          <a:srcRect l="11487" t="448" r="34299" b="448"/>
+          <a:stretch/>
+        </p:blipFill>
+        <p:spPr>
+          <a:xfrm>
+            <a:off x="1359978" y="-4471508"/>
+            <a:ext cx="2289814" cy="6205644"/>
+          </a:xfrm>
+          <a:prstGeom prst="rect">
+            <a:avLst/>
+          </a:prstGeom>
+        </p:spPr>
+      </p:pic>
+      <p:cxnSp>
+        <p:nvCxnSpPr>
+          <p:cNvPr id="59" name="Straight Connector 58">
+            <a:extLst>
+              <a:ext uri="{FF2B5EF4-FFF2-40B4-BE49-F238E27FC236}">
+                <a16:creationId xmlns:a16="http://schemas.microsoft.com/office/drawing/2014/main" id="{71504BDE-DD04-42BB-816D-AB254520B5CE}"/>
+              </a:ext>
+            </a:extLst>
+          </p:cNvPr>
+          <p:cNvCxnSpPr>
+            <a:cxnSpLocks/>
+          </p:cNvCxnSpPr>
+          <p:nvPr/>
+        </p:nvCxnSpPr>
+        <p:spPr>
+          <a:xfrm>
+            <a:off x="643011" y="832622"/>
+            <a:ext cx="5394960" cy="0"/>
+          </a:xfrm>
+          <a:prstGeom prst="line">
+            <a:avLst/>
+          </a:prstGeom>
+          <a:ln w="28575">
+            <a:solidFill>
+              <a:schemeClr val="bg1"/>
+            </a:solidFill>
+          </a:ln>
+        </p:spPr>
+        <p:style>
+          <a:lnRef idx="1">
+            <a:schemeClr val="dk1"/>
+          </a:lnRef>
+          <a:fillRef idx="0">
+            <a:schemeClr val="dk1"/>
+          </a:fillRef>
+          <a:effectRef idx="0">
+            <a:schemeClr val="dk1"/>
+          </a:effectRef>
+          <a:fontRef idx="minor">
+            <a:schemeClr val="tx1"/>
+          </a:fontRef>
+        </p:style>
+      </p:cxnSp>
+      <p:sp>
+        <p:nvSpPr>
+          <p:cNvPr id="61" name="TextBox 60">
+            <a:extLst>
+              <a:ext uri="{FF2B5EF4-FFF2-40B4-BE49-F238E27FC236}">
+                <a16:creationId xmlns:a16="http://schemas.microsoft.com/office/drawing/2014/main" id="{0C53B937-2AB9-49C1-A1BE-82C31ECBE918}"/>
+              </a:ext>
+            </a:extLst>
+          </p:cNvPr>
+          <p:cNvSpPr txBox="1"/>
+          <p:nvPr/>
+        </p:nvSpPr>
+        <p:spPr>
+          <a:xfrm>
+            <a:off x="900626" y="1793243"/>
+            <a:ext cx="568590" cy="523220"/>
+          </a:xfrm>
+          <a:prstGeom prst="rect">
+            <a:avLst/>
+          </a:prstGeom>
+          <a:noFill/>
+        </p:spPr>
+        <p:txBody>
+          <a:bodyPr wrap="square" rtlCol="0">
+            <a:spAutoFit/>
+          </a:bodyPr>
+          <a:lstStyle>
+            <a:defPPr>
+              <a:defRPr lang="en-US"/>
+            </a:defPPr>
+            <a:lvl1pPr>
+              <a:defRPr sz="2800" b="1"/>
+            </a:lvl1pPr>
+          </a:lstStyle>
+          <a:p>
+            <a:r>
+              <a:rPr lang="en-US" dirty="0"/>
+              <a:t>B</a:t>
+            </a:r>
+          </a:p>
+        </p:txBody>
+      </p:sp>
+      <p:sp>
+        <p:nvSpPr>
+          <p:cNvPr id="62" name="TextBox 61">
+            <a:extLst>
+              <a:ext uri="{FF2B5EF4-FFF2-40B4-BE49-F238E27FC236}">
+                <a16:creationId xmlns:a16="http://schemas.microsoft.com/office/drawing/2014/main" id="{9C1C1A92-57F0-4FD9-ABB3-89A1B1619DCB}"/>
+              </a:ext>
+            </a:extLst>
+          </p:cNvPr>
+          <p:cNvSpPr txBox="1"/>
+          <p:nvPr/>
+        </p:nvSpPr>
+        <p:spPr>
+          <a:xfrm>
+            <a:off x="993944" y="-4993916"/>
+            <a:ext cx="568590" cy="523220"/>
+          </a:xfrm>
+          <a:prstGeom prst="rect">
+            <a:avLst/>
+          </a:prstGeom>
+          <a:noFill/>
+        </p:spPr>
+        <p:txBody>
+          <a:bodyPr wrap="square" rtlCol="0">
+            <a:spAutoFit/>
+          </a:bodyPr>
+          <a:lstStyle/>
+          <a:p>
+            <a:r>
+              <a:rPr lang="en-US" sz="2800" b="1" dirty="0"/>
+              <a:t>A</a:t>
+            </a:r>
+          </a:p>
+        </p:txBody>
+      </p:sp>
+      <p:sp>
+        <p:nvSpPr>
+          <p:cNvPr id="45" name="TextBox 44">
+            <a:extLst>
+              <a:ext uri="{FF2B5EF4-FFF2-40B4-BE49-F238E27FC236}">
+                <a16:creationId xmlns:a16="http://schemas.microsoft.com/office/drawing/2014/main" id="{5B097C8F-188D-49B0-B975-731EFCADB2CD}"/>
+              </a:ext>
+            </a:extLst>
+          </p:cNvPr>
+          <p:cNvSpPr txBox="1"/>
+          <p:nvPr/>
+        </p:nvSpPr>
+        <p:spPr>
+          <a:xfrm>
+            <a:off x="1872254" y="1593829"/>
+            <a:ext cx="1231314" cy="400110"/>
+          </a:xfrm>
+          <a:prstGeom prst="rect">
+            <a:avLst/>
+          </a:prstGeom>
+          <a:solidFill>
+            <a:schemeClr val="bg1"/>
+          </a:solidFill>
+        </p:spPr>
+        <p:txBody>
+          <a:bodyPr wrap="square" rtlCol="0">
+            <a:spAutoFit/>
+          </a:bodyPr>
+          <a:lstStyle/>
+          <a:p>
+            <a:r>
+              <a:rPr lang="en-US" sz="2000" dirty="0"/>
+              <a:t>Target ID</a:t>
+            </a:r>
+          </a:p>
+        </p:txBody>
+      </p:sp>
+      <p:sp>
+        <p:nvSpPr>
+          <p:cNvPr id="46" name="TextBox 45">
+            <a:extLst>
+              <a:ext uri="{FF2B5EF4-FFF2-40B4-BE49-F238E27FC236}">
+                <a16:creationId xmlns:a16="http://schemas.microsoft.com/office/drawing/2014/main" id="{EB65CB1A-CCBC-4A58-88D3-2C8E1DC6E33C}"/>
+              </a:ext>
+            </a:extLst>
+          </p:cNvPr>
+          <p:cNvSpPr txBox="1"/>
+          <p:nvPr/>
+        </p:nvSpPr>
+        <p:spPr>
+          <a:xfrm>
+            <a:off x="4316251" y="1593829"/>
+            <a:ext cx="1231314" cy="400110"/>
+          </a:xfrm>
+          <a:prstGeom prst="rect">
+            <a:avLst/>
+          </a:prstGeom>
+          <a:solidFill>
+            <a:schemeClr val="bg1"/>
+          </a:solidFill>
+        </p:spPr>
+        <p:txBody>
+          <a:bodyPr wrap="square" rtlCol="0">
+            <a:spAutoFit/>
+          </a:bodyPr>
+          <a:lstStyle/>
+          <a:p>
+            <a:r>
+              <a:rPr lang="en-US" sz="2000" dirty="0"/>
+              <a:t>Target ID</a:t>
+            </a:r>
+          </a:p>
+        </p:txBody>
+      </p:sp>
+      <p:sp>
+        <p:nvSpPr>
+          <p:cNvPr id="63" name="TextBox 62">
+            <a:extLst>
+              <a:ext uri="{FF2B5EF4-FFF2-40B4-BE49-F238E27FC236}">
+                <a16:creationId xmlns:a16="http://schemas.microsoft.com/office/drawing/2014/main" id="{A93DEDC6-6DC5-44EA-A12D-9441CE5D163D}"/>
+              </a:ext>
+            </a:extLst>
+          </p:cNvPr>
+          <p:cNvSpPr txBox="1"/>
+          <p:nvPr/>
+        </p:nvSpPr>
+        <p:spPr>
+          <a:xfrm>
+            <a:off x="1872254" y="7560347"/>
+            <a:ext cx="1231314" cy="400110"/>
+          </a:xfrm>
+          <a:prstGeom prst="rect">
+            <a:avLst/>
+          </a:prstGeom>
+          <a:solidFill>
+            <a:schemeClr val="bg1"/>
+          </a:solidFill>
+        </p:spPr>
+        <p:txBody>
+          <a:bodyPr wrap="square" rtlCol="0">
+            <a:spAutoFit/>
+          </a:bodyPr>
+          <a:lstStyle/>
+          <a:p>
+            <a:r>
+              <a:rPr lang="en-US" sz="2000" dirty="0"/>
+              <a:t>Target ID</a:t>
+            </a:r>
+          </a:p>
+        </p:txBody>
+      </p:sp>
+      <p:sp>
+        <p:nvSpPr>
+          <p:cNvPr id="64" name="TextBox 63">
+            <a:extLst>
+              <a:ext uri="{FF2B5EF4-FFF2-40B4-BE49-F238E27FC236}">
+                <a16:creationId xmlns:a16="http://schemas.microsoft.com/office/drawing/2014/main" id="{1FABE4CF-BC81-4D4F-B33F-052005AEC6A2}"/>
+              </a:ext>
+            </a:extLst>
+          </p:cNvPr>
+          <p:cNvSpPr txBox="1"/>
+          <p:nvPr/>
+        </p:nvSpPr>
+        <p:spPr>
+          <a:xfrm>
+            <a:off x="4316251" y="7572539"/>
+            <a:ext cx="1231314" cy="400110"/>
+          </a:xfrm>
+          <a:prstGeom prst="rect">
+            <a:avLst/>
+          </a:prstGeom>
+          <a:solidFill>
+            <a:schemeClr val="bg1"/>
+          </a:solidFill>
+        </p:spPr>
+        <p:txBody>
+          <a:bodyPr wrap="square" rtlCol="0">
+            <a:spAutoFit/>
+          </a:bodyPr>
+          <a:lstStyle/>
+          <a:p>
+            <a:r>
+              <a:rPr lang="en-US" sz="2000" dirty="0"/>
+              <a:t>Target ID</a:t>
+            </a:r>
+          </a:p>
+        </p:txBody>
+      </p:sp>
+      <p:sp>
+        <p:nvSpPr>
+          <p:cNvPr id="65" name="TextBox 64">
+            <a:extLst>
+              <a:ext uri="{FF2B5EF4-FFF2-40B4-BE49-F238E27FC236}">
+                <a16:creationId xmlns:a16="http://schemas.microsoft.com/office/drawing/2014/main" id="{E6DBA21B-5E90-42AF-9115-9D63E39C3114}"/>
+              </a:ext>
+            </a:extLst>
+          </p:cNvPr>
+          <p:cNvSpPr txBox="1"/>
+          <p:nvPr/>
+        </p:nvSpPr>
+        <p:spPr>
+          <a:xfrm>
+            <a:off x="673603" y="5589449"/>
+            <a:ext cx="731520" cy="369332"/>
+          </a:xfrm>
+          <a:prstGeom prst="rect">
+            <a:avLst/>
+          </a:prstGeom>
+          <a:noFill/>
+        </p:spPr>
+        <p:txBody>
+          <a:bodyPr wrap="square" rtlCol="0">
+            <a:spAutoFit/>
+          </a:bodyPr>
+          <a:lstStyle/>
+          <a:p>
+            <a:r>
+              <a:rPr lang="en-US" i="1" dirty="0"/>
+              <a:t>2.06</a:t>
+            </a:r>
+          </a:p>
+        </p:txBody>
+      </p:sp>
+      <p:sp>
+        <p:nvSpPr>
+          <p:cNvPr id="66" name="TextBox 65">
+            <a:extLst>
+              <a:ext uri="{FF2B5EF4-FFF2-40B4-BE49-F238E27FC236}">
+                <a16:creationId xmlns:a16="http://schemas.microsoft.com/office/drawing/2014/main" id="{C3EE04C9-D6A0-4206-96CE-F657212AC3FB}"/>
+              </a:ext>
+            </a:extLst>
+          </p:cNvPr>
+          <p:cNvSpPr txBox="1"/>
+          <p:nvPr/>
+        </p:nvSpPr>
+        <p:spPr>
+          <a:xfrm>
+            <a:off x="2213959" y="8270076"/>
+            <a:ext cx="459178" cy="461665"/>
+          </a:xfrm>
+          <a:prstGeom prst="rect">
+            <a:avLst/>
+          </a:prstGeom>
+          <a:noFill/>
+        </p:spPr>
+        <p:txBody>
+          <a:bodyPr wrap="square" rtlCol="0">
+            <a:spAutoFit/>
+          </a:bodyPr>
+          <a:lstStyle/>
+          <a:p>
+            <a:r>
+              <a:rPr lang="en-US" sz="2400" dirty="0"/>
+              <a:t>1</a:t>
+            </a:r>
+          </a:p>
+        </p:txBody>
+      </p:sp>
+      <p:sp>
+        <p:nvSpPr>
+          <p:cNvPr id="67" name="TextBox 66">
+            <a:extLst>
+              <a:ext uri="{FF2B5EF4-FFF2-40B4-BE49-F238E27FC236}">
+                <a16:creationId xmlns:a16="http://schemas.microsoft.com/office/drawing/2014/main" id="{AA4A4135-AFBA-4B72-B4F5-852173D96C5E}"/>
+              </a:ext>
+            </a:extLst>
+          </p:cNvPr>
+          <p:cNvSpPr txBox="1"/>
+          <p:nvPr/>
+        </p:nvSpPr>
+        <p:spPr>
+          <a:xfrm>
+            <a:off x="4719740" y="8270076"/>
+            <a:ext cx="459178" cy="461665"/>
+          </a:xfrm>
+          <a:prstGeom prst="rect">
+            <a:avLst/>
+          </a:prstGeom>
+          <a:noFill/>
+        </p:spPr>
+        <p:txBody>
+          <a:bodyPr wrap="square" rtlCol="0">
+            <a:spAutoFit/>
+          </a:bodyPr>
+          <a:lstStyle/>
+          <a:p>
+            <a:r>
+              <a:rPr lang="en-US" sz="2400" dirty="0"/>
+              <a:t>4</a:t>
+            </a:r>
+          </a:p>
+        </p:txBody>
+      </p:sp>
+      <p:sp>
+        <p:nvSpPr>
+          <p:cNvPr id="68" name="TextBox 67">
+            <a:extLst>
+              <a:ext uri="{FF2B5EF4-FFF2-40B4-BE49-F238E27FC236}">
+                <a16:creationId xmlns:a16="http://schemas.microsoft.com/office/drawing/2014/main" id="{7A343937-3A38-47F3-BFC6-65C8A4C9337E}"/>
+              </a:ext>
+            </a:extLst>
+          </p:cNvPr>
+          <p:cNvSpPr txBox="1"/>
+          <p:nvPr/>
+        </p:nvSpPr>
+        <p:spPr>
+          <a:xfrm>
+            <a:off x="3049219" y="8270076"/>
+            <a:ext cx="459178" cy="461665"/>
+          </a:xfrm>
+          <a:prstGeom prst="rect">
+            <a:avLst/>
+          </a:prstGeom>
+          <a:noFill/>
+        </p:spPr>
+        <p:txBody>
+          <a:bodyPr wrap="square" rtlCol="0">
+            <a:spAutoFit/>
+          </a:bodyPr>
+          <a:lstStyle/>
+          <a:p>
+            <a:r>
+              <a:rPr lang="en-US" sz="2400" dirty="0"/>
+              <a:t>2</a:t>
+            </a:r>
+          </a:p>
+        </p:txBody>
+      </p:sp>
+      <p:sp>
+        <p:nvSpPr>
+          <p:cNvPr id="69" name="TextBox 68">
+            <a:extLst>
+              <a:ext uri="{FF2B5EF4-FFF2-40B4-BE49-F238E27FC236}">
+                <a16:creationId xmlns:a16="http://schemas.microsoft.com/office/drawing/2014/main" id="{52AC55AD-B6EF-4196-9DE3-FE675F774FF4}"/>
+              </a:ext>
+            </a:extLst>
+          </p:cNvPr>
+          <p:cNvSpPr txBox="1"/>
+          <p:nvPr/>
+        </p:nvSpPr>
+        <p:spPr>
+          <a:xfrm>
+            <a:off x="3884479" y="8270076"/>
+            <a:ext cx="459178" cy="461665"/>
+          </a:xfrm>
+          <a:prstGeom prst="rect">
+            <a:avLst/>
+          </a:prstGeom>
+          <a:noFill/>
+        </p:spPr>
+        <p:txBody>
+          <a:bodyPr wrap="square" rtlCol="0">
+            <a:spAutoFit/>
+          </a:bodyPr>
+          <a:lstStyle/>
+          <a:p>
+            <a:r>
+              <a:rPr lang="en-US" sz="2400" dirty="0"/>
+              <a:t>3</a:t>
+            </a:r>
+          </a:p>
+        </p:txBody>
+      </p:sp>
+    </p:spTree>
+    <p:extLst>
+      <p:ext uri="{BB962C8B-B14F-4D97-AF65-F5344CB8AC3E}">
+        <p14:creationId xmlns:p14="http://schemas.microsoft.com/office/powerpoint/2010/main" val="634596290"/>
       </p:ext>
     </p:extLst>
   </p:cSld>
@@ -10302,6 +14340,66 @@
 </p:sld>
 </file>
 
+<file path=ppt/slides/slide20.xml><?xml version="1.0" encoding="utf-8"?>
+<p:sld xmlns:a="http://schemas.openxmlformats.org/drawingml/2006/main" xmlns:r="http://schemas.openxmlformats.org/officeDocument/2006/relationships" xmlns:p="http://schemas.openxmlformats.org/presentationml/2006/main">
+  <p:cSld>
+    <p:spTree>
+      <p:nvGrpSpPr>
+        <p:cNvPr id="1" name=""/>
+        <p:cNvGrpSpPr/>
+        <p:nvPr/>
+      </p:nvGrpSpPr>
+      <p:grpSpPr>
+        <a:xfrm>
+          <a:off x="0" y="0"/>
+          <a:ext cx="0" cy="0"/>
+          <a:chOff x="0" y="0"/>
+          <a:chExt cx="0" cy="0"/>
+        </a:xfrm>
+      </p:grpSpPr>
+      <p:pic>
+        <p:nvPicPr>
+          <p:cNvPr id="4" name="Picture 3">
+            <a:extLst>
+              <a:ext uri="{FF2B5EF4-FFF2-40B4-BE49-F238E27FC236}">
+                <a16:creationId xmlns:a16="http://schemas.microsoft.com/office/drawing/2014/main" id="{FEE3A8BF-DC9E-44A0-9EC9-14B5268E0CE1}"/>
+              </a:ext>
+            </a:extLst>
+          </p:cNvPr>
+          <p:cNvPicPr>
+            <a:picLocks noChangeAspect="1"/>
+          </p:cNvPicPr>
+          <p:nvPr/>
+        </p:nvPicPr>
+        <p:blipFill>
+          <a:blip r:embed="rId2"/>
+          <a:stretch>
+            <a:fillRect/>
+          </a:stretch>
+        </p:blipFill>
+        <p:spPr>
+          <a:xfrm>
+            <a:off x="4772073" y="0"/>
+            <a:ext cx="2647854" cy="6858000"/>
+          </a:xfrm>
+          <a:prstGeom prst="rect">
+            <a:avLst/>
+          </a:prstGeom>
+        </p:spPr>
+      </p:pic>
+    </p:spTree>
+    <p:extLst>
+      <p:ext uri="{BB962C8B-B14F-4D97-AF65-F5344CB8AC3E}">
+        <p14:creationId xmlns:p14="http://schemas.microsoft.com/office/powerpoint/2010/main" val="3359495694"/>
+      </p:ext>
+    </p:extLst>
+  </p:cSld>
+  <p:clrMapOvr>
+    <a:masterClrMapping/>
+  </p:clrMapOvr>
+</p:sld>
+</file>
+
 <file path=ppt/slides/slide3.xml><?xml version="1.0" encoding="utf-8"?>
 <p:sld xmlns:a="http://schemas.openxmlformats.org/drawingml/2006/main" xmlns:r="http://schemas.openxmlformats.org/officeDocument/2006/relationships" xmlns:p="http://schemas.openxmlformats.org/presentationml/2006/main">
   <p:cSld>
@@ -12599,7 +16697,7 @@
         </p:nvSpPr>
         <p:spPr>
           <a:xfrm>
-            <a:off x="2606218" y="82518"/>
+            <a:off x="2740330" y="765270"/>
             <a:ext cx="2980009" cy="584775"/>
           </a:xfrm>
           <a:prstGeom prst="rect">
@@ -12637,7 +16735,7 @@
         </p:nvSpPr>
         <p:spPr>
           <a:xfrm>
-            <a:off x="2154340" y="3090710"/>
+            <a:off x="2288452" y="3773462"/>
             <a:ext cx="1402837" cy="1406097"/>
           </a:xfrm>
           <a:prstGeom prst="rect">
@@ -12691,7 +16789,7 @@
         </p:nvSpPr>
         <p:spPr>
           <a:xfrm>
-            <a:off x="2175426" y="3507947"/>
+            <a:off x="2309538" y="4190699"/>
             <a:ext cx="274320" cy="274320"/>
           </a:xfrm>
           <a:prstGeom prst="rect">
@@ -12743,7 +16841,7 @@
         </p:nvSpPr>
         <p:spPr>
           <a:xfrm>
-            <a:off x="2855758" y="3294694"/>
+            <a:off x="2989870" y="3977446"/>
             <a:ext cx="274320" cy="274320"/>
           </a:xfrm>
           <a:prstGeom prst="rect">
@@ -12795,7 +16893,7 @@
         </p:nvSpPr>
         <p:spPr>
           <a:xfrm>
-            <a:off x="2529473" y="4015707"/>
+            <a:off x="2663585" y="4698459"/>
             <a:ext cx="274320" cy="274320"/>
           </a:xfrm>
           <a:prstGeom prst="rect">
@@ -12833,8 +16931,8 @@
           </a:p>
         </p:txBody>
       </p:sp>
-      <mc:AlternateContent xmlns:mc="http://schemas.openxmlformats.org/markup-compatibility/2006" xmlns:a14="http://schemas.microsoft.com/office/drawing/2010/main">
-        <mc:Choice Requires="a14">
+      <mc:AlternateContent xmlns:mc="http://schemas.openxmlformats.org/markup-compatibility/2006">
+        <mc:Choice xmlns:a14="http://schemas.microsoft.com/office/drawing/2010/main" Requires="a14">
           <p:sp>
             <p:nvSpPr>
               <p:cNvPr id="72" name="Rectangle 71">
@@ -12849,7 +16947,7 @@
             </p:nvSpPr>
             <p:spPr>
               <a:xfrm>
-                <a:off x="2218678" y="4032035"/>
+                <a:off x="2352790" y="4714787"/>
                 <a:ext cx="274320" cy="215004"/>
               </a:xfrm>
               <a:prstGeom prst="rect">
@@ -12935,7 +17033,7 @@
             </p:txBody>
           </p:sp>
         </mc:Choice>
-        <mc:Fallback xmlns="">
+        <mc:Fallback>
           <p:sp>
             <p:nvSpPr>
               <p:cNvPr id="72" name="Rectangle 71">
@@ -12952,7 +17050,7 @@
             </p:nvSpPr>
             <p:spPr>
               <a:xfrm>
-                <a:off x="2218678" y="4032035"/>
+                <a:off x="2352790" y="4714787"/>
                 <a:ext cx="274320" cy="215004"/>
               </a:xfrm>
               <a:prstGeom prst="rect">
@@ -12983,8 +17081,8 @@
           </p:sp>
         </mc:Fallback>
       </mc:AlternateContent>
-      <mc:AlternateContent xmlns:mc="http://schemas.openxmlformats.org/markup-compatibility/2006" xmlns:a14="http://schemas.microsoft.com/office/drawing/2010/main">
-        <mc:Choice Requires="a14">
+      <mc:AlternateContent xmlns:mc="http://schemas.openxmlformats.org/markup-compatibility/2006">
+        <mc:Choice xmlns:a14="http://schemas.microsoft.com/office/drawing/2010/main" Requires="a14">
           <p:sp>
             <p:nvSpPr>
               <p:cNvPr id="73" name="Rectangle 72">
@@ -12999,7 +17097,7 @@
             </p:nvSpPr>
             <p:spPr>
               <a:xfrm>
-                <a:off x="2984762" y="4182525"/>
+                <a:off x="3118874" y="4865277"/>
                 <a:ext cx="274320" cy="215004"/>
               </a:xfrm>
               <a:prstGeom prst="rect">
@@ -13085,7 +17183,7 @@
             </p:txBody>
           </p:sp>
         </mc:Choice>
-        <mc:Fallback xmlns="">
+        <mc:Fallback>
           <p:sp>
             <p:nvSpPr>
               <p:cNvPr id="73" name="Rectangle 72">
@@ -13102,7 +17200,7 @@
             </p:nvSpPr>
             <p:spPr>
               <a:xfrm>
-                <a:off x="2984762" y="4182525"/>
+                <a:off x="3118874" y="4865277"/>
                 <a:ext cx="274320" cy="215004"/>
               </a:xfrm>
               <a:prstGeom prst="rect">
@@ -13133,8 +17231,8 @@
           </p:sp>
         </mc:Fallback>
       </mc:AlternateContent>
-      <mc:AlternateContent xmlns:mc="http://schemas.openxmlformats.org/markup-compatibility/2006" xmlns:a14="http://schemas.microsoft.com/office/drawing/2010/main">
-        <mc:Choice Requires="a14">
+      <mc:AlternateContent xmlns:mc="http://schemas.openxmlformats.org/markup-compatibility/2006">
+        <mc:Choice xmlns:a14="http://schemas.microsoft.com/office/drawing/2010/main" Requires="a14">
           <p:sp>
             <p:nvSpPr>
               <p:cNvPr id="74" name="Rectangle 73">
@@ -13149,7 +17247,7 @@
             </p:nvSpPr>
             <p:spPr>
               <a:xfrm>
-                <a:off x="2529473" y="3140334"/>
+                <a:off x="2663585" y="3823086"/>
                 <a:ext cx="274320" cy="215004"/>
               </a:xfrm>
               <a:prstGeom prst="rect">
@@ -13235,7 +17333,7 @@
             </p:txBody>
           </p:sp>
         </mc:Choice>
-        <mc:Fallback xmlns="">
+        <mc:Fallback>
           <p:sp>
             <p:nvSpPr>
               <p:cNvPr id="74" name="Rectangle 73">
@@ -13252,7 +17350,7 @@
             </p:nvSpPr>
             <p:spPr>
               <a:xfrm>
-                <a:off x="2529473" y="3140334"/>
+                <a:off x="2663585" y="3823086"/>
                 <a:ext cx="274320" cy="215004"/>
               </a:xfrm>
               <a:prstGeom prst="rect">
@@ -13297,7 +17395,7 @@
         </p:nvSpPr>
         <p:spPr>
           <a:xfrm>
-            <a:off x="2119838" y="998079"/>
+            <a:off x="2253950" y="1680831"/>
             <a:ext cx="1402837" cy="1406097"/>
           </a:xfrm>
           <a:prstGeom prst="rect">
@@ -13351,7 +17449,7 @@
         </p:nvSpPr>
         <p:spPr>
           <a:xfrm>
-            <a:off x="3236467" y="1951430"/>
+            <a:off x="3370579" y="2634182"/>
             <a:ext cx="274320" cy="274320"/>
           </a:xfrm>
           <a:prstGeom prst="rect">
@@ -13403,7 +17501,7 @@
         </p:nvSpPr>
         <p:spPr>
           <a:xfrm>
-            <a:off x="2813283" y="1479947"/>
+            <a:off x="2947395" y="2162699"/>
             <a:ext cx="274320" cy="274320"/>
           </a:xfrm>
           <a:prstGeom prst="rect">
@@ -13455,7 +17553,7 @@
         </p:nvSpPr>
         <p:spPr>
           <a:xfrm>
-            <a:off x="2494971" y="1960784"/>
+            <a:off x="2629083" y="2643536"/>
             <a:ext cx="274320" cy="274320"/>
           </a:xfrm>
           <a:prstGeom prst="rect">
@@ -13493,8 +17591,8 @@
           </a:p>
         </p:txBody>
       </p:sp>
-      <mc:AlternateContent xmlns:mc="http://schemas.openxmlformats.org/markup-compatibility/2006" xmlns:a14="http://schemas.microsoft.com/office/drawing/2010/main">
-        <mc:Choice Requires="a14">
+      <mc:AlternateContent xmlns:mc="http://schemas.openxmlformats.org/markup-compatibility/2006">
+        <mc:Choice xmlns:a14="http://schemas.microsoft.com/office/drawing/2010/main" Requires="a14">
           <p:sp>
             <p:nvSpPr>
               <p:cNvPr id="85" name="Rectangle 84">
@@ -13509,7 +17607,7 @@
             </p:nvSpPr>
             <p:spPr>
               <a:xfrm>
-                <a:off x="2184176" y="1939404"/>
+                <a:off x="2318288" y="2622156"/>
                 <a:ext cx="274320" cy="215004"/>
               </a:xfrm>
               <a:prstGeom prst="rect">
@@ -13595,7 +17693,7 @@
             </p:txBody>
           </p:sp>
         </mc:Choice>
-        <mc:Fallback xmlns="">
+        <mc:Fallback>
           <p:sp>
             <p:nvSpPr>
               <p:cNvPr id="85" name="Rectangle 84">
@@ -13612,7 +17710,7 @@
             </p:nvSpPr>
             <p:spPr>
               <a:xfrm>
-                <a:off x="2184176" y="1939404"/>
+                <a:off x="2318288" y="2622156"/>
                 <a:ext cx="274320" cy="215004"/>
               </a:xfrm>
               <a:prstGeom prst="rect">
@@ -13643,8 +17741,8 @@
           </p:sp>
         </mc:Fallback>
       </mc:AlternateContent>
-      <mc:AlternateContent xmlns:mc="http://schemas.openxmlformats.org/markup-compatibility/2006" xmlns:a14="http://schemas.microsoft.com/office/drawing/2010/main">
-        <mc:Choice Requires="a14">
+      <mc:AlternateContent xmlns:mc="http://schemas.openxmlformats.org/markup-compatibility/2006">
+        <mc:Choice xmlns:a14="http://schemas.microsoft.com/office/drawing/2010/main" Requires="a14">
           <p:sp>
             <p:nvSpPr>
               <p:cNvPr id="86" name="Rectangle 85">
@@ -13659,7 +17757,7 @@
             </p:nvSpPr>
             <p:spPr>
               <a:xfrm>
-                <a:off x="2950260" y="2089894"/>
+                <a:off x="3084372" y="2772646"/>
                 <a:ext cx="274320" cy="215004"/>
               </a:xfrm>
               <a:prstGeom prst="rect">
@@ -13745,7 +17843,7 @@
             </p:txBody>
           </p:sp>
         </mc:Choice>
-        <mc:Fallback xmlns="">
+        <mc:Fallback>
           <p:sp>
             <p:nvSpPr>
               <p:cNvPr id="86" name="Rectangle 85">
@@ -13762,7 +17860,7 @@
             </p:nvSpPr>
             <p:spPr>
               <a:xfrm>
-                <a:off x="2950260" y="2089894"/>
+                <a:off x="3084372" y="2772646"/>
                 <a:ext cx="274320" cy="215004"/>
               </a:xfrm>
               <a:prstGeom prst="rect">
@@ -13793,8 +17891,8 @@
           </p:sp>
         </mc:Fallback>
       </mc:AlternateContent>
-      <mc:AlternateContent xmlns:mc="http://schemas.openxmlformats.org/markup-compatibility/2006" xmlns:a14="http://schemas.microsoft.com/office/drawing/2010/main">
-        <mc:Choice Requires="a14">
+      <mc:AlternateContent xmlns:mc="http://schemas.openxmlformats.org/markup-compatibility/2006">
+        <mc:Choice xmlns:a14="http://schemas.microsoft.com/office/drawing/2010/main" Requires="a14">
           <p:sp>
             <p:nvSpPr>
               <p:cNvPr id="87" name="Rectangle 86">
@@ -13809,7 +17907,7 @@
             </p:nvSpPr>
             <p:spPr>
               <a:xfrm>
-                <a:off x="2557968" y="1024462"/>
+                <a:off x="2692080" y="1707214"/>
                 <a:ext cx="274320" cy="215004"/>
               </a:xfrm>
               <a:prstGeom prst="rect">
@@ -13895,7 +17993,7 @@
             </p:txBody>
           </p:sp>
         </mc:Choice>
-        <mc:Fallback xmlns="">
+        <mc:Fallback>
           <p:sp>
             <p:nvSpPr>
               <p:cNvPr id="87" name="Rectangle 86">
@@ -13912,7 +18010,7 @@
             </p:nvSpPr>
             <p:spPr>
               <a:xfrm>
-                <a:off x="2557968" y="1024462"/>
+                <a:off x="2692080" y="1707214"/>
                 <a:ext cx="274320" cy="215004"/>
               </a:xfrm>
               <a:prstGeom prst="rect">
@@ -13943,8 +18041,8 @@
           </p:sp>
         </mc:Fallback>
       </mc:AlternateContent>
-      <mc:AlternateContent xmlns:mc="http://schemas.openxmlformats.org/markup-compatibility/2006" xmlns:a14="http://schemas.microsoft.com/office/drawing/2010/main">
-        <mc:Choice Requires="a14">
+      <mc:AlternateContent xmlns:mc="http://schemas.openxmlformats.org/markup-compatibility/2006">
+        <mc:Choice xmlns:a14="http://schemas.microsoft.com/office/drawing/2010/main" Requires="a14">
           <p:sp>
             <p:nvSpPr>
               <p:cNvPr id="88" name="Oval 87">
@@ -13961,7 +18059,7 @@
             </p:nvSpPr>
             <p:spPr>
               <a:xfrm>
-                <a:off x="2140937" y="1426807"/>
+                <a:off x="2275049" y="2109559"/>
                 <a:ext cx="294652" cy="294652"/>
               </a:xfrm>
               <a:prstGeom prst="ellipse">
@@ -14028,7 +18126,7 @@
             </p:txBody>
           </p:sp>
         </mc:Choice>
-        <mc:Fallback xmlns="">
+        <mc:Fallback>
           <p:sp>
             <p:nvSpPr>
               <p:cNvPr id="88" name="Oval 87">
@@ -14045,7 +18143,7 @@
             </p:nvSpPr>
             <p:spPr>
               <a:xfrm>
-                <a:off x="2140937" y="1426807"/>
+                <a:off x="2275049" y="2109559"/>
                 <a:ext cx="294652" cy="294652"/>
               </a:xfrm>
               <a:prstGeom prst="ellipse">
@@ -14076,8 +18174,8 @@
           </p:sp>
         </mc:Fallback>
       </mc:AlternateContent>
-      <mc:AlternateContent xmlns:mc="http://schemas.openxmlformats.org/markup-compatibility/2006" xmlns:a14="http://schemas.microsoft.com/office/drawing/2010/main">
-        <mc:Choice Requires="a14">
+      <mc:AlternateContent xmlns:mc="http://schemas.openxmlformats.org/markup-compatibility/2006">
+        <mc:Choice xmlns:a14="http://schemas.microsoft.com/office/drawing/2010/main" Requires="a14">
           <p:sp>
             <p:nvSpPr>
               <p:cNvPr id="89" name="Rectangle 88">
@@ -14092,7 +18190,7 @@
             </p:nvSpPr>
             <p:spPr>
               <a:xfrm>
-                <a:off x="3217028" y="1397627"/>
+                <a:off x="3351140" y="2080379"/>
                 <a:ext cx="274320" cy="215004"/>
               </a:xfrm>
               <a:prstGeom prst="rect">
@@ -14178,7 +18276,7 @@
             </p:txBody>
           </p:sp>
         </mc:Choice>
-        <mc:Fallback xmlns="">
+        <mc:Fallback>
           <p:sp>
             <p:nvSpPr>
               <p:cNvPr id="89" name="Rectangle 88">
@@ -14195,7 +18293,7 @@
             </p:nvSpPr>
             <p:spPr>
               <a:xfrm>
-                <a:off x="3217028" y="1397627"/>
+                <a:off x="3351140" y="2080379"/>
                 <a:ext cx="274320" cy="215004"/>
               </a:xfrm>
               <a:prstGeom prst="rect">
@@ -14226,8 +18324,8 @@
           </p:sp>
         </mc:Fallback>
       </mc:AlternateContent>
-      <mc:AlternateContent xmlns:mc="http://schemas.openxmlformats.org/markup-compatibility/2006" xmlns:a14="http://schemas.microsoft.com/office/drawing/2010/main">
-        <mc:Choice Requires="a14">
+      <mc:AlternateContent xmlns:mc="http://schemas.openxmlformats.org/markup-compatibility/2006">
+        <mc:Choice xmlns:a14="http://schemas.microsoft.com/office/drawing/2010/main" Requires="a14">
           <p:sp>
             <p:nvSpPr>
               <p:cNvPr id="90" name="Oval 89">
@@ -14244,7 +18342,7 @@
             </p:nvSpPr>
             <p:spPr>
               <a:xfrm>
-                <a:off x="3154496" y="3609148"/>
+                <a:off x="3288608" y="4291900"/>
                 <a:ext cx="294652" cy="294652"/>
               </a:xfrm>
               <a:prstGeom prst="ellipse">
@@ -14311,7 +18409,7 @@
             </p:txBody>
           </p:sp>
         </mc:Choice>
-        <mc:Fallback xmlns="">
+        <mc:Fallback>
           <p:sp>
             <p:nvSpPr>
               <p:cNvPr id="90" name="Oval 89">
@@ -14328,7 +18426,7 @@
             </p:nvSpPr>
             <p:spPr>
               <a:xfrm>
-                <a:off x="3154496" y="3609148"/>
+                <a:off x="3288608" y="4291900"/>
                 <a:ext cx="294652" cy="294652"/>
               </a:xfrm>
               <a:prstGeom prst="ellipse">
@@ -14373,7 +18471,7 @@
         </p:nvSpPr>
         <p:spPr>
           <a:xfrm>
-            <a:off x="2444392" y="1504618"/>
+            <a:off x="2578504" y="2187370"/>
             <a:ext cx="182880" cy="172186"/>
           </a:xfrm>
           <a:prstGeom prst="rightArrow">
@@ -14429,7 +18527,7 @@
         </p:nvSpPr>
         <p:spPr>
           <a:xfrm rot="5400000">
-            <a:off x="2531940" y="1646454"/>
+            <a:off x="2666052" y="2329206"/>
             <a:ext cx="182880" cy="172186"/>
           </a:xfrm>
           <a:prstGeom prst="rightArrow">
@@ -14485,7 +18583,7 @@
         </p:nvSpPr>
         <p:spPr>
           <a:xfrm>
-            <a:off x="2606218" y="1779567"/>
+            <a:off x="2740330" y="2462319"/>
             <a:ext cx="182880" cy="172186"/>
           </a:xfrm>
           <a:prstGeom prst="rightArrow">
@@ -14541,7 +18639,7 @@
         </p:nvSpPr>
         <p:spPr>
           <a:xfrm>
-            <a:off x="2824607" y="1790563"/>
+            <a:off x="2958719" y="2473315"/>
             <a:ext cx="182880" cy="172186"/>
           </a:xfrm>
           <a:prstGeom prst="rightArrow">
@@ -14597,7 +18695,7 @@
         </p:nvSpPr>
         <p:spPr>
           <a:xfrm>
-            <a:off x="3050847" y="1790564"/>
+            <a:off x="3184959" y="2473316"/>
             <a:ext cx="182880" cy="172186"/>
           </a:xfrm>
           <a:prstGeom prst="rightArrow">
@@ -14653,7 +18751,7 @@
         </p:nvSpPr>
         <p:spPr>
           <a:xfrm rot="16200000">
-            <a:off x="3192251" y="1668018"/>
+            <a:off x="3326363" y="2350770"/>
             <a:ext cx="182880" cy="172186"/>
           </a:xfrm>
           <a:prstGeom prst="rightArrow">
@@ -14695,8 +18793,8 @@
           </a:p>
         </p:txBody>
       </p:sp>
-      <mc:AlternateContent xmlns:mc="http://schemas.openxmlformats.org/markup-compatibility/2006" xmlns:a14="http://schemas.microsoft.com/office/drawing/2010/main">
-        <mc:Choice Requires="a14">
+      <mc:AlternateContent xmlns:mc="http://schemas.openxmlformats.org/markup-compatibility/2006">
+        <mc:Choice xmlns:a14="http://schemas.microsoft.com/office/drawing/2010/main" Requires="a14">
           <p:sp>
             <p:nvSpPr>
               <p:cNvPr id="97" name="Rectangle 96">
@@ -14711,7 +18809,7 @@
             </p:nvSpPr>
             <p:spPr>
               <a:xfrm>
-                <a:off x="968725" y="2577175"/>
+                <a:off x="1102837" y="3259927"/>
                 <a:ext cx="1662122" cy="830997"/>
               </a:xfrm>
               <a:prstGeom prst="rect">
@@ -14776,7 +18874,7 @@
             </p:txBody>
           </p:sp>
         </mc:Choice>
-        <mc:Fallback xmlns="">
+        <mc:Fallback>
           <p:sp>
             <p:nvSpPr>
               <p:cNvPr id="97" name="Rectangle 96">
@@ -14793,7 +18891,7 @@
             </p:nvSpPr>
             <p:spPr>
               <a:xfrm>
-                <a:off x="968725" y="2577175"/>
+                <a:off x="1102837" y="3259927"/>
                 <a:ext cx="1662122" cy="830997"/>
               </a:xfrm>
               <a:prstGeom prst="rect">
@@ -14835,7 +18933,7 @@
         </p:nvSpPr>
         <p:spPr>
           <a:xfrm>
-            <a:off x="4188259" y="3276103"/>
+            <a:off x="4322371" y="3958855"/>
             <a:ext cx="822960" cy="731520"/>
           </a:xfrm>
           <a:prstGeom prst="rect">
@@ -14915,7 +19013,7 @@
         </p:nvSpPr>
         <p:spPr>
           <a:xfrm>
-            <a:off x="4188259" y="1024462"/>
+            <a:off x="4322371" y="1707214"/>
             <a:ext cx="822960" cy="731520"/>
           </a:xfrm>
           <a:prstGeom prst="rect">
@@ -14985,7 +19083,7 @@
         </p:nvCxnSpPr>
         <p:spPr>
           <a:xfrm>
-            <a:off x="3749860" y="1385120"/>
+            <a:off x="3883972" y="2067872"/>
             <a:ext cx="365760" cy="0"/>
           </a:xfrm>
           <a:prstGeom prst="straightConnector1">
@@ -15026,7 +19124,7 @@
         </p:nvCxnSpPr>
         <p:spPr>
           <a:xfrm rot="5400000">
-            <a:off x="4358512" y="2027322"/>
+            <a:off x="4492624" y="2710074"/>
             <a:ext cx="365760" cy="0"/>
           </a:xfrm>
           <a:prstGeom prst="straightConnector1">
@@ -15051,8 +19149,8 @@
           </a:fontRef>
         </p:style>
       </p:cxnSp>
-      <mc:AlternateContent xmlns:mc="http://schemas.openxmlformats.org/markup-compatibility/2006" xmlns:a14="http://schemas.microsoft.com/office/drawing/2010/main">
-        <mc:Choice Requires="a14">
+      <mc:AlternateContent xmlns:mc="http://schemas.openxmlformats.org/markup-compatibility/2006">
+        <mc:Choice xmlns:a14="http://schemas.microsoft.com/office/drawing/2010/main" Requires="a14">
           <p:sp>
             <p:nvSpPr>
               <p:cNvPr id="116" name="Oval 115">
@@ -15067,7 +19165,7 @@
             </p:nvSpPr>
             <p:spPr>
               <a:xfrm>
-                <a:off x="4037245" y="2296941"/>
+                <a:off x="4171357" y="2979693"/>
                 <a:ext cx="1032732" cy="483181"/>
               </a:xfrm>
               <a:prstGeom prst="ellipse">
@@ -15182,7 +19280,7 @@
             </p:txBody>
           </p:sp>
         </mc:Choice>
-        <mc:Fallback xmlns="">
+        <mc:Fallback>
           <p:sp>
             <p:nvSpPr>
               <p:cNvPr id="116" name="Oval 115">
@@ -15199,7 +19297,7 @@
             </p:nvSpPr>
             <p:spPr>
               <a:xfrm>
-                <a:off x="4037245" y="2296941"/>
+                <a:off x="4171357" y="2979693"/>
                 <a:ext cx="1032732" cy="483181"/>
               </a:xfrm>
               <a:prstGeom prst="ellipse">
@@ -15246,7 +19344,7 @@
         </p:nvCxnSpPr>
         <p:spPr>
           <a:xfrm rot="5400000">
-            <a:off x="4358512" y="3035455"/>
+            <a:off x="4492624" y="3718207"/>
             <a:ext cx="365760" cy="0"/>
           </a:xfrm>
           <a:prstGeom prst="straightConnector1">
@@ -15285,7 +19383,7 @@
         </p:nvCxnSpPr>
         <p:spPr>
           <a:xfrm>
-            <a:off x="3749860" y="3585310"/>
+            <a:off x="3883972" y="4268062"/>
             <a:ext cx="365760" cy="0"/>
           </a:xfrm>
           <a:prstGeom prst="straightConnector1">
@@ -15310,8 +19408,8 @@
           </a:fontRef>
         </p:style>
       </p:cxnSp>
-      <mc:AlternateContent xmlns:mc="http://schemas.openxmlformats.org/markup-compatibility/2006" xmlns:a14="http://schemas.microsoft.com/office/drawing/2010/main">
-        <mc:Choice Requires="a14">
+      <mc:AlternateContent xmlns:mc="http://schemas.openxmlformats.org/markup-compatibility/2006">
+        <mc:Choice xmlns:a14="http://schemas.microsoft.com/office/drawing/2010/main" Requires="a14">
           <p:sp>
             <p:nvSpPr>
               <p:cNvPr id="119" name="Rectangle 118">
@@ -15326,7 +19424,7 @@
             </p:nvSpPr>
             <p:spPr>
               <a:xfrm>
-                <a:off x="5056346" y="1335149"/>
+                <a:off x="5190458" y="2017901"/>
                 <a:ext cx="612604" cy="507383"/>
               </a:xfrm>
               <a:prstGeom prst="rect">
@@ -15399,7 +19497,7 @@
             </p:txBody>
           </p:sp>
         </mc:Choice>
-        <mc:Fallback xmlns="">
+        <mc:Fallback>
           <p:sp>
             <p:nvSpPr>
               <p:cNvPr id="119" name="Rectangle 118">
@@ -15416,7 +19514,7 @@
             </p:nvSpPr>
             <p:spPr>
               <a:xfrm>
-                <a:off x="5056346" y="1335149"/>
+                <a:off x="5190458" y="2017901"/>
                 <a:ext cx="612604" cy="507383"/>
               </a:xfrm>
               <a:prstGeom prst="rect">
@@ -15458,7 +19556,7 @@
         </p:nvCxnSpPr>
         <p:spPr>
           <a:xfrm flipV="1">
-            <a:off x="5122261" y="3598732"/>
+            <a:off x="5256373" y="4281484"/>
             <a:ext cx="182880" cy="0"/>
           </a:xfrm>
           <a:prstGeom prst="line">
@@ -15500,7 +19598,7 @@
         </p:nvCxnSpPr>
         <p:spPr>
           <a:xfrm rot="16200000">
-            <a:off x="4883563" y="3206323"/>
+            <a:off x="5017675" y="3889075"/>
             <a:ext cx="822960" cy="0"/>
           </a:xfrm>
           <a:prstGeom prst="straightConnector1">
@@ -15539,7 +19637,7 @@
         </p:nvSpPr>
         <p:spPr>
           <a:xfrm>
-            <a:off x="7003311" y="82518"/>
+            <a:off x="7137423" y="765270"/>
             <a:ext cx="3809634" cy="584775"/>
           </a:xfrm>
           <a:prstGeom prst="rect">
@@ -15563,8 +19661,8 @@
           </a:p>
         </p:txBody>
       </p:sp>
-      <mc:AlternateContent xmlns:mc="http://schemas.openxmlformats.org/markup-compatibility/2006" xmlns:a14="http://schemas.microsoft.com/office/drawing/2010/main">
-        <mc:Choice Requires="a14">
+      <mc:AlternateContent xmlns:mc="http://schemas.openxmlformats.org/markup-compatibility/2006">
+        <mc:Choice xmlns:a14="http://schemas.microsoft.com/office/drawing/2010/main" Requires="a14">
           <p:sp>
             <p:nvSpPr>
               <p:cNvPr id="125" name="Rectangle 124">
@@ -15579,7 +19677,7 @@
             </p:nvSpPr>
             <p:spPr>
               <a:xfrm>
-                <a:off x="6083018" y="536062"/>
+                <a:off x="6107402" y="1218814"/>
                 <a:ext cx="1463734" cy="866006"/>
               </a:xfrm>
               <a:prstGeom prst="rect">
@@ -15623,10 +19721,16 @@
                         </m:e>
                         <m:sub>
                           <m:r>
-                            <a:rPr lang="en-US" sz="2400" b="1" i="1">
+                            <a:rPr lang="en-US" sz="2400" b="1" i="1" smtClean="0">
                               <a:latin typeface="Cambria Math" panose="02040503050406030204" pitchFamily="18" charset="0"/>
                             </a:rPr>
                             <m:t>𝒋</m:t>
+                          </m:r>
+                          <m:r>
+                            <a:rPr lang="en-US" sz="2400" b="1" i="1" smtClean="0">
+                              <a:latin typeface="Cambria Math" panose="02040503050406030204" pitchFamily="18" charset="0"/>
+                            </a:rPr>
+                            <m:t>+</m:t>
                           </m:r>
                         </m:sub>
                       </m:sSub>
@@ -15638,7 +19742,7 @@
             </p:txBody>
           </p:sp>
         </mc:Choice>
-        <mc:Fallback xmlns="">
+        <mc:Fallback>
           <p:sp>
             <p:nvSpPr>
               <p:cNvPr id="125" name="Rectangle 124">
@@ -15655,7 +19759,7 @@
             </p:nvSpPr>
             <p:spPr>
               <a:xfrm>
-                <a:off x="6083018" y="536062"/>
+                <a:off x="6107402" y="1218814"/>
                 <a:ext cx="1463734" cy="866006"/>
               </a:xfrm>
               <a:prstGeom prst="rect">
@@ -15697,7 +19801,7 @@
         </p:nvSpPr>
         <p:spPr>
           <a:xfrm>
-            <a:off x="7083391" y="3090710"/>
+            <a:off x="7217503" y="3773462"/>
             <a:ext cx="1402837" cy="1406097"/>
           </a:xfrm>
           <a:prstGeom prst="rect">
@@ -15737,8 +19841,8 @@
           </a:p>
         </p:txBody>
       </p:sp>
-      <mc:AlternateContent xmlns:mc="http://schemas.openxmlformats.org/markup-compatibility/2006" xmlns:a14="http://schemas.microsoft.com/office/drawing/2010/main">
-        <mc:Choice Requires="a14">
+      <mc:AlternateContent xmlns:mc="http://schemas.openxmlformats.org/markup-compatibility/2006">
+        <mc:Choice xmlns:a14="http://schemas.microsoft.com/office/drawing/2010/main" Requires="a14">
           <p:sp>
             <p:nvSpPr>
               <p:cNvPr id="130" name="Rectangle 129">
@@ -15753,7 +19857,7 @@
             </p:nvSpPr>
             <p:spPr>
               <a:xfrm>
-                <a:off x="7166946" y="4181358"/>
+                <a:off x="7301058" y="4864110"/>
                 <a:ext cx="274320" cy="215004"/>
               </a:xfrm>
               <a:prstGeom prst="rect">
@@ -15839,7 +19943,7 @@
             </p:txBody>
           </p:sp>
         </mc:Choice>
-        <mc:Fallback xmlns="">
+        <mc:Fallback>
           <p:sp>
             <p:nvSpPr>
               <p:cNvPr id="130" name="Rectangle 129">
@@ -15856,7 +19960,7 @@
             </p:nvSpPr>
             <p:spPr>
               <a:xfrm>
-                <a:off x="7166946" y="4181358"/>
+                <a:off x="7301058" y="4864110"/>
                 <a:ext cx="274320" cy="215004"/>
               </a:xfrm>
               <a:prstGeom prst="rect">
@@ -15887,8 +19991,8 @@
           </p:sp>
         </mc:Fallback>
       </mc:AlternateContent>
-      <mc:AlternateContent xmlns:mc="http://schemas.openxmlformats.org/markup-compatibility/2006" xmlns:a14="http://schemas.microsoft.com/office/drawing/2010/main">
-        <mc:Choice Requires="a14">
+      <mc:AlternateContent xmlns:mc="http://schemas.openxmlformats.org/markup-compatibility/2006">
+        <mc:Choice xmlns:a14="http://schemas.microsoft.com/office/drawing/2010/main" Requires="a14">
           <p:sp>
             <p:nvSpPr>
               <p:cNvPr id="131" name="Rectangle 130">
@@ -15903,7 +20007,7 @@
             </p:nvSpPr>
             <p:spPr>
               <a:xfrm>
-                <a:off x="8194162" y="4184588"/>
+                <a:off x="8328274" y="4867340"/>
                 <a:ext cx="274320" cy="215004"/>
               </a:xfrm>
               <a:prstGeom prst="rect">
@@ -15989,7 +20093,7 @@
             </p:txBody>
           </p:sp>
         </mc:Choice>
-        <mc:Fallback xmlns="">
+        <mc:Fallback>
           <p:sp>
             <p:nvSpPr>
               <p:cNvPr id="131" name="Rectangle 130">
@@ -16006,7 +20110,7 @@
             </p:nvSpPr>
             <p:spPr>
               <a:xfrm>
-                <a:off x="8194162" y="4184588"/>
+                <a:off x="8328274" y="4867340"/>
                 <a:ext cx="274320" cy="215004"/>
               </a:xfrm>
               <a:prstGeom prst="rect">
@@ -16037,8 +20141,8 @@
           </p:sp>
         </mc:Fallback>
       </mc:AlternateContent>
-      <mc:AlternateContent xmlns:mc="http://schemas.openxmlformats.org/markup-compatibility/2006" xmlns:a14="http://schemas.microsoft.com/office/drawing/2010/main">
-        <mc:Choice Requires="a14">
+      <mc:AlternateContent xmlns:mc="http://schemas.openxmlformats.org/markup-compatibility/2006">
+        <mc:Choice xmlns:a14="http://schemas.microsoft.com/office/drawing/2010/main" Requires="a14">
           <p:sp>
             <p:nvSpPr>
               <p:cNvPr id="132" name="Rectangle 131">
@@ -16053,7 +20157,7 @@
             </p:nvSpPr>
             <p:spPr>
               <a:xfrm>
-                <a:off x="7166946" y="3140334"/>
+                <a:off x="7301058" y="3823086"/>
                 <a:ext cx="274320" cy="215004"/>
               </a:xfrm>
               <a:prstGeom prst="rect">
@@ -16139,7 +20243,7 @@
             </p:txBody>
           </p:sp>
         </mc:Choice>
-        <mc:Fallback xmlns="">
+        <mc:Fallback>
           <p:sp>
             <p:nvSpPr>
               <p:cNvPr id="132" name="Rectangle 131">
@@ -16156,7 +20260,7 @@
             </p:nvSpPr>
             <p:spPr>
               <a:xfrm>
-                <a:off x="7166946" y="3140334"/>
+                <a:off x="7301058" y="3823086"/>
                 <a:ext cx="274320" cy="215004"/>
               </a:xfrm>
               <a:prstGeom prst="rect">
@@ -16201,7 +20305,7 @@
         </p:nvSpPr>
         <p:spPr>
           <a:xfrm>
-            <a:off x="7083391" y="1018410"/>
+            <a:off x="7217503" y="1701162"/>
             <a:ext cx="1402837" cy="1406097"/>
           </a:xfrm>
           <a:prstGeom prst="rect">
@@ -16255,7 +20359,7 @@
         </p:nvSpPr>
         <p:spPr>
           <a:xfrm>
-            <a:off x="8200020" y="1971761"/>
+            <a:off x="8334132" y="2654513"/>
             <a:ext cx="274320" cy="274320"/>
           </a:xfrm>
           <a:prstGeom prst="rect">
@@ -16307,7 +20411,7 @@
         </p:nvSpPr>
         <p:spPr>
           <a:xfrm>
-            <a:off x="7776836" y="1500278"/>
+            <a:off x="7910948" y="2183030"/>
             <a:ext cx="274320" cy="274320"/>
           </a:xfrm>
           <a:prstGeom prst="rect">
@@ -16359,7 +20463,7 @@
         </p:nvSpPr>
         <p:spPr>
           <a:xfrm>
-            <a:off x="7458524" y="1981115"/>
+            <a:off x="7592636" y="2663867"/>
             <a:ext cx="274320" cy="274320"/>
           </a:xfrm>
           <a:prstGeom prst="rect">
@@ -16397,8 +20501,8 @@
           </a:p>
         </p:txBody>
       </p:sp>
-      <mc:AlternateContent xmlns:mc="http://schemas.openxmlformats.org/markup-compatibility/2006" xmlns:a14="http://schemas.microsoft.com/office/drawing/2010/main">
-        <mc:Choice Requires="a14">
+      <mc:AlternateContent xmlns:mc="http://schemas.openxmlformats.org/markup-compatibility/2006">
+        <mc:Choice xmlns:a14="http://schemas.microsoft.com/office/drawing/2010/main" Requires="a14">
           <p:sp>
             <p:nvSpPr>
               <p:cNvPr id="137" name="Rectangle 136">
@@ -16413,7 +20517,7 @@
             </p:nvSpPr>
             <p:spPr>
               <a:xfrm>
-                <a:off x="7147729" y="1959735"/>
+                <a:off x="7281841" y="2642487"/>
                 <a:ext cx="274320" cy="215004"/>
               </a:xfrm>
               <a:prstGeom prst="rect">
@@ -16499,7 +20603,7 @@
             </p:txBody>
           </p:sp>
         </mc:Choice>
-        <mc:Fallback xmlns="">
+        <mc:Fallback>
           <p:sp>
             <p:nvSpPr>
               <p:cNvPr id="137" name="Rectangle 136">
@@ -16516,7 +20620,7 @@
             </p:nvSpPr>
             <p:spPr>
               <a:xfrm>
-                <a:off x="7147729" y="1959735"/>
+                <a:off x="7281841" y="2642487"/>
                 <a:ext cx="274320" cy="215004"/>
               </a:xfrm>
               <a:prstGeom prst="rect">
@@ -16547,8 +20651,8 @@
           </p:sp>
         </mc:Fallback>
       </mc:AlternateContent>
-      <mc:AlternateContent xmlns:mc="http://schemas.openxmlformats.org/markup-compatibility/2006" xmlns:a14="http://schemas.microsoft.com/office/drawing/2010/main">
-        <mc:Choice Requires="a14">
+      <mc:AlternateContent xmlns:mc="http://schemas.openxmlformats.org/markup-compatibility/2006">
+        <mc:Choice xmlns:a14="http://schemas.microsoft.com/office/drawing/2010/main" Requires="a14">
           <p:sp>
             <p:nvSpPr>
               <p:cNvPr id="138" name="Rectangle 137">
@@ -16563,7 +20667,7 @@
             </p:nvSpPr>
             <p:spPr>
               <a:xfrm>
-                <a:off x="7913813" y="2110225"/>
+                <a:off x="8047925" y="2792977"/>
                 <a:ext cx="274320" cy="215004"/>
               </a:xfrm>
               <a:prstGeom prst="rect">
@@ -16649,7 +20753,7 @@
             </p:txBody>
           </p:sp>
         </mc:Choice>
-        <mc:Fallback xmlns="">
+        <mc:Fallback>
           <p:sp>
             <p:nvSpPr>
               <p:cNvPr id="138" name="Rectangle 137">
@@ -16666,7 +20770,7 @@
             </p:nvSpPr>
             <p:spPr>
               <a:xfrm>
-                <a:off x="7913813" y="2110225"/>
+                <a:off x="8047925" y="2792977"/>
                 <a:ext cx="274320" cy="215004"/>
               </a:xfrm>
               <a:prstGeom prst="rect">
@@ -16697,8 +20801,8 @@
           </p:sp>
         </mc:Fallback>
       </mc:AlternateContent>
-      <mc:AlternateContent xmlns:mc="http://schemas.openxmlformats.org/markup-compatibility/2006" xmlns:a14="http://schemas.microsoft.com/office/drawing/2010/main">
-        <mc:Choice Requires="a14">
+      <mc:AlternateContent xmlns:mc="http://schemas.openxmlformats.org/markup-compatibility/2006">
+        <mc:Choice xmlns:a14="http://schemas.microsoft.com/office/drawing/2010/main" Requires="a14">
           <p:sp>
             <p:nvSpPr>
               <p:cNvPr id="139" name="Rectangle 138">
@@ -16713,7 +20817,7 @@
             </p:nvSpPr>
             <p:spPr>
               <a:xfrm>
-                <a:off x="7521521" y="1044793"/>
+                <a:off x="7655633" y="1727545"/>
                 <a:ext cx="274320" cy="215004"/>
               </a:xfrm>
               <a:prstGeom prst="rect">
@@ -16799,7 +20903,7 @@
             </p:txBody>
           </p:sp>
         </mc:Choice>
-        <mc:Fallback xmlns="">
+        <mc:Fallback>
           <p:sp>
             <p:nvSpPr>
               <p:cNvPr id="139" name="Rectangle 138">
@@ -16816,7 +20920,7 @@
             </p:nvSpPr>
             <p:spPr>
               <a:xfrm>
-                <a:off x="7521521" y="1044793"/>
+                <a:off x="7655633" y="1727545"/>
                 <a:ext cx="274320" cy="215004"/>
               </a:xfrm>
               <a:prstGeom prst="rect">
@@ -16847,8 +20951,8 @@
           </p:sp>
         </mc:Fallback>
       </mc:AlternateContent>
-      <mc:AlternateContent xmlns:mc="http://schemas.openxmlformats.org/markup-compatibility/2006" xmlns:a14="http://schemas.microsoft.com/office/drawing/2010/main">
-        <mc:Choice Requires="a14">
+      <mc:AlternateContent xmlns:mc="http://schemas.openxmlformats.org/markup-compatibility/2006">
+        <mc:Choice xmlns:a14="http://schemas.microsoft.com/office/drawing/2010/main" Requires="a14">
           <p:sp>
             <p:nvSpPr>
               <p:cNvPr id="140" name="Oval 139">
@@ -16865,7 +20969,7 @@
             </p:nvSpPr>
             <p:spPr>
               <a:xfrm>
-                <a:off x="7126006" y="1447138"/>
+                <a:off x="7260118" y="2129890"/>
                 <a:ext cx="294652" cy="294652"/>
               </a:xfrm>
               <a:prstGeom prst="ellipse">
@@ -16932,7 +21036,7 @@
             </p:txBody>
           </p:sp>
         </mc:Choice>
-        <mc:Fallback xmlns="">
+        <mc:Fallback>
           <p:sp>
             <p:nvSpPr>
               <p:cNvPr id="140" name="Oval 139">
@@ -16949,7 +21053,7 @@
             </p:nvSpPr>
             <p:spPr>
               <a:xfrm>
-                <a:off x="7126006" y="1447138"/>
+                <a:off x="7260118" y="2129890"/>
                 <a:ext cx="294652" cy="294652"/>
               </a:xfrm>
               <a:prstGeom prst="ellipse">
@@ -16980,8 +21084,8 @@
           </p:sp>
         </mc:Fallback>
       </mc:AlternateContent>
-      <mc:AlternateContent xmlns:mc="http://schemas.openxmlformats.org/markup-compatibility/2006" xmlns:a14="http://schemas.microsoft.com/office/drawing/2010/main">
-        <mc:Choice Requires="a14">
+      <mc:AlternateContent xmlns:mc="http://schemas.openxmlformats.org/markup-compatibility/2006">
+        <mc:Choice xmlns:a14="http://schemas.microsoft.com/office/drawing/2010/main" Requires="a14">
           <p:sp>
             <p:nvSpPr>
               <p:cNvPr id="141" name="Rectangle 140">
@@ -16996,7 +21100,7 @@
             </p:nvSpPr>
             <p:spPr>
               <a:xfrm>
-                <a:off x="8180581" y="1417958"/>
+                <a:off x="8314693" y="2100710"/>
                 <a:ext cx="274320" cy="215004"/>
               </a:xfrm>
               <a:prstGeom prst="rect">
@@ -17082,7 +21186,7 @@
             </p:txBody>
           </p:sp>
         </mc:Choice>
-        <mc:Fallback xmlns="">
+        <mc:Fallback>
           <p:sp>
             <p:nvSpPr>
               <p:cNvPr id="141" name="Rectangle 140">
@@ -17099,7 +21203,7 @@
             </p:nvSpPr>
             <p:spPr>
               <a:xfrm>
-                <a:off x="8180581" y="1417958"/>
+                <a:off x="8314693" y="2100710"/>
                 <a:ext cx="274320" cy="215004"/>
               </a:xfrm>
               <a:prstGeom prst="rect">
@@ -17130,8 +21234,8 @@
           </p:sp>
         </mc:Fallback>
       </mc:AlternateContent>
-      <mc:AlternateContent xmlns:mc="http://schemas.openxmlformats.org/markup-compatibility/2006" xmlns:a14="http://schemas.microsoft.com/office/drawing/2010/main">
-        <mc:Choice Requires="a14">
+      <mc:AlternateContent xmlns:mc="http://schemas.openxmlformats.org/markup-compatibility/2006">
+        <mc:Choice xmlns:a14="http://schemas.microsoft.com/office/drawing/2010/main" Requires="a14">
           <p:sp>
             <p:nvSpPr>
               <p:cNvPr id="142" name="Oval 141">
@@ -17148,7 +21252,7 @@
             </p:nvSpPr>
             <p:spPr>
               <a:xfrm>
-                <a:off x="7673443" y="3643349"/>
+                <a:off x="7807555" y="4326101"/>
                 <a:ext cx="294652" cy="294652"/>
               </a:xfrm>
               <a:prstGeom prst="ellipse">
@@ -17215,7 +21319,7 @@
             </p:txBody>
           </p:sp>
         </mc:Choice>
-        <mc:Fallback xmlns="">
+        <mc:Fallback>
           <p:sp>
             <p:nvSpPr>
               <p:cNvPr id="142" name="Oval 141">
@@ -17232,7 +21336,7 @@
             </p:nvSpPr>
             <p:spPr>
               <a:xfrm>
-                <a:off x="7673443" y="3643349"/>
+                <a:off x="7807555" y="4326101"/>
                 <a:ext cx="294652" cy="294652"/>
               </a:xfrm>
               <a:prstGeom prst="ellipse">
@@ -17277,7 +21381,7 @@
         </p:nvSpPr>
         <p:spPr>
           <a:xfrm>
-            <a:off x="7407945" y="1524949"/>
+            <a:off x="7542057" y="2207701"/>
             <a:ext cx="182880" cy="172186"/>
           </a:xfrm>
           <a:prstGeom prst="rightArrow">
@@ -17333,7 +21437,7 @@
         </p:nvSpPr>
         <p:spPr>
           <a:xfrm rot="5400000">
-            <a:off x="7495493" y="1666785"/>
+            <a:off x="7629605" y="2349537"/>
             <a:ext cx="182880" cy="172186"/>
           </a:xfrm>
           <a:prstGeom prst="rightArrow">
@@ -17389,7 +21493,7 @@
         </p:nvSpPr>
         <p:spPr>
           <a:xfrm>
-            <a:off x="7569771" y="1799898"/>
+            <a:off x="7703883" y="2482650"/>
             <a:ext cx="182880" cy="172186"/>
           </a:xfrm>
           <a:prstGeom prst="rightArrow">
@@ -17445,7 +21549,7 @@
         </p:nvSpPr>
         <p:spPr>
           <a:xfrm>
-            <a:off x="7788160" y="1810894"/>
+            <a:off x="7922272" y="2493646"/>
             <a:ext cx="182880" cy="172186"/>
           </a:xfrm>
           <a:prstGeom prst="rightArrow">
@@ -17501,7 +21605,7 @@
         </p:nvSpPr>
         <p:spPr>
           <a:xfrm>
-            <a:off x="8014400" y="1810895"/>
+            <a:off x="8148512" y="2493647"/>
             <a:ext cx="182880" cy="172186"/>
           </a:xfrm>
           <a:prstGeom prst="rightArrow">
@@ -17557,7 +21661,7 @@
         </p:nvSpPr>
         <p:spPr>
           <a:xfrm rot="16200000">
-            <a:off x="8155804" y="1688349"/>
+            <a:off x="8289916" y="2371101"/>
             <a:ext cx="182880" cy="172186"/>
           </a:xfrm>
           <a:prstGeom prst="rightArrow">
@@ -17599,8 +21703,8 @@
           </a:p>
         </p:txBody>
       </p:sp>
-      <mc:AlternateContent xmlns:mc="http://schemas.openxmlformats.org/markup-compatibility/2006" xmlns:a14="http://schemas.microsoft.com/office/drawing/2010/main">
-        <mc:Choice Requires="a14">
+      <mc:AlternateContent xmlns:mc="http://schemas.openxmlformats.org/markup-compatibility/2006">
+        <mc:Choice xmlns:a14="http://schemas.microsoft.com/office/drawing/2010/main" Requires="a14">
           <p:sp>
             <p:nvSpPr>
               <p:cNvPr id="149" name="Rectangle 148">
@@ -17615,7 +21719,7 @@
             </p:nvSpPr>
             <p:spPr>
               <a:xfrm>
-                <a:off x="5877755" y="2326181"/>
+                <a:off x="6011867" y="3008933"/>
                 <a:ext cx="1693541" cy="1200329"/>
               </a:xfrm>
               <a:prstGeom prst="rect">
@@ -17694,7 +21798,7 @@
             </p:txBody>
           </p:sp>
         </mc:Choice>
-        <mc:Fallback xmlns="">
+        <mc:Fallback>
           <p:sp>
             <p:nvSpPr>
               <p:cNvPr id="149" name="Rectangle 148">
@@ -17711,7 +21815,7 @@
             </p:nvSpPr>
             <p:spPr>
               <a:xfrm>
-                <a:off x="5877755" y="2326181"/>
+                <a:off x="6011867" y="3008933"/>
                 <a:ext cx="1693541" cy="1200329"/>
               </a:xfrm>
               <a:prstGeom prst="rect">
@@ -17753,7 +21857,7 @@
         </p:nvSpPr>
         <p:spPr>
           <a:xfrm>
-            <a:off x="9055660" y="3289616"/>
+            <a:off x="9189772" y="3972368"/>
             <a:ext cx="822960" cy="731520"/>
           </a:xfrm>
           <a:prstGeom prst="rect">
@@ -17833,7 +21937,7 @@
         </p:nvSpPr>
         <p:spPr>
           <a:xfrm>
-            <a:off x="9055660" y="1037975"/>
+            <a:off x="9189772" y="1720727"/>
             <a:ext cx="822960" cy="731520"/>
           </a:xfrm>
           <a:prstGeom prst="rect">
@@ -17905,7 +22009,7 @@
         </p:nvCxnSpPr>
         <p:spPr>
           <a:xfrm>
-            <a:off x="8628022" y="1398633"/>
+            <a:off x="8762134" y="2081385"/>
             <a:ext cx="365760" cy="0"/>
           </a:xfrm>
           <a:prstGeom prst="straightConnector1">
@@ -17946,7 +22050,7 @@
         </p:nvCxnSpPr>
         <p:spPr>
           <a:xfrm rot="5400000">
-            <a:off x="9225913" y="2040835"/>
+            <a:off x="9360025" y="2723587"/>
             <a:ext cx="365760" cy="0"/>
           </a:xfrm>
           <a:prstGeom prst="straightConnector1">
@@ -17971,8 +22075,8 @@
           </a:fontRef>
         </p:style>
       </p:cxnSp>
-      <mc:AlternateContent xmlns:mc="http://schemas.openxmlformats.org/markup-compatibility/2006" xmlns:a14="http://schemas.microsoft.com/office/drawing/2010/main">
-        <mc:Choice Requires="a14">
+      <mc:AlternateContent xmlns:mc="http://schemas.openxmlformats.org/markup-compatibility/2006">
+        <mc:Choice xmlns:a14="http://schemas.microsoft.com/office/drawing/2010/main" Requires="a14">
           <p:sp>
             <p:nvSpPr>
               <p:cNvPr id="154" name="Oval 153">
@@ -17987,7 +22091,7 @@
             </p:nvSpPr>
             <p:spPr>
               <a:xfrm>
-                <a:off x="8990710" y="2310454"/>
+                <a:off x="9124822" y="2993206"/>
                 <a:ext cx="1032732" cy="483181"/>
               </a:xfrm>
               <a:prstGeom prst="ellipse">
@@ -18102,7 +22206,7 @@
             </p:txBody>
           </p:sp>
         </mc:Choice>
-        <mc:Fallback xmlns="">
+        <mc:Fallback>
           <p:sp>
             <p:nvSpPr>
               <p:cNvPr id="154" name="Oval 153">
@@ -18119,7 +22223,7 @@
             </p:nvSpPr>
             <p:spPr>
               <a:xfrm>
-                <a:off x="8990710" y="2310454"/>
+                <a:off x="9124822" y="2993206"/>
                 <a:ext cx="1032732" cy="483181"/>
               </a:xfrm>
               <a:prstGeom prst="ellipse">
@@ -18166,7 +22270,7 @@
         </p:nvCxnSpPr>
         <p:spPr>
           <a:xfrm rot="5400000">
-            <a:off x="9225913" y="3048968"/>
+            <a:off x="9360025" y="3731720"/>
             <a:ext cx="365760" cy="0"/>
           </a:xfrm>
           <a:prstGeom prst="straightConnector1">
@@ -18207,7 +22311,7 @@
         </p:nvCxnSpPr>
         <p:spPr>
           <a:xfrm>
-            <a:off x="8628022" y="3598823"/>
+            <a:off x="8762134" y="4281575"/>
             <a:ext cx="365760" cy="0"/>
           </a:xfrm>
           <a:prstGeom prst="straightConnector1">
@@ -18248,7 +22352,7 @@
         </p:nvCxnSpPr>
         <p:spPr>
           <a:xfrm flipV="1">
-            <a:off x="10054210" y="3612245"/>
+            <a:off x="10188322" y="4294997"/>
             <a:ext cx="365760" cy="0"/>
           </a:xfrm>
           <a:prstGeom prst="line">
@@ -18290,7 +22394,7 @@
         </p:nvCxnSpPr>
         <p:spPr>
           <a:xfrm rot="16200000">
-            <a:off x="9985474" y="3216895"/>
+            <a:off x="10119586" y="3899647"/>
             <a:ext cx="822960" cy="0"/>
           </a:xfrm>
           <a:prstGeom prst="straightConnector1">
@@ -18315,8 +22419,8 @@
           </a:fontRef>
         </p:style>
       </p:cxnSp>
-      <mc:AlternateContent xmlns:mc="http://schemas.openxmlformats.org/markup-compatibility/2006" xmlns:a14="http://schemas.microsoft.com/office/drawing/2010/main">
-        <mc:Choice Requires="a14">
+      <mc:AlternateContent xmlns:mc="http://schemas.openxmlformats.org/markup-compatibility/2006">
+        <mc:Choice xmlns:a14="http://schemas.microsoft.com/office/drawing/2010/main" Requires="a14">
           <p:sp>
             <p:nvSpPr>
               <p:cNvPr id="166" name="Rectangle 165">
@@ -18331,7 +22435,7 @@
             </p:nvSpPr>
             <p:spPr>
               <a:xfrm>
-                <a:off x="8194162" y="3140334"/>
+                <a:off x="8328274" y="3823086"/>
                 <a:ext cx="274320" cy="215004"/>
               </a:xfrm>
               <a:prstGeom prst="rect">
@@ -18417,7 +22521,7 @@
             </p:txBody>
           </p:sp>
         </mc:Choice>
-        <mc:Fallback xmlns="">
+        <mc:Fallback>
           <p:sp>
             <p:nvSpPr>
               <p:cNvPr id="166" name="Rectangle 165">
@@ -18434,7 +22538,7 @@
             </p:nvSpPr>
             <p:spPr>
               <a:xfrm>
-                <a:off x="8194162" y="3140334"/>
+                <a:off x="8328274" y="3823086"/>
                 <a:ext cx="274320" cy="215004"/>
               </a:xfrm>
               <a:prstGeom prst="rect">
@@ -18465,8 +22569,8 @@
           </p:sp>
         </mc:Fallback>
       </mc:AlternateContent>
-      <mc:AlternateContent xmlns:mc="http://schemas.openxmlformats.org/markup-compatibility/2006" xmlns:a14="http://schemas.microsoft.com/office/drawing/2010/main">
-        <mc:Choice Requires="a14">
+      <mc:AlternateContent xmlns:mc="http://schemas.openxmlformats.org/markup-compatibility/2006">
+        <mc:Choice xmlns:a14="http://schemas.microsoft.com/office/drawing/2010/main" Requires="a14">
           <p:sp>
             <p:nvSpPr>
               <p:cNvPr id="167" name="Rectangle 166">
@@ -18481,7 +22585,7 @@
             </p:nvSpPr>
             <p:spPr>
               <a:xfrm>
-                <a:off x="5113208" y="2258504"/>
+                <a:off x="5247320" y="2941256"/>
                 <a:ext cx="548640" cy="451633"/>
               </a:xfrm>
               <a:prstGeom prst="rect">
@@ -18572,7 +22676,7 @@
             </p:txBody>
           </p:sp>
         </mc:Choice>
-        <mc:Fallback xmlns="">
+        <mc:Fallback>
           <p:sp>
             <p:nvSpPr>
               <p:cNvPr id="167" name="Rectangle 166">
@@ -18589,7 +22693,7 @@
             </p:nvSpPr>
             <p:spPr>
               <a:xfrm>
-                <a:off x="5113208" y="2258504"/>
+                <a:off x="5247320" y="2941256"/>
                 <a:ext cx="548640" cy="451633"/>
               </a:xfrm>
               <a:prstGeom prst="rect">
@@ -18636,7 +22740,7 @@
         </p:nvCxnSpPr>
         <p:spPr>
           <a:xfrm rot="16200000" flipV="1">
-            <a:off x="5157883" y="2073042"/>
+            <a:off x="5291995" y="2755794"/>
             <a:ext cx="274320" cy="0"/>
           </a:xfrm>
           <a:prstGeom prst="straightConnector1">
@@ -18661,8 +22765,8 @@
           </a:fontRef>
         </p:style>
       </p:cxnSp>
-      <mc:AlternateContent xmlns:mc="http://schemas.openxmlformats.org/markup-compatibility/2006" xmlns:a14="http://schemas.microsoft.com/office/drawing/2010/main">
-        <mc:Choice Requires="a14">
+      <mc:AlternateContent xmlns:mc="http://schemas.openxmlformats.org/markup-compatibility/2006">
+        <mc:Choice xmlns:a14="http://schemas.microsoft.com/office/drawing/2010/main" Requires="a14">
           <p:sp>
             <p:nvSpPr>
               <p:cNvPr id="169" name="Rectangle 168">
@@ -18677,7 +22781,7 @@
             </p:nvSpPr>
             <p:spPr>
               <a:xfrm>
-                <a:off x="10122634" y="2278722"/>
+                <a:off x="10256746" y="2961474"/>
                 <a:ext cx="548640" cy="451633"/>
               </a:xfrm>
               <a:prstGeom prst="rect">
@@ -18768,7 +22872,7 @@
             </p:txBody>
           </p:sp>
         </mc:Choice>
-        <mc:Fallback xmlns="">
+        <mc:Fallback>
           <p:sp>
             <p:nvSpPr>
               <p:cNvPr id="169" name="Rectangle 168">
@@ -18785,7 +22889,7 @@
             </p:nvSpPr>
             <p:spPr>
               <a:xfrm>
-                <a:off x="10122634" y="2278722"/>
+                <a:off x="10256746" y="2961474"/>
                 <a:ext cx="548640" cy="451633"/>
               </a:xfrm>
               <a:prstGeom prst="rect">
@@ -18832,7 +22936,7 @@
         </p:nvCxnSpPr>
         <p:spPr>
           <a:xfrm rot="16200000" flipV="1">
-            <a:off x="10251200" y="2056425"/>
+            <a:off x="10385312" y="2739177"/>
             <a:ext cx="274320" cy="0"/>
           </a:xfrm>
           <a:prstGeom prst="straightConnector1">
@@ -18857,8 +22961,8 @@
           </a:fontRef>
         </p:style>
       </p:cxnSp>
-      <mc:AlternateContent xmlns:mc="http://schemas.openxmlformats.org/markup-compatibility/2006" xmlns:a14="http://schemas.microsoft.com/office/drawing/2010/main">
-        <mc:Choice Requires="a14">
+      <mc:AlternateContent xmlns:mc="http://schemas.openxmlformats.org/markup-compatibility/2006">
+        <mc:Choice xmlns:a14="http://schemas.microsoft.com/office/drawing/2010/main" Requires="a14">
           <p:sp>
             <p:nvSpPr>
               <p:cNvPr id="173" name="Rectangle 172">
@@ -18873,7 +22977,7 @@
             </p:nvSpPr>
             <p:spPr>
               <a:xfrm>
-                <a:off x="9959923" y="1481146"/>
+                <a:off x="10094035" y="2163898"/>
                 <a:ext cx="1016337" cy="417358"/>
               </a:xfrm>
               <a:prstGeom prst="rect">
@@ -18919,7 +23023,7 @@
             </p:txBody>
           </p:sp>
         </mc:Choice>
-        <mc:Fallback xmlns="">
+        <mc:Fallback>
           <p:sp>
             <p:nvSpPr>
               <p:cNvPr id="173" name="Rectangle 172">
@@ -18936,7 +23040,7 @@
             </p:nvSpPr>
             <p:spPr>
               <a:xfrm>
-                <a:off x="9959923" y="1481146"/>
+                <a:off x="10094035" y="2163898"/>
                 <a:ext cx="1016337" cy="417358"/>
               </a:xfrm>
               <a:prstGeom prst="rect">
@@ -18964,8 +23068,8 @@
           </p:sp>
         </mc:Fallback>
       </mc:AlternateContent>
-      <mc:AlternateContent xmlns:mc="http://schemas.openxmlformats.org/markup-compatibility/2006" xmlns:a14="http://schemas.microsoft.com/office/drawing/2010/main">
-        <mc:Choice Requires="a14">
+      <mc:AlternateContent xmlns:mc="http://schemas.openxmlformats.org/markup-compatibility/2006">
+        <mc:Choice xmlns:a14="http://schemas.microsoft.com/office/drawing/2010/main" Requires="a14">
           <p:sp>
             <p:nvSpPr>
               <p:cNvPr id="174" name="Rectangle 173">
@@ -18980,7 +23084,7 @@
             </p:nvSpPr>
             <p:spPr>
               <a:xfrm>
-                <a:off x="1029080" y="536062"/>
+                <a:off x="1163192" y="1218814"/>
                 <a:ext cx="1463734" cy="866006"/>
               </a:xfrm>
               <a:prstGeom prst="rect">
@@ -19039,7 +23143,7 @@
             </p:txBody>
           </p:sp>
         </mc:Choice>
-        <mc:Fallback xmlns="">
+        <mc:Fallback>
           <p:sp>
             <p:nvSpPr>
               <p:cNvPr id="174" name="Rectangle 173">
@@ -19056,7 +23160,7 @@
             </p:nvSpPr>
             <p:spPr>
               <a:xfrm>
-                <a:off x="1029080" y="536062"/>
+                <a:off x="1163192" y="1218814"/>
                 <a:ext cx="1463734" cy="866006"/>
               </a:xfrm>
               <a:prstGeom prst="rect">
@@ -19116,10 +23220,10 @@
       </p:grpSpPr>
       <p:pic>
         <p:nvPicPr>
-          <p:cNvPr id="4" name="Picture 3">
-            <a:extLst>
-              <a:ext uri="{FF2B5EF4-FFF2-40B4-BE49-F238E27FC236}">
-                <a16:creationId xmlns:a16="http://schemas.microsoft.com/office/drawing/2014/main" id="{90ACA77B-B550-4EAA-A6F3-A90DC7457358}"/>
+          <p:cNvPr id="2" name="Picture 1">
+            <a:extLst>
+              <a:ext uri="{FF2B5EF4-FFF2-40B4-BE49-F238E27FC236}">
+                <a16:creationId xmlns:a16="http://schemas.microsoft.com/office/drawing/2014/main" id="{61931FA9-8C88-4806-AE62-2021B0221996}"/>
               </a:ext>
             </a:extLst>
           </p:cNvPr>
@@ -19176,10 +23280,10 @@
       </p:grpSpPr>
       <p:pic>
         <p:nvPicPr>
-          <p:cNvPr id="12" name="Picture 11" descr="A screenshot of a cell phone&#10;&#10;Description automatically generated">
-            <a:extLst>
-              <a:ext uri="{FF2B5EF4-FFF2-40B4-BE49-F238E27FC236}">
-                <a16:creationId xmlns:a16="http://schemas.microsoft.com/office/drawing/2014/main" id="{FEA26B47-872D-4B61-88A6-FE024FCF0645}"/>
+          <p:cNvPr id="3" name="Picture 2" descr="A screenshot of a cell phone&#10;&#10;Description automatically generated">
+            <a:extLst>
+              <a:ext uri="{FF2B5EF4-FFF2-40B4-BE49-F238E27FC236}">
+                <a16:creationId xmlns:a16="http://schemas.microsoft.com/office/drawing/2014/main" id="{311F3436-69D3-4929-BA8F-33D18F3008BF}"/>
               </a:ext>
             </a:extLst>
           </p:cNvPr>
@@ -19202,8 +23306,8 @@
         </p:blipFill>
         <p:spPr>
           <a:xfrm>
-            <a:off x="3817029" y="1213334"/>
-            <a:ext cx="5734934" cy="4301201"/>
+            <a:off x="2816348" y="1267966"/>
+            <a:ext cx="6152900" cy="4614675"/>
           </a:xfrm>
           <a:prstGeom prst="rect">
             <a:avLst/>

--- a/report/RO-MAN/figures/ROMAN-figures.pptx
+++ b/report/RO-MAN/figures/ROMAN-figures.pptx
@@ -231,7 +231,7 @@
           <a:p>
             <a:fld id="{3F89A295-6F9E-4D51-AE54-61E02A4CE380}" type="datetimeFigureOut">
               <a:rPr lang="en-US" smtClean="0"/>
-              <a:t>4/8/2020</a:t>
+              <a:t>4/12/2020</a:t>
             </a:fld>
             <a:endParaRPr lang="en-US"/>
           </a:p>
@@ -1873,7 +1873,7 @@
           <a:p>
             <a:fld id="{F4E53FB3-0E6D-400E-94D0-294D549E0F65}" type="datetimeFigureOut">
               <a:rPr lang="en-US" smtClean="0"/>
-              <a:t>4/8/2020</a:t>
+              <a:t>4/12/2020</a:t>
             </a:fld>
             <a:endParaRPr lang="en-US"/>
           </a:p>
@@ -2071,7 +2071,7 @@
           <a:p>
             <a:fld id="{F4E53FB3-0E6D-400E-94D0-294D549E0F65}" type="datetimeFigureOut">
               <a:rPr lang="en-US" smtClean="0"/>
-              <a:t>4/8/2020</a:t>
+              <a:t>4/12/2020</a:t>
             </a:fld>
             <a:endParaRPr lang="en-US"/>
           </a:p>
@@ -2279,7 +2279,7 @@
           <a:p>
             <a:fld id="{F4E53FB3-0E6D-400E-94D0-294D549E0F65}" type="datetimeFigureOut">
               <a:rPr lang="en-US" smtClean="0"/>
-              <a:t>4/8/2020</a:t>
+              <a:t>4/12/2020</a:t>
             </a:fld>
             <a:endParaRPr lang="en-US"/>
           </a:p>
@@ -2477,7 +2477,7 @@
           <a:p>
             <a:fld id="{F4E53FB3-0E6D-400E-94D0-294D549E0F65}" type="datetimeFigureOut">
               <a:rPr lang="en-US" smtClean="0"/>
-              <a:t>4/8/2020</a:t>
+              <a:t>4/12/2020</a:t>
             </a:fld>
             <a:endParaRPr lang="en-US"/>
           </a:p>
@@ -2752,7 +2752,7 @@
           <a:p>
             <a:fld id="{F4E53FB3-0E6D-400E-94D0-294D549E0F65}" type="datetimeFigureOut">
               <a:rPr lang="en-US" smtClean="0"/>
-              <a:t>4/8/2020</a:t>
+              <a:t>4/12/2020</a:t>
             </a:fld>
             <a:endParaRPr lang="en-US"/>
           </a:p>
@@ -3017,7 +3017,7 @@
           <a:p>
             <a:fld id="{F4E53FB3-0E6D-400E-94D0-294D549E0F65}" type="datetimeFigureOut">
               <a:rPr lang="en-US" smtClean="0"/>
-              <a:t>4/8/2020</a:t>
+              <a:t>4/12/2020</a:t>
             </a:fld>
             <a:endParaRPr lang="en-US"/>
           </a:p>
@@ -3429,7 +3429,7 @@
           <a:p>
             <a:fld id="{F4E53FB3-0E6D-400E-94D0-294D549E0F65}" type="datetimeFigureOut">
               <a:rPr lang="en-US" smtClean="0"/>
-              <a:t>4/8/2020</a:t>
+              <a:t>4/12/2020</a:t>
             </a:fld>
             <a:endParaRPr lang="en-US"/>
           </a:p>
@@ -3570,7 +3570,7 @@
           <a:p>
             <a:fld id="{F4E53FB3-0E6D-400E-94D0-294D549E0F65}" type="datetimeFigureOut">
               <a:rPr lang="en-US" smtClean="0"/>
-              <a:t>4/8/2020</a:t>
+              <a:t>4/12/2020</a:t>
             </a:fld>
             <a:endParaRPr lang="en-US"/>
           </a:p>
@@ -3683,7 +3683,7 @@
           <a:p>
             <a:fld id="{F4E53FB3-0E6D-400E-94D0-294D549E0F65}" type="datetimeFigureOut">
               <a:rPr lang="en-US" smtClean="0"/>
-              <a:t>4/8/2020</a:t>
+              <a:t>4/12/2020</a:t>
             </a:fld>
             <a:endParaRPr lang="en-US"/>
           </a:p>
@@ -3994,7 +3994,7 @@
           <a:p>
             <a:fld id="{F4E53FB3-0E6D-400E-94D0-294D549E0F65}" type="datetimeFigureOut">
               <a:rPr lang="en-US" smtClean="0"/>
-              <a:t>4/8/2020</a:t>
+              <a:t>4/12/2020</a:t>
             </a:fld>
             <a:endParaRPr lang="en-US"/>
           </a:p>
@@ -4282,7 +4282,7 @@
           <a:p>
             <a:fld id="{F4E53FB3-0E6D-400E-94D0-294D549E0F65}" type="datetimeFigureOut">
               <a:rPr lang="en-US" smtClean="0"/>
-              <a:t>4/8/2020</a:t>
+              <a:t>4/12/2020</a:t>
             </a:fld>
             <a:endParaRPr lang="en-US"/>
           </a:p>
@@ -4523,7 +4523,7 @@
           <a:p>
             <a:fld id="{F4E53FB3-0E6D-400E-94D0-294D549E0F65}" type="datetimeFigureOut">
               <a:rPr lang="en-US" smtClean="0"/>
-              <a:t>4/8/2020</a:t>
+              <a:t>4/12/2020</a:t>
             </a:fld>
             <a:endParaRPr lang="en-US"/>
           </a:p>
@@ -5058,8 +5058,8 @@
           <a:chExt cx="0" cy="0"/>
         </a:xfrm>
       </p:grpSpPr>
-      <mc:AlternateContent xmlns:mc="http://schemas.openxmlformats.org/markup-compatibility/2006">
-        <mc:Choice xmlns:a14="http://schemas.microsoft.com/office/drawing/2010/main" Requires="a14">
+      <mc:AlternateContent xmlns:mc="http://schemas.openxmlformats.org/markup-compatibility/2006" xmlns:a14="http://schemas.microsoft.com/office/drawing/2010/main">
+        <mc:Choice Requires="a14">
           <p:sp>
             <p:nvSpPr>
               <p:cNvPr id="98" name="Rectangle 97">
@@ -5087,7 +5087,6 @@
               </a:bodyPr>
               <a:lstStyle/>
               <a:p>
-                <a:pPr/>
                 <a14:m>
                   <m:oMath xmlns:m="http://schemas.openxmlformats.org/officeDocument/2006/math">
                     <m:sSub>
@@ -5129,7 +5128,7 @@
             </p:txBody>
           </p:sp>
         </mc:Choice>
-        <mc:Fallback>
+        <mc:Fallback xmlns="">
           <p:sp>
             <p:nvSpPr>
               <p:cNvPr id="98" name="Rectangle 97">
@@ -6160,7 +6159,6 @@
           </a:bodyPr>
           <a:lstStyle/>
           <a:p>
-            <a:pPr/>
             <a:r>
               <a:rPr lang="en-US" dirty="0"/>
               <a:t>(10 x 32)</a:t>
@@ -6279,8 +6277,8 @@
         </p:nvSpPr>
         <p:spPr>
           <a:xfrm rot="16200000">
-            <a:off x="-679531" y="3246004"/>
-            <a:ext cx="1963551" cy="400110"/>
+            <a:off x="-765740" y="3230616"/>
+            <a:ext cx="2135969" cy="430887"/>
           </a:xfrm>
           <a:prstGeom prst="rect">
             <a:avLst/>
@@ -6293,7 +6291,7 @@
           <a:lstStyle/>
           <a:p>
             <a:r>
-              <a:rPr lang="en-US" sz="2000" dirty="0">
+              <a:rPr lang="en-US" sz="2200" dirty="0">
                 <a:solidFill>
                   <a:schemeClr val="accent1">
                     <a:lumMod val="75000"/>
@@ -6836,8 +6834,8 @@
           </p:style>
         </p:cxnSp>
       </p:grpSp>
-      <mc:AlternateContent xmlns:mc="http://schemas.openxmlformats.org/markup-compatibility/2006">
-        <mc:Choice xmlns:a14="http://schemas.microsoft.com/office/drawing/2010/main" Requires="a14">
+      <mc:AlternateContent xmlns:mc="http://schemas.openxmlformats.org/markup-compatibility/2006" xmlns:a14="http://schemas.microsoft.com/office/drawing/2010/main">
+        <mc:Choice Requires="a14">
           <p:sp>
             <p:nvSpPr>
               <p:cNvPr id="193" name="Rectangle 192">
@@ -6865,7 +6863,6 @@
               </a:bodyPr>
               <a:lstStyle/>
               <a:p>
-                <a:pPr/>
                 <a14:m>
                   <m:oMath xmlns:m="http://schemas.openxmlformats.org/officeDocument/2006/math">
                     <m:sSub>
@@ -6907,7 +6904,7 @@
             </p:txBody>
           </p:sp>
         </mc:Choice>
-        <mc:Fallback>
+        <mc:Fallback xmlns="">
           <p:sp>
             <p:nvSpPr>
               <p:cNvPr id="193" name="Rectangle 192">
@@ -6952,8 +6949,8 @@
           </p:sp>
         </mc:Fallback>
       </mc:AlternateContent>
-      <mc:AlternateContent xmlns:mc="http://schemas.openxmlformats.org/markup-compatibility/2006">
-        <mc:Choice xmlns:a14="http://schemas.microsoft.com/office/drawing/2010/main" Requires="a14">
+      <mc:AlternateContent xmlns:mc="http://schemas.openxmlformats.org/markup-compatibility/2006" xmlns:a14="http://schemas.microsoft.com/office/drawing/2010/main">
+        <mc:Choice Requires="a14">
           <p:sp>
             <p:nvSpPr>
               <p:cNvPr id="194" name="Oval 193">
@@ -7083,7 +7080,7 @@
             </p:txBody>
           </p:sp>
         </mc:Choice>
-        <mc:Fallback>
+        <mc:Fallback xmlns="">
           <p:sp>
             <p:nvSpPr>
               <p:cNvPr id="194" name="Oval 193">
@@ -7349,7 +7346,7 @@
             </p:nvSpPr>
             <p:spPr>
               <a:xfrm>
-                <a:off x="7905999" y="7125"/>
+                <a:off x="7905999" y="91529"/>
                 <a:ext cx="1616083" cy="453137"/>
               </a:xfrm>
               <a:prstGeom prst="rect">
@@ -7362,7 +7359,6 @@
               </a:bodyPr>
               <a:lstStyle/>
               <a:p>
-                <a:pPr/>
                 <a14:m>
                   <m:oMath xmlns:m="http://schemas.openxmlformats.org/officeDocument/2006/math">
                     <m:sSub>
@@ -7417,7 +7413,7 @@
             </p:nvSpPr>
             <p:spPr>
               <a:xfrm>
-                <a:off x="7905999" y="7125"/>
+                <a:off x="7905999" y="91529"/>
                 <a:ext cx="1616083" cy="453137"/>
               </a:xfrm>
               <a:prstGeom prst="rect">
@@ -7426,7 +7422,7 @@
               <a:blipFill>
                 <a:blip r:embed="rId6"/>
                 <a:stretch>
-                  <a:fillRect l="-1509" r="-2642" b="-18667"/>
+                  <a:fillRect l="-1509" r="-2642" b="-20270"/>
                 </a:stretch>
               </a:blipFill>
             </p:spPr>
@@ -7459,7 +7455,7 @@
         </p:nvSpPr>
         <p:spPr>
           <a:xfrm>
-            <a:off x="6541311" y="2076132"/>
+            <a:off x="6541311" y="2160536"/>
             <a:ext cx="1737360" cy="365760"/>
           </a:xfrm>
           <a:prstGeom prst="rect">
@@ -7520,7 +7516,7 @@
         </p:nvCxnSpPr>
         <p:spPr>
           <a:xfrm>
-            <a:off x="8190012" y="602986"/>
+            <a:off x="8190012" y="687390"/>
             <a:ext cx="0" cy="809424"/>
           </a:xfrm>
           <a:prstGeom prst="straightConnector1">
@@ -7559,7 +7555,7 @@
         </p:nvSpPr>
         <p:spPr>
           <a:xfrm>
-            <a:off x="7397023" y="2353301"/>
+            <a:off x="7397023" y="2481504"/>
             <a:ext cx="1226618" cy="369332"/>
           </a:xfrm>
           <a:prstGeom prst="rect">
@@ -7595,7 +7591,7 @@
             </p:nvSpPr>
             <p:spPr>
               <a:xfrm>
-                <a:off x="6541311" y="55729"/>
+                <a:off x="6541311" y="140133"/>
                 <a:ext cx="1032732" cy="483181"/>
               </a:xfrm>
               <a:prstGeom prst="ellipse">
@@ -7727,7 +7723,7 @@
             </p:nvSpPr>
             <p:spPr>
               <a:xfrm>
-                <a:off x="6541311" y="55729"/>
+                <a:off x="6541311" y="140133"/>
                 <a:ext cx="1032732" cy="483181"/>
               </a:xfrm>
               <a:prstGeom prst="ellipse">
@@ -7772,7 +7768,7 @@
         </p:nvSpPr>
         <p:spPr>
           <a:xfrm>
-            <a:off x="7070876" y="500403"/>
+            <a:off x="7070876" y="584807"/>
             <a:ext cx="659155" cy="369332"/>
           </a:xfrm>
           <a:prstGeom prst="rect">
@@ -7806,7 +7802,7 @@
         </p:nvSpPr>
         <p:spPr>
           <a:xfrm>
-            <a:off x="6533485" y="1481402"/>
+            <a:off x="6533485" y="1565806"/>
             <a:ext cx="1737360" cy="365760"/>
           </a:xfrm>
           <a:prstGeom prst="rect">
@@ -7865,7 +7861,7 @@
         </p:nvSpPr>
         <p:spPr>
           <a:xfrm>
-            <a:off x="6541311" y="848876"/>
+            <a:off x="6541311" y="933280"/>
             <a:ext cx="1188720" cy="365760"/>
           </a:xfrm>
           <a:prstGeom prst="rect">
@@ -7926,7 +7922,7 @@
         </p:nvCxnSpPr>
         <p:spPr>
           <a:xfrm>
-            <a:off x="7057677" y="580578"/>
+            <a:off x="7057677" y="664982"/>
             <a:ext cx="4" cy="203133"/>
           </a:xfrm>
           <a:prstGeom prst="straightConnector1">
@@ -7965,7 +7961,7 @@
         </p:nvSpPr>
         <p:spPr>
           <a:xfrm>
-            <a:off x="7080413" y="1147878"/>
+            <a:off x="7080413" y="1232282"/>
             <a:ext cx="1109599" cy="369332"/>
           </a:xfrm>
           <a:prstGeom prst="rect">
@@ -8001,7 +7997,7 @@
         </p:nvCxnSpPr>
         <p:spPr>
           <a:xfrm>
-            <a:off x="7064924" y="1238240"/>
+            <a:off x="7064924" y="1322644"/>
             <a:ext cx="4" cy="203133"/>
           </a:xfrm>
           <a:prstGeom prst="straightConnector1">
@@ -8042,7 +8038,7 @@
         </p:nvCxnSpPr>
         <p:spPr>
           <a:xfrm>
-            <a:off x="7391982" y="1863249"/>
+            <a:off x="7391982" y="1947653"/>
             <a:ext cx="4" cy="203133"/>
           </a:xfrm>
           <a:prstGeom prst="straightConnector1">
@@ -8081,7 +8077,7 @@
         </p:nvSpPr>
         <p:spPr>
           <a:xfrm>
-            <a:off x="7351199" y="1772073"/>
+            <a:off x="7351199" y="1856477"/>
             <a:ext cx="1226618" cy="369332"/>
           </a:xfrm>
           <a:prstGeom prst="rect">
@@ -8115,7 +8111,7 @@
         </p:nvSpPr>
         <p:spPr>
           <a:xfrm>
-            <a:off x="6540017" y="2718976"/>
+            <a:off x="6540017" y="2856605"/>
             <a:ext cx="1759414" cy="2005563"/>
           </a:xfrm>
           <a:prstGeom prst="roundRect">
@@ -8174,8 +8170,8 @@
         </p:nvSpPr>
         <p:spPr>
           <a:xfrm rot="16200000">
-            <a:off x="5326643" y="3495880"/>
-            <a:ext cx="1963551" cy="400110"/>
+            <a:off x="5240434" y="3618121"/>
+            <a:ext cx="2135969" cy="430887"/>
           </a:xfrm>
           <a:prstGeom prst="rect">
             <a:avLst/>
@@ -8188,7 +8184,7 @@
           <a:lstStyle/>
           <a:p>
             <a:r>
-              <a:rPr lang="en-US" sz="2000" dirty="0">
+              <a:rPr lang="en-US" sz="2200" dirty="0">
                 <a:solidFill>
                   <a:schemeClr val="accent1">
                     <a:lumMod val="75000"/>
@@ -8216,7 +8212,7 @@
         </p:nvCxnSpPr>
         <p:spPr>
           <a:xfrm>
-            <a:off x="7391982" y="2489976"/>
+            <a:off x="7391982" y="2580471"/>
             <a:ext cx="4" cy="203133"/>
           </a:xfrm>
           <a:prstGeom prst="straightConnector1">
@@ -8257,7 +8253,7 @@
         </p:nvCxnSpPr>
         <p:spPr>
           <a:xfrm>
-            <a:off x="7391982" y="4784306"/>
+            <a:off x="7391982" y="4921935"/>
             <a:ext cx="4" cy="203133"/>
           </a:xfrm>
           <a:prstGeom prst="straightConnector1">
@@ -8296,7 +8292,7 @@
         </p:nvSpPr>
         <p:spPr>
           <a:xfrm>
-            <a:off x="6562071" y="5008784"/>
+            <a:off x="6562071" y="5146413"/>
             <a:ext cx="1737360" cy="365760"/>
           </a:xfrm>
           <a:prstGeom prst="rect">
@@ -8355,7 +8351,7 @@
         </p:nvSpPr>
         <p:spPr>
           <a:xfrm>
-            <a:off x="7397023" y="4656585"/>
+            <a:off x="7397023" y="4794214"/>
             <a:ext cx="1226618" cy="369332"/>
           </a:xfrm>
           <a:prstGeom prst="rect">
@@ -8389,7 +8385,7 @@
         </p:nvSpPr>
         <p:spPr>
           <a:xfrm>
-            <a:off x="6557917" y="5602197"/>
+            <a:off x="6557917" y="5739826"/>
             <a:ext cx="1737360" cy="365760"/>
           </a:xfrm>
           <a:prstGeom prst="rect">
@@ -8450,7 +8446,7 @@
         </p:nvCxnSpPr>
         <p:spPr>
           <a:xfrm>
-            <a:off x="7391982" y="5388765"/>
+            <a:off x="7391982" y="5526394"/>
             <a:ext cx="4" cy="203133"/>
           </a:xfrm>
           <a:prstGeom prst="straightConnector1">
@@ -8489,7 +8485,7 @@
         </p:nvSpPr>
         <p:spPr>
           <a:xfrm>
-            <a:off x="7426597" y="5294126"/>
+            <a:off x="7426597" y="5431755"/>
             <a:ext cx="776175" cy="369332"/>
           </a:xfrm>
           <a:prstGeom prst="rect">
@@ -8523,7 +8519,7 @@
         </p:nvSpPr>
         <p:spPr>
           <a:xfrm>
-            <a:off x="8795663" y="5602197"/>
+            <a:off x="8795663" y="5720527"/>
             <a:ext cx="1097280" cy="365760"/>
           </a:xfrm>
           <a:prstGeom prst="rect">
@@ -8584,7 +8580,7 @@
         </p:nvCxnSpPr>
         <p:spPr>
           <a:xfrm rot="16200000">
-            <a:off x="8537844" y="5594525"/>
+            <a:off x="8537844" y="5712855"/>
             <a:ext cx="4" cy="365760"/>
           </a:xfrm>
           <a:prstGeom prst="straightConnector1">
@@ -8625,7 +8621,7 @@
         </p:nvCxnSpPr>
         <p:spPr>
           <a:xfrm flipV="1">
-            <a:off x="9344299" y="5335742"/>
+            <a:off x="9344299" y="5454072"/>
             <a:ext cx="4" cy="203133"/>
           </a:xfrm>
           <a:prstGeom prst="straightConnector1">
@@ -8666,7 +8662,7 @@
             </p:nvSpPr>
             <p:spPr>
               <a:xfrm>
-                <a:off x="9037997" y="4742304"/>
+                <a:off x="9037997" y="4860634"/>
                 <a:ext cx="612604" cy="507383"/>
               </a:xfrm>
               <a:prstGeom prst="rect">
@@ -8756,7 +8752,7 @@
             </p:nvSpPr>
             <p:spPr>
               <a:xfrm>
-                <a:off x="9037997" y="4742304"/>
+                <a:off x="9037997" y="4860634"/>
                 <a:ext cx="612604" cy="507383"/>
               </a:xfrm>
               <a:prstGeom prst="rect">
@@ -8798,7 +8794,7 @@
         </p:nvGrpSpPr>
         <p:grpSpPr>
           <a:xfrm>
-            <a:off x="6804121" y="2785769"/>
+            <a:off x="6804121" y="2923398"/>
             <a:ext cx="1244952" cy="1865903"/>
             <a:chOff x="4129065" y="1042390"/>
             <a:chExt cx="1881177" cy="4506693"/>
@@ -9685,7 +9681,7 @@
         </p:nvCxnSpPr>
         <p:spPr>
           <a:xfrm>
-            <a:off x="7382206" y="4329549"/>
+            <a:off x="7382206" y="4467178"/>
             <a:ext cx="3" cy="84103"/>
           </a:xfrm>
           <a:prstGeom prst="straightConnector1">
@@ -9710,6 +9706,84 @@
           </a:fontRef>
         </p:style>
       </p:cxnSp>
+      <p:sp>
+        <p:nvSpPr>
+          <p:cNvPr id="92" name="TextBox 91">
+            <a:extLst>
+              <a:ext uri="{FF2B5EF4-FFF2-40B4-BE49-F238E27FC236}">
+                <a16:creationId xmlns:a16="http://schemas.microsoft.com/office/drawing/2014/main" id="{17A171B8-F985-41BD-8CF5-6D870FD76F7D}"/>
+              </a:ext>
+            </a:extLst>
+          </p:cNvPr>
+          <p:cNvSpPr txBox="1"/>
+          <p:nvPr/>
+        </p:nvSpPr>
+        <p:spPr>
+          <a:xfrm>
+            <a:off x="-406213" y="-642648"/>
+            <a:ext cx="4605828" cy="584775"/>
+          </a:xfrm>
+          <a:prstGeom prst="rect">
+            <a:avLst/>
+          </a:prstGeom>
+          <a:noFill/>
+        </p:spPr>
+        <p:txBody>
+          <a:bodyPr wrap="square" rtlCol="0">
+            <a:spAutoFit/>
+          </a:bodyPr>
+          <a:lstStyle>
+            <a:defPPr>
+              <a:defRPr lang="en-US"/>
+            </a:defPPr>
+            <a:lvl1pPr algn="ctr">
+              <a:defRPr sz="3200" b="1"/>
+            </a:lvl1pPr>
+          </a:lstStyle>
+          <a:p>
+            <a:r>
+              <a:rPr lang="en-US" dirty="0"/>
+              <a:t>Character Network</a:t>
+            </a:r>
+          </a:p>
+        </p:txBody>
+      </p:sp>
+      <p:sp>
+        <p:nvSpPr>
+          <p:cNvPr id="93" name="TextBox 92">
+            <a:extLst>
+              <a:ext uri="{FF2B5EF4-FFF2-40B4-BE49-F238E27FC236}">
+                <a16:creationId xmlns:a16="http://schemas.microsoft.com/office/drawing/2014/main" id="{C23733DD-38CF-4887-B766-6EFC09E238BE}"/>
+              </a:ext>
+            </a:extLst>
+          </p:cNvPr>
+          <p:cNvSpPr txBox="1"/>
+          <p:nvPr/>
+        </p:nvSpPr>
+        <p:spPr>
+          <a:xfrm>
+            <a:off x="5782729" y="-642648"/>
+            <a:ext cx="4246539" cy="584775"/>
+          </a:xfrm>
+          <a:prstGeom prst="rect">
+            <a:avLst/>
+          </a:prstGeom>
+          <a:noFill/>
+        </p:spPr>
+        <p:txBody>
+          <a:bodyPr wrap="square" rtlCol="0">
+            <a:spAutoFit/>
+          </a:bodyPr>
+          <a:lstStyle/>
+          <a:p>
+            <a:pPr algn="ctr"/>
+            <a:r>
+              <a:rPr lang="en-US" sz="3200" b="1" dirty="0"/>
+              <a:t>Prediction Network</a:t>
+            </a:r>
+          </a:p>
+        </p:txBody>
+      </p:sp>
     </p:spTree>
     <p:extLst>
       <p:ext uri="{BB962C8B-B14F-4D97-AF65-F5344CB8AC3E}">
@@ -9742,10 +9816,10 @@
       </p:grpSpPr>
       <p:pic>
         <p:nvPicPr>
-          <p:cNvPr id="2" name="Picture 1">
-            <a:extLst>
-              <a:ext uri="{FF2B5EF4-FFF2-40B4-BE49-F238E27FC236}">
-                <a16:creationId xmlns:a16="http://schemas.microsoft.com/office/drawing/2014/main" id="{4912BF43-495D-4071-8774-B1187E5644F0}"/>
+          <p:cNvPr id="3" name="Picture 2">
+            <a:extLst>
+              <a:ext uri="{FF2B5EF4-FFF2-40B4-BE49-F238E27FC236}">
+                <a16:creationId xmlns:a16="http://schemas.microsoft.com/office/drawing/2014/main" id="{EDD3B9DD-FD91-416A-8923-6F82470A2B92}"/>
               </a:ext>
             </a:extLst>
           </p:cNvPr>
@@ -9754,16 +9828,15 @@
           </p:cNvPicPr>
           <p:nvPr/>
         </p:nvPicPr>
-        <p:blipFill>
+        <p:blipFill rotWithShape="1">
           <a:blip r:embed="rId3"/>
-          <a:stretch>
-            <a:fillRect/>
-          </a:stretch>
+          <a:srcRect l="8854" r="2530"/>
+          <a:stretch/>
         </p:blipFill>
         <p:spPr>
           <a:xfrm>
-            <a:off x="120289" y="0"/>
-            <a:ext cx="4944285" cy="6754953"/>
+            <a:off x="928468" y="0"/>
+            <a:ext cx="4403187" cy="6858000"/>
           </a:xfrm>
           <a:prstGeom prst="rect">
             <a:avLst/>
@@ -9772,10 +9845,10 @@
       </p:pic>
       <p:pic>
         <p:nvPicPr>
-          <p:cNvPr id="4" name="Picture 3">
-            <a:extLst>
-              <a:ext uri="{FF2B5EF4-FFF2-40B4-BE49-F238E27FC236}">
-                <a16:creationId xmlns:a16="http://schemas.microsoft.com/office/drawing/2014/main" id="{720FAB26-27AF-40D5-9CEF-B1EA42119C8D}"/>
+          <p:cNvPr id="52" name="Picture 51">
+            <a:extLst>
+              <a:ext uri="{FF2B5EF4-FFF2-40B4-BE49-F238E27FC236}">
+                <a16:creationId xmlns:a16="http://schemas.microsoft.com/office/drawing/2014/main" id="{7413CF0A-45BA-47F4-BBEB-A4481DDE9214}"/>
               </a:ext>
             </a:extLst>
           </p:cNvPr>
@@ -9784,16 +9857,15 @@
           </p:cNvPicPr>
           <p:nvPr/>
         </p:nvPicPr>
-        <p:blipFill>
+        <p:blipFill rotWithShape="1">
           <a:blip r:embed="rId4"/>
-          <a:stretch>
-            <a:fillRect/>
-          </a:stretch>
+          <a:srcRect l="8624"/>
+          <a:stretch/>
         </p:blipFill>
         <p:spPr>
           <a:xfrm>
-            <a:off x="6319959" y="424932"/>
-            <a:ext cx="3834716" cy="6084335"/>
+            <a:off x="6457070" y="0"/>
+            <a:ext cx="3825919" cy="6858000"/>
           </a:xfrm>
           <a:prstGeom prst="rect">
             <a:avLst/>

--- a/report/RO-MAN/figures/ROMAN-figures.pptx
+++ b/report/RO-MAN/figures/ROMAN-figures.pptx
@@ -231,7 +231,7 @@
           <a:p>
             <a:fld id="{3F89A295-6F9E-4D51-AE54-61E02A4CE380}" type="datetimeFigureOut">
               <a:rPr lang="en-US" smtClean="0"/>
-              <a:t>4/12/2020</a:t>
+              <a:t>8/10/20</a:t>
             </a:fld>
             <a:endParaRPr lang="en-US"/>
           </a:p>
@@ -1873,7 +1873,7 @@
           <a:p>
             <a:fld id="{F4E53FB3-0E6D-400E-94D0-294D549E0F65}" type="datetimeFigureOut">
               <a:rPr lang="en-US" smtClean="0"/>
-              <a:t>4/12/2020</a:t>
+              <a:t>8/10/20</a:t>
             </a:fld>
             <a:endParaRPr lang="en-US"/>
           </a:p>
@@ -2071,7 +2071,7 @@
           <a:p>
             <a:fld id="{F4E53FB3-0E6D-400E-94D0-294D549E0F65}" type="datetimeFigureOut">
               <a:rPr lang="en-US" smtClean="0"/>
-              <a:t>4/12/2020</a:t>
+              <a:t>8/10/20</a:t>
             </a:fld>
             <a:endParaRPr lang="en-US"/>
           </a:p>
@@ -2279,7 +2279,7 @@
           <a:p>
             <a:fld id="{F4E53FB3-0E6D-400E-94D0-294D549E0F65}" type="datetimeFigureOut">
               <a:rPr lang="en-US" smtClean="0"/>
-              <a:t>4/12/2020</a:t>
+              <a:t>8/10/20</a:t>
             </a:fld>
             <a:endParaRPr lang="en-US"/>
           </a:p>
@@ -2477,7 +2477,7 @@
           <a:p>
             <a:fld id="{F4E53FB3-0E6D-400E-94D0-294D549E0F65}" type="datetimeFigureOut">
               <a:rPr lang="en-US" smtClean="0"/>
-              <a:t>4/12/2020</a:t>
+              <a:t>8/10/20</a:t>
             </a:fld>
             <a:endParaRPr lang="en-US"/>
           </a:p>
@@ -2752,7 +2752,7 @@
           <a:p>
             <a:fld id="{F4E53FB3-0E6D-400E-94D0-294D549E0F65}" type="datetimeFigureOut">
               <a:rPr lang="en-US" smtClean="0"/>
-              <a:t>4/12/2020</a:t>
+              <a:t>8/10/20</a:t>
             </a:fld>
             <a:endParaRPr lang="en-US"/>
           </a:p>
@@ -3017,7 +3017,7 @@
           <a:p>
             <a:fld id="{F4E53FB3-0E6D-400E-94D0-294D549E0F65}" type="datetimeFigureOut">
               <a:rPr lang="en-US" smtClean="0"/>
-              <a:t>4/12/2020</a:t>
+              <a:t>8/10/20</a:t>
             </a:fld>
             <a:endParaRPr lang="en-US"/>
           </a:p>
@@ -3429,7 +3429,7 @@
           <a:p>
             <a:fld id="{F4E53FB3-0E6D-400E-94D0-294D549E0F65}" type="datetimeFigureOut">
               <a:rPr lang="en-US" smtClean="0"/>
-              <a:t>4/12/2020</a:t>
+              <a:t>8/10/20</a:t>
             </a:fld>
             <a:endParaRPr lang="en-US"/>
           </a:p>
@@ -3570,7 +3570,7 @@
           <a:p>
             <a:fld id="{F4E53FB3-0E6D-400E-94D0-294D549E0F65}" type="datetimeFigureOut">
               <a:rPr lang="en-US" smtClean="0"/>
-              <a:t>4/12/2020</a:t>
+              <a:t>8/10/20</a:t>
             </a:fld>
             <a:endParaRPr lang="en-US"/>
           </a:p>
@@ -3683,7 +3683,7 @@
           <a:p>
             <a:fld id="{F4E53FB3-0E6D-400E-94D0-294D549E0F65}" type="datetimeFigureOut">
               <a:rPr lang="en-US" smtClean="0"/>
-              <a:t>4/12/2020</a:t>
+              <a:t>8/10/20</a:t>
             </a:fld>
             <a:endParaRPr lang="en-US"/>
           </a:p>
@@ -3994,7 +3994,7 @@
           <a:p>
             <a:fld id="{F4E53FB3-0E6D-400E-94D0-294D549E0F65}" type="datetimeFigureOut">
               <a:rPr lang="en-US" smtClean="0"/>
-              <a:t>4/12/2020</a:t>
+              <a:t>8/10/20</a:t>
             </a:fld>
             <a:endParaRPr lang="en-US"/>
           </a:p>
@@ -4282,7 +4282,7 @@
           <a:p>
             <a:fld id="{F4E53FB3-0E6D-400E-94D0-294D549E0F65}" type="datetimeFigureOut">
               <a:rPr lang="en-US" smtClean="0"/>
-              <a:t>4/12/2020</a:t>
+              <a:t>8/10/20</a:t>
             </a:fld>
             <a:endParaRPr lang="en-US"/>
           </a:p>
@@ -4523,7 +4523,7 @@
           <a:p>
             <a:fld id="{F4E53FB3-0E6D-400E-94D0-294D549E0F65}" type="datetimeFigureOut">
               <a:rPr lang="en-US" smtClean="0"/>
-              <a:t>4/12/2020</a:t>
+              <a:t>8/10/20</a:t>
             </a:fld>
             <a:endParaRPr lang="en-US"/>
           </a:p>
@@ -7330,8 +7330,8 @@
           </a:p>
         </p:txBody>
       </p:sp>
-      <mc:AlternateContent xmlns:mc="http://schemas.openxmlformats.org/markup-compatibility/2006">
-        <mc:Choice xmlns:a14="http://schemas.microsoft.com/office/drawing/2010/main" Requires="a14">
+      <mc:AlternateContent xmlns:mc="http://schemas.openxmlformats.org/markup-compatibility/2006" xmlns:a14="http://schemas.microsoft.com/office/drawing/2010/main">
+        <mc:Choice Requires="a14">
           <p:sp>
             <p:nvSpPr>
               <p:cNvPr id="198" name="Rectangle 197">
@@ -7396,7 +7396,7 @@
             </p:txBody>
           </p:sp>
         </mc:Choice>
-        <mc:Fallback>
+        <mc:Fallback xmlns="">
           <p:sp>
             <p:nvSpPr>
               <p:cNvPr id="198" name="Rectangle 197">
@@ -7575,8 +7575,8 @@
           </a:p>
         </p:txBody>
       </p:sp>
-      <mc:AlternateContent xmlns:mc="http://schemas.openxmlformats.org/markup-compatibility/2006">
-        <mc:Choice xmlns:a14="http://schemas.microsoft.com/office/drawing/2010/main" Requires="a14">
+      <mc:AlternateContent xmlns:mc="http://schemas.openxmlformats.org/markup-compatibility/2006" xmlns:a14="http://schemas.microsoft.com/office/drawing/2010/main">
+        <mc:Choice Requires="a14">
           <p:sp>
             <p:nvSpPr>
               <p:cNvPr id="242" name="Oval 241">
@@ -7706,7 +7706,7 @@
             </p:txBody>
           </p:sp>
         </mc:Choice>
-        <mc:Fallback>
+        <mc:Fallback xmlns="">
           <p:sp>
             <p:nvSpPr>
               <p:cNvPr id="242" name="Oval 241">
@@ -8646,8 +8646,8 @@
           </a:fontRef>
         </p:style>
       </p:cxnSp>
-      <mc:AlternateContent xmlns:mc="http://schemas.openxmlformats.org/markup-compatibility/2006">
-        <mc:Choice xmlns:a14="http://schemas.microsoft.com/office/drawing/2010/main" Requires="a14">
+      <mc:AlternateContent xmlns:mc="http://schemas.openxmlformats.org/markup-compatibility/2006" xmlns:a14="http://schemas.microsoft.com/office/drawing/2010/main">
+        <mc:Choice Requires="a14">
           <p:sp>
             <p:nvSpPr>
               <p:cNvPr id="269" name="Rectangle 268">
@@ -8735,7 +8735,7 @@
             </p:txBody>
           </p:sp>
         </mc:Choice>
-        <mc:Fallback>
+        <mc:Fallback xmlns="">
           <p:sp>
             <p:nvSpPr>
               <p:cNvPr id="269" name="Rectangle 268">
@@ -19827,7 +19827,7 @@
                 <p:spPr>
                   <a:xfrm>
                     <a:off x="3980162" y="3189162"/>
-                    <a:ext cx="1190552" cy="430887"/>
+                    <a:ext cx="1190552" cy="382209"/>
                   </a:xfrm>
                   <a:prstGeom prst="rect">
                     <a:avLst/>
@@ -19848,12 +19848,12 @@
                       </a:tabLst>
                     </a:pPr>
                     <a:r>
-                      <a:rPr kumimoji="1" lang="zh-CN" altLang="en-US" sz="2200" dirty="0">
+                      <a:rPr kumimoji="1" lang="en-US" altLang="zh-TW" sz="2200" dirty="0">
                         <a:solidFill>
                           <a:srgbClr val="FF3AA6"/>
                         </a:solidFill>
                       </a:rPr>
-                      <a:t>小明</a:t>
+                      <a:t>Anne</a:t>
                     </a:r>
                     <a:r>
                       <a:rPr kumimoji="1" lang="en-US" altLang="zh-CN" sz="2200" dirty="0">
@@ -19886,7 +19886,7 @@
                 <p:spPr>
                   <a:xfrm>
                     <a:off x="3969276" y="3670851"/>
-                    <a:ext cx="1277638" cy="430887"/>
+                    <a:ext cx="1277638" cy="382209"/>
                   </a:xfrm>
                   <a:prstGeom prst="rect">
                     <a:avLst/>
@@ -19907,7 +19907,7 @@
                       </a:tabLst>
                     </a:pPr>
                     <a:r>
-                      <a:rPr kumimoji="1" lang="zh-CN" altLang="en-US" sz="2200" dirty="0">
+                      <a:rPr kumimoji="1" lang="en-US" altLang="zh-TW" sz="2200" dirty="0">
                         <a:solidFill>
                           <a:schemeClr val="accent4">
                             <a:lumMod val="60000"/>
@@ -19915,7 +19915,7 @@
                           </a:schemeClr>
                         </a:solidFill>
                       </a:rPr>
-                      <a:t>小美</a:t>
+                      <a:t>Ben</a:t>
                     </a:r>
                     <a:r>
                       <a:rPr kumimoji="1" lang="en-US" altLang="zh-CN" sz="2200" dirty="0">
@@ -19954,7 +19954,7 @@
                 <p:spPr>
                   <a:xfrm>
                     <a:off x="3980162" y="4165996"/>
-                    <a:ext cx="1190552" cy="430887"/>
+                    <a:ext cx="1190552" cy="382209"/>
                   </a:xfrm>
                   <a:prstGeom prst="rect">
                     <a:avLst/>
@@ -19975,14 +19975,14 @@
                       </a:tabLst>
                     </a:pPr>
                     <a:r>
-                      <a:rPr kumimoji="1" lang="zh-CN" altLang="en-US" sz="2200" dirty="0">
+                      <a:rPr kumimoji="1" lang="en-US" altLang="zh-TW" sz="2200" dirty="0">
                         <a:solidFill>
                           <a:schemeClr val="accent2">
                             <a:lumMod val="75000"/>
                           </a:schemeClr>
                         </a:solidFill>
                       </a:rPr>
-                      <a:t>小熊</a:t>
+                      <a:t>Matt</a:t>
                     </a:r>
                     <a:r>
                       <a:rPr kumimoji="1" lang="en-US" altLang="zh-CN" sz="2200" dirty="0">
@@ -20019,7 +20019,7 @@
                 <p:spPr>
                   <a:xfrm>
                     <a:off x="3969276" y="4723648"/>
-                    <a:ext cx="1201438" cy="430887"/>
+                    <a:ext cx="1201438" cy="382209"/>
                   </a:xfrm>
                   <a:prstGeom prst="rect">
                     <a:avLst/>
@@ -20040,7 +20040,7 @@
                       </a:tabLst>
                     </a:pPr>
                     <a:r>
-                      <a:rPr kumimoji="1" lang="zh-CN" altLang="en-US" sz="2200" dirty="0">
+                      <a:rPr kumimoji="1" lang="en-US" altLang="zh-TW" sz="2200" dirty="0">
                         <a:solidFill>
                           <a:schemeClr val="accent6">
                             <a:lumMod val="60000"/>
@@ -20048,7 +20048,7 @@
                           </a:schemeClr>
                         </a:solidFill>
                       </a:rPr>
-                      <a:t>小樹</a:t>
+                      <a:t>Amy</a:t>
                     </a:r>
                     <a:r>
                       <a:rPr kumimoji="1" lang="en-US" altLang="zh-CN" sz="2200" dirty="0">
@@ -20462,8 +20462,12 @@
           </a:p>
           <a:p>
             <a:r>
+              <a:rPr kumimoji="1" lang="en-US" altLang="zh-TW" sz="4000"/>
+              <a:t>which person </a:t>
+            </a:r>
+            <a:r>
               <a:rPr kumimoji="1" lang="en-US" altLang="zh-TW" sz="4000" dirty="0"/>
-              <a:t>which target do you want to reach?”</a:t>
+              <a:t>do you want to reach?”</a:t>
             </a:r>
             <a:endParaRPr kumimoji="1" lang="zh-TW" altLang="en-US" sz="4000" dirty="0"/>
           </a:p>
